--- a/안드로이드 UI.pptx
+++ b/안드로이드 UI.pptx
@@ -5,25 +5,29 @@
     <p:sldMasterId id="2147483648" r:id="rId1"/>
   </p:sldMasterIdLst>
   <p:notesMasterIdLst>
-    <p:notesMasterId r:id="rId18"/>
+    <p:notesMasterId r:id="rId22"/>
   </p:notesMasterIdLst>
   <p:sldIdLst>
     <p:sldId id="258" r:id="rId2"/>
-    <p:sldId id="257" r:id="rId3"/>
-    <p:sldId id="326" r:id="rId4"/>
-    <p:sldId id="327" r:id="rId5"/>
-    <p:sldId id="305" r:id="rId6"/>
-    <p:sldId id="312" r:id="rId7"/>
-    <p:sldId id="313" r:id="rId8"/>
-    <p:sldId id="316" r:id="rId9"/>
-    <p:sldId id="317" r:id="rId10"/>
-    <p:sldId id="319" r:id="rId11"/>
-    <p:sldId id="320" r:id="rId12"/>
-    <p:sldId id="322" r:id="rId13"/>
-    <p:sldId id="323" r:id="rId14"/>
-    <p:sldId id="324" r:id="rId15"/>
-    <p:sldId id="325" r:id="rId16"/>
-    <p:sldId id="321" r:id="rId17"/>
+    <p:sldId id="353" r:id="rId3"/>
+    <p:sldId id="257" r:id="rId4"/>
+    <p:sldId id="356" r:id="rId5"/>
+    <p:sldId id="354" r:id="rId6"/>
+    <p:sldId id="355" r:id="rId7"/>
+    <p:sldId id="328" r:id="rId8"/>
+    <p:sldId id="329" r:id="rId9"/>
+    <p:sldId id="351" r:id="rId10"/>
+    <p:sldId id="352" r:id="rId11"/>
+    <p:sldId id="330" r:id="rId12"/>
+    <p:sldId id="331" r:id="rId13"/>
+    <p:sldId id="332" r:id="rId14"/>
+    <p:sldId id="336" r:id="rId15"/>
+    <p:sldId id="305" r:id="rId16"/>
+    <p:sldId id="337" r:id="rId17"/>
+    <p:sldId id="338" r:id="rId18"/>
+    <p:sldId id="339" r:id="rId19"/>
+    <p:sldId id="340" r:id="rId20"/>
+    <p:sldId id="341" r:id="rId21"/>
   </p:sldIdLst>
   <p:sldSz cx="9144000" cy="6858000" type="screen4x3"/>
   <p:notesSz cx="6858000" cy="9144000"/>
@@ -124,7 +128,7 @@
   </p:defaultTextStyle>
   <p:extLst>
     <p:ext uri="{EFAFB233-063F-42B5-8137-9DF3F51BA10A}">
-      <p15:sldGuideLst xmlns="" xmlns:p15="http://schemas.microsoft.com/office/powerpoint/2012/main">
+      <p15:sldGuideLst xmlns:p15="http://schemas.microsoft.com/office/powerpoint/2012/main" xmlns="">
         <p15:guide id="1" orient="horz" pos="2160">
           <p15:clr>
             <a:srgbClr val="A4A3A4"/>
@@ -223,7 +227,7 @@
           <a:p>
             <a:fld id="{73B52958-36A3-49D5-9CEA-C56256E835C4}" type="datetimeFigureOut">
               <a:rPr lang="ko-KR" altLang="en-US" smtClean="0"/>
-              <a:t>2016-04-07</a:t>
+              <a:t>2016-04-08</a:t>
             </a:fld>
             <a:endParaRPr lang="ko-KR" altLang="en-US"/>
           </a:p>
@@ -491,6 +495,90 @@
 </p:notesMaster>
 </file>
 
+<file path=ppt/notesSlides/notesSlide1.xml><?xml version="1.0" encoding="utf-8"?>
+<p:notes xmlns:a="http://schemas.openxmlformats.org/drawingml/2006/main" xmlns:r="http://schemas.openxmlformats.org/officeDocument/2006/relationships" xmlns:p="http://schemas.openxmlformats.org/presentationml/2006/main">
+  <p:cSld>
+    <p:spTree>
+      <p:nvGrpSpPr>
+        <p:cNvPr id="1" name=""/>
+        <p:cNvGrpSpPr/>
+        <p:nvPr/>
+      </p:nvGrpSpPr>
+      <p:grpSpPr>
+        <a:xfrm>
+          <a:off x="0" y="0"/>
+          <a:ext cx="0" cy="0"/>
+          <a:chOff x="0" y="0"/>
+          <a:chExt cx="0" cy="0"/>
+        </a:xfrm>
+      </p:grpSpPr>
+      <p:sp>
+        <p:nvSpPr>
+          <p:cNvPr id="2" name="슬라이드 이미지 개체 틀 1"/>
+          <p:cNvSpPr>
+            <a:spLocks noGrp="1" noRot="1" noChangeAspect="1"/>
+          </p:cNvSpPr>
+          <p:nvPr>
+            <p:ph type="sldImg"/>
+          </p:nvPr>
+        </p:nvSpPr>
+        <p:spPr/>
+      </p:sp>
+      <p:sp>
+        <p:nvSpPr>
+          <p:cNvPr id="3" name="슬라이드 노트 개체 틀 2"/>
+          <p:cNvSpPr>
+            <a:spLocks noGrp="1"/>
+          </p:cNvSpPr>
+          <p:nvPr>
+            <p:ph type="body" idx="1"/>
+          </p:nvPr>
+        </p:nvSpPr>
+        <p:spPr/>
+        <p:txBody>
+          <a:bodyPr/>
+          <a:lstStyle/>
+          <a:p>
+            <a:endParaRPr lang="ko-KR" altLang="en-US" dirty="0"/>
+          </a:p>
+        </p:txBody>
+      </p:sp>
+      <p:sp>
+        <p:nvSpPr>
+          <p:cNvPr id="4" name="슬라이드 번호 개체 틀 3"/>
+          <p:cNvSpPr>
+            <a:spLocks noGrp="1"/>
+          </p:cNvSpPr>
+          <p:nvPr>
+            <p:ph type="sldNum" sz="quarter" idx="10"/>
+          </p:nvPr>
+        </p:nvSpPr>
+        <p:spPr/>
+        <p:txBody>
+          <a:bodyPr/>
+          <a:lstStyle/>
+          <a:p>
+            <a:fld id="{8FC4E4D4-802B-454F-BEEA-4D93AD0AFC5A}" type="slidenum">
+              <a:rPr lang="ko-KR" altLang="en-US" smtClean="0"/>
+              <a:t>10</a:t>
+            </a:fld>
+            <a:endParaRPr lang="ko-KR" altLang="en-US"/>
+          </a:p>
+        </p:txBody>
+      </p:sp>
+    </p:spTree>
+    <p:extLst>
+      <p:ext uri="{BB962C8B-B14F-4D97-AF65-F5344CB8AC3E}">
+        <p14:creationId xmlns:p14="http://schemas.microsoft.com/office/powerpoint/2010/main" val="2393329741"/>
+      </p:ext>
+    </p:extLst>
+  </p:cSld>
+  <p:clrMapOvr>
+    <a:masterClrMapping/>
+  </p:clrMapOvr>
+</p:notes>
+</file>
+
 <file path=ppt/slideLayouts/slideLayout1.xml><?xml version="1.0" encoding="utf-8"?>
 <p:sldLayout xmlns:a="http://schemas.openxmlformats.org/drawingml/2006/main" xmlns:r="http://schemas.openxmlformats.org/officeDocument/2006/relationships" xmlns:p="http://schemas.openxmlformats.org/presentationml/2006/main" type="title" preserve="1">
   <p:cSld name="제목 슬라이드">
@@ -672,7 +760,7 @@
           <a:p>
             <a:fld id="{7BBE1449-B994-46CA-8C66-9319FCA2F4E0}" type="datetimeFigureOut">
               <a:rPr lang="ko-KR" altLang="en-US" smtClean="0"/>
-              <a:t>2016-04-07</a:t>
+              <a:t>2016-04-08</a:t>
             </a:fld>
             <a:endParaRPr lang="ko-KR" altLang="en-US"/>
           </a:p>
@@ -842,7 +930,7 @@
           <a:p>
             <a:fld id="{7BBE1449-B994-46CA-8C66-9319FCA2F4E0}" type="datetimeFigureOut">
               <a:rPr lang="ko-KR" altLang="en-US" smtClean="0"/>
-              <a:t>2016-04-07</a:t>
+              <a:t>2016-04-08</a:t>
             </a:fld>
             <a:endParaRPr lang="ko-KR" altLang="en-US"/>
           </a:p>
@@ -1022,7 +1110,7 @@
           <a:p>
             <a:fld id="{7BBE1449-B994-46CA-8C66-9319FCA2F4E0}" type="datetimeFigureOut">
               <a:rPr lang="ko-KR" altLang="en-US" smtClean="0"/>
-              <a:t>2016-04-07</a:t>
+              <a:t>2016-04-08</a:t>
             </a:fld>
             <a:endParaRPr lang="ko-KR" altLang="en-US"/>
           </a:p>
@@ -1192,7 +1280,7 @@
           <a:p>
             <a:fld id="{7BBE1449-B994-46CA-8C66-9319FCA2F4E0}" type="datetimeFigureOut">
               <a:rPr lang="ko-KR" altLang="en-US" smtClean="0"/>
-              <a:t>2016-04-07</a:t>
+              <a:t>2016-04-08</a:t>
             </a:fld>
             <a:endParaRPr lang="ko-KR" altLang="en-US"/>
           </a:p>
@@ -1438,7 +1526,7 @@
           <a:p>
             <a:fld id="{7BBE1449-B994-46CA-8C66-9319FCA2F4E0}" type="datetimeFigureOut">
               <a:rPr lang="ko-KR" altLang="en-US" smtClean="0"/>
-              <a:t>2016-04-07</a:t>
+              <a:t>2016-04-08</a:t>
             </a:fld>
             <a:endParaRPr lang="ko-KR" altLang="en-US"/>
           </a:p>
@@ -1726,7 +1814,7 @@
           <a:p>
             <a:fld id="{7BBE1449-B994-46CA-8C66-9319FCA2F4E0}" type="datetimeFigureOut">
               <a:rPr lang="ko-KR" altLang="en-US" smtClean="0"/>
-              <a:t>2016-04-07</a:t>
+              <a:t>2016-04-08</a:t>
             </a:fld>
             <a:endParaRPr lang="ko-KR" altLang="en-US"/>
           </a:p>
@@ -2148,7 +2236,7 @@
           <a:p>
             <a:fld id="{7BBE1449-B994-46CA-8C66-9319FCA2F4E0}" type="datetimeFigureOut">
               <a:rPr lang="ko-KR" altLang="en-US" smtClean="0"/>
-              <a:t>2016-04-07</a:t>
+              <a:t>2016-04-08</a:t>
             </a:fld>
             <a:endParaRPr lang="ko-KR" altLang="en-US"/>
           </a:p>
@@ -2266,7 +2354,7 @@
           <a:p>
             <a:fld id="{7BBE1449-B994-46CA-8C66-9319FCA2F4E0}" type="datetimeFigureOut">
               <a:rPr lang="ko-KR" altLang="en-US" smtClean="0"/>
-              <a:t>2016-04-07</a:t>
+              <a:t>2016-04-08</a:t>
             </a:fld>
             <a:endParaRPr lang="ko-KR" altLang="en-US"/>
           </a:p>
@@ -2361,7 +2449,7 @@
           <a:p>
             <a:fld id="{7BBE1449-B994-46CA-8C66-9319FCA2F4E0}" type="datetimeFigureOut">
               <a:rPr lang="ko-KR" altLang="en-US" smtClean="0"/>
-              <a:t>2016-04-07</a:t>
+              <a:t>2016-04-08</a:t>
             </a:fld>
             <a:endParaRPr lang="ko-KR" altLang="en-US"/>
           </a:p>
@@ -2638,7 +2726,7 @@
           <a:p>
             <a:fld id="{7BBE1449-B994-46CA-8C66-9319FCA2F4E0}" type="datetimeFigureOut">
               <a:rPr lang="ko-KR" altLang="en-US" smtClean="0"/>
-              <a:t>2016-04-07</a:t>
+              <a:t>2016-04-08</a:t>
             </a:fld>
             <a:endParaRPr lang="ko-KR" altLang="en-US"/>
           </a:p>
@@ -2891,7 +2979,7 @@
           <a:p>
             <a:fld id="{7BBE1449-B994-46CA-8C66-9319FCA2F4E0}" type="datetimeFigureOut">
               <a:rPr lang="ko-KR" altLang="en-US" smtClean="0"/>
-              <a:t>2016-04-07</a:t>
+              <a:t>2016-04-08</a:t>
             </a:fld>
             <a:endParaRPr lang="ko-KR" altLang="en-US"/>
           </a:p>
@@ -3104,7 +3192,7 @@
           <a:p>
             <a:fld id="{7BBE1449-B994-46CA-8C66-9319FCA2F4E0}" type="datetimeFigureOut">
               <a:rPr lang="ko-KR" altLang="en-US" smtClean="0"/>
-              <a:t>2016-04-07</a:t>
+              <a:t>2016-04-08</a:t>
             </a:fld>
             <a:endParaRPr lang="ko-KR" altLang="en-US"/>
           </a:p>
@@ -3634,14 +3722,14 @@
       </p:grpSpPr>
       <p:sp>
         <p:nvSpPr>
-          <p:cNvPr id="3" name="TextBox 2"/>
+          <p:cNvPr id="7" name="TextBox 6"/>
           <p:cNvSpPr txBox="1"/>
           <p:nvPr/>
         </p:nvSpPr>
         <p:spPr>
           <a:xfrm>
-            <a:off x="179512" y="332656"/>
-            <a:ext cx="8784976" cy="954107"/>
+            <a:off x="107504" y="973177"/>
+            <a:ext cx="8916022" cy="1015663"/>
           </a:xfrm>
           <a:prstGeom prst="rect">
             <a:avLst/>
@@ -3654,183 +3742,63 @@
           </a:bodyPr>
           <a:lstStyle/>
           <a:p>
-            <a:pPr marL="457200" indent="-457200">
-              <a:buFont typeface="Arial" pitchFamily="34" charset="0"/>
-              <a:buChar char="•"/>
-            </a:pPr>
-            <a:r>
-              <a:rPr lang="ko-KR" altLang="en-US" sz="2800" dirty="0" smtClean="0"/>
-              <a:t>센서 이벤트 연결</a:t>
-            </a:r>
-            <a:endParaRPr lang="en-US" altLang="ko-KR" sz="2800" dirty="0" smtClean="0"/>
-          </a:p>
-          <a:p>
-            <a:pPr marL="457200" indent="-457200">
-              <a:buFont typeface="Arial" pitchFamily="34" charset="0"/>
-              <a:buChar char="•"/>
-            </a:pPr>
-            <a:endParaRPr lang="en-US" altLang="ko-KR" sz="2800" dirty="0" smtClean="0"/>
-          </a:p>
-        </p:txBody>
-      </p:sp>
-      <p:sp>
-        <p:nvSpPr>
-          <p:cNvPr id="2" name="TextBox 1"/>
+            <a:r>
+              <a:rPr lang="ko-KR" altLang="en-US" sz="2000" dirty="0" smtClean="0"/>
+              <a:t>직접적으로 보이지는 않으며 다른 </a:t>
+            </a:r>
+            <a:r>
+              <a:rPr lang="en-US" altLang="ko-KR" sz="2000" dirty="0" smtClean="0"/>
+              <a:t>View </a:t>
+            </a:r>
+            <a:r>
+              <a:rPr lang="ko-KR" altLang="en-US" sz="2000" dirty="0" smtClean="0"/>
+              <a:t>를 담는 컨테이너 역할을 한다</a:t>
+            </a:r>
+            <a:r>
+              <a:rPr lang="en-US" altLang="ko-KR" sz="2000" dirty="0" smtClean="0"/>
+              <a:t>. </a:t>
+            </a:r>
+            <a:r>
+              <a:rPr lang="ko-KR" altLang="en-US" sz="2000" dirty="0" smtClean="0"/>
+              <a:t>이름 그대로 여러 개의 </a:t>
+            </a:r>
+            <a:r>
+              <a:rPr lang="en-US" altLang="ko-KR" sz="2000" dirty="0" smtClean="0"/>
+              <a:t>View</a:t>
+            </a:r>
+            <a:r>
+              <a:rPr lang="ko-KR" altLang="en-US" sz="2000" dirty="0"/>
+              <a:t> </a:t>
+            </a:r>
+            <a:r>
+              <a:rPr lang="ko-KR" altLang="en-US" sz="2000" dirty="0" smtClean="0"/>
+              <a:t>를 유기적으로 모아놓은 것이다</a:t>
+            </a:r>
+            <a:r>
+              <a:rPr lang="en-US" altLang="ko-KR" sz="2000" dirty="0" smtClean="0"/>
+              <a:t>. </a:t>
+            </a:r>
+            <a:r>
+              <a:rPr lang="ko-KR" altLang="en-US" sz="2000" dirty="0" smtClean="0"/>
+              <a:t>이 부류의 클래스들을 레이아웃이라고 한다</a:t>
+            </a:r>
+            <a:r>
+              <a:rPr lang="en-US" altLang="ko-KR" sz="2000" dirty="0" smtClean="0"/>
+              <a:t>.</a:t>
+            </a:r>
+          </a:p>
+        </p:txBody>
+      </p:sp>
+      <p:sp>
+        <p:nvSpPr>
+          <p:cNvPr id="8" name="TextBox 7"/>
           <p:cNvSpPr txBox="1"/>
           <p:nvPr/>
         </p:nvSpPr>
         <p:spPr>
           <a:xfrm>
-            <a:off x="395536" y="1052736"/>
-            <a:ext cx="8352928" cy="1754326"/>
-          </a:xfrm>
-          <a:prstGeom prst="rect">
-            <a:avLst/>
-          </a:prstGeom>
-        </p:spPr>
-        <p:style>
-          <a:lnRef idx="1">
-            <a:schemeClr val="accent6"/>
-          </a:lnRef>
-          <a:fillRef idx="2">
-            <a:schemeClr val="accent6"/>
-          </a:fillRef>
-          <a:effectRef idx="1">
-            <a:schemeClr val="accent6"/>
-          </a:effectRef>
-          <a:fontRef idx="minor">
-            <a:schemeClr val="dk1"/>
-          </a:fontRef>
-        </p:style>
-        <p:txBody>
-          <a:bodyPr wrap="square" rtlCol="0">
-            <a:spAutoFit/>
-          </a:bodyPr>
-          <a:lstStyle/>
-          <a:p>
-            <a:r>
-              <a:rPr lang="en-US" altLang="ko-KR" i="1" dirty="0"/>
-              <a:t>// </a:t>
-            </a:r>
-            <a:r>
-              <a:rPr lang="ko-KR" altLang="en-US" i="1" dirty="0"/>
-              <a:t>가속도 센서 </a:t>
-            </a:r>
-            <a:r>
-              <a:rPr lang="ko-KR" altLang="en-US" i="1" dirty="0" err="1"/>
-              <a:t>리스너</a:t>
-            </a:r>
-            <a:r>
-              <a:rPr lang="ko-KR" altLang="en-US" i="1" dirty="0"/>
-              <a:t> 오브젝트를 등록</a:t>
-            </a:r>
-            <a:br>
-              <a:rPr lang="ko-KR" altLang="en-US" i="1" dirty="0"/>
-            </a:br>
-            <a:r>
-              <a:rPr lang="en-US" altLang="ko-KR" b="1" dirty="0" err="1"/>
-              <a:t>sensorManager</a:t>
-            </a:r>
-            <a:r>
-              <a:rPr lang="en-US" altLang="ko-KR" dirty="0" err="1"/>
-              <a:t>.registerListener</a:t>
-            </a:r>
-            <a:r>
-              <a:rPr lang="en-US" altLang="ko-KR" dirty="0"/>
-              <a:t>(</a:t>
-            </a:r>
-            <a:r>
-              <a:rPr lang="en-US" altLang="ko-KR" b="1" dirty="0"/>
-              <a:t>this</a:t>
-            </a:r>
-            <a:r>
-              <a:rPr lang="en-US" altLang="ko-KR" dirty="0"/>
-              <a:t>, </a:t>
-            </a:r>
-            <a:r>
-              <a:rPr lang="en-US" altLang="ko-KR" b="1" dirty="0" err="1"/>
-              <a:t>accelerormeterSensor</a:t>
-            </a:r>
-            <a:r>
-              <a:rPr lang="en-US" altLang="ko-KR" dirty="0"/>
-              <a:t>,</a:t>
-            </a:r>
-            <a:br>
-              <a:rPr lang="en-US" altLang="ko-KR" dirty="0"/>
-            </a:br>
-            <a:r>
-              <a:rPr lang="en-US" altLang="ko-KR" dirty="0"/>
-              <a:t>        </a:t>
-            </a:r>
-            <a:r>
-              <a:rPr lang="en-US" altLang="ko-KR" dirty="0" err="1"/>
-              <a:t>SensorManager.</a:t>
-            </a:r>
-            <a:r>
-              <a:rPr lang="en-US" altLang="ko-KR" b="1" i="1" dirty="0" err="1"/>
-              <a:t>SENSOR_DELAY_GAME</a:t>
-            </a:r>
-            <a:r>
-              <a:rPr lang="en-US" altLang="ko-KR" dirty="0" smtClean="0"/>
-              <a:t>);</a:t>
-            </a:r>
-          </a:p>
-          <a:p>
-            <a:endParaRPr lang="en-US" altLang="ko-KR" dirty="0"/>
-          </a:p>
-          <a:p>
-            <a:r>
-              <a:rPr lang="en-US" altLang="ko-KR" i="1" dirty="0"/>
-              <a:t>// </a:t>
-            </a:r>
-            <a:r>
-              <a:rPr lang="ko-KR" altLang="en-US" i="1" dirty="0"/>
-              <a:t>센서에서 이벤트 </a:t>
-            </a:r>
-            <a:r>
-              <a:rPr lang="ko-KR" altLang="en-US" i="1" dirty="0" err="1"/>
-              <a:t>리스너</a:t>
-            </a:r>
-            <a:r>
-              <a:rPr lang="ko-KR" altLang="en-US" i="1" dirty="0"/>
-              <a:t> 분리</a:t>
-            </a:r>
-            <a:br>
-              <a:rPr lang="ko-KR" altLang="en-US" i="1" dirty="0"/>
-            </a:br>
-            <a:r>
-              <a:rPr lang="en-US" altLang="ko-KR" b="1" dirty="0" err="1"/>
-              <a:t>sensorManager</a:t>
-            </a:r>
-            <a:r>
-              <a:rPr lang="en-US" altLang="ko-KR" dirty="0" err="1"/>
-              <a:t>.unregisterListener</a:t>
-            </a:r>
-            <a:r>
-              <a:rPr lang="en-US" altLang="ko-KR" dirty="0"/>
-              <a:t>(</a:t>
-            </a:r>
-            <a:r>
-              <a:rPr lang="en-US" altLang="ko-KR" b="1" dirty="0"/>
-              <a:t>this</a:t>
-            </a:r>
-            <a:r>
-              <a:rPr lang="en-US" altLang="ko-KR" dirty="0"/>
-              <a:t>);</a:t>
-            </a:r>
-          </a:p>
-        </p:txBody>
-      </p:sp>
-      <p:sp>
-        <p:nvSpPr>
-          <p:cNvPr id="4" name="TextBox 3"/>
-          <p:cNvSpPr txBox="1"/>
-          <p:nvPr/>
-        </p:nvSpPr>
-        <p:spPr>
-          <a:xfrm>
-            <a:off x="251520" y="3185681"/>
-            <a:ext cx="8640960" cy="1323439"/>
+            <a:off x="232914" y="212447"/>
+            <a:ext cx="3357971" cy="646331"/>
           </a:xfrm>
           <a:prstGeom prst="rect">
             <a:avLst/>
@@ -3838,142 +3806,68 @@
           <a:noFill/>
         </p:spPr>
         <p:txBody>
-          <a:bodyPr wrap="square" rtlCol="0">
+          <a:bodyPr wrap="none" rtlCol="0">
             <a:spAutoFit/>
           </a:bodyPr>
           <a:lstStyle/>
           <a:p>
-            <a:r>
-              <a:rPr lang="ko-KR" altLang="en-US" sz="2000" dirty="0"/>
-              <a:t>이벤트를 연결하는 구문을 보면</a:t>
-            </a:r>
-            <a:r>
-              <a:rPr lang="en-US" altLang="ko-KR" sz="2000" dirty="0"/>
-              <a:t>, </a:t>
-            </a:r>
-            <a:r>
-              <a:rPr lang="en-US" altLang="ko-KR" sz="2000" dirty="0" err="1"/>
-              <a:t>SensorManager</a:t>
-            </a:r>
-            <a:r>
-              <a:rPr lang="en-US" altLang="ko-KR" sz="2000" dirty="0"/>
-              <a:t> </a:t>
-            </a:r>
-            <a:r>
-              <a:rPr lang="ko-KR" altLang="en-US" sz="2000" dirty="0"/>
-              <a:t>객체에게 이벤트 </a:t>
-            </a:r>
-            <a:r>
-              <a:rPr lang="ko-KR" altLang="en-US" sz="2000" dirty="0" err="1"/>
-              <a:t>리스너와</a:t>
-            </a:r>
-            <a:r>
-              <a:rPr lang="ko-KR" altLang="en-US" sz="2000" dirty="0"/>
-              <a:t> 센서 객체를 전달하여 둘을 연결시키도록 지정합니다</a:t>
-            </a:r>
-            <a:r>
-              <a:rPr lang="en-US" altLang="ko-KR" sz="2000" dirty="0"/>
-              <a:t>. </a:t>
-            </a:r>
-            <a:r>
-              <a:rPr lang="ko-KR" altLang="en-US" sz="2000" dirty="0"/>
-              <a:t>마지막 </a:t>
-            </a:r>
-            <a:r>
-              <a:rPr lang="ko-KR" altLang="en-US" sz="2000" dirty="0" err="1"/>
-              <a:t>파라미터인</a:t>
-            </a:r>
-            <a:r>
-              <a:rPr lang="ko-KR" altLang="en-US" sz="2000" dirty="0"/>
-              <a:t> </a:t>
-            </a:r>
-            <a:r>
-              <a:rPr lang="en-US" altLang="ko-KR" sz="2000" dirty="0" err="1" smtClean="0"/>
-              <a:t>SensorManager.SENSOR_DELAY_GAME</a:t>
-            </a:r>
-            <a:r>
-              <a:rPr lang="en-US" altLang="ko-KR" sz="2000" dirty="0" smtClean="0"/>
-              <a:t> </a:t>
-            </a:r>
-            <a:r>
-              <a:rPr lang="ko-KR" altLang="en-US" sz="2000" dirty="0"/>
-              <a:t>값은 센서의 민감도를 의미하는데 다음의 네 가지 값이 있습니다</a:t>
-            </a:r>
-            <a:r>
-              <a:rPr lang="en-US" altLang="ko-KR" sz="2000" dirty="0"/>
-              <a:t>.</a:t>
-            </a:r>
-          </a:p>
-        </p:txBody>
-      </p:sp>
-      <p:sp>
-        <p:nvSpPr>
-          <p:cNvPr id="5" name="TextBox 4"/>
-          <p:cNvSpPr txBox="1"/>
+            <a:pPr marL="742950" indent="-742950">
+              <a:buFont typeface="+mj-lt"/>
+              <a:buAutoNum type="arabicPeriod" startAt="2"/>
+            </a:pPr>
+            <a:r>
+              <a:rPr lang="en-US" altLang="ko-KR" sz="3600" b="1" dirty="0" err="1" smtClean="0"/>
+              <a:t>ViewGroup</a:t>
+            </a:r>
+            <a:endParaRPr lang="en-US" altLang="ko-KR" sz="3600" b="1" dirty="0" smtClean="0"/>
+          </a:p>
+        </p:txBody>
+      </p:sp>
+      <p:pic>
+        <p:nvPicPr>
+          <p:cNvPr id="8194" name="Picture 2" descr="C:\Users\Mutecsoft_pc\Pictures\2222.jpg"/>
+          <p:cNvPicPr>
+            <a:picLocks noChangeAspect="1" noChangeArrowheads="1"/>
+          </p:cNvPicPr>
           <p:nvPr/>
-        </p:nvSpPr>
-        <p:spPr>
+        </p:nvPicPr>
+        <p:blipFill>
+          <a:blip r:embed="rId3">
+            <a:extLst>
+              <a:ext uri="{28A0092B-C50C-407E-A947-70E740481C1C}">
+                <a14:useLocalDpi xmlns:a14="http://schemas.microsoft.com/office/drawing/2010/main" val="0"/>
+              </a:ext>
+            </a:extLst>
+          </a:blip>
+          <a:srcRect/>
+          <a:stretch>
+            <a:fillRect/>
+          </a:stretch>
+        </p:blipFill>
+        <p:spPr bwMode="auto">
           <a:xfrm>
-            <a:off x="1035720" y="4820959"/>
-            <a:ext cx="6912768" cy="1200329"/>
+            <a:off x="1331640" y="2107284"/>
+            <a:ext cx="6332697" cy="4778100"/>
           </a:xfrm>
           <a:prstGeom prst="rect">
             <a:avLst/>
           </a:prstGeom>
+          <a:noFill/>
+          <a:extLst>
+            <a:ext uri="{909E8E84-426E-40DD-AFC4-6F175D3DCCD1}">
+              <a14:hiddenFill xmlns:a14="http://schemas.microsoft.com/office/drawing/2010/main">
+                <a:solidFill>
+                  <a:srgbClr val="FFFFFF"/>
+                </a:solidFill>
+              </a14:hiddenFill>
+            </a:ext>
+          </a:extLst>
         </p:spPr>
-        <p:style>
-          <a:lnRef idx="1">
-            <a:schemeClr val="accent6"/>
-          </a:lnRef>
-          <a:fillRef idx="2">
-            <a:schemeClr val="accent6"/>
-          </a:fillRef>
-          <a:effectRef idx="1">
-            <a:schemeClr val="accent6"/>
-          </a:effectRef>
-          <a:fontRef idx="minor">
-            <a:schemeClr val="dk1"/>
-          </a:fontRef>
-        </p:style>
-        <p:txBody>
-          <a:bodyPr wrap="square" rtlCol="0">
-            <a:spAutoFit/>
-          </a:bodyPr>
-          <a:lstStyle/>
-          <a:p>
-            <a:r>
-              <a:rPr lang="en-US" altLang="ko-KR" dirty="0" err="1"/>
-              <a:t>SensorManager.SENSOR_DELAY_FASTEST</a:t>
-            </a:r>
-            <a:endParaRPr lang="en-US" altLang="ko-KR" dirty="0"/>
-          </a:p>
-          <a:p>
-            <a:r>
-              <a:rPr lang="en-US" altLang="ko-KR" dirty="0" err="1"/>
-              <a:t>SensorManager.SENSOR_DELAY_GAME</a:t>
-            </a:r>
-            <a:endParaRPr lang="en-US" altLang="ko-KR" dirty="0"/>
-          </a:p>
-          <a:p>
-            <a:r>
-              <a:rPr lang="en-US" altLang="ko-KR" dirty="0" err="1"/>
-              <a:t>SensorManager.SENSOR_DELAY_NORMAL</a:t>
-            </a:r>
-            <a:endParaRPr lang="en-US" altLang="ko-KR" dirty="0"/>
-          </a:p>
-          <a:p>
-            <a:r>
-              <a:rPr lang="en-US" altLang="ko-KR" dirty="0" err="1" smtClean="0"/>
-              <a:t>SensorManager.SENSOR_DELAY_UI</a:t>
-            </a:r>
-            <a:endParaRPr lang="en-US" altLang="ko-KR" dirty="0"/>
-          </a:p>
-        </p:txBody>
-      </p:sp>
+      </p:pic>
     </p:spTree>
     <p:extLst>
       <p:ext uri="{BB962C8B-B14F-4D97-AF65-F5344CB8AC3E}">
-        <p14:creationId xmlns:p14="http://schemas.microsoft.com/office/powerpoint/2010/main" val="2760253748"/>
+        <p14:creationId xmlns:p14="http://schemas.microsoft.com/office/powerpoint/2010/main" val="3644789057"/>
       </p:ext>
     </p:extLst>
   </p:cSld>
@@ -4015,8 +3909,8 @@
         </p:nvSpPr>
         <p:spPr>
           <a:xfrm>
-            <a:off x="179512" y="332656"/>
-            <a:ext cx="8784976" cy="954107"/>
+            <a:off x="107504" y="1700808"/>
+            <a:ext cx="8916022" cy="5016758"/>
           </a:xfrm>
           <a:prstGeom prst="rect">
             <a:avLst/>
@@ -4029,193 +3923,357 @@
           </a:bodyPr>
           <a:lstStyle/>
           <a:p>
-            <a:pPr marL="457200" indent="-457200">
+            <a:r>
+              <a:rPr lang="ko-KR" altLang="en-US" sz="2000" dirty="0" smtClean="0">
+                <a:effectLst/>
+              </a:rPr>
+              <a:t>레이아웃은 </a:t>
+            </a:r>
+            <a:r>
+              <a:rPr lang="en-US" altLang="ko-KR" sz="2000" dirty="0" smtClean="0"/>
+              <a:t>UI </a:t>
+            </a:r>
+            <a:r>
+              <a:rPr lang="ko-KR" altLang="en-US" sz="2000" dirty="0" smtClean="0"/>
+              <a:t>에 대한 시각적 구조를 정의합니다</a:t>
+            </a:r>
+            <a:r>
+              <a:rPr lang="en-US" altLang="ko-KR" sz="2000" dirty="0" smtClean="0"/>
+              <a:t>. </a:t>
+            </a:r>
+            <a:r>
+              <a:rPr lang="ko-KR" altLang="en-US" sz="2000" dirty="0" smtClean="0"/>
+              <a:t>예를 들면 </a:t>
+            </a:r>
+            <a:r>
+              <a:rPr lang="ko-KR" altLang="en-US" sz="2000" dirty="0" err="1" smtClean="0"/>
+              <a:t>액티비티</a:t>
+            </a:r>
+            <a:r>
+              <a:rPr lang="ko-KR" altLang="en-US" sz="2000" dirty="0" smtClean="0"/>
+              <a:t> 또는 </a:t>
+            </a:r>
+            <a:r>
+              <a:rPr lang="ko-KR" altLang="en-US" sz="2000" dirty="0" err="1" smtClean="0"/>
+              <a:t>앱</a:t>
+            </a:r>
+            <a:r>
+              <a:rPr lang="ko-KR" altLang="en-US" sz="2000" dirty="0" smtClean="0"/>
+              <a:t> </a:t>
+            </a:r>
+            <a:r>
+              <a:rPr lang="ko-KR" altLang="en-US" sz="2000" dirty="0" err="1" smtClean="0"/>
+              <a:t>위젯에</a:t>
+            </a:r>
+            <a:r>
+              <a:rPr lang="ko-KR" altLang="en-US" sz="2000" dirty="0" smtClean="0"/>
+              <a:t>  대한 </a:t>
+            </a:r>
+            <a:r>
+              <a:rPr lang="en-US" altLang="ko-KR" sz="2000" dirty="0" smtClean="0"/>
+              <a:t>UI</a:t>
+            </a:r>
+            <a:r>
+              <a:rPr lang="ko-KR" altLang="en-US" sz="2000" dirty="0" smtClean="0"/>
+              <a:t>가 이에 해당됩니다</a:t>
+            </a:r>
+            <a:r>
+              <a:rPr lang="en-US" altLang="ko-KR" sz="2000" dirty="0" smtClean="0"/>
+              <a:t>. </a:t>
+            </a:r>
+            <a:r>
+              <a:rPr lang="ko-KR" altLang="en-US" sz="2000" dirty="0" smtClean="0"/>
+              <a:t>레이아웃을 선언하는 데에는 다음과 같은 </a:t>
+            </a:r>
+            <a:r>
+              <a:rPr lang="ko-KR" altLang="en-US" sz="2000" dirty="0" err="1" smtClean="0"/>
+              <a:t>두가지</a:t>
+            </a:r>
+            <a:r>
+              <a:rPr lang="ko-KR" altLang="en-US" sz="2000" dirty="0" smtClean="0"/>
+              <a:t> 방법이 있습니다</a:t>
+            </a:r>
+            <a:r>
+              <a:rPr lang="en-US" altLang="ko-KR" sz="2000" dirty="0" smtClean="0"/>
+              <a:t>.</a:t>
+            </a:r>
+          </a:p>
+          <a:p>
+            <a:endParaRPr lang="en-US" altLang="ko-KR" sz="2000" dirty="0">
+              <a:effectLst/>
+            </a:endParaRPr>
+          </a:p>
+          <a:p>
+            <a:pPr marL="342900" indent="-342900">
               <a:buFont typeface="Arial" pitchFamily="34" charset="0"/>
               <a:buChar char="•"/>
             </a:pPr>
             <a:r>
-              <a:rPr lang="ko-KR" altLang="en-US" sz="2800" dirty="0" smtClean="0"/>
-              <a:t>센서 이벤트 처리</a:t>
-            </a:r>
-            <a:endParaRPr lang="en-US" altLang="ko-KR" sz="2800" dirty="0" smtClean="0"/>
-          </a:p>
-          <a:p>
-            <a:pPr marL="457200" indent="-457200">
+              <a:rPr lang="en-US" altLang="ko-KR" sz="2000" dirty="0" smtClean="0"/>
+              <a:t>UI </a:t>
+            </a:r>
+            <a:r>
+              <a:rPr lang="ko-KR" altLang="en-US" sz="2000" dirty="0" smtClean="0"/>
+              <a:t>요소를 </a:t>
+            </a:r>
+            <a:r>
+              <a:rPr lang="en-US" altLang="ko-KR" sz="2000" dirty="0" smtClean="0"/>
+              <a:t>XML</a:t>
+            </a:r>
+            <a:r>
+              <a:rPr lang="ko-KR" altLang="en-US" sz="2000" dirty="0" smtClean="0"/>
+              <a:t>로 선언</a:t>
+            </a:r>
+            <a:r>
+              <a:rPr lang="en-US" altLang="ko-KR" sz="2000" dirty="0" smtClean="0"/>
+              <a:t>.</a:t>
+            </a:r>
+          </a:p>
+          <a:p>
+            <a:pPr marL="342900" indent="-342900">
               <a:buFont typeface="Arial" pitchFamily="34" charset="0"/>
               <a:buChar char="•"/>
             </a:pPr>
-            <a:endParaRPr lang="en-US" altLang="ko-KR" sz="2800" dirty="0" smtClean="0"/>
-          </a:p>
-        </p:txBody>
-      </p:sp>
-      <p:sp>
-        <p:nvSpPr>
-          <p:cNvPr id="2" name="TextBox 1"/>
-          <p:cNvSpPr txBox="1"/>
+            <a:endParaRPr lang="en-US" altLang="ko-KR" sz="2000" dirty="0">
+              <a:effectLst/>
+            </a:endParaRPr>
+          </a:p>
+          <a:p>
+            <a:pPr marL="342900" indent="-342900">
+              <a:buFont typeface="Arial" pitchFamily="34" charset="0"/>
+              <a:buChar char="•"/>
+            </a:pPr>
+            <a:r>
+              <a:rPr lang="ko-KR" altLang="en-US" sz="2000" dirty="0" smtClean="0"/>
+              <a:t>자바 코드를 통해서 </a:t>
+            </a:r>
+            <a:r>
+              <a:rPr lang="en-US" altLang="ko-KR" sz="2000" dirty="0" smtClean="0"/>
+              <a:t>View </a:t>
+            </a:r>
+            <a:r>
+              <a:rPr lang="ko-KR" altLang="en-US" sz="2000" dirty="0" smtClean="0"/>
+              <a:t>및 </a:t>
+            </a:r>
+            <a:r>
+              <a:rPr lang="en-US" altLang="ko-KR" sz="2000" dirty="0" err="1" smtClean="0"/>
+              <a:t>ViewGroup</a:t>
+            </a:r>
+            <a:r>
+              <a:rPr lang="en-US" altLang="ko-KR" sz="2000" dirty="0" smtClean="0"/>
+              <a:t>  </a:t>
+            </a:r>
+            <a:r>
+              <a:rPr lang="ko-KR" altLang="en-US" sz="2000" dirty="0" smtClean="0"/>
+              <a:t>객체를 생성</a:t>
+            </a:r>
+            <a:r>
+              <a:rPr lang="en-US" altLang="ko-KR" sz="2000" dirty="0" smtClean="0"/>
+              <a:t>.</a:t>
+            </a:r>
+          </a:p>
+          <a:p>
+            <a:pPr marL="342900" indent="-342900">
+              <a:buFont typeface="Arial" pitchFamily="34" charset="0"/>
+              <a:buChar char="•"/>
+            </a:pPr>
+            <a:endParaRPr lang="en-US" altLang="ko-KR" sz="2000" dirty="0">
+              <a:effectLst/>
+            </a:endParaRPr>
+          </a:p>
+          <a:p>
+            <a:r>
+              <a:rPr lang="ko-KR" altLang="en-US" sz="2000" dirty="0" err="1" smtClean="0">
+                <a:effectLst/>
+              </a:rPr>
+              <a:t>안드로이드</a:t>
+            </a:r>
+            <a:r>
+              <a:rPr lang="ko-KR" altLang="en-US" sz="2000" dirty="0" smtClean="0">
+                <a:effectLst/>
+              </a:rPr>
+              <a:t> 프레임워크에서는 이와 같이 애플리케이션의 </a:t>
+            </a:r>
+            <a:r>
+              <a:rPr lang="en-US" altLang="ko-KR" sz="2000" dirty="0" smtClean="0">
+                <a:effectLst/>
+              </a:rPr>
+              <a:t>UI</a:t>
+            </a:r>
+            <a:r>
+              <a:rPr lang="ko-KR" altLang="en-US" sz="2000" dirty="0" smtClean="0">
+                <a:effectLst/>
+              </a:rPr>
+              <a:t>를 </a:t>
+            </a:r>
+            <a:r>
+              <a:rPr lang="ko-KR" altLang="en-US" sz="2000" dirty="0" smtClean="0"/>
+              <a:t>선언하고 관리하기 위한 방법을 둘 중 하나만</a:t>
+            </a:r>
+            <a:r>
+              <a:rPr lang="en-US" altLang="ko-KR" sz="2000" dirty="0" smtClean="0"/>
+              <a:t>, </a:t>
+            </a:r>
+            <a:r>
+              <a:rPr lang="ko-KR" altLang="en-US" sz="2000" dirty="0" smtClean="0"/>
+              <a:t>또는 둘 모두 사용할 수 있습니다</a:t>
+            </a:r>
+            <a:r>
+              <a:rPr lang="en-US" altLang="ko-KR" sz="2000" dirty="0" smtClean="0"/>
+              <a:t>.</a:t>
+            </a:r>
+          </a:p>
+          <a:p>
+            <a:endParaRPr lang="en-US" altLang="ko-KR" sz="2000" dirty="0">
+              <a:effectLst/>
+            </a:endParaRPr>
+          </a:p>
+          <a:p>
+            <a:r>
+              <a:rPr lang="en-US" altLang="ko-KR" sz="2000" dirty="0" smtClean="0"/>
+              <a:t>UI</a:t>
+            </a:r>
+            <a:r>
+              <a:rPr lang="ko-KR" altLang="en-US" sz="2000" dirty="0" smtClean="0"/>
+              <a:t>를 </a:t>
+            </a:r>
+            <a:r>
+              <a:rPr lang="en-US" altLang="ko-KR" sz="2000" dirty="0" smtClean="0"/>
+              <a:t>XML</a:t>
+            </a:r>
+            <a:r>
+              <a:rPr lang="ko-KR" altLang="en-US" sz="2000" dirty="0" smtClean="0"/>
+              <a:t>로 선언할 경우 애플리케이션에서 사용자에게 보여질 </a:t>
+            </a:r>
+            <a:r>
+              <a:rPr lang="en-US" altLang="ko-KR" sz="2000" dirty="0" smtClean="0"/>
+              <a:t>View </a:t>
+            </a:r>
+            <a:r>
+              <a:rPr lang="ko-KR" altLang="en-US" sz="2000" dirty="0" smtClean="0"/>
+              <a:t>부분과 </a:t>
+            </a:r>
+            <a:r>
+              <a:rPr lang="ko-KR" altLang="en-US" sz="2000" dirty="0" err="1" smtClean="0"/>
+              <a:t>로직</a:t>
+            </a:r>
+            <a:r>
+              <a:rPr lang="ko-KR" altLang="en-US" sz="2000" dirty="0" smtClean="0"/>
+              <a:t> 부분을 따로 관리 할 수 있다는 장점이 있습니다</a:t>
+            </a:r>
+            <a:r>
+              <a:rPr lang="en-US" altLang="ko-KR" sz="2000" dirty="0" smtClean="0"/>
+              <a:t>.</a:t>
+            </a:r>
+          </a:p>
+          <a:p>
+            <a:endParaRPr lang="en-US" altLang="ko-KR" sz="2000" dirty="0">
+              <a:effectLst/>
+            </a:endParaRPr>
+          </a:p>
+          <a:p>
+            <a:r>
+              <a:rPr lang="ko-KR" altLang="en-US" sz="2000" dirty="0" smtClean="0"/>
+              <a:t>레이아웃은 </a:t>
+            </a:r>
+            <a:r>
+              <a:rPr lang="en-US" altLang="ko-KR" sz="2000" dirty="0" smtClean="0"/>
+              <a:t>Linear Layout, Relative Layout, List View, Grid View </a:t>
+            </a:r>
+            <a:r>
+              <a:rPr lang="ko-KR" altLang="en-US" sz="2000" dirty="0" smtClean="0"/>
+              <a:t>등 이 있습니다</a:t>
+            </a:r>
+            <a:r>
+              <a:rPr lang="en-US" altLang="ko-KR" sz="2000" dirty="0" smtClean="0"/>
+              <a:t>.</a:t>
+            </a:r>
+            <a:endParaRPr lang="ko-KR" altLang="en-US" sz="2000" dirty="0">
+              <a:effectLst/>
+            </a:endParaRPr>
+          </a:p>
+        </p:txBody>
+      </p:sp>
+      <p:grpSp>
+        <p:nvGrpSpPr>
+          <p:cNvPr id="4" name="그룹 3"/>
+          <p:cNvGrpSpPr/>
           <p:nvPr/>
-        </p:nvSpPr>
-        <p:spPr>
+        </p:nvGrpSpPr>
+        <p:grpSpPr>
           <a:xfrm>
-            <a:off x="395536" y="1120676"/>
-            <a:ext cx="8352928" cy="2308324"/>
+            <a:off x="232914" y="260647"/>
+            <a:ext cx="7363422" cy="1008113"/>
+            <a:chOff x="179512" y="188639"/>
+            <a:chExt cx="7512374" cy="1071121"/>
           </a:xfrm>
-          <a:prstGeom prst="rect">
-            <a:avLst/>
-          </a:prstGeom>
-        </p:spPr>
-        <p:style>
-          <a:lnRef idx="1">
-            <a:schemeClr val="accent6"/>
-          </a:lnRef>
-          <a:fillRef idx="2">
-            <a:schemeClr val="accent6"/>
-          </a:fillRef>
-          <a:effectRef idx="1">
-            <a:schemeClr val="accent6"/>
-          </a:effectRef>
-          <a:fontRef idx="minor">
-            <a:schemeClr val="dk1"/>
-          </a:fontRef>
-        </p:style>
-        <p:txBody>
-          <a:bodyPr wrap="square" rtlCol="0">
-            <a:spAutoFit/>
-          </a:bodyPr>
-          <a:lstStyle/>
-          <a:p>
-            <a:r>
-              <a:rPr lang="en-US" altLang="ko-KR" i="1" dirty="0"/>
-              <a:t>// </a:t>
-            </a:r>
-            <a:r>
-              <a:rPr lang="ko-KR" altLang="en-US" i="1" dirty="0"/>
-              <a:t>센서의 값이 변경 되었을 때 수행</a:t>
-            </a:r>
-            <a:br>
-              <a:rPr lang="ko-KR" altLang="en-US" i="1" dirty="0"/>
-            </a:br>
-            <a:r>
-              <a:rPr lang="en-US" altLang="ko-KR" dirty="0"/>
-              <a:t>@Override</a:t>
-            </a:r>
-            <a:br>
-              <a:rPr lang="en-US" altLang="ko-KR" dirty="0"/>
-            </a:br>
-            <a:r>
-              <a:rPr lang="en-US" altLang="ko-KR" b="1" dirty="0"/>
-              <a:t>public void </a:t>
-            </a:r>
-            <a:r>
-              <a:rPr lang="en-US" altLang="ko-KR" dirty="0" err="1"/>
-              <a:t>onSensorChanged</a:t>
-            </a:r>
-            <a:r>
-              <a:rPr lang="en-US" altLang="ko-KR" dirty="0"/>
-              <a:t>(</a:t>
-            </a:r>
-            <a:r>
-              <a:rPr lang="en-US" altLang="ko-KR" dirty="0" err="1"/>
-              <a:t>SensorEvent</a:t>
-            </a:r>
-            <a:r>
-              <a:rPr lang="en-US" altLang="ko-KR" dirty="0"/>
-              <a:t> event) </a:t>
-            </a:r>
-            <a:r>
-              <a:rPr lang="en-US" altLang="ko-KR" dirty="0" smtClean="0"/>
-              <a:t>{</a:t>
-            </a:r>
-          </a:p>
-          <a:p>
-            <a:r>
-              <a:rPr lang="en-US" altLang="ko-KR" i="1" dirty="0" smtClean="0"/>
-              <a:t>    // </a:t>
-            </a:r>
-            <a:r>
-              <a:rPr lang="ko-KR" altLang="en-US" i="1" dirty="0" smtClean="0"/>
-              <a:t>넘어온 센서 이벤트가 가속도 센서일 경우만 수행</a:t>
-            </a:r>
-            <a:r>
-              <a:rPr lang="en-US" altLang="ko-KR" dirty="0"/>
-              <a:t/>
-            </a:r>
-            <a:br>
-              <a:rPr lang="en-US" altLang="ko-KR" dirty="0"/>
-            </a:br>
-            <a:r>
-              <a:rPr lang="en-US" altLang="ko-KR" dirty="0"/>
-              <a:t>    </a:t>
-            </a:r>
-            <a:r>
-              <a:rPr lang="en-US" altLang="ko-KR" b="1" dirty="0"/>
-              <a:t>if </a:t>
-            </a:r>
-            <a:r>
-              <a:rPr lang="en-US" altLang="ko-KR" dirty="0"/>
-              <a:t>(</a:t>
-            </a:r>
-            <a:r>
-              <a:rPr lang="en-US" altLang="ko-KR" dirty="0" err="1"/>
-              <a:t>event.</a:t>
-            </a:r>
-            <a:r>
-              <a:rPr lang="en-US" altLang="ko-KR" b="1" dirty="0" err="1"/>
-              <a:t>sensor</a:t>
-            </a:r>
-            <a:r>
-              <a:rPr lang="en-US" altLang="ko-KR" dirty="0" err="1"/>
-              <a:t>.getType</a:t>
-            </a:r>
-            <a:r>
-              <a:rPr lang="en-US" altLang="ko-KR" dirty="0"/>
-              <a:t>() == </a:t>
-            </a:r>
-            <a:r>
-              <a:rPr lang="en-US" altLang="ko-KR" dirty="0" err="1"/>
-              <a:t>Sensor.</a:t>
-            </a:r>
-            <a:r>
-              <a:rPr lang="en-US" altLang="ko-KR" b="1" i="1" dirty="0" err="1"/>
-              <a:t>TYPE_ACCELEROMETER</a:t>
-            </a:r>
-            <a:r>
-              <a:rPr lang="en-US" altLang="ko-KR" dirty="0"/>
-              <a:t>) </a:t>
-            </a:r>
-            <a:r>
-              <a:rPr lang="en-US" altLang="ko-KR" dirty="0" smtClean="0"/>
-              <a:t>{</a:t>
-            </a:r>
-          </a:p>
-          <a:p>
-            <a:r>
-              <a:rPr lang="en-US" altLang="ko-KR" i="1" dirty="0" smtClean="0"/>
-              <a:t>	// </a:t>
-            </a:r>
-            <a:r>
-              <a:rPr lang="ko-KR" altLang="en-US" i="1" dirty="0" smtClean="0"/>
-              <a:t>처리할 내용 기술</a:t>
-            </a:r>
-            <a:endParaRPr lang="en-US" altLang="ko-KR" i="1" dirty="0" smtClean="0"/>
-          </a:p>
-          <a:p>
-            <a:r>
-              <a:rPr lang="en-US" altLang="ko-KR" dirty="0" smtClean="0"/>
-              <a:t>    }</a:t>
-            </a:r>
-          </a:p>
-          <a:p>
-            <a:r>
-              <a:rPr lang="en-US" altLang="ko-KR" dirty="0"/>
-              <a:t>}</a:t>
-            </a:r>
-          </a:p>
-        </p:txBody>
-      </p:sp>
+        </p:grpSpPr>
+        <p:sp>
+          <p:nvSpPr>
+            <p:cNvPr id="10" name="TextBox 9"/>
+            <p:cNvSpPr txBox="1"/>
+            <p:nvPr/>
+          </p:nvSpPr>
+          <p:spPr>
+            <a:xfrm>
+              <a:off x="179512" y="188639"/>
+              <a:ext cx="2485984" cy="882935"/>
+            </a:xfrm>
+            <a:prstGeom prst="rect">
+              <a:avLst/>
+            </a:prstGeom>
+            <a:noFill/>
+          </p:spPr>
+          <p:txBody>
+            <a:bodyPr wrap="none" rtlCol="0">
+              <a:spAutoFit/>
+            </a:bodyPr>
+            <a:lstStyle/>
+            <a:p>
+              <a:r>
+                <a:rPr lang="en-US" altLang="ko-KR" sz="4800" b="1" dirty="0" smtClean="0"/>
+                <a:t>Layouts</a:t>
+              </a:r>
+              <a:endParaRPr lang="ko-KR" altLang="en-US" sz="4800" b="1" dirty="0"/>
+            </a:p>
+          </p:txBody>
+        </p:sp>
+        <p:cxnSp>
+          <p:nvCxnSpPr>
+            <p:cNvPr id="13" name="직선 연결선 12"/>
+            <p:cNvCxnSpPr/>
+            <p:nvPr/>
+          </p:nvCxnSpPr>
+          <p:spPr>
+            <a:xfrm>
+              <a:off x="287295" y="1259760"/>
+              <a:ext cx="7404591" cy="0"/>
+            </a:xfrm>
+            <a:prstGeom prst="line">
+              <a:avLst/>
+            </a:prstGeom>
+            <a:ln/>
+          </p:spPr>
+          <p:style>
+            <a:lnRef idx="2">
+              <a:schemeClr val="accent1"/>
+            </a:lnRef>
+            <a:fillRef idx="0">
+              <a:schemeClr val="accent1"/>
+            </a:fillRef>
+            <a:effectRef idx="1">
+              <a:schemeClr val="accent1"/>
+            </a:effectRef>
+            <a:fontRef idx="minor">
+              <a:schemeClr val="tx1"/>
+            </a:fontRef>
+          </p:style>
+        </p:cxnSp>
+      </p:grpSp>
     </p:spTree>
     <p:extLst>
       <p:ext uri="{BB962C8B-B14F-4D97-AF65-F5344CB8AC3E}">
-        <p14:creationId xmlns:p14="http://schemas.microsoft.com/office/powerpoint/2010/main" val="3990286878"/>
+        <p14:creationId xmlns:p14="http://schemas.microsoft.com/office/powerpoint/2010/main" val="3227197957"/>
       </p:ext>
     </p:extLst>
   </p:cSld>
@@ -4251,14 +4309,14 @@
       </p:grpSpPr>
       <p:sp>
         <p:nvSpPr>
-          <p:cNvPr id="11" name="TextBox 10"/>
+          <p:cNvPr id="3" name="TextBox 2"/>
           <p:cNvSpPr txBox="1"/>
           <p:nvPr/>
         </p:nvSpPr>
         <p:spPr>
           <a:xfrm>
-            <a:off x="304922" y="476672"/>
-            <a:ext cx="6859366" cy="707886"/>
+            <a:off x="107504" y="5117122"/>
+            <a:ext cx="8916022" cy="1015663"/>
           </a:xfrm>
           <a:prstGeom prst="rect">
             <a:avLst/>
@@ -4272,1132 +4330,136 @@
           <a:lstStyle/>
           <a:p>
             <a:r>
-              <a:rPr lang="ko-KR" altLang="en-US" sz="4000" b="1" dirty="0" smtClean="0"/>
-              <a:t>방</a:t>
-            </a:r>
-            <a:r>
-              <a:rPr lang="ko-KR" altLang="en-US" sz="4000" b="1" dirty="0"/>
-              <a:t>향</a:t>
-            </a:r>
-            <a:r>
-              <a:rPr lang="ko-KR" altLang="en-US" sz="4000" b="1" dirty="0" smtClean="0"/>
-              <a:t> 센서 </a:t>
-            </a:r>
-            <a:endParaRPr lang="ko-KR" altLang="en-US" sz="4000" b="1" dirty="0"/>
-          </a:p>
-        </p:txBody>
-      </p:sp>
-      <p:cxnSp>
-        <p:nvCxnSpPr>
-          <p:cNvPr id="12" name="직선 연결선 11"/>
-          <p:cNvCxnSpPr/>
-          <p:nvPr/>
-        </p:nvCxnSpPr>
-        <p:spPr>
-          <a:xfrm>
-            <a:off x="412704" y="1484784"/>
-            <a:ext cx="7471664" cy="0"/>
-          </a:xfrm>
-          <a:prstGeom prst="line">
-            <a:avLst/>
-          </a:prstGeom>
-          <a:ln/>
-        </p:spPr>
-        <p:style>
-          <a:lnRef idx="2">
-            <a:schemeClr val="accent1"/>
-          </a:lnRef>
-          <a:fillRef idx="0">
-            <a:schemeClr val="accent1"/>
-          </a:fillRef>
-          <a:effectRef idx="1">
-            <a:schemeClr val="accent1"/>
-          </a:effectRef>
-          <a:fontRef idx="minor">
-            <a:schemeClr val="tx1"/>
-          </a:fontRef>
-        </p:style>
-      </p:cxnSp>
-      <p:sp>
-        <p:nvSpPr>
-          <p:cNvPr id="17" name="TextBox 16"/>
-          <p:cNvSpPr txBox="1"/>
-          <p:nvPr/>
-        </p:nvSpPr>
-        <p:spPr>
-          <a:xfrm>
-            <a:off x="412704" y="1995805"/>
-            <a:ext cx="8280920" cy="2585323"/>
-          </a:xfrm>
-          <a:prstGeom prst="rect">
-            <a:avLst/>
-          </a:prstGeom>
-        </p:spPr>
-        <p:style>
-          <a:lnRef idx="1">
-            <a:schemeClr val="accent6"/>
-          </a:lnRef>
-          <a:fillRef idx="2">
-            <a:schemeClr val="accent6"/>
-          </a:fillRef>
-          <a:effectRef idx="1">
-            <a:schemeClr val="accent6"/>
-          </a:effectRef>
-          <a:fontRef idx="minor">
-            <a:schemeClr val="dk1"/>
-          </a:fontRef>
-        </p:style>
-        <p:txBody>
-          <a:bodyPr wrap="square" rtlCol="0">
-            <a:spAutoFit/>
-          </a:bodyPr>
-          <a:lstStyle/>
-          <a:p>
-            <a:r>
-              <a:rPr lang="en-US" altLang="ko-KR" b="1" dirty="0" smtClean="0"/>
-              <a:t>Orientation</a:t>
-            </a:r>
-            <a:r>
-              <a:rPr lang="ko-KR" altLang="en-US" dirty="0"/>
-              <a:t/>
-            </a:r>
-            <a:br>
-              <a:rPr lang="ko-KR" altLang="en-US" dirty="0"/>
-            </a:br>
-            <a:r>
-              <a:rPr lang="en-US" altLang="ko-KR" dirty="0" smtClean="0"/>
-              <a:t>SENSOR_ORIENTATION(</a:t>
-            </a:r>
-            <a:r>
-              <a:rPr lang="ko-KR" altLang="en-US" dirty="0" smtClean="0"/>
-              <a:t>방향 </a:t>
-            </a:r>
-            <a:r>
-              <a:rPr lang="ko-KR" altLang="en-US" dirty="0"/>
-              <a:t>센서</a:t>
-            </a:r>
-            <a:r>
-              <a:rPr lang="en-US" altLang="ko-KR" dirty="0"/>
-              <a:t>)</a:t>
-            </a:r>
-            <a:br>
-              <a:rPr lang="en-US" altLang="ko-KR" dirty="0"/>
-            </a:br>
-            <a:r>
-              <a:rPr lang="ko-KR" altLang="en-US" dirty="0"/>
-              <a:t>방향 센서가 측정하는 데이터는 총 </a:t>
-            </a:r>
-            <a:r>
-              <a:rPr lang="en-US" altLang="ko-KR" dirty="0"/>
-              <a:t>3</a:t>
-            </a:r>
-            <a:r>
-              <a:rPr lang="ko-KR" altLang="en-US" dirty="0"/>
-              <a:t>가지로 </a:t>
-            </a:r>
-            <a:r>
-              <a:rPr lang="en-US" altLang="ko-KR" dirty="0"/>
-              <a:t>Azimuth(</a:t>
-            </a:r>
-            <a:r>
-              <a:rPr lang="ko-KR" altLang="en-US" dirty="0"/>
-              <a:t>방위</a:t>
-            </a:r>
-            <a:r>
-              <a:rPr lang="en-US" altLang="ko-KR" dirty="0"/>
-              <a:t>), pitch(</a:t>
-            </a:r>
-            <a:r>
-              <a:rPr lang="ko-KR" altLang="en-US" dirty="0"/>
-              <a:t>경사도</a:t>
-            </a:r>
-            <a:r>
-              <a:rPr lang="en-US" altLang="ko-KR" dirty="0"/>
-              <a:t>), roll(</a:t>
-            </a:r>
-            <a:r>
-              <a:rPr lang="ko-KR" altLang="en-US" dirty="0"/>
-              <a:t>좌우 회전</a:t>
-            </a:r>
-            <a:r>
-              <a:rPr lang="en-US" altLang="ko-KR" dirty="0"/>
-              <a:t>) </a:t>
-            </a:r>
-            <a:r>
-              <a:rPr lang="ko-KR" altLang="en-US" dirty="0"/>
-              <a:t>입니다</a:t>
-            </a:r>
-            <a:r>
-              <a:rPr lang="en-US" altLang="ko-KR" dirty="0"/>
+              <a:rPr lang="ko-KR" altLang="en-US" sz="2000" dirty="0" smtClean="0">
+                <a:effectLst/>
+              </a:rPr>
+              <a:t>입력 </a:t>
+            </a:r>
+            <a:r>
+              <a:rPr lang="ko-KR" altLang="en-US" sz="2000" dirty="0" smtClean="0"/>
+              <a:t>컨트롤</a:t>
+            </a:r>
+            <a:r>
+              <a:rPr lang="ko-KR" altLang="en-US" sz="2000" dirty="0"/>
+              <a:t>은</a:t>
+            </a:r>
+            <a:r>
+              <a:rPr lang="ko-KR" altLang="en-US" sz="2000" dirty="0" smtClean="0">
+                <a:effectLst/>
+              </a:rPr>
+              <a:t> </a:t>
+            </a:r>
+            <a:r>
+              <a:rPr lang="ko-KR" altLang="en-US" sz="2000" dirty="0" err="1" smtClean="0">
+                <a:effectLst/>
+              </a:rPr>
+              <a:t>앱의</a:t>
+            </a:r>
+            <a:r>
+              <a:rPr lang="ko-KR" altLang="en-US" sz="2000" dirty="0" smtClean="0">
+                <a:effectLst/>
+              </a:rPr>
+              <a:t> </a:t>
+            </a:r>
+            <a:r>
+              <a:rPr lang="en-US" altLang="ko-KR" sz="2000" dirty="0" smtClean="0">
+                <a:effectLst/>
+              </a:rPr>
+              <a:t>UI </a:t>
+            </a:r>
+            <a:r>
+              <a:rPr lang="ko-KR" altLang="en-US" sz="2000" dirty="0" smtClean="0">
+                <a:effectLst/>
+              </a:rPr>
+              <a:t>에 있는 대화형 컴포넌트 입니다</a:t>
+            </a:r>
+            <a:r>
+              <a:rPr lang="en-US" altLang="ko-KR" sz="2000" dirty="0" smtClean="0">
+                <a:effectLst/>
+              </a:rPr>
+              <a:t>. </a:t>
+            </a:r>
+            <a:r>
+              <a:rPr lang="ko-KR" altLang="en-US" sz="2000" dirty="0" err="1" smtClean="0">
+                <a:effectLst/>
+              </a:rPr>
+              <a:t>안드로이드는</a:t>
+            </a:r>
+            <a:r>
+              <a:rPr lang="ko-KR" altLang="en-US" sz="2000" dirty="0" smtClean="0">
+                <a:effectLst/>
+              </a:rPr>
+              <a:t> </a:t>
+            </a:r>
+            <a:r>
+              <a:rPr lang="en-US" altLang="ko-KR" sz="2000" dirty="0" smtClean="0">
+                <a:effectLst/>
+              </a:rPr>
+              <a:t>Button, </a:t>
+            </a:r>
+            <a:r>
+              <a:rPr lang="en-US" altLang="ko-KR" sz="2000" dirty="0" err="1" smtClean="0">
+                <a:effectLst/>
+              </a:rPr>
+              <a:t>TextField</a:t>
+            </a:r>
+            <a:r>
+              <a:rPr lang="en-US" altLang="ko-KR" sz="2000" dirty="0" smtClean="0"/>
+              <a:t>, </a:t>
+            </a:r>
+            <a:r>
+              <a:rPr lang="en-US" altLang="ko-KR" sz="2000" dirty="0" err="1" smtClean="0"/>
+              <a:t>SeekBar</a:t>
+            </a:r>
+            <a:r>
+              <a:rPr lang="en-US" altLang="ko-KR" sz="2000" dirty="0" smtClean="0"/>
+              <a:t>, </a:t>
+            </a:r>
+            <a:r>
+              <a:rPr lang="en-US" altLang="ko-KR" sz="2000" dirty="0" err="1" smtClean="0"/>
+              <a:t>CheckBox</a:t>
+            </a:r>
+            <a:r>
+              <a:rPr lang="en-US" altLang="ko-KR" sz="2000" dirty="0" smtClean="0"/>
+              <a:t>, </a:t>
+            </a:r>
+            <a:r>
+              <a:rPr lang="en-US" altLang="ko-KR" sz="2000" dirty="0" err="1" smtClean="0"/>
+              <a:t>ZoomButton</a:t>
+            </a:r>
+            <a:r>
+              <a:rPr lang="en-US" altLang="ko-KR" sz="2000" dirty="0" smtClean="0"/>
+              <a:t>, </a:t>
+            </a:r>
+            <a:r>
+              <a:rPr lang="en-US" altLang="ko-KR" sz="2000" dirty="0" err="1" smtClean="0"/>
+              <a:t>ToggleButton</a:t>
+            </a:r>
+            <a:r>
+              <a:rPr lang="en-US" altLang="ko-KR" sz="2000" dirty="0"/>
+              <a:t> </a:t>
+            </a:r>
+            <a:r>
+              <a:rPr lang="ko-KR" altLang="en-US" sz="2000" dirty="0" smtClean="0"/>
+              <a:t>등과 같이 </a:t>
+            </a:r>
+            <a:r>
+              <a:rPr lang="en-US" altLang="ko-KR" sz="2000" dirty="0" smtClean="0"/>
+              <a:t>UI </a:t>
+            </a:r>
+            <a:r>
+              <a:rPr lang="ko-KR" altLang="en-US" sz="2000" dirty="0" smtClean="0"/>
+              <a:t>에서 사용할 수 있도록 매우 다양한 컨트롤을 제공합니다</a:t>
+            </a:r>
+            <a:r>
+              <a:rPr lang="en-US" altLang="ko-KR" sz="2000" dirty="0" smtClean="0"/>
               <a:t>.</a:t>
             </a:r>
-            <a:br>
-              <a:rPr lang="en-US" altLang="ko-KR" dirty="0"/>
-            </a:br>
-            <a:r>
-              <a:rPr lang="en-US" altLang="ko-KR" dirty="0"/>
-              <a:t/>
-            </a:r>
-            <a:br>
-              <a:rPr lang="en-US" altLang="ko-KR" dirty="0"/>
-            </a:br>
-            <a:r>
-              <a:rPr lang="en-US" altLang="ko-KR" dirty="0"/>
-              <a:t>values[0] : </a:t>
-            </a:r>
-            <a:r>
-              <a:rPr lang="en-US" altLang="ko-KR" b="1" dirty="0"/>
-              <a:t>Azimuth ( </a:t>
-            </a:r>
-            <a:r>
-              <a:rPr lang="ko-KR" altLang="en-US" b="1" dirty="0"/>
-              <a:t>방위 </a:t>
-            </a:r>
-            <a:r>
-              <a:rPr lang="en-US" altLang="ko-KR" b="1" dirty="0"/>
-              <a:t>)</a:t>
-            </a:r>
-            <a:r>
-              <a:rPr lang="ko-KR" altLang="en-US" dirty="0"/>
-              <a:t/>
-            </a:r>
-            <a:br>
-              <a:rPr lang="ko-KR" altLang="en-US" dirty="0"/>
-            </a:br>
-            <a:r>
-              <a:rPr lang="en-US" altLang="ko-KR" dirty="0"/>
-              <a:t>values[1] : </a:t>
-            </a:r>
-            <a:r>
-              <a:rPr lang="en-US" altLang="ko-KR" b="1" dirty="0"/>
-              <a:t>pitch ( </a:t>
-            </a:r>
-            <a:r>
-              <a:rPr lang="ko-KR" altLang="en-US" b="1" dirty="0"/>
-              <a:t>경사도 </a:t>
-            </a:r>
-            <a:r>
-              <a:rPr lang="en-US" altLang="ko-KR" b="1" dirty="0"/>
-              <a:t>)</a:t>
-            </a:r>
-            <a:r>
-              <a:rPr lang="ko-KR" altLang="en-US" dirty="0"/>
-              <a:t/>
-            </a:r>
-            <a:br>
-              <a:rPr lang="ko-KR" altLang="en-US" dirty="0"/>
-            </a:br>
-            <a:r>
-              <a:rPr lang="en-US" altLang="ko-KR" dirty="0"/>
-              <a:t>values[2] : </a:t>
-            </a:r>
-            <a:r>
-              <a:rPr lang="en-US" altLang="ko-KR" b="1" dirty="0"/>
-              <a:t>roll ( </a:t>
-            </a:r>
-            <a:r>
-              <a:rPr lang="ko-KR" altLang="en-US" b="1" dirty="0"/>
-              <a:t>좌우 회전 </a:t>
-            </a:r>
-            <a:r>
-              <a:rPr lang="en-US" altLang="ko-KR" b="1" dirty="0" smtClean="0"/>
-              <a:t>)</a:t>
-            </a:r>
-          </a:p>
-          <a:p>
-            <a:endParaRPr lang="en-US" altLang="ko-KR" b="1" dirty="0" smtClean="0"/>
-          </a:p>
-        </p:txBody>
-      </p:sp>
-    </p:spTree>
-    <p:extLst>
-      <p:ext uri="{BB962C8B-B14F-4D97-AF65-F5344CB8AC3E}">
-        <p14:creationId xmlns:p14="http://schemas.microsoft.com/office/powerpoint/2010/main" val="1060721340"/>
-      </p:ext>
-    </p:extLst>
-  </p:cSld>
-  <p:clrMapOvr>
-    <a:masterClrMapping/>
-  </p:clrMapOvr>
-  <p:timing>
-    <p:tnLst>
-      <p:par>
-        <p:cTn id="1" dur="indefinite" restart="never" nodeType="tmRoot"/>
-      </p:par>
-    </p:tnLst>
-  </p:timing>
-</p:sld>
-</file>
-
-<file path=ppt/slides/slide13.xml><?xml version="1.0" encoding="utf-8"?>
-<p:sld xmlns:a="http://schemas.openxmlformats.org/drawingml/2006/main" xmlns:r="http://schemas.openxmlformats.org/officeDocument/2006/relationships" xmlns:p="http://schemas.openxmlformats.org/presentationml/2006/main">
-  <p:cSld>
-    <p:spTree>
-      <p:nvGrpSpPr>
-        <p:cNvPr id="1" name=""/>
-        <p:cNvGrpSpPr/>
-        <p:nvPr/>
-      </p:nvGrpSpPr>
-      <p:grpSpPr>
-        <a:xfrm>
-          <a:off x="0" y="0"/>
-          <a:ext cx="0" cy="0"/>
-          <a:chOff x="0" y="0"/>
-          <a:chExt cx="0" cy="0"/>
-        </a:xfrm>
-      </p:grpSpPr>
-      <p:sp>
-        <p:nvSpPr>
-          <p:cNvPr id="4" name="TextBox 3"/>
-          <p:cNvSpPr txBox="1"/>
-          <p:nvPr/>
-        </p:nvSpPr>
-        <p:spPr>
-          <a:xfrm>
-            <a:off x="107504" y="332656"/>
-            <a:ext cx="8928992" cy="2246769"/>
-          </a:xfrm>
-          <a:prstGeom prst="rect">
-            <a:avLst/>
-          </a:prstGeom>
-        </p:spPr>
-        <p:style>
-          <a:lnRef idx="1">
-            <a:schemeClr val="accent6"/>
-          </a:lnRef>
-          <a:fillRef idx="2">
-            <a:schemeClr val="accent6"/>
-          </a:fillRef>
-          <a:effectRef idx="1">
-            <a:schemeClr val="accent6"/>
-          </a:effectRef>
-          <a:fontRef idx="minor">
-            <a:schemeClr val="dk1"/>
-          </a:fontRef>
-        </p:style>
-        <p:txBody>
-          <a:bodyPr wrap="square" rtlCol="0">
-            <a:spAutoFit/>
-          </a:bodyPr>
-          <a:lstStyle/>
-          <a:p>
-            <a:r>
-              <a:rPr lang="en-US" altLang="ko-KR" sz="2000" b="1" dirty="0"/>
-              <a:t>Azimuth ( </a:t>
-            </a:r>
-            <a:r>
-              <a:rPr lang="ko-KR" altLang="en-US" sz="2000" b="1" dirty="0"/>
-              <a:t>방위 </a:t>
-            </a:r>
-            <a:r>
-              <a:rPr lang="en-US" altLang="ko-KR" sz="2000" b="1" dirty="0" smtClean="0"/>
-              <a:t>)</a:t>
-            </a:r>
-          </a:p>
-          <a:p>
-            <a:endParaRPr lang="en-US" altLang="ko-KR" sz="2000" b="1" dirty="0" smtClean="0"/>
-          </a:p>
-          <a:p>
-            <a:r>
-              <a:rPr lang="ko-KR" altLang="en-US" sz="2000" dirty="0"/>
-              <a:t>방위는 기기를 수평으로 두었을 때 기기의 머리부분이 어느 방향을 가리키고 있는지 </a:t>
-            </a:r>
-            <a:r>
-              <a:rPr lang="ko-KR" altLang="en-US" sz="2000" dirty="0" smtClean="0"/>
-              <a:t>수치 값으로 나타냅니다</a:t>
-            </a:r>
-            <a:r>
-              <a:rPr lang="en-US" altLang="ko-KR" sz="2000" dirty="0"/>
-              <a:t>. </a:t>
-            </a:r>
-            <a:r>
-              <a:rPr lang="ko-KR" altLang="en-US" sz="2000" dirty="0"/>
-              <a:t>데이터의 범위가 </a:t>
-            </a:r>
-            <a:r>
-              <a:rPr lang="en-US" altLang="ko-KR" sz="2000" dirty="0"/>
-              <a:t>0 ~ 359 </a:t>
-            </a:r>
-            <a:r>
-              <a:rPr lang="ko-KR" altLang="en-US" sz="2000" dirty="0"/>
-              <a:t>일 때 각 방향에 따른 데이터 값은 아래의 그림처럼 북쪽부터 </a:t>
-            </a:r>
-            <a:r>
-              <a:rPr lang="ko-KR" altLang="en-US" sz="2000" dirty="0" smtClean="0"/>
-              <a:t>시작하여</a:t>
-            </a:r>
-            <a:r>
-              <a:rPr lang="ko-KR" altLang="en-US" sz="2000" dirty="0"/>
-              <a:t> 시계방향으로 </a:t>
-            </a:r>
-            <a:r>
-              <a:rPr lang="en-US" altLang="ko-KR" sz="2000" dirty="0"/>
-              <a:t>90 </a:t>
-            </a:r>
-            <a:r>
-              <a:rPr lang="ko-KR" altLang="en-US" sz="2000" dirty="0"/>
-              <a:t>씩 더한 값입니다</a:t>
-            </a:r>
-            <a:r>
-              <a:rPr lang="en-US" altLang="ko-KR" sz="2000" dirty="0"/>
-              <a:t>. </a:t>
-            </a:r>
-          </a:p>
-          <a:p>
-            <a:endParaRPr lang="en-US" altLang="ko-KR" sz="2000" dirty="0" smtClean="0">
-              <a:solidFill>
-                <a:schemeClr val="tx1"/>
-              </a:solidFill>
-            </a:endParaRPr>
-          </a:p>
-        </p:txBody>
-      </p:sp>
-      <p:pic>
-        <p:nvPicPr>
-          <p:cNvPr id="2" name="Picture 2" descr="C:\Users\Mutecsoft_pc\Pictures\_copy6_copy1.jpg"/>
-          <p:cNvPicPr>
-            <a:picLocks noChangeAspect="1" noChangeArrowheads="1"/>
-          </p:cNvPicPr>
-          <p:nvPr/>
-        </p:nvPicPr>
-        <p:blipFill>
-          <a:blip r:embed="rId2">
-            <a:extLst>
-              <a:ext uri="{28A0092B-C50C-407E-A947-70E740481C1C}">
-                <a14:useLocalDpi xmlns:a14="http://schemas.microsoft.com/office/drawing/2010/main" val="0"/>
-              </a:ext>
-            </a:extLst>
-          </a:blip>
-          <a:srcRect/>
-          <a:stretch>
-            <a:fillRect/>
-          </a:stretch>
-        </p:blipFill>
-        <p:spPr bwMode="auto">
-          <a:xfrm>
-            <a:off x="2483768" y="3200705"/>
-            <a:ext cx="3816424" cy="3183988"/>
-          </a:xfrm>
-          <a:prstGeom prst="rect">
-            <a:avLst/>
-          </a:prstGeom>
-          <a:noFill/>
-          <a:extLst>
-            <a:ext uri="{909E8E84-426E-40DD-AFC4-6F175D3DCCD1}">
-              <a14:hiddenFill xmlns:a14="http://schemas.microsoft.com/office/drawing/2010/main">
-                <a:solidFill>
-                  <a:srgbClr val="FFFFFF"/>
-                </a:solidFill>
-              </a14:hiddenFill>
-            </a:ext>
-          </a:extLst>
-        </p:spPr>
-      </p:pic>
-    </p:spTree>
-    <p:extLst>
-      <p:ext uri="{BB962C8B-B14F-4D97-AF65-F5344CB8AC3E}">
-        <p14:creationId xmlns:p14="http://schemas.microsoft.com/office/powerpoint/2010/main" val="1057802803"/>
-      </p:ext>
-    </p:extLst>
-  </p:cSld>
-  <p:clrMapOvr>
-    <a:masterClrMapping/>
-  </p:clrMapOvr>
-  <p:timing>
-    <p:tnLst>
-      <p:par>
-        <p:cTn id="1" dur="indefinite" restart="never" nodeType="tmRoot"/>
-      </p:par>
-    </p:tnLst>
-  </p:timing>
-</p:sld>
-</file>
-
-<file path=ppt/slides/slide14.xml><?xml version="1.0" encoding="utf-8"?>
-<p:sld xmlns:a="http://schemas.openxmlformats.org/drawingml/2006/main" xmlns:r="http://schemas.openxmlformats.org/officeDocument/2006/relationships" xmlns:p="http://schemas.openxmlformats.org/presentationml/2006/main">
-  <p:cSld>
-    <p:spTree>
-      <p:nvGrpSpPr>
-        <p:cNvPr id="1" name=""/>
-        <p:cNvGrpSpPr/>
-        <p:nvPr/>
-      </p:nvGrpSpPr>
-      <p:grpSpPr>
-        <a:xfrm>
-          <a:off x="0" y="0"/>
-          <a:ext cx="0" cy="0"/>
-          <a:chOff x="0" y="0"/>
-          <a:chExt cx="0" cy="0"/>
-        </a:xfrm>
-      </p:grpSpPr>
-      <p:sp>
-        <p:nvSpPr>
-          <p:cNvPr id="4" name="TextBox 3"/>
-          <p:cNvSpPr txBox="1"/>
-          <p:nvPr/>
-        </p:nvSpPr>
-        <p:spPr>
-          <a:xfrm>
-            <a:off x="107504" y="332656"/>
-            <a:ext cx="8928992" cy="2246769"/>
-          </a:xfrm>
-          <a:prstGeom prst="rect">
-            <a:avLst/>
-          </a:prstGeom>
-        </p:spPr>
-        <p:style>
-          <a:lnRef idx="1">
-            <a:schemeClr val="accent6"/>
-          </a:lnRef>
-          <a:fillRef idx="2">
-            <a:schemeClr val="accent6"/>
-          </a:fillRef>
-          <a:effectRef idx="1">
-            <a:schemeClr val="accent6"/>
-          </a:effectRef>
-          <a:fontRef idx="minor">
-            <a:schemeClr val="dk1"/>
-          </a:fontRef>
-        </p:style>
-        <p:txBody>
-          <a:bodyPr wrap="square" rtlCol="0">
-            <a:spAutoFit/>
-          </a:bodyPr>
-          <a:lstStyle/>
-          <a:p>
-            <a:r>
-              <a:rPr lang="en-US" altLang="ko-KR" sz="2000" b="1" dirty="0"/>
-              <a:t>pitch ( </a:t>
-            </a:r>
-            <a:r>
-              <a:rPr lang="ko-KR" altLang="en-US" sz="2000" b="1" dirty="0"/>
-              <a:t>경사도 </a:t>
-            </a:r>
-            <a:r>
-              <a:rPr lang="en-US" altLang="ko-KR" sz="2000" b="1" dirty="0" smtClean="0"/>
-              <a:t>)</a:t>
-            </a:r>
-          </a:p>
-          <a:p>
-            <a:endParaRPr lang="en-US" altLang="ko-KR" sz="2000" b="1" dirty="0" smtClean="0"/>
-          </a:p>
-          <a:p>
-            <a:r>
-              <a:rPr lang="ko-KR" altLang="en-US" sz="2000" dirty="0"/>
-              <a:t>경사도는 기기의 수직 기울기를 의미합니다</a:t>
-            </a:r>
-            <a:r>
-              <a:rPr lang="en-US" altLang="ko-KR" sz="2000" dirty="0"/>
-              <a:t>. </a:t>
-            </a:r>
-            <a:r>
-              <a:rPr lang="ko-KR" altLang="en-US" sz="2000" dirty="0"/>
-              <a:t>경사도는 아래의 그림처럼 기기의 머리부분과 </a:t>
-            </a:r>
-            <a:r>
-              <a:rPr lang="ko-KR" altLang="en-US" sz="2000" dirty="0" err="1" smtClean="0"/>
-              <a:t>아래부분이</a:t>
-            </a:r>
             <a:r>
               <a:rPr lang="ko-KR" altLang="en-US" sz="2000" dirty="0" smtClean="0"/>
               <a:t> </a:t>
             </a:r>
-            <a:r>
-              <a:rPr lang="ko-KR" altLang="en-US" sz="2000" dirty="0"/>
-              <a:t>수평을 이룰 때 </a:t>
-            </a:r>
-            <a:r>
-              <a:rPr lang="en-US" altLang="ko-KR" sz="2000" dirty="0"/>
-              <a:t>0 </a:t>
-            </a:r>
-            <a:r>
-              <a:rPr lang="ko-KR" altLang="en-US" sz="2000" dirty="0"/>
-              <a:t>값을 가지며 머리부분의 높이가 높아지면 </a:t>
-            </a:r>
-            <a:r>
-              <a:rPr lang="ko-KR" altLang="en-US" sz="2000" dirty="0" smtClean="0"/>
-              <a:t>수치 값이 </a:t>
-            </a:r>
-            <a:r>
-              <a:rPr lang="ko-KR" altLang="en-US" sz="2000" dirty="0"/>
-              <a:t>점점 감소하며 </a:t>
-            </a:r>
-            <a:r>
-              <a:rPr lang="ko-KR" altLang="en-US" sz="2000" dirty="0" smtClean="0"/>
-              <a:t>머리부분의 </a:t>
-            </a:r>
-            <a:r>
-              <a:rPr lang="ko-KR" altLang="en-US" sz="2000" dirty="0"/>
-              <a:t>높이가 낮아지면 </a:t>
-            </a:r>
-            <a:r>
-              <a:rPr lang="ko-KR" altLang="en-US" sz="2000" dirty="0" smtClean="0"/>
-              <a:t>수치 값이 </a:t>
-            </a:r>
-            <a:r>
-              <a:rPr lang="ko-KR" altLang="en-US" sz="2000" dirty="0"/>
-              <a:t>점점 증가합니다</a:t>
-            </a:r>
-            <a:r>
-              <a:rPr lang="en-US" altLang="ko-KR" sz="2000" dirty="0"/>
-              <a:t>. </a:t>
-            </a:r>
-          </a:p>
-          <a:p>
-            <a:endParaRPr lang="en-US" altLang="ko-KR" sz="2000" dirty="0" smtClean="0">
-              <a:solidFill>
-                <a:schemeClr val="tx1"/>
-              </a:solidFill>
-            </a:endParaRPr>
-          </a:p>
-        </p:txBody>
-      </p:sp>
-      <p:pic>
-        <p:nvPicPr>
-          <p:cNvPr id="3074" name="Picture 2" descr="C:\Users\Mutecsoft_pc\Pictures\pitch.jpg"/>
-          <p:cNvPicPr>
-            <a:picLocks noChangeAspect="1" noChangeArrowheads="1"/>
-          </p:cNvPicPr>
-          <p:nvPr/>
-        </p:nvPicPr>
-        <p:blipFill>
-          <a:blip r:embed="rId2">
-            <a:extLst>
-              <a:ext uri="{28A0092B-C50C-407E-A947-70E740481C1C}">
-                <a14:useLocalDpi xmlns:a14="http://schemas.microsoft.com/office/drawing/2010/main" val="0"/>
-              </a:ext>
-            </a:extLst>
-          </a:blip>
-          <a:srcRect/>
-          <a:stretch>
-            <a:fillRect/>
-          </a:stretch>
-        </p:blipFill>
-        <p:spPr bwMode="auto">
-          <a:xfrm>
-            <a:off x="2452915" y="3140968"/>
-            <a:ext cx="3828819" cy="3419448"/>
-          </a:xfrm>
-          <a:prstGeom prst="rect">
-            <a:avLst/>
-          </a:prstGeom>
-          <a:noFill/>
-          <a:extLst>
-            <a:ext uri="{909E8E84-426E-40DD-AFC4-6F175D3DCCD1}">
-              <a14:hiddenFill xmlns:a14="http://schemas.microsoft.com/office/drawing/2010/main">
-                <a:solidFill>
-                  <a:srgbClr val="FFFFFF"/>
-                </a:solidFill>
-              </a14:hiddenFill>
-            </a:ext>
-          </a:extLst>
-        </p:spPr>
-      </p:pic>
-    </p:spTree>
-    <p:extLst>
-      <p:ext uri="{BB962C8B-B14F-4D97-AF65-F5344CB8AC3E}">
-        <p14:creationId xmlns:p14="http://schemas.microsoft.com/office/powerpoint/2010/main" val="248557282"/>
-      </p:ext>
-    </p:extLst>
-  </p:cSld>
-  <p:clrMapOvr>
-    <a:masterClrMapping/>
-  </p:clrMapOvr>
-  <p:timing>
-    <p:tnLst>
-      <p:par>
-        <p:cTn id="1" dur="indefinite" restart="never" nodeType="tmRoot"/>
-      </p:par>
-    </p:tnLst>
-  </p:timing>
-</p:sld>
-</file>
-
-<file path=ppt/slides/slide15.xml><?xml version="1.0" encoding="utf-8"?>
-<p:sld xmlns:a="http://schemas.openxmlformats.org/drawingml/2006/main" xmlns:r="http://schemas.openxmlformats.org/officeDocument/2006/relationships" xmlns:p="http://schemas.openxmlformats.org/presentationml/2006/main">
-  <p:cSld>
-    <p:spTree>
-      <p:nvGrpSpPr>
-        <p:cNvPr id="1" name=""/>
-        <p:cNvGrpSpPr/>
-        <p:nvPr/>
-      </p:nvGrpSpPr>
-      <p:grpSpPr>
-        <a:xfrm>
-          <a:off x="0" y="0"/>
-          <a:ext cx="0" cy="0"/>
-          <a:chOff x="0" y="0"/>
-          <a:chExt cx="0" cy="0"/>
-        </a:xfrm>
-      </p:grpSpPr>
-      <p:sp>
-        <p:nvSpPr>
-          <p:cNvPr id="4" name="TextBox 3"/>
-          <p:cNvSpPr txBox="1"/>
-          <p:nvPr/>
-        </p:nvSpPr>
-        <p:spPr>
-          <a:xfrm>
-            <a:off x="107504" y="332656"/>
-            <a:ext cx="8928992" cy="2246769"/>
-          </a:xfrm>
-          <a:prstGeom prst="rect">
-            <a:avLst/>
-          </a:prstGeom>
-        </p:spPr>
-        <p:style>
-          <a:lnRef idx="1">
-            <a:schemeClr val="accent6"/>
-          </a:lnRef>
-          <a:fillRef idx="2">
-            <a:schemeClr val="accent6"/>
-          </a:fillRef>
-          <a:effectRef idx="1">
-            <a:schemeClr val="accent6"/>
-          </a:effectRef>
-          <a:fontRef idx="minor">
-            <a:schemeClr val="dk1"/>
-          </a:fontRef>
-        </p:style>
-        <p:txBody>
-          <a:bodyPr wrap="square" rtlCol="0">
-            <a:spAutoFit/>
-          </a:bodyPr>
-          <a:lstStyle/>
-          <a:p>
-            <a:r>
-              <a:rPr lang="en-US" altLang="ko-KR" sz="2000" b="1" dirty="0"/>
-              <a:t>roll ( </a:t>
-            </a:r>
-            <a:r>
-              <a:rPr lang="ko-KR" altLang="en-US" sz="2000" b="1" dirty="0"/>
-              <a:t>좌우 회전 </a:t>
-            </a:r>
-            <a:r>
-              <a:rPr lang="en-US" altLang="ko-KR" sz="2000" b="1" dirty="0" smtClean="0"/>
-              <a:t>)</a:t>
-            </a:r>
-          </a:p>
-          <a:p>
-            <a:endParaRPr lang="en-US" altLang="ko-KR" sz="2000" b="1" dirty="0" smtClean="0"/>
-          </a:p>
-          <a:p>
-            <a:r>
-              <a:rPr lang="ko-KR" altLang="en-US" sz="2000" dirty="0"/>
-              <a:t>좌우 회전은 기기의 수평 기울기를 의미합니다</a:t>
-            </a:r>
-            <a:r>
-              <a:rPr lang="en-US" altLang="ko-KR" sz="2000" dirty="0"/>
-              <a:t>. </a:t>
-            </a:r>
-            <a:r>
-              <a:rPr lang="ko-KR" altLang="en-US" sz="2000" dirty="0"/>
-              <a:t>이 값은 기기의 화면이 하늘을 향하고 있을 </a:t>
-            </a:r>
-            <a:r>
-              <a:rPr lang="ko-KR" altLang="en-US" sz="2000" dirty="0" smtClean="0"/>
-              <a:t>때 기기의 </a:t>
-            </a:r>
-            <a:r>
-              <a:rPr lang="ko-KR" altLang="en-US" sz="2000" dirty="0"/>
-              <a:t>좌</a:t>
-            </a:r>
-            <a:r>
-              <a:rPr lang="en-US" altLang="ko-KR" sz="2000" dirty="0"/>
-              <a:t>, </a:t>
-            </a:r>
-            <a:r>
-              <a:rPr lang="ko-KR" altLang="en-US" sz="2000" dirty="0"/>
-              <a:t>우 부분이 수평을 이면 </a:t>
-            </a:r>
-            <a:r>
-              <a:rPr lang="en-US" altLang="ko-KR" sz="2000" dirty="0"/>
-              <a:t>0 </a:t>
-            </a:r>
-            <a:r>
-              <a:rPr lang="ko-KR" altLang="en-US" sz="2000" dirty="0"/>
-              <a:t>값을 가지며 기기의 좌측 위치가 높아지면 </a:t>
-            </a:r>
-            <a:r>
-              <a:rPr lang="ko-KR" altLang="en-US" sz="2000" dirty="0" smtClean="0"/>
-              <a:t>수치 값이 </a:t>
-            </a:r>
-            <a:r>
-              <a:rPr lang="ko-KR" altLang="en-US" sz="2000" dirty="0"/>
-              <a:t>점점 </a:t>
-            </a:r>
-            <a:r>
-              <a:rPr lang="ko-KR" altLang="en-US" sz="2000" dirty="0" smtClean="0"/>
-              <a:t>증가하며 </a:t>
-            </a:r>
-            <a:r>
-              <a:rPr lang="ko-KR" altLang="en-US" sz="2000" dirty="0"/>
-              <a:t>우측 위치가 높아지면 </a:t>
-            </a:r>
-            <a:r>
-              <a:rPr lang="ko-KR" altLang="en-US" sz="2000" dirty="0" smtClean="0"/>
-              <a:t>수치 값이 </a:t>
-            </a:r>
-            <a:r>
-              <a:rPr lang="ko-KR" altLang="en-US" sz="2000" dirty="0"/>
-              <a:t>점점 감소합니다</a:t>
-            </a:r>
-            <a:r>
-              <a:rPr lang="en-US" altLang="ko-KR" sz="2000" dirty="0"/>
-              <a:t>. </a:t>
-            </a:r>
-            <a:r>
-              <a:rPr lang="ko-KR" altLang="en-US" sz="2000" dirty="0"/>
-              <a:t>각 위치에 따른 값의 변화는 </a:t>
-            </a:r>
-            <a:r>
-              <a:rPr lang="ko-KR" altLang="en-US" sz="2000" dirty="0" smtClean="0"/>
-              <a:t>아래의 그림과 </a:t>
-            </a:r>
-            <a:r>
-              <a:rPr lang="ko-KR" altLang="en-US" sz="2000" dirty="0"/>
-              <a:t>같습니다</a:t>
-            </a:r>
-            <a:r>
-              <a:rPr lang="en-US" altLang="ko-KR" sz="2000" dirty="0"/>
-              <a:t>. </a:t>
-            </a:r>
-          </a:p>
-          <a:p>
-            <a:endParaRPr lang="en-US" altLang="ko-KR" sz="2000" dirty="0" smtClean="0">
-              <a:solidFill>
-                <a:schemeClr val="tx1"/>
-              </a:solidFill>
-            </a:endParaRPr>
-          </a:p>
-        </p:txBody>
-      </p:sp>
-      <p:pic>
-        <p:nvPicPr>
-          <p:cNvPr id="4098" name="Picture 2" descr="C:\Users\Mutecsoft_pc\Pictures\roll.jpg"/>
-          <p:cNvPicPr>
-            <a:picLocks noChangeAspect="1" noChangeArrowheads="1"/>
-          </p:cNvPicPr>
-          <p:nvPr/>
-        </p:nvPicPr>
-        <p:blipFill>
-          <a:blip r:embed="rId2">
-            <a:extLst>
-              <a:ext uri="{28A0092B-C50C-407E-A947-70E740481C1C}">
-                <a14:useLocalDpi xmlns:a14="http://schemas.microsoft.com/office/drawing/2010/main" val="0"/>
-              </a:ext>
-            </a:extLst>
-          </a:blip>
-          <a:srcRect/>
-          <a:stretch>
-            <a:fillRect/>
-          </a:stretch>
-        </p:blipFill>
-        <p:spPr bwMode="auto">
-          <a:xfrm>
-            <a:off x="2604549" y="2708920"/>
-            <a:ext cx="3551627" cy="4103122"/>
-          </a:xfrm>
-          <a:prstGeom prst="rect">
-            <a:avLst/>
-          </a:prstGeom>
-          <a:noFill/>
-          <a:extLst>
-            <a:ext uri="{909E8E84-426E-40DD-AFC4-6F175D3DCCD1}">
-              <a14:hiddenFill xmlns:a14="http://schemas.microsoft.com/office/drawing/2010/main">
-                <a:solidFill>
-                  <a:srgbClr val="FFFFFF"/>
-                </a:solidFill>
-              </a14:hiddenFill>
-            </a:ext>
-          </a:extLst>
-        </p:spPr>
-      </p:pic>
-    </p:spTree>
-    <p:extLst>
-      <p:ext uri="{BB962C8B-B14F-4D97-AF65-F5344CB8AC3E}">
-        <p14:creationId xmlns:p14="http://schemas.microsoft.com/office/powerpoint/2010/main" val="1655060008"/>
-      </p:ext>
-    </p:extLst>
-  </p:cSld>
-  <p:clrMapOvr>
-    <a:masterClrMapping/>
-  </p:clrMapOvr>
-  <p:timing>
-    <p:tnLst>
-      <p:par>
-        <p:cTn id="1" dur="indefinite" restart="never" nodeType="tmRoot"/>
-      </p:par>
-    </p:tnLst>
-  </p:timing>
-</p:sld>
-</file>
-
-<file path=ppt/slides/slide16.xml><?xml version="1.0" encoding="utf-8"?>
-<p:sld xmlns:a="http://schemas.openxmlformats.org/drawingml/2006/main" xmlns:r="http://schemas.openxmlformats.org/officeDocument/2006/relationships" xmlns:p="http://schemas.openxmlformats.org/presentationml/2006/main">
-  <p:cSld>
-    <p:spTree>
-      <p:nvGrpSpPr>
-        <p:cNvPr id="1" name=""/>
-        <p:cNvGrpSpPr/>
-        <p:nvPr/>
-      </p:nvGrpSpPr>
-      <p:grpSpPr>
-        <a:xfrm>
-          <a:off x="0" y="0"/>
-          <a:ext cx="0" cy="0"/>
-          <a:chOff x="0" y="0"/>
-          <a:chExt cx="0" cy="0"/>
-        </a:xfrm>
-      </p:grpSpPr>
-      <p:sp>
-        <p:nvSpPr>
-          <p:cNvPr id="2" name="제목 1"/>
-          <p:cNvSpPr>
-            <a:spLocks noGrp="1"/>
-          </p:cNvSpPr>
-          <p:nvPr>
-            <p:ph type="title"/>
-          </p:nvPr>
-        </p:nvSpPr>
-        <p:spPr/>
-        <p:txBody>
-          <a:bodyPr/>
-          <a:lstStyle/>
-          <a:p>
-            <a:endParaRPr lang="ko-KR" altLang="en-US" dirty="0"/>
-          </a:p>
-        </p:txBody>
-      </p:sp>
-      <p:sp>
-        <p:nvSpPr>
-          <p:cNvPr id="3" name="내용 개체 틀 2"/>
-          <p:cNvSpPr>
-            <a:spLocks noGrp="1"/>
-          </p:cNvSpPr>
-          <p:nvPr>
-            <p:ph idx="1"/>
-          </p:nvPr>
-        </p:nvSpPr>
-        <p:spPr/>
-        <p:txBody>
-          <a:bodyPr/>
-          <a:lstStyle/>
-          <a:p>
-            <a:r>
-              <a:rPr lang="en-US" altLang="ko-KR" dirty="0">
-                <a:hlinkClick r:id="rId2"/>
-              </a:rPr>
-              <a:t>http://</a:t>
-            </a:r>
-            <a:r>
-              <a:rPr lang="en-US" altLang="ko-KR" dirty="0" smtClean="0">
-                <a:hlinkClick r:id="rId2"/>
-              </a:rPr>
-              <a:t>nanstrong.tistory.com/269</a:t>
-            </a:r>
-            <a:endParaRPr lang="en-US" altLang="ko-KR" dirty="0" smtClean="0"/>
-          </a:p>
-          <a:p>
-            <a:r>
-              <a:rPr lang="en-US" altLang="ko-KR" dirty="0">
-                <a:hlinkClick r:id="rId3"/>
-              </a:rPr>
-              <a:t>http://</a:t>
-            </a:r>
-            <a:r>
-              <a:rPr lang="en-US" altLang="ko-KR" dirty="0" smtClean="0">
-                <a:hlinkClick r:id="rId3"/>
-              </a:rPr>
-              <a:t>powersilk.blog.me/10187764408</a:t>
-            </a:r>
-            <a:endParaRPr lang="en-US" altLang="ko-KR" dirty="0" smtClean="0"/>
-          </a:p>
-          <a:p>
-            <a:r>
-              <a:rPr lang="en-US" altLang="ko-KR" dirty="0">
-                <a:hlinkClick r:id="rId4"/>
-              </a:rPr>
-              <a:t>http://</a:t>
-            </a:r>
-            <a:r>
-              <a:rPr lang="en-US" altLang="ko-KR" dirty="0" smtClean="0">
-                <a:hlinkClick r:id="rId4"/>
-              </a:rPr>
-              <a:t>netrance.blog.me/110124715684</a:t>
-            </a:r>
-            <a:endParaRPr lang="en-US" altLang="ko-KR" dirty="0" smtClean="0"/>
-          </a:p>
-          <a:p>
-            <a:r>
-              <a:rPr lang="en-US" altLang="ko-KR" dirty="0">
-                <a:hlinkClick r:id="rId5"/>
-              </a:rPr>
-              <a:t>http://</a:t>
-            </a:r>
-            <a:r>
-              <a:rPr lang="en-US" altLang="ko-KR" dirty="0" smtClean="0">
-                <a:hlinkClick r:id="rId5"/>
-              </a:rPr>
-              <a:t>swalloow.tistory.com/19</a:t>
-            </a:r>
-            <a:endParaRPr lang="en-US" altLang="ko-KR" dirty="0" smtClean="0"/>
-          </a:p>
-          <a:p>
-            <a:endParaRPr lang="ko-KR" altLang="en-US" dirty="0"/>
-          </a:p>
-        </p:txBody>
-      </p:sp>
-    </p:spTree>
-    <p:extLst>
-      <p:ext uri="{BB962C8B-B14F-4D97-AF65-F5344CB8AC3E}">
-        <p14:creationId xmlns:p14="http://schemas.microsoft.com/office/powerpoint/2010/main" val="586504227"/>
-      </p:ext>
-    </p:extLst>
-  </p:cSld>
-  <p:clrMapOvr>
-    <a:masterClrMapping/>
-  </p:clrMapOvr>
-  <p:timing>
-    <p:tnLst>
-      <p:par>
-        <p:cTn id="1" dur="indefinite" restart="never" nodeType="tmRoot"/>
-      </p:par>
-    </p:tnLst>
-  </p:timing>
-</p:sld>
-</file>
-
-<file path=ppt/slides/slide2.xml><?xml version="1.0" encoding="utf-8"?>
-<p:sld xmlns:a="http://schemas.openxmlformats.org/drawingml/2006/main" xmlns:r="http://schemas.openxmlformats.org/officeDocument/2006/relationships" xmlns:p="http://schemas.openxmlformats.org/presentationml/2006/main">
-  <p:cSld>
-    <p:spTree>
-      <p:nvGrpSpPr>
-        <p:cNvPr id="1" name=""/>
-        <p:cNvGrpSpPr/>
-        <p:nvPr/>
-      </p:nvGrpSpPr>
-      <p:grpSpPr>
-        <a:xfrm>
-          <a:off x="0" y="0"/>
-          <a:ext cx="0" cy="0"/>
-          <a:chOff x="0" y="0"/>
-          <a:chExt cx="0" cy="0"/>
-        </a:xfrm>
-      </p:grpSpPr>
-      <p:sp>
-        <p:nvSpPr>
-          <p:cNvPr id="3" name="TextBox 2"/>
-          <p:cNvSpPr txBox="1"/>
-          <p:nvPr/>
-        </p:nvSpPr>
-        <p:spPr>
-          <a:xfrm>
-            <a:off x="120474" y="5085184"/>
-            <a:ext cx="8916022" cy="1323439"/>
-          </a:xfrm>
-          <a:prstGeom prst="rect">
-            <a:avLst/>
-          </a:prstGeom>
-          <a:noFill/>
-        </p:spPr>
-        <p:txBody>
-          <a:bodyPr wrap="square" rtlCol="0">
-            <a:spAutoFit/>
-          </a:bodyPr>
-          <a:lstStyle/>
-          <a:p>
-            <a:r>
-              <a:rPr lang="ko-KR" altLang="en-US" sz="2000" dirty="0" err="1" smtClean="0"/>
-              <a:t>안드로이드</a:t>
-            </a:r>
-            <a:r>
-              <a:rPr lang="ko-KR" altLang="en-US" sz="2000" dirty="0" smtClean="0"/>
-              <a:t> </a:t>
-            </a:r>
-            <a:r>
-              <a:rPr lang="ko-KR" altLang="en-US" sz="2000" dirty="0" err="1"/>
-              <a:t>앱의</a:t>
-            </a:r>
-            <a:r>
-              <a:rPr lang="ko-KR" altLang="en-US" sz="2000" dirty="0"/>
-              <a:t> 모든 유저 인터페이스</a:t>
-            </a:r>
-            <a:r>
-              <a:rPr lang="en-US" altLang="ko-KR" sz="2000" dirty="0"/>
-              <a:t>(UI) </a:t>
-            </a:r>
-            <a:r>
-              <a:rPr lang="ko-KR" altLang="en-US" sz="2000" dirty="0"/>
-              <a:t>요소들은 </a:t>
-            </a:r>
-          </a:p>
-          <a:p>
-            <a:r>
-              <a:rPr lang="en-US" altLang="ko-KR" sz="2000" b="1" dirty="0"/>
-              <a:t>View</a:t>
-            </a:r>
-            <a:r>
-              <a:rPr lang="ko-KR" altLang="en-US" sz="2000" dirty="0"/>
-              <a:t>와 </a:t>
-            </a:r>
-            <a:r>
-              <a:rPr lang="en-US" altLang="ko-KR" sz="2000" b="1" dirty="0" err="1"/>
-              <a:t>ViewGroup</a:t>
-            </a:r>
-            <a:r>
-              <a:rPr lang="en-US" altLang="ko-KR" sz="2000" b="1" dirty="0"/>
-              <a:t> </a:t>
-            </a:r>
-            <a:r>
-              <a:rPr lang="ko-KR" altLang="en-US" sz="2000" dirty="0"/>
-              <a:t>객체들을 기반으로 합니다</a:t>
-            </a:r>
-            <a:r>
-              <a:rPr lang="en-US" altLang="ko-KR" sz="2000" dirty="0"/>
-              <a:t>.</a:t>
-            </a:r>
-          </a:p>
-          <a:p>
-            <a:r>
-              <a:rPr lang="en-US" altLang="ko-KR" sz="2000" dirty="0"/>
-              <a:t>View</a:t>
-            </a:r>
-            <a:r>
-              <a:rPr lang="ko-KR" altLang="en-US" sz="2000" dirty="0"/>
-              <a:t>는 화면의 사각형 영역에 있는 </a:t>
-            </a:r>
-            <a:r>
-              <a:rPr lang="ko-KR" altLang="en-US" sz="2000" dirty="0" err="1"/>
-              <a:t>컨텐츠나</a:t>
-            </a:r>
-            <a:r>
-              <a:rPr lang="ko-KR" altLang="en-US" sz="2000" dirty="0"/>
-              <a:t> 화면 레이아웃을 담당하며</a:t>
-            </a:r>
-          </a:p>
-          <a:p>
-            <a:r>
-              <a:rPr lang="en-US" altLang="ko-KR" sz="2000" dirty="0" err="1"/>
-              <a:t>ViewGroup</a:t>
-            </a:r>
-            <a:r>
-              <a:rPr lang="ko-KR" altLang="en-US" sz="2000" dirty="0"/>
-              <a:t>은 각 </a:t>
-            </a:r>
-            <a:r>
-              <a:rPr lang="en-US" altLang="ko-KR" sz="2000" dirty="0"/>
-              <a:t>View</a:t>
-            </a:r>
-            <a:r>
-              <a:rPr lang="ko-KR" altLang="en-US" sz="2000" dirty="0"/>
-              <a:t>들을 합쳐 화면 전체 레이아웃을 그려냅니다</a:t>
-            </a:r>
-            <a:r>
-              <a:rPr lang="en-US" altLang="ko-KR" sz="2000" dirty="0"/>
-              <a:t>.</a:t>
-            </a:r>
-            <a:endParaRPr lang="en-US" altLang="ko-KR" sz="2000" dirty="0">
+            <a:endParaRPr lang="ko-KR" altLang="en-US" sz="2000" dirty="0">
               <a:effectLst/>
             </a:endParaRPr>
           </a:p>
@@ -5426,7 +4488,7 @@
           <p:spPr>
             <a:xfrm>
               <a:off x="179512" y="188639"/>
-              <a:ext cx="3575377" cy="882934"/>
+              <a:ext cx="4514309" cy="882935"/>
             </a:xfrm>
             <a:prstGeom prst="rect">
               <a:avLst/>
@@ -5441,11 +4503,7 @@
             <a:p>
               <a:r>
                 <a:rPr lang="en-US" altLang="ko-KR" sz="4800" b="1" dirty="0" smtClean="0"/>
-                <a:t>UI </a:t>
-              </a:r>
-              <a:r>
-                <a:rPr lang="ko-KR" altLang="en-US" sz="4800" b="1" dirty="0" smtClean="0"/>
-                <a:t>구성요소</a:t>
+                <a:t>Input Controls</a:t>
               </a:r>
               <a:endParaRPr lang="ko-KR" altLang="en-US" sz="4800" b="1" dirty="0"/>
             </a:p>
@@ -5485,7 +4543,7 @@
       </p:grpSp>
       <p:pic>
         <p:nvPicPr>
-          <p:cNvPr id="1026" name="Picture 2" descr="C:\Users\Mutecsoft_pc\Pictures\viewgroup.jpg"/>
+          <p:cNvPr id="7" name="Picture 2" descr="C:\Users\Mutecsoft_pc\Pictures\ui_control.png"/>
           <p:cNvPicPr>
             <a:picLocks noChangeAspect="1" noChangeArrowheads="1"/>
           </p:cNvPicPr>
@@ -5506,8 +4564,8 @@
         </p:blipFill>
         <p:spPr bwMode="auto">
           <a:xfrm>
-            <a:off x="1457050" y="1669153"/>
-            <a:ext cx="5995270" cy="3200007"/>
+            <a:off x="1691680" y="1556792"/>
+            <a:ext cx="5544616" cy="3095054"/>
           </a:xfrm>
           <a:prstGeom prst="rect">
             <a:avLst/>
@@ -5527,7 +4585,7 @@
     </p:spTree>
     <p:extLst>
       <p:ext uri="{BB962C8B-B14F-4D97-AF65-F5344CB8AC3E}">
-        <p14:creationId xmlns:p14="http://schemas.microsoft.com/office/powerpoint/2010/main" val="2593486770"/>
+        <p14:creationId xmlns:p14="http://schemas.microsoft.com/office/powerpoint/2010/main" val="402236183"/>
       </p:ext>
     </p:extLst>
   </p:cSld>
@@ -5544,7 +4602,7 @@
 </p:sld>
 </file>
 
-<file path=ppt/slides/slide3.xml><?xml version="1.0" encoding="utf-8"?>
+<file path=ppt/slides/slide13.xml><?xml version="1.0" encoding="utf-8"?>
 <p:sld xmlns:a="http://schemas.openxmlformats.org/drawingml/2006/main" xmlns:r="http://schemas.openxmlformats.org/officeDocument/2006/relationships" xmlns:p="http://schemas.openxmlformats.org/presentationml/2006/main">
   <p:cSld>
     <p:spTree>
@@ -5569,8 +4627,8 @@
         </p:nvSpPr>
         <p:spPr>
           <a:xfrm>
-            <a:off x="107504" y="4566607"/>
-            <a:ext cx="8916022" cy="2246769"/>
+            <a:off x="107504" y="1628800"/>
+            <a:ext cx="8916022" cy="4708981"/>
           </a:xfrm>
           <a:prstGeom prst="rect">
             <a:avLst/>
@@ -5584,107 +4642,257 @@
           <a:lstStyle/>
           <a:p>
             <a:r>
-              <a:rPr lang="ko-KR" altLang="en-US" sz="2000" dirty="0" err="1"/>
+              <a:rPr lang="ko-KR" altLang="en-US" sz="2000" dirty="0" smtClean="0"/>
+              <a:t>사용자와 애플리케이션의 상호 작용에 대한 이벤트를 처리하기 위한 방법에는 다음과 같은 두 가지 방법이 있습니다</a:t>
+            </a:r>
+            <a:r>
+              <a:rPr lang="en-US" altLang="ko-KR" sz="2000" dirty="0" smtClean="0"/>
+              <a:t>.</a:t>
+            </a:r>
+          </a:p>
+          <a:p>
+            <a:endParaRPr lang="en-US" altLang="ko-KR" sz="2000" dirty="0"/>
+          </a:p>
+          <a:p>
+            <a:pPr marL="342900" indent="-342900">
+              <a:buFont typeface="Arial" pitchFamily="34" charset="0"/>
+              <a:buChar char="•"/>
+            </a:pPr>
+            <a:r>
+              <a:rPr lang="ko-KR" altLang="en-US" sz="2000" dirty="0" smtClean="0">
+                <a:effectLst/>
+              </a:rPr>
+              <a:t>이벤트 </a:t>
+            </a:r>
+            <a:r>
+              <a:rPr lang="ko-KR" altLang="en-US" sz="2000" dirty="0" err="1" smtClean="0">
+                <a:effectLst/>
+              </a:rPr>
+              <a:t>리스너</a:t>
+            </a:r>
+            <a:endParaRPr lang="en-US" altLang="ko-KR" sz="2000" dirty="0" smtClean="0">
+              <a:effectLst/>
+            </a:endParaRPr>
+          </a:p>
+          <a:p>
+            <a:r>
+              <a:rPr lang="ko-KR" altLang="en-US" sz="2000" dirty="0" smtClean="0"/>
+              <a:t>이벤트 </a:t>
+            </a:r>
+            <a:r>
+              <a:rPr lang="ko-KR" altLang="en-US" sz="2000" dirty="0" err="1" smtClean="0"/>
+              <a:t>리스너란</a:t>
+            </a:r>
+            <a:r>
+              <a:rPr lang="ko-KR" altLang="en-US" sz="2000" dirty="0" smtClean="0"/>
+              <a:t> </a:t>
+            </a:r>
+            <a:r>
+              <a:rPr lang="en-US" altLang="ko-KR" sz="2000" dirty="0" smtClean="0"/>
+              <a:t>View </a:t>
+            </a:r>
+            <a:r>
+              <a:rPr lang="ko-KR" altLang="en-US" sz="2000" dirty="0" smtClean="0"/>
+              <a:t>클래스 내에 있는 일종의 인터페이스로</a:t>
+            </a:r>
+            <a:r>
+              <a:rPr lang="en-US" altLang="ko-KR" sz="2000" dirty="0" smtClean="0"/>
+              <a:t>, </a:t>
+            </a:r>
+            <a:r>
+              <a:rPr lang="ko-KR" altLang="en-US" sz="2000" dirty="0" smtClean="0"/>
+              <a:t>이 안에 하나의 </a:t>
+            </a:r>
+            <a:r>
+              <a:rPr lang="ko-KR" altLang="en-US" sz="2000" dirty="0" err="1" smtClean="0"/>
+              <a:t>콜백</a:t>
+            </a:r>
+            <a:r>
+              <a:rPr lang="ko-KR" altLang="en-US" sz="2000" dirty="0" smtClean="0"/>
+              <a:t> </a:t>
+            </a:r>
+            <a:r>
+              <a:rPr lang="ko-KR" altLang="en-US" sz="2000" dirty="0" err="1" smtClean="0"/>
+              <a:t>메서드가</a:t>
+            </a:r>
+            <a:r>
+              <a:rPr lang="ko-KR" altLang="en-US" sz="2000" dirty="0" smtClean="0"/>
+              <a:t> 들어있습니다</a:t>
+            </a:r>
+            <a:r>
+              <a:rPr lang="en-US" altLang="ko-KR" sz="2000" dirty="0" smtClean="0"/>
+              <a:t>. </a:t>
+            </a:r>
+            <a:r>
+              <a:rPr lang="ko-KR" altLang="en-US" sz="2000" dirty="0" smtClean="0"/>
+              <a:t>이러한 </a:t>
+            </a:r>
+            <a:r>
+              <a:rPr lang="ko-KR" altLang="en-US" sz="2000" dirty="0" err="1" smtClean="0"/>
+              <a:t>메서드는</a:t>
+            </a:r>
+            <a:r>
+              <a:rPr lang="ko-KR" altLang="en-US" sz="2000" dirty="0" smtClean="0"/>
+              <a:t> </a:t>
+            </a:r>
+            <a:r>
+              <a:rPr lang="ko-KR" altLang="en-US" sz="2000" dirty="0" err="1" smtClean="0"/>
+              <a:t>리스너가</a:t>
+            </a:r>
+            <a:r>
+              <a:rPr lang="ko-KR" altLang="en-US" sz="2000" dirty="0" smtClean="0"/>
+              <a:t> 등록된 </a:t>
+            </a:r>
+            <a:r>
+              <a:rPr lang="en-US" altLang="ko-KR" sz="2000" dirty="0" smtClean="0"/>
+              <a:t>View </a:t>
+            </a:r>
+            <a:r>
+              <a:rPr lang="ko-KR" altLang="en-US" sz="2000" dirty="0" smtClean="0"/>
+              <a:t>가 </a:t>
+            </a:r>
+            <a:r>
+              <a:rPr lang="en-US" altLang="ko-KR" sz="2000" dirty="0" smtClean="0"/>
+              <a:t>UI </a:t>
+            </a:r>
+            <a:r>
+              <a:rPr lang="ko-KR" altLang="en-US" sz="2000" dirty="0" smtClean="0"/>
+              <a:t>안의 항목과 사용자의 상호작용 할 때 </a:t>
+            </a:r>
+            <a:r>
+              <a:rPr lang="ko-KR" altLang="en-US" sz="2000" dirty="0" err="1" smtClean="0"/>
               <a:t>안드로이드</a:t>
             </a:r>
             <a:r>
-              <a:rPr lang="ko-KR" altLang="en-US" sz="2000" dirty="0"/>
+              <a:rPr lang="ko-KR" altLang="en-US" sz="2000" dirty="0" smtClean="0"/>
+              <a:t> 프레임워크에 의해 호출 되어집니다</a:t>
+            </a:r>
+            <a:r>
+              <a:rPr lang="en-US" altLang="ko-KR" sz="2000" dirty="0" smtClean="0"/>
+              <a:t>.</a:t>
+            </a:r>
+            <a:endParaRPr lang="en-US" altLang="ko-KR" sz="2000" dirty="0"/>
+          </a:p>
+          <a:p>
+            <a:endParaRPr lang="en-US" altLang="ko-KR" sz="2000" dirty="0"/>
+          </a:p>
+          <a:p>
+            <a:pPr marL="342900" indent="-342900">
+              <a:buFont typeface="Arial" pitchFamily="34" charset="0"/>
+              <a:buChar char="•"/>
+            </a:pPr>
+            <a:r>
+              <a:rPr lang="ko-KR" altLang="en-US" sz="2000" dirty="0" smtClean="0">
+                <a:effectLst/>
+              </a:rPr>
+              <a:t>이벤트 </a:t>
+            </a:r>
+            <a:r>
+              <a:rPr lang="ko-KR" altLang="en-US" sz="2000" dirty="0" err="1" smtClean="0">
+                <a:effectLst/>
+              </a:rPr>
+              <a:t>핸들러</a:t>
+            </a:r>
+            <a:endParaRPr lang="en-US" altLang="ko-KR" sz="2000" dirty="0" smtClean="0">
+              <a:effectLst/>
+            </a:endParaRPr>
+          </a:p>
+          <a:p>
+            <a:r>
+              <a:rPr lang="ko-KR" altLang="en-US" sz="2000" dirty="0" smtClean="0">
+                <a:effectLst/>
+              </a:rPr>
+              <a:t>사용자 이벤트를 처리하는 것에 있어서 이벤트 </a:t>
+            </a:r>
+            <a:r>
+              <a:rPr lang="ko-KR" altLang="en-US" sz="2000" dirty="0" err="1" smtClean="0">
+                <a:effectLst/>
+              </a:rPr>
+              <a:t>리스너를</a:t>
+            </a:r>
+            <a:r>
+              <a:rPr lang="ko-KR" altLang="en-US" sz="2000" dirty="0" smtClean="0">
+                <a:effectLst/>
+              </a:rPr>
+              <a:t> 사용하는 것이 좀 더 보편적이지만</a:t>
+            </a:r>
+            <a:r>
+              <a:rPr lang="en-US" altLang="ko-KR" sz="2000" dirty="0" smtClean="0">
+                <a:effectLst/>
+              </a:rPr>
+              <a:t>, </a:t>
+            </a:r>
+            <a:r>
+              <a:rPr lang="ko-KR" altLang="en-US" sz="2000" dirty="0" err="1" smtClean="0">
+                <a:effectLst/>
+              </a:rPr>
+              <a:t>커스텀</a:t>
+            </a:r>
+            <a:r>
+              <a:rPr lang="ko-KR" altLang="en-US" sz="2000" dirty="0" smtClean="0"/>
+              <a:t> 컴포넌트를 구축하기 위해  </a:t>
+            </a:r>
+            <a:r>
+              <a:rPr lang="en-US" altLang="ko-KR" sz="2000" dirty="0" smtClean="0"/>
+              <a:t>View </a:t>
+            </a:r>
+            <a:r>
+              <a:rPr lang="ko-KR" altLang="en-US" sz="2000" dirty="0" smtClean="0"/>
+              <a:t>클래스를 확장하는 경우</a:t>
+            </a:r>
+            <a:r>
+              <a:rPr lang="en-US" altLang="ko-KR" sz="2000" dirty="0" smtClean="0"/>
+              <a:t>, </a:t>
+            </a:r>
+            <a:r>
+              <a:rPr lang="ko-KR" altLang="en-US" sz="2000" dirty="0" smtClean="0"/>
+              <a:t>클래스에 대한 기본 이벤트 행동을 클래스 이벤트 </a:t>
+            </a:r>
+            <a:r>
+              <a:rPr lang="ko-KR" altLang="en-US" sz="2000" dirty="0" err="1" smtClean="0"/>
+              <a:t>핸들러를</a:t>
+            </a:r>
+            <a:r>
+              <a:rPr lang="ko-KR" altLang="en-US" sz="2000" dirty="0" smtClean="0"/>
+              <a:t> 사용하여 정의 할 수 있습니다</a:t>
+            </a:r>
+            <a:r>
+              <a:rPr lang="en-US" altLang="ko-KR" sz="2000" dirty="0" smtClean="0"/>
+              <a:t>. </a:t>
+            </a:r>
+            <a:r>
+              <a:rPr lang="ko-KR" altLang="en-US" sz="2000" dirty="0" smtClean="0"/>
+              <a:t>이때 기본 이벤트 </a:t>
+            </a:r>
+            <a:r>
+              <a:rPr lang="ko-KR" altLang="en-US" sz="2000" dirty="0" err="1" smtClean="0"/>
+              <a:t>핸들러로</a:t>
+            </a:r>
+            <a:r>
+              <a:rPr lang="ko-KR" altLang="en-US" sz="2000" dirty="0" smtClean="0"/>
+              <a:t> 사용될 </a:t>
+            </a:r>
+            <a:r>
+              <a:rPr lang="ko-KR" altLang="en-US" sz="2000" dirty="0" err="1" smtClean="0"/>
+              <a:t>콜백</a:t>
+            </a:r>
+            <a:r>
+              <a:rPr lang="ko-KR" altLang="en-US" sz="2000" dirty="0" smtClean="0"/>
               <a:t> </a:t>
             </a:r>
             <a:r>
-              <a:rPr lang="en-US" altLang="ko-KR" sz="2000" dirty="0"/>
-              <a:t>UI </a:t>
-            </a:r>
-            <a:r>
-              <a:rPr lang="ko-KR" altLang="en-US" sz="2000" dirty="0"/>
-              <a:t>컴포넌트에는 레이아웃 컴포넌트와 컨트롤 요소들이 있습니다</a:t>
-            </a:r>
-            <a:r>
-              <a:rPr lang="en-US" altLang="ko-KR" sz="2000" dirty="0"/>
+              <a:rPr lang="ko-KR" altLang="en-US" sz="2000" dirty="0" err="1" smtClean="0"/>
+              <a:t>메서드를</a:t>
+            </a:r>
+            <a:r>
+              <a:rPr lang="ko-KR" altLang="en-US" sz="2000" dirty="0" smtClean="0"/>
+              <a:t> 여러 개 정의할 수 있게 됩니다</a:t>
+            </a:r>
+            <a:r>
+              <a:rPr lang="en-US" altLang="ko-KR" sz="2000" dirty="0" smtClean="0"/>
               <a:t>.</a:t>
             </a:r>
-            <a:endParaRPr lang="ko-KR" altLang="en-US" sz="2000" dirty="0"/>
-          </a:p>
-          <a:p>
-            <a:r>
-              <a:rPr lang="ko-KR" altLang="en-US" sz="2000" dirty="0"/>
-              <a:t>레이아웃은 사용자 인터페이스에 대한 시각적 구조를 말합니다</a:t>
-            </a:r>
-            <a:r>
-              <a:rPr lang="en-US" altLang="ko-KR" sz="2000" dirty="0"/>
-              <a:t>.</a:t>
-            </a:r>
-            <a:endParaRPr lang="ko-KR" altLang="en-US" sz="2000" dirty="0"/>
-          </a:p>
-          <a:p>
-            <a:r>
-              <a:rPr lang="ko-KR" altLang="en-US" sz="2000" dirty="0" err="1"/>
-              <a:t>액티비티</a:t>
-            </a:r>
-            <a:r>
-              <a:rPr lang="ko-KR" altLang="en-US" sz="2000" dirty="0"/>
-              <a:t> 또는 </a:t>
-            </a:r>
-            <a:r>
-              <a:rPr lang="ko-KR" altLang="en-US" sz="2000" dirty="0" err="1"/>
-              <a:t>위젯에</a:t>
-            </a:r>
-            <a:r>
-              <a:rPr lang="ko-KR" altLang="en-US" sz="2000" dirty="0"/>
-              <a:t> 대한 큰 틀이 정의되며</a:t>
-            </a:r>
-            <a:r>
-              <a:rPr lang="en-US" altLang="ko-KR" sz="2000" dirty="0"/>
-              <a:t>, </a:t>
-            </a:r>
-            <a:r>
-              <a:rPr lang="ko-KR" altLang="en-US" sz="2000" dirty="0"/>
-              <a:t>여러 속성과 매개변수를 정의할 수 있습니다</a:t>
-            </a:r>
-            <a:r>
-              <a:rPr lang="en-US" altLang="ko-KR" sz="2000" dirty="0"/>
-              <a:t>.</a:t>
-            </a:r>
-            <a:endParaRPr lang="ko-KR" altLang="en-US" sz="2000" dirty="0"/>
-          </a:p>
-          <a:p>
-            <a:r>
-              <a:rPr lang="ko-KR" altLang="en-US" sz="2000" dirty="0"/>
-              <a:t>레이아웃 컴포넌트는 </a:t>
-            </a:r>
-            <a:r>
-              <a:rPr lang="en-US" altLang="ko-KR" sz="2000" dirty="0" err="1"/>
-              <a:t>LinearLayout</a:t>
-            </a:r>
-            <a:r>
-              <a:rPr lang="en-US" altLang="ko-KR" sz="2000" dirty="0"/>
-              <a:t>, </a:t>
-            </a:r>
-            <a:r>
-              <a:rPr lang="en-US" altLang="ko-KR" sz="2000" dirty="0" err="1"/>
-              <a:t>RelativeLayout</a:t>
-            </a:r>
-            <a:r>
-              <a:rPr lang="en-US" altLang="ko-KR" sz="2000" dirty="0"/>
-              <a:t>, </a:t>
-            </a:r>
-            <a:r>
-              <a:rPr lang="en-US" altLang="ko-KR" sz="2000" dirty="0" err="1"/>
-              <a:t>GridLayout</a:t>
-            </a:r>
-            <a:r>
-              <a:rPr lang="en-US" altLang="ko-KR" sz="2000" dirty="0"/>
-              <a:t> </a:t>
-            </a:r>
-            <a:r>
-              <a:rPr lang="ko-KR" altLang="en-US" sz="2000" dirty="0"/>
-              <a:t>등이 해당됩니다</a:t>
-            </a:r>
-            <a:r>
-              <a:rPr lang="en-US" altLang="ko-KR" sz="2000" dirty="0"/>
-              <a:t>.</a:t>
-            </a:r>
-            <a:endParaRPr lang="ko-KR" altLang="en-US" sz="2000" dirty="0">
+            <a:endParaRPr lang="en-US" altLang="ko-KR" sz="2000" dirty="0">
               <a:effectLst/>
             </a:endParaRPr>
           </a:p>
@@ -5713,7 +4921,7 @@
           <p:spPr>
             <a:xfrm>
               <a:off x="179512" y="188639"/>
-              <a:ext cx="3575377" cy="882935"/>
+              <a:ext cx="3933340" cy="882935"/>
             </a:xfrm>
             <a:prstGeom prst="rect">
               <a:avLst/>
@@ -5728,11 +4936,7 @@
             <a:p>
               <a:r>
                 <a:rPr lang="en-US" altLang="ko-KR" sz="4800" b="1" dirty="0" smtClean="0"/>
-                <a:t>UI </a:t>
-              </a:r>
-              <a:r>
-                <a:rPr lang="ko-KR" altLang="en-US" sz="4800" b="1" dirty="0" smtClean="0"/>
-                <a:t>컴포넌트</a:t>
+                <a:t>Input Events</a:t>
               </a:r>
               <a:endParaRPr lang="ko-KR" altLang="en-US" sz="4800" b="1" dirty="0"/>
             </a:p>
@@ -5770,9 +4974,375 @@
           </p:style>
         </p:cxnSp>
       </p:grpSp>
+    </p:spTree>
+    <p:extLst>
+      <p:ext uri="{BB962C8B-B14F-4D97-AF65-F5344CB8AC3E}">
+        <p14:creationId xmlns:p14="http://schemas.microsoft.com/office/powerpoint/2010/main" val="445318354"/>
+      </p:ext>
+    </p:extLst>
+  </p:cSld>
+  <p:clrMapOvr>
+    <a:masterClrMapping/>
+  </p:clrMapOvr>
+  <p:timing>
+    <p:tnLst>
+      <p:par>
+        <p:cTn id="1" dur="indefinite" restart="never" nodeType="tmRoot"/>
+      </p:par>
+    </p:tnLst>
+  </p:timing>
+</p:sld>
+</file>
+
+<file path=ppt/slides/slide14.xml><?xml version="1.0" encoding="utf-8"?>
+<p:sld xmlns:a="http://schemas.openxmlformats.org/drawingml/2006/main" xmlns:r="http://schemas.openxmlformats.org/officeDocument/2006/relationships" xmlns:p="http://schemas.openxmlformats.org/presentationml/2006/main">
+  <p:cSld>
+    <p:spTree>
+      <p:nvGrpSpPr>
+        <p:cNvPr id="1" name=""/>
+        <p:cNvGrpSpPr/>
+        <p:nvPr/>
+      </p:nvGrpSpPr>
+      <p:grpSpPr>
+        <a:xfrm>
+          <a:off x="0" y="0"/>
+          <a:ext cx="0" cy="0"/>
+          <a:chOff x="0" y="0"/>
+          <a:chExt cx="0" cy="0"/>
+        </a:xfrm>
+      </p:grpSpPr>
+      <p:sp>
+        <p:nvSpPr>
+          <p:cNvPr id="3" name="TextBox 2"/>
+          <p:cNvSpPr txBox="1"/>
+          <p:nvPr/>
+        </p:nvSpPr>
+        <p:spPr>
+          <a:xfrm>
+            <a:off x="107504" y="1628800"/>
+            <a:ext cx="8916022" cy="4708981"/>
+          </a:xfrm>
+          <a:prstGeom prst="rect">
+            <a:avLst/>
+          </a:prstGeom>
+          <a:noFill/>
+        </p:spPr>
+        <p:txBody>
+          <a:bodyPr wrap="square" rtlCol="0">
+            <a:spAutoFit/>
+          </a:bodyPr>
+          <a:lstStyle/>
+          <a:p>
+            <a:endParaRPr lang="en-US" altLang="ko-KR" sz="2000" dirty="0"/>
+          </a:p>
+          <a:p>
+            <a:pPr marL="342900" indent="-342900">
+              <a:buFont typeface="Arial" pitchFamily="34" charset="0"/>
+              <a:buChar char="•"/>
+            </a:pPr>
+            <a:r>
+              <a:rPr lang="en-US" altLang="ko-KR" sz="2000" dirty="0"/>
+              <a:t>Option menu and action </a:t>
+            </a:r>
+            <a:r>
+              <a:rPr lang="en-US" altLang="ko-KR" sz="2000" dirty="0" smtClean="0"/>
+              <a:t>bar</a:t>
+            </a:r>
+          </a:p>
+          <a:p>
+            <a:endParaRPr lang="en-US" altLang="ko-KR" sz="2000" dirty="0"/>
+          </a:p>
+          <a:p>
+            <a:pPr marL="342900" indent="-342900">
+              <a:buFont typeface="Arial" pitchFamily="34" charset="0"/>
+              <a:buChar char="•"/>
+            </a:pPr>
+            <a:r>
+              <a:rPr lang="en-US" altLang="ko-KR" sz="2000" dirty="0"/>
+              <a:t>Context menu and contextual action </a:t>
+            </a:r>
+            <a:r>
+              <a:rPr lang="en-US" altLang="ko-KR" sz="2000" dirty="0" smtClean="0"/>
+              <a:t>mode</a:t>
+            </a:r>
+          </a:p>
+          <a:p>
+            <a:endParaRPr lang="en-US" altLang="ko-KR" sz="2000" dirty="0"/>
+          </a:p>
+          <a:p>
+            <a:pPr marL="342900" indent="-342900">
+              <a:buFont typeface="Arial" pitchFamily="34" charset="0"/>
+              <a:buChar char="•"/>
+            </a:pPr>
+            <a:r>
+              <a:rPr lang="en-US" altLang="ko-KR" sz="2000" dirty="0"/>
+              <a:t>Popup menu</a:t>
+            </a:r>
+          </a:p>
+          <a:p>
+            <a:endParaRPr lang="en-US" altLang="ko-KR" sz="2000" dirty="0" smtClean="0"/>
+          </a:p>
+          <a:p>
+            <a:endParaRPr lang="en-US" altLang="ko-KR" sz="2000" dirty="0"/>
+          </a:p>
+          <a:p>
+            <a:r>
+              <a:rPr lang="ko-KR" altLang="en-US" sz="2000" dirty="0" err="1" smtClean="0"/>
+              <a:t>안드로이드</a:t>
+            </a:r>
+            <a:r>
+              <a:rPr lang="ko-KR" altLang="en-US" sz="2000" dirty="0" smtClean="0"/>
+              <a:t> 메뉴 시스템은 크게 </a:t>
+            </a:r>
+            <a:r>
+              <a:rPr lang="en-US" altLang="ko-KR" sz="2000" dirty="0" smtClean="0"/>
+              <a:t>Option menu and action bar, Context </a:t>
+            </a:r>
+            <a:r>
+              <a:rPr lang="en-US" altLang="ko-KR" sz="2000" dirty="0" err="1" smtClean="0"/>
+              <a:t>munu</a:t>
+            </a:r>
+            <a:r>
+              <a:rPr lang="en-US" altLang="ko-KR" sz="2000" dirty="0" smtClean="0"/>
+              <a:t> and contextual action mode, Popup menu</a:t>
+            </a:r>
+            <a:r>
+              <a:rPr lang="ko-KR" altLang="en-US" sz="2000" dirty="0" smtClean="0"/>
+              <a:t>로 구분할 수 있는데</a:t>
+            </a:r>
+            <a:r>
+              <a:rPr lang="en-US" altLang="ko-KR" sz="2000" dirty="0"/>
+              <a:t> </a:t>
+            </a:r>
+            <a:r>
+              <a:rPr lang="ko-KR" altLang="en-US" sz="2000" dirty="0" err="1" smtClean="0"/>
+              <a:t>안드로이드</a:t>
+            </a:r>
+            <a:r>
+              <a:rPr lang="ko-KR" altLang="en-US" sz="2000" dirty="0" smtClean="0"/>
+              <a:t> </a:t>
+            </a:r>
+            <a:r>
+              <a:rPr lang="en-US" altLang="ko-KR" sz="2000" dirty="0" smtClean="0"/>
+              <a:t>2.3 </a:t>
+            </a:r>
+            <a:r>
+              <a:rPr lang="ko-KR" altLang="en-US" sz="2000" dirty="0" smtClean="0"/>
+              <a:t>이하에서는 </a:t>
+            </a:r>
+            <a:r>
+              <a:rPr lang="en-US" altLang="ko-KR" sz="2000" dirty="0" smtClean="0"/>
+              <a:t>Option menu, Context menu, Popup menu</a:t>
+            </a:r>
+            <a:r>
+              <a:rPr lang="ko-KR" altLang="en-US" sz="2000" dirty="0" smtClean="0"/>
+              <a:t>를 사용하면 되지만 </a:t>
+            </a:r>
+            <a:r>
+              <a:rPr lang="en-US" altLang="ko-KR" sz="2000" dirty="0" smtClean="0"/>
+              <a:t>3.0 </a:t>
+            </a:r>
+            <a:r>
+              <a:rPr lang="ko-KR" altLang="en-US" sz="2000" dirty="0" smtClean="0"/>
+              <a:t>이상에서는  기존 메뉴가 없어지고 대신 </a:t>
+            </a:r>
+            <a:r>
+              <a:rPr lang="en-US" altLang="ko-KR" sz="2000" dirty="0" smtClean="0"/>
+              <a:t>Action bar, Contextual action mode, Popup menu </a:t>
+            </a:r>
+            <a:r>
+              <a:rPr lang="ko-KR" altLang="en-US" sz="2000" dirty="0" smtClean="0"/>
+              <a:t>를 사용해야 한다</a:t>
+            </a:r>
+            <a:r>
+              <a:rPr lang="en-US" altLang="ko-KR" sz="2000" dirty="0" smtClean="0"/>
+              <a:t>.</a:t>
+            </a:r>
+          </a:p>
+          <a:p>
+            <a:endParaRPr lang="en-US" altLang="ko-KR" sz="2000" dirty="0" smtClean="0">
+              <a:effectLst/>
+            </a:endParaRPr>
+          </a:p>
+          <a:p>
+            <a:endParaRPr lang="en-US" altLang="ko-KR" sz="2000" dirty="0"/>
+          </a:p>
+        </p:txBody>
+      </p:sp>
+      <p:grpSp>
+        <p:nvGrpSpPr>
+          <p:cNvPr id="4" name="그룹 3"/>
+          <p:cNvGrpSpPr/>
+          <p:nvPr/>
+        </p:nvGrpSpPr>
+        <p:grpSpPr>
+          <a:xfrm>
+            <a:off x="232914" y="260647"/>
+            <a:ext cx="7363422" cy="1008113"/>
+            <a:chOff x="179512" y="188639"/>
+            <a:chExt cx="7512374" cy="1071121"/>
+          </a:xfrm>
+        </p:grpSpPr>
+        <p:sp>
+          <p:nvSpPr>
+            <p:cNvPr id="10" name="TextBox 9"/>
+            <p:cNvSpPr txBox="1"/>
+            <p:nvPr/>
+          </p:nvSpPr>
+          <p:spPr>
+            <a:xfrm>
+              <a:off x="179512" y="188639"/>
+              <a:ext cx="2193439" cy="882935"/>
+            </a:xfrm>
+            <a:prstGeom prst="rect">
+              <a:avLst/>
+            </a:prstGeom>
+            <a:noFill/>
+          </p:spPr>
+          <p:txBody>
+            <a:bodyPr wrap="none" rtlCol="0">
+              <a:spAutoFit/>
+            </a:bodyPr>
+            <a:lstStyle/>
+            <a:p>
+              <a:r>
+                <a:rPr lang="en-US" altLang="ko-KR" sz="4800" b="1" dirty="0" smtClean="0"/>
+                <a:t>Menus</a:t>
+              </a:r>
+              <a:endParaRPr lang="ko-KR" altLang="en-US" sz="4800" b="1" dirty="0"/>
+            </a:p>
+          </p:txBody>
+        </p:sp>
+        <p:cxnSp>
+          <p:nvCxnSpPr>
+            <p:cNvPr id="13" name="직선 연결선 12"/>
+            <p:cNvCxnSpPr/>
+            <p:nvPr/>
+          </p:nvCxnSpPr>
+          <p:spPr>
+            <a:xfrm>
+              <a:off x="287295" y="1259760"/>
+              <a:ext cx="7404591" cy="0"/>
+            </a:xfrm>
+            <a:prstGeom prst="line">
+              <a:avLst/>
+            </a:prstGeom>
+            <a:ln/>
+          </p:spPr>
+          <p:style>
+            <a:lnRef idx="2">
+              <a:schemeClr val="accent1"/>
+            </a:lnRef>
+            <a:fillRef idx="0">
+              <a:schemeClr val="accent1"/>
+            </a:fillRef>
+            <a:effectRef idx="1">
+              <a:schemeClr val="accent1"/>
+            </a:effectRef>
+            <a:fontRef idx="minor">
+              <a:schemeClr val="tx1"/>
+            </a:fontRef>
+          </p:style>
+        </p:cxnSp>
+      </p:grpSp>
+    </p:spTree>
+    <p:extLst>
+      <p:ext uri="{BB962C8B-B14F-4D97-AF65-F5344CB8AC3E}">
+        <p14:creationId xmlns:p14="http://schemas.microsoft.com/office/powerpoint/2010/main" val="1331907652"/>
+      </p:ext>
+    </p:extLst>
+  </p:cSld>
+  <p:clrMapOvr>
+    <a:masterClrMapping/>
+  </p:clrMapOvr>
+  <p:timing>
+    <p:tnLst>
+      <p:par>
+        <p:cTn id="1" dur="indefinite" restart="never" nodeType="tmRoot"/>
+      </p:par>
+    </p:tnLst>
+  </p:timing>
+</p:sld>
+</file>
+
+<file path=ppt/slides/slide15.xml><?xml version="1.0" encoding="utf-8"?>
+<p:sld xmlns:a="http://schemas.openxmlformats.org/drawingml/2006/main" xmlns:r="http://schemas.openxmlformats.org/officeDocument/2006/relationships" xmlns:p="http://schemas.openxmlformats.org/presentationml/2006/main">
+  <p:cSld>
+    <p:spTree>
+      <p:nvGrpSpPr>
+        <p:cNvPr id="1" name=""/>
+        <p:cNvGrpSpPr/>
+        <p:nvPr/>
+      </p:nvGrpSpPr>
+      <p:grpSpPr>
+        <a:xfrm>
+          <a:off x="0" y="0"/>
+          <a:ext cx="0" cy="0"/>
+          <a:chOff x="0" y="0"/>
+          <a:chExt cx="0" cy="0"/>
+        </a:xfrm>
+      </p:grpSpPr>
+      <p:sp>
+        <p:nvSpPr>
+          <p:cNvPr id="4" name="TextBox 3"/>
+          <p:cNvSpPr txBox="1"/>
+          <p:nvPr/>
+        </p:nvSpPr>
+        <p:spPr>
+          <a:xfrm>
+            <a:off x="299986" y="5889466"/>
+            <a:ext cx="8520486" cy="707886"/>
+          </a:xfrm>
+          <a:prstGeom prst="rect">
+            <a:avLst/>
+          </a:prstGeom>
+          <a:noFill/>
+        </p:spPr>
+        <p:txBody>
+          <a:bodyPr wrap="square" rtlCol="0">
+            <a:spAutoFit/>
+          </a:bodyPr>
+          <a:lstStyle/>
+          <a:p>
+            <a:r>
+              <a:rPr lang="ko-KR" altLang="en-US" sz="2000" dirty="0" smtClean="0"/>
+              <a:t>기기의 메뉴 버튼을 클릭할 때 표시되는 메뉴로 </a:t>
+            </a:r>
+            <a:r>
+              <a:rPr lang="en-US" altLang="ko-KR" sz="2000" dirty="0" smtClean="0"/>
+              <a:t>6</a:t>
+            </a:r>
+            <a:r>
+              <a:rPr lang="ko-KR" altLang="en-US" sz="2000" dirty="0" smtClean="0"/>
+              <a:t>개까지 표시하고 </a:t>
+            </a:r>
+            <a:r>
+              <a:rPr lang="en-US" altLang="ko-KR" sz="2000" dirty="0" smtClean="0"/>
+              <a:t>6</a:t>
+            </a:r>
+            <a:r>
+              <a:rPr lang="ko-KR" altLang="en-US" sz="2000" dirty="0" smtClean="0"/>
+              <a:t>개 이상이면 </a:t>
+            </a:r>
+            <a:r>
+              <a:rPr lang="en-US" altLang="ko-KR" sz="2000" dirty="0" smtClean="0"/>
+              <a:t>More </a:t>
+            </a:r>
+            <a:r>
+              <a:rPr lang="ko-KR" altLang="en-US" sz="2000" dirty="0" smtClean="0"/>
+              <a:t>로 표시해준다</a:t>
+            </a:r>
+            <a:r>
+              <a:rPr lang="en-US" altLang="ko-KR" sz="2000" dirty="0" smtClean="0"/>
+              <a:t>.</a:t>
+            </a:r>
+            <a:endParaRPr lang="en-US" altLang="ko-KR" sz="2000" dirty="0"/>
+          </a:p>
+        </p:txBody>
+      </p:sp>
       <p:pic>
         <p:nvPicPr>
-          <p:cNvPr id="2051" name="Picture 3" descr="C:\Users\Mutecsoft_pc\Pictures\layoutparams.png"/>
+          <p:cNvPr id="2" name="Picture 2" descr="C:\Users\Mutecsoft_pc\Pictures\options_menu.png"/>
           <p:cNvPicPr>
             <a:picLocks noChangeAspect="1" noChangeArrowheads="1"/>
           </p:cNvPicPr>
@@ -5793,8 +5363,208 @@
         </p:blipFill>
         <p:spPr bwMode="auto">
           <a:xfrm>
-            <a:off x="1547664" y="1340768"/>
-            <a:ext cx="5616624" cy="3184076"/>
+            <a:off x="3059832" y="836712"/>
+            <a:ext cx="2952328" cy="4915626"/>
+          </a:xfrm>
+          <a:prstGeom prst="rect">
+            <a:avLst/>
+          </a:prstGeom>
+          <a:noFill/>
+          <a:extLst>
+            <a:ext uri="{909E8E84-426E-40DD-AFC4-6F175D3DCCD1}">
+              <a14:hiddenFill xmlns:a14="http://schemas.microsoft.com/office/drawing/2010/main">
+                <a:solidFill>
+                  <a:srgbClr val="FFFFFF"/>
+                </a:solidFill>
+              </a14:hiddenFill>
+            </a:ext>
+          </a:extLst>
+        </p:spPr>
+      </p:pic>
+      <p:sp>
+        <p:nvSpPr>
+          <p:cNvPr id="8" name="TextBox 7"/>
+          <p:cNvSpPr txBox="1"/>
+          <p:nvPr/>
+        </p:nvSpPr>
+        <p:spPr>
+          <a:xfrm>
+            <a:off x="232914" y="116632"/>
+            <a:ext cx="3682418" cy="646331"/>
+          </a:xfrm>
+          <a:prstGeom prst="rect">
+            <a:avLst/>
+          </a:prstGeom>
+          <a:noFill/>
+        </p:spPr>
+        <p:txBody>
+          <a:bodyPr wrap="none" rtlCol="0">
+            <a:spAutoFit/>
+          </a:bodyPr>
+          <a:lstStyle/>
+          <a:p>
+            <a:pPr marL="571500" indent="-571500">
+              <a:buFont typeface="Arial" pitchFamily="34" charset="0"/>
+              <a:buChar char="•"/>
+            </a:pPr>
+            <a:r>
+              <a:rPr lang="en-US" altLang="ko-KR" sz="3600" b="1" dirty="0" smtClean="0"/>
+              <a:t>Option menu</a:t>
+            </a:r>
+            <a:endParaRPr lang="ko-KR" altLang="en-US" sz="3600" b="1" dirty="0"/>
+          </a:p>
+        </p:txBody>
+      </p:sp>
+    </p:spTree>
+    <p:extLst>
+      <p:ext uri="{BB962C8B-B14F-4D97-AF65-F5344CB8AC3E}">
+        <p14:creationId xmlns:p14="http://schemas.microsoft.com/office/powerpoint/2010/main" val="3598811632"/>
+      </p:ext>
+    </p:extLst>
+  </p:cSld>
+  <p:clrMapOvr>
+    <a:masterClrMapping/>
+  </p:clrMapOvr>
+  <p:timing>
+    <p:tnLst>
+      <p:par>
+        <p:cTn id="1" dur="indefinite" restart="never" nodeType="tmRoot"/>
+      </p:par>
+    </p:tnLst>
+  </p:timing>
+</p:sld>
+</file>
+
+<file path=ppt/slides/slide16.xml><?xml version="1.0" encoding="utf-8"?>
+<p:sld xmlns:a="http://schemas.openxmlformats.org/drawingml/2006/main" xmlns:r="http://schemas.openxmlformats.org/officeDocument/2006/relationships" xmlns:p="http://schemas.openxmlformats.org/presentationml/2006/main">
+  <p:cSld>
+    <p:spTree>
+      <p:nvGrpSpPr>
+        <p:cNvPr id="1" name=""/>
+        <p:cNvGrpSpPr/>
+        <p:nvPr/>
+      </p:nvGrpSpPr>
+      <p:grpSpPr>
+        <a:xfrm>
+          <a:off x="0" y="0"/>
+          <a:ext cx="0" cy="0"/>
+          <a:chOff x="0" y="0"/>
+          <a:chExt cx="0" cy="0"/>
+        </a:xfrm>
+      </p:grpSpPr>
+      <p:sp>
+        <p:nvSpPr>
+          <p:cNvPr id="4" name="TextBox 3"/>
+          <p:cNvSpPr txBox="1"/>
+          <p:nvPr/>
+        </p:nvSpPr>
+        <p:spPr>
+          <a:xfrm>
+            <a:off x="299986" y="5889466"/>
+            <a:ext cx="8520486" cy="707886"/>
+          </a:xfrm>
+          <a:prstGeom prst="rect">
+            <a:avLst/>
+          </a:prstGeom>
+          <a:noFill/>
+        </p:spPr>
+        <p:txBody>
+          <a:bodyPr wrap="square" rtlCol="0">
+            <a:spAutoFit/>
+          </a:bodyPr>
+          <a:lstStyle/>
+          <a:p>
+            <a:r>
+              <a:rPr lang="ko-KR" altLang="en-US" sz="2000" dirty="0" err="1" smtClean="0"/>
+              <a:t>안드로이드</a:t>
+            </a:r>
+            <a:r>
+              <a:rPr lang="ko-KR" altLang="en-US" sz="2000" dirty="0" smtClean="0"/>
+              <a:t> </a:t>
+            </a:r>
+            <a:r>
+              <a:rPr lang="en-US" altLang="ko-KR" sz="2000" dirty="0" smtClean="0"/>
+              <a:t>3.0 </a:t>
+            </a:r>
+            <a:r>
+              <a:rPr lang="ko-KR" altLang="en-US" sz="2000" dirty="0" smtClean="0"/>
+              <a:t>부터 </a:t>
+            </a:r>
+            <a:r>
+              <a:rPr lang="en-US" altLang="ko-KR" sz="2000" dirty="0" smtClean="0"/>
+              <a:t>Option menu</a:t>
+            </a:r>
+            <a:r>
+              <a:rPr lang="ko-KR" altLang="en-US" sz="2000" dirty="0" smtClean="0"/>
+              <a:t> 를 대체하는 것으로 우측 상단에 배치된다</a:t>
+            </a:r>
+            <a:r>
+              <a:rPr lang="en-US" altLang="ko-KR" sz="2000" dirty="0" smtClean="0"/>
+              <a:t>.</a:t>
+            </a:r>
+            <a:endParaRPr lang="en-US" altLang="ko-KR" sz="2000" dirty="0"/>
+          </a:p>
+        </p:txBody>
+      </p:sp>
+      <p:sp>
+        <p:nvSpPr>
+          <p:cNvPr id="8" name="TextBox 7"/>
+          <p:cNvSpPr txBox="1"/>
+          <p:nvPr/>
+        </p:nvSpPr>
+        <p:spPr>
+          <a:xfrm>
+            <a:off x="232914" y="116632"/>
+            <a:ext cx="3058273" cy="646331"/>
+          </a:xfrm>
+          <a:prstGeom prst="rect">
+            <a:avLst/>
+          </a:prstGeom>
+          <a:noFill/>
+        </p:spPr>
+        <p:txBody>
+          <a:bodyPr wrap="none" rtlCol="0">
+            <a:spAutoFit/>
+          </a:bodyPr>
+          <a:lstStyle/>
+          <a:p>
+            <a:pPr marL="571500" indent="-571500">
+              <a:buFont typeface="Arial" pitchFamily="34" charset="0"/>
+              <a:buChar char="•"/>
+            </a:pPr>
+            <a:r>
+              <a:rPr lang="en-US" altLang="ko-KR" sz="3600" b="1" dirty="0" smtClean="0"/>
+              <a:t>Action bar</a:t>
+            </a:r>
+            <a:endParaRPr lang="ko-KR" altLang="en-US" sz="3600" b="1" dirty="0"/>
+          </a:p>
+        </p:txBody>
+      </p:sp>
+      <p:pic>
+        <p:nvPicPr>
+          <p:cNvPr id="5" name="Picture 2" descr="C:\Users\Mutecsoft_pc\Desktop\Screenshot_2016-04-08-12-35-55.png"/>
+          <p:cNvPicPr>
+            <a:picLocks noChangeAspect="1" noChangeArrowheads="1"/>
+          </p:cNvPicPr>
+          <p:nvPr/>
+        </p:nvPicPr>
+        <p:blipFill>
+          <a:blip r:embed="rId2" cstate="print">
+            <a:extLst>
+              <a:ext uri="{28A0092B-C50C-407E-A947-70E740481C1C}">
+                <a14:useLocalDpi xmlns:a14="http://schemas.microsoft.com/office/drawing/2010/main" val="0"/>
+              </a:ext>
+            </a:extLst>
+          </a:blip>
+          <a:srcRect/>
+          <a:stretch>
+            <a:fillRect/>
+          </a:stretch>
+        </p:blipFill>
+        <p:spPr bwMode="auto">
+          <a:xfrm>
+            <a:off x="3131840" y="836712"/>
+            <a:ext cx="2664296" cy="4736526"/>
           </a:xfrm>
           <a:prstGeom prst="rect">
             <a:avLst/>
@@ -5814,7 +5584,1198 @@
     </p:spTree>
     <p:extLst>
       <p:ext uri="{BB962C8B-B14F-4D97-AF65-F5344CB8AC3E}">
-        <p14:creationId xmlns:p14="http://schemas.microsoft.com/office/powerpoint/2010/main" val="2743784337"/>
+        <p14:creationId xmlns:p14="http://schemas.microsoft.com/office/powerpoint/2010/main" val="3867436729"/>
+      </p:ext>
+    </p:extLst>
+  </p:cSld>
+  <p:clrMapOvr>
+    <a:masterClrMapping/>
+  </p:clrMapOvr>
+  <p:timing>
+    <p:tnLst>
+      <p:par>
+        <p:cTn id="1" dur="indefinite" restart="never" nodeType="tmRoot"/>
+      </p:par>
+    </p:tnLst>
+  </p:timing>
+</p:sld>
+</file>
+
+<file path=ppt/slides/slide17.xml><?xml version="1.0" encoding="utf-8"?>
+<p:sld xmlns:a="http://schemas.openxmlformats.org/drawingml/2006/main" xmlns:r="http://schemas.openxmlformats.org/officeDocument/2006/relationships" xmlns:p="http://schemas.openxmlformats.org/presentationml/2006/main">
+  <p:cSld>
+    <p:spTree>
+      <p:nvGrpSpPr>
+        <p:cNvPr id="1" name=""/>
+        <p:cNvGrpSpPr/>
+        <p:nvPr/>
+      </p:nvGrpSpPr>
+      <p:grpSpPr>
+        <a:xfrm>
+          <a:off x="0" y="0"/>
+          <a:ext cx="0" cy="0"/>
+          <a:chOff x="0" y="0"/>
+          <a:chExt cx="0" cy="0"/>
+        </a:xfrm>
+      </p:grpSpPr>
+      <p:sp>
+        <p:nvSpPr>
+          <p:cNvPr id="4" name="TextBox 3"/>
+          <p:cNvSpPr txBox="1"/>
+          <p:nvPr/>
+        </p:nvSpPr>
+        <p:spPr>
+          <a:xfrm>
+            <a:off x="299986" y="6033482"/>
+            <a:ext cx="8520486" cy="707886"/>
+          </a:xfrm>
+          <a:prstGeom prst="rect">
+            <a:avLst/>
+          </a:prstGeom>
+          <a:noFill/>
+        </p:spPr>
+        <p:txBody>
+          <a:bodyPr wrap="square" rtlCol="0">
+            <a:spAutoFit/>
+          </a:bodyPr>
+          <a:lstStyle/>
+          <a:p>
+            <a:r>
+              <a:rPr lang="ko-KR" altLang="en-US" sz="2000" dirty="0" smtClean="0"/>
+              <a:t>특정 요소</a:t>
+            </a:r>
+            <a:r>
+              <a:rPr lang="en-US" altLang="ko-KR" sz="2000" dirty="0" smtClean="0"/>
+              <a:t>(</a:t>
+            </a:r>
+            <a:r>
+              <a:rPr lang="ko-KR" altLang="en-US" sz="2000" dirty="0" smtClean="0"/>
+              <a:t>선택한 텍스트나 프레임 등</a:t>
+            </a:r>
+            <a:r>
+              <a:rPr lang="en-US" altLang="ko-KR" sz="2000" dirty="0" smtClean="0"/>
+              <a:t>)</a:t>
+            </a:r>
+            <a:r>
+              <a:rPr lang="ko-KR" altLang="en-US" sz="2000" dirty="0" smtClean="0"/>
+              <a:t>를 길게</a:t>
+            </a:r>
+            <a:r>
+              <a:rPr lang="en-US" altLang="ko-KR" sz="2000" dirty="0" smtClean="0"/>
+              <a:t>(2</a:t>
+            </a:r>
+            <a:r>
+              <a:rPr lang="ko-KR" altLang="en-US" sz="2000" dirty="0" smtClean="0"/>
+              <a:t>초 가량</a:t>
+            </a:r>
+            <a:r>
+              <a:rPr lang="en-US" altLang="ko-KR" sz="2000" dirty="0" smtClean="0"/>
+              <a:t>) </a:t>
+            </a:r>
+            <a:r>
+              <a:rPr lang="ko-KR" altLang="en-US" sz="2000" dirty="0" smtClean="0"/>
+              <a:t>클릭하면 나타나는 메뉴이다</a:t>
+            </a:r>
+            <a:r>
+              <a:rPr lang="en-US" altLang="ko-KR" sz="2000" dirty="0" smtClean="0"/>
+              <a:t>.</a:t>
+            </a:r>
+            <a:endParaRPr lang="en-US" altLang="ko-KR" sz="2000" dirty="0"/>
+          </a:p>
+        </p:txBody>
+      </p:sp>
+      <p:sp>
+        <p:nvSpPr>
+          <p:cNvPr id="8" name="TextBox 7"/>
+          <p:cNvSpPr txBox="1"/>
+          <p:nvPr/>
+        </p:nvSpPr>
+        <p:spPr>
+          <a:xfrm>
+            <a:off x="232914" y="116632"/>
+            <a:ext cx="3880742" cy="646331"/>
+          </a:xfrm>
+          <a:prstGeom prst="rect">
+            <a:avLst/>
+          </a:prstGeom>
+          <a:noFill/>
+        </p:spPr>
+        <p:txBody>
+          <a:bodyPr wrap="none" rtlCol="0">
+            <a:spAutoFit/>
+          </a:bodyPr>
+          <a:lstStyle/>
+          <a:p>
+            <a:pPr marL="571500" indent="-571500">
+              <a:buFont typeface="Arial" pitchFamily="34" charset="0"/>
+              <a:buChar char="•"/>
+            </a:pPr>
+            <a:r>
+              <a:rPr lang="en-US" altLang="ko-KR" sz="3600" b="1" dirty="0" smtClean="0"/>
+              <a:t>Context menu</a:t>
+            </a:r>
+            <a:endParaRPr lang="ko-KR" altLang="en-US" sz="3600" b="1" dirty="0"/>
+          </a:p>
+        </p:txBody>
+      </p:sp>
+      <p:pic>
+        <p:nvPicPr>
+          <p:cNvPr id="3074" name="Picture 2" descr="C:\Users\Mutecsoft_pc\Pictures\3547204155_e84fa812_44.jpg"/>
+          <p:cNvPicPr>
+            <a:picLocks noChangeAspect="1" noChangeArrowheads="1"/>
+          </p:cNvPicPr>
+          <p:nvPr/>
+        </p:nvPicPr>
+        <p:blipFill>
+          <a:blip r:embed="rId2">
+            <a:extLst>
+              <a:ext uri="{28A0092B-C50C-407E-A947-70E740481C1C}">
+                <a14:useLocalDpi xmlns:a14="http://schemas.microsoft.com/office/drawing/2010/main" val="0"/>
+              </a:ext>
+            </a:extLst>
+          </a:blip>
+          <a:srcRect/>
+          <a:stretch>
+            <a:fillRect/>
+          </a:stretch>
+        </p:blipFill>
+        <p:spPr bwMode="auto">
+          <a:xfrm>
+            <a:off x="2843808" y="869280"/>
+            <a:ext cx="3060700" cy="5080000"/>
+          </a:xfrm>
+          <a:prstGeom prst="rect">
+            <a:avLst/>
+          </a:prstGeom>
+          <a:noFill/>
+          <a:extLst>
+            <a:ext uri="{909E8E84-426E-40DD-AFC4-6F175D3DCCD1}">
+              <a14:hiddenFill xmlns:a14="http://schemas.microsoft.com/office/drawing/2010/main">
+                <a:solidFill>
+                  <a:srgbClr val="FFFFFF"/>
+                </a:solidFill>
+              </a14:hiddenFill>
+            </a:ext>
+          </a:extLst>
+        </p:spPr>
+      </p:pic>
+    </p:spTree>
+    <p:extLst>
+      <p:ext uri="{BB962C8B-B14F-4D97-AF65-F5344CB8AC3E}">
+        <p14:creationId xmlns:p14="http://schemas.microsoft.com/office/powerpoint/2010/main" val="1649238146"/>
+      </p:ext>
+    </p:extLst>
+  </p:cSld>
+  <p:clrMapOvr>
+    <a:masterClrMapping/>
+  </p:clrMapOvr>
+  <p:timing>
+    <p:tnLst>
+      <p:par>
+        <p:cTn id="1" dur="indefinite" restart="never" nodeType="tmRoot"/>
+      </p:par>
+    </p:tnLst>
+  </p:timing>
+</p:sld>
+</file>
+
+<file path=ppt/slides/slide18.xml><?xml version="1.0" encoding="utf-8"?>
+<p:sld xmlns:a="http://schemas.openxmlformats.org/drawingml/2006/main" xmlns:r="http://schemas.openxmlformats.org/officeDocument/2006/relationships" xmlns:p="http://schemas.openxmlformats.org/presentationml/2006/main">
+  <p:cSld>
+    <p:spTree>
+      <p:nvGrpSpPr>
+        <p:cNvPr id="1" name=""/>
+        <p:cNvGrpSpPr/>
+        <p:nvPr/>
+      </p:nvGrpSpPr>
+      <p:grpSpPr>
+        <a:xfrm>
+          <a:off x="0" y="0"/>
+          <a:ext cx="0" cy="0"/>
+          <a:chOff x="0" y="0"/>
+          <a:chExt cx="0" cy="0"/>
+        </a:xfrm>
+      </p:grpSpPr>
+      <p:sp>
+        <p:nvSpPr>
+          <p:cNvPr id="4" name="TextBox 3"/>
+          <p:cNvSpPr txBox="1"/>
+          <p:nvPr/>
+        </p:nvSpPr>
+        <p:spPr>
+          <a:xfrm>
+            <a:off x="299986" y="6033482"/>
+            <a:ext cx="8520486" cy="707886"/>
+          </a:xfrm>
+          <a:prstGeom prst="rect">
+            <a:avLst/>
+          </a:prstGeom>
+          <a:noFill/>
+        </p:spPr>
+        <p:txBody>
+          <a:bodyPr wrap="square" rtlCol="0">
+            <a:spAutoFit/>
+          </a:bodyPr>
+          <a:lstStyle/>
+          <a:p>
+            <a:r>
+              <a:rPr lang="ko-KR" altLang="en-US" sz="2000" dirty="0" err="1" smtClean="0"/>
+              <a:t>안드로이드</a:t>
+            </a:r>
+            <a:r>
+              <a:rPr lang="ko-KR" altLang="en-US" sz="2000" dirty="0" smtClean="0"/>
+              <a:t> </a:t>
+            </a:r>
+            <a:r>
+              <a:rPr lang="en-US" altLang="ko-KR" sz="2000" dirty="0" smtClean="0"/>
+              <a:t>3.0 </a:t>
+            </a:r>
+            <a:r>
+              <a:rPr lang="ko-KR" altLang="en-US" sz="2000" dirty="0" smtClean="0"/>
+              <a:t>부터 </a:t>
+            </a:r>
+            <a:r>
+              <a:rPr lang="en-US" altLang="ko-KR" sz="2000" dirty="0" smtClean="0"/>
+              <a:t>Context menu </a:t>
+            </a:r>
+            <a:r>
+              <a:rPr lang="ko-KR" altLang="en-US" sz="2000" dirty="0" smtClean="0"/>
+              <a:t>를 대체하는 것으로</a:t>
+            </a:r>
+            <a:r>
+              <a:rPr lang="en-US" altLang="ko-KR" sz="2000" dirty="0" smtClean="0"/>
+              <a:t>, Context menu </a:t>
+            </a:r>
+            <a:r>
+              <a:rPr lang="ko-KR" altLang="en-US" sz="2000" dirty="0" smtClean="0"/>
+              <a:t>처럼 선택한 특정 아이템에 액션을 부여할 때 사용한다</a:t>
+            </a:r>
+            <a:r>
+              <a:rPr lang="en-US" altLang="ko-KR" sz="2000" dirty="0" smtClean="0"/>
+              <a:t>.</a:t>
+            </a:r>
+            <a:endParaRPr lang="en-US" altLang="ko-KR" sz="2000" dirty="0"/>
+          </a:p>
+        </p:txBody>
+      </p:sp>
+      <p:sp>
+        <p:nvSpPr>
+          <p:cNvPr id="8" name="TextBox 7"/>
+          <p:cNvSpPr txBox="1"/>
+          <p:nvPr/>
+        </p:nvSpPr>
+        <p:spPr>
+          <a:xfrm>
+            <a:off x="232914" y="116632"/>
+            <a:ext cx="6057620" cy="646331"/>
+          </a:xfrm>
+          <a:prstGeom prst="rect">
+            <a:avLst/>
+          </a:prstGeom>
+          <a:noFill/>
+        </p:spPr>
+        <p:txBody>
+          <a:bodyPr wrap="none" rtlCol="0">
+            <a:spAutoFit/>
+          </a:bodyPr>
+          <a:lstStyle/>
+          <a:p>
+            <a:pPr marL="571500" indent="-571500">
+              <a:buFont typeface="Arial" pitchFamily="34" charset="0"/>
+              <a:buChar char="•"/>
+            </a:pPr>
+            <a:r>
+              <a:rPr lang="en-US" altLang="ko-KR" sz="3600" b="1" dirty="0" smtClean="0"/>
+              <a:t>Contextual action mode</a:t>
+            </a:r>
+            <a:endParaRPr lang="ko-KR" altLang="en-US" sz="3600" b="1" dirty="0"/>
+          </a:p>
+        </p:txBody>
+      </p:sp>
+      <p:pic>
+        <p:nvPicPr>
+          <p:cNvPr id="4098" name="Picture 2" descr="C:\Users\Mutecsoft_pc\Pictures\3547204155_d9c7af33_86.jpg"/>
+          <p:cNvPicPr>
+            <a:picLocks noChangeAspect="1" noChangeArrowheads="1"/>
+          </p:cNvPicPr>
+          <p:nvPr/>
+        </p:nvPicPr>
+        <p:blipFill>
+          <a:blip r:embed="rId2">
+            <a:extLst>
+              <a:ext uri="{28A0092B-C50C-407E-A947-70E740481C1C}">
+                <a14:useLocalDpi xmlns:a14="http://schemas.microsoft.com/office/drawing/2010/main" val="0"/>
+              </a:ext>
+            </a:extLst>
+          </a:blip>
+          <a:srcRect/>
+          <a:stretch>
+            <a:fillRect/>
+          </a:stretch>
+        </p:blipFill>
+        <p:spPr bwMode="auto">
+          <a:xfrm>
+            <a:off x="496229" y="781669"/>
+            <a:ext cx="8128000" cy="5118100"/>
+          </a:xfrm>
+          <a:prstGeom prst="rect">
+            <a:avLst/>
+          </a:prstGeom>
+          <a:noFill/>
+          <a:extLst>
+            <a:ext uri="{909E8E84-426E-40DD-AFC4-6F175D3DCCD1}">
+              <a14:hiddenFill xmlns:a14="http://schemas.microsoft.com/office/drawing/2010/main">
+                <a:solidFill>
+                  <a:srgbClr val="FFFFFF"/>
+                </a:solidFill>
+              </a14:hiddenFill>
+            </a:ext>
+          </a:extLst>
+        </p:spPr>
+      </p:pic>
+    </p:spTree>
+    <p:extLst>
+      <p:ext uri="{BB962C8B-B14F-4D97-AF65-F5344CB8AC3E}">
+        <p14:creationId xmlns:p14="http://schemas.microsoft.com/office/powerpoint/2010/main" val="1904406827"/>
+      </p:ext>
+    </p:extLst>
+  </p:cSld>
+  <p:clrMapOvr>
+    <a:masterClrMapping/>
+  </p:clrMapOvr>
+  <p:timing>
+    <p:tnLst>
+      <p:par>
+        <p:cTn id="1" dur="indefinite" restart="never" nodeType="tmRoot"/>
+      </p:par>
+    </p:tnLst>
+  </p:timing>
+</p:sld>
+</file>
+
+<file path=ppt/slides/slide19.xml><?xml version="1.0" encoding="utf-8"?>
+<p:sld xmlns:a="http://schemas.openxmlformats.org/drawingml/2006/main" xmlns:r="http://schemas.openxmlformats.org/officeDocument/2006/relationships" xmlns:p="http://schemas.openxmlformats.org/presentationml/2006/main">
+  <p:cSld>
+    <p:spTree>
+      <p:nvGrpSpPr>
+        <p:cNvPr id="1" name=""/>
+        <p:cNvGrpSpPr/>
+        <p:nvPr/>
+      </p:nvGrpSpPr>
+      <p:grpSpPr>
+        <a:xfrm>
+          <a:off x="0" y="0"/>
+          <a:ext cx="0" cy="0"/>
+          <a:chOff x="0" y="0"/>
+          <a:chExt cx="0" cy="0"/>
+        </a:xfrm>
+      </p:grpSpPr>
+      <p:sp>
+        <p:nvSpPr>
+          <p:cNvPr id="4" name="TextBox 3"/>
+          <p:cNvSpPr txBox="1"/>
+          <p:nvPr/>
+        </p:nvSpPr>
+        <p:spPr>
+          <a:xfrm>
+            <a:off x="299986" y="5085184"/>
+            <a:ext cx="8520486" cy="707886"/>
+          </a:xfrm>
+          <a:prstGeom prst="rect">
+            <a:avLst/>
+          </a:prstGeom>
+          <a:noFill/>
+        </p:spPr>
+        <p:txBody>
+          <a:bodyPr wrap="square" rtlCol="0">
+            <a:spAutoFit/>
+          </a:bodyPr>
+          <a:lstStyle/>
+          <a:p>
+            <a:r>
+              <a:rPr lang="ko-KR" altLang="en-US" sz="2000" dirty="0" smtClean="0"/>
+              <a:t>특정 </a:t>
+            </a:r>
+            <a:r>
+              <a:rPr lang="ko-KR" altLang="en-US" sz="2000" dirty="0" err="1" smtClean="0"/>
+              <a:t>뷰에</a:t>
+            </a:r>
+            <a:r>
+              <a:rPr lang="ko-KR" altLang="en-US" sz="2000" dirty="0" smtClean="0"/>
+              <a:t> 따라붙는 리스트 형태의 서브 메뉴이며</a:t>
+            </a:r>
+            <a:r>
+              <a:rPr lang="en-US" altLang="ko-KR" sz="2000" dirty="0" smtClean="0"/>
+              <a:t> </a:t>
+            </a:r>
+            <a:r>
+              <a:rPr lang="ko-KR" altLang="en-US" sz="2000" dirty="0" smtClean="0"/>
+              <a:t>주로 </a:t>
+            </a:r>
+            <a:r>
+              <a:rPr lang="ko-KR" altLang="en-US" sz="2000" dirty="0" err="1" smtClean="0"/>
+              <a:t>콘텐츠</a:t>
+            </a:r>
+            <a:r>
+              <a:rPr lang="ko-KR" altLang="en-US" sz="2000" dirty="0" smtClean="0"/>
+              <a:t> 영역과 관련이 있는 확장 작업을 위한 용도이다</a:t>
+            </a:r>
+            <a:r>
+              <a:rPr lang="en-US" altLang="ko-KR" sz="2000" dirty="0" smtClean="0"/>
+              <a:t>.</a:t>
+            </a:r>
+            <a:endParaRPr lang="en-US" altLang="ko-KR" sz="2000" dirty="0"/>
+          </a:p>
+        </p:txBody>
+      </p:sp>
+      <p:sp>
+        <p:nvSpPr>
+          <p:cNvPr id="8" name="TextBox 7"/>
+          <p:cNvSpPr txBox="1"/>
+          <p:nvPr/>
+        </p:nvSpPr>
+        <p:spPr>
+          <a:xfrm>
+            <a:off x="232914" y="116632"/>
+            <a:ext cx="3575722" cy="646331"/>
+          </a:xfrm>
+          <a:prstGeom prst="rect">
+            <a:avLst/>
+          </a:prstGeom>
+          <a:noFill/>
+        </p:spPr>
+        <p:txBody>
+          <a:bodyPr wrap="none" rtlCol="0">
+            <a:spAutoFit/>
+          </a:bodyPr>
+          <a:lstStyle/>
+          <a:p>
+            <a:pPr marL="571500" indent="-571500">
+              <a:buFont typeface="Arial" pitchFamily="34" charset="0"/>
+              <a:buChar char="•"/>
+            </a:pPr>
+            <a:r>
+              <a:rPr lang="en-US" altLang="ko-KR" sz="3600" b="1" dirty="0" smtClean="0"/>
+              <a:t>Popup menu</a:t>
+            </a:r>
+            <a:endParaRPr lang="ko-KR" altLang="en-US" sz="3600" b="1" dirty="0"/>
+          </a:p>
+        </p:txBody>
+      </p:sp>
+      <p:pic>
+        <p:nvPicPr>
+          <p:cNvPr id="5122" name="Picture 2" descr="C:\Users\Mutecsoft_pc\Pictures\3547204155_2c0d8da2_62.jpg"/>
+          <p:cNvPicPr>
+            <a:picLocks noChangeAspect="1" noChangeArrowheads="1"/>
+          </p:cNvPicPr>
+          <p:nvPr/>
+        </p:nvPicPr>
+        <p:blipFill>
+          <a:blip r:embed="rId2">
+            <a:extLst>
+              <a:ext uri="{28A0092B-C50C-407E-A947-70E740481C1C}">
+                <a14:useLocalDpi xmlns:a14="http://schemas.microsoft.com/office/drawing/2010/main" val="0"/>
+              </a:ext>
+            </a:extLst>
+          </a:blip>
+          <a:srcRect/>
+          <a:stretch>
+            <a:fillRect/>
+          </a:stretch>
+        </p:blipFill>
+        <p:spPr bwMode="auto">
+          <a:xfrm>
+            <a:off x="1043608" y="1687438"/>
+            <a:ext cx="7248525" cy="2533650"/>
+          </a:xfrm>
+          <a:prstGeom prst="rect">
+            <a:avLst/>
+          </a:prstGeom>
+          <a:noFill/>
+          <a:extLst>
+            <a:ext uri="{909E8E84-426E-40DD-AFC4-6F175D3DCCD1}">
+              <a14:hiddenFill xmlns:a14="http://schemas.microsoft.com/office/drawing/2010/main">
+                <a:solidFill>
+                  <a:srgbClr val="FFFFFF"/>
+                </a:solidFill>
+              </a14:hiddenFill>
+            </a:ext>
+          </a:extLst>
+        </p:spPr>
+      </p:pic>
+    </p:spTree>
+    <p:extLst>
+      <p:ext uri="{BB962C8B-B14F-4D97-AF65-F5344CB8AC3E}">
+        <p14:creationId xmlns:p14="http://schemas.microsoft.com/office/powerpoint/2010/main" val="3545722234"/>
+      </p:ext>
+    </p:extLst>
+  </p:cSld>
+  <p:clrMapOvr>
+    <a:masterClrMapping/>
+  </p:clrMapOvr>
+  <p:timing>
+    <p:tnLst>
+      <p:par>
+        <p:cTn id="1" dur="indefinite" restart="never" nodeType="tmRoot"/>
+      </p:par>
+    </p:tnLst>
+  </p:timing>
+</p:sld>
+</file>
+
+<file path=ppt/slides/slide2.xml><?xml version="1.0" encoding="utf-8"?>
+<p:sld xmlns:a="http://schemas.openxmlformats.org/drawingml/2006/main" xmlns:r="http://schemas.openxmlformats.org/officeDocument/2006/relationships" xmlns:p="http://schemas.openxmlformats.org/presentationml/2006/main">
+  <p:cSld>
+    <p:spTree>
+      <p:nvGrpSpPr>
+        <p:cNvPr id="1" name=""/>
+        <p:cNvGrpSpPr/>
+        <p:nvPr/>
+      </p:nvGrpSpPr>
+      <p:grpSpPr>
+        <a:xfrm>
+          <a:off x="0" y="0"/>
+          <a:ext cx="0" cy="0"/>
+          <a:chOff x="0" y="0"/>
+          <a:chExt cx="0" cy="0"/>
+        </a:xfrm>
+      </p:grpSpPr>
+      <p:sp>
+        <p:nvSpPr>
+          <p:cNvPr id="2" name="제목 1"/>
+          <p:cNvSpPr>
+            <a:spLocks noGrp="1"/>
+          </p:cNvSpPr>
+          <p:nvPr>
+            <p:ph type="ctrTitle"/>
+          </p:nvPr>
+        </p:nvSpPr>
+        <p:spPr/>
+        <p:txBody>
+          <a:bodyPr/>
+          <a:lstStyle/>
+          <a:p>
+            <a:endParaRPr lang="ko-KR" altLang="en-US" dirty="0"/>
+          </a:p>
+        </p:txBody>
+      </p:sp>
+      <p:sp>
+        <p:nvSpPr>
+          <p:cNvPr id="3" name="부제목 2"/>
+          <p:cNvSpPr>
+            <a:spLocks noGrp="1"/>
+          </p:cNvSpPr>
+          <p:nvPr>
+            <p:ph type="subTitle" idx="1"/>
+          </p:nvPr>
+        </p:nvSpPr>
+        <p:spPr/>
+        <p:txBody>
+          <a:bodyPr/>
+          <a:lstStyle/>
+          <a:p>
+            <a:r>
+              <a:rPr lang="ko-KR" altLang="en-US" dirty="0" smtClean="0"/>
+              <a:t>레이아웃</a:t>
+            </a:r>
+            <a:r>
+              <a:rPr lang="en-US" altLang="ko-KR" dirty="0" smtClean="0"/>
+              <a:t>(</a:t>
+            </a:r>
+            <a:r>
+              <a:rPr lang="ko-KR" altLang="en-US" dirty="0" smtClean="0"/>
+              <a:t>나인패치</a:t>
+            </a:r>
+            <a:r>
+              <a:rPr lang="en-US" altLang="ko-KR" dirty="0" smtClean="0"/>
+              <a:t>, </a:t>
+            </a:r>
+            <a:r>
+              <a:rPr lang="en-US" altLang="ko-KR" dirty="0" err="1" smtClean="0"/>
+              <a:t>dp</a:t>
+            </a:r>
+            <a:r>
+              <a:rPr lang="en-US" altLang="ko-KR" dirty="0" smtClean="0"/>
+              <a:t>), </a:t>
+            </a:r>
+            <a:r>
+              <a:rPr lang="ko-KR" altLang="en-US" dirty="0" smtClean="0"/>
+              <a:t>애니메이션</a:t>
+            </a:r>
+            <a:r>
+              <a:rPr lang="en-US" altLang="ko-KR" dirty="0" smtClean="0"/>
+              <a:t>, </a:t>
+            </a:r>
+            <a:r>
+              <a:rPr lang="en-US" altLang="ko-KR" dirty="0" err="1" smtClean="0"/>
+              <a:t>ui</a:t>
+            </a:r>
+            <a:r>
+              <a:rPr lang="en-US" altLang="ko-KR" dirty="0" smtClean="0"/>
+              <a:t> </a:t>
+            </a:r>
+            <a:r>
+              <a:rPr lang="ko-KR" altLang="en-US" dirty="0" smtClean="0"/>
+              <a:t>이벤트 처리</a:t>
+            </a:r>
+            <a:r>
+              <a:rPr lang="en-US" altLang="ko-KR" dirty="0" smtClean="0"/>
+              <a:t>, b..</a:t>
+            </a:r>
+            <a:r>
+              <a:rPr lang="en-US" altLang="ko-KR" dirty="0" err="1" smtClean="0"/>
+              <a:t>ui</a:t>
+            </a:r>
+            <a:r>
+              <a:rPr lang="en-US" altLang="ko-KR" dirty="0" smtClean="0"/>
+              <a:t> </a:t>
+            </a:r>
+            <a:r>
+              <a:rPr lang="ko-KR" altLang="en-US" dirty="0" err="1" smtClean="0"/>
+              <a:t>스레드</a:t>
+            </a:r>
+            <a:r>
+              <a:rPr lang="ko-KR" altLang="en-US" dirty="0" smtClean="0"/>
+              <a:t> 이벤트 처리</a:t>
+            </a:r>
+            <a:r>
+              <a:rPr lang="en-US" altLang="ko-KR" dirty="0" smtClean="0"/>
+              <a:t>, </a:t>
+            </a:r>
+            <a:r>
+              <a:rPr lang="ko-KR" altLang="en-US" dirty="0" err="1" smtClean="0"/>
+              <a:t>메인스</a:t>
+            </a:r>
+            <a:endParaRPr lang="ko-KR" altLang="en-US" dirty="0"/>
+          </a:p>
+        </p:txBody>
+      </p:sp>
+    </p:spTree>
+    <p:extLst>
+      <p:ext uri="{BB962C8B-B14F-4D97-AF65-F5344CB8AC3E}">
+        <p14:creationId xmlns:p14="http://schemas.microsoft.com/office/powerpoint/2010/main" val="1024104415"/>
+      </p:ext>
+    </p:extLst>
+  </p:cSld>
+  <p:clrMapOvr>
+    <a:masterClrMapping/>
+  </p:clrMapOvr>
+  <p:timing>
+    <p:tnLst>
+      <p:par>
+        <p:cTn id="1" dur="indefinite" restart="never" nodeType="tmRoot"/>
+      </p:par>
+    </p:tnLst>
+  </p:timing>
+</p:sld>
+</file>
+
+<file path=ppt/slides/slide20.xml><?xml version="1.0" encoding="utf-8"?>
+<p:sld xmlns:a="http://schemas.openxmlformats.org/drawingml/2006/main" xmlns:r="http://schemas.openxmlformats.org/officeDocument/2006/relationships" xmlns:p="http://schemas.openxmlformats.org/presentationml/2006/main">
+  <p:cSld>
+    <p:spTree>
+      <p:nvGrpSpPr>
+        <p:cNvPr id="1" name=""/>
+        <p:cNvGrpSpPr/>
+        <p:nvPr/>
+      </p:nvGrpSpPr>
+      <p:grpSpPr>
+        <a:xfrm>
+          <a:off x="0" y="0"/>
+          <a:ext cx="0" cy="0"/>
+          <a:chOff x="0" y="0"/>
+          <a:chExt cx="0" cy="0"/>
+        </a:xfrm>
+      </p:grpSpPr>
+      <p:sp>
+        <p:nvSpPr>
+          <p:cNvPr id="3" name="TextBox 2"/>
+          <p:cNvSpPr txBox="1"/>
+          <p:nvPr/>
+        </p:nvSpPr>
+        <p:spPr>
+          <a:xfrm>
+            <a:off x="107504" y="1556792"/>
+            <a:ext cx="8916022" cy="2246769"/>
+          </a:xfrm>
+          <a:prstGeom prst="rect">
+            <a:avLst/>
+          </a:prstGeom>
+          <a:noFill/>
+        </p:spPr>
+        <p:txBody>
+          <a:bodyPr wrap="square" rtlCol="0">
+            <a:spAutoFit/>
+          </a:bodyPr>
+          <a:lstStyle/>
+          <a:p>
+            <a:r>
+              <a:rPr lang="ko-KR" altLang="en-US" sz="2000" dirty="0" smtClean="0"/>
+              <a:t>그 외에 </a:t>
+            </a:r>
+            <a:r>
+              <a:rPr lang="en-US" altLang="ko-KR" sz="2000" dirty="0" smtClean="0"/>
+              <a:t>UI </a:t>
+            </a:r>
+            <a:r>
+              <a:rPr lang="ko-KR" altLang="en-US" sz="2000" dirty="0" smtClean="0"/>
+              <a:t>요소들은 </a:t>
+            </a:r>
+            <a:r>
+              <a:rPr lang="en-US" altLang="ko-KR" sz="2000" dirty="0" smtClean="0"/>
+              <a:t>Settings, Dialogs, Notifications, Toasts, Search, Drag and Drop, Accessibility, Styles and Themes, Custom Components </a:t>
+            </a:r>
+            <a:r>
+              <a:rPr lang="ko-KR" altLang="en-US" sz="2000" dirty="0" smtClean="0"/>
+              <a:t>등이 있으며 </a:t>
+            </a:r>
+            <a:r>
+              <a:rPr lang="ko-KR" altLang="en-US" sz="2000" dirty="0" err="1" smtClean="0"/>
+              <a:t>안드로이드</a:t>
+            </a:r>
+            <a:r>
+              <a:rPr lang="ko-KR" altLang="en-US" sz="2000" dirty="0" smtClean="0"/>
+              <a:t> </a:t>
+            </a:r>
+            <a:r>
+              <a:rPr lang="en-US" altLang="ko-KR" sz="2000" dirty="0" smtClean="0"/>
+              <a:t>API Guides </a:t>
+            </a:r>
+            <a:r>
+              <a:rPr lang="ko-KR" altLang="en-US" sz="2000" dirty="0" smtClean="0"/>
+              <a:t>에 </a:t>
+            </a:r>
+            <a:r>
+              <a:rPr lang="en-US" altLang="ko-KR" sz="2000" dirty="0" smtClean="0"/>
+              <a:t>User Interface </a:t>
+            </a:r>
+            <a:r>
+              <a:rPr lang="ko-KR" altLang="en-US" sz="2000" dirty="0" smtClean="0"/>
+              <a:t>항목을 참고</a:t>
+            </a:r>
+            <a:r>
+              <a:rPr lang="en-US" altLang="ko-KR" sz="2000" dirty="0" smtClean="0"/>
+              <a:t>.</a:t>
+            </a:r>
+          </a:p>
+          <a:p>
+            <a:endParaRPr lang="en-US" altLang="ko-KR" sz="2000" dirty="0"/>
+          </a:p>
+          <a:p>
+            <a:r>
+              <a:rPr lang="en-US" altLang="ko-KR" sz="2000" dirty="0">
+                <a:hlinkClick r:id="rId2"/>
+              </a:rPr>
+              <a:t>http://</a:t>
+            </a:r>
+            <a:r>
+              <a:rPr lang="en-US" altLang="ko-KR" sz="2000" dirty="0" smtClean="0">
+                <a:hlinkClick r:id="rId2"/>
+              </a:rPr>
+              <a:t>developer.android.com/guide/index.html</a:t>
+            </a:r>
+            <a:endParaRPr lang="en-US" altLang="ko-KR" sz="2000" dirty="0" smtClean="0"/>
+          </a:p>
+          <a:p>
+            <a:r>
+              <a:rPr lang="en-US" altLang="ko-KR" sz="2000">
+                <a:hlinkClick r:id="rId3"/>
+              </a:rPr>
+              <a:t>http</a:t>
+            </a:r>
+            <a:r>
+              <a:rPr lang="en-US" altLang="ko-KR" sz="2000">
+                <a:hlinkClick r:id="rId3"/>
+              </a:rPr>
+              <a:t>://</a:t>
+            </a:r>
+            <a:r>
+              <a:rPr lang="en-US" altLang="ko-KR" sz="2000" smtClean="0">
+                <a:hlinkClick r:id="rId3"/>
+              </a:rPr>
+              <a:t>202psj.tistory.com/292</a:t>
+            </a:r>
+            <a:endParaRPr lang="en-US" altLang="ko-KR" sz="2000" smtClean="0"/>
+          </a:p>
+          <a:p>
+            <a:endParaRPr lang="en-US" altLang="ko-KR" sz="2000" dirty="0"/>
+          </a:p>
+        </p:txBody>
+      </p:sp>
+      <p:grpSp>
+        <p:nvGrpSpPr>
+          <p:cNvPr id="4" name="그룹 3"/>
+          <p:cNvGrpSpPr/>
+          <p:nvPr/>
+        </p:nvGrpSpPr>
+        <p:grpSpPr>
+          <a:xfrm>
+            <a:off x="232914" y="260647"/>
+            <a:ext cx="7363422" cy="1008113"/>
+            <a:chOff x="179512" y="188639"/>
+            <a:chExt cx="7512374" cy="1071121"/>
+          </a:xfrm>
+        </p:grpSpPr>
+        <p:sp>
+          <p:nvSpPr>
+            <p:cNvPr id="10" name="TextBox 9"/>
+            <p:cNvSpPr txBox="1"/>
+            <p:nvPr/>
+          </p:nvSpPr>
+          <p:spPr>
+            <a:xfrm>
+              <a:off x="179512" y="188639"/>
+              <a:ext cx="1444411" cy="882935"/>
+            </a:xfrm>
+            <a:prstGeom prst="rect">
+              <a:avLst/>
+            </a:prstGeom>
+            <a:noFill/>
+          </p:spPr>
+          <p:txBody>
+            <a:bodyPr wrap="none" rtlCol="0">
+              <a:spAutoFit/>
+            </a:bodyPr>
+            <a:lstStyle/>
+            <a:p>
+              <a:r>
+                <a:rPr lang="ko-KR" altLang="en-US" sz="4800" b="1" dirty="0" err="1" smtClean="0"/>
+                <a:t>그</a:t>
+              </a:r>
+              <a:r>
+                <a:rPr lang="ko-KR" altLang="en-US" sz="4800" b="1" dirty="0" err="1"/>
+                <a:t>외</a:t>
+              </a:r>
+              <a:endParaRPr lang="ko-KR" altLang="en-US" sz="4800" b="1" dirty="0"/>
+            </a:p>
+          </p:txBody>
+        </p:sp>
+        <p:cxnSp>
+          <p:nvCxnSpPr>
+            <p:cNvPr id="13" name="직선 연결선 12"/>
+            <p:cNvCxnSpPr/>
+            <p:nvPr/>
+          </p:nvCxnSpPr>
+          <p:spPr>
+            <a:xfrm>
+              <a:off x="287295" y="1259760"/>
+              <a:ext cx="7404591" cy="0"/>
+            </a:xfrm>
+            <a:prstGeom prst="line">
+              <a:avLst/>
+            </a:prstGeom>
+            <a:ln/>
+          </p:spPr>
+          <p:style>
+            <a:lnRef idx="2">
+              <a:schemeClr val="accent1"/>
+            </a:lnRef>
+            <a:fillRef idx="0">
+              <a:schemeClr val="accent1"/>
+            </a:fillRef>
+            <a:effectRef idx="1">
+              <a:schemeClr val="accent1"/>
+            </a:effectRef>
+            <a:fontRef idx="minor">
+              <a:schemeClr val="tx1"/>
+            </a:fontRef>
+          </p:style>
+        </p:cxnSp>
+      </p:grpSp>
+    </p:spTree>
+    <p:extLst>
+      <p:ext uri="{BB962C8B-B14F-4D97-AF65-F5344CB8AC3E}">
+        <p14:creationId xmlns:p14="http://schemas.microsoft.com/office/powerpoint/2010/main" val="3718508408"/>
+      </p:ext>
+    </p:extLst>
+  </p:cSld>
+  <p:clrMapOvr>
+    <a:masterClrMapping/>
+  </p:clrMapOvr>
+  <p:timing>
+    <p:tnLst>
+      <p:par>
+        <p:cTn id="1" dur="indefinite" restart="never" nodeType="tmRoot"/>
+      </p:par>
+    </p:tnLst>
+  </p:timing>
+</p:sld>
+</file>
+
+<file path=ppt/slides/slide3.xml><?xml version="1.0" encoding="utf-8"?>
+<p:sld xmlns:a="http://schemas.openxmlformats.org/drawingml/2006/main" xmlns:r="http://schemas.openxmlformats.org/officeDocument/2006/relationships" xmlns:p="http://schemas.openxmlformats.org/presentationml/2006/main">
+  <p:cSld>
+    <p:spTree>
+      <p:nvGrpSpPr>
+        <p:cNvPr id="1" name=""/>
+        <p:cNvGrpSpPr/>
+        <p:nvPr/>
+      </p:nvGrpSpPr>
+      <p:grpSpPr>
+        <a:xfrm>
+          <a:off x="0" y="0"/>
+          <a:ext cx="0" cy="0"/>
+          <a:chOff x="0" y="0"/>
+          <a:chExt cx="0" cy="0"/>
+        </a:xfrm>
+      </p:grpSpPr>
+      <p:sp>
+        <p:nvSpPr>
+          <p:cNvPr id="3" name="TextBox 2"/>
+          <p:cNvSpPr txBox="1"/>
+          <p:nvPr/>
+        </p:nvSpPr>
+        <p:spPr>
+          <a:xfrm>
+            <a:off x="120474" y="2924944"/>
+            <a:ext cx="8916022" cy="1323439"/>
+          </a:xfrm>
+          <a:prstGeom prst="rect">
+            <a:avLst/>
+          </a:prstGeom>
+          <a:noFill/>
+        </p:spPr>
+        <p:txBody>
+          <a:bodyPr wrap="square" rtlCol="0">
+            <a:spAutoFit/>
+          </a:bodyPr>
+          <a:lstStyle/>
+          <a:p>
+            <a:r>
+              <a:rPr lang="en-US" altLang="ko-KR" sz="2000" dirty="0" err="1" smtClean="0">
+                <a:effectLst/>
+              </a:rPr>
+              <a:t>wrap_content</a:t>
+            </a:r>
+            <a:r>
+              <a:rPr lang="en-US" altLang="ko-KR" sz="2000" dirty="0" smtClean="0">
+                <a:effectLst/>
+              </a:rPr>
+              <a:t> : </a:t>
+            </a:r>
+            <a:r>
+              <a:rPr lang="ko-KR" altLang="en-US" sz="2000" dirty="0" err="1" smtClean="0"/>
+              <a:t>뷰의</a:t>
+            </a:r>
+            <a:r>
+              <a:rPr lang="ko-KR" altLang="en-US" sz="2000" dirty="0" smtClean="0"/>
+              <a:t> 너비와 높이가 해당 </a:t>
+            </a:r>
+            <a:r>
+              <a:rPr lang="ko-KR" altLang="en-US" sz="2000" dirty="0" err="1" smtClean="0"/>
+              <a:t>뷰</a:t>
+            </a:r>
+            <a:r>
+              <a:rPr lang="ko-KR" altLang="en-US" sz="2000" dirty="0" smtClean="0"/>
+              <a:t> 내에 </a:t>
+            </a:r>
+            <a:r>
+              <a:rPr lang="ko-KR" altLang="en-US" sz="2000" dirty="0" err="1" smtClean="0"/>
+              <a:t>콘텐츠가</a:t>
+            </a:r>
+            <a:r>
+              <a:rPr lang="ko-KR" altLang="en-US" sz="2000" dirty="0" smtClean="0"/>
+              <a:t> 들어가는데 필요한 </a:t>
+            </a:r>
+            <a:r>
+              <a:rPr lang="ko-KR" altLang="en-US" sz="2000" dirty="0" smtClean="0"/>
+              <a:t>최소 크기로 설정</a:t>
+            </a:r>
+            <a:r>
+              <a:rPr lang="en-US" altLang="ko-KR" sz="2000" dirty="0" smtClean="0"/>
+              <a:t>.</a:t>
+            </a:r>
+          </a:p>
+          <a:p>
+            <a:endParaRPr lang="en-US" altLang="ko-KR" sz="2000" dirty="0">
+              <a:effectLst/>
+            </a:endParaRPr>
+          </a:p>
+          <a:p>
+            <a:r>
+              <a:rPr lang="en-US" altLang="ko-KR" sz="2000" dirty="0" err="1" smtClean="0"/>
+              <a:t>match_parent</a:t>
+            </a:r>
+            <a:r>
+              <a:rPr lang="en-US" altLang="ko-KR" sz="2000" dirty="0" smtClean="0"/>
+              <a:t> : </a:t>
+            </a:r>
+            <a:r>
+              <a:rPr lang="ko-KR" altLang="en-US" sz="2000" dirty="0" smtClean="0"/>
+              <a:t>컴포넌트가 확장되어 부모 </a:t>
+            </a:r>
+            <a:r>
+              <a:rPr lang="ko-KR" altLang="en-US" sz="2000" dirty="0" err="1" smtClean="0"/>
+              <a:t>뷰의</a:t>
+            </a:r>
+            <a:r>
+              <a:rPr lang="ko-KR" altLang="en-US" sz="2000" dirty="0" smtClean="0"/>
+              <a:t> 크기와 일치하도록 설정</a:t>
+            </a:r>
+            <a:r>
+              <a:rPr lang="en-US" altLang="ko-KR" sz="2000" dirty="0" smtClean="0"/>
+              <a:t>.</a:t>
+            </a:r>
+            <a:endParaRPr lang="en-US" altLang="ko-KR" sz="2000" dirty="0">
+              <a:effectLst/>
+            </a:endParaRPr>
+          </a:p>
+        </p:txBody>
+      </p:sp>
+      <p:grpSp>
+        <p:nvGrpSpPr>
+          <p:cNvPr id="4" name="그룹 3"/>
+          <p:cNvGrpSpPr/>
+          <p:nvPr/>
+        </p:nvGrpSpPr>
+        <p:grpSpPr>
+          <a:xfrm>
+            <a:off x="232914" y="260647"/>
+            <a:ext cx="7363422" cy="1008113"/>
+            <a:chOff x="179512" y="188639"/>
+            <a:chExt cx="7512374" cy="1071121"/>
+          </a:xfrm>
+        </p:grpSpPr>
+        <p:sp>
+          <p:nvSpPr>
+            <p:cNvPr id="10" name="TextBox 9"/>
+            <p:cNvSpPr txBox="1"/>
+            <p:nvPr/>
+          </p:nvSpPr>
+          <p:spPr>
+            <a:xfrm>
+              <a:off x="179512" y="188639"/>
+              <a:ext cx="7143230" cy="686727"/>
+            </a:xfrm>
+            <a:prstGeom prst="rect">
+              <a:avLst/>
+            </a:prstGeom>
+            <a:noFill/>
+          </p:spPr>
+          <p:txBody>
+            <a:bodyPr wrap="none" rtlCol="0">
+              <a:spAutoFit/>
+            </a:bodyPr>
+            <a:lstStyle/>
+            <a:p>
+              <a:r>
+                <a:rPr lang="en-US" altLang="ko-KR" sz="3600" b="1" dirty="0" smtClean="0"/>
+                <a:t>Designing for Multiple Screens</a:t>
+              </a:r>
+              <a:endParaRPr lang="ko-KR" altLang="en-US" sz="3600" b="1" dirty="0"/>
+            </a:p>
+          </p:txBody>
+        </p:sp>
+        <p:cxnSp>
+          <p:nvCxnSpPr>
+            <p:cNvPr id="13" name="직선 연결선 12"/>
+            <p:cNvCxnSpPr/>
+            <p:nvPr/>
+          </p:nvCxnSpPr>
+          <p:spPr>
+            <a:xfrm>
+              <a:off x="287295" y="1259760"/>
+              <a:ext cx="7404591" cy="0"/>
+            </a:xfrm>
+            <a:prstGeom prst="line">
+              <a:avLst/>
+            </a:prstGeom>
+            <a:ln/>
+          </p:spPr>
+          <p:style>
+            <a:lnRef idx="2">
+              <a:schemeClr val="accent1"/>
+            </a:lnRef>
+            <a:fillRef idx="0">
+              <a:schemeClr val="accent1"/>
+            </a:fillRef>
+            <a:effectRef idx="1">
+              <a:schemeClr val="accent1"/>
+            </a:effectRef>
+            <a:fontRef idx="minor">
+              <a:schemeClr val="tx1"/>
+            </a:fontRef>
+          </p:style>
+        </p:cxnSp>
+      </p:grpSp>
+      <p:sp>
+        <p:nvSpPr>
+          <p:cNvPr id="7" name="TextBox 6"/>
+          <p:cNvSpPr txBox="1"/>
+          <p:nvPr/>
+        </p:nvSpPr>
+        <p:spPr>
+          <a:xfrm>
+            <a:off x="232914" y="1825660"/>
+            <a:ext cx="7985969" cy="523220"/>
+          </a:xfrm>
+          <a:prstGeom prst="rect">
+            <a:avLst/>
+          </a:prstGeom>
+          <a:noFill/>
+        </p:spPr>
+        <p:txBody>
+          <a:bodyPr wrap="none" rtlCol="0">
+            <a:spAutoFit/>
+          </a:bodyPr>
+          <a:lstStyle/>
+          <a:p>
+            <a:pPr marL="571500" indent="-571500">
+              <a:buFont typeface="Arial" pitchFamily="34" charset="0"/>
+              <a:buChar char="•"/>
+            </a:pPr>
+            <a:r>
+              <a:rPr lang="en-US" altLang="ko-KR" sz="2800" dirty="0" smtClean="0"/>
+              <a:t>“</a:t>
+            </a:r>
+            <a:r>
+              <a:rPr lang="en-US" altLang="ko-KR" sz="2800" dirty="0" err="1" smtClean="0"/>
+              <a:t>wrap_content</a:t>
+            </a:r>
+            <a:r>
+              <a:rPr lang="en-US" altLang="ko-KR" sz="2800" dirty="0" smtClean="0"/>
+              <a:t>” </a:t>
+            </a:r>
+            <a:r>
+              <a:rPr lang="ko-KR" altLang="en-US" sz="2800" dirty="0"/>
+              <a:t>및</a:t>
+            </a:r>
+            <a:r>
+              <a:rPr lang="en-US" altLang="ko-KR" sz="2800" dirty="0" smtClean="0"/>
+              <a:t> “</a:t>
+            </a:r>
+            <a:r>
+              <a:rPr lang="en-US" altLang="ko-KR" sz="2800" dirty="0" err="1" smtClean="0"/>
+              <a:t>match_parent</a:t>
+            </a:r>
+            <a:r>
+              <a:rPr lang="en-US" altLang="ko-KR" sz="2800" dirty="0" smtClean="0"/>
+              <a:t>” </a:t>
+            </a:r>
+            <a:r>
+              <a:rPr lang="ko-KR" altLang="en-US" sz="2800" dirty="0" smtClean="0"/>
+              <a:t>속성</a:t>
+            </a:r>
+            <a:r>
+              <a:rPr lang="en-US" altLang="ko-KR" sz="2800" dirty="0" smtClean="0"/>
+              <a:t> </a:t>
+            </a:r>
+            <a:r>
+              <a:rPr lang="ko-KR" altLang="en-US" sz="2800" dirty="0" smtClean="0"/>
+              <a:t>사</a:t>
+            </a:r>
+            <a:r>
+              <a:rPr lang="ko-KR" altLang="en-US" sz="2800" dirty="0"/>
+              <a:t>용</a:t>
+            </a:r>
+            <a:endParaRPr lang="en-US" altLang="ko-KR" sz="2800" dirty="0" smtClean="0"/>
+          </a:p>
+        </p:txBody>
+      </p:sp>
+    </p:spTree>
+    <p:extLst>
+      <p:ext uri="{BB962C8B-B14F-4D97-AF65-F5344CB8AC3E}">
+        <p14:creationId xmlns:p14="http://schemas.microsoft.com/office/powerpoint/2010/main" val="2593486770"/>
       </p:ext>
     </p:extLst>
   </p:cSld>
@@ -5856,8 +6817,8 @@
         </p:nvSpPr>
         <p:spPr>
           <a:xfrm>
-            <a:off x="107504" y="4010288"/>
-            <a:ext cx="8916022" cy="1938992"/>
+            <a:off x="120474" y="1385481"/>
+            <a:ext cx="8916022" cy="1323439"/>
           </a:xfrm>
           <a:prstGeom prst="rect">
             <a:avLst/>
@@ -5871,165 +6832,297 @@
           <a:lstStyle/>
           <a:p>
             <a:r>
-              <a:rPr lang="ko-KR" altLang="en-US" sz="2000" dirty="0"/>
-              <a:t>컨트롤 요소</a:t>
-            </a:r>
-            <a:r>
-              <a:rPr lang="en-US" altLang="ko-KR" sz="2000" dirty="0"/>
-              <a:t>(UI Control)</a:t>
-            </a:r>
-            <a:r>
-              <a:rPr lang="ko-KR" altLang="en-US" sz="2000" dirty="0"/>
-              <a:t>는 사용자 인터페이스에 있는 대화형 구성 요소입니다</a:t>
-            </a:r>
-            <a:r>
-              <a:rPr lang="en-US" altLang="ko-KR" sz="2000" dirty="0"/>
+              <a:rPr lang="en-US" altLang="ko-KR" sz="2000" dirty="0" err="1" smtClean="0">
+                <a:effectLst/>
+              </a:rPr>
+              <a:t>wrap_content</a:t>
+            </a:r>
+            <a:r>
+              <a:rPr lang="en-US" altLang="ko-KR" sz="2000" dirty="0" smtClean="0">
+                <a:effectLst/>
+              </a:rPr>
+              <a:t> : </a:t>
+            </a:r>
+            <a:r>
+              <a:rPr lang="ko-KR" altLang="en-US" sz="2000" dirty="0" err="1" smtClean="0"/>
+              <a:t>뷰의</a:t>
+            </a:r>
+            <a:r>
+              <a:rPr lang="ko-KR" altLang="en-US" sz="2000" dirty="0" smtClean="0"/>
+              <a:t> 너비와 높이가 해당 </a:t>
+            </a:r>
+            <a:r>
+              <a:rPr lang="ko-KR" altLang="en-US" sz="2000" dirty="0" err="1" smtClean="0"/>
+              <a:t>뷰</a:t>
+            </a:r>
+            <a:r>
+              <a:rPr lang="ko-KR" altLang="en-US" sz="2000" dirty="0" smtClean="0"/>
+              <a:t> 내에 </a:t>
+            </a:r>
+            <a:r>
+              <a:rPr lang="ko-KR" altLang="en-US" sz="2000" dirty="0" err="1" smtClean="0"/>
+              <a:t>콘텐츠가</a:t>
+            </a:r>
+            <a:r>
+              <a:rPr lang="ko-KR" altLang="en-US" sz="2000" dirty="0" smtClean="0"/>
+              <a:t> 들어가는데 필요한 </a:t>
+            </a:r>
+            <a:r>
+              <a:rPr lang="ko-KR" altLang="en-US" sz="2000" dirty="0" smtClean="0"/>
+              <a:t>최소 크기로 설정</a:t>
+            </a:r>
+            <a:r>
+              <a:rPr lang="en-US" altLang="ko-KR" sz="2000" dirty="0" smtClean="0"/>
               <a:t>.</a:t>
             </a:r>
-            <a:endParaRPr lang="ko-KR" altLang="en-US" sz="2000" dirty="0"/>
-          </a:p>
-          <a:p>
-            <a:r>
-              <a:rPr lang="ko-KR" altLang="en-US" sz="2000" dirty="0"/>
-              <a:t>버튼</a:t>
-            </a:r>
-            <a:r>
-              <a:rPr lang="en-US" altLang="ko-KR" sz="2000" dirty="0"/>
-              <a:t>, </a:t>
-            </a:r>
-            <a:r>
-              <a:rPr lang="ko-KR" altLang="en-US" sz="2000" dirty="0"/>
-              <a:t>확인란과 같이 </a:t>
-            </a:r>
-            <a:r>
-              <a:rPr lang="ko-KR" altLang="en-US" sz="2000" dirty="0" err="1"/>
-              <a:t>앱을</a:t>
-            </a:r>
-            <a:r>
-              <a:rPr lang="ko-KR" altLang="en-US" sz="2000" dirty="0"/>
-              <a:t> 사용하고 제어하는데 필요한 요소들을 말합니다</a:t>
-            </a:r>
-            <a:r>
-              <a:rPr lang="en-US" altLang="ko-KR" sz="2000" dirty="0"/>
-              <a:t>.</a:t>
-            </a:r>
-            <a:endParaRPr lang="ko-KR" altLang="en-US" sz="2000" dirty="0"/>
-          </a:p>
-          <a:p>
-            <a:r>
-              <a:rPr lang="ko-KR" altLang="en-US" sz="2000" dirty="0"/>
-              <a:t>컨트롤 요소에는 </a:t>
-            </a:r>
-            <a:r>
-              <a:rPr lang="en-US" altLang="ko-KR" sz="2000" dirty="0"/>
-              <a:t>Button, </a:t>
-            </a:r>
-            <a:r>
-              <a:rPr lang="en-US" altLang="ko-KR" sz="2000" dirty="0" err="1"/>
-              <a:t>TextView</a:t>
-            </a:r>
-            <a:r>
-              <a:rPr lang="en-US" altLang="ko-KR" sz="2000" dirty="0"/>
-              <a:t>, </a:t>
-            </a:r>
-            <a:r>
-              <a:rPr lang="en-US" altLang="ko-KR" sz="2000" dirty="0" err="1"/>
-              <a:t>EditText</a:t>
-            </a:r>
-            <a:r>
-              <a:rPr lang="en-US" altLang="ko-KR" sz="2000" dirty="0"/>
-              <a:t>, Radio Button, </a:t>
-            </a:r>
-            <a:r>
-              <a:rPr lang="en-US" altLang="ko-KR" sz="2000" dirty="0" err="1"/>
-              <a:t>CheckBox</a:t>
-            </a:r>
-            <a:r>
-              <a:rPr lang="en-US" altLang="ko-KR" sz="2000" dirty="0"/>
-              <a:t> </a:t>
-            </a:r>
-            <a:r>
-              <a:rPr lang="ko-KR" altLang="en-US" sz="2000" dirty="0"/>
-              <a:t>등이 해당됩니다</a:t>
-            </a:r>
-            <a:r>
-              <a:rPr lang="en-US" altLang="ko-KR" sz="2000" dirty="0"/>
-              <a:t>.</a:t>
-            </a:r>
-            <a:endParaRPr lang="ko-KR" altLang="en-US" sz="2000" dirty="0"/>
-          </a:p>
-          <a:p>
-            <a:r>
-              <a:rPr lang="en-US" altLang="ko-KR" sz="2000" dirty="0"/>
-              <a:t>UI</a:t>
-            </a:r>
-            <a:r>
-              <a:rPr lang="ko-KR" altLang="en-US" sz="2000" dirty="0"/>
-              <a:t>에 컨트롤 요소를 추가하려면 </a:t>
-            </a:r>
-            <a:r>
-              <a:rPr lang="en-US" altLang="ko-KR" sz="2000" dirty="0"/>
-              <a:t>XML</a:t>
-            </a:r>
-            <a:r>
-              <a:rPr lang="ko-KR" altLang="en-US" sz="2000" dirty="0"/>
-              <a:t>에 요소를 하나 추가하기만 하면 됩니다</a:t>
-            </a:r>
-            <a:r>
-              <a:rPr lang="en-US" altLang="ko-KR" sz="2000" dirty="0"/>
-              <a:t>.</a:t>
-            </a:r>
-            <a:endParaRPr lang="ko-KR" altLang="en-US" sz="2000" dirty="0">
+          </a:p>
+          <a:p>
+            <a:endParaRPr lang="en-US" altLang="ko-KR" sz="2000" dirty="0">
               <a:effectLst/>
             </a:endParaRPr>
           </a:p>
-        </p:txBody>
-      </p:sp>
-      <p:pic>
-        <p:nvPicPr>
-          <p:cNvPr id="3074" name="Picture 2" descr="C:\Users\Mutecsoft_pc\Pictures\ui_control.png"/>
-          <p:cNvPicPr>
-            <a:picLocks noChangeAspect="1" noChangeArrowheads="1"/>
-          </p:cNvPicPr>
+          <a:p>
+            <a:r>
+              <a:rPr lang="en-US" altLang="ko-KR" sz="2000" dirty="0" err="1" smtClean="0"/>
+              <a:t>match_parent</a:t>
+            </a:r>
+            <a:r>
+              <a:rPr lang="en-US" altLang="ko-KR" sz="2000" dirty="0" smtClean="0"/>
+              <a:t> : </a:t>
+            </a:r>
+            <a:r>
+              <a:rPr lang="ko-KR" altLang="en-US" sz="2000" dirty="0" smtClean="0"/>
+              <a:t>컴포넌트가 확장되어 부모 </a:t>
+            </a:r>
+            <a:r>
+              <a:rPr lang="ko-KR" altLang="en-US" sz="2000" dirty="0" err="1" smtClean="0"/>
+              <a:t>뷰의</a:t>
+            </a:r>
+            <a:r>
+              <a:rPr lang="ko-KR" altLang="en-US" sz="2000" dirty="0" smtClean="0"/>
+              <a:t> 크기와 일치하도록 설정</a:t>
+            </a:r>
+            <a:r>
+              <a:rPr lang="en-US" altLang="ko-KR" sz="2000" dirty="0" smtClean="0"/>
+              <a:t>.</a:t>
+            </a:r>
+            <a:endParaRPr lang="en-US" altLang="ko-KR" sz="2000" dirty="0">
+              <a:effectLst/>
+            </a:endParaRPr>
+          </a:p>
+        </p:txBody>
+      </p:sp>
+      <p:sp>
+        <p:nvSpPr>
+          <p:cNvPr id="7" name="TextBox 6"/>
+          <p:cNvSpPr txBox="1"/>
           <p:nvPr/>
-        </p:nvPicPr>
-        <p:blipFill>
-          <a:blip r:embed="rId2">
-            <a:extLst>
-              <a:ext uri="{28A0092B-C50C-407E-A947-70E740481C1C}">
-                <a14:useLocalDpi xmlns:a14="http://schemas.microsoft.com/office/drawing/2010/main" val="0"/>
-              </a:ext>
-            </a:extLst>
-          </a:blip>
-          <a:srcRect/>
-          <a:stretch>
-            <a:fillRect/>
-          </a:stretch>
-        </p:blipFill>
-        <p:spPr bwMode="auto">
+        </p:nvSpPr>
+        <p:spPr>
           <a:xfrm>
-            <a:off x="1691680" y="404664"/>
-            <a:ext cx="5544616" cy="3095054"/>
+            <a:off x="232914" y="286197"/>
+            <a:ext cx="4837863" cy="523220"/>
           </a:xfrm>
           <a:prstGeom prst="rect">
             <a:avLst/>
           </a:prstGeom>
           <a:noFill/>
-          <a:extLst>
-            <a:ext uri="{909E8E84-426E-40DD-AFC4-6F175D3DCCD1}">
-              <a14:hiddenFill xmlns:a14="http://schemas.microsoft.com/office/drawing/2010/main">
-                <a:solidFill>
-                  <a:srgbClr val="FFFFFF"/>
-                </a:solidFill>
-              </a14:hiddenFill>
-            </a:ext>
-          </a:extLst>
         </p:spPr>
-      </p:pic>
+        <p:txBody>
+          <a:bodyPr wrap="none" rtlCol="0">
+            <a:spAutoFit/>
+          </a:bodyPr>
+          <a:lstStyle/>
+          <a:p>
+            <a:pPr marL="571500" indent="-571500">
+              <a:buFont typeface="Arial" pitchFamily="34" charset="0"/>
+              <a:buChar char="•"/>
+            </a:pPr>
+            <a:r>
+              <a:rPr lang="ko-KR" altLang="en-US" sz="2800" dirty="0" smtClean="0"/>
+              <a:t>가중치</a:t>
+            </a:r>
+            <a:r>
+              <a:rPr lang="en-US" altLang="ko-KR" sz="2800" dirty="0" smtClean="0"/>
+              <a:t>(</a:t>
+            </a:r>
+            <a:r>
+              <a:rPr lang="en-US" altLang="ko-KR" sz="2800" dirty="0" smtClean="0"/>
+              <a:t>weight) </a:t>
+            </a:r>
+            <a:r>
+              <a:rPr lang="ko-KR" altLang="en-US" sz="2800" dirty="0" smtClean="0"/>
+              <a:t>속성</a:t>
+            </a:r>
+            <a:r>
+              <a:rPr lang="en-US" altLang="ko-KR" sz="2800" dirty="0" smtClean="0"/>
+              <a:t> </a:t>
+            </a:r>
+            <a:r>
+              <a:rPr lang="ko-KR" altLang="en-US" sz="2800" dirty="0" smtClean="0"/>
+              <a:t>사</a:t>
+            </a:r>
+            <a:r>
+              <a:rPr lang="ko-KR" altLang="en-US" sz="2800" dirty="0"/>
+              <a:t>용</a:t>
+            </a:r>
+            <a:endParaRPr lang="en-US" altLang="ko-KR" sz="2800" dirty="0" smtClean="0"/>
+          </a:p>
+        </p:txBody>
+      </p:sp>
+      <p:sp>
+        <p:nvSpPr>
+          <p:cNvPr id="8" name="TextBox 7"/>
+          <p:cNvSpPr txBox="1"/>
+          <p:nvPr/>
+        </p:nvSpPr>
+        <p:spPr>
+          <a:xfrm>
+            <a:off x="107504" y="4456276"/>
+            <a:ext cx="8916022" cy="1323439"/>
+          </a:xfrm>
+          <a:prstGeom prst="rect">
+            <a:avLst/>
+          </a:prstGeom>
+          <a:noFill/>
+        </p:spPr>
+        <p:txBody>
+          <a:bodyPr wrap="square" rtlCol="0">
+            <a:spAutoFit/>
+          </a:bodyPr>
+          <a:lstStyle/>
+          <a:p>
+            <a:r>
+              <a:rPr lang="en-US" altLang="ko-KR" sz="2000" dirty="0" err="1" smtClean="0">
+                <a:effectLst/>
+              </a:rPr>
+              <a:t>wrap_content</a:t>
+            </a:r>
+            <a:r>
+              <a:rPr lang="en-US" altLang="ko-KR" sz="2000" dirty="0" smtClean="0">
+                <a:effectLst/>
+              </a:rPr>
+              <a:t> : </a:t>
+            </a:r>
+            <a:r>
+              <a:rPr lang="ko-KR" altLang="en-US" sz="2000" dirty="0" err="1" smtClean="0"/>
+              <a:t>뷰의</a:t>
+            </a:r>
+            <a:r>
+              <a:rPr lang="ko-KR" altLang="en-US" sz="2000" dirty="0" smtClean="0"/>
+              <a:t> 너비와 높이가 해당 </a:t>
+            </a:r>
+            <a:r>
+              <a:rPr lang="ko-KR" altLang="en-US" sz="2000" dirty="0" err="1" smtClean="0"/>
+              <a:t>뷰</a:t>
+            </a:r>
+            <a:r>
+              <a:rPr lang="ko-KR" altLang="en-US" sz="2000" dirty="0" smtClean="0"/>
+              <a:t> 내에 </a:t>
+            </a:r>
+            <a:r>
+              <a:rPr lang="ko-KR" altLang="en-US" sz="2000" dirty="0" err="1" smtClean="0"/>
+              <a:t>콘텐츠가</a:t>
+            </a:r>
+            <a:r>
+              <a:rPr lang="ko-KR" altLang="en-US" sz="2000" dirty="0" smtClean="0"/>
+              <a:t> 들어가는데 필요한 </a:t>
+            </a:r>
+            <a:r>
+              <a:rPr lang="ko-KR" altLang="en-US" sz="2000" dirty="0" smtClean="0"/>
+              <a:t>최소 크기로 설정</a:t>
+            </a:r>
+            <a:r>
+              <a:rPr lang="en-US" altLang="ko-KR" sz="2000" dirty="0" smtClean="0"/>
+              <a:t>.</a:t>
+            </a:r>
+          </a:p>
+          <a:p>
+            <a:endParaRPr lang="en-US" altLang="ko-KR" sz="2000" dirty="0">
+              <a:effectLst/>
+            </a:endParaRPr>
+          </a:p>
+          <a:p>
+            <a:r>
+              <a:rPr lang="en-US" altLang="ko-KR" sz="2000" dirty="0" err="1" smtClean="0"/>
+              <a:t>match_parent</a:t>
+            </a:r>
+            <a:r>
+              <a:rPr lang="en-US" altLang="ko-KR" sz="2000" dirty="0" smtClean="0"/>
+              <a:t> : </a:t>
+            </a:r>
+            <a:r>
+              <a:rPr lang="ko-KR" altLang="en-US" sz="2000" dirty="0" smtClean="0"/>
+              <a:t>컴포넌트가 확장되어 부모 </a:t>
+            </a:r>
+            <a:r>
+              <a:rPr lang="ko-KR" altLang="en-US" sz="2000" dirty="0" err="1" smtClean="0"/>
+              <a:t>뷰의</a:t>
+            </a:r>
+            <a:r>
+              <a:rPr lang="ko-KR" altLang="en-US" sz="2000" dirty="0" smtClean="0"/>
+              <a:t> 크기와 일치하도록 설정</a:t>
+            </a:r>
+            <a:r>
+              <a:rPr lang="en-US" altLang="ko-KR" sz="2000" dirty="0" smtClean="0"/>
+              <a:t>.</a:t>
+            </a:r>
+            <a:endParaRPr lang="en-US" altLang="ko-KR" sz="2000" dirty="0">
+              <a:effectLst/>
+            </a:endParaRPr>
+          </a:p>
+        </p:txBody>
+      </p:sp>
+      <p:sp>
+        <p:nvSpPr>
+          <p:cNvPr id="9" name="TextBox 8"/>
+          <p:cNvSpPr txBox="1"/>
+          <p:nvPr/>
+        </p:nvSpPr>
+        <p:spPr>
+          <a:xfrm>
+            <a:off x="219944" y="3356992"/>
+            <a:ext cx="2884123" cy="523220"/>
+          </a:xfrm>
+          <a:prstGeom prst="rect">
+            <a:avLst/>
+          </a:prstGeom>
+          <a:noFill/>
+        </p:spPr>
+        <p:txBody>
+          <a:bodyPr wrap="none" rtlCol="0">
+            <a:spAutoFit/>
+          </a:bodyPr>
+          <a:lstStyle/>
+          <a:p>
+            <a:pPr marL="571500" indent="-571500">
+              <a:buFont typeface="Arial" pitchFamily="34" charset="0"/>
+              <a:buChar char="•"/>
+            </a:pPr>
+            <a:r>
+              <a:rPr lang="en-US" altLang="ko-KR" sz="2800" dirty="0" err="1" smtClean="0"/>
+              <a:t>dp</a:t>
+            </a:r>
+            <a:r>
+              <a:rPr lang="en-US" altLang="ko-KR" sz="2800" dirty="0" smtClean="0"/>
+              <a:t> </a:t>
+            </a:r>
+            <a:r>
+              <a:rPr lang="ko-KR" altLang="en-US" sz="2800" dirty="0" smtClean="0"/>
+              <a:t>단위 사</a:t>
+            </a:r>
+            <a:r>
+              <a:rPr lang="ko-KR" altLang="en-US" sz="2800" dirty="0" smtClean="0"/>
+              <a:t>용</a:t>
+            </a:r>
+            <a:endParaRPr lang="en-US" altLang="ko-KR" sz="2800" dirty="0" smtClean="0"/>
+          </a:p>
+        </p:txBody>
+      </p:sp>
     </p:spTree>
     <p:extLst>
       <p:ext uri="{BB962C8B-B14F-4D97-AF65-F5344CB8AC3E}">
-        <p14:creationId xmlns:p14="http://schemas.microsoft.com/office/powerpoint/2010/main" val="1880561506"/>
+        <p14:creationId xmlns:p14="http://schemas.microsoft.com/office/powerpoint/2010/main" val="906683203"/>
       </p:ext>
     </p:extLst>
   </p:cSld>
@@ -6071,8 +7164,8 @@
         </p:nvSpPr>
         <p:spPr>
           <a:xfrm>
-            <a:off x="299986" y="6093296"/>
-            <a:ext cx="8520486" cy="707886"/>
+            <a:off x="120474" y="1052736"/>
+            <a:ext cx="8916022" cy="707886"/>
           </a:xfrm>
           <a:prstGeom prst="rect">
             <a:avLst/>
@@ -6086,67 +7179,88 @@
           <a:lstStyle/>
           <a:p>
             <a:r>
+              <a:rPr lang="ko-KR" altLang="en-US" sz="2000" dirty="0" smtClean="0"/>
+              <a:t>자식 </a:t>
+            </a:r>
+            <a:r>
               <a:rPr lang="ko-KR" altLang="en-US" sz="2000" dirty="0" err="1" smtClean="0"/>
-              <a:t>안드로이드</a:t>
+              <a:t>뷰를</a:t>
+            </a:r>
+            <a:r>
+              <a:rPr lang="ko-KR" altLang="en-US" sz="2000" dirty="0" smtClean="0"/>
+              <a:t> 일직선이 아닌 다양한 방향으로 표시해야 하는 경우 컴포넌트 사이의 관계를 중심으로 레이아웃을 지정할 수 있는  </a:t>
+            </a:r>
+            <a:r>
+              <a:rPr lang="en-US" altLang="ko-KR" sz="2000" dirty="0" err="1" smtClean="0"/>
+              <a:t>RelativeLayout</a:t>
+            </a:r>
+            <a:r>
+              <a:rPr lang="ko-KR" altLang="en-US" sz="2000" dirty="0" smtClean="0"/>
+              <a:t>을 사용</a:t>
+            </a:r>
+            <a:r>
+              <a:rPr lang="en-US" altLang="ko-KR" sz="2000" dirty="0" smtClean="0"/>
+              <a:t>.</a:t>
             </a:r>
             <a:r>
               <a:rPr lang="ko-KR" altLang="en-US" sz="2000" dirty="0" smtClean="0"/>
               <a:t> </a:t>
             </a:r>
-            <a:r>
-              <a:rPr lang="en-US" altLang="ko-KR" sz="2000" dirty="0" smtClean="0"/>
-              <a:t>API </a:t>
-            </a:r>
-            <a:r>
-              <a:rPr lang="ko-KR" altLang="en-US" sz="2000" dirty="0" smtClean="0"/>
-              <a:t>에서 제공하는 센서들</a:t>
-            </a:r>
-            <a:endParaRPr lang="en-US" altLang="ko-KR" sz="2000" dirty="0" smtClean="0"/>
-          </a:p>
-          <a:p>
-            <a:r>
-              <a:rPr lang="ko-KR" altLang="en-US" sz="2000" dirty="0" smtClean="0"/>
-              <a:t>위의 </a:t>
-            </a:r>
-            <a:r>
-              <a:rPr lang="ko-KR" altLang="en-US" sz="2000" dirty="0"/>
-              <a:t>표는 </a:t>
-            </a:r>
-            <a:r>
-              <a:rPr lang="en-US" altLang="ko-KR" sz="2000" dirty="0"/>
-              <a:t>Android </a:t>
-            </a:r>
-            <a:r>
-              <a:rPr lang="ko-KR" altLang="en-US" sz="2000" dirty="0" err="1"/>
-              <a:t>레퍼런스의</a:t>
-            </a:r>
-            <a:r>
-              <a:rPr lang="ko-KR" altLang="en-US" sz="2000" dirty="0"/>
-              <a:t> 내용을 </a:t>
-            </a:r>
-            <a:r>
-              <a:rPr lang="ko-KR" altLang="en-US" sz="2000" dirty="0" err="1"/>
-              <a:t>캡쳐한</a:t>
-            </a:r>
-            <a:r>
-              <a:rPr lang="ko-KR" altLang="en-US" sz="2000" dirty="0"/>
-              <a:t> 것 입니다</a:t>
-            </a:r>
-            <a:r>
-              <a:rPr lang="en-US" altLang="ko-KR" sz="2000" dirty="0"/>
-              <a:t>.</a:t>
-            </a:r>
-            <a:endParaRPr lang="en-US" altLang="ko-KR" sz="2000" b="1" dirty="0" smtClean="0">
-              <a:solidFill>
-                <a:schemeClr val="accent6"/>
-              </a:solidFill>
+            <a:endParaRPr lang="en-US" altLang="ko-KR" sz="2000" dirty="0">
+              <a:effectLst/>
             </a:endParaRPr>
+          </a:p>
+        </p:txBody>
+      </p:sp>
+      <p:sp>
+        <p:nvSpPr>
+          <p:cNvPr id="7" name="TextBox 6"/>
+          <p:cNvSpPr txBox="1"/>
+          <p:nvPr/>
+        </p:nvSpPr>
+        <p:spPr>
+          <a:xfrm>
+            <a:off x="232914" y="332656"/>
+            <a:ext cx="3938194" cy="523220"/>
+          </a:xfrm>
+          <a:prstGeom prst="rect">
+            <a:avLst/>
+          </a:prstGeom>
+          <a:noFill/>
+        </p:spPr>
+        <p:txBody>
+          <a:bodyPr wrap="none" rtlCol="0">
+            <a:spAutoFit/>
+          </a:bodyPr>
+          <a:lstStyle/>
+          <a:p>
+            <a:pPr marL="571500" indent="-571500">
+              <a:buFont typeface="Arial" pitchFamily="34" charset="0"/>
+              <a:buChar char="•"/>
+            </a:pPr>
+            <a:r>
+              <a:rPr lang="en-US" altLang="ko-KR" sz="2800" dirty="0" err="1" smtClean="0"/>
+              <a:t>RelativeLayout</a:t>
+            </a:r>
+            <a:r>
+              <a:rPr lang="en-US" altLang="ko-KR" sz="2800" dirty="0" smtClean="0"/>
+              <a:t> </a:t>
+            </a:r>
+            <a:r>
+              <a:rPr lang="ko-KR" altLang="en-US" sz="2800" dirty="0" smtClean="0"/>
+              <a:t>사</a:t>
+            </a:r>
+            <a:r>
+              <a:rPr lang="ko-KR" altLang="en-US" sz="2800" dirty="0"/>
+              <a:t>용</a:t>
+            </a:r>
+            <a:endParaRPr lang="en-US" altLang="ko-KR" sz="2800" dirty="0" smtClean="0"/>
           </a:p>
         </p:txBody>
       </p:sp>
       <p:pic>
         <p:nvPicPr>
-          <p:cNvPr id="1026" name="Picture 2" descr="C:\Users\Mutecsoft_pc\Pictures\sensors.png"/>
+          <p:cNvPr id="1026" name="Picture 2" descr="C:\Users\Mutecsoft_pc\Pictures\2016-04-08 17;25;11.jpg"/>
           <p:cNvPicPr>
             <a:picLocks noChangeAspect="1" noChangeArrowheads="1"/>
           </p:cNvPicPr>
@@ -6167,8 +7281,8 @@
         </p:blipFill>
         <p:spPr bwMode="auto">
           <a:xfrm>
-            <a:off x="261585" y="32431"/>
-            <a:ext cx="8486879" cy="6060865"/>
+            <a:off x="1619672" y="2060848"/>
+            <a:ext cx="5635007" cy="4620706"/>
           </a:xfrm>
           <a:prstGeom prst="rect">
             <a:avLst/>
@@ -6188,7 +7302,7 @@
     </p:spTree>
     <p:extLst>
       <p:ext uri="{BB962C8B-B14F-4D97-AF65-F5344CB8AC3E}">
-        <p14:creationId xmlns:p14="http://schemas.microsoft.com/office/powerpoint/2010/main" val="3598811632"/>
+        <p14:creationId xmlns:p14="http://schemas.microsoft.com/office/powerpoint/2010/main" val="3765244779"/>
       </p:ext>
     </p:extLst>
   </p:cSld>
@@ -6230,8 +7344,8 @@
         </p:nvSpPr>
         <p:spPr>
           <a:xfrm>
-            <a:off x="395536" y="5085184"/>
-            <a:ext cx="8520486" cy="1200329"/>
+            <a:off x="120474" y="1052736"/>
+            <a:ext cx="8916022" cy="707886"/>
           </a:xfrm>
           <a:prstGeom prst="rect">
             <a:avLst/>
@@ -6245,39 +7359,49 @@
           <a:lstStyle/>
           <a:p>
             <a:r>
-              <a:rPr lang="ko-KR" altLang="en-US" sz="2400" dirty="0"/>
-              <a:t>센서는 </a:t>
-            </a:r>
-            <a:r>
-              <a:rPr lang="en-US" altLang="ko-KR" sz="2400" dirty="0"/>
-              <a:t>X, Y, Z </a:t>
-            </a:r>
-            <a:r>
-              <a:rPr lang="ko-KR" altLang="en-US" sz="2400" dirty="0"/>
-              <a:t>의 좌표에 대해서 각각에 해당하는 값을 배열로 받아와서 처리할 수 있게 되어있으며 각 좌표는 다음과 같이 구성되어 있습니다</a:t>
-            </a:r>
-            <a:r>
-              <a:rPr lang="en-US" altLang="ko-KR" sz="2400" dirty="0"/>
+              <a:rPr lang="ko-KR" altLang="en-US" sz="2000" dirty="0" smtClean="0"/>
+              <a:t>자식 </a:t>
+            </a:r>
+            <a:r>
+              <a:rPr lang="ko-KR" altLang="en-US" sz="2000" dirty="0" err="1" smtClean="0"/>
+              <a:t>뷰를</a:t>
+            </a:r>
+            <a:r>
+              <a:rPr lang="ko-KR" altLang="en-US" sz="2000" dirty="0" smtClean="0"/>
+              <a:t> 일직선이 아닌 다양한 방향으로 표시해야 하는 경우 컴포넌트 사이의 관계를 중심으로 레이아웃을 지정할 수 있는  </a:t>
+            </a:r>
+            <a:r>
+              <a:rPr lang="en-US" altLang="ko-KR" sz="2000" dirty="0" err="1" smtClean="0"/>
+              <a:t>RelativeLayout</a:t>
+            </a:r>
+            <a:r>
+              <a:rPr lang="ko-KR" altLang="en-US" sz="2000" dirty="0" smtClean="0"/>
+              <a:t>을 사용</a:t>
+            </a:r>
+            <a:r>
+              <a:rPr lang="en-US" altLang="ko-KR" sz="2000" dirty="0" smtClean="0"/>
               <a:t>.</a:t>
             </a:r>
-            <a:endParaRPr lang="en-US" altLang="ko-KR" sz="2100" b="1" dirty="0" smtClean="0">
-              <a:solidFill>
-                <a:schemeClr val="accent6"/>
-              </a:solidFill>
+            <a:r>
+              <a:rPr lang="ko-KR" altLang="en-US" sz="2000" dirty="0" smtClean="0"/>
+              <a:t> </a:t>
+            </a:r>
+            <a:endParaRPr lang="en-US" altLang="ko-KR" sz="2000" dirty="0">
+              <a:effectLst/>
             </a:endParaRPr>
           </a:p>
         </p:txBody>
       </p:sp>
       <p:sp>
         <p:nvSpPr>
-          <p:cNvPr id="11" name="TextBox 10"/>
+          <p:cNvPr id="7" name="TextBox 6"/>
           <p:cNvSpPr txBox="1"/>
           <p:nvPr/>
         </p:nvSpPr>
         <p:spPr>
           <a:xfrm>
-            <a:off x="304922" y="476672"/>
-            <a:ext cx="6859366" cy="707886"/>
+            <a:off x="232914" y="332656"/>
+            <a:ext cx="3938194" cy="523220"/>
           </a:xfrm>
           <a:prstGeom prst="rect">
             <a:avLst/>
@@ -6285,279 +7409,80 @@
           <a:noFill/>
         </p:spPr>
         <p:txBody>
-          <a:bodyPr wrap="square" rtlCol="0">
+          <a:bodyPr wrap="none" rtlCol="0">
             <a:spAutoFit/>
           </a:bodyPr>
           <a:lstStyle/>
           <a:p>
-            <a:r>
-              <a:rPr lang="ko-KR" altLang="en-US" sz="4000" b="1" dirty="0" smtClean="0"/>
-              <a:t>가속도 센서</a:t>
-            </a:r>
-            <a:endParaRPr lang="ko-KR" altLang="en-US" sz="4000" b="1" dirty="0"/>
-          </a:p>
-        </p:txBody>
-      </p:sp>
-      <p:cxnSp>
-        <p:nvCxnSpPr>
-          <p:cNvPr id="12" name="직선 연결선 11"/>
-          <p:cNvCxnSpPr/>
+            <a:pPr marL="571500" indent="-571500">
+              <a:buFont typeface="Arial" pitchFamily="34" charset="0"/>
+              <a:buChar char="•"/>
+            </a:pPr>
+            <a:r>
+              <a:rPr lang="en-US" altLang="ko-KR" sz="2800" dirty="0" err="1" smtClean="0"/>
+              <a:t>RelativeLayout</a:t>
+            </a:r>
+            <a:r>
+              <a:rPr lang="en-US" altLang="ko-KR" sz="2800" dirty="0" smtClean="0"/>
+              <a:t> </a:t>
+            </a:r>
+            <a:r>
+              <a:rPr lang="ko-KR" altLang="en-US" sz="2800" dirty="0" smtClean="0"/>
+              <a:t>사</a:t>
+            </a:r>
+            <a:r>
+              <a:rPr lang="ko-KR" altLang="en-US" sz="2800" dirty="0"/>
+              <a:t>용</a:t>
+            </a:r>
+            <a:endParaRPr lang="en-US" altLang="ko-KR" sz="2800" dirty="0" smtClean="0"/>
+          </a:p>
+        </p:txBody>
+      </p:sp>
+      <p:pic>
+        <p:nvPicPr>
+          <p:cNvPr id="1026" name="Picture 2" descr="C:\Users\Mutecsoft_pc\Pictures\2016-04-08 17;25;11.jpg"/>
+          <p:cNvPicPr>
+            <a:picLocks noChangeAspect="1" noChangeArrowheads="1"/>
+          </p:cNvPicPr>
           <p:nvPr/>
-        </p:nvCxnSpPr>
-        <p:spPr>
+        </p:nvPicPr>
+        <p:blipFill>
+          <a:blip r:embed="rId2">
+            <a:extLst>
+              <a:ext uri="{28A0092B-C50C-407E-A947-70E740481C1C}">
+                <a14:useLocalDpi xmlns:a14="http://schemas.microsoft.com/office/drawing/2010/main" val="0"/>
+              </a:ext>
+            </a:extLst>
+          </a:blip>
+          <a:srcRect/>
+          <a:stretch>
+            <a:fillRect/>
+          </a:stretch>
+        </p:blipFill>
+        <p:spPr bwMode="auto">
           <a:xfrm>
-            <a:off x="412704" y="1484784"/>
-            <a:ext cx="7471664" cy="0"/>
-          </a:xfrm>
-          <a:prstGeom prst="line">
-            <a:avLst/>
-          </a:prstGeom>
-          <a:ln/>
-        </p:spPr>
-        <p:style>
-          <a:lnRef idx="2">
-            <a:schemeClr val="accent1"/>
-          </a:lnRef>
-          <a:fillRef idx="0">
-            <a:schemeClr val="accent1"/>
-          </a:fillRef>
-          <a:effectRef idx="1">
-            <a:schemeClr val="accent1"/>
-          </a:effectRef>
-          <a:fontRef idx="minor">
-            <a:schemeClr val="tx1"/>
-          </a:fontRef>
-        </p:style>
-      </p:cxnSp>
-      <p:sp>
-        <p:nvSpPr>
-          <p:cNvPr id="17" name="TextBox 16"/>
-          <p:cNvSpPr txBox="1"/>
-          <p:nvPr/>
-        </p:nvSpPr>
-        <p:spPr>
-          <a:xfrm>
-            <a:off x="412704" y="1700808"/>
-            <a:ext cx="8280920" cy="3139321"/>
+            <a:off x="1619672" y="2132856"/>
+            <a:ext cx="5635007" cy="4620706"/>
           </a:xfrm>
           <a:prstGeom prst="rect">
             <a:avLst/>
           </a:prstGeom>
+          <a:noFill/>
+          <a:extLst>
+            <a:ext uri="{909E8E84-426E-40DD-AFC4-6F175D3DCCD1}">
+              <a14:hiddenFill xmlns:a14="http://schemas.microsoft.com/office/drawing/2010/main">
+                <a:solidFill>
+                  <a:srgbClr val="FFFFFF"/>
+                </a:solidFill>
+              </a14:hiddenFill>
+            </a:ext>
+          </a:extLst>
         </p:spPr>
-        <p:style>
-          <a:lnRef idx="1">
-            <a:schemeClr val="accent6"/>
-          </a:lnRef>
-          <a:fillRef idx="2">
-            <a:schemeClr val="accent6"/>
-          </a:fillRef>
-          <a:effectRef idx="1">
-            <a:schemeClr val="accent6"/>
-          </a:effectRef>
-          <a:fontRef idx="minor">
-            <a:schemeClr val="dk1"/>
-          </a:fontRef>
-        </p:style>
-        <p:txBody>
-          <a:bodyPr wrap="square" rtlCol="0">
-            <a:spAutoFit/>
-          </a:bodyPr>
-          <a:lstStyle/>
-          <a:p>
-            <a:r>
-              <a:rPr lang="en-US" altLang="ko-KR" b="1" dirty="0"/>
-              <a:t>Accelerometer</a:t>
-            </a:r>
-            <a:r>
-              <a:rPr lang="ko-KR" altLang="en-US" dirty="0"/>
-              <a:t/>
-            </a:r>
-            <a:br>
-              <a:rPr lang="ko-KR" altLang="en-US" dirty="0"/>
-            </a:br>
-            <a:r>
-              <a:rPr lang="en-US" altLang="ko-KR" dirty="0"/>
-              <a:t>SENSOR_ACCELOROMETER (</a:t>
-            </a:r>
-            <a:r>
-              <a:rPr lang="ko-KR" altLang="en-US" dirty="0"/>
-              <a:t>가속도 센서</a:t>
-            </a:r>
-            <a:r>
-              <a:rPr lang="en-US" altLang="ko-KR" dirty="0"/>
-              <a:t>)</a:t>
-            </a:r>
-            <a:br>
-              <a:rPr lang="en-US" altLang="ko-KR" dirty="0"/>
-            </a:br>
-            <a:r>
-              <a:rPr lang="ko-KR" altLang="en-US" dirty="0"/>
-              <a:t>각 배열의 값은 </a:t>
-            </a:r>
-            <a:r>
-              <a:rPr lang="en-US" altLang="ko-KR" dirty="0"/>
-              <a:t>(m/s</a:t>
-            </a:r>
-            <a:r>
-              <a:rPr lang="en-US" altLang="ko-KR" baseline="30000" dirty="0"/>
-              <a:t>2</a:t>
-            </a:r>
-            <a:r>
-              <a:rPr lang="en-US" altLang="ko-KR" dirty="0"/>
-              <a:t>) </a:t>
-            </a:r>
-            <a:r>
-              <a:rPr lang="ko-KR" altLang="en-US" dirty="0"/>
-              <a:t>단위로 되어있으며</a:t>
-            </a:r>
-            <a:r>
-              <a:rPr lang="en-US" altLang="ko-KR" dirty="0"/>
-              <a:t>, </a:t>
-            </a:r>
-            <a:r>
-              <a:rPr lang="ko-KR" altLang="en-US" dirty="0" err="1"/>
-              <a:t>접촉힘</a:t>
-            </a:r>
-            <a:r>
-              <a:rPr lang="en-US" altLang="ko-KR" dirty="0"/>
-              <a:t>(Contact Force)</a:t>
-            </a:r>
-            <a:r>
-              <a:rPr lang="ko-KR" altLang="en-US" dirty="0"/>
-              <a:t>을 측정합니다</a:t>
-            </a:r>
-            <a:r>
-              <a:rPr lang="en-US" altLang="ko-KR" dirty="0"/>
-              <a:t>. </a:t>
-            </a:r>
-            <a:br>
-              <a:rPr lang="en-US" altLang="ko-KR" dirty="0"/>
-            </a:br>
-            <a:r>
-              <a:rPr lang="en-US" altLang="ko-KR" dirty="0"/>
-              <a:t/>
-            </a:r>
-            <a:br>
-              <a:rPr lang="en-US" altLang="ko-KR" dirty="0"/>
-            </a:br>
-            <a:r>
-              <a:rPr lang="en-US" altLang="ko-KR" dirty="0"/>
-              <a:t>values[0] : X</a:t>
-            </a:r>
-            <a:r>
-              <a:rPr lang="ko-KR" altLang="en-US" dirty="0"/>
-              <a:t>축에 적용되는 힘</a:t>
-            </a:r>
-            <a:br>
-              <a:rPr lang="ko-KR" altLang="en-US" dirty="0"/>
-            </a:br>
-            <a:r>
-              <a:rPr lang="en-US" altLang="ko-KR" dirty="0"/>
-              <a:t>values[1] : Y</a:t>
-            </a:r>
-            <a:r>
-              <a:rPr lang="ko-KR" altLang="en-US" dirty="0"/>
-              <a:t>축에 적용되는 힘</a:t>
-            </a:r>
-            <a:br>
-              <a:rPr lang="ko-KR" altLang="en-US" dirty="0"/>
-            </a:br>
-            <a:r>
-              <a:rPr lang="en-US" altLang="ko-KR" dirty="0"/>
-              <a:t>values[2] : Z</a:t>
-            </a:r>
-            <a:r>
-              <a:rPr lang="ko-KR" altLang="en-US" dirty="0"/>
-              <a:t>축에 적용되는 </a:t>
-            </a:r>
-            <a:r>
-              <a:rPr lang="ko-KR" altLang="en-US" dirty="0" smtClean="0"/>
-              <a:t>힘</a:t>
-            </a:r>
-            <a:endParaRPr lang="en-US" altLang="ko-KR" dirty="0" smtClean="0"/>
-          </a:p>
-          <a:p>
-            <a:endParaRPr lang="en-US" altLang="ko-KR" dirty="0" smtClean="0"/>
-          </a:p>
-          <a:p>
-            <a:r>
-              <a:rPr lang="en-US" altLang="ko-KR" dirty="0" smtClean="0"/>
-              <a:t>values[3] : Orientation </a:t>
-            </a:r>
-            <a:r>
-              <a:rPr lang="ko-KR" altLang="en-US" dirty="0" smtClean="0"/>
-              <a:t>에 관계없이</a:t>
-            </a:r>
-            <a:r>
-              <a:rPr lang="en-US" altLang="ko-KR" dirty="0" smtClean="0"/>
-              <a:t> </a:t>
-            </a:r>
-            <a:r>
-              <a:rPr lang="en-US" altLang="ko-KR" dirty="0"/>
-              <a:t>X</a:t>
-            </a:r>
-            <a:r>
-              <a:rPr lang="ko-KR" altLang="en-US" dirty="0"/>
-              <a:t>축에 적용되는 힘</a:t>
-            </a:r>
-            <a:br>
-              <a:rPr lang="ko-KR" altLang="en-US" dirty="0"/>
-            </a:br>
-            <a:r>
-              <a:rPr lang="en-US" altLang="ko-KR" dirty="0" smtClean="0"/>
-              <a:t>values[4] </a:t>
-            </a:r>
-            <a:r>
-              <a:rPr lang="en-US" altLang="ko-KR" dirty="0"/>
-              <a:t>: Orientation </a:t>
-            </a:r>
-            <a:r>
-              <a:rPr lang="ko-KR" altLang="en-US" dirty="0"/>
-              <a:t>에 관계없이 </a:t>
-            </a:r>
-            <a:r>
-              <a:rPr lang="en-US" altLang="ko-KR" dirty="0" smtClean="0"/>
-              <a:t>Y</a:t>
-            </a:r>
-            <a:r>
-              <a:rPr lang="ko-KR" altLang="en-US" dirty="0"/>
-              <a:t>축에 적용되는 힘</a:t>
-            </a:r>
-            <a:br>
-              <a:rPr lang="ko-KR" altLang="en-US" dirty="0"/>
-            </a:br>
-            <a:r>
-              <a:rPr lang="en-US" altLang="ko-KR" dirty="0" smtClean="0"/>
-              <a:t>values[5] </a:t>
-            </a:r>
-            <a:r>
-              <a:rPr lang="en-US" altLang="ko-KR" dirty="0"/>
-              <a:t>: Orientation </a:t>
-            </a:r>
-            <a:r>
-              <a:rPr lang="ko-KR" altLang="en-US" dirty="0"/>
-              <a:t>에 관계없이 </a:t>
-            </a:r>
-            <a:r>
-              <a:rPr lang="en-US" altLang="ko-KR" dirty="0" smtClean="0"/>
-              <a:t>Z</a:t>
-            </a:r>
-            <a:r>
-              <a:rPr lang="ko-KR" altLang="en-US" dirty="0"/>
-              <a:t>축에 적용되는 </a:t>
-            </a:r>
-            <a:r>
-              <a:rPr lang="ko-KR" altLang="en-US" dirty="0" smtClean="0"/>
-              <a:t>힘</a:t>
-            </a:r>
-            <a:endParaRPr lang="ko-KR" altLang="en-US" dirty="0"/>
-          </a:p>
-        </p:txBody>
-      </p:sp>
+      </p:pic>
     </p:spTree>
     <p:extLst>
       <p:ext uri="{BB962C8B-B14F-4D97-AF65-F5344CB8AC3E}">
-        <p14:creationId xmlns:p14="http://schemas.microsoft.com/office/powerpoint/2010/main" val="3054846329"/>
+        <p14:creationId xmlns:p14="http://schemas.microsoft.com/office/powerpoint/2010/main" val="2302717598"/>
       </p:ext>
     </p:extLst>
   </p:cSld>
@@ -6593,33 +7518,20 @@
       </p:grpSpPr>
       <p:sp>
         <p:nvSpPr>
-          <p:cNvPr id="4" name="TextBox 3"/>
+          <p:cNvPr id="3" name="TextBox 2"/>
           <p:cNvSpPr txBox="1"/>
           <p:nvPr/>
         </p:nvSpPr>
         <p:spPr>
           <a:xfrm>
-            <a:off x="107504" y="116632"/>
-            <a:ext cx="8928992" cy="2246769"/>
+            <a:off x="120474" y="5013176"/>
+            <a:ext cx="8916022" cy="1631216"/>
           </a:xfrm>
           <a:prstGeom prst="rect">
             <a:avLst/>
           </a:prstGeom>
+          <a:noFill/>
         </p:spPr>
-        <p:style>
-          <a:lnRef idx="1">
-            <a:schemeClr val="accent6"/>
-          </a:lnRef>
-          <a:fillRef idx="2">
-            <a:schemeClr val="accent6"/>
-          </a:fillRef>
-          <a:effectRef idx="1">
-            <a:schemeClr val="accent6"/>
-          </a:effectRef>
-          <a:fontRef idx="minor">
-            <a:schemeClr val="dk1"/>
-          </a:fontRef>
-        </p:style>
         <p:txBody>
           <a:bodyPr wrap="square" rtlCol="0">
             <a:spAutoFit/>
@@ -6627,245 +7539,170 @@
           <a:lstStyle/>
           <a:p>
             <a:r>
-              <a:rPr lang="en-US" altLang="ko-KR" sz="2000" dirty="0">
-                <a:solidFill>
-                  <a:schemeClr val="tx1"/>
-                </a:solidFill>
-              </a:rPr>
-              <a:t>X</a:t>
-            </a:r>
-            <a:r>
-              <a:rPr lang="ko-KR" altLang="en-US" sz="2000" dirty="0">
-                <a:solidFill>
-                  <a:schemeClr val="tx1"/>
-                </a:solidFill>
-              </a:rPr>
-              <a:t>축 </a:t>
-            </a:r>
-            <a:r>
-              <a:rPr lang="en-US" altLang="ko-KR" sz="2000" dirty="0">
-                <a:solidFill>
-                  <a:schemeClr val="tx1"/>
-                </a:solidFill>
-              </a:rPr>
-              <a:t>: </a:t>
-            </a:r>
-            <a:r>
-              <a:rPr lang="ko-KR" altLang="en-US" sz="2000" dirty="0">
-                <a:solidFill>
-                  <a:schemeClr val="tx1"/>
-                </a:solidFill>
-              </a:rPr>
-              <a:t>화면에 수평축</a:t>
-            </a:r>
-            <a:r>
-              <a:rPr lang="en-US" altLang="ko-KR" sz="2000" dirty="0">
-                <a:solidFill>
-                  <a:schemeClr val="tx1"/>
-                </a:solidFill>
-              </a:rPr>
-              <a:t>(portrait </a:t>
-            </a:r>
-            <a:r>
-              <a:rPr lang="ko-KR" altLang="en-US" sz="2000" dirty="0">
-                <a:solidFill>
-                  <a:schemeClr val="tx1"/>
-                </a:solidFill>
-              </a:rPr>
-              <a:t>모드에서 짧은 쪽</a:t>
-            </a:r>
-            <a:r>
-              <a:rPr lang="en-US" altLang="ko-KR" sz="2000" dirty="0">
-                <a:solidFill>
-                  <a:schemeClr val="tx1"/>
-                </a:solidFill>
-              </a:rPr>
-              <a:t>, landscape </a:t>
-            </a:r>
-            <a:r>
-              <a:rPr lang="ko-KR" altLang="en-US" sz="2000" dirty="0">
-                <a:solidFill>
-                  <a:schemeClr val="tx1"/>
-                </a:solidFill>
-              </a:rPr>
-              <a:t>모드에서 </a:t>
-            </a:r>
-            <a:r>
-              <a:rPr lang="ko-KR" altLang="en-US" sz="2000" dirty="0" err="1">
-                <a:solidFill>
-                  <a:schemeClr val="tx1"/>
-                </a:solidFill>
-              </a:rPr>
-              <a:t>긴쪽</a:t>
-            </a:r>
-            <a:r>
-              <a:rPr lang="en-US" altLang="ko-KR" sz="2000" dirty="0">
-                <a:solidFill>
-                  <a:schemeClr val="tx1"/>
-                </a:solidFill>
-              </a:rPr>
-              <a:t>)</a:t>
-            </a:r>
-            <a:r>
-              <a:rPr lang="ko-KR" altLang="en-US" sz="2000" dirty="0">
-                <a:solidFill>
-                  <a:schemeClr val="tx1"/>
-                </a:solidFill>
-              </a:rPr>
-              <a:t>을 나타내며 오른쪽을 가리킨다</a:t>
-            </a:r>
-            <a:r>
-              <a:rPr lang="en-US" altLang="ko-KR" sz="2000" dirty="0" smtClean="0">
-                <a:solidFill>
-                  <a:schemeClr val="tx1"/>
-                </a:solidFill>
-              </a:rPr>
-              <a:t>.</a:t>
-            </a:r>
-          </a:p>
-          <a:p>
-            <a:endParaRPr lang="ko-KR" altLang="en-US" sz="2000" dirty="0">
-              <a:solidFill>
-                <a:schemeClr val="tx1"/>
-              </a:solidFill>
-            </a:endParaRPr>
-          </a:p>
-          <a:p>
-            <a:r>
-              <a:rPr lang="en-US" altLang="ko-KR" sz="2000" dirty="0">
-                <a:solidFill>
-                  <a:schemeClr val="tx1"/>
-                </a:solidFill>
-              </a:rPr>
-              <a:t>Y</a:t>
-            </a:r>
-            <a:r>
-              <a:rPr lang="ko-KR" altLang="en-US" sz="2000" dirty="0">
-                <a:solidFill>
-                  <a:schemeClr val="tx1"/>
-                </a:solidFill>
-              </a:rPr>
-              <a:t>축 </a:t>
-            </a:r>
-            <a:r>
-              <a:rPr lang="en-US" altLang="ko-KR" sz="2000" dirty="0">
-                <a:solidFill>
-                  <a:schemeClr val="tx1"/>
-                </a:solidFill>
-              </a:rPr>
-              <a:t>: </a:t>
-            </a:r>
-            <a:r>
-              <a:rPr lang="ko-KR" altLang="en-US" sz="2000" dirty="0">
-                <a:solidFill>
-                  <a:schemeClr val="tx1"/>
-                </a:solidFill>
-              </a:rPr>
-              <a:t>화면에 </a:t>
-            </a:r>
-            <a:r>
-              <a:rPr lang="ko-KR" altLang="en-US" sz="2000" dirty="0" err="1">
-                <a:solidFill>
-                  <a:schemeClr val="tx1"/>
-                </a:solidFill>
-              </a:rPr>
-              <a:t>수직축을</a:t>
-            </a:r>
-            <a:r>
-              <a:rPr lang="ko-KR" altLang="en-US" sz="2000" dirty="0">
-                <a:solidFill>
-                  <a:schemeClr val="tx1"/>
-                </a:solidFill>
-              </a:rPr>
-              <a:t> 나타내며 화면 위쪽을 가리킨다</a:t>
-            </a:r>
-            <a:r>
-              <a:rPr lang="en-US" altLang="ko-KR" sz="2000" dirty="0">
-                <a:solidFill>
-                  <a:schemeClr val="tx1"/>
-                </a:solidFill>
-              </a:rPr>
-              <a:t>.(</a:t>
-            </a:r>
-            <a:r>
-              <a:rPr lang="ko-KR" altLang="en-US" sz="2000" dirty="0">
-                <a:solidFill>
-                  <a:schemeClr val="tx1"/>
-                </a:solidFill>
-              </a:rPr>
-              <a:t>원점은 왼쪽 밑 코너</a:t>
-            </a:r>
-            <a:r>
-              <a:rPr lang="en-US" altLang="ko-KR" sz="2000" dirty="0" smtClean="0">
-                <a:solidFill>
-                  <a:schemeClr val="tx1"/>
-                </a:solidFill>
-              </a:rPr>
-              <a:t>)</a:t>
-            </a:r>
-          </a:p>
-          <a:p>
-            <a:endParaRPr lang="ko-KR" altLang="en-US" sz="2000" dirty="0">
-              <a:solidFill>
-                <a:schemeClr val="tx1"/>
-              </a:solidFill>
-            </a:endParaRPr>
-          </a:p>
-          <a:p>
-            <a:r>
-              <a:rPr lang="en-US" altLang="ko-KR" sz="2000" dirty="0">
-                <a:solidFill>
-                  <a:schemeClr val="tx1"/>
-                </a:solidFill>
-              </a:rPr>
-              <a:t>Z</a:t>
-            </a:r>
-            <a:r>
-              <a:rPr lang="ko-KR" altLang="en-US" sz="2000" dirty="0">
-                <a:solidFill>
-                  <a:schemeClr val="tx1"/>
-                </a:solidFill>
-              </a:rPr>
-              <a:t>축 </a:t>
-            </a:r>
-            <a:r>
-              <a:rPr lang="en-US" altLang="ko-KR" sz="2000" dirty="0">
-                <a:solidFill>
-                  <a:schemeClr val="tx1"/>
-                </a:solidFill>
-              </a:rPr>
-              <a:t>: </a:t>
-            </a:r>
-            <a:r>
-              <a:rPr lang="ko-KR" altLang="en-US" sz="2000" dirty="0">
-                <a:solidFill>
-                  <a:schemeClr val="tx1"/>
-                </a:solidFill>
-              </a:rPr>
-              <a:t>단말이 화면을 위로 해서 테이블에 올려져 있다고 생각했을 때 하늘을 </a:t>
-            </a:r>
-            <a:r>
-              <a:rPr lang="ko-KR" altLang="en-US" sz="2000" dirty="0" smtClean="0">
-                <a:solidFill>
-                  <a:schemeClr val="tx1"/>
-                </a:solidFill>
-              </a:rPr>
-              <a:t>가리킨다</a:t>
-            </a:r>
-            <a:r>
-              <a:rPr lang="en-US" altLang="ko-KR" sz="2000" dirty="0" smtClean="0">
-                <a:solidFill>
-                  <a:schemeClr val="tx1"/>
-                </a:solidFill>
-              </a:rPr>
-              <a:t>.</a:t>
-            </a:r>
+              <a:rPr lang="ko-KR" altLang="en-US" sz="2000" dirty="0" err="1" smtClean="0"/>
+              <a:t>앱의</a:t>
+            </a:r>
+            <a:r>
+              <a:rPr lang="ko-KR" altLang="en-US" sz="2000" dirty="0" smtClean="0"/>
+              <a:t> 각 구성 요소에 대한 </a:t>
+            </a:r>
+            <a:r>
+              <a:rPr lang="en-US" altLang="ko-KR" sz="2000" dirty="0" smtClean="0"/>
+              <a:t>UI </a:t>
+            </a:r>
+            <a:r>
+              <a:rPr lang="ko-KR" altLang="en-US" sz="2000" dirty="0" smtClean="0"/>
+              <a:t>는 위 그림에 나타난 바와 같이 </a:t>
+            </a:r>
+            <a:r>
+              <a:rPr lang="en-US" altLang="ko-KR" sz="2000" dirty="0" smtClean="0"/>
+              <a:t>View </a:t>
+            </a:r>
+            <a:r>
+              <a:rPr lang="ko-KR" altLang="en-US" sz="2000" dirty="0" smtClean="0"/>
+              <a:t>와 </a:t>
+            </a:r>
+            <a:r>
+              <a:rPr lang="en-US" altLang="ko-KR" sz="2000" dirty="0" err="1" smtClean="0"/>
+              <a:t>ViewGroup</a:t>
+            </a:r>
+            <a:r>
+              <a:rPr lang="en-US" altLang="ko-KR" sz="2000" dirty="0" smtClean="0"/>
+              <a:t> </a:t>
+            </a:r>
+            <a:r>
+              <a:rPr lang="ko-KR" altLang="en-US" sz="2000" dirty="0" smtClean="0"/>
+              <a:t>객체의 계층으로 정의됩니다</a:t>
+            </a:r>
+            <a:r>
+              <a:rPr lang="en-US" altLang="ko-KR" sz="2000" dirty="0" smtClean="0"/>
+              <a:t>. </a:t>
+            </a:r>
+            <a:r>
+              <a:rPr lang="ko-KR" altLang="en-US" sz="2000" dirty="0" smtClean="0"/>
+              <a:t>각 </a:t>
+            </a:r>
+            <a:r>
+              <a:rPr lang="en-US" altLang="ko-KR" sz="2000" dirty="0" err="1" smtClean="0"/>
+              <a:t>ViewGroup</a:t>
+            </a:r>
+            <a:r>
+              <a:rPr lang="ko-KR" altLang="en-US" sz="2000" dirty="0"/>
+              <a:t> </a:t>
+            </a:r>
+            <a:r>
+              <a:rPr lang="ko-KR" altLang="en-US" sz="2000" dirty="0" smtClean="0"/>
+              <a:t>은 하위 </a:t>
+            </a:r>
+            <a:r>
+              <a:rPr lang="en-US" altLang="ko-KR" sz="2000" dirty="0" smtClean="0"/>
+              <a:t>View</a:t>
+            </a:r>
+            <a:r>
+              <a:rPr lang="ko-KR" altLang="en-US" sz="2000" dirty="0" smtClean="0"/>
+              <a:t>를 체계화하는 투명한 컨테이너이고</a:t>
+            </a:r>
+            <a:r>
+              <a:rPr lang="en-US" altLang="ko-KR" sz="2000" dirty="0" smtClean="0"/>
+              <a:t>, </a:t>
+            </a:r>
+            <a:r>
+              <a:rPr lang="ko-KR" altLang="en-US" sz="2000" dirty="0" smtClean="0"/>
+              <a:t>하위 </a:t>
+            </a:r>
+            <a:r>
+              <a:rPr lang="en-US" altLang="ko-KR" sz="2000" dirty="0" smtClean="0"/>
+              <a:t>View </a:t>
+            </a:r>
+            <a:r>
+              <a:rPr lang="ko-KR" altLang="en-US" sz="2000" dirty="0" smtClean="0"/>
+              <a:t>는 </a:t>
+            </a:r>
+            <a:r>
+              <a:rPr lang="en-US" altLang="ko-KR" sz="2000" dirty="0" smtClean="0"/>
+              <a:t>UI </a:t>
+            </a:r>
+            <a:r>
+              <a:rPr lang="ko-KR" altLang="en-US" sz="2000" dirty="0" smtClean="0"/>
+              <a:t>의 일부분을 그리는 제어나 다른 </a:t>
+            </a:r>
+            <a:r>
+              <a:rPr lang="ko-KR" altLang="en-US" sz="2000" dirty="0" err="1" smtClean="0"/>
+              <a:t>위젯일</a:t>
+            </a:r>
+            <a:r>
+              <a:rPr lang="ko-KR" altLang="en-US" sz="2000" dirty="0" smtClean="0"/>
+              <a:t> 수 있습니다</a:t>
+            </a:r>
+            <a:r>
+              <a:rPr lang="en-US" altLang="ko-KR" sz="2000" dirty="0" smtClean="0"/>
+              <a:t>. </a:t>
+            </a:r>
+            <a:r>
+              <a:rPr lang="ko-KR" altLang="en-US" sz="2000" dirty="0" smtClean="0"/>
+              <a:t>이 계층 </a:t>
+            </a:r>
+            <a:r>
+              <a:rPr lang="ko-KR" altLang="en-US" sz="2000" dirty="0" err="1" smtClean="0"/>
+              <a:t>트리는</a:t>
+            </a:r>
+            <a:r>
+              <a:rPr lang="ko-KR" altLang="en-US" sz="2000" dirty="0" smtClean="0"/>
+              <a:t> 개발자에게 필요한 만큼 단순하거나 복잡하게 만들 수 있습니다</a:t>
+            </a:r>
+            <a:r>
+              <a:rPr lang="en-US" altLang="ko-KR" sz="2000" dirty="0" smtClean="0"/>
+              <a:t>(</a:t>
+            </a:r>
+            <a:r>
+              <a:rPr lang="ko-KR" altLang="en-US" sz="2000" dirty="0" smtClean="0"/>
+              <a:t>다만 단순한 것이 성능에는 가장 좋습니다</a:t>
+            </a:r>
+            <a:r>
+              <a:rPr lang="en-US" altLang="ko-KR" sz="2000" dirty="0" smtClean="0"/>
+              <a:t>).</a:t>
+            </a:r>
+            <a:endParaRPr lang="ko-KR" altLang="en-US" sz="2000" dirty="0"/>
+          </a:p>
+        </p:txBody>
+      </p:sp>
+      <p:sp>
+        <p:nvSpPr>
+          <p:cNvPr id="10" name="TextBox 9"/>
+          <p:cNvSpPr txBox="1"/>
+          <p:nvPr/>
+        </p:nvSpPr>
+        <p:spPr>
+          <a:xfrm>
+            <a:off x="232914" y="260647"/>
+            <a:ext cx="2877583" cy="646331"/>
+          </a:xfrm>
+          <a:prstGeom prst="rect">
+            <a:avLst/>
+          </a:prstGeom>
+          <a:noFill/>
+        </p:spPr>
+        <p:txBody>
+          <a:bodyPr wrap="none" rtlCol="0">
+            <a:spAutoFit/>
+          </a:bodyPr>
+          <a:lstStyle/>
+          <a:p>
+            <a:pPr marL="571500" indent="-571500">
+              <a:buFont typeface="Arial" pitchFamily="34" charset="0"/>
+              <a:buChar char="•"/>
+            </a:pPr>
+            <a:r>
+              <a:rPr lang="en-US" altLang="ko-KR" sz="3600" b="1" dirty="0" smtClean="0"/>
+              <a:t>UI Layout</a:t>
+            </a:r>
+            <a:endParaRPr lang="ko-KR" altLang="en-US" sz="3600" b="1" dirty="0"/>
           </a:p>
         </p:txBody>
       </p:sp>
       <p:pic>
         <p:nvPicPr>
-          <p:cNvPr id="2050" name="Picture 2" descr="C:\Users\Mutecsoft_pc\Pictures\766d4f83922046c30b1e33f69c0bc9f0.jpg"/>
+          <p:cNvPr id="1026" name="Picture 2" descr="C:\Users\Mutecsoft_pc\Pictures\viewgroup.jpg"/>
           <p:cNvPicPr>
             <a:picLocks noChangeAspect="1" noChangeArrowheads="1"/>
           </p:cNvPicPr>
@@ -6886,115 +7723,8 @@
         </p:blipFill>
         <p:spPr bwMode="auto">
           <a:xfrm>
-            <a:off x="35496" y="3717032"/>
-            <a:ext cx="4896544" cy="2962409"/>
-          </a:xfrm>
-          <a:prstGeom prst="rect">
-            <a:avLst/>
-          </a:prstGeom>
-          <a:noFill/>
-          <a:extLst>
-            <a:ext uri="{909E8E84-426E-40DD-AFC4-6F175D3DCCD1}">
-              <a14:hiddenFill xmlns:a14="http://schemas.microsoft.com/office/drawing/2010/main">
-                <a:solidFill>
-                  <a:srgbClr val="FFFFFF"/>
-                </a:solidFill>
-              </a14:hiddenFill>
-            </a:ext>
-          </a:extLst>
-        </p:spPr>
-      </p:pic>
-      <p:sp>
-        <p:nvSpPr>
-          <p:cNvPr id="5" name="TextBox 4"/>
-          <p:cNvSpPr txBox="1"/>
-          <p:nvPr/>
-        </p:nvSpPr>
-        <p:spPr>
-          <a:xfrm>
-            <a:off x="311757" y="2420888"/>
-            <a:ext cx="8520486" cy="1200329"/>
-          </a:xfrm>
-          <a:prstGeom prst="rect">
-            <a:avLst/>
-          </a:prstGeom>
-          <a:noFill/>
-        </p:spPr>
-        <p:txBody>
-          <a:bodyPr wrap="square" rtlCol="0">
-            <a:spAutoFit/>
-          </a:bodyPr>
-          <a:lstStyle/>
-          <a:p>
-            <a:r>
-              <a:rPr lang="en-US" altLang="ko-KR" sz="2400" dirty="0"/>
-              <a:t>Orientation (Portrait, Landscape)</a:t>
-            </a:r>
-            <a:r>
-              <a:rPr lang="ko-KR" altLang="en-US" sz="2400" dirty="0"/>
-              <a:t>이 바뀌었을 때 </a:t>
-            </a:r>
-            <a:r>
-              <a:rPr lang="ko-KR" altLang="en-US" sz="2400" dirty="0" smtClean="0"/>
-              <a:t>좌표 값 </a:t>
-            </a:r>
-            <a:r>
-              <a:rPr lang="ko-KR" altLang="en-US" sz="2400" dirty="0"/>
-              <a:t>역시 바뀐다는 것을 기억해야 합니다</a:t>
-            </a:r>
-            <a:r>
-              <a:rPr lang="en-US" altLang="ko-KR" sz="2400" dirty="0"/>
-              <a:t>. </a:t>
-            </a:r>
-            <a:r>
-              <a:rPr lang="ko-KR" altLang="en-US" sz="2400" dirty="0"/>
-              <a:t>바뀌지 않은 값을 사용하기 위해서는 배열의 </a:t>
-            </a:r>
-            <a:r>
-              <a:rPr lang="en-US" altLang="ko-KR" sz="2400" dirty="0"/>
-              <a:t>3, 4, 5</a:t>
-            </a:r>
-            <a:r>
-              <a:rPr lang="ko-KR" altLang="en-US" sz="2400" dirty="0"/>
-              <a:t>번째 값을 가져올 수 있습니다</a:t>
-            </a:r>
-            <a:r>
-              <a:rPr lang="en-US" altLang="ko-KR" sz="2400" dirty="0"/>
-              <a:t>.</a:t>
-            </a:r>
-            <a:endParaRPr lang="en-US" altLang="ko-KR" sz="2100" b="1" dirty="0" smtClean="0">
-              <a:solidFill>
-                <a:schemeClr val="accent6"/>
-              </a:solidFill>
-            </a:endParaRPr>
-          </a:p>
-        </p:txBody>
-      </p:sp>
-      <p:pic>
-        <p:nvPicPr>
-          <p:cNvPr id="6" name="Picture 2" descr="C:\Users\Mutecsoft_pc\Pictures\a0f91c3a8b0e3154b044a4dc230f5099.jpg"/>
-          <p:cNvPicPr>
-            <a:picLocks noChangeAspect="1" noChangeArrowheads="1"/>
-          </p:cNvPicPr>
-          <p:nvPr/>
-        </p:nvPicPr>
-        <p:blipFill>
-          <a:blip r:embed="rId3">
-            <a:extLst>
-              <a:ext uri="{28A0092B-C50C-407E-A947-70E740481C1C}">
-                <a14:useLocalDpi xmlns:a14="http://schemas.microsoft.com/office/drawing/2010/main" val="0"/>
-              </a:ext>
-            </a:extLst>
-          </a:blip>
-          <a:srcRect/>
-          <a:stretch>
-            <a:fillRect/>
-          </a:stretch>
-        </p:blipFill>
-        <p:spPr bwMode="auto">
-          <a:xfrm>
-            <a:off x="4948186" y="3862741"/>
-            <a:ext cx="4160318" cy="2662604"/>
+            <a:off x="1403648" y="1412776"/>
+            <a:ext cx="5995270" cy="3200007"/>
           </a:xfrm>
           <a:prstGeom prst="rect">
             <a:avLst/>
@@ -7014,7 +7744,7 @@
     </p:spTree>
     <p:extLst>
       <p:ext uri="{BB962C8B-B14F-4D97-AF65-F5344CB8AC3E}">
-        <p14:creationId xmlns:p14="http://schemas.microsoft.com/office/powerpoint/2010/main" val="2498306444"/>
+        <p14:creationId xmlns:p14="http://schemas.microsoft.com/office/powerpoint/2010/main" val="3095731731"/>
       </p:ext>
     </p:extLst>
   </p:cSld>
@@ -7056,8 +7786,8 @@
         </p:nvSpPr>
         <p:spPr>
           <a:xfrm>
-            <a:off x="179512" y="1844824"/>
-            <a:ext cx="8784976" cy="2554545"/>
+            <a:off x="120474" y="429632"/>
+            <a:ext cx="8916022" cy="2554545"/>
           </a:xfrm>
           <a:prstGeom prst="rect">
             <a:avLst/>
@@ -7070,59 +7800,138 @@
           </a:bodyPr>
           <a:lstStyle/>
           <a:p>
-            <a:pPr marL="457200" indent="-457200">
-              <a:buFont typeface="Arial" pitchFamily="34" charset="0"/>
-              <a:buChar char="•"/>
-            </a:pPr>
-            <a:r>
-              <a:rPr lang="ko-KR" altLang="en-US" sz="2800" dirty="0" smtClean="0"/>
-              <a:t>객체 선언</a:t>
-            </a:r>
-            <a:endParaRPr lang="en-US" altLang="ko-KR" sz="2800" dirty="0" smtClean="0"/>
-          </a:p>
-          <a:p>
-            <a:pPr marL="457200" indent="-457200">
-              <a:buFont typeface="Arial" pitchFamily="34" charset="0"/>
-              <a:buChar char="•"/>
-            </a:pPr>
-            <a:endParaRPr lang="en-US" altLang="ko-KR" sz="2800" dirty="0" smtClean="0"/>
-          </a:p>
-          <a:p>
-            <a:endParaRPr lang="en-US" altLang="ko-KR" sz="2400" dirty="0" smtClean="0"/>
-          </a:p>
-          <a:p>
-            <a:endParaRPr lang="en-US" altLang="ko-KR" sz="2400" dirty="0"/>
-          </a:p>
-          <a:p>
-            <a:pPr marL="457200" indent="-457200">
-              <a:buFont typeface="Arial" pitchFamily="34" charset="0"/>
-              <a:buChar char="•"/>
-            </a:pPr>
-            <a:r>
-              <a:rPr lang="ko-KR" altLang="en-US" sz="2800" dirty="0" smtClean="0"/>
-              <a:t>객체 할당</a:t>
-            </a:r>
-            <a:endParaRPr lang="en-US" altLang="ko-KR" sz="2800" dirty="0" smtClean="0"/>
-          </a:p>
-          <a:p>
-            <a:pPr marL="457200" indent="-457200">
-              <a:buFont typeface="Arial" pitchFamily="34" charset="0"/>
-              <a:buChar char="•"/>
-            </a:pPr>
-            <a:endParaRPr lang="en-US" altLang="ko-KR" sz="2800" dirty="0" smtClean="0"/>
-          </a:p>
-        </p:txBody>
-      </p:sp>
-      <p:sp>
-        <p:nvSpPr>
-          <p:cNvPr id="11" name="TextBox 10"/>
+            <a:r>
+              <a:rPr lang="ko-KR" altLang="en-US" sz="2000" dirty="0" smtClean="0"/>
+              <a:t>레이아웃을 선언하려면 코드의 </a:t>
+            </a:r>
+            <a:r>
+              <a:rPr lang="en-US" altLang="ko-KR" sz="2000" dirty="0" smtClean="0"/>
+              <a:t>View </a:t>
+            </a:r>
+            <a:r>
+              <a:rPr lang="ko-KR" altLang="en-US" sz="2000" dirty="0" smtClean="0"/>
+              <a:t>객체를 인스턴트화하고 </a:t>
+            </a:r>
+            <a:r>
+              <a:rPr lang="ko-KR" altLang="en-US" sz="2000" dirty="0" err="1" smtClean="0"/>
+              <a:t>트리를</a:t>
+            </a:r>
+            <a:r>
+              <a:rPr lang="ko-KR" altLang="en-US" sz="2000" dirty="0" smtClean="0"/>
+              <a:t> 구축해도 되고 간편하게 </a:t>
+            </a:r>
+            <a:r>
+              <a:rPr lang="en-US" altLang="ko-KR" sz="2000" dirty="0" smtClean="0"/>
+              <a:t>xml </a:t>
+            </a:r>
+            <a:r>
+              <a:rPr lang="ko-KR" altLang="en-US" sz="2000" dirty="0" smtClean="0"/>
+              <a:t>파일을 사용해도 됩니다</a:t>
+            </a:r>
+            <a:r>
+              <a:rPr lang="en-US" altLang="ko-KR" sz="2000" dirty="0" smtClean="0"/>
+              <a:t>.</a:t>
+            </a:r>
+          </a:p>
+          <a:p>
+            <a:endParaRPr lang="en-US" altLang="ko-KR" sz="2000" dirty="0"/>
+          </a:p>
+          <a:p>
+            <a:r>
+              <a:rPr lang="en-US" altLang="ko-KR" sz="2000" dirty="0" smtClean="0"/>
+              <a:t>xml </a:t>
+            </a:r>
+            <a:r>
+              <a:rPr lang="ko-KR" altLang="en-US" sz="2000" dirty="0" smtClean="0"/>
+              <a:t>에서 사용하는 요소 이름들</a:t>
+            </a:r>
+            <a:r>
+              <a:rPr lang="en-US" altLang="ko-KR" sz="2000" dirty="0" smtClean="0"/>
+              <a:t>(</a:t>
+            </a:r>
+            <a:r>
+              <a:rPr lang="en-US" altLang="ko-KR" sz="2000" dirty="0" err="1" smtClean="0"/>
+              <a:t>LinearLayout</a:t>
+            </a:r>
+            <a:r>
+              <a:rPr lang="en-US" altLang="ko-KR" sz="2000" dirty="0" smtClean="0"/>
+              <a:t>, </a:t>
+            </a:r>
+            <a:r>
+              <a:rPr lang="en-US" altLang="ko-KR" sz="2000" dirty="0" err="1" smtClean="0"/>
+              <a:t>TextView</a:t>
+            </a:r>
+            <a:r>
+              <a:rPr lang="en-US" altLang="ko-KR" sz="2000" dirty="0" smtClean="0"/>
+              <a:t>, Button)</a:t>
+            </a:r>
+            <a:r>
+              <a:rPr lang="ko-KR" altLang="en-US" sz="2000" dirty="0" smtClean="0"/>
+              <a:t>은 </a:t>
+            </a:r>
+            <a:r>
+              <a:rPr lang="ko-KR" altLang="en-US" sz="2000" dirty="0" err="1" smtClean="0"/>
+              <a:t>안드로이드에서</a:t>
+            </a:r>
+            <a:r>
+              <a:rPr lang="ko-KR" altLang="en-US" sz="2000" dirty="0" smtClean="0"/>
+              <a:t> 해당 클래스로  존재합니다</a:t>
+            </a:r>
+            <a:r>
+              <a:rPr lang="en-US" altLang="ko-KR" sz="2000" dirty="0" smtClean="0"/>
+              <a:t>.</a:t>
+            </a:r>
+          </a:p>
+          <a:p>
+            <a:endParaRPr lang="en-US" altLang="ko-KR" sz="2000" dirty="0"/>
+          </a:p>
+          <a:p>
+            <a:r>
+              <a:rPr lang="ko-KR" altLang="en-US" sz="2000" dirty="0" smtClean="0"/>
+              <a:t>코드에서는 레이아웃  리소스</a:t>
+            </a:r>
+            <a:r>
+              <a:rPr lang="en-US" altLang="ko-KR" sz="2000" dirty="0" smtClean="0"/>
+              <a:t>(xml </a:t>
+            </a:r>
+            <a:r>
+              <a:rPr lang="ko-KR" altLang="en-US" sz="2000" dirty="0" smtClean="0"/>
+              <a:t>파일</a:t>
+            </a:r>
+            <a:r>
+              <a:rPr lang="en-US" altLang="ko-KR" sz="2000" dirty="0" smtClean="0"/>
+              <a:t>)</a:t>
+            </a:r>
+            <a:r>
+              <a:rPr lang="ko-KR" altLang="en-US" sz="2000" dirty="0" smtClean="0"/>
+              <a:t>를 </a:t>
+            </a:r>
+            <a:r>
+              <a:rPr lang="en-US" altLang="ko-KR" sz="2000" dirty="0" smtClean="0"/>
+              <a:t>Inflate </a:t>
+            </a:r>
+            <a:r>
+              <a:rPr lang="ko-KR" altLang="en-US" sz="2000" dirty="0" smtClean="0"/>
+              <a:t>해서 객체 상태로 사용합니다</a:t>
+            </a:r>
+            <a:r>
+              <a:rPr lang="en-US" altLang="ko-KR" sz="2000" dirty="0" smtClean="0"/>
+              <a:t>.</a:t>
+            </a:r>
+            <a:endParaRPr lang="ko-KR" altLang="en-US" sz="2000" dirty="0"/>
+          </a:p>
+        </p:txBody>
+      </p:sp>
+      <p:sp>
+        <p:nvSpPr>
+          <p:cNvPr id="7" name="TextBox 6"/>
           <p:cNvSpPr txBox="1"/>
           <p:nvPr/>
         </p:nvSpPr>
         <p:spPr>
           <a:xfrm>
-            <a:off x="304922" y="476672"/>
-            <a:ext cx="6859366" cy="707886"/>
+            <a:off x="107504" y="4437112"/>
+            <a:ext cx="8916022" cy="1323439"/>
           </a:xfrm>
           <a:prstGeom prst="rect">
             <a:avLst/>
@@ -7136,279 +7945,150 @@
           <a:lstStyle/>
           <a:p>
             <a:r>
-              <a:rPr lang="ko-KR" altLang="en-US" sz="4000" b="1" dirty="0" smtClean="0"/>
-              <a:t>센서 구현 과정</a:t>
-            </a:r>
-            <a:endParaRPr lang="ko-KR" altLang="en-US" sz="4000" b="1" dirty="0"/>
-          </a:p>
-        </p:txBody>
-      </p:sp>
-      <p:cxnSp>
-        <p:nvCxnSpPr>
-          <p:cNvPr id="12" name="직선 연결선 11"/>
-          <p:cNvCxnSpPr/>
+              <a:rPr lang="en-US" altLang="ko-KR" sz="2000" dirty="0" smtClean="0"/>
+              <a:t>UI </a:t>
+            </a:r>
+            <a:r>
+              <a:rPr lang="ko-KR" altLang="en-US" sz="2000" dirty="0" smtClean="0"/>
+              <a:t>를 구축할 때 모두 </a:t>
+            </a:r>
+            <a:r>
+              <a:rPr lang="en-US" altLang="ko-KR" sz="2000" dirty="0" smtClean="0"/>
+              <a:t>View </a:t>
+            </a:r>
+            <a:r>
+              <a:rPr lang="ko-KR" altLang="en-US" sz="2000" dirty="0" smtClean="0"/>
+              <a:t>및 </a:t>
+            </a:r>
+            <a:r>
+              <a:rPr lang="en-US" altLang="ko-KR" sz="2000" dirty="0" err="1" smtClean="0"/>
+              <a:t>ViewGroup</a:t>
+            </a:r>
+            <a:r>
+              <a:rPr lang="en-US" altLang="ko-KR" sz="2000" dirty="0" smtClean="0"/>
+              <a:t> </a:t>
+            </a:r>
+            <a:r>
+              <a:rPr lang="ko-KR" altLang="en-US" sz="2000" dirty="0" smtClean="0"/>
+              <a:t>객체를 사용해야 하는 것은 아닙니다</a:t>
+            </a:r>
+            <a:r>
+              <a:rPr lang="en-US" altLang="ko-KR" sz="2000" dirty="0" smtClean="0"/>
+              <a:t>.  </a:t>
+            </a:r>
+            <a:r>
+              <a:rPr lang="ko-KR" altLang="en-US" sz="2000" dirty="0" err="1" smtClean="0"/>
+              <a:t>안드로이드가</a:t>
+            </a:r>
+            <a:r>
+              <a:rPr lang="ko-KR" altLang="en-US" sz="2000" dirty="0" smtClean="0"/>
+              <a:t> 표준형 </a:t>
+            </a:r>
+            <a:r>
+              <a:rPr lang="en-US" altLang="ko-KR" sz="2000" dirty="0" smtClean="0"/>
+              <a:t>UI </a:t>
+            </a:r>
+            <a:r>
+              <a:rPr lang="ko-KR" altLang="en-US" sz="2000" dirty="0" smtClean="0"/>
+              <a:t>레이아웃을 제공하는 </a:t>
+            </a:r>
+            <a:r>
+              <a:rPr lang="ko-KR" altLang="en-US" sz="2000" dirty="0" err="1" smtClean="0"/>
+              <a:t>앱</a:t>
+            </a:r>
+            <a:r>
+              <a:rPr lang="ko-KR" altLang="en-US" sz="2000" dirty="0" smtClean="0"/>
+              <a:t> 컴포넌트</a:t>
+            </a:r>
+            <a:r>
+              <a:rPr lang="en-US" altLang="ko-KR" sz="2000" dirty="0" smtClean="0"/>
+              <a:t>(</a:t>
+            </a:r>
+            <a:r>
+              <a:rPr lang="ko-KR" altLang="en-US" sz="2000" dirty="0" smtClean="0"/>
+              <a:t>액션 </a:t>
+            </a:r>
+            <a:r>
+              <a:rPr lang="ko-KR" altLang="en-US" sz="2000" dirty="0"/>
+              <a:t>바</a:t>
+            </a:r>
+            <a:r>
+              <a:rPr lang="en-US" altLang="ko-KR" sz="2000" dirty="0"/>
+              <a:t>, </a:t>
+            </a:r>
+            <a:r>
+              <a:rPr lang="ko-KR" altLang="en-US" sz="2000" dirty="0"/>
+              <a:t>다이얼로그</a:t>
+            </a:r>
+            <a:r>
+              <a:rPr lang="en-US" altLang="ko-KR" sz="2000" dirty="0"/>
+              <a:t>, </a:t>
+            </a:r>
+            <a:r>
+              <a:rPr lang="ko-KR" altLang="en-US" sz="2000" dirty="0"/>
+              <a:t>상태 알림</a:t>
+            </a:r>
+            <a:r>
+              <a:rPr lang="en-US" altLang="ko-KR" sz="2000" dirty="0" smtClean="0"/>
+              <a:t>)</a:t>
+            </a:r>
+            <a:r>
+              <a:rPr lang="ko-KR" altLang="en-US" sz="2000" dirty="0" smtClean="0"/>
+              <a:t>를 여러 개 제공하므로 이에 대한 </a:t>
+            </a:r>
+            <a:r>
+              <a:rPr lang="ko-KR" altLang="en-US" sz="2000" dirty="0" err="1" smtClean="0"/>
+              <a:t>콘텐츠만</a:t>
+            </a:r>
+            <a:r>
+              <a:rPr lang="ko-KR" altLang="en-US" sz="2000" dirty="0" smtClean="0"/>
+              <a:t> 정의하면 됩니다</a:t>
+            </a:r>
+            <a:r>
+              <a:rPr lang="en-US" altLang="ko-KR" sz="2000" dirty="0" smtClean="0"/>
+              <a:t>.</a:t>
+            </a:r>
+          </a:p>
+        </p:txBody>
+      </p:sp>
+      <p:sp>
+        <p:nvSpPr>
+          <p:cNvPr id="8" name="TextBox 7"/>
+          <p:cNvSpPr txBox="1"/>
           <p:nvPr/>
-        </p:nvCxnSpPr>
+        </p:nvSpPr>
         <p:spPr>
           <a:xfrm>
-            <a:off x="412704" y="1484784"/>
-            <a:ext cx="7327648" cy="0"/>
-          </a:xfrm>
-          <a:prstGeom prst="line">
-            <a:avLst/>
-          </a:prstGeom>
-          <a:ln/>
-        </p:spPr>
-        <p:style>
-          <a:lnRef idx="2">
-            <a:schemeClr val="accent1"/>
-          </a:lnRef>
-          <a:fillRef idx="0">
-            <a:schemeClr val="accent1"/>
-          </a:fillRef>
-          <a:effectRef idx="1">
-            <a:schemeClr val="accent1"/>
-          </a:effectRef>
-          <a:fontRef idx="minor">
-            <a:schemeClr val="tx1"/>
-          </a:fontRef>
-        </p:style>
-      </p:cxnSp>
-      <p:sp>
-        <p:nvSpPr>
-          <p:cNvPr id="7" name="TextBox 6"/>
-          <p:cNvSpPr txBox="1"/>
-          <p:nvPr/>
-        </p:nvSpPr>
-        <p:spPr>
-          <a:xfrm>
-            <a:off x="539552" y="2494637"/>
-            <a:ext cx="6768752" cy="646331"/>
+            <a:off x="232914" y="3205424"/>
+            <a:ext cx="4190571" cy="646331"/>
           </a:xfrm>
           <a:prstGeom prst="rect">
             <a:avLst/>
           </a:prstGeom>
+          <a:noFill/>
         </p:spPr>
-        <p:style>
-          <a:lnRef idx="1">
-            <a:schemeClr val="accent6"/>
-          </a:lnRef>
-          <a:fillRef idx="2">
-            <a:schemeClr val="accent6"/>
-          </a:fillRef>
-          <a:effectRef idx="1">
-            <a:schemeClr val="accent6"/>
-          </a:effectRef>
-          <a:fontRef idx="minor">
-            <a:schemeClr val="dk1"/>
-          </a:fontRef>
-        </p:style>
-        <p:txBody>
-          <a:bodyPr wrap="square" rtlCol="0">
+        <p:txBody>
+          <a:bodyPr wrap="none" rtlCol="0">
             <a:spAutoFit/>
           </a:bodyPr>
           <a:lstStyle/>
           <a:p>
-            <a:r>
-              <a:rPr lang="en-US" altLang="ko-KR" b="1" dirty="0"/>
-              <a:t>private </a:t>
-            </a:r>
-            <a:r>
-              <a:rPr lang="en-US" altLang="ko-KR" dirty="0" err="1"/>
-              <a:t>SensorManager</a:t>
-            </a:r>
-            <a:r>
-              <a:rPr lang="en-US" altLang="ko-KR" dirty="0"/>
-              <a:t> </a:t>
-            </a:r>
-            <a:r>
-              <a:rPr lang="en-US" altLang="ko-KR" b="1" dirty="0" err="1"/>
-              <a:t>sensorManager</a:t>
-            </a:r>
-            <a:r>
-              <a:rPr lang="en-US" altLang="ko-KR" dirty="0"/>
-              <a:t>;</a:t>
-            </a:r>
-            <a:br>
-              <a:rPr lang="en-US" altLang="ko-KR" dirty="0"/>
-            </a:br>
-            <a:r>
-              <a:rPr lang="en-US" altLang="ko-KR" b="1" dirty="0"/>
-              <a:t>private </a:t>
-            </a:r>
-            <a:r>
-              <a:rPr lang="en-US" altLang="ko-KR" dirty="0"/>
-              <a:t>Sensor </a:t>
-            </a:r>
-            <a:r>
-              <a:rPr lang="en-US" altLang="ko-KR" b="1" dirty="0" err="1"/>
-              <a:t>accelerormeterSensor</a:t>
-            </a:r>
-            <a:r>
-              <a:rPr lang="en-US" altLang="ko-KR" dirty="0"/>
-              <a:t>;</a:t>
-            </a:r>
-          </a:p>
-        </p:txBody>
-      </p:sp>
-      <p:sp>
-        <p:nvSpPr>
-          <p:cNvPr id="8" name="TextBox 7"/>
-          <p:cNvSpPr txBox="1"/>
-          <p:nvPr/>
-        </p:nvSpPr>
-        <p:spPr>
-          <a:xfrm>
-            <a:off x="539552" y="4194954"/>
-            <a:ext cx="7848872" cy="1754326"/>
-          </a:xfrm>
-          <a:prstGeom prst="rect">
-            <a:avLst/>
-          </a:prstGeom>
-        </p:spPr>
-        <p:style>
-          <a:lnRef idx="1">
-            <a:schemeClr val="accent6"/>
-          </a:lnRef>
-          <a:fillRef idx="2">
-            <a:schemeClr val="accent6"/>
-          </a:fillRef>
-          <a:effectRef idx="1">
-            <a:schemeClr val="accent6"/>
-          </a:effectRef>
-          <a:fontRef idx="minor">
-            <a:schemeClr val="dk1"/>
-          </a:fontRef>
-        </p:style>
-        <p:txBody>
-          <a:bodyPr wrap="square" rtlCol="0">
-            <a:spAutoFit/>
-          </a:bodyPr>
-          <a:lstStyle/>
-          <a:p>
-            <a:r>
-              <a:rPr lang="en-US" altLang="ko-KR" i="1" dirty="0"/>
-              <a:t>// </a:t>
-            </a:r>
-            <a:r>
-              <a:rPr lang="en-US" altLang="ko-KR" i="1" dirty="0" err="1"/>
-              <a:t>SensorManager</a:t>
-            </a:r>
-            <a:r>
-              <a:rPr lang="en-US" altLang="ko-KR" i="1" dirty="0"/>
-              <a:t> </a:t>
-            </a:r>
-            <a:r>
-              <a:rPr lang="ko-KR" altLang="en-US" i="1" dirty="0" err="1"/>
-              <a:t>인스턴스를</a:t>
-            </a:r>
-            <a:r>
-              <a:rPr lang="ko-KR" altLang="en-US" i="1" dirty="0"/>
-              <a:t> 가져옴</a:t>
-            </a:r>
-            <a:br>
-              <a:rPr lang="ko-KR" altLang="en-US" i="1" dirty="0"/>
-            </a:br>
-            <a:r>
-              <a:rPr lang="en-US" altLang="ko-KR" b="1" dirty="0" err="1"/>
-              <a:t>sensorManager</a:t>
-            </a:r>
-            <a:r>
-              <a:rPr lang="en-US" altLang="ko-KR" b="1" dirty="0"/>
-              <a:t> </a:t>
-            </a:r>
-            <a:r>
-              <a:rPr lang="en-US" altLang="ko-KR" dirty="0"/>
-              <a:t>= (</a:t>
-            </a:r>
-            <a:r>
-              <a:rPr lang="en-US" altLang="ko-KR" dirty="0" err="1"/>
-              <a:t>SensorManager</a:t>
-            </a:r>
-            <a:r>
-              <a:rPr lang="en-US" altLang="ko-KR" dirty="0"/>
-              <a:t>)</a:t>
-            </a:r>
-            <a:r>
-              <a:rPr lang="en-US" altLang="ko-KR" dirty="0" err="1"/>
-              <a:t>getSystemService</a:t>
-            </a:r>
-            <a:r>
-              <a:rPr lang="en-US" altLang="ko-KR" dirty="0"/>
-              <a:t>(</a:t>
-            </a:r>
-            <a:r>
-              <a:rPr lang="en-US" altLang="ko-KR" b="1" i="1" dirty="0"/>
-              <a:t>SENSOR_SERVICE</a:t>
-            </a:r>
-            <a:r>
-              <a:rPr lang="en-US" altLang="ko-KR" dirty="0"/>
-              <a:t>);</a:t>
-            </a:r>
-            <a:br>
-              <a:rPr lang="en-US" altLang="ko-KR" dirty="0"/>
-            </a:br>
-            <a:endParaRPr lang="en-US" altLang="ko-KR" dirty="0"/>
-          </a:p>
-          <a:p>
-            <a:r>
-              <a:rPr lang="en-US" altLang="ko-KR" i="1" dirty="0"/>
-              <a:t>// </a:t>
-            </a:r>
-            <a:r>
-              <a:rPr lang="ko-KR" altLang="en-US" i="1" dirty="0"/>
-              <a:t>가속도 센서</a:t>
-            </a:r>
-            <a:r>
-              <a:rPr lang="ko-KR" altLang="en-US" sz="2000" i="1" dirty="0"/>
-              <a:t/>
-            </a:r>
-            <a:br>
-              <a:rPr lang="ko-KR" altLang="en-US" sz="2000" i="1" dirty="0"/>
-            </a:br>
-            <a:r>
-              <a:rPr lang="en-US" altLang="ko-KR" b="1" dirty="0" err="1"/>
-              <a:t>accelerormeterSensor</a:t>
-            </a:r>
-            <a:r>
-              <a:rPr lang="en-US" altLang="ko-KR" b="1" dirty="0"/>
-              <a:t> </a:t>
-            </a:r>
-            <a:r>
-              <a:rPr lang="en-US" altLang="ko-KR" dirty="0"/>
-              <a:t>= </a:t>
-            </a:r>
-            <a:r>
-              <a:rPr lang="en-US" altLang="ko-KR" b="1" dirty="0" err="1"/>
-              <a:t>sensorManager</a:t>
-            </a:r>
-            <a:r>
-              <a:rPr lang="en-US" altLang="ko-KR" dirty="0" err="1"/>
-              <a:t>.getDefaultSensor</a:t>
-            </a:r>
-            <a:r>
-              <a:rPr lang="en-US" altLang="ko-KR" dirty="0"/>
-              <a:t>(</a:t>
-            </a:r>
-            <a:r>
-              <a:rPr lang="en-US" altLang="ko-KR" dirty="0" err="1"/>
-              <a:t>Sensor.</a:t>
-            </a:r>
-            <a:r>
-              <a:rPr lang="en-US" altLang="ko-KR" b="1" i="1" dirty="0" err="1"/>
-              <a:t>TYPE_ACCELEROMETER</a:t>
-            </a:r>
-            <a:r>
-              <a:rPr lang="en-US" altLang="ko-KR" dirty="0"/>
-              <a:t>);</a:t>
-            </a:r>
+            <a:pPr marL="571500" indent="-571500">
+              <a:buFont typeface="Arial" pitchFamily="34" charset="0"/>
+              <a:buChar char="•"/>
+            </a:pPr>
+            <a:r>
+              <a:rPr lang="en-US" altLang="ko-KR" sz="3600" b="1" dirty="0" smtClean="0"/>
+              <a:t>UI Components</a:t>
+            </a:r>
+            <a:endParaRPr lang="ko-KR" altLang="en-US" sz="3600" b="1" dirty="0"/>
           </a:p>
         </p:txBody>
       </p:sp>
     </p:spTree>
     <p:extLst>
       <p:ext uri="{BB962C8B-B14F-4D97-AF65-F5344CB8AC3E}">
-        <p14:creationId xmlns:p14="http://schemas.microsoft.com/office/powerpoint/2010/main" val="648611408"/>
+        <p14:creationId xmlns:p14="http://schemas.microsoft.com/office/powerpoint/2010/main" val="557952983"/>
       </p:ext>
     </p:extLst>
   </p:cSld>
@@ -7444,14 +8124,14 @@
       </p:grpSpPr>
       <p:sp>
         <p:nvSpPr>
-          <p:cNvPr id="3" name="TextBox 2"/>
+          <p:cNvPr id="7" name="TextBox 6"/>
           <p:cNvSpPr txBox="1"/>
           <p:nvPr/>
         </p:nvSpPr>
         <p:spPr>
           <a:xfrm>
-            <a:off x="179512" y="332656"/>
-            <a:ext cx="8784976" cy="1754326"/>
+            <a:off x="107504" y="1124744"/>
+            <a:ext cx="8916022" cy="707886"/>
           </a:xfrm>
           <a:prstGeom prst="rect">
             <a:avLst/>
@@ -7464,196 +8144,75 @@
           </a:bodyPr>
           <a:lstStyle/>
           <a:p>
-            <a:pPr marL="457200" indent="-457200">
-              <a:buFont typeface="Arial" pitchFamily="34" charset="0"/>
-              <a:buChar char="•"/>
-            </a:pPr>
-            <a:r>
-              <a:rPr lang="ko-KR" altLang="en-US" sz="2800" dirty="0" smtClean="0"/>
-              <a:t>센서 이벤트 정의</a:t>
-            </a:r>
-            <a:endParaRPr lang="en-US" altLang="ko-KR" sz="2800" dirty="0" smtClean="0"/>
-          </a:p>
-          <a:p>
-            <a:endParaRPr lang="ko-KR" altLang="en-US" sz="2000" dirty="0"/>
-          </a:p>
-          <a:p>
-            <a:r>
-              <a:rPr lang="ko-KR" altLang="en-US" sz="2000" dirty="0"/>
-              <a:t>이벤트를 처리하기 위해서는 </a:t>
-            </a:r>
-            <a:r>
-              <a:rPr lang="en-US" altLang="ko-KR" sz="2000" dirty="0" err="1"/>
-              <a:t>SensorEventListener</a:t>
-            </a:r>
-            <a:r>
-              <a:rPr lang="en-US" altLang="ko-KR" sz="2000" dirty="0"/>
+            <a:r>
+              <a:rPr lang="ko-KR" altLang="en-US" sz="2000" dirty="0" smtClean="0"/>
+              <a:t>직접적으로 보이며 </a:t>
+            </a:r>
+            <a:r>
+              <a:rPr lang="en-US" altLang="ko-KR" sz="2000" dirty="0" smtClean="0"/>
+              <a:t>UI </a:t>
+            </a:r>
+            <a:r>
+              <a:rPr lang="ko-KR" altLang="en-US" sz="2000" dirty="0" smtClean="0"/>
+              <a:t>를 구성한다</a:t>
+            </a:r>
+            <a:r>
+              <a:rPr lang="en-US" altLang="ko-KR" sz="2000" dirty="0" smtClean="0"/>
+              <a:t>. Button, </a:t>
+            </a:r>
+            <a:r>
+              <a:rPr lang="en-US" altLang="ko-KR" sz="2000" dirty="0" err="1" smtClean="0"/>
+              <a:t>TextView</a:t>
+            </a:r>
+            <a:r>
+              <a:rPr lang="en-US" altLang="ko-KR" sz="2000" dirty="0" smtClean="0"/>
+              <a:t>, </a:t>
+            </a:r>
+            <a:r>
+              <a:rPr lang="en-US" altLang="ko-KR" sz="2000" dirty="0" err="1" smtClean="0"/>
+              <a:t>EditText</a:t>
+            </a:r>
+            <a:r>
+              <a:rPr lang="en-US" altLang="ko-KR" sz="2000" dirty="0" smtClean="0"/>
+              <a:t>, </a:t>
+            </a:r>
+            <a:r>
+              <a:rPr lang="en-US" altLang="ko-KR" sz="2000" dirty="0" err="1" smtClean="0"/>
+              <a:t>RadioButton</a:t>
+            </a:r>
+            <a:r>
+              <a:rPr lang="en-US" altLang="ko-KR" sz="2000" dirty="0" smtClean="0"/>
               <a:t> </a:t>
             </a:r>
             <a:r>
-              <a:rPr lang="ko-KR" altLang="en-US" sz="2000" dirty="0"/>
-              <a:t>인터페이스를 상속하고 필요한 </a:t>
+              <a:rPr lang="ko-KR" altLang="en-US" sz="2000" dirty="0" smtClean="0"/>
+              <a:t>등이 </a:t>
             </a:r>
             <a:r>
               <a:rPr lang="ko-KR" altLang="en-US" sz="2000" dirty="0" err="1" smtClean="0"/>
-              <a:t>메서드들을</a:t>
-            </a:r>
-            <a:r>
-              <a:rPr lang="ko-KR" altLang="en-US" sz="2000" dirty="0" smtClean="0"/>
-              <a:t> </a:t>
-            </a:r>
-            <a:r>
-              <a:rPr lang="ko-KR" altLang="en-US" sz="2000" dirty="0"/>
-              <a:t>재정의해야 합니다</a:t>
-            </a:r>
-            <a:r>
-              <a:rPr lang="en-US" altLang="ko-KR" sz="2000" dirty="0"/>
-              <a:t>. </a:t>
-            </a:r>
-            <a:r>
-              <a:rPr lang="ko-KR" altLang="en-US" sz="2000" dirty="0"/>
-              <a:t>이 때</a:t>
-            </a:r>
-            <a:r>
-              <a:rPr lang="en-US" altLang="ko-KR" sz="2000" dirty="0"/>
-              <a:t>, </a:t>
-            </a:r>
-            <a:r>
-              <a:rPr lang="ko-KR" altLang="en-US" sz="2000" dirty="0"/>
-              <a:t>재정의 해야 하는 </a:t>
-            </a:r>
-            <a:r>
-              <a:rPr lang="ko-KR" altLang="en-US" sz="2000" dirty="0" err="1"/>
-              <a:t>메서드는</a:t>
-            </a:r>
-            <a:r>
-              <a:rPr lang="ko-KR" altLang="en-US" sz="2000" dirty="0"/>
-              <a:t> 다음의 두 가지가 있습니다</a:t>
+              <a:t>위젯이며</a:t>
+            </a:r>
+            <a:r>
+              <a:rPr lang="ko-KR" altLang="en-US" sz="2000" dirty="0" smtClean="0"/>
+              <a:t> 흔히 컨트롤이라고 부른다</a:t>
             </a:r>
             <a:r>
               <a:rPr lang="en-US" altLang="ko-KR" sz="2000" dirty="0" smtClean="0"/>
               <a:t>.</a:t>
             </a:r>
-            <a:endParaRPr lang="ko-KR" altLang="en-US" sz="2000" dirty="0"/>
-          </a:p>
-        </p:txBody>
-      </p:sp>
-      <p:sp>
-        <p:nvSpPr>
-          <p:cNvPr id="2" name="TextBox 1"/>
+          </a:p>
+        </p:txBody>
+      </p:sp>
+      <p:sp>
+        <p:nvSpPr>
+          <p:cNvPr id="8" name="TextBox 7"/>
           <p:cNvSpPr txBox="1"/>
           <p:nvPr/>
         </p:nvSpPr>
         <p:spPr>
           <a:xfrm>
-            <a:off x="971600" y="2492896"/>
-            <a:ext cx="6768752" cy="1200329"/>
-          </a:xfrm>
-          <a:prstGeom prst="rect">
-            <a:avLst/>
-          </a:prstGeom>
-        </p:spPr>
-        <p:style>
-          <a:lnRef idx="1">
-            <a:schemeClr val="accent6"/>
-          </a:lnRef>
-          <a:fillRef idx="2">
-            <a:schemeClr val="accent6"/>
-          </a:fillRef>
-          <a:effectRef idx="1">
-            <a:schemeClr val="accent6"/>
-          </a:effectRef>
-          <a:fontRef idx="minor">
-            <a:schemeClr val="dk1"/>
-          </a:fontRef>
-        </p:style>
-        <p:txBody>
-          <a:bodyPr wrap="square" rtlCol="0">
-            <a:spAutoFit/>
-          </a:bodyPr>
-          <a:lstStyle/>
-          <a:p>
-            <a:r>
-              <a:rPr lang="en-US" altLang="ko-KR" b="1" dirty="0"/>
-              <a:t>public void </a:t>
-            </a:r>
-            <a:r>
-              <a:rPr lang="en-US" altLang="ko-KR" dirty="0" err="1"/>
-              <a:t>onAccuracyChanged</a:t>
-            </a:r>
-            <a:r>
-              <a:rPr lang="en-US" altLang="ko-KR" dirty="0"/>
-              <a:t>(Sensor </a:t>
-            </a:r>
-            <a:r>
-              <a:rPr lang="en-US" altLang="ko-KR" dirty="0" err="1"/>
-              <a:t>sensor</a:t>
-            </a:r>
-            <a:r>
-              <a:rPr lang="en-US" altLang="ko-KR" dirty="0"/>
-              <a:t>, </a:t>
-            </a:r>
-            <a:r>
-              <a:rPr lang="en-US" altLang="ko-KR" b="1" dirty="0" err="1"/>
-              <a:t>int</a:t>
-            </a:r>
-            <a:r>
-              <a:rPr lang="en-US" altLang="ko-KR" b="1" dirty="0"/>
-              <a:t> </a:t>
-            </a:r>
-            <a:r>
-              <a:rPr lang="en-US" altLang="ko-KR" dirty="0"/>
-              <a:t>accuracy</a:t>
-            </a:r>
-            <a:r>
-              <a:rPr lang="en-US" altLang="ko-KR" dirty="0" smtClean="0"/>
-              <a:t>)</a:t>
-            </a:r>
-          </a:p>
-          <a:p>
-            <a:endParaRPr lang="en-US" altLang="ko-KR" dirty="0"/>
-          </a:p>
-          <a:p>
-            <a:r>
-              <a:rPr lang="en-US" altLang="ko-KR" b="1" dirty="0"/>
-              <a:t>public void </a:t>
-            </a:r>
-            <a:r>
-              <a:rPr lang="en-US" altLang="ko-KR" dirty="0" err="1"/>
-              <a:t>onSensorChanged</a:t>
-            </a:r>
-            <a:r>
-              <a:rPr lang="en-US" altLang="ko-KR" dirty="0"/>
-              <a:t>(</a:t>
-            </a:r>
-            <a:r>
-              <a:rPr lang="en-US" altLang="ko-KR" dirty="0" err="1"/>
-              <a:t>SensorEvent</a:t>
-            </a:r>
-            <a:r>
-              <a:rPr lang="en-US" altLang="ko-KR" dirty="0"/>
-              <a:t> event</a:t>
-            </a:r>
-            <a:r>
-              <a:rPr lang="en-US" altLang="ko-KR" dirty="0" smtClean="0"/>
-              <a:t>)</a:t>
-            </a:r>
-          </a:p>
-          <a:p>
-            <a:endParaRPr lang="en-US" altLang="ko-KR" dirty="0"/>
-          </a:p>
-        </p:txBody>
-      </p:sp>
-      <p:sp>
-        <p:nvSpPr>
-          <p:cNvPr id="4" name="TextBox 3"/>
-          <p:cNvSpPr txBox="1"/>
-          <p:nvPr/>
-        </p:nvSpPr>
-        <p:spPr>
-          <a:xfrm>
-            <a:off x="251520" y="4154304"/>
-            <a:ext cx="8640960" cy="1938992"/>
+            <a:off x="265527" y="332656"/>
+            <a:ext cx="1991251" cy="646331"/>
           </a:xfrm>
           <a:prstGeom prst="rect">
             <a:avLst/>
@@ -7661,103 +8220,68 @@
           <a:noFill/>
         </p:spPr>
         <p:txBody>
-          <a:bodyPr wrap="square" rtlCol="0">
+          <a:bodyPr wrap="none" rtlCol="0">
             <a:spAutoFit/>
           </a:bodyPr>
           <a:lstStyle/>
           <a:p>
-            <a:r>
-              <a:rPr lang="en-US" altLang="ko-KR" sz="2000" b="1" dirty="0" err="1"/>
-              <a:t>onAccuracyChanged</a:t>
-            </a:r>
-            <a:r>
-              <a:rPr lang="en-US" altLang="ko-KR" sz="2000" b="1" dirty="0"/>
-              <a:t>() </a:t>
-            </a:r>
-            <a:r>
-              <a:rPr lang="ko-KR" altLang="en-US" sz="2000" dirty="0" err="1"/>
-              <a:t>메서드는</a:t>
-            </a:r>
-            <a:r>
-              <a:rPr lang="ko-KR" altLang="en-US" sz="2000" dirty="0"/>
-              <a:t> 센서의 정확도가 변경될 경우 호출됩니다</a:t>
-            </a:r>
-            <a:r>
-              <a:rPr lang="en-US" altLang="ko-KR" sz="2000" dirty="0"/>
-              <a:t>. </a:t>
-            </a:r>
-            <a:r>
-              <a:rPr lang="ko-KR" altLang="en-US" sz="2000" dirty="0"/>
-              <a:t>일반적으로 잘 사용하지 않는 기능입니다</a:t>
-            </a:r>
-            <a:r>
-              <a:rPr lang="en-US" altLang="ko-KR" sz="2000" dirty="0"/>
-              <a:t>.</a:t>
-            </a:r>
-          </a:p>
-          <a:p>
-            <a:endParaRPr lang="en-US" altLang="ko-KR" sz="2000" dirty="0"/>
-          </a:p>
-          <a:p>
-            <a:r>
-              <a:rPr lang="en-US" altLang="ko-KR" sz="2000" b="1" dirty="0" err="1"/>
-              <a:t>onSensorChanged</a:t>
-            </a:r>
-            <a:r>
-              <a:rPr lang="en-US" altLang="ko-KR" sz="2000" b="1" dirty="0"/>
-              <a:t>() </a:t>
-            </a:r>
-            <a:r>
-              <a:rPr lang="ko-KR" altLang="en-US" sz="2000" dirty="0" err="1"/>
-              <a:t>메서드는</a:t>
-            </a:r>
-            <a:r>
-              <a:rPr lang="ko-KR" altLang="en-US" sz="2000" dirty="0"/>
-              <a:t> </a:t>
-            </a:r>
-            <a:r>
-              <a:rPr lang="ko-KR" altLang="en-US" sz="2000" dirty="0" smtClean="0"/>
-              <a:t>좌표 값이 </a:t>
-            </a:r>
-            <a:r>
-              <a:rPr lang="ko-KR" altLang="en-US" sz="2000" dirty="0"/>
-              <a:t>변경될 경우 호출됩니다</a:t>
-            </a:r>
-            <a:r>
-              <a:rPr lang="en-US" altLang="ko-KR" sz="2000" dirty="0"/>
-              <a:t>. </a:t>
-            </a:r>
-            <a:r>
-              <a:rPr lang="ko-KR" altLang="en-US" sz="2000" dirty="0"/>
-              <a:t>즉</a:t>
-            </a:r>
-            <a:r>
-              <a:rPr lang="en-US" altLang="ko-KR" sz="2000" dirty="0"/>
-              <a:t>, </a:t>
-            </a:r>
-            <a:r>
-              <a:rPr lang="ko-KR" altLang="en-US" sz="2000" dirty="0"/>
-              <a:t>핸드폰이 움직일 경우 호출되는 </a:t>
-            </a:r>
-            <a:r>
-              <a:rPr lang="ko-KR" altLang="en-US" sz="2000" dirty="0" err="1"/>
-              <a:t>메서드이기</a:t>
-            </a:r>
-            <a:r>
-              <a:rPr lang="ko-KR" altLang="en-US" sz="2000" dirty="0"/>
-              <a:t> 때문에 이 곳에서 필요한 처리를 수행해야 합니다</a:t>
-            </a:r>
-            <a:r>
-              <a:rPr lang="en-US" altLang="ko-KR" sz="2000" dirty="0"/>
-              <a:t>.</a:t>
-            </a:r>
-          </a:p>
-        </p:txBody>
-      </p:sp>
+            <a:pPr marL="742950" indent="-742950">
+              <a:buFont typeface="+mj-lt"/>
+              <a:buAutoNum type="arabicPeriod"/>
+            </a:pPr>
+            <a:r>
+              <a:rPr lang="en-US" altLang="ko-KR" sz="3600" b="1" dirty="0" smtClean="0"/>
+              <a:t>View</a:t>
+            </a:r>
+            <a:endParaRPr lang="ko-KR" altLang="en-US" sz="3600" b="1" dirty="0"/>
+          </a:p>
+        </p:txBody>
+      </p:sp>
+      <p:pic>
+        <p:nvPicPr>
+          <p:cNvPr id="7170" name="Picture 2" descr="C:\Users\Mutecsoft_pc\Pictures\111.jpg"/>
+          <p:cNvPicPr>
+            <a:picLocks noChangeAspect="1" noChangeArrowheads="1"/>
+          </p:cNvPicPr>
+          <p:nvPr/>
+        </p:nvPicPr>
+        <p:blipFill>
+          <a:blip r:embed="rId2">
+            <a:extLst>
+              <a:ext uri="{28A0092B-C50C-407E-A947-70E740481C1C}">
+                <a14:useLocalDpi xmlns:a14="http://schemas.microsoft.com/office/drawing/2010/main" val="0"/>
+              </a:ext>
+            </a:extLst>
+          </a:blip>
+          <a:srcRect/>
+          <a:stretch>
+            <a:fillRect/>
+          </a:stretch>
+        </p:blipFill>
+        <p:spPr bwMode="auto">
+          <a:xfrm>
+            <a:off x="613860" y="2132856"/>
+            <a:ext cx="7774564" cy="4392488"/>
+          </a:xfrm>
+          <a:prstGeom prst="rect">
+            <a:avLst/>
+          </a:prstGeom>
+          <a:noFill/>
+          <a:extLst>
+            <a:ext uri="{909E8E84-426E-40DD-AFC4-6F175D3DCCD1}">
+              <a14:hiddenFill xmlns:a14="http://schemas.microsoft.com/office/drawing/2010/main">
+                <a:solidFill>
+                  <a:srgbClr val="FFFFFF"/>
+                </a:solidFill>
+              </a14:hiddenFill>
+            </a:ext>
+          </a:extLst>
+        </p:spPr>
+      </p:pic>
     </p:spTree>
     <p:extLst>
       <p:ext uri="{BB962C8B-B14F-4D97-AF65-F5344CB8AC3E}">
-        <p14:creationId xmlns:p14="http://schemas.microsoft.com/office/powerpoint/2010/main" val="641397546"/>
+        <p14:creationId xmlns:p14="http://schemas.microsoft.com/office/powerpoint/2010/main" val="2578237418"/>
       </p:ext>
     </p:extLst>
   </p:cSld>

--- a/안드로이드 UI.pptx
+++ b/안드로이드 UI.pptx
@@ -5,29 +5,38 @@
     <p:sldMasterId id="2147483648" r:id="rId1"/>
   </p:sldMasterIdLst>
   <p:notesMasterIdLst>
-    <p:notesMasterId r:id="rId22"/>
+    <p:notesMasterId r:id="rId31"/>
   </p:notesMasterIdLst>
   <p:sldIdLst>
     <p:sldId id="258" r:id="rId2"/>
     <p:sldId id="353" r:id="rId3"/>
     <p:sldId id="257" r:id="rId4"/>
-    <p:sldId id="356" r:id="rId5"/>
-    <p:sldId id="354" r:id="rId6"/>
-    <p:sldId id="355" r:id="rId7"/>
-    <p:sldId id="328" r:id="rId8"/>
-    <p:sldId id="329" r:id="rId9"/>
-    <p:sldId id="351" r:id="rId10"/>
-    <p:sldId id="352" r:id="rId11"/>
-    <p:sldId id="330" r:id="rId12"/>
-    <p:sldId id="331" r:id="rId13"/>
-    <p:sldId id="332" r:id="rId14"/>
-    <p:sldId id="336" r:id="rId15"/>
-    <p:sldId id="305" r:id="rId16"/>
-    <p:sldId id="337" r:id="rId17"/>
-    <p:sldId id="338" r:id="rId18"/>
-    <p:sldId id="339" r:id="rId19"/>
-    <p:sldId id="340" r:id="rId20"/>
-    <p:sldId id="341" r:id="rId21"/>
+    <p:sldId id="358" r:id="rId5"/>
+    <p:sldId id="360" r:id="rId6"/>
+    <p:sldId id="361" r:id="rId7"/>
+    <p:sldId id="362" r:id="rId8"/>
+    <p:sldId id="357" r:id="rId9"/>
+    <p:sldId id="364" r:id="rId10"/>
+    <p:sldId id="365" r:id="rId11"/>
+    <p:sldId id="367" r:id="rId12"/>
+    <p:sldId id="368" r:id="rId13"/>
+    <p:sldId id="366" r:id="rId14"/>
+    <p:sldId id="354" r:id="rId15"/>
+    <p:sldId id="355" r:id="rId16"/>
+    <p:sldId id="328" r:id="rId17"/>
+    <p:sldId id="329" r:id="rId18"/>
+    <p:sldId id="351" r:id="rId19"/>
+    <p:sldId id="352" r:id="rId20"/>
+    <p:sldId id="330" r:id="rId21"/>
+    <p:sldId id="331" r:id="rId22"/>
+    <p:sldId id="332" r:id="rId23"/>
+    <p:sldId id="336" r:id="rId24"/>
+    <p:sldId id="305" r:id="rId25"/>
+    <p:sldId id="337" r:id="rId26"/>
+    <p:sldId id="338" r:id="rId27"/>
+    <p:sldId id="339" r:id="rId28"/>
+    <p:sldId id="340" r:id="rId29"/>
+    <p:sldId id="341" r:id="rId30"/>
   </p:sldIdLst>
   <p:sldSz cx="9144000" cy="6858000" type="screen4x3"/>
   <p:notesSz cx="6858000" cy="9144000"/>
@@ -227,7 +236,7 @@
           <a:p>
             <a:fld id="{73B52958-36A3-49D5-9CEA-C56256E835C4}" type="datetimeFigureOut">
               <a:rPr lang="ko-KR" altLang="en-US" smtClean="0"/>
-              <a:t>2016-04-08</a:t>
+              <a:t>2016-04-11</a:t>
             </a:fld>
             <a:endParaRPr lang="ko-KR" altLang="en-US"/>
           </a:p>
@@ -560,7 +569,7 @@
           <a:p>
             <a:fld id="{8FC4E4D4-802B-454F-BEEA-4D93AD0AFC5A}" type="slidenum">
               <a:rPr lang="ko-KR" altLang="en-US" smtClean="0"/>
-              <a:t>10</a:t>
+              <a:t>19</a:t>
             </a:fld>
             <a:endParaRPr lang="ko-KR" altLang="en-US"/>
           </a:p>
@@ -760,7 +769,7 @@
           <a:p>
             <a:fld id="{7BBE1449-B994-46CA-8C66-9319FCA2F4E0}" type="datetimeFigureOut">
               <a:rPr lang="ko-KR" altLang="en-US" smtClean="0"/>
-              <a:t>2016-04-08</a:t>
+              <a:t>2016-04-11</a:t>
             </a:fld>
             <a:endParaRPr lang="ko-KR" altLang="en-US"/>
           </a:p>
@@ -930,7 +939,7 @@
           <a:p>
             <a:fld id="{7BBE1449-B994-46CA-8C66-9319FCA2F4E0}" type="datetimeFigureOut">
               <a:rPr lang="ko-KR" altLang="en-US" smtClean="0"/>
-              <a:t>2016-04-08</a:t>
+              <a:t>2016-04-11</a:t>
             </a:fld>
             <a:endParaRPr lang="ko-KR" altLang="en-US"/>
           </a:p>
@@ -1110,7 +1119,7 @@
           <a:p>
             <a:fld id="{7BBE1449-B994-46CA-8C66-9319FCA2F4E0}" type="datetimeFigureOut">
               <a:rPr lang="ko-KR" altLang="en-US" smtClean="0"/>
-              <a:t>2016-04-08</a:t>
+              <a:t>2016-04-11</a:t>
             </a:fld>
             <a:endParaRPr lang="ko-KR" altLang="en-US"/>
           </a:p>
@@ -1280,7 +1289,7 @@
           <a:p>
             <a:fld id="{7BBE1449-B994-46CA-8C66-9319FCA2F4E0}" type="datetimeFigureOut">
               <a:rPr lang="ko-KR" altLang="en-US" smtClean="0"/>
-              <a:t>2016-04-08</a:t>
+              <a:t>2016-04-11</a:t>
             </a:fld>
             <a:endParaRPr lang="ko-KR" altLang="en-US"/>
           </a:p>
@@ -1526,7 +1535,7 @@
           <a:p>
             <a:fld id="{7BBE1449-B994-46CA-8C66-9319FCA2F4E0}" type="datetimeFigureOut">
               <a:rPr lang="ko-KR" altLang="en-US" smtClean="0"/>
-              <a:t>2016-04-08</a:t>
+              <a:t>2016-04-11</a:t>
             </a:fld>
             <a:endParaRPr lang="ko-KR" altLang="en-US"/>
           </a:p>
@@ -1814,7 +1823,7 @@
           <a:p>
             <a:fld id="{7BBE1449-B994-46CA-8C66-9319FCA2F4E0}" type="datetimeFigureOut">
               <a:rPr lang="ko-KR" altLang="en-US" smtClean="0"/>
-              <a:t>2016-04-08</a:t>
+              <a:t>2016-04-11</a:t>
             </a:fld>
             <a:endParaRPr lang="ko-KR" altLang="en-US"/>
           </a:p>
@@ -2236,7 +2245,7 @@
           <a:p>
             <a:fld id="{7BBE1449-B994-46CA-8C66-9319FCA2F4E0}" type="datetimeFigureOut">
               <a:rPr lang="ko-KR" altLang="en-US" smtClean="0"/>
-              <a:t>2016-04-08</a:t>
+              <a:t>2016-04-11</a:t>
             </a:fld>
             <a:endParaRPr lang="ko-KR" altLang="en-US"/>
           </a:p>
@@ -2354,7 +2363,7 @@
           <a:p>
             <a:fld id="{7BBE1449-B994-46CA-8C66-9319FCA2F4E0}" type="datetimeFigureOut">
               <a:rPr lang="ko-KR" altLang="en-US" smtClean="0"/>
-              <a:t>2016-04-08</a:t>
+              <a:t>2016-04-11</a:t>
             </a:fld>
             <a:endParaRPr lang="ko-KR" altLang="en-US"/>
           </a:p>
@@ -2449,7 +2458,7 @@
           <a:p>
             <a:fld id="{7BBE1449-B994-46CA-8C66-9319FCA2F4E0}" type="datetimeFigureOut">
               <a:rPr lang="ko-KR" altLang="en-US" smtClean="0"/>
-              <a:t>2016-04-08</a:t>
+              <a:t>2016-04-11</a:t>
             </a:fld>
             <a:endParaRPr lang="ko-KR" altLang="en-US"/>
           </a:p>
@@ -2726,7 +2735,7 @@
           <a:p>
             <a:fld id="{7BBE1449-B994-46CA-8C66-9319FCA2F4E0}" type="datetimeFigureOut">
               <a:rPr lang="ko-KR" altLang="en-US" smtClean="0"/>
-              <a:t>2016-04-08</a:t>
+              <a:t>2016-04-11</a:t>
             </a:fld>
             <a:endParaRPr lang="ko-KR" altLang="en-US"/>
           </a:p>
@@ -2979,7 +2988,7 @@
           <a:p>
             <a:fld id="{7BBE1449-B994-46CA-8C66-9319FCA2F4E0}" type="datetimeFigureOut">
               <a:rPr lang="ko-KR" altLang="en-US" smtClean="0"/>
-              <a:t>2016-04-08</a:t>
+              <a:t>2016-04-11</a:t>
             </a:fld>
             <a:endParaRPr lang="ko-KR" altLang="en-US"/>
           </a:p>
@@ -3192,7 +3201,7 @@
           <a:p>
             <a:fld id="{7BBE1449-B994-46CA-8C66-9319FCA2F4E0}" type="datetimeFigureOut">
               <a:rPr lang="ko-KR" altLang="en-US" smtClean="0"/>
-              <a:t>2016-04-08</a:t>
+              <a:t>2016-04-11</a:t>
             </a:fld>
             <a:endParaRPr lang="ko-KR" altLang="en-US"/>
           </a:p>
@@ -3722,6 +3731,2127 @@
       </p:grpSpPr>
       <p:sp>
         <p:nvSpPr>
+          <p:cNvPr id="8" name="TextBox 7"/>
+          <p:cNvSpPr txBox="1"/>
+          <p:nvPr/>
+        </p:nvSpPr>
+        <p:spPr>
+          <a:xfrm>
+            <a:off x="107504" y="415692"/>
+            <a:ext cx="8916022" cy="5940088"/>
+          </a:xfrm>
+          <a:prstGeom prst="rect">
+            <a:avLst/>
+          </a:prstGeom>
+          <a:noFill/>
+        </p:spPr>
+        <p:txBody>
+          <a:bodyPr wrap="square" rtlCol="0">
+            <a:spAutoFit/>
+          </a:bodyPr>
+          <a:lstStyle/>
+          <a:p>
+            <a:r>
+              <a:rPr lang="ko-KR" altLang="en-US" sz="2000" b="1" dirty="0" smtClean="0"/>
+              <a:t>작업 </a:t>
+            </a:r>
+            <a:r>
+              <a:rPr lang="ko-KR" altLang="en-US" sz="2000" b="1" dirty="0" err="1" smtClean="0"/>
+              <a:t>스레드</a:t>
+            </a:r>
+            <a:r>
+              <a:rPr lang="en-US" altLang="ko-KR" sz="2000" b="1" dirty="0" smtClean="0"/>
+              <a:t>(Worker</a:t>
+            </a:r>
+            <a:r>
+              <a:rPr lang="en-US" altLang="ko-KR" sz="2000" b="1" dirty="0" smtClean="0"/>
+              <a:t> Thread) </a:t>
+            </a:r>
+          </a:p>
+          <a:p>
+            <a:endParaRPr lang="en-US" altLang="ko-KR" sz="2000" dirty="0"/>
+          </a:p>
+          <a:p>
+            <a:pPr marL="342900" indent="-342900">
+              <a:buFont typeface="Arial" panose="020B0604020202020204" pitchFamily="34" charset="0"/>
+              <a:buChar char="•"/>
+            </a:pPr>
+            <a:r>
+              <a:rPr lang="ko-KR" altLang="en-US" sz="2000" dirty="0" smtClean="0"/>
+              <a:t>위에서 언급했던 단일 </a:t>
+            </a:r>
+            <a:r>
+              <a:rPr lang="ko-KR" altLang="en-US" sz="2000" dirty="0" err="1" smtClean="0"/>
+              <a:t>스레드</a:t>
+            </a:r>
+            <a:r>
+              <a:rPr lang="ko-KR" altLang="en-US" sz="2000" dirty="0" smtClean="0"/>
+              <a:t> 모델</a:t>
+            </a:r>
+            <a:r>
+              <a:rPr lang="ko-KR" altLang="en-US" sz="2000" dirty="0" smtClean="0"/>
+              <a:t>의 단점</a:t>
+            </a:r>
+            <a:r>
+              <a:rPr lang="ko-KR" altLang="en-US" sz="2000" dirty="0" smtClean="0"/>
+              <a:t> 때문에</a:t>
+            </a:r>
+            <a:r>
+              <a:rPr lang="en-US" altLang="ko-KR" sz="2000" dirty="0"/>
+              <a:t> </a:t>
+            </a:r>
+            <a:r>
+              <a:rPr lang="ko-KR" altLang="en-US" sz="2000" dirty="0" smtClean="0"/>
+              <a:t>만약에 부가적으로 처리해야 할 작업이 있는 경우에는</a:t>
+            </a:r>
+            <a:r>
+              <a:rPr lang="en-US" altLang="ko-KR" sz="2000" dirty="0"/>
+              <a:t> </a:t>
+            </a:r>
+            <a:r>
+              <a:rPr lang="ko-KR" altLang="en-US" sz="2000" dirty="0" smtClean="0"/>
+              <a:t>그와 관련된 작업을 별도의 </a:t>
+            </a:r>
+            <a:r>
+              <a:rPr lang="ko-KR" altLang="en-US" sz="2000" dirty="0" err="1" smtClean="0"/>
+              <a:t>스레드</a:t>
+            </a:r>
+            <a:r>
+              <a:rPr lang="en-US" altLang="ko-KR" sz="2000" dirty="0" smtClean="0"/>
+              <a:t>(Worker Thread)</a:t>
+            </a:r>
+            <a:r>
+              <a:rPr lang="ko-KR" altLang="en-US" sz="2000" dirty="0" smtClean="0"/>
+              <a:t>에서 처리하도록 해야 한다</a:t>
+            </a:r>
+            <a:r>
+              <a:rPr lang="en-US" altLang="ko-KR" sz="2000" dirty="0" smtClean="0"/>
+              <a:t>.</a:t>
+            </a:r>
+          </a:p>
+          <a:p>
+            <a:endParaRPr lang="en-US" altLang="ko-KR" sz="2000" dirty="0" smtClean="0"/>
+          </a:p>
+          <a:p>
+            <a:r>
+              <a:rPr lang="ko-KR" altLang="en-US" sz="2000" dirty="0" smtClean="0"/>
+              <a:t>단</a:t>
+            </a:r>
+            <a:r>
+              <a:rPr lang="en-US" altLang="ko-KR" sz="2000" dirty="0" smtClean="0"/>
+              <a:t>, </a:t>
+            </a:r>
+            <a:r>
+              <a:rPr lang="ko-KR" altLang="en-US" sz="2000" dirty="0" smtClean="0"/>
+              <a:t>메인 </a:t>
+            </a:r>
+            <a:r>
+              <a:rPr lang="ko-KR" altLang="en-US" sz="2000" dirty="0" err="1" smtClean="0"/>
+              <a:t>스레드가</a:t>
+            </a:r>
+            <a:r>
+              <a:rPr lang="ko-KR" altLang="en-US" sz="2000" dirty="0" smtClean="0"/>
+              <a:t> 아닌 외부 </a:t>
+            </a:r>
+            <a:r>
+              <a:rPr lang="ko-KR" altLang="en-US" sz="2000" dirty="0" err="1" smtClean="0"/>
+              <a:t>스레드에서</a:t>
+            </a:r>
+            <a:r>
+              <a:rPr lang="ko-KR" altLang="en-US" sz="2000" dirty="0" smtClean="0"/>
+              <a:t> 작업 후 결과를 </a:t>
+            </a:r>
+            <a:r>
+              <a:rPr lang="en-US" altLang="ko-KR" sz="2000" dirty="0" smtClean="0"/>
+              <a:t>UI</a:t>
+            </a:r>
+            <a:r>
+              <a:rPr lang="ko-KR" altLang="en-US" sz="2000" dirty="0" smtClean="0"/>
+              <a:t>에 반영</a:t>
+            </a:r>
+            <a:r>
+              <a:rPr lang="en-US" altLang="ko-KR" sz="2000" dirty="0" smtClean="0"/>
+              <a:t>(</a:t>
+            </a:r>
+            <a:r>
+              <a:rPr lang="ko-KR" altLang="en-US" sz="2000" dirty="0" smtClean="0"/>
+              <a:t>즉 </a:t>
+            </a:r>
+            <a:r>
+              <a:rPr lang="en-US" altLang="ko-KR" sz="2000" dirty="0" smtClean="0"/>
+              <a:t>UI </a:t>
+            </a:r>
+            <a:r>
+              <a:rPr lang="ko-KR" altLang="en-US" sz="2000" dirty="0" err="1" smtClean="0"/>
+              <a:t>스레드와</a:t>
+            </a:r>
+            <a:r>
+              <a:rPr lang="ko-KR" altLang="en-US" sz="2000" dirty="0" smtClean="0"/>
+              <a:t> 통신</a:t>
+            </a:r>
+            <a:r>
+              <a:rPr lang="en-US" altLang="ko-KR" sz="2000" dirty="0" smtClean="0"/>
+              <a:t>)</a:t>
+            </a:r>
+            <a:r>
+              <a:rPr lang="ko-KR" altLang="en-US" sz="2000" dirty="0" smtClean="0"/>
+              <a:t>해야 한다면 </a:t>
+            </a:r>
+            <a:r>
+              <a:rPr lang="en-US" altLang="ko-KR" sz="2000" dirty="0" smtClean="0"/>
+              <a:t>Handler </a:t>
+            </a:r>
+            <a:r>
+              <a:rPr lang="ko-KR" altLang="en-US" sz="2000" dirty="0" smtClean="0"/>
+              <a:t>등을 이용해야 한다</a:t>
+            </a:r>
+            <a:r>
+              <a:rPr lang="en-US" altLang="ko-KR" sz="2000" dirty="0" smtClean="0"/>
+              <a:t>.</a:t>
+            </a:r>
+          </a:p>
+          <a:p>
+            <a:endParaRPr lang="en-US" altLang="ko-KR" sz="2000" dirty="0" smtClean="0"/>
+          </a:p>
+          <a:p>
+            <a:r>
+              <a:rPr lang="en-US" altLang="ko-KR" sz="2000" b="1" dirty="0" smtClean="0"/>
+              <a:t>Handler</a:t>
+            </a:r>
+          </a:p>
+          <a:p>
+            <a:endParaRPr lang="en-US" altLang="ko-KR" sz="2000" dirty="0"/>
+          </a:p>
+          <a:p>
+            <a:pPr marL="342900" indent="-342900">
+              <a:buFont typeface="Arial" panose="020B0604020202020204" pitchFamily="34" charset="0"/>
+              <a:buChar char="•"/>
+            </a:pPr>
+            <a:r>
+              <a:rPr lang="ko-KR" altLang="en-US" sz="2000" dirty="0" err="1" smtClean="0"/>
+              <a:t>스레드의</a:t>
+            </a:r>
+            <a:r>
+              <a:rPr lang="ko-KR" altLang="en-US" sz="2000" dirty="0" smtClean="0"/>
+              <a:t> </a:t>
+            </a:r>
+            <a:r>
+              <a:rPr lang="en-US" altLang="ko-KR" sz="2000" dirty="0" smtClean="0"/>
+              <a:t>Message Queue</a:t>
+            </a:r>
+            <a:r>
+              <a:rPr lang="ko-KR" altLang="en-US" sz="2000" dirty="0" smtClean="0"/>
+              <a:t>와 연계하여 </a:t>
+            </a:r>
+            <a:r>
+              <a:rPr lang="en-US" altLang="ko-KR" sz="2000" dirty="0" smtClean="0"/>
+              <a:t>Message</a:t>
+            </a:r>
+            <a:r>
+              <a:rPr lang="ko-KR" altLang="en-US" sz="2000" dirty="0" smtClean="0"/>
+              <a:t>나 </a:t>
+            </a:r>
+            <a:r>
+              <a:rPr lang="en-US" altLang="ko-KR" sz="2000" dirty="0" smtClean="0"/>
+              <a:t>Runnable </a:t>
+            </a:r>
+            <a:r>
+              <a:rPr lang="ko-KR" altLang="en-US" sz="2000" dirty="0" smtClean="0"/>
+              <a:t>객체를 받거나 처리하여 </a:t>
+            </a:r>
+            <a:r>
+              <a:rPr lang="ko-KR" altLang="en-US" sz="2000" dirty="0" err="1" smtClean="0"/>
+              <a:t>스레드</a:t>
+            </a:r>
+            <a:r>
+              <a:rPr lang="ko-KR" altLang="en-US" sz="2000" dirty="0" smtClean="0"/>
+              <a:t> 간의 통신을  할 수 있도록 함</a:t>
+            </a:r>
+            <a:r>
+              <a:rPr lang="en-US" altLang="ko-KR" sz="2000" dirty="0" smtClean="0"/>
+              <a:t>.</a:t>
+            </a:r>
+          </a:p>
+          <a:p>
+            <a:pPr marL="342900" indent="-342900">
+              <a:buFont typeface="Arial" panose="020B0604020202020204" pitchFamily="34" charset="0"/>
+              <a:buChar char="•"/>
+            </a:pPr>
+            <a:r>
+              <a:rPr lang="ko-KR" altLang="en-US" sz="2000" dirty="0" smtClean="0"/>
+              <a:t>다음 </a:t>
+            </a:r>
+            <a:r>
+              <a:rPr lang="ko-KR" altLang="en-US" sz="2000" dirty="0" err="1" smtClean="0"/>
+              <a:t>메소드를</a:t>
+            </a:r>
+            <a:r>
+              <a:rPr lang="ko-KR" altLang="en-US" sz="2000" dirty="0" smtClean="0"/>
+              <a:t> 통해서도 </a:t>
+            </a:r>
+            <a:r>
+              <a:rPr lang="en-US" altLang="ko-KR" sz="2000" dirty="0" smtClean="0"/>
+              <a:t>UI</a:t>
+            </a:r>
+            <a:r>
+              <a:rPr lang="ko-KR" altLang="en-US" sz="2000" dirty="0"/>
+              <a:t> </a:t>
+            </a:r>
+            <a:r>
+              <a:rPr lang="ko-KR" altLang="en-US" sz="2000" dirty="0" err="1" smtClean="0"/>
+              <a:t>스레드와</a:t>
+            </a:r>
+            <a:r>
+              <a:rPr lang="ko-KR" altLang="en-US" sz="2000" dirty="0" smtClean="0"/>
+              <a:t> 통신 할 수 있다</a:t>
+            </a:r>
+            <a:r>
+              <a:rPr lang="en-US" altLang="ko-KR" sz="2000" dirty="0" smtClean="0"/>
+              <a:t>.</a:t>
+            </a:r>
+            <a:endParaRPr lang="en-US" altLang="ko-KR" sz="2000" dirty="0"/>
+          </a:p>
+          <a:p>
+            <a:pPr marL="800100" lvl="1" indent="-342900">
+              <a:buFont typeface="Arial" panose="020B0604020202020204" pitchFamily="34" charset="0"/>
+              <a:buChar char="•"/>
+            </a:pPr>
+            <a:r>
+              <a:rPr lang="en-US" altLang="ko-KR" sz="2000" dirty="0" err="1" smtClean="0"/>
+              <a:t>Activity.runOnUiThread</a:t>
+            </a:r>
+            <a:r>
+              <a:rPr lang="en-US" altLang="ko-KR" sz="2000" dirty="0" smtClean="0"/>
+              <a:t>(Runnable)</a:t>
+            </a:r>
+          </a:p>
+          <a:p>
+            <a:pPr marL="800100" lvl="1" indent="-342900">
+              <a:buFont typeface="Arial" panose="020B0604020202020204" pitchFamily="34" charset="0"/>
+              <a:buChar char="•"/>
+            </a:pPr>
+            <a:r>
+              <a:rPr lang="en-US" altLang="ko-KR" sz="2000" dirty="0" err="1" smtClean="0"/>
+              <a:t>View.post</a:t>
+            </a:r>
+            <a:r>
+              <a:rPr lang="en-US" altLang="ko-KR" sz="2000" dirty="0" smtClean="0"/>
+              <a:t>(Runnable)</a:t>
+            </a:r>
+          </a:p>
+          <a:p>
+            <a:pPr marL="800100" lvl="1" indent="-342900">
+              <a:buFont typeface="Arial" panose="020B0604020202020204" pitchFamily="34" charset="0"/>
+              <a:buChar char="•"/>
+            </a:pPr>
+            <a:r>
+              <a:rPr lang="en-US" altLang="ko-KR" sz="2000" dirty="0" err="1" smtClean="0"/>
+              <a:t>View.postDelayed</a:t>
+            </a:r>
+            <a:r>
+              <a:rPr lang="en-US" altLang="ko-KR" sz="2000" dirty="0" smtClean="0"/>
+              <a:t>(Runnable, long)</a:t>
+            </a:r>
+          </a:p>
+          <a:p>
+            <a:endParaRPr lang="en-US" altLang="ko-KR" sz="2000" dirty="0" smtClean="0"/>
+          </a:p>
+          <a:p>
+            <a:endParaRPr lang="en-US" altLang="ko-KR" sz="2000" dirty="0" smtClean="0"/>
+          </a:p>
+        </p:txBody>
+      </p:sp>
+    </p:spTree>
+    <p:extLst>
+      <p:ext uri="{BB962C8B-B14F-4D97-AF65-F5344CB8AC3E}">
+        <p14:creationId xmlns:p14="http://schemas.microsoft.com/office/powerpoint/2010/main" val="2858010950"/>
+      </p:ext>
+    </p:extLst>
+  </p:cSld>
+  <p:clrMapOvr>
+    <a:masterClrMapping/>
+  </p:clrMapOvr>
+  <p:timing>
+    <p:tnLst>
+      <p:par>
+        <p:cTn id="1" dur="indefinite" restart="never" nodeType="tmRoot"/>
+      </p:par>
+    </p:tnLst>
+  </p:timing>
+</p:sld>
+</file>
+
+<file path=ppt/slides/slide11.xml><?xml version="1.0" encoding="utf-8"?>
+<p:sld xmlns:a="http://schemas.openxmlformats.org/drawingml/2006/main" xmlns:r="http://schemas.openxmlformats.org/officeDocument/2006/relationships" xmlns:p="http://schemas.openxmlformats.org/presentationml/2006/main">
+  <p:cSld>
+    <p:spTree>
+      <p:nvGrpSpPr>
+        <p:cNvPr id="1" name=""/>
+        <p:cNvGrpSpPr/>
+        <p:nvPr/>
+      </p:nvGrpSpPr>
+      <p:grpSpPr>
+        <a:xfrm>
+          <a:off x="0" y="0"/>
+          <a:ext cx="0" cy="0"/>
+          <a:chOff x="0" y="0"/>
+          <a:chExt cx="0" cy="0"/>
+        </a:xfrm>
+      </p:grpSpPr>
+      <p:grpSp>
+        <p:nvGrpSpPr>
+          <p:cNvPr id="4" name="그룹 3"/>
+          <p:cNvGrpSpPr/>
+          <p:nvPr/>
+        </p:nvGrpSpPr>
+        <p:grpSpPr>
+          <a:xfrm>
+            <a:off x="232914" y="260647"/>
+            <a:ext cx="7363422" cy="1008113"/>
+            <a:chOff x="179512" y="188639"/>
+            <a:chExt cx="7512374" cy="1071121"/>
+          </a:xfrm>
+        </p:grpSpPr>
+        <p:sp>
+          <p:nvSpPr>
+            <p:cNvPr id="10" name="TextBox 9"/>
+            <p:cNvSpPr txBox="1"/>
+            <p:nvPr/>
+          </p:nvSpPr>
+          <p:spPr>
+            <a:xfrm>
+              <a:off x="179512" y="188639"/>
+              <a:ext cx="2543420" cy="686727"/>
+            </a:xfrm>
+            <a:prstGeom prst="rect">
+              <a:avLst/>
+            </a:prstGeom>
+            <a:noFill/>
+          </p:spPr>
+          <p:txBody>
+            <a:bodyPr wrap="none" rtlCol="0">
+              <a:spAutoFit/>
+            </a:bodyPr>
+            <a:lstStyle/>
+            <a:p>
+              <a:r>
+                <a:rPr lang="ko-KR" altLang="en-US" sz="3600" b="1" dirty="0" smtClean="0"/>
+                <a:t>애니메이션</a:t>
+              </a:r>
+              <a:endParaRPr lang="ko-KR" altLang="en-US" sz="3600" b="1" dirty="0"/>
+            </a:p>
+          </p:txBody>
+        </p:sp>
+        <p:cxnSp>
+          <p:nvCxnSpPr>
+            <p:cNvPr id="13" name="직선 연결선 12"/>
+            <p:cNvCxnSpPr/>
+            <p:nvPr/>
+          </p:nvCxnSpPr>
+          <p:spPr>
+            <a:xfrm>
+              <a:off x="287295" y="1259760"/>
+              <a:ext cx="7404591" cy="0"/>
+            </a:xfrm>
+            <a:prstGeom prst="line">
+              <a:avLst/>
+            </a:prstGeom>
+            <a:ln/>
+          </p:spPr>
+          <p:style>
+            <a:lnRef idx="2">
+              <a:schemeClr val="accent1"/>
+            </a:lnRef>
+            <a:fillRef idx="0">
+              <a:schemeClr val="accent1"/>
+            </a:fillRef>
+            <a:effectRef idx="1">
+              <a:schemeClr val="accent1"/>
+            </a:effectRef>
+            <a:fontRef idx="minor">
+              <a:schemeClr val="tx1"/>
+            </a:fontRef>
+          </p:style>
+        </p:cxnSp>
+      </p:grpSp>
+      <p:sp>
+        <p:nvSpPr>
+          <p:cNvPr id="8" name="TextBox 7"/>
+          <p:cNvSpPr txBox="1"/>
+          <p:nvPr/>
+        </p:nvSpPr>
+        <p:spPr>
+          <a:xfrm>
+            <a:off x="107504" y="1628800"/>
+            <a:ext cx="8916022" cy="4708981"/>
+          </a:xfrm>
+          <a:prstGeom prst="rect">
+            <a:avLst/>
+          </a:prstGeom>
+          <a:noFill/>
+        </p:spPr>
+        <p:txBody>
+          <a:bodyPr wrap="square" rtlCol="0">
+            <a:spAutoFit/>
+          </a:bodyPr>
+          <a:lstStyle/>
+          <a:p>
+            <a:r>
+              <a:rPr lang="en-US" altLang="ko-KR" sz="2000" b="1" dirty="0" smtClean="0"/>
+              <a:t>Animation </a:t>
+            </a:r>
+            <a:r>
+              <a:rPr lang="ko-KR" altLang="en-US" sz="2000" b="1" dirty="0" smtClean="0"/>
+              <a:t>종류</a:t>
+            </a:r>
+            <a:endParaRPr lang="en-US" altLang="ko-KR" sz="2000" b="1" dirty="0" smtClean="0"/>
+          </a:p>
+          <a:p>
+            <a:endParaRPr lang="en-US" altLang="ko-KR" sz="2000" b="1" dirty="0" smtClean="0"/>
+          </a:p>
+          <a:p>
+            <a:pPr marL="342900" indent="-342900">
+              <a:buFont typeface="Arial" panose="020B0604020202020204" pitchFamily="34" charset="0"/>
+              <a:buChar char="•"/>
+            </a:pPr>
+            <a:r>
+              <a:rPr lang="en-US" altLang="ko-KR" sz="2000" dirty="0" smtClean="0"/>
+              <a:t>View Animation</a:t>
+            </a:r>
+          </a:p>
+          <a:p>
+            <a:pPr marL="800100" lvl="1" indent="-342900">
+              <a:buFont typeface="Arial" panose="020B0604020202020204" pitchFamily="34" charset="0"/>
+              <a:buChar char="•"/>
+            </a:pPr>
+            <a:r>
+              <a:rPr lang="en-US" altLang="ko-KR" sz="2000" dirty="0" smtClean="0"/>
+              <a:t>Tween animation</a:t>
+            </a:r>
+          </a:p>
+          <a:p>
+            <a:pPr marL="800100" lvl="1" indent="-342900">
+              <a:buFont typeface="Arial" panose="020B0604020202020204" pitchFamily="34" charset="0"/>
+              <a:buChar char="•"/>
+            </a:pPr>
+            <a:r>
+              <a:rPr lang="en-US" altLang="ko-KR" sz="2000" dirty="0" smtClean="0"/>
+              <a:t>Frame animation</a:t>
+            </a:r>
+          </a:p>
+          <a:p>
+            <a:pPr marL="342900" indent="-342900">
+              <a:buFont typeface="Arial" panose="020B0604020202020204" pitchFamily="34" charset="0"/>
+              <a:buChar char="•"/>
+            </a:pPr>
+            <a:r>
+              <a:rPr lang="en-US" altLang="ko-KR" sz="2000" dirty="0" smtClean="0"/>
+              <a:t>Property Animation</a:t>
+            </a:r>
+          </a:p>
+          <a:p>
+            <a:pPr marL="342900" indent="-342900">
+              <a:buFont typeface="Arial" panose="020B0604020202020204" pitchFamily="34" charset="0"/>
+              <a:buChar char="•"/>
+            </a:pPr>
+            <a:endParaRPr lang="en-US" altLang="ko-KR" sz="2000" dirty="0"/>
+          </a:p>
+          <a:p>
+            <a:r>
+              <a:rPr lang="en-US" altLang="ko-KR" sz="2000" b="1" dirty="0" smtClean="0"/>
+              <a:t>Resource path</a:t>
+            </a:r>
+          </a:p>
+          <a:p>
+            <a:endParaRPr lang="en-US" altLang="ko-KR" sz="2000" b="1" dirty="0"/>
+          </a:p>
+          <a:p>
+            <a:pPr marL="342900" indent="-342900">
+              <a:buFont typeface="Arial" panose="020B0604020202020204" pitchFamily="34" charset="0"/>
+              <a:buChar char="•"/>
+            </a:pPr>
+            <a:r>
+              <a:rPr lang="en-US" altLang="ko-KR" sz="2000" dirty="0" smtClean="0"/>
+              <a:t>View Animation</a:t>
+            </a:r>
+          </a:p>
+          <a:p>
+            <a:pPr marL="800100" lvl="1" indent="-342900">
+              <a:buFont typeface="Arial" panose="020B0604020202020204" pitchFamily="34" charset="0"/>
+              <a:buChar char="•"/>
+            </a:pPr>
+            <a:r>
+              <a:rPr lang="en-US" altLang="ko-KR" sz="2000" dirty="0"/>
+              <a:t>res/</a:t>
+            </a:r>
+            <a:r>
+              <a:rPr lang="en-US" altLang="ko-KR" sz="2000" dirty="0" err="1"/>
+              <a:t>anim</a:t>
+            </a:r>
+            <a:r>
+              <a:rPr lang="en-US" altLang="ko-KR" sz="2000" dirty="0"/>
+              <a:t>/animation_detail.xml : Tween animation</a:t>
+            </a:r>
+          </a:p>
+          <a:p>
+            <a:pPr marL="800100" lvl="1" indent="-342900">
+              <a:buFont typeface="Arial" panose="020B0604020202020204" pitchFamily="34" charset="0"/>
+              <a:buChar char="•"/>
+            </a:pPr>
+            <a:r>
+              <a:rPr lang="en-US" altLang="ko-KR" sz="2000" dirty="0"/>
+              <a:t>res/</a:t>
+            </a:r>
+            <a:r>
+              <a:rPr lang="en-US" altLang="ko-KR" sz="2000" dirty="0" err="1"/>
+              <a:t>drawable</a:t>
+            </a:r>
+            <a:r>
+              <a:rPr lang="en-US" altLang="ko-KR" sz="2000" dirty="0"/>
+              <a:t>/animation_detail.xml : Frame animation</a:t>
+            </a:r>
+          </a:p>
+          <a:p>
+            <a:pPr marL="342900" indent="-342900">
+              <a:buFont typeface="Arial" panose="020B0604020202020204" pitchFamily="34" charset="0"/>
+              <a:buChar char="•"/>
+            </a:pPr>
+            <a:r>
+              <a:rPr lang="en-US" altLang="ko-KR" sz="2000" dirty="0" smtClean="0"/>
+              <a:t>Property Animation</a:t>
+            </a:r>
+          </a:p>
+          <a:p>
+            <a:pPr marL="800100" lvl="1" indent="-342900">
+              <a:buFont typeface="Arial" panose="020B0604020202020204" pitchFamily="34" charset="0"/>
+              <a:buChar char="•"/>
+            </a:pPr>
+            <a:r>
+              <a:rPr lang="en-US" altLang="ko-KR" sz="2000" dirty="0" smtClean="0"/>
+              <a:t>res/animator/animation_detail.xml</a:t>
+            </a:r>
+          </a:p>
+          <a:p>
+            <a:endParaRPr lang="en-US" altLang="ko-KR" sz="2000" dirty="0" smtClean="0"/>
+          </a:p>
+        </p:txBody>
+      </p:sp>
+    </p:spTree>
+    <p:extLst>
+      <p:ext uri="{BB962C8B-B14F-4D97-AF65-F5344CB8AC3E}">
+        <p14:creationId xmlns:p14="http://schemas.microsoft.com/office/powerpoint/2010/main" val="2105234691"/>
+      </p:ext>
+    </p:extLst>
+  </p:cSld>
+  <p:clrMapOvr>
+    <a:masterClrMapping/>
+  </p:clrMapOvr>
+  <p:timing>
+    <p:tnLst>
+      <p:par>
+        <p:cTn id="1" dur="indefinite" restart="never" nodeType="tmRoot"/>
+      </p:par>
+    </p:tnLst>
+  </p:timing>
+</p:sld>
+</file>
+
+<file path=ppt/slides/slide12.xml><?xml version="1.0" encoding="utf-8"?>
+<p:sld xmlns:a="http://schemas.openxmlformats.org/drawingml/2006/main" xmlns:r="http://schemas.openxmlformats.org/officeDocument/2006/relationships" xmlns:p="http://schemas.openxmlformats.org/presentationml/2006/main">
+  <p:cSld>
+    <p:spTree>
+      <p:nvGrpSpPr>
+        <p:cNvPr id="1" name=""/>
+        <p:cNvGrpSpPr/>
+        <p:nvPr/>
+      </p:nvGrpSpPr>
+      <p:grpSpPr>
+        <a:xfrm>
+          <a:off x="0" y="0"/>
+          <a:ext cx="0" cy="0"/>
+          <a:chOff x="0" y="0"/>
+          <a:chExt cx="0" cy="0"/>
+        </a:xfrm>
+      </p:grpSpPr>
+      <p:sp>
+        <p:nvSpPr>
+          <p:cNvPr id="8" name="TextBox 7"/>
+          <p:cNvSpPr txBox="1"/>
+          <p:nvPr/>
+        </p:nvSpPr>
+        <p:spPr>
+          <a:xfrm>
+            <a:off x="107504" y="260648"/>
+            <a:ext cx="8916022" cy="5632311"/>
+          </a:xfrm>
+          <a:prstGeom prst="rect">
+            <a:avLst/>
+          </a:prstGeom>
+          <a:noFill/>
+        </p:spPr>
+        <p:txBody>
+          <a:bodyPr wrap="square" rtlCol="0">
+            <a:spAutoFit/>
+          </a:bodyPr>
+          <a:lstStyle/>
+          <a:p>
+            <a:r>
+              <a:rPr lang="en-US" altLang="ko-KR" sz="2000" b="1" dirty="0" smtClean="0"/>
+              <a:t>class</a:t>
+            </a:r>
+            <a:r>
+              <a:rPr lang="en-US" altLang="ko-KR" sz="2000" b="1" dirty="0" smtClean="0"/>
+              <a:t> </a:t>
+            </a:r>
+            <a:r>
+              <a:rPr lang="ko-KR" altLang="en-US" sz="2000" b="1" dirty="0" smtClean="0"/>
+              <a:t>종류</a:t>
+            </a:r>
+            <a:endParaRPr lang="en-US" altLang="ko-KR" sz="2000" b="1" dirty="0" smtClean="0"/>
+          </a:p>
+          <a:p>
+            <a:endParaRPr lang="en-US" altLang="ko-KR" sz="2000" b="1" dirty="0" smtClean="0"/>
+          </a:p>
+          <a:p>
+            <a:pPr marL="342900" indent="-342900">
+              <a:buFont typeface="Arial" panose="020B0604020202020204" pitchFamily="34" charset="0"/>
+              <a:buChar char="•"/>
+            </a:pPr>
+            <a:r>
+              <a:rPr lang="en-US" altLang="ko-KR" sz="2000" dirty="0" smtClean="0"/>
+              <a:t>View Animation</a:t>
+            </a:r>
+          </a:p>
+          <a:p>
+            <a:pPr marL="800100" lvl="1" indent="-342900">
+              <a:buFont typeface="Arial" panose="020B0604020202020204" pitchFamily="34" charset="0"/>
+              <a:buChar char="•"/>
+            </a:pPr>
+            <a:r>
+              <a:rPr lang="en-US" altLang="ko-KR" sz="2000" dirty="0" smtClean="0"/>
+              <a:t>Animation : Tween animation</a:t>
+            </a:r>
+          </a:p>
+          <a:p>
+            <a:pPr marL="800100" lvl="1" indent="-342900">
+              <a:buFont typeface="Arial" panose="020B0604020202020204" pitchFamily="34" charset="0"/>
+              <a:buChar char="•"/>
+            </a:pPr>
+            <a:r>
+              <a:rPr lang="en-US" altLang="ko-KR" sz="2000" dirty="0" err="1" smtClean="0"/>
+              <a:t>AnimationDrawable</a:t>
+            </a:r>
+            <a:r>
+              <a:rPr lang="en-US" altLang="ko-KR" sz="2000" dirty="0" smtClean="0"/>
+              <a:t> : Frame animation</a:t>
+            </a:r>
+          </a:p>
+          <a:p>
+            <a:pPr marL="342900" indent="-342900">
+              <a:buFont typeface="Arial" panose="020B0604020202020204" pitchFamily="34" charset="0"/>
+              <a:buChar char="•"/>
+            </a:pPr>
+            <a:r>
+              <a:rPr lang="en-US" altLang="ko-KR" sz="2000" dirty="0" smtClean="0"/>
+              <a:t>Property Animation</a:t>
+            </a:r>
+          </a:p>
+          <a:p>
+            <a:pPr marL="800100" lvl="1" indent="-342900">
+              <a:buFont typeface="Arial" panose="020B0604020202020204" pitchFamily="34" charset="0"/>
+              <a:buChar char="•"/>
+            </a:pPr>
+            <a:r>
+              <a:rPr lang="en-US" altLang="ko-KR" sz="2000" dirty="0" err="1" smtClean="0"/>
+              <a:t>ValueAnimator</a:t>
+            </a:r>
+            <a:endParaRPr lang="en-US" altLang="ko-KR" sz="2000" dirty="0" smtClean="0"/>
+          </a:p>
+          <a:p>
+            <a:pPr marL="800100" lvl="1" indent="-342900">
+              <a:buFont typeface="Arial" panose="020B0604020202020204" pitchFamily="34" charset="0"/>
+              <a:buChar char="•"/>
+            </a:pPr>
+            <a:r>
+              <a:rPr lang="en-US" altLang="ko-KR" sz="2000" dirty="0" err="1" smtClean="0"/>
+              <a:t>ObjectAnimator</a:t>
+            </a:r>
+            <a:endParaRPr lang="en-US" altLang="ko-KR" sz="2000" dirty="0" smtClean="0"/>
+          </a:p>
+          <a:p>
+            <a:pPr marL="800100" lvl="1" indent="-342900">
+              <a:buFont typeface="Arial" panose="020B0604020202020204" pitchFamily="34" charset="0"/>
+              <a:buChar char="•"/>
+            </a:pPr>
+            <a:r>
+              <a:rPr lang="en-US" altLang="ko-KR" sz="2000" dirty="0" err="1" smtClean="0"/>
+              <a:t>AnimatorSet</a:t>
+            </a:r>
+            <a:endParaRPr lang="en-US" altLang="ko-KR" sz="2000" dirty="0" smtClean="0"/>
+          </a:p>
+          <a:p>
+            <a:pPr marL="342900" indent="-342900">
+              <a:buFont typeface="Arial" panose="020B0604020202020204" pitchFamily="34" charset="0"/>
+              <a:buChar char="•"/>
+            </a:pPr>
+            <a:endParaRPr lang="en-US" altLang="ko-KR" sz="2000" dirty="0"/>
+          </a:p>
+          <a:p>
+            <a:r>
+              <a:rPr lang="en-US" altLang="ko-KR" sz="2000" b="1" dirty="0" smtClean="0"/>
+              <a:t>Resource path</a:t>
+            </a:r>
+          </a:p>
+          <a:p>
+            <a:endParaRPr lang="en-US" altLang="ko-KR" sz="2000" b="1" dirty="0"/>
+          </a:p>
+          <a:p>
+            <a:pPr marL="342900" indent="-342900">
+              <a:buFont typeface="Arial" panose="020B0604020202020204" pitchFamily="34" charset="0"/>
+              <a:buChar char="•"/>
+            </a:pPr>
+            <a:r>
+              <a:rPr lang="en-US" altLang="ko-KR" sz="2000" dirty="0" smtClean="0"/>
+              <a:t>View Animation</a:t>
+            </a:r>
+          </a:p>
+          <a:p>
+            <a:pPr marL="800100" lvl="1" indent="-342900">
+              <a:buFont typeface="Arial" panose="020B0604020202020204" pitchFamily="34" charset="0"/>
+              <a:buChar char="•"/>
+            </a:pPr>
+            <a:r>
+              <a:rPr lang="en-US" altLang="ko-KR" sz="2000" dirty="0"/>
+              <a:t>res/</a:t>
+            </a:r>
+            <a:r>
+              <a:rPr lang="en-US" altLang="ko-KR" sz="2000" dirty="0" err="1"/>
+              <a:t>anim</a:t>
+            </a:r>
+            <a:r>
+              <a:rPr lang="en-US" altLang="ko-KR" sz="2000" dirty="0"/>
+              <a:t>/animation_detail.xml : Tween animation</a:t>
+            </a:r>
+          </a:p>
+          <a:p>
+            <a:pPr marL="800100" lvl="1" indent="-342900">
+              <a:buFont typeface="Arial" panose="020B0604020202020204" pitchFamily="34" charset="0"/>
+              <a:buChar char="•"/>
+            </a:pPr>
+            <a:r>
+              <a:rPr lang="en-US" altLang="ko-KR" sz="2000" dirty="0"/>
+              <a:t>res/</a:t>
+            </a:r>
+            <a:r>
+              <a:rPr lang="en-US" altLang="ko-KR" sz="2000" dirty="0" err="1"/>
+              <a:t>drawable</a:t>
+            </a:r>
+            <a:r>
+              <a:rPr lang="en-US" altLang="ko-KR" sz="2000" dirty="0"/>
+              <a:t>/animation_detail.xml : Frame animation</a:t>
+            </a:r>
+          </a:p>
+          <a:p>
+            <a:pPr marL="342900" indent="-342900">
+              <a:buFont typeface="Arial" panose="020B0604020202020204" pitchFamily="34" charset="0"/>
+              <a:buChar char="•"/>
+            </a:pPr>
+            <a:r>
+              <a:rPr lang="en-US" altLang="ko-KR" sz="2000" dirty="0" smtClean="0"/>
+              <a:t>Property Animation</a:t>
+            </a:r>
+          </a:p>
+          <a:p>
+            <a:pPr marL="800100" lvl="1" indent="-342900">
+              <a:buFont typeface="Arial" panose="020B0604020202020204" pitchFamily="34" charset="0"/>
+              <a:buChar char="•"/>
+            </a:pPr>
+            <a:r>
+              <a:rPr lang="en-US" altLang="ko-KR" sz="2000" dirty="0" smtClean="0"/>
+              <a:t>res/animator/animation_detail.xml</a:t>
+            </a:r>
+          </a:p>
+          <a:p>
+            <a:endParaRPr lang="en-US" altLang="ko-KR" sz="2000" dirty="0" smtClean="0"/>
+          </a:p>
+        </p:txBody>
+      </p:sp>
+    </p:spTree>
+    <p:extLst>
+      <p:ext uri="{BB962C8B-B14F-4D97-AF65-F5344CB8AC3E}">
+        <p14:creationId xmlns:p14="http://schemas.microsoft.com/office/powerpoint/2010/main" val="895041336"/>
+      </p:ext>
+    </p:extLst>
+  </p:cSld>
+  <p:clrMapOvr>
+    <a:masterClrMapping/>
+  </p:clrMapOvr>
+  <p:timing>
+    <p:tnLst>
+      <p:par>
+        <p:cTn id="1" dur="indefinite" restart="never" nodeType="tmRoot"/>
+      </p:par>
+    </p:tnLst>
+  </p:timing>
+</p:sld>
+</file>
+
+<file path=ppt/slides/slide13.xml><?xml version="1.0" encoding="utf-8"?>
+<p:sld xmlns:a="http://schemas.openxmlformats.org/drawingml/2006/main" xmlns:r="http://schemas.openxmlformats.org/officeDocument/2006/relationships" xmlns:p="http://schemas.openxmlformats.org/presentationml/2006/main">
+  <p:cSld>
+    <p:spTree>
+      <p:nvGrpSpPr>
+        <p:cNvPr id="1" name=""/>
+        <p:cNvGrpSpPr/>
+        <p:nvPr/>
+      </p:nvGrpSpPr>
+      <p:grpSpPr>
+        <a:xfrm>
+          <a:off x="0" y="0"/>
+          <a:ext cx="0" cy="0"/>
+          <a:chOff x="0" y="0"/>
+          <a:chExt cx="0" cy="0"/>
+        </a:xfrm>
+      </p:grpSpPr>
+      <p:pic>
+        <p:nvPicPr>
+          <p:cNvPr id="4098" name="Picture 2" descr="C:\Users\mutecsoft\Pictures\android-thread-looper-handler.png"/>
+          <p:cNvPicPr>
+            <a:picLocks noChangeAspect="1" noChangeArrowheads="1"/>
+          </p:cNvPicPr>
+          <p:nvPr/>
+        </p:nvPicPr>
+        <p:blipFill>
+          <a:blip r:embed="rId2">
+            <a:extLst>
+              <a:ext uri="{28A0092B-C50C-407E-A947-70E740481C1C}">
+                <a14:useLocalDpi xmlns:a14="http://schemas.microsoft.com/office/drawing/2010/main" val="0"/>
+              </a:ext>
+            </a:extLst>
+          </a:blip>
+          <a:srcRect/>
+          <a:stretch>
+            <a:fillRect/>
+          </a:stretch>
+        </p:blipFill>
+        <p:spPr bwMode="auto">
+          <a:xfrm>
+            <a:off x="1835696" y="740716"/>
+            <a:ext cx="5256584" cy="6150933"/>
+          </a:xfrm>
+          <a:prstGeom prst="rect">
+            <a:avLst/>
+          </a:prstGeom>
+          <a:noFill/>
+          <a:extLst>
+            <a:ext uri="{909E8E84-426E-40DD-AFC4-6F175D3DCCD1}">
+              <a14:hiddenFill xmlns:a14="http://schemas.microsoft.com/office/drawing/2010/main">
+                <a:solidFill>
+                  <a:srgbClr val="FFFFFF"/>
+                </a:solidFill>
+              </a14:hiddenFill>
+            </a:ext>
+          </a:extLst>
+        </p:spPr>
+      </p:pic>
+    </p:spTree>
+    <p:extLst>
+      <p:ext uri="{BB962C8B-B14F-4D97-AF65-F5344CB8AC3E}">
+        <p14:creationId xmlns:p14="http://schemas.microsoft.com/office/powerpoint/2010/main" val="80741494"/>
+      </p:ext>
+    </p:extLst>
+  </p:cSld>
+  <p:clrMapOvr>
+    <a:masterClrMapping/>
+  </p:clrMapOvr>
+  <p:timing>
+    <p:tnLst>
+      <p:par>
+        <p:cTn id="1" dur="indefinite" restart="never" nodeType="tmRoot"/>
+      </p:par>
+    </p:tnLst>
+  </p:timing>
+</p:sld>
+</file>
+
+<file path=ppt/slides/slide14.xml><?xml version="1.0" encoding="utf-8"?>
+<p:sld xmlns:a="http://schemas.openxmlformats.org/drawingml/2006/main" xmlns:r="http://schemas.openxmlformats.org/officeDocument/2006/relationships" xmlns:p="http://schemas.openxmlformats.org/presentationml/2006/main">
+  <p:cSld>
+    <p:spTree>
+      <p:nvGrpSpPr>
+        <p:cNvPr id="1" name=""/>
+        <p:cNvGrpSpPr/>
+        <p:nvPr/>
+      </p:nvGrpSpPr>
+      <p:grpSpPr>
+        <a:xfrm>
+          <a:off x="0" y="0"/>
+          <a:ext cx="0" cy="0"/>
+          <a:chOff x="0" y="0"/>
+          <a:chExt cx="0" cy="0"/>
+        </a:xfrm>
+      </p:grpSpPr>
+      <p:sp>
+        <p:nvSpPr>
+          <p:cNvPr id="3" name="TextBox 2"/>
+          <p:cNvSpPr txBox="1"/>
+          <p:nvPr/>
+        </p:nvSpPr>
+        <p:spPr>
+          <a:xfrm>
+            <a:off x="120474" y="1052736"/>
+            <a:ext cx="8916022" cy="707886"/>
+          </a:xfrm>
+          <a:prstGeom prst="rect">
+            <a:avLst/>
+          </a:prstGeom>
+          <a:noFill/>
+        </p:spPr>
+        <p:txBody>
+          <a:bodyPr wrap="square" rtlCol="0">
+            <a:spAutoFit/>
+          </a:bodyPr>
+          <a:lstStyle/>
+          <a:p>
+            <a:r>
+              <a:rPr lang="ko-KR" altLang="en-US" sz="2000" dirty="0" smtClean="0"/>
+              <a:t>자식 </a:t>
+            </a:r>
+            <a:r>
+              <a:rPr lang="ko-KR" altLang="en-US" sz="2000" dirty="0" err="1" smtClean="0"/>
+              <a:t>뷰를</a:t>
+            </a:r>
+            <a:r>
+              <a:rPr lang="ko-KR" altLang="en-US" sz="2000" dirty="0" smtClean="0"/>
+              <a:t> 일직선이 아닌 다양한 방향으로 표시해야 하는 경우 컴포넌트 사이의 관계를 중심으로 레이아웃을 지정할 수 있는  </a:t>
+            </a:r>
+            <a:r>
+              <a:rPr lang="en-US" altLang="ko-KR" sz="2000" dirty="0" err="1" smtClean="0"/>
+              <a:t>RelativeLayout</a:t>
+            </a:r>
+            <a:r>
+              <a:rPr lang="ko-KR" altLang="en-US" sz="2000" dirty="0" smtClean="0"/>
+              <a:t>을 사용</a:t>
+            </a:r>
+            <a:r>
+              <a:rPr lang="en-US" altLang="ko-KR" sz="2000" dirty="0" smtClean="0"/>
+              <a:t>.</a:t>
+            </a:r>
+            <a:r>
+              <a:rPr lang="ko-KR" altLang="en-US" sz="2000" dirty="0" smtClean="0"/>
+              <a:t> </a:t>
+            </a:r>
+            <a:endParaRPr lang="en-US" altLang="ko-KR" sz="2000" dirty="0">
+              <a:effectLst/>
+            </a:endParaRPr>
+          </a:p>
+        </p:txBody>
+      </p:sp>
+      <p:sp>
+        <p:nvSpPr>
+          <p:cNvPr id="7" name="TextBox 6"/>
+          <p:cNvSpPr txBox="1"/>
+          <p:nvPr/>
+        </p:nvSpPr>
+        <p:spPr>
+          <a:xfrm>
+            <a:off x="232914" y="332656"/>
+            <a:ext cx="3938194" cy="523220"/>
+          </a:xfrm>
+          <a:prstGeom prst="rect">
+            <a:avLst/>
+          </a:prstGeom>
+          <a:noFill/>
+        </p:spPr>
+        <p:txBody>
+          <a:bodyPr wrap="none" rtlCol="0">
+            <a:spAutoFit/>
+          </a:bodyPr>
+          <a:lstStyle/>
+          <a:p>
+            <a:pPr marL="571500" indent="-571500">
+              <a:buFont typeface="Arial" pitchFamily="34" charset="0"/>
+              <a:buChar char="•"/>
+            </a:pPr>
+            <a:r>
+              <a:rPr lang="en-US" altLang="ko-KR" sz="2800" dirty="0" err="1" smtClean="0"/>
+              <a:t>RelativeLayout</a:t>
+            </a:r>
+            <a:r>
+              <a:rPr lang="en-US" altLang="ko-KR" sz="2800" dirty="0" smtClean="0"/>
+              <a:t> </a:t>
+            </a:r>
+            <a:r>
+              <a:rPr lang="ko-KR" altLang="en-US" sz="2800" dirty="0" smtClean="0"/>
+              <a:t>사</a:t>
+            </a:r>
+            <a:r>
+              <a:rPr lang="ko-KR" altLang="en-US" sz="2800" dirty="0"/>
+              <a:t>용</a:t>
+            </a:r>
+            <a:endParaRPr lang="en-US" altLang="ko-KR" sz="2800" dirty="0" smtClean="0"/>
+          </a:p>
+        </p:txBody>
+      </p:sp>
+      <p:pic>
+        <p:nvPicPr>
+          <p:cNvPr id="1026" name="Picture 2" descr="C:\Users\Mutecsoft_pc\Pictures\2016-04-08 17;25;11.jpg"/>
+          <p:cNvPicPr>
+            <a:picLocks noChangeAspect="1" noChangeArrowheads="1"/>
+          </p:cNvPicPr>
+          <p:nvPr/>
+        </p:nvPicPr>
+        <p:blipFill>
+          <a:blip r:embed="rId2">
+            <a:extLst>
+              <a:ext uri="{28A0092B-C50C-407E-A947-70E740481C1C}">
+                <a14:useLocalDpi xmlns:a14="http://schemas.microsoft.com/office/drawing/2010/main" val="0"/>
+              </a:ext>
+            </a:extLst>
+          </a:blip>
+          <a:srcRect/>
+          <a:stretch>
+            <a:fillRect/>
+          </a:stretch>
+        </p:blipFill>
+        <p:spPr bwMode="auto">
+          <a:xfrm>
+            <a:off x="1619672" y="2060848"/>
+            <a:ext cx="5635007" cy="4620706"/>
+          </a:xfrm>
+          <a:prstGeom prst="rect">
+            <a:avLst/>
+          </a:prstGeom>
+          <a:noFill/>
+          <a:extLst>
+            <a:ext uri="{909E8E84-426E-40DD-AFC4-6F175D3DCCD1}">
+              <a14:hiddenFill xmlns:a14="http://schemas.microsoft.com/office/drawing/2010/main">
+                <a:solidFill>
+                  <a:srgbClr val="FFFFFF"/>
+                </a:solidFill>
+              </a14:hiddenFill>
+            </a:ext>
+          </a:extLst>
+        </p:spPr>
+      </p:pic>
+    </p:spTree>
+    <p:extLst>
+      <p:ext uri="{BB962C8B-B14F-4D97-AF65-F5344CB8AC3E}">
+        <p14:creationId xmlns:p14="http://schemas.microsoft.com/office/powerpoint/2010/main" val="3765244779"/>
+      </p:ext>
+    </p:extLst>
+  </p:cSld>
+  <p:clrMapOvr>
+    <a:masterClrMapping/>
+  </p:clrMapOvr>
+  <p:timing>
+    <p:tnLst>
+      <p:par>
+        <p:cTn id="1" dur="indefinite" restart="never" nodeType="tmRoot"/>
+      </p:par>
+    </p:tnLst>
+  </p:timing>
+</p:sld>
+</file>
+
+<file path=ppt/slides/slide15.xml><?xml version="1.0" encoding="utf-8"?>
+<p:sld xmlns:a="http://schemas.openxmlformats.org/drawingml/2006/main" xmlns:r="http://schemas.openxmlformats.org/officeDocument/2006/relationships" xmlns:p="http://schemas.openxmlformats.org/presentationml/2006/main">
+  <p:cSld>
+    <p:spTree>
+      <p:nvGrpSpPr>
+        <p:cNvPr id="1" name=""/>
+        <p:cNvGrpSpPr/>
+        <p:nvPr/>
+      </p:nvGrpSpPr>
+      <p:grpSpPr>
+        <a:xfrm>
+          <a:off x="0" y="0"/>
+          <a:ext cx="0" cy="0"/>
+          <a:chOff x="0" y="0"/>
+          <a:chExt cx="0" cy="0"/>
+        </a:xfrm>
+      </p:grpSpPr>
+      <p:sp>
+        <p:nvSpPr>
+          <p:cNvPr id="3" name="TextBox 2"/>
+          <p:cNvSpPr txBox="1"/>
+          <p:nvPr/>
+        </p:nvSpPr>
+        <p:spPr>
+          <a:xfrm>
+            <a:off x="120474" y="1052736"/>
+            <a:ext cx="8916022" cy="707886"/>
+          </a:xfrm>
+          <a:prstGeom prst="rect">
+            <a:avLst/>
+          </a:prstGeom>
+          <a:noFill/>
+        </p:spPr>
+        <p:txBody>
+          <a:bodyPr wrap="square" rtlCol="0">
+            <a:spAutoFit/>
+          </a:bodyPr>
+          <a:lstStyle/>
+          <a:p>
+            <a:r>
+              <a:rPr lang="ko-KR" altLang="en-US" sz="2000" dirty="0" smtClean="0"/>
+              <a:t>자식 </a:t>
+            </a:r>
+            <a:r>
+              <a:rPr lang="ko-KR" altLang="en-US" sz="2000" dirty="0" err="1" smtClean="0"/>
+              <a:t>뷰를</a:t>
+            </a:r>
+            <a:r>
+              <a:rPr lang="ko-KR" altLang="en-US" sz="2000" dirty="0" smtClean="0"/>
+              <a:t> 일직선이 아닌 다양한 방향으로 표시해야 하는 경우 컴포넌트 사이의 관계를 중심으로 레이아웃을 지정할 수 있는  </a:t>
+            </a:r>
+            <a:r>
+              <a:rPr lang="en-US" altLang="ko-KR" sz="2000" dirty="0" err="1" smtClean="0"/>
+              <a:t>RelativeLayout</a:t>
+            </a:r>
+            <a:r>
+              <a:rPr lang="ko-KR" altLang="en-US" sz="2000" dirty="0" smtClean="0"/>
+              <a:t>을 사용</a:t>
+            </a:r>
+            <a:r>
+              <a:rPr lang="en-US" altLang="ko-KR" sz="2000" dirty="0" smtClean="0"/>
+              <a:t>.</a:t>
+            </a:r>
+            <a:r>
+              <a:rPr lang="ko-KR" altLang="en-US" sz="2000" dirty="0" smtClean="0"/>
+              <a:t> </a:t>
+            </a:r>
+            <a:endParaRPr lang="en-US" altLang="ko-KR" sz="2000" dirty="0">
+              <a:effectLst/>
+            </a:endParaRPr>
+          </a:p>
+        </p:txBody>
+      </p:sp>
+      <p:sp>
+        <p:nvSpPr>
+          <p:cNvPr id="7" name="TextBox 6"/>
+          <p:cNvSpPr txBox="1"/>
+          <p:nvPr/>
+        </p:nvSpPr>
+        <p:spPr>
+          <a:xfrm>
+            <a:off x="232914" y="332656"/>
+            <a:ext cx="3938194" cy="523220"/>
+          </a:xfrm>
+          <a:prstGeom prst="rect">
+            <a:avLst/>
+          </a:prstGeom>
+          <a:noFill/>
+        </p:spPr>
+        <p:txBody>
+          <a:bodyPr wrap="none" rtlCol="0">
+            <a:spAutoFit/>
+          </a:bodyPr>
+          <a:lstStyle/>
+          <a:p>
+            <a:pPr marL="571500" indent="-571500">
+              <a:buFont typeface="Arial" pitchFamily="34" charset="0"/>
+              <a:buChar char="•"/>
+            </a:pPr>
+            <a:r>
+              <a:rPr lang="en-US" altLang="ko-KR" sz="2800" dirty="0" err="1" smtClean="0"/>
+              <a:t>RelativeLayout</a:t>
+            </a:r>
+            <a:r>
+              <a:rPr lang="en-US" altLang="ko-KR" sz="2800" dirty="0" smtClean="0"/>
+              <a:t> </a:t>
+            </a:r>
+            <a:r>
+              <a:rPr lang="ko-KR" altLang="en-US" sz="2800" dirty="0" smtClean="0"/>
+              <a:t>사</a:t>
+            </a:r>
+            <a:r>
+              <a:rPr lang="ko-KR" altLang="en-US" sz="2800" dirty="0"/>
+              <a:t>용</a:t>
+            </a:r>
+            <a:endParaRPr lang="en-US" altLang="ko-KR" sz="2800" dirty="0" smtClean="0"/>
+          </a:p>
+        </p:txBody>
+      </p:sp>
+      <p:pic>
+        <p:nvPicPr>
+          <p:cNvPr id="1026" name="Picture 2" descr="C:\Users\Mutecsoft_pc\Pictures\2016-04-08 17;25;11.jpg"/>
+          <p:cNvPicPr>
+            <a:picLocks noChangeAspect="1" noChangeArrowheads="1"/>
+          </p:cNvPicPr>
+          <p:nvPr/>
+        </p:nvPicPr>
+        <p:blipFill>
+          <a:blip r:embed="rId2">
+            <a:extLst>
+              <a:ext uri="{28A0092B-C50C-407E-A947-70E740481C1C}">
+                <a14:useLocalDpi xmlns:a14="http://schemas.microsoft.com/office/drawing/2010/main" val="0"/>
+              </a:ext>
+            </a:extLst>
+          </a:blip>
+          <a:srcRect/>
+          <a:stretch>
+            <a:fillRect/>
+          </a:stretch>
+        </p:blipFill>
+        <p:spPr bwMode="auto">
+          <a:xfrm>
+            <a:off x="1619672" y="2132856"/>
+            <a:ext cx="5635007" cy="4620706"/>
+          </a:xfrm>
+          <a:prstGeom prst="rect">
+            <a:avLst/>
+          </a:prstGeom>
+          <a:noFill/>
+          <a:extLst>
+            <a:ext uri="{909E8E84-426E-40DD-AFC4-6F175D3DCCD1}">
+              <a14:hiddenFill xmlns:a14="http://schemas.microsoft.com/office/drawing/2010/main">
+                <a:solidFill>
+                  <a:srgbClr val="FFFFFF"/>
+                </a:solidFill>
+              </a14:hiddenFill>
+            </a:ext>
+          </a:extLst>
+        </p:spPr>
+      </p:pic>
+    </p:spTree>
+    <p:extLst>
+      <p:ext uri="{BB962C8B-B14F-4D97-AF65-F5344CB8AC3E}">
+        <p14:creationId xmlns:p14="http://schemas.microsoft.com/office/powerpoint/2010/main" val="2302717598"/>
+      </p:ext>
+    </p:extLst>
+  </p:cSld>
+  <p:clrMapOvr>
+    <a:masterClrMapping/>
+  </p:clrMapOvr>
+  <p:timing>
+    <p:tnLst>
+      <p:par>
+        <p:cTn id="1" dur="indefinite" restart="never" nodeType="tmRoot"/>
+      </p:par>
+    </p:tnLst>
+  </p:timing>
+</p:sld>
+</file>
+
+<file path=ppt/slides/slide16.xml><?xml version="1.0" encoding="utf-8"?>
+<p:sld xmlns:a="http://schemas.openxmlformats.org/drawingml/2006/main" xmlns:r="http://schemas.openxmlformats.org/officeDocument/2006/relationships" xmlns:p="http://schemas.openxmlformats.org/presentationml/2006/main">
+  <p:cSld>
+    <p:spTree>
+      <p:nvGrpSpPr>
+        <p:cNvPr id="1" name=""/>
+        <p:cNvGrpSpPr/>
+        <p:nvPr/>
+      </p:nvGrpSpPr>
+      <p:grpSpPr>
+        <a:xfrm>
+          <a:off x="0" y="0"/>
+          <a:ext cx="0" cy="0"/>
+          <a:chOff x="0" y="0"/>
+          <a:chExt cx="0" cy="0"/>
+        </a:xfrm>
+      </p:grpSpPr>
+      <p:sp>
+        <p:nvSpPr>
+          <p:cNvPr id="3" name="TextBox 2"/>
+          <p:cNvSpPr txBox="1"/>
+          <p:nvPr/>
+        </p:nvSpPr>
+        <p:spPr>
+          <a:xfrm>
+            <a:off x="120474" y="5013176"/>
+            <a:ext cx="8916022" cy="1631216"/>
+          </a:xfrm>
+          <a:prstGeom prst="rect">
+            <a:avLst/>
+          </a:prstGeom>
+          <a:noFill/>
+        </p:spPr>
+        <p:txBody>
+          <a:bodyPr wrap="square" rtlCol="0">
+            <a:spAutoFit/>
+          </a:bodyPr>
+          <a:lstStyle/>
+          <a:p>
+            <a:r>
+              <a:rPr lang="ko-KR" altLang="en-US" sz="2000" dirty="0" err="1" smtClean="0"/>
+              <a:t>앱의</a:t>
+            </a:r>
+            <a:r>
+              <a:rPr lang="ko-KR" altLang="en-US" sz="2000" dirty="0" smtClean="0"/>
+              <a:t> 각 구성 요소에 대한 </a:t>
+            </a:r>
+            <a:r>
+              <a:rPr lang="en-US" altLang="ko-KR" sz="2000" dirty="0" smtClean="0"/>
+              <a:t>UI </a:t>
+            </a:r>
+            <a:r>
+              <a:rPr lang="ko-KR" altLang="en-US" sz="2000" dirty="0" smtClean="0"/>
+              <a:t>는 위 그림에 나타난 바와 같이 </a:t>
+            </a:r>
+            <a:r>
+              <a:rPr lang="en-US" altLang="ko-KR" sz="2000" dirty="0" smtClean="0"/>
+              <a:t>View </a:t>
+            </a:r>
+            <a:r>
+              <a:rPr lang="ko-KR" altLang="en-US" sz="2000" dirty="0" smtClean="0"/>
+              <a:t>와 </a:t>
+            </a:r>
+            <a:r>
+              <a:rPr lang="en-US" altLang="ko-KR" sz="2000" dirty="0" err="1" smtClean="0"/>
+              <a:t>ViewGroup</a:t>
+            </a:r>
+            <a:r>
+              <a:rPr lang="en-US" altLang="ko-KR" sz="2000" dirty="0" smtClean="0"/>
+              <a:t> </a:t>
+            </a:r>
+            <a:r>
+              <a:rPr lang="ko-KR" altLang="en-US" sz="2000" dirty="0" smtClean="0"/>
+              <a:t>객체의 계층으로 정의됩니다</a:t>
+            </a:r>
+            <a:r>
+              <a:rPr lang="en-US" altLang="ko-KR" sz="2000" dirty="0" smtClean="0"/>
+              <a:t>. </a:t>
+            </a:r>
+            <a:r>
+              <a:rPr lang="ko-KR" altLang="en-US" sz="2000" dirty="0" smtClean="0"/>
+              <a:t>각 </a:t>
+            </a:r>
+            <a:r>
+              <a:rPr lang="en-US" altLang="ko-KR" sz="2000" dirty="0" err="1" smtClean="0"/>
+              <a:t>ViewGroup</a:t>
+            </a:r>
+            <a:r>
+              <a:rPr lang="ko-KR" altLang="en-US" sz="2000" dirty="0"/>
+              <a:t> </a:t>
+            </a:r>
+            <a:r>
+              <a:rPr lang="ko-KR" altLang="en-US" sz="2000" dirty="0" smtClean="0"/>
+              <a:t>은 하위 </a:t>
+            </a:r>
+            <a:r>
+              <a:rPr lang="en-US" altLang="ko-KR" sz="2000" dirty="0" smtClean="0"/>
+              <a:t>View</a:t>
+            </a:r>
+            <a:r>
+              <a:rPr lang="ko-KR" altLang="en-US" sz="2000" dirty="0" smtClean="0"/>
+              <a:t>를 체계화하는 투명한 컨테이너이고</a:t>
+            </a:r>
+            <a:r>
+              <a:rPr lang="en-US" altLang="ko-KR" sz="2000" dirty="0" smtClean="0"/>
+              <a:t>, </a:t>
+            </a:r>
+            <a:r>
+              <a:rPr lang="ko-KR" altLang="en-US" sz="2000" dirty="0" smtClean="0"/>
+              <a:t>하위 </a:t>
+            </a:r>
+            <a:r>
+              <a:rPr lang="en-US" altLang="ko-KR" sz="2000" dirty="0" smtClean="0"/>
+              <a:t>View </a:t>
+            </a:r>
+            <a:r>
+              <a:rPr lang="ko-KR" altLang="en-US" sz="2000" dirty="0" smtClean="0"/>
+              <a:t>는 </a:t>
+            </a:r>
+            <a:r>
+              <a:rPr lang="en-US" altLang="ko-KR" sz="2000" dirty="0" smtClean="0"/>
+              <a:t>UI </a:t>
+            </a:r>
+            <a:r>
+              <a:rPr lang="ko-KR" altLang="en-US" sz="2000" dirty="0" smtClean="0"/>
+              <a:t>의 일부분을 그리는 제어나 다른 </a:t>
+            </a:r>
+            <a:r>
+              <a:rPr lang="ko-KR" altLang="en-US" sz="2000" dirty="0" err="1" smtClean="0"/>
+              <a:t>위젯일</a:t>
+            </a:r>
+            <a:r>
+              <a:rPr lang="ko-KR" altLang="en-US" sz="2000" dirty="0" smtClean="0"/>
+              <a:t> 수 있습니다</a:t>
+            </a:r>
+            <a:r>
+              <a:rPr lang="en-US" altLang="ko-KR" sz="2000" dirty="0" smtClean="0"/>
+              <a:t>. </a:t>
+            </a:r>
+            <a:r>
+              <a:rPr lang="ko-KR" altLang="en-US" sz="2000" dirty="0" smtClean="0"/>
+              <a:t>이 계층 </a:t>
+            </a:r>
+            <a:r>
+              <a:rPr lang="ko-KR" altLang="en-US" sz="2000" dirty="0" err="1" smtClean="0"/>
+              <a:t>트리는</a:t>
+            </a:r>
+            <a:r>
+              <a:rPr lang="ko-KR" altLang="en-US" sz="2000" dirty="0" smtClean="0"/>
+              <a:t> 개발자에게 필요한 만큼 단순하거나 복잡하게 만들 수 있습니다</a:t>
+            </a:r>
+            <a:r>
+              <a:rPr lang="en-US" altLang="ko-KR" sz="2000" dirty="0" smtClean="0"/>
+              <a:t>(</a:t>
+            </a:r>
+            <a:r>
+              <a:rPr lang="ko-KR" altLang="en-US" sz="2000" dirty="0" smtClean="0"/>
+              <a:t>다만 단순한 것이 성능에는 가장 좋습니다</a:t>
+            </a:r>
+            <a:r>
+              <a:rPr lang="en-US" altLang="ko-KR" sz="2000" dirty="0" smtClean="0"/>
+              <a:t>).</a:t>
+            </a:r>
+            <a:endParaRPr lang="ko-KR" altLang="en-US" sz="2000" dirty="0"/>
+          </a:p>
+        </p:txBody>
+      </p:sp>
+      <p:sp>
+        <p:nvSpPr>
+          <p:cNvPr id="10" name="TextBox 9"/>
+          <p:cNvSpPr txBox="1"/>
+          <p:nvPr/>
+        </p:nvSpPr>
+        <p:spPr>
+          <a:xfrm>
+            <a:off x="232914" y="260647"/>
+            <a:ext cx="2877583" cy="646331"/>
+          </a:xfrm>
+          <a:prstGeom prst="rect">
+            <a:avLst/>
+          </a:prstGeom>
+          <a:noFill/>
+        </p:spPr>
+        <p:txBody>
+          <a:bodyPr wrap="none" rtlCol="0">
+            <a:spAutoFit/>
+          </a:bodyPr>
+          <a:lstStyle/>
+          <a:p>
+            <a:pPr marL="571500" indent="-571500">
+              <a:buFont typeface="Arial" pitchFamily="34" charset="0"/>
+              <a:buChar char="•"/>
+            </a:pPr>
+            <a:r>
+              <a:rPr lang="en-US" altLang="ko-KR" sz="3600" b="1" dirty="0" smtClean="0"/>
+              <a:t>UI Layout</a:t>
+            </a:r>
+            <a:endParaRPr lang="ko-KR" altLang="en-US" sz="3600" b="1" dirty="0"/>
+          </a:p>
+        </p:txBody>
+      </p:sp>
+      <p:pic>
+        <p:nvPicPr>
+          <p:cNvPr id="1026" name="Picture 2" descr="C:\Users\Mutecsoft_pc\Pictures\viewgroup.jpg"/>
+          <p:cNvPicPr>
+            <a:picLocks noChangeAspect="1" noChangeArrowheads="1"/>
+          </p:cNvPicPr>
+          <p:nvPr/>
+        </p:nvPicPr>
+        <p:blipFill>
+          <a:blip r:embed="rId2">
+            <a:extLst>
+              <a:ext uri="{28A0092B-C50C-407E-A947-70E740481C1C}">
+                <a14:useLocalDpi xmlns:a14="http://schemas.microsoft.com/office/drawing/2010/main" val="0"/>
+              </a:ext>
+            </a:extLst>
+          </a:blip>
+          <a:srcRect/>
+          <a:stretch>
+            <a:fillRect/>
+          </a:stretch>
+        </p:blipFill>
+        <p:spPr bwMode="auto">
+          <a:xfrm>
+            <a:off x="1403648" y="1412776"/>
+            <a:ext cx="5995270" cy="3200007"/>
+          </a:xfrm>
+          <a:prstGeom prst="rect">
+            <a:avLst/>
+          </a:prstGeom>
+          <a:noFill/>
+          <a:extLst>
+            <a:ext uri="{909E8E84-426E-40DD-AFC4-6F175D3DCCD1}">
+              <a14:hiddenFill xmlns:a14="http://schemas.microsoft.com/office/drawing/2010/main">
+                <a:solidFill>
+                  <a:srgbClr val="FFFFFF"/>
+                </a:solidFill>
+              </a14:hiddenFill>
+            </a:ext>
+          </a:extLst>
+        </p:spPr>
+      </p:pic>
+    </p:spTree>
+    <p:extLst>
+      <p:ext uri="{BB962C8B-B14F-4D97-AF65-F5344CB8AC3E}">
+        <p14:creationId xmlns:p14="http://schemas.microsoft.com/office/powerpoint/2010/main" val="3095731731"/>
+      </p:ext>
+    </p:extLst>
+  </p:cSld>
+  <p:clrMapOvr>
+    <a:masterClrMapping/>
+  </p:clrMapOvr>
+  <p:timing>
+    <p:tnLst>
+      <p:par>
+        <p:cTn id="1" dur="indefinite" restart="never" nodeType="tmRoot"/>
+      </p:par>
+    </p:tnLst>
+  </p:timing>
+</p:sld>
+</file>
+
+<file path=ppt/slides/slide17.xml><?xml version="1.0" encoding="utf-8"?>
+<p:sld xmlns:a="http://schemas.openxmlformats.org/drawingml/2006/main" xmlns:r="http://schemas.openxmlformats.org/officeDocument/2006/relationships" xmlns:p="http://schemas.openxmlformats.org/presentationml/2006/main">
+  <p:cSld>
+    <p:spTree>
+      <p:nvGrpSpPr>
+        <p:cNvPr id="1" name=""/>
+        <p:cNvGrpSpPr/>
+        <p:nvPr/>
+      </p:nvGrpSpPr>
+      <p:grpSpPr>
+        <a:xfrm>
+          <a:off x="0" y="0"/>
+          <a:ext cx="0" cy="0"/>
+          <a:chOff x="0" y="0"/>
+          <a:chExt cx="0" cy="0"/>
+        </a:xfrm>
+      </p:grpSpPr>
+      <p:sp>
+        <p:nvSpPr>
+          <p:cNvPr id="3" name="TextBox 2"/>
+          <p:cNvSpPr txBox="1"/>
+          <p:nvPr/>
+        </p:nvSpPr>
+        <p:spPr>
+          <a:xfrm>
+            <a:off x="120474" y="429632"/>
+            <a:ext cx="8916022" cy="2554545"/>
+          </a:xfrm>
+          <a:prstGeom prst="rect">
+            <a:avLst/>
+          </a:prstGeom>
+          <a:noFill/>
+        </p:spPr>
+        <p:txBody>
+          <a:bodyPr wrap="square" rtlCol="0">
+            <a:spAutoFit/>
+          </a:bodyPr>
+          <a:lstStyle/>
+          <a:p>
+            <a:r>
+              <a:rPr lang="ko-KR" altLang="en-US" sz="2000" dirty="0" smtClean="0"/>
+              <a:t>레이아웃을 선언하려면 코드의 </a:t>
+            </a:r>
+            <a:r>
+              <a:rPr lang="en-US" altLang="ko-KR" sz="2000" dirty="0" smtClean="0"/>
+              <a:t>View </a:t>
+            </a:r>
+            <a:r>
+              <a:rPr lang="ko-KR" altLang="en-US" sz="2000" dirty="0" smtClean="0"/>
+              <a:t>객체를 인스턴트화하고 </a:t>
+            </a:r>
+            <a:r>
+              <a:rPr lang="ko-KR" altLang="en-US" sz="2000" dirty="0" err="1" smtClean="0"/>
+              <a:t>트리를</a:t>
+            </a:r>
+            <a:r>
+              <a:rPr lang="ko-KR" altLang="en-US" sz="2000" dirty="0" smtClean="0"/>
+              <a:t> 구축해도 되고 간편하게 </a:t>
+            </a:r>
+            <a:r>
+              <a:rPr lang="en-US" altLang="ko-KR" sz="2000" dirty="0" smtClean="0"/>
+              <a:t>xml </a:t>
+            </a:r>
+            <a:r>
+              <a:rPr lang="ko-KR" altLang="en-US" sz="2000" dirty="0" smtClean="0"/>
+              <a:t>파일을 사용해도 됩니다</a:t>
+            </a:r>
+            <a:r>
+              <a:rPr lang="en-US" altLang="ko-KR" sz="2000" dirty="0" smtClean="0"/>
+              <a:t>.</a:t>
+            </a:r>
+          </a:p>
+          <a:p>
+            <a:endParaRPr lang="en-US" altLang="ko-KR" sz="2000" dirty="0"/>
+          </a:p>
+          <a:p>
+            <a:r>
+              <a:rPr lang="en-US" altLang="ko-KR" sz="2000" dirty="0" smtClean="0"/>
+              <a:t>xml </a:t>
+            </a:r>
+            <a:r>
+              <a:rPr lang="ko-KR" altLang="en-US" sz="2000" dirty="0" smtClean="0"/>
+              <a:t>에서 사용하는 요소 이름들</a:t>
+            </a:r>
+            <a:r>
+              <a:rPr lang="en-US" altLang="ko-KR" sz="2000" dirty="0" smtClean="0"/>
+              <a:t>(</a:t>
+            </a:r>
+            <a:r>
+              <a:rPr lang="en-US" altLang="ko-KR" sz="2000" dirty="0" err="1" smtClean="0"/>
+              <a:t>LinearLayout</a:t>
+            </a:r>
+            <a:r>
+              <a:rPr lang="en-US" altLang="ko-KR" sz="2000" dirty="0" smtClean="0"/>
+              <a:t>, </a:t>
+            </a:r>
+            <a:r>
+              <a:rPr lang="en-US" altLang="ko-KR" sz="2000" dirty="0" err="1" smtClean="0"/>
+              <a:t>TextView</a:t>
+            </a:r>
+            <a:r>
+              <a:rPr lang="en-US" altLang="ko-KR" sz="2000" dirty="0" smtClean="0"/>
+              <a:t>, Button)</a:t>
+            </a:r>
+            <a:r>
+              <a:rPr lang="ko-KR" altLang="en-US" sz="2000" dirty="0" smtClean="0"/>
+              <a:t>은 </a:t>
+            </a:r>
+            <a:r>
+              <a:rPr lang="ko-KR" altLang="en-US" sz="2000" dirty="0" err="1" smtClean="0"/>
+              <a:t>안드로이드에서</a:t>
+            </a:r>
+            <a:r>
+              <a:rPr lang="ko-KR" altLang="en-US" sz="2000" dirty="0" smtClean="0"/>
+              <a:t> 해당 클래스로  존재합니다</a:t>
+            </a:r>
+            <a:r>
+              <a:rPr lang="en-US" altLang="ko-KR" sz="2000" dirty="0" smtClean="0"/>
+              <a:t>.</a:t>
+            </a:r>
+          </a:p>
+          <a:p>
+            <a:endParaRPr lang="en-US" altLang="ko-KR" sz="2000" dirty="0"/>
+          </a:p>
+          <a:p>
+            <a:r>
+              <a:rPr lang="ko-KR" altLang="en-US" sz="2000" dirty="0" smtClean="0"/>
+              <a:t>코드에서는 레이아웃  리소스</a:t>
+            </a:r>
+            <a:r>
+              <a:rPr lang="en-US" altLang="ko-KR" sz="2000" dirty="0" smtClean="0"/>
+              <a:t>(xml </a:t>
+            </a:r>
+            <a:r>
+              <a:rPr lang="ko-KR" altLang="en-US" sz="2000" dirty="0" smtClean="0"/>
+              <a:t>파일</a:t>
+            </a:r>
+            <a:r>
+              <a:rPr lang="en-US" altLang="ko-KR" sz="2000" dirty="0" smtClean="0"/>
+              <a:t>)</a:t>
+            </a:r>
+            <a:r>
+              <a:rPr lang="ko-KR" altLang="en-US" sz="2000" dirty="0" smtClean="0"/>
+              <a:t>를 </a:t>
+            </a:r>
+            <a:r>
+              <a:rPr lang="en-US" altLang="ko-KR" sz="2000" dirty="0" smtClean="0"/>
+              <a:t>Inflate </a:t>
+            </a:r>
+            <a:r>
+              <a:rPr lang="ko-KR" altLang="en-US" sz="2000" dirty="0" smtClean="0"/>
+              <a:t>해서 객체 상태로 사용합니다</a:t>
+            </a:r>
+            <a:r>
+              <a:rPr lang="en-US" altLang="ko-KR" sz="2000" dirty="0" smtClean="0"/>
+              <a:t>.</a:t>
+            </a:r>
+            <a:endParaRPr lang="ko-KR" altLang="en-US" sz="2000" dirty="0"/>
+          </a:p>
+        </p:txBody>
+      </p:sp>
+      <p:sp>
+        <p:nvSpPr>
+          <p:cNvPr id="7" name="TextBox 6"/>
+          <p:cNvSpPr txBox="1"/>
+          <p:nvPr/>
+        </p:nvSpPr>
+        <p:spPr>
+          <a:xfrm>
+            <a:off x="107504" y="4437112"/>
+            <a:ext cx="8916022" cy="1323439"/>
+          </a:xfrm>
+          <a:prstGeom prst="rect">
+            <a:avLst/>
+          </a:prstGeom>
+          <a:noFill/>
+        </p:spPr>
+        <p:txBody>
+          <a:bodyPr wrap="square" rtlCol="0">
+            <a:spAutoFit/>
+          </a:bodyPr>
+          <a:lstStyle/>
+          <a:p>
+            <a:r>
+              <a:rPr lang="en-US" altLang="ko-KR" sz="2000" dirty="0" smtClean="0"/>
+              <a:t>UI </a:t>
+            </a:r>
+            <a:r>
+              <a:rPr lang="ko-KR" altLang="en-US" sz="2000" dirty="0" smtClean="0"/>
+              <a:t>를 구축할 때 모두 </a:t>
+            </a:r>
+            <a:r>
+              <a:rPr lang="en-US" altLang="ko-KR" sz="2000" dirty="0" smtClean="0"/>
+              <a:t>View </a:t>
+            </a:r>
+            <a:r>
+              <a:rPr lang="ko-KR" altLang="en-US" sz="2000" dirty="0" smtClean="0"/>
+              <a:t>및 </a:t>
+            </a:r>
+            <a:r>
+              <a:rPr lang="en-US" altLang="ko-KR" sz="2000" dirty="0" err="1" smtClean="0"/>
+              <a:t>ViewGroup</a:t>
+            </a:r>
+            <a:r>
+              <a:rPr lang="en-US" altLang="ko-KR" sz="2000" dirty="0" smtClean="0"/>
+              <a:t> </a:t>
+            </a:r>
+            <a:r>
+              <a:rPr lang="ko-KR" altLang="en-US" sz="2000" dirty="0" smtClean="0"/>
+              <a:t>객체를 사용해야 하는 것은 아닙니다</a:t>
+            </a:r>
+            <a:r>
+              <a:rPr lang="en-US" altLang="ko-KR" sz="2000" dirty="0" smtClean="0"/>
+              <a:t>.  </a:t>
+            </a:r>
+            <a:r>
+              <a:rPr lang="ko-KR" altLang="en-US" sz="2000" dirty="0" err="1" smtClean="0"/>
+              <a:t>안드로이드가</a:t>
+            </a:r>
+            <a:r>
+              <a:rPr lang="ko-KR" altLang="en-US" sz="2000" dirty="0" smtClean="0"/>
+              <a:t> 표준형 </a:t>
+            </a:r>
+            <a:r>
+              <a:rPr lang="en-US" altLang="ko-KR" sz="2000" dirty="0" smtClean="0"/>
+              <a:t>UI </a:t>
+            </a:r>
+            <a:r>
+              <a:rPr lang="ko-KR" altLang="en-US" sz="2000" dirty="0" smtClean="0"/>
+              <a:t>레이아웃을 제공하는 </a:t>
+            </a:r>
+            <a:r>
+              <a:rPr lang="ko-KR" altLang="en-US" sz="2000" dirty="0" err="1" smtClean="0"/>
+              <a:t>앱</a:t>
+            </a:r>
+            <a:r>
+              <a:rPr lang="ko-KR" altLang="en-US" sz="2000" dirty="0" smtClean="0"/>
+              <a:t> 컴포넌트</a:t>
+            </a:r>
+            <a:r>
+              <a:rPr lang="en-US" altLang="ko-KR" sz="2000" dirty="0" smtClean="0"/>
+              <a:t>(</a:t>
+            </a:r>
+            <a:r>
+              <a:rPr lang="ko-KR" altLang="en-US" sz="2000" dirty="0" smtClean="0"/>
+              <a:t>액션 </a:t>
+            </a:r>
+            <a:r>
+              <a:rPr lang="ko-KR" altLang="en-US" sz="2000" dirty="0"/>
+              <a:t>바</a:t>
+            </a:r>
+            <a:r>
+              <a:rPr lang="en-US" altLang="ko-KR" sz="2000" dirty="0"/>
+              <a:t>, </a:t>
+            </a:r>
+            <a:r>
+              <a:rPr lang="ko-KR" altLang="en-US" sz="2000" dirty="0"/>
+              <a:t>다이얼로그</a:t>
+            </a:r>
+            <a:r>
+              <a:rPr lang="en-US" altLang="ko-KR" sz="2000" dirty="0"/>
+              <a:t>, </a:t>
+            </a:r>
+            <a:r>
+              <a:rPr lang="ko-KR" altLang="en-US" sz="2000" dirty="0"/>
+              <a:t>상태 알림</a:t>
+            </a:r>
+            <a:r>
+              <a:rPr lang="en-US" altLang="ko-KR" sz="2000" dirty="0" smtClean="0"/>
+              <a:t>)</a:t>
+            </a:r>
+            <a:r>
+              <a:rPr lang="ko-KR" altLang="en-US" sz="2000" dirty="0" smtClean="0"/>
+              <a:t>를 여러 개 제공하므로 이에 대한 </a:t>
+            </a:r>
+            <a:r>
+              <a:rPr lang="ko-KR" altLang="en-US" sz="2000" dirty="0" err="1" smtClean="0"/>
+              <a:t>콘텐츠만</a:t>
+            </a:r>
+            <a:r>
+              <a:rPr lang="ko-KR" altLang="en-US" sz="2000" dirty="0" smtClean="0"/>
+              <a:t> 정의하면 됩니다</a:t>
+            </a:r>
+            <a:r>
+              <a:rPr lang="en-US" altLang="ko-KR" sz="2000" dirty="0" smtClean="0"/>
+              <a:t>.</a:t>
+            </a:r>
+          </a:p>
+        </p:txBody>
+      </p:sp>
+      <p:sp>
+        <p:nvSpPr>
+          <p:cNvPr id="8" name="TextBox 7"/>
+          <p:cNvSpPr txBox="1"/>
+          <p:nvPr/>
+        </p:nvSpPr>
+        <p:spPr>
+          <a:xfrm>
+            <a:off x="232914" y="3205424"/>
+            <a:ext cx="4190571" cy="646331"/>
+          </a:xfrm>
+          <a:prstGeom prst="rect">
+            <a:avLst/>
+          </a:prstGeom>
+          <a:noFill/>
+        </p:spPr>
+        <p:txBody>
+          <a:bodyPr wrap="none" rtlCol="0">
+            <a:spAutoFit/>
+          </a:bodyPr>
+          <a:lstStyle/>
+          <a:p>
+            <a:pPr marL="571500" indent="-571500">
+              <a:buFont typeface="Arial" pitchFamily="34" charset="0"/>
+              <a:buChar char="•"/>
+            </a:pPr>
+            <a:r>
+              <a:rPr lang="en-US" altLang="ko-KR" sz="3600" b="1" dirty="0" smtClean="0"/>
+              <a:t>UI Components</a:t>
+            </a:r>
+            <a:endParaRPr lang="ko-KR" altLang="en-US" sz="3600" b="1" dirty="0"/>
+          </a:p>
+        </p:txBody>
+      </p:sp>
+    </p:spTree>
+    <p:extLst>
+      <p:ext uri="{BB962C8B-B14F-4D97-AF65-F5344CB8AC3E}">
+        <p14:creationId xmlns:p14="http://schemas.microsoft.com/office/powerpoint/2010/main" val="557952983"/>
+      </p:ext>
+    </p:extLst>
+  </p:cSld>
+  <p:clrMapOvr>
+    <a:masterClrMapping/>
+  </p:clrMapOvr>
+  <p:timing>
+    <p:tnLst>
+      <p:par>
+        <p:cTn id="1" dur="indefinite" restart="never" nodeType="tmRoot"/>
+      </p:par>
+    </p:tnLst>
+  </p:timing>
+</p:sld>
+</file>
+
+<file path=ppt/slides/slide18.xml><?xml version="1.0" encoding="utf-8"?>
+<p:sld xmlns:a="http://schemas.openxmlformats.org/drawingml/2006/main" xmlns:r="http://schemas.openxmlformats.org/officeDocument/2006/relationships" xmlns:p="http://schemas.openxmlformats.org/presentationml/2006/main">
+  <p:cSld>
+    <p:spTree>
+      <p:nvGrpSpPr>
+        <p:cNvPr id="1" name=""/>
+        <p:cNvGrpSpPr/>
+        <p:nvPr/>
+      </p:nvGrpSpPr>
+      <p:grpSpPr>
+        <a:xfrm>
+          <a:off x="0" y="0"/>
+          <a:ext cx="0" cy="0"/>
+          <a:chOff x="0" y="0"/>
+          <a:chExt cx="0" cy="0"/>
+        </a:xfrm>
+      </p:grpSpPr>
+      <p:sp>
+        <p:nvSpPr>
+          <p:cNvPr id="7" name="TextBox 6"/>
+          <p:cNvSpPr txBox="1"/>
+          <p:nvPr/>
+        </p:nvSpPr>
+        <p:spPr>
+          <a:xfrm>
+            <a:off x="107504" y="1124744"/>
+            <a:ext cx="8916022" cy="707886"/>
+          </a:xfrm>
+          <a:prstGeom prst="rect">
+            <a:avLst/>
+          </a:prstGeom>
+          <a:noFill/>
+        </p:spPr>
+        <p:txBody>
+          <a:bodyPr wrap="square" rtlCol="0">
+            <a:spAutoFit/>
+          </a:bodyPr>
+          <a:lstStyle/>
+          <a:p>
+            <a:r>
+              <a:rPr lang="ko-KR" altLang="en-US" sz="2000" dirty="0" smtClean="0"/>
+              <a:t>직접적으로 보이며 </a:t>
+            </a:r>
+            <a:r>
+              <a:rPr lang="en-US" altLang="ko-KR" sz="2000" dirty="0" smtClean="0"/>
+              <a:t>UI </a:t>
+            </a:r>
+            <a:r>
+              <a:rPr lang="ko-KR" altLang="en-US" sz="2000" dirty="0" smtClean="0"/>
+              <a:t>를 구성한다</a:t>
+            </a:r>
+            <a:r>
+              <a:rPr lang="en-US" altLang="ko-KR" sz="2000" dirty="0" smtClean="0"/>
+              <a:t>. Button, </a:t>
+            </a:r>
+            <a:r>
+              <a:rPr lang="en-US" altLang="ko-KR" sz="2000" dirty="0" err="1" smtClean="0"/>
+              <a:t>TextView</a:t>
+            </a:r>
+            <a:r>
+              <a:rPr lang="en-US" altLang="ko-KR" sz="2000" dirty="0" smtClean="0"/>
+              <a:t>, </a:t>
+            </a:r>
+            <a:r>
+              <a:rPr lang="en-US" altLang="ko-KR" sz="2000" dirty="0" err="1" smtClean="0"/>
+              <a:t>EditText</a:t>
+            </a:r>
+            <a:r>
+              <a:rPr lang="en-US" altLang="ko-KR" sz="2000" dirty="0" smtClean="0"/>
+              <a:t>, </a:t>
+            </a:r>
+            <a:r>
+              <a:rPr lang="en-US" altLang="ko-KR" sz="2000" dirty="0" err="1" smtClean="0"/>
+              <a:t>RadioButton</a:t>
+            </a:r>
+            <a:r>
+              <a:rPr lang="en-US" altLang="ko-KR" sz="2000" dirty="0" smtClean="0"/>
+              <a:t> </a:t>
+            </a:r>
+            <a:r>
+              <a:rPr lang="ko-KR" altLang="en-US" sz="2000" dirty="0" smtClean="0"/>
+              <a:t>등이 </a:t>
+            </a:r>
+            <a:r>
+              <a:rPr lang="ko-KR" altLang="en-US" sz="2000" dirty="0" err="1" smtClean="0"/>
+              <a:t>위젯이며</a:t>
+            </a:r>
+            <a:r>
+              <a:rPr lang="ko-KR" altLang="en-US" sz="2000" dirty="0" smtClean="0"/>
+              <a:t> 흔히 컨트롤이라고 부른다</a:t>
+            </a:r>
+            <a:r>
+              <a:rPr lang="en-US" altLang="ko-KR" sz="2000" dirty="0" smtClean="0"/>
+              <a:t>.</a:t>
+            </a:r>
+          </a:p>
+        </p:txBody>
+      </p:sp>
+      <p:sp>
+        <p:nvSpPr>
+          <p:cNvPr id="8" name="TextBox 7"/>
+          <p:cNvSpPr txBox="1"/>
+          <p:nvPr/>
+        </p:nvSpPr>
+        <p:spPr>
+          <a:xfrm>
+            <a:off x="265527" y="332656"/>
+            <a:ext cx="1991251" cy="646331"/>
+          </a:xfrm>
+          <a:prstGeom prst="rect">
+            <a:avLst/>
+          </a:prstGeom>
+          <a:noFill/>
+        </p:spPr>
+        <p:txBody>
+          <a:bodyPr wrap="none" rtlCol="0">
+            <a:spAutoFit/>
+          </a:bodyPr>
+          <a:lstStyle/>
+          <a:p>
+            <a:pPr marL="742950" indent="-742950">
+              <a:buFont typeface="+mj-lt"/>
+              <a:buAutoNum type="arabicPeriod"/>
+            </a:pPr>
+            <a:r>
+              <a:rPr lang="en-US" altLang="ko-KR" sz="3600" b="1" dirty="0" smtClean="0"/>
+              <a:t>View</a:t>
+            </a:r>
+            <a:endParaRPr lang="ko-KR" altLang="en-US" sz="3600" b="1" dirty="0"/>
+          </a:p>
+        </p:txBody>
+      </p:sp>
+      <p:pic>
+        <p:nvPicPr>
+          <p:cNvPr id="7170" name="Picture 2" descr="C:\Users\Mutecsoft_pc\Pictures\111.jpg"/>
+          <p:cNvPicPr>
+            <a:picLocks noChangeAspect="1" noChangeArrowheads="1"/>
+          </p:cNvPicPr>
+          <p:nvPr/>
+        </p:nvPicPr>
+        <p:blipFill>
+          <a:blip r:embed="rId2">
+            <a:extLst>
+              <a:ext uri="{28A0092B-C50C-407E-A947-70E740481C1C}">
+                <a14:useLocalDpi xmlns:a14="http://schemas.microsoft.com/office/drawing/2010/main" val="0"/>
+              </a:ext>
+            </a:extLst>
+          </a:blip>
+          <a:srcRect/>
+          <a:stretch>
+            <a:fillRect/>
+          </a:stretch>
+        </p:blipFill>
+        <p:spPr bwMode="auto">
+          <a:xfrm>
+            <a:off x="613860" y="2132856"/>
+            <a:ext cx="7774564" cy="4392488"/>
+          </a:xfrm>
+          <a:prstGeom prst="rect">
+            <a:avLst/>
+          </a:prstGeom>
+          <a:noFill/>
+          <a:extLst>
+            <a:ext uri="{909E8E84-426E-40DD-AFC4-6F175D3DCCD1}">
+              <a14:hiddenFill xmlns:a14="http://schemas.microsoft.com/office/drawing/2010/main">
+                <a:solidFill>
+                  <a:srgbClr val="FFFFFF"/>
+                </a:solidFill>
+              </a14:hiddenFill>
+            </a:ext>
+          </a:extLst>
+        </p:spPr>
+      </p:pic>
+    </p:spTree>
+    <p:extLst>
+      <p:ext uri="{BB962C8B-B14F-4D97-AF65-F5344CB8AC3E}">
+        <p14:creationId xmlns:p14="http://schemas.microsoft.com/office/powerpoint/2010/main" val="2578237418"/>
+      </p:ext>
+    </p:extLst>
+  </p:cSld>
+  <p:clrMapOvr>
+    <a:masterClrMapping/>
+  </p:clrMapOvr>
+  <p:timing>
+    <p:tnLst>
+      <p:par>
+        <p:cTn id="1" dur="indefinite" restart="never" nodeType="tmRoot"/>
+      </p:par>
+    </p:tnLst>
+  </p:timing>
+</p:sld>
+</file>
+
+<file path=ppt/slides/slide19.xml><?xml version="1.0" encoding="utf-8"?>
+<p:sld xmlns:a="http://schemas.openxmlformats.org/drawingml/2006/main" xmlns:r="http://schemas.openxmlformats.org/officeDocument/2006/relationships" xmlns:p="http://schemas.openxmlformats.org/presentationml/2006/main">
+  <p:cSld>
+    <p:spTree>
+      <p:nvGrpSpPr>
+        <p:cNvPr id="1" name=""/>
+        <p:cNvGrpSpPr/>
+        <p:nvPr/>
+      </p:nvGrpSpPr>
+      <p:grpSpPr>
+        <a:xfrm>
+          <a:off x="0" y="0"/>
+          <a:ext cx="0" cy="0"/>
+          <a:chOff x="0" y="0"/>
+          <a:chExt cx="0" cy="0"/>
+        </a:xfrm>
+      </p:grpSpPr>
+      <p:sp>
+        <p:nvSpPr>
           <p:cNvPr id="7" name="TextBox 6"/>
           <p:cNvSpPr txBox="1"/>
           <p:nvPr/>
@@ -3884,7 +6014,154 @@
 </p:sld>
 </file>
 
-<file path=ppt/slides/slide11.xml><?xml version="1.0" encoding="utf-8"?>
+<file path=ppt/slides/slide2.xml><?xml version="1.0" encoding="utf-8"?>
+<p:sld xmlns:a="http://schemas.openxmlformats.org/drawingml/2006/main" xmlns:r="http://schemas.openxmlformats.org/officeDocument/2006/relationships" xmlns:p="http://schemas.openxmlformats.org/presentationml/2006/main">
+  <p:cSld>
+    <p:spTree>
+      <p:nvGrpSpPr>
+        <p:cNvPr id="1" name=""/>
+        <p:cNvGrpSpPr/>
+        <p:nvPr/>
+      </p:nvGrpSpPr>
+      <p:grpSpPr>
+        <a:xfrm>
+          <a:off x="0" y="0"/>
+          <a:ext cx="0" cy="0"/>
+          <a:chOff x="0" y="0"/>
+          <a:chExt cx="0" cy="0"/>
+        </a:xfrm>
+      </p:grpSpPr>
+      <p:sp>
+        <p:nvSpPr>
+          <p:cNvPr id="2" name="제목 1"/>
+          <p:cNvSpPr>
+            <a:spLocks noGrp="1"/>
+          </p:cNvSpPr>
+          <p:nvPr>
+            <p:ph type="ctrTitle"/>
+          </p:nvPr>
+        </p:nvSpPr>
+        <p:spPr/>
+        <p:txBody>
+          <a:bodyPr/>
+          <a:lstStyle/>
+          <a:p>
+            <a:endParaRPr lang="ko-KR" altLang="en-US" dirty="0"/>
+          </a:p>
+        </p:txBody>
+      </p:sp>
+      <p:sp>
+        <p:nvSpPr>
+          <p:cNvPr id="3" name="부제목 2"/>
+          <p:cNvSpPr>
+            <a:spLocks noGrp="1"/>
+          </p:cNvSpPr>
+          <p:nvPr>
+            <p:ph type="subTitle" idx="1"/>
+          </p:nvPr>
+        </p:nvSpPr>
+        <p:spPr/>
+        <p:txBody>
+          <a:bodyPr/>
+          <a:lstStyle/>
+          <a:p>
+            <a:r>
+              <a:rPr lang="ko-KR" altLang="en-US" dirty="0" smtClean="0"/>
+              <a:t>레이아웃</a:t>
+            </a:r>
+            <a:r>
+              <a:rPr lang="en-US" altLang="ko-KR" dirty="0" smtClean="0"/>
+              <a:t>(</a:t>
+            </a:r>
+            <a:r>
+              <a:rPr lang="ko-KR" altLang="en-US" dirty="0" smtClean="0"/>
+              <a:t>나인패치</a:t>
+            </a:r>
+            <a:r>
+              <a:rPr lang="en-US" altLang="ko-KR" dirty="0" smtClean="0"/>
+              <a:t>, </a:t>
+            </a:r>
+            <a:r>
+              <a:rPr lang="en-US" altLang="ko-KR" dirty="0" err="1" smtClean="0"/>
+              <a:t>dp</a:t>
+            </a:r>
+            <a:r>
+              <a:rPr lang="en-US" altLang="ko-KR" dirty="0" smtClean="0"/>
+              <a:t>), </a:t>
+            </a:r>
+            <a:r>
+              <a:rPr lang="ko-KR" altLang="en-US" dirty="0" smtClean="0"/>
+              <a:t>애니메이션</a:t>
+            </a:r>
+            <a:r>
+              <a:rPr lang="en-US" altLang="ko-KR" dirty="0" smtClean="0"/>
+              <a:t>, </a:t>
+            </a:r>
+            <a:r>
+              <a:rPr lang="en-US" altLang="ko-KR" dirty="0" err="1" smtClean="0"/>
+              <a:t>ui</a:t>
+            </a:r>
+            <a:r>
+              <a:rPr lang="en-US" altLang="ko-KR" dirty="0" smtClean="0"/>
+              <a:t> </a:t>
+            </a:r>
+            <a:r>
+              <a:rPr lang="ko-KR" altLang="en-US" dirty="0" smtClean="0"/>
+              <a:t>이벤트 처리</a:t>
+            </a:r>
+            <a:r>
+              <a:rPr lang="en-US" altLang="ko-KR" dirty="0" smtClean="0"/>
+              <a:t>, </a:t>
+            </a:r>
+            <a:r>
+              <a:rPr lang="en-US" altLang="ko-KR" dirty="0" err="1" smtClean="0"/>
+              <a:t>ui</a:t>
+            </a:r>
+            <a:r>
+              <a:rPr lang="en-US" altLang="ko-KR" dirty="0" smtClean="0"/>
+              <a:t> </a:t>
+            </a:r>
+            <a:r>
+              <a:rPr lang="ko-KR" altLang="en-US" dirty="0" err="1" smtClean="0"/>
+              <a:t>스레드</a:t>
+            </a:r>
+            <a:r>
+              <a:rPr lang="ko-KR" altLang="en-US" dirty="0" smtClean="0"/>
+              <a:t> 이벤트 </a:t>
+            </a:r>
+            <a:r>
+              <a:rPr lang="ko-KR" altLang="en-US" dirty="0" smtClean="0"/>
+              <a:t>처리</a:t>
+            </a:r>
+            <a:r>
+              <a:rPr lang="en-US" altLang="ko-KR" dirty="0" smtClean="0"/>
+              <a:t> </a:t>
+            </a:r>
+            <a:endParaRPr lang="ko-KR" altLang="en-US" dirty="0"/>
+          </a:p>
+        </p:txBody>
+      </p:sp>
+    </p:spTree>
+    <p:extLst>
+      <p:ext uri="{BB962C8B-B14F-4D97-AF65-F5344CB8AC3E}">
+        <p14:creationId xmlns:p14="http://schemas.microsoft.com/office/powerpoint/2010/main" val="1024104415"/>
+      </p:ext>
+    </p:extLst>
+  </p:cSld>
+  <p:clrMapOvr>
+    <a:masterClrMapping/>
+  </p:clrMapOvr>
+  <p:timing>
+    <p:tnLst>
+      <p:par>
+        <p:cTn id="1" dur="indefinite" restart="never" nodeType="tmRoot"/>
+      </p:par>
+    </p:tnLst>
+  </p:timing>
+</p:sld>
+</file>
+
+<file path=ppt/slides/slide20.xml><?xml version="1.0" encoding="utf-8"?>
 <p:sld xmlns:a="http://schemas.openxmlformats.org/drawingml/2006/main" xmlns:r="http://schemas.openxmlformats.org/officeDocument/2006/relationships" xmlns:p="http://schemas.openxmlformats.org/presentationml/2006/main">
   <p:cSld>
     <p:spTree>
@@ -4290,7 +6567,7 @@
 </p:sld>
 </file>
 
-<file path=ppt/slides/slide12.xml><?xml version="1.0" encoding="utf-8"?>
+<file path=ppt/slides/slide21.xml><?xml version="1.0" encoding="utf-8"?>
 <p:sld xmlns:a="http://schemas.openxmlformats.org/drawingml/2006/main" xmlns:r="http://schemas.openxmlformats.org/officeDocument/2006/relationships" xmlns:p="http://schemas.openxmlformats.org/presentationml/2006/main">
   <p:cSld>
     <p:spTree>
@@ -4602,7 +6879,7 @@
 </p:sld>
 </file>
 
-<file path=ppt/slides/slide13.xml><?xml version="1.0" encoding="utf-8"?>
+<file path=ppt/slides/slide22.xml><?xml version="1.0" encoding="utf-8"?>
 <p:sld xmlns:a="http://schemas.openxmlformats.org/drawingml/2006/main" xmlns:r="http://schemas.openxmlformats.org/officeDocument/2006/relationships" xmlns:p="http://schemas.openxmlformats.org/presentationml/2006/main">
   <p:cSld>
     <p:spTree>
@@ -4994,7 +7271,7 @@
 </p:sld>
 </file>
 
-<file path=ppt/slides/slide14.xml><?xml version="1.0" encoding="utf-8"?>
+<file path=ppt/slides/slide23.xml><?xml version="1.0" encoding="utf-8"?>
 <p:sld xmlns:a="http://schemas.openxmlformats.org/drawingml/2006/main" xmlns:r="http://schemas.openxmlformats.org/officeDocument/2006/relationships" xmlns:p="http://schemas.openxmlformats.org/presentationml/2006/main">
   <p:cSld>
     <p:spTree>
@@ -5265,7 +7542,7 @@
 </p:sld>
 </file>
 
-<file path=ppt/slides/slide15.xml><?xml version="1.0" encoding="utf-8"?>
+<file path=ppt/slides/slide24.xml><?xml version="1.0" encoding="utf-8"?>
 <p:sld xmlns:a="http://schemas.openxmlformats.org/drawingml/2006/main" xmlns:r="http://schemas.openxmlformats.org/officeDocument/2006/relationships" xmlns:p="http://schemas.openxmlformats.org/presentationml/2006/main">
   <p:cSld>
     <p:spTree>
@@ -5435,7 +7712,7 @@
 </p:sld>
 </file>
 
-<file path=ppt/slides/slide16.xml><?xml version="1.0" encoding="utf-8"?>
+<file path=ppt/slides/slide25.xml><?xml version="1.0" encoding="utf-8"?>
 <p:sld xmlns:a="http://schemas.openxmlformats.org/drawingml/2006/main" xmlns:r="http://schemas.openxmlformats.org/officeDocument/2006/relationships" xmlns:p="http://schemas.openxmlformats.org/presentationml/2006/main">
   <p:cSld>
     <p:spTree>
@@ -5601,7 +7878,7 @@
 </p:sld>
 </file>
 
-<file path=ppt/slides/slide17.xml><?xml version="1.0" encoding="utf-8"?>
+<file path=ppt/slides/slide26.xml><?xml version="1.0" encoding="utf-8"?>
 <p:sld xmlns:a="http://schemas.openxmlformats.org/drawingml/2006/main" xmlns:r="http://schemas.openxmlformats.org/officeDocument/2006/relationships" xmlns:p="http://schemas.openxmlformats.org/presentationml/2006/main">
   <p:cSld>
     <p:spTree>
@@ -5779,7 +8056,7 @@
 </p:sld>
 </file>
 
-<file path=ppt/slides/slide18.xml><?xml version="1.0" encoding="utf-8"?>
+<file path=ppt/slides/slide27.xml><?xml version="1.0" encoding="utf-8"?>
 <p:sld xmlns:a="http://schemas.openxmlformats.org/drawingml/2006/main" xmlns:r="http://schemas.openxmlformats.org/officeDocument/2006/relationships" xmlns:p="http://schemas.openxmlformats.org/presentationml/2006/main">
   <p:cSld>
     <p:spTree>
@@ -5953,7 +8230,7 @@
 </p:sld>
 </file>
 
-<file path=ppt/slides/slide19.xml><?xml version="1.0" encoding="utf-8"?>
+<file path=ppt/slides/slide28.xml><?xml version="1.0" encoding="utf-8"?>
 <p:sld xmlns:a="http://schemas.openxmlformats.org/drawingml/2006/main" xmlns:r="http://schemas.openxmlformats.org/officeDocument/2006/relationships" xmlns:p="http://schemas.openxmlformats.org/presentationml/2006/main">
   <p:cSld>
     <p:spTree>
@@ -6123,7 +8400,7 @@
 </p:sld>
 </file>
 
-<file path=ppt/slides/slide2.xml><?xml version="1.0" encoding="utf-8"?>
+<file path=ppt/slides/slide29.xml><?xml version="1.0" encoding="utf-8"?>
 <p:sld xmlns:a="http://schemas.openxmlformats.org/drawingml/2006/main" xmlns:r="http://schemas.openxmlformats.org/officeDocument/2006/relationships" xmlns:p="http://schemas.openxmlformats.org/presentationml/2006/main">
   <p:cSld>
     <p:spTree>
@@ -6142,153 +8419,6 @@
       </p:grpSpPr>
       <p:sp>
         <p:nvSpPr>
-          <p:cNvPr id="2" name="제목 1"/>
-          <p:cNvSpPr>
-            <a:spLocks noGrp="1"/>
-          </p:cNvSpPr>
-          <p:nvPr>
-            <p:ph type="ctrTitle"/>
-          </p:nvPr>
-        </p:nvSpPr>
-        <p:spPr/>
-        <p:txBody>
-          <a:bodyPr/>
-          <a:lstStyle/>
-          <a:p>
-            <a:endParaRPr lang="ko-KR" altLang="en-US" dirty="0"/>
-          </a:p>
-        </p:txBody>
-      </p:sp>
-      <p:sp>
-        <p:nvSpPr>
-          <p:cNvPr id="3" name="부제목 2"/>
-          <p:cNvSpPr>
-            <a:spLocks noGrp="1"/>
-          </p:cNvSpPr>
-          <p:nvPr>
-            <p:ph type="subTitle" idx="1"/>
-          </p:nvPr>
-        </p:nvSpPr>
-        <p:spPr/>
-        <p:txBody>
-          <a:bodyPr/>
-          <a:lstStyle/>
-          <a:p>
-            <a:r>
-              <a:rPr lang="ko-KR" altLang="en-US" dirty="0" smtClean="0"/>
-              <a:t>레이아웃</a:t>
-            </a:r>
-            <a:r>
-              <a:rPr lang="en-US" altLang="ko-KR" dirty="0" smtClean="0"/>
-              <a:t>(</a:t>
-            </a:r>
-            <a:r>
-              <a:rPr lang="ko-KR" altLang="en-US" dirty="0" smtClean="0"/>
-              <a:t>나인패치</a:t>
-            </a:r>
-            <a:r>
-              <a:rPr lang="en-US" altLang="ko-KR" dirty="0" smtClean="0"/>
-              <a:t>, </a:t>
-            </a:r>
-            <a:r>
-              <a:rPr lang="en-US" altLang="ko-KR" dirty="0" err="1" smtClean="0"/>
-              <a:t>dp</a:t>
-            </a:r>
-            <a:r>
-              <a:rPr lang="en-US" altLang="ko-KR" dirty="0" smtClean="0"/>
-              <a:t>), </a:t>
-            </a:r>
-            <a:r>
-              <a:rPr lang="ko-KR" altLang="en-US" dirty="0" smtClean="0"/>
-              <a:t>애니메이션</a:t>
-            </a:r>
-            <a:r>
-              <a:rPr lang="en-US" altLang="ko-KR" dirty="0" smtClean="0"/>
-              <a:t>, </a:t>
-            </a:r>
-            <a:r>
-              <a:rPr lang="en-US" altLang="ko-KR" dirty="0" err="1" smtClean="0"/>
-              <a:t>ui</a:t>
-            </a:r>
-            <a:r>
-              <a:rPr lang="en-US" altLang="ko-KR" dirty="0" smtClean="0"/>
-              <a:t> </a:t>
-            </a:r>
-            <a:r>
-              <a:rPr lang="ko-KR" altLang="en-US" dirty="0" smtClean="0"/>
-              <a:t>이벤트 처리</a:t>
-            </a:r>
-            <a:r>
-              <a:rPr lang="en-US" altLang="ko-KR" dirty="0" smtClean="0"/>
-              <a:t>, b..</a:t>
-            </a:r>
-            <a:r>
-              <a:rPr lang="en-US" altLang="ko-KR" dirty="0" err="1" smtClean="0"/>
-              <a:t>ui</a:t>
-            </a:r>
-            <a:r>
-              <a:rPr lang="en-US" altLang="ko-KR" dirty="0" smtClean="0"/>
-              <a:t> </a:t>
-            </a:r>
-            <a:r>
-              <a:rPr lang="ko-KR" altLang="en-US" dirty="0" err="1" smtClean="0"/>
-              <a:t>스레드</a:t>
-            </a:r>
-            <a:r>
-              <a:rPr lang="ko-KR" altLang="en-US" dirty="0" smtClean="0"/>
-              <a:t> 이벤트 처리</a:t>
-            </a:r>
-            <a:r>
-              <a:rPr lang="en-US" altLang="ko-KR" dirty="0" smtClean="0"/>
-              <a:t>, </a:t>
-            </a:r>
-            <a:r>
-              <a:rPr lang="ko-KR" altLang="en-US" dirty="0" err="1" smtClean="0"/>
-              <a:t>메인스</a:t>
-            </a:r>
-            <a:endParaRPr lang="ko-KR" altLang="en-US" dirty="0"/>
-          </a:p>
-        </p:txBody>
-      </p:sp>
-    </p:spTree>
-    <p:extLst>
-      <p:ext uri="{BB962C8B-B14F-4D97-AF65-F5344CB8AC3E}">
-        <p14:creationId xmlns:p14="http://schemas.microsoft.com/office/powerpoint/2010/main" val="1024104415"/>
-      </p:ext>
-    </p:extLst>
-  </p:cSld>
-  <p:clrMapOvr>
-    <a:masterClrMapping/>
-  </p:clrMapOvr>
-  <p:timing>
-    <p:tnLst>
-      <p:par>
-        <p:cTn id="1" dur="indefinite" restart="never" nodeType="tmRoot"/>
-      </p:par>
-    </p:tnLst>
-  </p:timing>
-</p:sld>
-</file>
-
-<file path=ppt/slides/slide20.xml><?xml version="1.0" encoding="utf-8"?>
-<p:sld xmlns:a="http://schemas.openxmlformats.org/drawingml/2006/main" xmlns:r="http://schemas.openxmlformats.org/officeDocument/2006/relationships" xmlns:p="http://schemas.openxmlformats.org/presentationml/2006/main">
-  <p:cSld>
-    <p:spTree>
-      <p:nvGrpSpPr>
-        <p:cNvPr id="1" name=""/>
-        <p:cNvGrpSpPr/>
-        <p:nvPr/>
-      </p:nvGrpSpPr>
-      <p:grpSpPr>
-        <a:xfrm>
-          <a:off x="0" y="0"/>
-          <a:ext cx="0" cy="0"/>
-          <a:chOff x="0" y="0"/>
-          <a:chExt cx="0" cy="0"/>
-        </a:xfrm>
-      </p:grpSpPr>
-      <p:sp>
-        <p:nvSpPr>
           <p:cNvPr id="3" name="TextBox 2"/>
           <p:cNvSpPr txBox="1"/>
           <p:nvPr/>
@@ -6296,7 +8426,7 @@
         <p:spPr>
           <a:xfrm>
             <a:off x="107504" y="1556792"/>
-            <a:ext cx="8916022" cy="2246769"/>
+            <a:ext cx="8916022" cy="6555641"/>
           </a:xfrm>
           <a:prstGeom prst="rect">
             <a:avLst/>
@@ -6310,59 +8440,6 @@
           <a:lstStyle/>
           <a:p>
             <a:r>
-              <a:rPr lang="ko-KR" altLang="en-US" sz="2000" dirty="0" smtClean="0"/>
-              <a:t>그 외에 </a:t>
-            </a:r>
-            <a:r>
-              <a:rPr lang="en-US" altLang="ko-KR" sz="2000" dirty="0" smtClean="0"/>
-              <a:t>UI </a:t>
-            </a:r>
-            <a:r>
-              <a:rPr lang="ko-KR" altLang="en-US" sz="2000" dirty="0" smtClean="0"/>
-              <a:t>요소들은 </a:t>
-            </a:r>
-            <a:r>
-              <a:rPr lang="en-US" altLang="ko-KR" sz="2000" dirty="0" smtClean="0"/>
-              <a:t>Settings, Dialogs, Notifications, Toasts, Search, Drag and Drop, Accessibility, Styles and Themes, Custom Components </a:t>
-            </a:r>
-            <a:r>
-              <a:rPr lang="ko-KR" altLang="en-US" sz="2000" dirty="0" smtClean="0"/>
-              <a:t>등이 있으며 </a:t>
-            </a:r>
-            <a:r>
-              <a:rPr lang="ko-KR" altLang="en-US" sz="2000" dirty="0" err="1" smtClean="0"/>
-              <a:t>안드로이드</a:t>
-            </a:r>
-            <a:r>
-              <a:rPr lang="ko-KR" altLang="en-US" sz="2000" dirty="0" smtClean="0"/>
-              <a:t> </a:t>
-            </a:r>
-            <a:r>
-              <a:rPr lang="en-US" altLang="ko-KR" sz="2000" dirty="0" smtClean="0"/>
-              <a:t>API Guides </a:t>
-            </a:r>
-            <a:r>
-              <a:rPr lang="ko-KR" altLang="en-US" sz="2000" dirty="0" smtClean="0"/>
-              <a:t>에 </a:t>
-            </a:r>
-            <a:r>
-              <a:rPr lang="en-US" altLang="ko-KR" sz="2000" dirty="0" smtClean="0"/>
-              <a:t>User Interface </a:t>
-            </a:r>
-            <a:r>
-              <a:rPr lang="ko-KR" altLang="en-US" sz="2000" dirty="0" smtClean="0"/>
-              <a:t>항목을 참고</a:t>
-            </a:r>
-            <a:r>
-              <a:rPr lang="en-US" altLang="ko-KR" sz="2000" dirty="0" smtClean="0"/>
-              <a:t>.</a:t>
-            </a:r>
-          </a:p>
-          <a:p>
-            <a:endParaRPr lang="en-US" altLang="ko-KR" sz="2000" dirty="0"/>
-          </a:p>
-          <a:p>
-            <a:r>
               <a:rPr lang="en-US" altLang="ko-KR" sz="2000" dirty="0">
                 <a:hlinkClick r:id="rId2"/>
               </a:rPr>
@@ -6372,30 +8449,139 @@
               <a:rPr lang="en-US" altLang="ko-KR" sz="2000" dirty="0" smtClean="0">
                 <a:hlinkClick r:id="rId2"/>
               </a:rPr>
-              <a:t>developer.android.com/guide/index.html</a:t>
+              <a:t>kese111.blogspot.kr/2012/12/android.html</a:t>
+            </a:r>
+          </a:p>
+          <a:p>
+            <a:endParaRPr lang="en-US" altLang="ko-KR" sz="2000" dirty="0">
+              <a:hlinkClick r:id="rId2"/>
+            </a:endParaRPr>
+          </a:p>
+          <a:p>
+            <a:r>
+              <a:rPr lang="en-US" altLang="ko-KR" sz="2000" dirty="0" smtClean="0">
+                <a:hlinkClick r:id="rId2"/>
+              </a:rPr>
+              <a:t>http</a:t>
+            </a:r>
+            <a:r>
+              <a:rPr lang="en-US" altLang="ko-KR" sz="2000" dirty="0">
+                <a:hlinkClick r:id="rId2"/>
+              </a:rPr>
+              <a:t>://www.kmshack.kr/2014/08/%EC%95%88%EB%93%9C%EB%A1%9C%EC%9D%B4%EB%93%9C-ui%EC%B5%9C%EC%A0%81%ED%99%94-%EB%A0%88%EC%9D%B4%EC%95%84%EC%9B%83</a:t>
+            </a:r>
+            <a:r>
+              <a:rPr lang="en-US" altLang="ko-KR" sz="2000" dirty="0" smtClean="0">
+                <a:hlinkClick r:id="rId2"/>
+              </a:rPr>
+              <a:t>/</a:t>
             </a:r>
             <a:endParaRPr lang="en-US" altLang="ko-KR" sz="2000" dirty="0" smtClean="0"/>
           </a:p>
           <a:p>
-            <a:r>
-              <a:rPr lang="en-US" altLang="ko-KR" sz="2000">
+            <a:endParaRPr lang="en-US" altLang="ko-KR" sz="2000" dirty="0" smtClean="0"/>
+          </a:p>
+          <a:p>
+            <a:r>
+              <a:rPr lang="en-US" altLang="ko-KR" sz="2000" dirty="0">
                 <a:hlinkClick r:id="rId3"/>
               </a:rPr>
-              <a:t>http</a:t>
-            </a:r>
-            <a:r>
-              <a:rPr lang="en-US" altLang="ko-KR" sz="2000">
+              <a:t>http://</a:t>
+            </a:r>
+            <a:r>
+              <a:rPr lang="en-US" altLang="ko-KR" sz="2000" dirty="0" smtClean="0">
                 <a:hlinkClick r:id="rId3"/>
               </a:rPr>
-              <a:t>://</a:t>
-            </a:r>
-            <a:r>
-              <a:rPr lang="en-US" altLang="ko-KR" sz="2000" smtClean="0">
-                <a:hlinkClick r:id="rId3"/>
+              <a:t>apphappy.tistory.com/63</a:t>
+            </a:r>
+            <a:endParaRPr lang="en-US" altLang="ko-KR" sz="2000" dirty="0" smtClean="0"/>
+          </a:p>
+          <a:p>
+            <a:endParaRPr lang="en-US" altLang="ko-KR" sz="2000" dirty="0" smtClean="0"/>
+          </a:p>
+          <a:p>
+            <a:r>
+              <a:rPr lang="en-US" altLang="ko-KR" sz="2000" dirty="0">
+                <a:hlinkClick r:id="rId4"/>
               </a:rPr>
-              <a:t>202psj.tistory.com/292</a:t>
-            </a:r>
-            <a:endParaRPr lang="en-US" altLang="ko-KR" sz="2000" smtClean="0"/>
+              <a:t>https://realm.io/kr/news/android-thread-looper-handler</a:t>
+            </a:r>
+            <a:r>
+              <a:rPr lang="en-US" altLang="ko-KR" sz="2000" dirty="0" smtClean="0">
+                <a:hlinkClick r:id="rId4"/>
+              </a:rPr>
+              <a:t>/</a:t>
+            </a:r>
+            <a:endParaRPr lang="en-US" altLang="ko-KR" sz="2000" dirty="0" smtClean="0"/>
+          </a:p>
+          <a:p>
+            <a:endParaRPr lang="en-US" altLang="ko-KR" sz="2000" dirty="0"/>
+          </a:p>
+          <a:p>
+            <a:r>
+              <a:rPr lang="en-US" altLang="ko-KR" sz="2000" dirty="0">
+                <a:hlinkClick r:id="rId5"/>
+              </a:rPr>
+              <a:t>http://</a:t>
+            </a:r>
+            <a:r>
+              <a:rPr lang="en-US" altLang="ko-KR" sz="2000" dirty="0" smtClean="0">
+                <a:hlinkClick r:id="rId5"/>
+              </a:rPr>
+              <a:t>www.slideshare.net/iamhjoo/ss-44214966</a:t>
+            </a:r>
+            <a:endParaRPr lang="en-US" altLang="ko-KR" sz="2000" dirty="0" smtClean="0"/>
+          </a:p>
+          <a:p>
+            <a:endParaRPr lang="en-US" altLang="ko-KR" sz="2000" dirty="0"/>
+          </a:p>
+          <a:p>
+            <a:r>
+              <a:rPr lang="en-US" altLang="ko-KR" sz="2000" dirty="0">
+                <a:hlinkClick r:id="rId6"/>
+              </a:rPr>
+              <a:t>http://</a:t>
+            </a:r>
+            <a:r>
+              <a:rPr lang="en-US" altLang="ko-KR" sz="2000" dirty="0" smtClean="0">
+                <a:hlinkClick r:id="rId6"/>
+              </a:rPr>
+              <a:t>i5on9i.blogspot.kr/2013/10/animation-how-to-use-animation.html</a:t>
+            </a:r>
+            <a:endParaRPr lang="en-US" altLang="ko-KR" sz="2000" dirty="0" smtClean="0"/>
+          </a:p>
+          <a:p>
+            <a:endParaRPr lang="en-US" altLang="ko-KR" sz="2000" dirty="0"/>
+          </a:p>
+          <a:p>
+            <a:r>
+              <a:rPr lang="en-US" altLang="ko-KR" sz="2000" dirty="0">
+                <a:hlinkClick r:id="rId7"/>
+              </a:rPr>
+              <a:t>http://</a:t>
+            </a:r>
+            <a:r>
+              <a:rPr lang="en-US" altLang="ko-KR" sz="2000" dirty="0" smtClean="0">
+                <a:hlinkClick r:id="rId7"/>
+              </a:rPr>
+              <a:t>horajjan.blog.me/110190167640</a:t>
+            </a:r>
+            <a:endParaRPr lang="en-US" altLang="ko-KR" sz="2000" dirty="0" smtClean="0"/>
+          </a:p>
+          <a:p>
+            <a:endParaRPr lang="en-US" altLang="ko-KR" sz="2000"/>
+          </a:p>
+          <a:p>
+            <a:endParaRPr lang="en-US" altLang="ko-KR" sz="2000" dirty="0" smtClean="0"/>
+          </a:p>
+          <a:p>
+            <a:endParaRPr lang="en-US" altLang="ko-KR" sz="2000" dirty="0"/>
+          </a:p>
+          <a:p>
+            <a:endParaRPr lang="en-US" altLang="ko-KR" sz="2000" dirty="0" smtClean="0"/>
+          </a:p>
+          <a:p>
+            <a:endParaRPr lang="en-US" altLang="ko-KR" sz="2000" dirty="0"/>
           </a:p>
           <a:p>
             <a:endParaRPr lang="en-US" altLang="ko-KR" sz="2000" dirty="0"/>
@@ -6425,7 +8611,7 @@
           <p:spPr>
             <a:xfrm>
               <a:off x="179512" y="188639"/>
-              <a:ext cx="1444411" cy="882935"/>
+              <a:ext cx="188468" cy="882935"/>
             </a:xfrm>
             <a:prstGeom prst="rect">
               <a:avLst/>
@@ -6438,14 +8624,6 @@
             </a:bodyPr>
             <a:lstStyle/>
             <a:p>
-              <a:r>
-                <a:rPr lang="ko-KR" altLang="en-US" sz="4800" b="1" dirty="0" err="1" smtClean="0"/>
-                <a:t>그</a:t>
-              </a:r>
-              <a:r>
-                <a:rPr lang="ko-KR" altLang="en-US" sz="4800" b="1" dirty="0" err="1"/>
-                <a:t>외</a:t>
-              </a:r>
               <a:endParaRPr lang="ko-KR" altLang="en-US" sz="4800" b="1" dirty="0"/>
             </a:p>
           </p:txBody>
@@ -6519,109 +8697,6 @@
           <a:chExt cx="0" cy="0"/>
         </a:xfrm>
       </p:grpSpPr>
-      <p:sp>
-        <p:nvSpPr>
-          <p:cNvPr id="3" name="TextBox 2"/>
-          <p:cNvSpPr txBox="1"/>
-          <p:nvPr/>
-        </p:nvSpPr>
-        <p:spPr>
-          <a:xfrm>
-            <a:off x="120474" y="2924944"/>
-            <a:ext cx="8916022" cy="1323439"/>
-          </a:xfrm>
-          <a:prstGeom prst="rect">
-            <a:avLst/>
-          </a:prstGeom>
-          <a:noFill/>
-        </p:spPr>
-        <p:txBody>
-          <a:bodyPr wrap="square" rtlCol="0">
-            <a:spAutoFit/>
-          </a:bodyPr>
-          <a:lstStyle/>
-          <a:p>
-            <a:r>
-              <a:rPr lang="en-US" altLang="ko-KR" sz="2000" dirty="0" err="1" smtClean="0">
-                <a:effectLst/>
-              </a:rPr>
-              <a:t>wrap_content</a:t>
-            </a:r>
-            <a:r>
-              <a:rPr lang="en-US" altLang="ko-KR" sz="2000" dirty="0" smtClean="0">
-                <a:effectLst/>
-              </a:rPr>
-              <a:t> : </a:t>
-            </a:r>
-            <a:r>
-              <a:rPr lang="ko-KR" altLang="en-US" sz="2000" dirty="0" err="1" smtClean="0"/>
-              <a:t>뷰의</a:t>
-            </a:r>
-            <a:r>
-              <a:rPr lang="ko-KR" altLang="en-US" sz="2000" dirty="0" smtClean="0"/>
-              <a:t> 너비와 높이가 해당 </a:t>
-            </a:r>
-            <a:r>
-              <a:rPr lang="ko-KR" altLang="en-US" sz="2000" dirty="0" err="1" smtClean="0"/>
-              <a:t>뷰</a:t>
-            </a:r>
-            <a:r>
-              <a:rPr lang="ko-KR" altLang="en-US" sz="2000" dirty="0" smtClean="0"/>
-              <a:t> 내에 </a:t>
-            </a:r>
-            <a:r>
-              <a:rPr lang="ko-KR" altLang="en-US" sz="2000" dirty="0" err="1" smtClean="0"/>
-              <a:t>콘텐츠가</a:t>
-            </a:r>
-            <a:r>
-              <a:rPr lang="ko-KR" altLang="en-US" sz="2000" dirty="0" smtClean="0"/>
-              <a:t> 들어가는데 필요한 </a:t>
-            </a:r>
-            <a:r>
-              <a:rPr lang="ko-KR" altLang="en-US" sz="2000" dirty="0" smtClean="0"/>
-              <a:t>최소 크기로 설정</a:t>
-            </a:r>
-            <a:r>
-              <a:rPr lang="en-US" altLang="ko-KR" sz="2000" dirty="0" smtClean="0"/>
-              <a:t>.</a:t>
-            </a:r>
-          </a:p>
-          <a:p>
-            <a:endParaRPr lang="en-US" altLang="ko-KR" sz="2000" dirty="0">
-              <a:effectLst/>
-            </a:endParaRPr>
-          </a:p>
-          <a:p>
-            <a:r>
-              <a:rPr lang="en-US" altLang="ko-KR" sz="2000" dirty="0" err="1" smtClean="0"/>
-              <a:t>match_parent</a:t>
-            </a:r>
-            <a:r>
-              <a:rPr lang="en-US" altLang="ko-KR" sz="2000" dirty="0" smtClean="0"/>
-              <a:t> : </a:t>
-            </a:r>
-            <a:r>
-              <a:rPr lang="ko-KR" altLang="en-US" sz="2000" dirty="0" smtClean="0"/>
-              <a:t>컴포넌트가 확장되어 부모 </a:t>
-            </a:r>
-            <a:r>
-              <a:rPr lang="ko-KR" altLang="en-US" sz="2000" dirty="0" err="1" smtClean="0"/>
-              <a:t>뷰의</a:t>
-            </a:r>
-            <a:r>
-              <a:rPr lang="ko-KR" altLang="en-US" sz="2000" dirty="0" smtClean="0"/>
-              <a:t> 크기와 일치하도록 설정</a:t>
-            </a:r>
-            <a:r>
-              <a:rPr lang="en-US" altLang="ko-KR" sz="2000" dirty="0" smtClean="0"/>
-              <a:t>.</a:t>
-            </a:r>
-            <a:endParaRPr lang="en-US" altLang="ko-KR" sz="2000" dirty="0">
-              <a:effectLst/>
-            </a:endParaRPr>
-          </a:p>
-        </p:txBody>
-      </p:sp>
       <p:grpSp>
         <p:nvGrpSpPr>
           <p:cNvPr id="4" name="그룹 3"/>
@@ -6645,7 +8720,7 @@
           <p:spPr>
             <a:xfrm>
               <a:off x="179512" y="188639"/>
-              <a:ext cx="7143230" cy="686727"/>
+              <a:ext cx="6666338" cy="686727"/>
             </a:xfrm>
             <a:prstGeom prst="rect">
               <a:avLst/>
@@ -6659,8 +8734,16 @@
             <a:lstStyle/>
             <a:p>
               <a:r>
-                <a:rPr lang="en-US" altLang="ko-KR" sz="3600" b="1" dirty="0" smtClean="0"/>
-                <a:t>Designing for Multiple Screens</a:t>
+                <a:rPr lang="ko-KR" altLang="en-US" sz="3600" b="1" dirty="0" smtClean="0"/>
+                <a:t>다 해상도 지원 문제 해결 </a:t>
+              </a:r>
+              <a:r>
+                <a:rPr lang="ko-KR" altLang="en-US" sz="3600" b="1" dirty="0" smtClean="0"/>
+                <a:t>방</a:t>
+              </a:r>
+              <a:r>
+                <a:rPr lang="ko-KR" altLang="en-US" sz="3600" b="1" dirty="0"/>
+                <a:t>법</a:t>
               </a:r>
               <a:endParaRPr lang="ko-KR" altLang="en-US" sz="3600" b="1" dirty="0"/>
             </a:p>
@@ -6707,7 +8790,7 @@
         <p:spPr>
           <a:xfrm>
             <a:off x="232914" y="1825660"/>
-            <a:ext cx="7985969" cy="523220"/>
+            <a:ext cx="5089855" cy="2246769"/>
           </a:xfrm>
           <a:prstGeom prst="rect">
             <a:avLst/>
@@ -6721,52 +8804,86 @@
           <a:lstStyle/>
           <a:p>
             <a:pPr marL="571500" indent="-571500">
-              <a:buFont typeface="Arial" pitchFamily="34" charset="0"/>
+              <a:buFont typeface="Arial" panose="020B0604020202020204" pitchFamily="34" charset="0"/>
               <a:buChar char="•"/>
             </a:pPr>
             <a:r>
+              <a:rPr lang="ko-KR" altLang="en-US" sz="2800" dirty="0" smtClean="0"/>
+              <a:t>각 해상도 별 </a:t>
+            </a:r>
+            <a:r>
               <a:rPr lang="en-US" altLang="ko-KR" sz="2800" dirty="0" smtClean="0"/>
-              <a:t>“</a:t>
-            </a:r>
-            <a:r>
-              <a:rPr lang="en-US" altLang="ko-KR" sz="2800" dirty="0" err="1" smtClean="0"/>
-              <a:t>wrap_content</a:t>
+              <a:t>Layout </a:t>
+            </a:r>
+            <a:r>
+              <a:rPr lang="ko-KR" altLang="en-US" sz="2800" dirty="0" smtClean="0"/>
+              <a:t>제작</a:t>
             </a:r>
             <a:r>
               <a:rPr lang="en-US" altLang="ko-KR" sz="2800" dirty="0" smtClean="0"/>
-              <a:t>” </a:t>
-            </a:r>
-            <a:r>
-              <a:rPr lang="ko-KR" altLang="en-US" sz="2800" dirty="0"/>
-              <a:t>및</a:t>
-            </a:r>
+              <a:t>.</a:t>
+            </a:r>
+          </a:p>
+          <a:p>
+            <a:pPr marL="571500" indent="-571500">
+              <a:buFont typeface="+mj-lt"/>
+              <a:buAutoNum type="arabicPeriod"/>
+            </a:pPr>
+            <a:endParaRPr lang="en-US" altLang="ko-KR" sz="2800" dirty="0"/>
+          </a:p>
+          <a:p>
+            <a:pPr marL="571500" indent="-571500">
+              <a:buFont typeface="Arial" panose="020B0604020202020204" pitchFamily="34" charset="0"/>
+              <a:buChar char="•"/>
+            </a:pPr>
             <a:r>
               <a:rPr lang="en-US" altLang="ko-KR" sz="2800" dirty="0" smtClean="0"/>
-              <a:t> “</a:t>
-            </a:r>
-            <a:r>
-              <a:rPr lang="en-US" altLang="ko-KR" sz="2800" dirty="0" err="1" smtClean="0"/>
-              <a:t>match_parent</a:t>
+              <a:t>Weight </a:t>
+            </a:r>
+            <a:r>
+              <a:rPr lang="ko-KR" altLang="en-US" sz="2800" dirty="0" smtClean="0"/>
+              <a:t>기반 </a:t>
             </a:r>
             <a:r>
               <a:rPr lang="en-US" altLang="ko-KR" sz="2800" dirty="0" smtClean="0"/>
-              <a:t>” </a:t>
+              <a:t>Layout </a:t>
             </a:r>
             <a:r>
               <a:rPr lang="ko-KR" altLang="en-US" sz="2800" dirty="0" smtClean="0"/>
-              <a:t>속성</a:t>
+              <a:t>제작</a:t>
             </a:r>
             <a:r>
               <a:rPr lang="en-US" altLang="ko-KR" sz="2800" dirty="0" smtClean="0"/>
-              <a:t> </a:t>
+              <a:t>.</a:t>
+            </a:r>
+          </a:p>
+          <a:p>
+            <a:pPr marL="571500" indent="-571500">
+              <a:buFont typeface="+mj-lt"/>
+              <a:buAutoNum type="arabicPeriod"/>
+            </a:pPr>
+            <a:endParaRPr lang="en-US" altLang="ko-KR" sz="2800" dirty="0"/>
+          </a:p>
+          <a:p>
+            <a:pPr marL="571500" indent="-571500">
+              <a:buFont typeface="Arial" panose="020B0604020202020204" pitchFamily="34" charset="0"/>
+              <a:buChar char="•"/>
+            </a:pPr>
+            <a:r>
+              <a:rPr lang="en-US" altLang="ko-KR" sz="2800" dirty="0" smtClean="0"/>
+              <a:t>Runtime </a:t>
             </a:r>
             <a:r>
               <a:rPr lang="ko-KR" altLang="en-US" sz="2800" dirty="0" smtClean="0"/>
-              <a:t>사</a:t>
-            </a:r>
-            <a:r>
-              <a:rPr lang="ko-KR" altLang="en-US" sz="2800" dirty="0"/>
-              <a:t>용</a:t>
+              <a:t>시에 </a:t>
+            </a:r>
+            <a:r>
+              <a:rPr lang="ko-KR" altLang="en-US" sz="2800" dirty="0" smtClean="0"/>
+              <a:t>크기 맞추기</a:t>
+            </a:r>
+            <a:r>
+              <a:rPr lang="en-US" altLang="ko-KR" sz="2800" dirty="0" smtClean="0"/>
+              <a:t>.</a:t>
             </a:r>
             <a:endParaRPr lang="en-US" altLang="ko-KR" sz="2800" dirty="0" smtClean="0"/>
           </a:p>
@@ -6811,13 +8928,183 @@
       </p:grpSpPr>
       <p:sp>
         <p:nvSpPr>
-          <p:cNvPr id="3" name="TextBox 2"/>
+          <p:cNvPr id="7" name="TextBox 6"/>
           <p:cNvSpPr txBox="1"/>
           <p:nvPr/>
         </p:nvSpPr>
         <p:spPr>
           <a:xfrm>
-            <a:off x="120474" y="1385481"/>
+            <a:off x="232914" y="404664"/>
+            <a:ext cx="4940455" cy="523220"/>
+          </a:xfrm>
+          <a:prstGeom prst="rect">
+            <a:avLst/>
+          </a:prstGeom>
+          <a:noFill/>
+        </p:spPr>
+        <p:txBody>
+          <a:bodyPr wrap="none" rtlCol="0">
+            <a:spAutoFit/>
+          </a:bodyPr>
+          <a:lstStyle/>
+          <a:p>
+            <a:pPr marL="571500" indent="-571500">
+              <a:buFont typeface="Arial" panose="020B0604020202020204" pitchFamily="34" charset="0"/>
+              <a:buChar char="•"/>
+            </a:pPr>
+            <a:r>
+              <a:rPr lang="ko-KR" altLang="en-US" sz="2800" dirty="0"/>
+              <a:t>각 해상도 별 </a:t>
+            </a:r>
+            <a:r>
+              <a:rPr lang="en-US" altLang="ko-KR" sz="2800" dirty="0"/>
+              <a:t>Layout </a:t>
+            </a:r>
+            <a:r>
+              <a:rPr lang="ko-KR" altLang="en-US" sz="2800" dirty="0"/>
+              <a:t>제작</a:t>
+            </a:r>
+            <a:r>
+              <a:rPr lang="en-US" altLang="ko-KR" sz="2800" dirty="0"/>
+              <a:t>.</a:t>
+            </a:r>
+          </a:p>
+        </p:txBody>
+      </p:sp>
+      <p:sp>
+        <p:nvSpPr>
+          <p:cNvPr id="8" name="TextBox 7"/>
+          <p:cNvSpPr txBox="1"/>
+          <p:nvPr/>
+        </p:nvSpPr>
+        <p:spPr>
+          <a:xfrm>
+            <a:off x="120474" y="1268760"/>
+            <a:ext cx="8916022" cy="1015663"/>
+          </a:xfrm>
+          <a:prstGeom prst="rect">
+            <a:avLst/>
+          </a:prstGeom>
+          <a:noFill/>
+        </p:spPr>
+        <p:txBody>
+          <a:bodyPr wrap="square" rtlCol="0">
+            <a:spAutoFit/>
+          </a:bodyPr>
+          <a:lstStyle/>
+          <a:p>
+            <a:r>
+              <a:rPr lang="ko-KR" altLang="en-US" sz="2000" dirty="0" smtClean="0"/>
+              <a:t>장점 </a:t>
+            </a:r>
+            <a:r>
+              <a:rPr lang="en-US" altLang="ko-KR" sz="2000" dirty="0" smtClean="0"/>
+              <a:t>: </a:t>
+            </a:r>
+            <a:r>
+              <a:rPr lang="ko-KR" altLang="en-US" sz="2000" dirty="0" smtClean="0"/>
+              <a:t>모든 기기에서 같은 품질을 유지할 수 있음</a:t>
+            </a:r>
+            <a:r>
+              <a:rPr lang="en-US" altLang="ko-KR" sz="2000" dirty="0" smtClean="0"/>
+              <a:t>.</a:t>
+            </a:r>
+          </a:p>
+          <a:p>
+            <a:endParaRPr lang="en-US" altLang="ko-KR" sz="2000" dirty="0">
+              <a:effectLst/>
+            </a:endParaRPr>
+          </a:p>
+          <a:p>
+            <a:r>
+              <a:rPr lang="ko-KR" altLang="en-US" sz="2000" dirty="0" smtClean="0"/>
+              <a:t>단점 </a:t>
+            </a:r>
+            <a:r>
+              <a:rPr lang="en-US" altLang="ko-KR" sz="2000" dirty="0" smtClean="0"/>
+              <a:t>: resource</a:t>
+            </a:r>
+            <a:r>
+              <a:rPr lang="ko-KR" altLang="en-US" sz="2000" dirty="0" smtClean="0"/>
+              <a:t>의 수가 많을 수록</a:t>
+            </a:r>
+            <a:r>
+              <a:rPr lang="en-US" altLang="ko-KR" sz="2000" dirty="0" smtClean="0"/>
+              <a:t>, </a:t>
+            </a:r>
+            <a:r>
+              <a:rPr lang="ko-KR" altLang="en-US" sz="2000" dirty="0" smtClean="0"/>
+              <a:t>용량이 클 수록 비효율적임</a:t>
+            </a:r>
+            <a:r>
+              <a:rPr lang="en-US" altLang="ko-KR" sz="2000" dirty="0" smtClean="0"/>
+              <a:t>.</a:t>
+            </a:r>
+            <a:endParaRPr lang="en-US" altLang="ko-KR" sz="2000" dirty="0">
+              <a:effectLst/>
+            </a:endParaRPr>
+          </a:p>
+        </p:txBody>
+      </p:sp>
+      <p:sp>
+        <p:nvSpPr>
+          <p:cNvPr id="9" name="TextBox 8"/>
+          <p:cNvSpPr txBox="1"/>
+          <p:nvPr/>
+        </p:nvSpPr>
+        <p:spPr>
+          <a:xfrm>
+            <a:off x="219944" y="2917393"/>
+            <a:ext cx="4899098" cy="523220"/>
+          </a:xfrm>
+          <a:prstGeom prst="rect">
+            <a:avLst/>
+          </a:prstGeom>
+          <a:noFill/>
+        </p:spPr>
+        <p:txBody>
+          <a:bodyPr wrap="none" rtlCol="0">
+            <a:spAutoFit/>
+          </a:bodyPr>
+          <a:lstStyle/>
+          <a:p>
+            <a:pPr marL="571500" indent="-571500">
+              <a:buFont typeface="Arial" panose="020B0604020202020204" pitchFamily="34" charset="0"/>
+              <a:buChar char="•"/>
+            </a:pPr>
+            <a:r>
+              <a:rPr lang="en-US" altLang="ko-KR" sz="2800" dirty="0"/>
+              <a:t>Weight </a:t>
+            </a:r>
+            <a:r>
+              <a:rPr lang="ko-KR" altLang="en-US" sz="2800" dirty="0"/>
+              <a:t>기반 </a:t>
+            </a:r>
+            <a:r>
+              <a:rPr lang="en-US" altLang="ko-KR" sz="2800" dirty="0"/>
+              <a:t>Layout </a:t>
+            </a:r>
+            <a:r>
+              <a:rPr lang="ko-KR" altLang="en-US" sz="2800" dirty="0"/>
+              <a:t>제작</a:t>
+            </a:r>
+            <a:r>
+              <a:rPr lang="en-US" altLang="ko-KR" sz="2800" dirty="0" smtClean="0"/>
+              <a:t>.</a:t>
+            </a:r>
+            <a:endParaRPr lang="en-US" altLang="ko-KR" sz="2800" dirty="0"/>
+          </a:p>
+        </p:txBody>
+      </p:sp>
+      <p:sp>
+        <p:nvSpPr>
+          <p:cNvPr id="11" name="TextBox 10"/>
+          <p:cNvSpPr txBox="1"/>
+          <p:nvPr/>
+        </p:nvSpPr>
+        <p:spPr>
+          <a:xfrm>
+            <a:off x="107504" y="3781489"/>
             <a:ext cx="8916022" cy="1323439"/>
           </a:xfrm>
           <a:prstGeom prst="rect">
@@ -6832,44 +9119,16 @@
           <a:lstStyle/>
           <a:p>
             <a:r>
-              <a:rPr lang="en-US" altLang="ko-KR" sz="2000" dirty="0" err="1" smtClean="0">
-                <a:effectLst/>
-              </a:rPr>
-              <a:t>wrap_content</a:t>
-            </a:r>
-            <a:r>
-              <a:rPr lang="en-US" altLang="ko-KR" sz="2000" dirty="0" smtClean="0">
-                <a:effectLst/>
-              </a:rPr>
-              <a:t> : </a:t>
-            </a:r>
-            <a:r>
-              <a:rPr lang="ko-KR" altLang="en-US" sz="2000" dirty="0" err="1" smtClean="0"/>
-              <a:t>뷰의</a:t>
-            </a:r>
-            <a:r>
-              <a:rPr lang="ko-KR" altLang="en-US" sz="2000" dirty="0" smtClean="0"/>
-              <a:t> 너비와 높이가 해당 </a:t>
-            </a:r>
-            <a:r>
-              <a:rPr lang="ko-KR" altLang="en-US" sz="2000" dirty="0" err="1" smtClean="0"/>
-              <a:t>뷰</a:t>
-            </a:r>
-            <a:r>
-              <a:rPr lang="ko-KR" altLang="en-US" sz="2000" dirty="0" smtClean="0"/>
-              <a:t> 내에 </a:t>
-            </a:r>
-            <a:r>
-              <a:rPr lang="ko-KR" altLang="en-US" sz="2000" dirty="0" err="1" smtClean="0"/>
-              <a:t>콘텐츠가</a:t>
-            </a:r>
-            <a:r>
-              <a:rPr lang="ko-KR" altLang="en-US" sz="2000" dirty="0" smtClean="0"/>
-              <a:t> 들어가는데 필요한 </a:t>
-            </a:r>
-            <a:r>
-              <a:rPr lang="ko-KR" altLang="en-US" sz="2000" dirty="0" smtClean="0"/>
-              <a:t>최소 크기로 설정</a:t>
+              <a:rPr lang="ko-KR" altLang="en-US" sz="2000" dirty="0" smtClean="0"/>
+              <a:t>장점 </a:t>
+            </a:r>
+            <a:r>
+              <a:rPr lang="en-US" altLang="ko-KR" sz="2000" dirty="0" smtClean="0"/>
+              <a:t>: </a:t>
+            </a:r>
+            <a:r>
+              <a:rPr lang="ko-KR" altLang="en-US" sz="2000" dirty="0" smtClean="0"/>
+              <a:t>하나의 레이아웃을 모든 화면에서 사용할 수 있고 추가 작업이 필요 없음</a:t>
             </a:r>
             <a:r>
               <a:rPr lang="en-US" altLang="ko-KR" sz="2000" dirty="0" smtClean="0"/>
@@ -6883,24 +9142,16 @@
           </a:p>
           <a:p>
             <a:r>
-              <a:rPr lang="en-US" altLang="ko-KR" sz="2000" dirty="0" err="1" smtClean="0"/>
-              <a:t>match_parent</a:t>
-            </a:r>
-            <a:r>
-              <a:rPr lang="en-US" altLang="ko-KR" sz="2000" dirty="0" smtClean="0"/>
-              <a:t> : </a:t>
-            </a:r>
-            <a:r>
-              <a:rPr lang="ko-KR" altLang="en-US" sz="2000" dirty="0" smtClean="0"/>
-              <a:t>컴포넌트가 확장되어 부모 </a:t>
-            </a:r>
-            <a:r>
-              <a:rPr lang="ko-KR" altLang="en-US" sz="2000" dirty="0" err="1" smtClean="0"/>
-              <a:t>뷰의</a:t>
-            </a:r>
-            <a:r>
-              <a:rPr lang="ko-KR" altLang="en-US" sz="2000" dirty="0" smtClean="0"/>
-              <a:t> 크기와 일치하도록 설정</a:t>
+              <a:rPr lang="ko-KR" altLang="en-US" sz="2000" dirty="0" smtClean="0"/>
+              <a:t>단점 </a:t>
+            </a:r>
+            <a:r>
+              <a:rPr lang="en-US" altLang="ko-KR" sz="2000" dirty="0" smtClean="0"/>
+              <a:t>: </a:t>
+            </a:r>
+            <a:r>
+              <a:rPr lang="ko-KR" altLang="en-US" sz="2000" dirty="0" smtClean="0"/>
+              <a:t>화면을 세밀하게 구성하기 어려움</a:t>
             </a:r>
             <a:r>
               <a:rPr lang="en-US" altLang="ko-KR" sz="2000" dirty="0" smtClean="0"/>
@@ -6912,217 +9163,10 @@
           </a:p>
         </p:txBody>
       </p:sp>
-      <p:sp>
-        <p:nvSpPr>
-          <p:cNvPr id="7" name="TextBox 6"/>
-          <p:cNvSpPr txBox="1"/>
-          <p:nvPr/>
-        </p:nvSpPr>
-        <p:spPr>
-          <a:xfrm>
-            <a:off x="232914" y="286197"/>
-            <a:ext cx="4837863" cy="523220"/>
-          </a:xfrm>
-          <a:prstGeom prst="rect">
-            <a:avLst/>
-          </a:prstGeom>
-          <a:noFill/>
-        </p:spPr>
-        <p:txBody>
-          <a:bodyPr wrap="none" rtlCol="0">
-            <a:spAutoFit/>
-          </a:bodyPr>
-          <a:lstStyle/>
-          <a:p>
-            <a:pPr marL="571500" indent="-571500">
-              <a:buFont typeface="Arial" pitchFamily="34" charset="0"/>
-              <a:buChar char="•"/>
-            </a:pPr>
-            <a:r>
-              <a:rPr lang="ko-KR" altLang="en-US" sz="2800" dirty="0" smtClean="0"/>
-              <a:t>가중치</a:t>
-            </a:r>
-            <a:r>
-              <a:rPr lang="en-US" altLang="ko-KR" sz="2800" dirty="0" smtClean="0"/>
-              <a:t>(</a:t>
-            </a:r>
-            <a:r>
-              <a:rPr lang="en-US" altLang="ko-KR" sz="2800" dirty="0" smtClean="0"/>
-              <a:t>weight) </a:t>
-            </a:r>
-            <a:r>
-              <a:rPr lang="ko-KR" altLang="en-US" sz="2800" dirty="0" smtClean="0"/>
-              <a:t>속성</a:t>
-            </a:r>
-            <a:r>
-              <a:rPr lang="en-US" altLang="ko-KR" sz="2800" dirty="0" smtClean="0"/>
-              <a:t> </a:t>
-            </a:r>
-            <a:r>
-              <a:rPr lang="ko-KR" altLang="en-US" sz="2800" dirty="0" smtClean="0"/>
-              <a:t>사</a:t>
-            </a:r>
-            <a:r>
-              <a:rPr lang="ko-KR" altLang="en-US" sz="2800" dirty="0"/>
-              <a:t>용</a:t>
-            </a:r>
-            <a:endParaRPr lang="en-US" altLang="ko-KR" sz="2800" dirty="0" smtClean="0"/>
-          </a:p>
-        </p:txBody>
-      </p:sp>
-      <p:sp>
-        <p:nvSpPr>
-          <p:cNvPr id="8" name="TextBox 7"/>
-          <p:cNvSpPr txBox="1"/>
-          <p:nvPr/>
-        </p:nvSpPr>
-        <p:spPr>
-          <a:xfrm>
-            <a:off x="107504" y="4456276"/>
-            <a:ext cx="8916022" cy="1323439"/>
-          </a:xfrm>
-          <a:prstGeom prst="rect">
-            <a:avLst/>
-          </a:prstGeom>
-          <a:noFill/>
-        </p:spPr>
-        <p:txBody>
-          <a:bodyPr wrap="square" rtlCol="0">
-            <a:spAutoFit/>
-          </a:bodyPr>
-          <a:lstStyle/>
-          <a:p>
-            <a:r>
-              <a:rPr lang="en-US" altLang="ko-KR" sz="2000" dirty="0" err="1" smtClean="0">
-                <a:effectLst/>
-              </a:rPr>
-              <a:t>wrap_content</a:t>
-            </a:r>
-            <a:r>
-              <a:rPr lang="en-US" altLang="ko-KR" sz="2000" dirty="0" smtClean="0">
-                <a:effectLst/>
-              </a:rPr>
-              <a:t> : </a:t>
-            </a:r>
-            <a:r>
-              <a:rPr lang="ko-KR" altLang="en-US" sz="2000" dirty="0" err="1" smtClean="0"/>
-              <a:t>뷰의</a:t>
-            </a:r>
-            <a:r>
-              <a:rPr lang="ko-KR" altLang="en-US" sz="2000" dirty="0" smtClean="0"/>
-              <a:t> 너비와 높이가 해당 </a:t>
-            </a:r>
-            <a:r>
-              <a:rPr lang="ko-KR" altLang="en-US" sz="2000" dirty="0" err="1" smtClean="0"/>
-              <a:t>뷰</a:t>
-            </a:r>
-            <a:r>
-              <a:rPr lang="ko-KR" altLang="en-US" sz="2000" dirty="0" smtClean="0"/>
-              <a:t> 내에 </a:t>
-            </a:r>
-            <a:r>
-              <a:rPr lang="ko-KR" altLang="en-US" sz="2000" dirty="0" err="1" smtClean="0"/>
-              <a:t>콘텐츠가</a:t>
-            </a:r>
-            <a:r>
-              <a:rPr lang="ko-KR" altLang="en-US" sz="2000" dirty="0" smtClean="0"/>
-              <a:t> 들어가는데 필요한 </a:t>
-            </a:r>
-            <a:r>
-              <a:rPr lang="ko-KR" altLang="en-US" sz="2000" dirty="0" smtClean="0"/>
-              <a:t>최소 크기로 설정</a:t>
-            </a:r>
-            <a:r>
-              <a:rPr lang="en-US" altLang="ko-KR" sz="2000" dirty="0" smtClean="0"/>
-              <a:t>.</a:t>
-            </a:r>
-          </a:p>
-          <a:p>
-            <a:endParaRPr lang="en-US" altLang="ko-KR" sz="2000" dirty="0">
-              <a:effectLst/>
-            </a:endParaRPr>
-          </a:p>
-          <a:p>
-            <a:r>
-              <a:rPr lang="en-US" altLang="ko-KR" sz="2000" dirty="0" err="1" smtClean="0"/>
-              <a:t>match_parent</a:t>
-            </a:r>
-            <a:r>
-              <a:rPr lang="en-US" altLang="ko-KR" sz="2000" dirty="0" smtClean="0"/>
-              <a:t> : </a:t>
-            </a:r>
-            <a:r>
-              <a:rPr lang="ko-KR" altLang="en-US" sz="2000" dirty="0" smtClean="0"/>
-              <a:t>컴포넌트가 확장되어 부모 </a:t>
-            </a:r>
-            <a:r>
-              <a:rPr lang="ko-KR" altLang="en-US" sz="2000" dirty="0" err="1" smtClean="0"/>
-              <a:t>뷰의</a:t>
-            </a:r>
-            <a:r>
-              <a:rPr lang="ko-KR" altLang="en-US" sz="2000" dirty="0" smtClean="0"/>
-              <a:t> 크기와 일치하도록 설정</a:t>
-            </a:r>
-            <a:r>
-              <a:rPr lang="en-US" altLang="ko-KR" sz="2000" dirty="0" smtClean="0"/>
-              <a:t>.</a:t>
-            </a:r>
-            <a:endParaRPr lang="en-US" altLang="ko-KR" sz="2000" dirty="0">
-              <a:effectLst/>
-            </a:endParaRPr>
-          </a:p>
-        </p:txBody>
-      </p:sp>
-      <p:sp>
-        <p:nvSpPr>
-          <p:cNvPr id="9" name="TextBox 8"/>
-          <p:cNvSpPr txBox="1"/>
-          <p:nvPr/>
-        </p:nvSpPr>
-        <p:spPr>
-          <a:xfrm>
-            <a:off x="219944" y="3356992"/>
-            <a:ext cx="2884123" cy="523220"/>
-          </a:xfrm>
-          <a:prstGeom prst="rect">
-            <a:avLst/>
-          </a:prstGeom>
-          <a:noFill/>
-        </p:spPr>
-        <p:txBody>
-          <a:bodyPr wrap="none" rtlCol="0">
-            <a:spAutoFit/>
-          </a:bodyPr>
-          <a:lstStyle/>
-          <a:p>
-            <a:pPr marL="571500" indent="-571500">
-              <a:buFont typeface="Arial" pitchFamily="34" charset="0"/>
-              <a:buChar char="•"/>
-            </a:pPr>
-            <a:r>
-              <a:rPr lang="en-US" altLang="ko-KR" sz="2800" dirty="0" err="1" smtClean="0"/>
-              <a:t>dp</a:t>
-            </a:r>
-            <a:r>
-              <a:rPr lang="en-US" altLang="ko-KR" sz="2800" dirty="0" smtClean="0"/>
-              <a:t> </a:t>
-            </a:r>
-            <a:r>
-              <a:rPr lang="ko-KR" altLang="en-US" sz="2800" dirty="0" smtClean="0"/>
-              <a:t>단위 사</a:t>
-            </a:r>
-            <a:r>
-              <a:rPr lang="ko-KR" altLang="en-US" sz="2800" dirty="0" smtClean="0"/>
-              <a:t>용</a:t>
-            </a:r>
-            <a:endParaRPr lang="en-US" altLang="ko-KR" sz="2800" dirty="0" smtClean="0"/>
-          </a:p>
-        </p:txBody>
-      </p:sp>
     </p:spTree>
     <p:extLst>
       <p:ext uri="{BB962C8B-B14F-4D97-AF65-F5344CB8AC3E}">
-        <p14:creationId xmlns:p14="http://schemas.microsoft.com/office/powerpoint/2010/main" val="906683203"/>
+        <p14:creationId xmlns:p14="http://schemas.microsoft.com/office/powerpoint/2010/main" val="4176635434"/>
       </p:ext>
     </p:extLst>
   </p:cSld>
@@ -7158,14 +9202,14 @@
       </p:grpSpPr>
       <p:sp>
         <p:nvSpPr>
-          <p:cNvPr id="3" name="TextBox 2"/>
+          <p:cNvPr id="7" name="TextBox 6"/>
           <p:cNvSpPr txBox="1"/>
           <p:nvPr/>
         </p:nvSpPr>
         <p:spPr>
           <a:xfrm>
-            <a:off x="120474" y="1052736"/>
-            <a:ext cx="8916022" cy="707886"/>
+            <a:off x="232914" y="404664"/>
+            <a:ext cx="5089855" cy="523220"/>
           </a:xfrm>
           <a:prstGeom prst="rect">
             <a:avLst/>
@@ -7173,55 +9217,40 @@
           <a:noFill/>
         </p:spPr>
         <p:txBody>
-          <a:bodyPr wrap="square" rtlCol="0">
+          <a:bodyPr wrap="none" rtlCol="0">
             <a:spAutoFit/>
           </a:bodyPr>
           <a:lstStyle/>
           <a:p>
-            <a:r>
-              <a:rPr lang="ko-KR" altLang="en-US" sz="2000" dirty="0" smtClean="0"/>
-              <a:t>자식 </a:t>
-            </a:r>
-            <a:r>
-              <a:rPr lang="ko-KR" altLang="en-US" sz="2000" dirty="0" err="1" smtClean="0"/>
-              <a:t>뷰를</a:t>
-            </a:r>
-            <a:r>
-              <a:rPr lang="ko-KR" altLang="en-US" sz="2000" dirty="0" smtClean="0"/>
-              <a:t> 일직선이 아닌 다양한 방향으로 표시해야 하는 경우 컴포넌트 사이의 관계를 중심으로 레이아웃을 지정할 수 있는  </a:t>
-            </a:r>
-            <a:r>
-              <a:rPr lang="en-US" altLang="ko-KR" sz="2000" dirty="0" err="1" smtClean="0"/>
-              <a:t>RelativeLayout</a:t>
-            </a:r>
-            <a:r>
-              <a:rPr lang="ko-KR" altLang="en-US" sz="2000" dirty="0" smtClean="0"/>
-              <a:t>을 사용</a:t>
-            </a:r>
-            <a:r>
-              <a:rPr lang="en-US" altLang="ko-KR" sz="2000" dirty="0" smtClean="0"/>
+            <a:pPr marL="571500" indent="-571500">
+              <a:buFont typeface="Arial" panose="020B0604020202020204" pitchFamily="34" charset="0"/>
+              <a:buChar char="•"/>
+            </a:pPr>
+            <a:r>
+              <a:rPr lang="en-US" altLang="ko-KR" sz="2800" dirty="0"/>
+              <a:t>Runtime </a:t>
+            </a:r>
+            <a:r>
+              <a:rPr lang="ko-KR" altLang="en-US" sz="2800" dirty="0"/>
+              <a:t>시에 크기 맞추기</a:t>
+            </a:r>
+            <a:r>
+              <a:rPr lang="en-US" altLang="ko-KR" sz="2800" dirty="0"/>
               <a:t>.</a:t>
             </a:r>
-            <a:r>
-              <a:rPr lang="ko-KR" altLang="en-US" sz="2000" dirty="0" smtClean="0"/>
-              <a:t> </a:t>
-            </a:r>
-            <a:endParaRPr lang="en-US" altLang="ko-KR" sz="2000" dirty="0">
-              <a:effectLst/>
-            </a:endParaRPr>
-          </a:p>
-        </p:txBody>
-      </p:sp>
-      <p:sp>
-        <p:nvSpPr>
-          <p:cNvPr id="7" name="TextBox 6"/>
+          </a:p>
+        </p:txBody>
+      </p:sp>
+      <p:sp>
+        <p:nvSpPr>
+          <p:cNvPr id="8" name="TextBox 7"/>
           <p:cNvSpPr txBox="1"/>
           <p:nvPr/>
         </p:nvSpPr>
         <p:spPr>
           <a:xfrm>
-            <a:off x="232914" y="332656"/>
-            <a:ext cx="3938194" cy="523220"/>
+            <a:off x="120474" y="1268760"/>
+            <a:ext cx="8916022" cy="1631216"/>
           </a:xfrm>
           <a:prstGeom prst="rect">
             <a:avLst/>
@@ -7229,80 +9258,68 @@
           <a:noFill/>
         </p:spPr>
         <p:txBody>
-          <a:bodyPr wrap="none" rtlCol="0">
+          <a:bodyPr wrap="square" rtlCol="0">
             <a:spAutoFit/>
           </a:bodyPr>
           <a:lstStyle/>
           <a:p>
-            <a:pPr marL="571500" indent="-571500">
-              <a:buFont typeface="Arial" pitchFamily="34" charset="0"/>
-              <a:buChar char="•"/>
-            </a:pPr>
-            <a:r>
-              <a:rPr lang="en-US" altLang="ko-KR" sz="2800" dirty="0" err="1" smtClean="0"/>
-              <a:t>RelativeLayout</a:t>
-            </a:r>
-            <a:r>
-              <a:rPr lang="en-US" altLang="ko-KR" sz="2800" dirty="0" smtClean="0"/>
-              <a:t> </a:t>
-            </a:r>
-            <a:r>
-              <a:rPr lang="ko-KR" altLang="en-US" sz="2800" dirty="0" smtClean="0"/>
-              <a:t>사</a:t>
-            </a:r>
-            <a:r>
-              <a:rPr lang="ko-KR" altLang="en-US" sz="2800" dirty="0"/>
-              <a:t>용</a:t>
-            </a:r>
-            <a:endParaRPr lang="en-US" altLang="ko-KR" sz="2800" dirty="0" smtClean="0"/>
-          </a:p>
-        </p:txBody>
-      </p:sp>
-      <p:pic>
-        <p:nvPicPr>
-          <p:cNvPr id="1026" name="Picture 2" descr="C:\Users\Mutecsoft_pc\Pictures\2016-04-08 17;25;11.jpg"/>
-          <p:cNvPicPr>
-            <a:picLocks noChangeAspect="1" noChangeArrowheads="1"/>
-          </p:cNvPicPr>
-          <p:nvPr/>
-        </p:nvPicPr>
-        <p:blipFill>
-          <a:blip r:embed="rId2">
-            <a:extLst>
-              <a:ext uri="{28A0092B-C50C-407E-A947-70E740481C1C}">
-                <a14:useLocalDpi xmlns:a14="http://schemas.microsoft.com/office/drawing/2010/main" val="0"/>
-              </a:ext>
-            </a:extLst>
-          </a:blip>
-          <a:srcRect/>
-          <a:stretch>
-            <a:fillRect/>
-          </a:stretch>
-        </p:blipFill>
-        <p:spPr bwMode="auto">
-          <a:xfrm>
-            <a:off x="1619672" y="2060848"/>
-            <a:ext cx="5635007" cy="4620706"/>
-          </a:xfrm>
-          <a:prstGeom prst="rect">
-            <a:avLst/>
-          </a:prstGeom>
-          <a:noFill/>
-          <a:extLst>
-            <a:ext uri="{909E8E84-426E-40DD-AFC4-6F175D3DCCD1}">
-              <a14:hiddenFill xmlns:a14="http://schemas.microsoft.com/office/drawing/2010/main">
-                <a:solidFill>
-                  <a:srgbClr val="FFFFFF"/>
-                </a:solidFill>
-              </a14:hiddenFill>
-            </a:ext>
-          </a:extLst>
-        </p:spPr>
-      </p:pic>
+            <a:r>
+              <a:rPr lang="ko-KR" altLang="en-US" sz="2000" dirty="0" smtClean="0"/>
+              <a:t>장점 </a:t>
+            </a:r>
+            <a:r>
+              <a:rPr lang="en-US" altLang="ko-KR" sz="2000" dirty="0" smtClean="0"/>
+              <a:t>: Weight </a:t>
+            </a:r>
+            <a:r>
+              <a:rPr lang="ko-KR" altLang="en-US" sz="2000" dirty="0" smtClean="0"/>
+              <a:t>기반 과 마찬가지로 하나의 레이아웃을 모든 화면에서 사용할 수 있음</a:t>
+            </a:r>
+            <a:r>
+              <a:rPr lang="en-US" altLang="ko-KR" sz="2000" dirty="0" smtClean="0"/>
+              <a:t>.</a:t>
+            </a:r>
+          </a:p>
+          <a:p>
+            <a:endParaRPr lang="en-US" altLang="ko-KR" sz="2000" dirty="0">
+              <a:effectLst/>
+            </a:endParaRPr>
+          </a:p>
+          <a:p>
+            <a:r>
+              <a:rPr lang="ko-KR" altLang="en-US" sz="2000" dirty="0" smtClean="0"/>
+              <a:t>단점 </a:t>
+            </a:r>
+            <a:r>
+              <a:rPr lang="en-US" altLang="ko-KR" sz="2000" dirty="0" smtClean="0"/>
+              <a:t>: </a:t>
+            </a:r>
+            <a:r>
+              <a:rPr lang="ko-KR" altLang="en-US" sz="2000" dirty="0" smtClean="0"/>
+              <a:t>각 컴포넌트들을 해상도 비에 따라 </a:t>
+            </a:r>
+            <a:r>
+              <a:rPr lang="en-US" altLang="ko-KR" sz="2000" dirty="0" smtClean="0"/>
+              <a:t>scaling </a:t>
+            </a:r>
+            <a:r>
+              <a:rPr lang="ko-KR" altLang="en-US" sz="2000" dirty="0" smtClean="0"/>
+              <a:t>해주는 작업이 필요하고 구현이 복잡함</a:t>
+            </a:r>
+            <a:r>
+              <a:rPr lang="en-US" altLang="ko-KR" sz="2000" dirty="0" smtClean="0"/>
+              <a:t>.</a:t>
+            </a:r>
+            <a:endParaRPr lang="en-US" altLang="ko-KR" sz="2000" dirty="0">
+              <a:effectLst/>
+            </a:endParaRPr>
+          </a:p>
+        </p:txBody>
+      </p:sp>
     </p:spTree>
     <p:extLst>
       <p:ext uri="{BB962C8B-B14F-4D97-AF65-F5344CB8AC3E}">
-        <p14:creationId xmlns:p14="http://schemas.microsoft.com/office/powerpoint/2010/main" val="3765244779"/>
+        <p14:creationId xmlns:p14="http://schemas.microsoft.com/office/powerpoint/2010/main" val="103195194"/>
       </p:ext>
     </p:extLst>
   </p:cSld>
@@ -7336,16 +9353,107 @@
           <a:chExt cx="0" cy="0"/>
         </a:xfrm>
       </p:grpSpPr>
-      <p:sp>
-        <p:nvSpPr>
-          <p:cNvPr id="3" name="TextBox 2"/>
+      <p:grpSp>
+        <p:nvGrpSpPr>
+          <p:cNvPr id="4" name="그룹 3"/>
+          <p:cNvGrpSpPr/>
+          <p:nvPr/>
+        </p:nvGrpSpPr>
+        <p:grpSpPr>
+          <a:xfrm>
+            <a:off x="232914" y="260647"/>
+            <a:ext cx="7363422" cy="1008113"/>
+            <a:chOff x="179512" y="188639"/>
+            <a:chExt cx="7512374" cy="1071121"/>
+          </a:xfrm>
+        </p:grpSpPr>
+        <p:sp>
+          <p:nvSpPr>
+            <p:cNvPr id="10" name="TextBox 9"/>
+            <p:cNvSpPr txBox="1"/>
+            <p:nvPr/>
+          </p:nvSpPr>
+          <p:spPr>
+            <a:xfrm>
+              <a:off x="179512" y="188639"/>
+              <a:ext cx="5613121" cy="686727"/>
+            </a:xfrm>
+            <a:prstGeom prst="rect">
+              <a:avLst/>
+            </a:prstGeom>
+            <a:noFill/>
+          </p:spPr>
+          <p:txBody>
+            <a:bodyPr wrap="none" rtlCol="0">
+              <a:spAutoFit/>
+            </a:bodyPr>
+            <a:lstStyle/>
+            <a:p>
+              <a:r>
+                <a:rPr lang="en-US" altLang="ko-KR" sz="3600" dirty="0"/>
+                <a:t>Weight </a:t>
+              </a:r>
+              <a:r>
+                <a:rPr lang="ko-KR" altLang="en-US" sz="3600" dirty="0"/>
+                <a:t>기반 </a:t>
+              </a:r>
+              <a:r>
+                <a:rPr lang="en-US" altLang="ko-KR" sz="3600" dirty="0"/>
+                <a:t>Layout </a:t>
+              </a:r>
+              <a:r>
+                <a:rPr lang="ko-KR" altLang="en-US" sz="3600" dirty="0"/>
+                <a:t>제작</a:t>
+              </a:r>
+              <a:r>
+                <a:rPr lang="en-US" altLang="ko-KR" sz="3600" dirty="0"/>
+                <a:t>.</a:t>
+              </a:r>
+            </a:p>
+          </p:txBody>
+        </p:sp>
+        <p:cxnSp>
+          <p:nvCxnSpPr>
+            <p:cNvPr id="13" name="직선 연결선 12"/>
+            <p:cNvCxnSpPr/>
+            <p:nvPr/>
+          </p:nvCxnSpPr>
+          <p:spPr>
+            <a:xfrm>
+              <a:off x="287295" y="1259760"/>
+              <a:ext cx="7404591" cy="0"/>
+            </a:xfrm>
+            <a:prstGeom prst="line">
+              <a:avLst/>
+            </a:prstGeom>
+            <a:ln/>
+          </p:spPr>
+          <p:style>
+            <a:lnRef idx="2">
+              <a:schemeClr val="accent1"/>
+            </a:lnRef>
+            <a:fillRef idx="0">
+              <a:schemeClr val="accent1"/>
+            </a:fillRef>
+            <a:effectRef idx="1">
+              <a:schemeClr val="accent1"/>
+            </a:effectRef>
+            <a:fontRef idx="minor">
+              <a:schemeClr val="tx1"/>
+            </a:fontRef>
+          </p:style>
+        </p:cxnSp>
+      </p:grpSp>
+      <p:sp>
+        <p:nvSpPr>
+          <p:cNvPr id="7" name="TextBox 6"/>
           <p:cNvSpPr txBox="1"/>
           <p:nvPr/>
         </p:nvSpPr>
         <p:spPr>
           <a:xfrm>
-            <a:off x="120474" y="1052736"/>
-            <a:ext cx="8916022" cy="707886"/>
+            <a:off x="232914" y="1484784"/>
+            <a:ext cx="8776762" cy="2554545"/>
           </a:xfrm>
           <a:prstGeom prst="rect">
             <a:avLst/>
@@ -7353,94 +9461,69 @@
           <a:noFill/>
         </p:spPr>
         <p:txBody>
-          <a:bodyPr wrap="square" rtlCol="0">
-            <a:spAutoFit/>
-          </a:bodyPr>
-          <a:lstStyle/>
-          <a:p>
-            <a:r>
-              <a:rPr lang="ko-KR" altLang="en-US" sz="2000" dirty="0" smtClean="0"/>
-              <a:t>자식 </a:t>
-            </a:r>
-            <a:r>
-              <a:rPr lang="ko-KR" altLang="en-US" sz="2000" dirty="0" err="1" smtClean="0"/>
-              <a:t>뷰를</a:t>
-            </a:r>
-            <a:r>
-              <a:rPr lang="ko-KR" altLang="en-US" sz="2000" dirty="0" smtClean="0"/>
-              <a:t> 일직선이 아닌 다양한 방향으로 표시해야 하는 경우 컴포넌트 사이의 관계를 중심으로 레이아웃을 지정할 수 있는  </a:t>
-            </a:r>
-            <a:r>
-              <a:rPr lang="en-US" altLang="ko-KR" sz="2000" dirty="0" err="1" smtClean="0"/>
-              <a:t>RelativeLayout</a:t>
-            </a:r>
-            <a:r>
-              <a:rPr lang="ko-KR" altLang="en-US" sz="2000" dirty="0" smtClean="0"/>
-              <a:t>을 사용</a:t>
-            </a:r>
-            <a:r>
-              <a:rPr lang="en-US" altLang="ko-KR" sz="2000" dirty="0" smtClean="0"/>
-              <a:t>.</a:t>
-            </a:r>
-            <a:r>
-              <a:rPr lang="ko-KR" altLang="en-US" sz="2000" dirty="0" smtClean="0"/>
-              <a:t> </a:t>
-            </a:r>
-            <a:endParaRPr lang="en-US" altLang="ko-KR" sz="2000" dirty="0">
-              <a:effectLst/>
-            </a:endParaRPr>
-          </a:p>
-        </p:txBody>
-      </p:sp>
-      <p:sp>
-        <p:nvSpPr>
-          <p:cNvPr id="7" name="TextBox 6"/>
-          <p:cNvSpPr txBox="1"/>
-          <p:nvPr/>
-        </p:nvSpPr>
-        <p:spPr>
-          <a:xfrm>
-            <a:off x="232914" y="332656"/>
-            <a:ext cx="3938194" cy="523220"/>
-          </a:xfrm>
-          <a:prstGeom prst="rect">
-            <a:avLst/>
-          </a:prstGeom>
-          <a:noFill/>
-        </p:spPr>
-        <p:txBody>
           <a:bodyPr wrap="none" rtlCol="0">
             <a:spAutoFit/>
           </a:bodyPr>
           <a:lstStyle/>
           <a:p>
-            <a:pPr marL="571500" indent="-571500">
-              <a:buFont typeface="Arial" pitchFamily="34" charset="0"/>
+            <a:pPr marL="342900" indent="-342900">
+              <a:buFont typeface="Arial" panose="020B0604020202020204" pitchFamily="34" charset="0"/>
               <a:buChar char="•"/>
             </a:pPr>
             <a:r>
-              <a:rPr lang="en-US" altLang="ko-KR" sz="2800" dirty="0" err="1" smtClean="0"/>
-              <a:t>RelativeLayout</a:t>
-            </a:r>
-            <a:r>
-              <a:rPr lang="en-US" altLang="ko-KR" sz="2800" dirty="0" smtClean="0"/>
-              <a:t> </a:t>
-            </a:r>
-            <a:r>
-              <a:rPr lang="ko-KR" altLang="en-US" sz="2800" dirty="0" smtClean="0"/>
-              <a:t>사</a:t>
-            </a:r>
-            <a:r>
-              <a:rPr lang="ko-KR" altLang="en-US" sz="2800" dirty="0"/>
-              <a:t>용</a:t>
-            </a:r>
-            <a:endParaRPr lang="en-US" altLang="ko-KR" sz="2800" dirty="0" smtClean="0"/>
+              <a:rPr lang="ko-KR" altLang="en-US" sz="2000" dirty="0" smtClean="0"/>
+              <a:t>다양한 크기와 형태를 지원하기 위해서 레이아웃에 픽셀 값을 사용 하지</a:t>
+            </a:r>
+            <a:endParaRPr lang="en-US" altLang="ko-KR" sz="2000" dirty="0" smtClean="0"/>
+          </a:p>
+          <a:p>
+            <a:r>
+              <a:rPr lang="ko-KR" altLang="en-US" sz="2000" dirty="0" smtClean="0"/>
+              <a:t>않는다</a:t>
+            </a:r>
+            <a:r>
+              <a:rPr lang="en-US" altLang="ko-KR" sz="2000" dirty="0" smtClean="0"/>
+              <a:t>.</a:t>
+            </a:r>
+          </a:p>
+          <a:p>
+            <a:endParaRPr lang="en-US" altLang="ko-KR" sz="2000" dirty="0" smtClean="0"/>
+          </a:p>
+          <a:p>
+            <a:pPr marL="342900" indent="-342900">
+              <a:buFont typeface="Arial" panose="020B0604020202020204" pitchFamily="34" charset="0"/>
+              <a:buChar char="•"/>
+            </a:pPr>
+            <a:r>
+              <a:rPr lang="ko-KR" altLang="en-US" sz="2000" dirty="0" smtClean="0"/>
+              <a:t>레이아웃의  고정된 영역과 확장 가능한 영역을 정의한다</a:t>
+            </a:r>
+            <a:r>
+              <a:rPr lang="en-US" altLang="ko-KR" sz="2000" dirty="0" smtClean="0"/>
+              <a:t>.</a:t>
+            </a:r>
+          </a:p>
+          <a:p>
+            <a:pPr marL="342900" indent="-342900">
+              <a:buFont typeface="Arial" panose="020B0604020202020204" pitchFamily="34" charset="0"/>
+              <a:buChar char="•"/>
+            </a:pPr>
+            <a:endParaRPr lang="en-US" altLang="ko-KR" sz="2000" dirty="0" smtClean="0"/>
+          </a:p>
+          <a:p>
+            <a:endParaRPr lang="en-US" altLang="ko-KR" sz="2000" dirty="0" smtClean="0"/>
+          </a:p>
+          <a:p>
+            <a:endParaRPr lang="en-US" altLang="ko-KR" sz="2000" dirty="0" smtClean="0"/>
+          </a:p>
+          <a:p>
+            <a:endParaRPr lang="en-US" altLang="ko-KR" sz="2000" dirty="0" smtClean="0"/>
           </a:p>
         </p:txBody>
       </p:sp>
       <p:pic>
         <p:nvPicPr>
-          <p:cNvPr id="1026" name="Picture 2" descr="C:\Users\Mutecsoft_pc\Pictures\2016-04-08 17;25;11.jpg"/>
+          <p:cNvPr id="1027" name="Picture 3" descr="C:\Users\mutecsoft\Pictures\untitled2.png"/>
           <p:cNvPicPr>
             <a:picLocks noChangeAspect="1" noChangeArrowheads="1"/>
           </p:cNvPicPr>
@@ -7461,8 +9544,49 @@
         </p:blipFill>
         <p:spPr bwMode="auto">
           <a:xfrm>
-            <a:off x="1619672" y="2132856"/>
-            <a:ext cx="5635007" cy="4620706"/>
+            <a:off x="3131840" y="3284984"/>
+            <a:ext cx="6193344" cy="3237430"/>
+          </a:xfrm>
+          <a:prstGeom prst="rect">
+            <a:avLst/>
+          </a:prstGeom>
+          <a:noFill/>
+          <a:extLst>
+            <a:ext uri="{909E8E84-426E-40DD-AFC4-6F175D3DCCD1}">
+              <a14:hiddenFill xmlns:a14="http://schemas.microsoft.com/office/drawing/2010/main">
+                <a:solidFill>
+                  <a:srgbClr val="FFFFFF"/>
+                </a:solidFill>
+              </a14:hiddenFill>
+            </a:ext>
+          </a:extLst>
+        </p:spPr>
+      </p:pic>
+      <p:pic>
+        <p:nvPicPr>
+          <p:cNvPr id="1026" name="Picture 2" descr="C:\Users\mutecsoft\Pictures\untitled.png"/>
+          <p:cNvPicPr>
+            <a:picLocks noChangeAspect="1" noChangeArrowheads="1"/>
+          </p:cNvPicPr>
+          <p:nvPr/>
+        </p:nvPicPr>
+        <p:blipFill>
+          <a:blip r:embed="rId3">
+            <a:extLst>
+              <a:ext uri="{28A0092B-C50C-407E-A947-70E740481C1C}">
+                <a14:useLocalDpi xmlns:a14="http://schemas.microsoft.com/office/drawing/2010/main" val="0"/>
+              </a:ext>
+            </a:extLst>
+          </a:blip>
+          <a:srcRect/>
+          <a:stretch>
+            <a:fillRect/>
+          </a:stretch>
+        </p:blipFill>
+        <p:spPr bwMode="auto">
+          <a:xfrm>
+            <a:off x="-17437" y="2774548"/>
+            <a:ext cx="4301405" cy="4110836"/>
           </a:xfrm>
           <a:prstGeom prst="rect">
             <a:avLst/>
@@ -7482,7 +9606,7 @@
     </p:spTree>
     <p:extLst>
       <p:ext uri="{BB962C8B-B14F-4D97-AF65-F5344CB8AC3E}">
-        <p14:creationId xmlns:p14="http://schemas.microsoft.com/office/powerpoint/2010/main" val="2302717598"/>
+        <p14:creationId xmlns:p14="http://schemas.microsoft.com/office/powerpoint/2010/main" val="3749760669"/>
       </p:ext>
     </p:extLst>
   </p:cSld>
@@ -7518,14 +9642,14 @@
       </p:grpSpPr>
       <p:sp>
         <p:nvSpPr>
-          <p:cNvPr id="3" name="TextBox 2"/>
+          <p:cNvPr id="7" name="TextBox 6"/>
           <p:cNvSpPr txBox="1"/>
           <p:nvPr/>
         </p:nvSpPr>
         <p:spPr>
           <a:xfrm>
-            <a:off x="120474" y="5013176"/>
-            <a:ext cx="8916022" cy="1631216"/>
+            <a:off x="232914" y="332656"/>
+            <a:ext cx="6127255" cy="1631216"/>
           </a:xfrm>
           <a:prstGeom prst="rect">
             <a:avLst/>
@@ -7533,176 +9657,65 @@
           <a:noFill/>
         </p:spPr>
         <p:txBody>
-          <a:bodyPr wrap="square" rtlCol="0">
-            <a:spAutoFit/>
-          </a:bodyPr>
-          <a:lstStyle/>
-          <a:p>
-            <a:r>
-              <a:rPr lang="ko-KR" altLang="en-US" sz="2000" dirty="0" err="1" smtClean="0"/>
-              <a:t>앱의</a:t>
-            </a:r>
-            <a:r>
-              <a:rPr lang="ko-KR" altLang="en-US" sz="2000" dirty="0" smtClean="0"/>
-              <a:t> 각 구성 요소에 대한 </a:t>
-            </a:r>
-            <a:r>
-              <a:rPr lang="en-US" altLang="ko-KR" sz="2000" dirty="0" smtClean="0"/>
-              <a:t>UI </a:t>
-            </a:r>
-            <a:r>
-              <a:rPr lang="ko-KR" altLang="en-US" sz="2000" dirty="0" smtClean="0"/>
-              <a:t>는 위 그림에 나타난 바와 같이 </a:t>
-            </a:r>
-            <a:r>
-              <a:rPr lang="en-US" altLang="ko-KR" sz="2000" dirty="0" smtClean="0"/>
-              <a:t>View </a:t>
-            </a:r>
-            <a:r>
-              <a:rPr lang="ko-KR" altLang="en-US" sz="2000" dirty="0" smtClean="0"/>
-              <a:t>와 </a:t>
-            </a:r>
-            <a:r>
-              <a:rPr lang="en-US" altLang="ko-KR" sz="2000" dirty="0" err="1" smtClean="0"/>
-              <a:t>ViewGroup</a:t>
-            </a:r>
-            <a:r>
-              <a:rPr lang="en-US" altLang="ko-KR" sz="2000" dirty="0" smtClean="0"/>
-              <a:t> </a:t>
-            </a:r>
-            <a:r>
-              <a:rPr lang="ko-KR" altLang="en-US" sz="2000" dirty="0" smtClean="0"/>
-              <a:t>객체의 계층으로 정의됩니다</a:t>
-            </a:r>
-            <a:r>
-              <a:rPr lang="en-US" altLang="ko-KR" sz="2000" dirty="0" smtClean="0"/>
-              <a:t>. </a:t>
-            </a:r>
-            <a:r>
-              <a:rPr lang="ko-KR" altLang="en-US" sz="2000" dirty="0" smtClean="0"/>
-              <a:t>각 </a:t>
-            </a:r>
-            <a:r>
-              <a:rPr lang="en-US" altLang="ko-KR" sz="2000" dirty="0" err="1" smtClean="0"/>
-              <a:t>ViewGroup</a:t>
-            </a:r>
-            <a:r>
-              <a:rPr lang="ko-KR" altLang="en-US" sz="2000" dirty="0"/>
-              <a:t> </a:t>
-            </a:r>
-            <a:r>
-              <a:rPr lang="ko-KR" altLang="en-US" sz="2000" dirty="0" smtClean="0"/>
-              <a:t>은 하위 </a:t>
-            </a:r>
-            <a:r>
-              <a:rPr lang="en-US" altLang="ko-KR" sz="2000" dirty="0" smtClean="0"/>
-              <a:t>View</a:t>
-            </a:r>
-            <a:r>
-              <a:rPr lang="ko-KR" altLang="en-US" sz="2000" dirty="0" smtClean="0"/>
-              <a:t>를 체계화하는 투명한 컨테이너이고</a:t>
-            </a:r>
-            <a:r>
-              <a:rPr lang="en-US" altLang="ko-KR" sz="2000" dirty="0" smtClean="0"/>
-              <a:t>, </a:t>
-            </a:r>
-            <a:r>
-              <a:rPr lang="ko-KR" altLang="en-US" sz="2000" dirty="0" smtClean="0"/>
-              <a:t>하위 </a:t>
-            </a:r>
-            <a:r>
-              <a:rPr lang="en-US" altLang="ko-KR" sz="2000" dirty="0" smtClean="0"/>
-              <a:t>View </a:t>
-            </a:r>
-            <a:r>
-              <a:rPr lang="ko-KR" altLang="en-US" sz="2000" dirty="0" smtClean="0"/>
-              <a:t>는 </a:t>
-            </a:r>
-            <a:r>
-              <a:rPr lang="en-US" altLang="ko-KR" sz="2000" dirty="0" smtClean="0"/>
-              <a:t>UI </a:t>
-            </a:r>
-            <a:r>
-              <a:rPr lang="ko-KR" altLang="en-US" sz="2000" dirty="0" smtClean="0"/>
-              <a:t>의 일부분을 그리는 제어나 다른 </a:t>
-            </a:r>
-            <a:r>
-              <a:rPr lang="ko-KR" altLang="en-US" sz="2000" dirty="0" err="1" smtClean="0"/>
-              <a:t>위젯일</a:t>
-            </a:r>
-            <a:r>
-              <a:rPr lang="ko-KR" altLang="en-US" sz="2000" dirty="0" smtClean="0"/>
-              <a:t> 수 있습니다</a:t>
-            </a:r>
-            <a:r>
-              <a:rPr lang="en-US" altLang="ko-KR" sz="2000" dirty="0" smtClean="0"/>
-              <a:t>. </a:t>
-            </a:r>
-            <a:r>
-              <a:rPr lang="ko-KR" altLang="en-US" sz="2000" dirty="0" smtClean="0"/>
-              <a:t>이 계층 </a:t>
-            </a:r>
-            <a:r>
-              <a:rPr lang="ko-KR" altLang="en-US" sz="2000" dirty="0" err="1" smtClean="0"/>
-              <a:t>트리는</a:t>
-            </a:r>
-            <a:r>
-              <a:rPr lang="ko-KR" altLang="en-US" sz="2000" dirty="0" smtClean="0"/>
-              <a:t> 개발자에게 필요한 만큼 단순하거나 복잡하게 만들 수 있습니다</a:t>
-            </a:r>
-            <a:r>
-              <a:rPr lang="en-US" altLang="ko-KR" sz="2000" dirty="0" smtClean="0"/>
-              <a:t>(</a:t>
-            </a:r>
-            <a:r>
-              <a:rPr lang="ko-KR" altLang="en-US" sz="2000" dirty="0" smtClean="0"/>
-              <a:t>다만 단순한 것이 성능에는 가장 좋습니다</a:t>
-            </a:r>
-            <a:r>
-              <a:rPr lang="en-US" altLang="ko-KR" sz="2000" dirty="0" smtClean="0"/>
-              <a:t>).</a:t>
-            </a:r>
-            <a:endParaRPr lang="ko-KR" altLang="en-US" sz="2000" dirty="0"/>
-          </a:p>
-        </p:txBody>
-      </p:sp>
-      <p:sp>
-        <p:nvSpPr>
-          <p:cNvPr id="10" name="TextBox 9"/>
-          <p:cNvSpPr txBox="1"/>
-          <p:nvPr/>
-        </p:nvSpPr>
-        <p:spPr>
-          <a:xfrm>
-            <a:off x="232914" y="260647"/>
-            <a:ext cx="2877583" cy="646331"/>
-          </a:xfrm>
-          <a:prstGeom prst="rect">
-            <a:avLst/>
-          </a:prstGeom>
-          <a:noFill/>
-        </p:spPr>
-        <p:txBody>
           <a:bodyPr wrap="none" rtlCol="0">
             <a:spAutoFit/>
           </a:bodyPr>
           <a:lstStyle/>
           <a:p>
-            <a:pPr marL="571500" indent="-571500">
-              <a:buFont typeface="Arial" pitchFamily="34" charset="0"/>
+            <a:pPr marL="342900" indent="-342900">
+              <a:buFont typeface="Arial" panose="020B0604020202020204" pitchFamily="34" charset="0"/>
               <a:buChar char="•"/>
             </a:pPr>
             <a:r>
-              <a:rPr lang="en-US" altLang="ko-KR" sz="3600" b="1" dirty="0" smtClean="0"/>
-              <a:t>UI Layout</a:t>
-            </a:r>
-            <a:endParaRPr lang="ko-KR" altLang="en-US" sz="3600" b="1" dirty="0"/>
+              <a:rPr lang="ko-KR" altLang="en-US" sz="2000" dirty="0" smtClean="0"/>
+              <a:t>레이아웃에 가중치</a:t>
+            </a:r>
+            <a:r>
+              <a:rPr lang="en-US" altLang="ko-KR" sz="2000" dirty="0" smtClean="0"/>
+              <a:t>(weight) </a:t>
+            </a:r>
+            <a:r>
+              <a:rPr lang="ko-KR" altLang="en-US" sz="2000" dirty="0" smtClean="0"/>
+              <a:t>속성과 </a:t>
+            </a:r>
+            <a:r>
+              <a:rPr lang="en-US" altLang="ko-KR" sz="2000" dirty="0" err="1" smtClean="0"/>
+              <a:t>dp</a:t>
+            </a:r>
+            <a:r>
+              <a:rPr lang="ko-KR" altLang="en-US" sz="2000" dirty="0" smtClean="0"/>
+              <a:t> 단</a:t>
+            </a:r>
+            <a:r>
+              <a:rPr lang="ko-KR" altLang="en-US" sz="2000" dirty="0"/>
+              <a:t>위</a:t>
+            </a:r>
+            <a:r>
+              <a:rPr lang="ko-KR" altLang="en-US" sz="2000" dirty="0" smtClean="0"/>
+              <a:t> 사용</a:t>
+            </a:r>
+            <a:r>
+              <a:rPr lang="en-US" altLang="ko-KR" sz="2000" dirty="0" smtClean="0"/>
+              <a:t>.</a:t>
+            </a:r>
+          </a:p>
+          <a:p>
+            <a:endParaRPr lang="en-US" altLang="ko-KR" sz="2000" dirty="0" smtClean="0"/>
+          </a:p>
+          <a:p>
+            <a:endParaRPr lang="en-US" altLang="ko-KR" sz="2000" dirty="0" smtClean="0"/>
+          </a:p>
+          <a:p>
+            <a:endParaRPr lang="en-US" altLang="ko-KR" sz="2000" dirty="0" smtClean="0"/>
+          </a:p>
+          <a:p>
+            <a:endParaRPr lang="en-US" altLang="ko-KR" sz="2000" dirty="0" smtClean="0"/>
           </a:p>
         </p:txBody>
       </p:sp>
       <p:pic>
         <p:nvPicPr>
-          <p:cNvPr id="1026" name="Picture 2" descr="C:\Users\Mutecsoft_pc\Pictures\viewgroup.jpg"/>
+          <p:cNvPr id="2050" name="Picture 2" descr="C:\Users\mutecsoft\Pictures\untitled3.png"/>
           <p:cNvPicPr>
             <a:picLocks noChangeAspect="1" noChangeArrowheads="1"/>
           </p:cNvPicPr>
@@ -7723,8 +9736,49 @@
         </p:blipFill>
         <p:spPr bwMode="auto">
           <a:xfrm>
-            <a:off x="1403648" y="1412776"/>
-            <a:ext cx="5995270" cy="3200007"/>
+            <a:off x="321476" y="1268436"/>
+            <a:ext cx="3131865" cy="5328916"/>
+          </a:xfrm>
+          <a:prstGeom prst="rect">
+            <a:avLst/>
+          </a:prstGeom>
+          <a:noFill/>
+          <a:extLst>
+            <a:ext uri="{909E8E84-426E-40DD-AFC4-6F175D3DCCD1}">
+              <a14:hiddenFill xmlns:a14="http://schemas.microsoft.com/office/drawing/2010/main">
+                <a:solidFill>
+                  <a:srgbClr val="FFFFFF"/>
+                </a:solidFill>
+              </a14:hiddenFill>
+            </a:ext>
+          </a:extLst>
+        </p:spPr>
+      </p:pic>
+      <p:pic>
+        <p:nvPicPr>
+          <p:cNvPr id="2051" name="Picture 3" descr="C:\Users\mutecsoft\Pictures\untitled4.png"/>
+          <p:cNvPicPr>
+            <a:picLocks noChangeAspect="1" noChangeArrowheads="1"/>
+          </p:cNvPicPr>
+          <p:nvPr/>
+        </p:nvPicPr>
+        <p:blipFill>
+          <a:blip r:embed="rId3">
+            <a:extLst>
+              <a:ext uri="{28A0092B-C50C-407E-A947-70E740481C1C}">
+                <a14:useLocalDpi xmlns:a14="http://schemas.microsoft.com/office/drawing/2010/main" val="0"/>
+              </a:ext>
+            </a:extLst>
+          </a:blip>
+          <a:srcRect/>
+          <a:stretch>
+            <a:fillRect/>
+          </a:stretch>
+        </p:blipFill>
+        <p:spPr bwMode="auto">
+          <a:xfrm>
+            <a:off x="3594405" y="2492896"/>
+            <a:ext cx="5370083" cy="2807089"/>
           </a:xfrm>
           <a:prstGeom prst="rect">
             <a:avLst/>
@@ -7744,7 +9798,7 @@
     </p:spTree>
     <p:extLst>
       <p:ext uri="{BB962C8B-B14F-4D97-AF65-F5344CB8AC3E}">
-        <p14:creationId xmlns:p14="http://schemas.microsoft.com/office/powerpoint/2010/main" val="3095731731"/>
+        <p14:creationId xmlns:p14="http://schemas.microsoft.com/office/powerpoint/2010/main" val="2134148543"/>
       </p:ext>
     </p:extLst>
   </p:cSld>
@@ -7778,16 +9832,96 @@
           <a:chExt cx="0" cy="0"/>
         </a:xfrm>
       </p:grpSpPr>
-      <p:sp>
-        <p:nvSpPr>
-          <p:cNvPr id="3" name="TextBox 2"/>
+      <p:grpSp>
+        <p:nvGrpSpPr>
+          <p:cNvPr id="4" name="그룹 3"/>
+          <p:cNvGrpSpPr/>
+          <p:nvPr/>
+        </p:nvGrpSpPr>
+        <p:grpSpPr>
+          <a:xfrm>
+            <a:off x="232914" y="260647"/>
+            <a:ext cx="7363422" cy="1008113"/>
+            <a:chOff x="179512" y="188639"/>
+            <a:chExt cx="7512374" cy="1071121"/>
+          </a:xfrm>
+        </p:grpSpPr>
+        <p:sp>
+          <p:nvSpPr>
+            <p:cNvPr id="10" name="TextBox 9"/>
+            <p:cNvSpPr txBox="1"/>
+            <p:nvPr/>
+          </p:nvSpPr>
+          <p:spPr>
+            <a:xfrm>
+              <a:off x="179512" y="188639"/>
+              <a:ext cx="3364406" cy="686727"/>
+            </a:xfrm>
+            <a:prstGeom prst="rect">
+              <a:avLst/>
+            </a:prstGeom>
+            <a:noFill/>
+          </p:spPr>
+          <p:txBody>
+            <a:bodyPr wrap="none" rtlCol="0">
+              <a:spAutoFit/>
+            </a:bodyPr>
+            <a:lstStyle/>
+            <a:p>
+              <a:r>
+                <a:rPr lang="en-US" altLang="ko-KR" sz="3600" b="1" dirty="0" smtClean="0"/>
+                <a:t>UI </a:t>
+              </a:r>
+              <a:r>
+                <a:rPr lang="ko-KR" altLang="en-US" sz="3600" b="1" dirty="0" smtClean="0"/>
+                <a:t>이벤트 처리</a:t>
+              </a:r>
+              <a:endParaRPr lang="ko-KR" altLang="en-US" sz="3600" b="1" dirty="0"/>
+            </a:p>
+          </p:txBody>
+        </p:sp>
+        <p:cxnSp>
+          <p:nvCxnSpPr>
+            <p:cNvPr id="13" name="직선 연결선 12"/>
+            <p:cNvCxnSpPr/>
+            <p:nvPr/>
+          </p:nvCxnSpPr>
+          <p:spPr>
+            <a:xfrm>
+              <a:off x="287295" y="1259760"/>
+              <a:ext cx="7404591" cy="0"/>
+            </a:xfrm>
+            <a:prstGeom prst="line">
+              <a:avLst/>
+            </a:prstGeom>
+            <a:ln/>
+          </p:spPr>
+          <p:style>
+            <a:lnRef idx="2">
+              <a:schemeClr val="accent1"/>
+            </a:lnRef>
+            <a:fillRef idx="0">
+              <a:schemeClr val="accent1"/>
+            </a:fillRef>
+            <a:effectRef idx="1">
+              <a:schemeClr val="accent1"/>
+            </a:effectRef>
+            <a:fontRef idx="minor">
+              <a:schemeClr val="tx1"/>
+            </a:fontRef>
+          </p:style>
+        </p:cxnSp>
+      </p:grpSp>
+      <p:sp>
+        <p:nvSpPr>
+          <p:cNvPr id="8" name="TextBox 7"/>
           <p:cNvSpPr txBox="1"/>
           <p:nvPr/>
         </p:nvSpPr>
         <p:spPr>
           <a:xfrm>
-            <a:off x="120474" y="429632"/>
-            <a:ext cx="8916022" cy="2554545"/>
+            <a:off x="107504" y="1628800"/>
+            <a:ext cx="8916022" cy="4708981"/>
           </a:xfrm>
           <a:prstGeom prst="rect">
             <a:avLst/>
@@ -7802,31 +9936,7 @@
           <a:p>
             <a:r>
               <a:rPr lang="ko-KR" altLang="en-US" sz="2000" dirty="0" smtClean="0"/>
-              <a:t>레이아웃을 선언하려면 코드의 </a:t>
-            </a:r>
-            <a:r>
-              <a:rPr lang="en-US" altLang="ko-KR" sz="2000" dirty="0" smtClean="0"/>
-              <a:t>View </a:t>
-            </a:r>
-            <a:r>
-              <a:rPr lang="ko-KR" altLang="en-US" sz="2000" dirty="0" smtClean="0"/>
-              <a:t>객체를 인스턴트화하고 </a:t>
-            </a:r>
-            <a:r>
-              <a:rPr lang="ko-KR" altLang="en-US" sz="2000" dirty="0" err="1" smtClean="0"/>
-              <a:t>트리를</a:t>
-            </a:r>
-            <a:r>
-              <a:rPr lang="ko-KR" altLang="en-US" sz="2000" dirty="0" smtClean="0"/>
-              <a:t> 구축해도 되고 간편하게 </a:t>
-            </a:r>
-            <a:r>
-              <a:rPr lang="en-US" altLang="ko-KR" sz="2000" dirty="0" smtClean="0"/>
-              <a:t>xml </a:t>
-            </a:r>
-            <a:r>
-              <a:rPr lang="ko-KR" altLang="en-US" sz="2000" dirty="0" smtClean="0"/>
-              <a:t>파일을 사용해도 됩니다</a:t>
+              <a:t>사용자와 애플리케이션의 상호 작용에 대한 이벤트를 처리하기 위한 방법에는 다음과 같은 두 가지 방법이 있습니다</a:t>
             </a:r>
             <a:r>
               <a:rPr lang="en-US" altLang="ko-KR" sz="2000" dirty="0" smtClean="0"/>
@@ -7837,258 +9947,254 @@
             <a:endParaRPr lang="en-US" altLang="ko-KR" sz="2000" dirty="0"/>
           </a:p>
           <a:p>
-            <a:r>
-              <a:rPr lang="en-US" altLang="ko-KR" sz="2000" dirty="0" smtClean="0"/>
-              <a:t>xml </a:t>
-            </a:r>
-            <a:r>
-              <a:rPr lang="ko-KR" altLang="en-US" sz="2000" dirty="0" smtClean="0"/>
-              <a:t>에서 사용하는 요소 이름들</a:t>
-            </a:r>
-            <a:r>
-              <a:rPr lang="en-US" altLang="ko-KR" sz="2000" dirty="0" smtClean="0"/>
-              <a:t>(</a:t>
-            </a:r>
-            <a:r>
-              <a:rPr lang="en-US" altLang="ko-KR" sz="2000" dirty="0" err="1" smtClean="0"/>
-              <a:t>LinearLayout</a:t>
-            </a:r>
-            <a:r>
-              <a:rPr lang="en-US" altLang="ko-KR" sz="2000" dirty="0" smtClean="0"/>
-              <a:t>, </a:t>
-            </a:r>
-            <a:r>
-              <a:rPr lang="en-US" altLang="ko-KR" sz="2000" dirty="0" err="1" smtClean="0"/>
-              <a:t>TextView</a:t>
-            </a:r>
-            <a:r>
-              <a:rPr lang="en-US" altLang="ko-KR" sz="2000" dirty="0" smtClean="0"/>
-              <a:t>, Button)</a:t>
-            </a:r>
-            <a:r>
-              <a:rPr lang="ko-KR" altLang="en-US" sz="2000" dirty="0" smtClean="0"/>
-              <a:t>은 </a:t>
-            </a:r>
-            <a:r>
-              <a:rPr lang="ko-KR" altLang="en-US" sz="2000" dirty="0" err="1" smtClean="0"/>
-              <a:t>안드로이드에서</a:t>
-            </a:r>
-            <a:r>
-              <a:rPr lang="ko-KR" altLang="en-US" sz="2000" dirty="0" smtClean="0"/>
-              <a:t> 해당 클래스로  존재합니다</a:t>
-            </a:r>
-            <a:r>
-              <a:rPr lang="en-US" altLang="ko-KR" sz="2000" dirty="0" smtClean="0"/>
-              <a:t>.</a:t>
-            </a:r>
-          </a:p>
-          <a:p>
-            <a:endParaRPr lang="en-US" altLang="ko-KR" sz="2000" dirty="0"/>
-          </a:p>
-          <a:p>
-            <a:r>
-              <a:rPr lang="ko-KR" altLang="en-US" sz="2000" dirty="0" smtClean="0"/>
-              <a:t>코드에서는 레이아웃  리소스</a:t>
-            </a:r>
-            <a:r>
-              <a:rPr lang="en-US" altLang="ko-KR" sz="2000" dirty="0" smtClean="0"/>
-              <a:t>(xml </a:t>
-            </a:r>
-            <a:r>
-              <a:rPr lang="ko-KR" altLang="en-US" sz="2000" dirty="0" smtClean="0"/>
-              <a:t>파일</a:t>
-            </a:r>
-            <a:r>
-              <a:rPr lang="en-US" altLang="ko-KR" sz="2000" dirty="0" smtClean="0"/>
-              <a:t>)</a:t>
-            </a:r>
-            <a:r>
-              <a:rPr lang="ko-KR" altLang="en-US" sz="2000" dirty="0" smtClean="0"/>
-              <a:t>를 </a:t>
-            </a:r>
-            <a:r>
-              <a:rPr lang="en-US" altLang="ko-KR" sz="2000" dirty="0" smtClean="0"/>
-              <a:t>Inflate </a:t>
-            </a:r>
-            <a:r>
-              <a:rPr lang="ko-KR" altLang="en-US" sz="2000" dirty="0" smtClean="0"/>
-              <a:t>해서 객체 상태로 사용합니다</a:t>
-            </a:r>
-            <a:r>
-              <a:rPr lang="en-US" altLang="ko-KR" sz="2000" dirty="0" smtClean="0"/>
-              <a:t>.</a:t>
-            </a:r>
-            <a:endParaRPr lang="ko-KR" altLang="en-US" sz="2000" dirty="0"/>
-          </a:p>
-        </p:txBody>
-      </p:sp>
-      <p:sp>
-        <p:nvSpPr>
-          <p:cNvPr id="7" name="TextBox 6"/>
-          <p:cNvSpPr txBox="1"/>
-          <p:nvPr/>
-        </p:nvSpPr>
-        <p:spPr>
-          <a:xfrm>
-            <a:off x="107504" y="4437112"/>
-            <a:ext cx="8916022" cy="1323439"/>
-          </a:xfrm>
-          <a:prstGeom prst="rect">
-            <a:avLst/>
-          </a:prstGeom>
-          <a:noFill/>
-        </p:spPr>
-        <p:txBody>
-          <a:bodyPr wrap="square" rtlCol="0">
-            <a:spAutoFit/>
-          </a:bodyPr>
-          <a:lstStyle/>
-          <a:p>
-            <a:r>
-              <a:rPr lang="en-US" altLang="ko-KR" sz="2000" dirty="0" smtClean="0"/>
-              <a:t>UI </a:t>
-            </a:r>
-            <a:r>
-              <a:rPr lang="ko-KR" altLang="en-US" sz="2000" dirty="0" smtClean="0"/>
-              <a:t>를 구축할 때 모두 </a:t>
-            </a:r>
-            <a:r>
-              <a:rPr lang="en-US" altLang="ko-KR" sz="2000" dirty="0" smtClean="0"/>
-              <a:t>View </a:t>
-            </a:r>
-            <a:r>
-              <a:rPr lang="ko-KR" altLang="en-US" sz="2000" dirty="0" smtClean="0"/>
-              <a:t>및 </a:t>
-            </a:r>
-            <a:r>
-              <a:rPr lang="en-US" altLang="ko-KR" sz="2000" dirty="0" err="1" smtClean="0"/>
-              <a:t>ViewGroup</a:t>
-            </a:r>
-            <a:r>
-              <a:rPr lang="en-US" altLang="ko-KR" sz="2000" dirty="0" smtClean="0"/>
-              <a:t> </a:t>
-            </a:r>
-            <a:r>
-              <a:rPr lang="ko-KR" altLang="en-US" sz="2000" dirty="0" smtClean="0"/>
-              <a:t>객체를 사용해야 하는 것은 아닙니다</a:t>
-            </a:r>
-            <a:r>
-              <a:rPr lang="en-US" altLang="ko-KR" sz="2000" dirty="0" smtClean="0"/>
-              <a:t>.  </a:t>
-            </a:r>
-            <a:r>
-              <a:rPr lang="ko-KR" altLang="en-US" sz="2000" dirty="0" err="1" smtClean="0"/>
-              <a:t>안드로이드가</a:t>
-            </a:r>
-            <a:r>
-              <a:rPr lang="ko-KR" altLang="en-US" sz="2000" dirty="0" smtClean="0"/>
-              <a:t> 표준형 </a:t>
-            </a:r>
-            <a:r>
-              <a:rPr lang="en-US" altLang="ko-KR" sz="2000" dirty="0" smtClean="0"/>
-              <a:t>UI </a:t>
-            </a:r>
-            <a:r>
-              <a:rPr lang="ko-KR" altLang="en-US" sz="2000" dirty="0" smtClean="0"/>
-              <a:t>레이아웃을 제공하는 </a:t>
-            </a:r>
-            <a:r>
-              <a:rPr lang="ko-KR" altLang="en-US" sz="2000" dirty="0" err="1" smtClean="0"/>
-              <a:t>앱</a:t>
-            </a:r>
-            <a:r>
-              <a:rPr lang="ko-KR" altLang="en-US" sz="2000" dirty="0" smtClean="0"/>
-              <a:t> 컴포넌트</a:t>
-            </a:r>
-            <a:r>
-              <a:rPr lang="en-US" altLang="ko-KR" sz="2000" dirty="0" smtClean="0"/>
-              <a:t>(</a:t>
-            </a:r>
-            <a:r>
-              <a:rPr lang="ko-KR" altLang="en-US" sz="2000" dirty="0" smtClean="0"/>
-              <a:t>액션 </a:t>
-            </a:r>
-            <a:r>
-              <a:rPr lang="ko-KR" altLang="en-US" sz="2000" dirty="0"/>
-              <a:t>바</a:t>
-            </a:r>
-            <a:r>
-              <a:rPr lang="en-US" altLang="ko-KR" sz="2000" dirty="0"/>
-              <a:t>, </a:t>
-            </a:r>
-            <a:r>
-              <a:rPr lang="ko-KR" altLang="en-US" sz="2000" dirty="0"/>
-              <a:t>다이얼로그</a:t>
-            </a:r>
-            <a:r>
-              <a:rPr lang="en-US" altLang="ko-KR" sz="2000" dirty="0"/>
-              <a:t>, </a:t>
-            </a:r>
-            <a:r>
-              <a:rPr lang="ko-KR" altLang="en-US" sz="2000" dirty="0"/>
-              <a:t>상태 알림</a:t>
-            </a:r>
-            <a:r>
-              <a:rPr lang="en-US" altLang="ko-KR" sz="2000" dirty="0" smtClean="0"/>
-              <a:t>)</a:t>
-            </a:r>
-            <a:r>
-              <a:rPr lang="ko-KR" altLang="en-US" sz="2000" dirty="0" smtClean="0"/>
-              <a:t>를 여러 개 제공하므로 이에 대한 </a:t>
-            </a:r>
-            <a:r>
-              <a:rPr lang="ko-KR" altLang="en-US" sz="2000" dirty="0" err="1" smtClean="0"/>
-              <a:t>콘텐츠만</a:t>
-            </a:r>
-            <a:r>
-              <a:rPr lang="ko-KR" altLang="en-US" sz="2000" dirty="0" smtClean="0"/>
-              <a:t> 정의하면 됩니다</a:t>
-            </a:r>
-            <a:r>
-              <a:rPr lang="en-US" altLang="ko-KR" sz="2000" dirty="0" smtClean="0"/>
-              <a:t>.</a:t>
-            </a:r>
-          </a:p>
-        </p:txBody>
-      </p:sp>
-      <p:sp>
-        <p:nvSpPr>
-          <p:cNvPr id="8" name="TextBox 7"/>
-          <p:cNvSpPr txBox="1"/>
-          <p:nvPr/>
-        </p:nvSpPr>
-        <p:spPr>
-          <a:xfrm>
-            <a:off x="232914" y="3205424"/>
-            <a:ext cx="4190571" cy="646331"/>
-          </a:xfrm>
-          <a:prstGeom prst="rect">
-            <a:avLst/>
-          </a:prstGeom>
-          <a:noFill/>
-        </p:spPr>
-        <p:txBody>
-          <a:bodyPr wrap="none" rtlCol="0">
-            <a:spAutoFit/>
-          </a:bodyPr>
-          <a:lstStyle/>
-          <a:p>
-            <a:pPr marL="571500" indent="-571500">
+            <a:pPr marL="342900" indent="-342900">
               <a:buFont typeface="Arial" pitchFamily="34" charset="0"/>
               <a:buChar char="•"/>
             </a:pPr>
             <a:r>
-              <a:rPr lang="en-US" altLang="ko-KR" sz="3600" b="1" dirty="0" smtClean="0"/>
-              <a:t>UI Components</a:t>
-            </a:r>
-            <a:endParaRPr lang="ko-KR" altLang="en-US" sz="3600" b="1" dirty="0"/>
+              <a:rPr lang="ko-KR" altLang="en-US" sz="2000" dirty="0" smtClean="0">
+                <a:effectLst/>
+              </a:rPr>
+              <a:t>이벤트 </a:t>
+            </a:r>
+            <a:r>
+              <a:rPr lang="ko-KR" altLang="en-US" sz="2000" dirty="0" err="1" smtClean="0">
+                <a:effectLst/>
+              </a:rPr>
+              <a:t>리스너</a:t>
+            </a:r>
+            <a:endParaRPr lang="en-US" altLang="ko-KR" sz="2000" dirty="0" smtClean="0">
+              <a:effectLst/>
+            </a:endParaRPr>
+          </a:p>
+          <a:p>
+            <a:r>
+              <a:rPr lang="ko-KR" altLang="en-US" sz="2000" dirty="0" smtClean="0"/>
+              <a:t>이벤트 </a:t>
+            </a:r>
+            <a:r>
+              <a:rPr lang="ko-KR" altLang="en-US" sz="2000" dirty="0" err="1" smtClean="0"/>
+              <a:t>리스너란</a:t>
+            </a:r>
+            <a:r>
+              <a:rPr lang="ko-KR" altLang="en-US" sz="2000" dirty="0" smtClean="0"/>
+              <a:t> </a:t>
+            </a:r>
+            <a:r>
+              <a:rPr lang="en-US" altLang="ko-KR" sz="2000" dirty="0" smtClean="0"/>
+              <a:t>View </a:t>
+            </a:r>
+            <a:r>
+              <a:rPr lang="ko-KR" altLang="en-US" sz="2000" dirty="0" smtClean="0"/>
+              <a:t>클래스 내에 있는 일종의 인터페이스로</a:t>
+            </a:r>
+            <a:r>
+              <a:rPr lang="en-US" altLang="ko-KR" sz="2000" dirty="0" smtClean="0"/>
+              <a:t>, </a:t>
+            </a:r>
+            <a:r>
+              <a:rPr lang="ko-KR" altLang="en-US" sz="2000" dirty="0" smtClean="0"/>
+              <a:t>이 안에 하나의 </a:t>
+            </a:r>
+            <a:r>
+              <a:rPr lang="ko-KR" altLang="en-US" sz="2000" dirty="0" err="1" smtClean="0"/>
+              <a:t>콜백</a:t>
+            </a:r>
+            <a:r>
+              <a:rPr lang="ko-KR" altLang="en-US" sz="2000" dirty="0" smtClean="0"/>
+              <a:t> </a:t>
+            </a:r>
+            <a:r>
+              <a:rPr lang="ko-KR" altLang="en-US" sz="2000" dirty="0" err="1" smtClean="0"/>
+              <a:t>메서드가</a:t>
+            </a:r>
+            <a:r>
+              <a:rPr lang="ko-KR" altLang="en-US" sz="2000" dirty="0" smtClean="0"/>
+              <a:t> 들어있습니다</a:t>
+            </a:r>
+            <a:r>
+              <a:rPr lang="en-US" altLang="ko-KR" sz="2000" dirty="0" smtClean="0"/>
+              <a:t>. </a:t>
+            </a:r>
+            <a:r>
+              <a:rPr lang="ko-KR" altLang="en-US" sz="2000" dirty="0" smtClean="0"/>
+              <a:t>이러한 </a:t>
+            </a:r>
+            <a:r>
+              <a:rPr lang="ko-KR" altLang="en-US" sz="2000" dirty="0" err="1" smtClean="0"/>
+              <a:t>메서드는</a:t>
+            </a:r>
+            <a:r>
+              <a:rPr lang="ko-KR" altLang="en-US" sz="2000" dirty="0" smtClean="0"/>
+              <a:t> </a:t>
+            </a:r>
+            <a:r>
+              <a:rPr lang="ko-KR" altLang="en-US" sz="2000" dirty="0" err="1" smtClean="0"/>
+              <a:t>리스너가</a:t>
+            </a:r>
+            <a:r>
+              <a:rPr lang="ko-KR" altLang="en-US" sz="2000" dirty="0" smtClean="0"/>
+              <a:t> 등록된 </a:t>
+            </a:r>
+            <a:r>
+              <a:rPr lang="en-US" altLang="ko-KR" sz="2000" dirty="0" smtClean="0"/>
+              <a:t>View </a:t>
+            </a:r>
+            <a:r>
+              <a:rPr lang="ko-KR" altLang="en-US" sz="2000" dirty="0" smtClean="0"/>
+              <a:t>가 </a:t>
+            </a:r>
+            <a:r>
+              <a:rPr lang="en-US" altLang="ko-KR" sz="2000" dirty="0" smtClean="0"/>
+              <a:t>UI </a:t>
+            </a:r>
+            <a:r>
+              <a:rPr lang="ko-KR" altLang="en-US" sz="2000" dirty="0" smtClean="0"/>
+              <a:t>안의 항목과 사용자의 상호작용 할 때 </a:t>
+            </a:r>
+            <a:r>
+              <a:rPr lang="ko-KR" altLang="en-US" sz="2000" dirty="0" err="1" smtClean="0"/>
+              <a:t>안드로이드</a:t>
+            </a:r>
+            <a:r>
+              <a:rPr lang="ko-KR" altLang="en-US" sz="2000" dirty="0" smtClean="0"/>
+              <a:t> 프레임워크에 의해 호출 되어집니다</a:t>
+            </a:r>
+            <a:r>
+              <a:rPr lang="en-US" altLang="ko-KR" sz="2000" dirty="0" smtClean="0"/>
+              <a:t>.</a:t>
+            </a:r>
+            <a:endParaRPr lang="en-US" altLang="ko-KR" sz="2000" dirty="0"/>
+          </a:p>
+          <a:p>
+            <a:endParaRPr lang="en-US" altLang="ko-KR" sz="2000" dirty="0"/>
+          </a:p>
+          <a:p>
+            <a:pPr marL="342900" indent="-342900">
+              <a:buFont typeface="Arial" pitchFamily="34" charset="0"/>
+              <a:buChar char="•"/>
+            </a:pPr>
+            <a:r>
+              <a:rPr lang="ko-KR" altLang="en-US" sz="2000" dirty="0" smtClean="0">
+                <a:effectLst/>
+              </a:rPr>
+              <a:t>이벤트 </a:t>
+            </a:r>
+            <a:r>
+              <a:rPr lang="ko-KR" altLang="en-US" sz="2000" dirty="0" err="1" smtClean="0">
+                <a:effectLst/>
+              </a:rPr>
+              <a:t>핸들러</a:t>
+            </a:r>
+            <a:endParaRPr lang="en-US" altLang="ko-KR" sz="2000" dirty="0" smtClean="0">
+              <a:effectLst/>
+            </a:endParaRPr>
+          </a:p>
+          <a:p>
+            <a:r>
+              <a:rPr lang="ko-KR" altLang="en-US" sz="2000" dirty="0" smtClean="0">
+                <a:effectLst/>
+              </a:rPr>
+              <a:t>사용자 이벤트를 처리하는 것에 있어서 이벤트 </a:t>
+            </a:r>
+            <a:r>
+              <a:rPr lang="ko-KR" altLang="en-US" sz="2000" dirty="0" err="1" smtClean="0">
+                <a:effectLst/>
+              </a:rPr>
+              <a:t>리스너를</a:t>
+            </a:r>
+            <a:r>
+              <a:rPr lang="ko-KR" altLang="en-US" sz="2000" dirty="0" smtClean="0">
+                <a:effectLst/>
+              </a:rPr>
+              <a:t> 사용하는 것이 좀 더 보편적이지만</a:t>
+            </a:r>
+            <a:r>
+              <a:rPr lang="en-US" altLang="ko-KR" sz="2000" dirty="0" smtClean="0">
+                <a:effectLst/>
+              </a:rPr>
+              <a:t>, </a:t>
+            </a:r>
+            <a:r>
+              <a:rPr lang="ko-KR" altLang="en-US" sz="2000" dirty="0" err="1" smtClean="0">
+                <a:effectLst/>
+              </a:rPr>
+              <a:t>커스텀</a:t>
+            </a:r>
+            <a:r>
+              <a:rPr lang="ko-KR" altLang="en-US" sz="2000" dirty="0" smtClean="0"/>
+              <a:t> 컴포넌트를 구축하기 위해  </a:t>
+            </a:r>
+            <a:r>
+              <a:rPr lang="en-US" altLang="ko-KR" sz="2000" dirty="0" smtClean="0"/>
+              <a:t>View </a:t>
+            </a:r>
+            <a:r>
+              <a:rPr lang="ko-KR" altLang="en-US" sz="2000" dirty="0" smtClean="0"/>
+              <a:t>클래스를 확장하는 경우</a:t>
+            </a:r>
+            <a:r>
+              <a:rPr lang="en-US" altLang="ko-KR" sz="2000" dirty="0" smtClean="0"/>
+              <a:t>, </a:t>
+            </a:r>
+            <a:r>
+              <a:rPr lang="ko-KR" altLang="en-US" sz="2000" dirty="0" smtClean="0"/>
+              <a:t>클래스에 대한 기본 이벤트 행동을 클래스 이벤트 </a:t>
+            </a:r>
+            <a:r>
+              <a:rPr lang="ko-KR" altLang="en-US" sz="2000" dirty="0" err="1" smtClean="0"/>
+              <a:t>핸들러를</a:t>
+            </a:r>
+            <a:r>
+              <a:rPr lang="ko-KR" altLang="en-US" sz="2000" dirty="0" smtClean="0"/>
+              <a:t> 사용하여 정의 할 수 있습니다</a:t>
+            </a:r>
+            <a:r>
+              <a:rPr lang="en-US" altLang="ko-KR" sz="2000" dirty="0" smtClean="0"/>
+              <a:t>. </a:t>
+            </a:r>
+            <a:r>
+              <a:rPr lang="ko-KR" altLang="en-US" sz="2000" dirty="0" smtClean="0"/>
+              <a:t>이때 기본 이벤트 </a:t>
+            </a:r>
+            <a:r>
+              <a:rPr lang="ko-KR" altLang="en-US" sz="2000" dirty="0" err="1" smtClean="0"/>
+              <a:t>핸들러로</a:t>
+            </a:r>
+            <a:r>
+              <a:rPr lang="ko-KR" altLang="en-US" sz="2000" dirty="0" smtClean="0"/>
+              <a:t> 사용될 </a:t>
+            </a:r>
+            <a:r>
+              <a:rPr lang="ko-KR" altLang="en-US" sz="2000" dirty="0" err="1" smtClean="0"/>
+              <a:t>콜백</a:t>
+            </a:r>
+            <a:r>
+              <a:rPr lang="ko-KR" altLang="en-US" sz="2000" dirty="0" smtClean="0"/>
+              <a:t> </a:t>
+            </a:r>
+            <a:r>
+              <a:rPr lang="ko-KR" altLang="en-US" sz="2000" dirty="0" err="1" smtClean="0"/>
+              <a:t>메서드를</a:t>
+            </a:r>
+            <a:r>
+              <a:rPr lang="ko-KR" altLang="en-US" sz="2000" dirty="0" smtClean="0"/>
+              <a:t> 여러 개 정의할 수 있게 됩니다</a:t>
+            </a:r>
+            <a:r>
+              <a:rPr lang="en-US" altLang="ko-KR" sz="2000" dirty="0" smtClean="0"/>
+              <a:t>.</a:t>
+            </a:r>
+            <a:endParaRPr lang="en-US" altLang="ko-KR" sz="2000" dirty="0">
+              <a:effectLst/>
+            </a:endParaRPr>
           </a:p>
         </p:txBody>
       </p:sp>
     </p:spTree>
     <p:extLst>
       <p:ext uri="{BB962C8B-B14F-4D97-AF65-F5344CB8AC3E}">
-        <p14:creationId xmlns:p14="http://schemas.microsoft.com/office/powerpoint/2010/main" val="557952983"/>
+        <p14:creationId xmlns:p14="http://schemas.microsoft.com/office/powerpoint/2010/main" val="2183280309"/>
       </p:ext>
     </p:extLst>
   </p:cSld>
@@ -8122,16 +10228,116 @@
           <a:chExt cx="0" cy="0"/>
         </a:xfrm>
       </p:grpSpPr>
-      <p:sp>
-        <p:nvSpPr>
-          <p:cNvPr id="7" name="TextBox 6"/>
+      <p:grpSp>
+        <p:nvGrpSpPr>
+          <p:cNvPr id="4" name="그룹 3"/>
+          <p:cNvGrpSpPr/>
+          <p:nvPr/>
+        </p:nvGrpSpPr>
+        <p:grpSpPr>
+          <a:xfrm>
+            <a:off x="232914" y="260647"/>
+            <a:ext cx="7645042" cy="1008113"/>
+            <a:chOff x="179512" y="188639"/>
+            <a:chExt cx="7799691" cy="1071121"/>
+          </a:xfrm>
+        </p:grpSpPr>
+        <p:sp>
+          <p:nvSpPr>
+            <p:cNvPr id="10" name="TextBox 9"/>
+            <p:cNvSpPr txBox="1"/>
+            <p:nvPr/>
+          </p:nvSpPr>
+          <p:spPr>
+            <a:xfrm>
+              <a:off x="179512" y="188639"/>
+              <a:ext cx="7799691" cy="686727"/>
+            </a:xfrm>
+            <a:prstGeom prst="rect">
+              <a:avLst/>
+            </a:prstGeom>
+            <a:noFill/>
+          </p:spPr>
+          <p:txBody>
+            <a:bodyPr wrap="none" rtlCol="0">
+              <a:spAutoFit/>
+            </a:bodyPr>
+            <a:lstStyle/>
+            <a:p>
+              <a:r>
+                <a:rPr lang="en-US" altLang="ko-KR" sz="3600" b="1" dirty="0" smtClean="0"/>
+                <a:t>UI </a:t>
+              </a:r>
+              <a:r>
+                <a:rPr lang="ko-KR" altLang="en-US" sz="3600" b="1" dirty="0" err="1" smtClean="0"/>
+                <a:t>스레드</a:t>
+              </a:r>
+              <a:r>
+                <a:rPr lang="en-US" altLang="ko-KR" sz="3600" b="1" dirty="0" smtClean="0"/>
+                <a:t>(</a:t>
+              </a:r>
+              <a:r>
+                <a:rPr lang="ko-KR" altLang="en-US" sz="3600" b="1" dirty="0" smtClean="0"/>
+                <a:t>메인 </a:t>
+              </a:r>
+              <a:r>
+                <a:rPr lang="ko-KR" altLang="en-US" sz="3600" b="1" dirty="0" err="1" smtClean="0"/>
+                <a:t>스레드</a:t>
+              </a:r>
+              <a:r>
+                <a:rPr lang="en-US" altLang="ko-KR" sz="3600" b="1" dirty="0" smtClean="0"/>
+                <a:t>) </a:t>
+              </a:r>
+              <a:r>
+                <a:rPr lang="ko-KR" altLang="en-US" sz="3600" b="1" dirty="0" smtClean="0"/>
+                <a:t>이벤트 처리</a:t>
+              </a:r>
+              <a:endParaRPr lang="ko-KR" altLang="en-US" sz="3600" b="1" dirty="0"/>
+            </a:p>
+          </p:txBody>
+        </p:sp>
+        <p:cxnSp>
+          <p:nvCxnSpPr>
+            <p:cNvPr id="13" name="직선 연결선 12"/>
+            <p:cNvCxnSpPr/>
+            <p:nvPr/>
+          </p:nvCxnSpPr>
+          <p:spPr>
+            <a:xfrm>
+              <a:off x="287295" y="1259760"/>
+              <a:ext cx="7404591" cy="0"/>
+            </a:xfrm>
+            <a:prstGeom prst="line">
+              <a:avLst/>
+            </a:prstGeom>
+            <a:ln/>
+          </p:spPr>
+          <p:style>
+            <a:lnRef idx="2">
+              <a:schemeClr val="accent1"/>
+            </a:lnRef>
+            <a:fillRef idx="0">
+              <a:schemeClr val="accent1"/>
+            </a:fillRef>
+            <a:effectRef idx="1">
+              <a:schemeClr val="accent1"/>
+            </a:effectRef>
+            <a:fontRef idx="minor">
+              <a:schemeClr val="tx1"/>
+            </a:fontRef>
+          </p:style>
+        </p:cxnSp>
+      </p:grpSp>
+      <p:sp>
+        <p:nvSpPr>
+          <p:cNvPr id="8" name="TextBox 7"/>
           <p:cNvSpPr txBox="1"/>
           <p:nvPr/>
         </p:nvSpPr>
         <p:spPr>
           <a:xfrm>
-            <a:off x="107504" y="1124744"/>
-            <a:ext cx="8916022" cy="707886"/>
+            <a:off x="107504" y="1628800"/>
+            <a:ext cx="8916022" cy="5016758"/>
           </a:xfrm>
           <a:prstGeom prst="rect">
             <a:avLst/>
@@ -8145,143 +10351,266 @@
           <a:lstStyle/>
           <a:p>
             <a:r>
-              <a:rPr lang="ko-KR" altLang="en-US" sz="2000" dirty="0" smtClean="0"/>
-              <a:t>직접적으로 보이며 </a:t>
-            </a:r>
+              <a:rPr lang="ko-KR" altLang="en-US" sz="2000" b="1" dirty="0" smtClean="0"/>
+              <a:t>메인 </a:t>
+            </a:r>
+            <a:r>
+              <a:rPr lang="ko-KR" altLang="en-US" sz="2000" b="1" dirty="0" err="1" smtClean="0"/>
+              <a:t>스레드</a:t>
+            </a:r>
+            <a:r>
+              <a:rPr lang="en-US" altLang="ko-KR" sz="2000" b="1" dirty="0" smtClean="0"/>
+              <a:t>(Main Thread, </a:t>
+            </a:r>
+            <a:r>
+              <a:rPr lang="en-US" altLang="ko-KR" sz="2000" b="1" dirty="0" smtClean="0"/>
+              <a:t>UI Thread</a:t>
+            </a:r>
+            <a:r>
+              <a:rPr lang="en-US" altLang="ko-KR" sz="2000" b="1" dirty="0" smtClean="0"/>
+              <a:t>)</a:t>
+            </a:r>
+            <a:endParaRPr lang="en-US" altLang="ko-KR" sz="2000" dirty="0"/>
+          </a:p>
+          <a:p>
+            <a:endParaRPr lang="en-US" altLang="ko-KR" sz="2000" dirty="0" smtClean="0"/>
+          </a:p>
+          <a:p>
+            <a:pPr marL="342900" indent="-342900">
+              <a:buFont typeface="Arial" panose="020B0604020202020204" pitchFamily="34" charset="0"/>
+              <a:buChar char="•"/>
+            </a:pPr>
+            <a:r>
+              <a:rPr lang="ko-KR" altLang="en-US" sz="2000" dirty="0" err="1" smtClean="0"/>
+              <a:t>안드로이드</a:t>
+            </a:r>
+            <a:r>
+              <a:rPr lang="ko-KR" altLang="en-US" sz="2000" dirty="0" smtClean="0"/>
+              <a:t> 애플리케이션의 </a:t>
+            </a:r>
+            <a:r>
+              <a:rPr lang="en-US" altLang="ko-KR" sz="2000" dirty="0" smtClean="0"/>
+              <a:t>Main Thread.</a:t>
+            </a:r>
+          </a:p>
+          <a:p>
+            <a:pPr marL="342900" indent="-342900">
+              <a:buFont typeface="Arial" panose="020B0604020202020204" pitchFamily="34" charset="0"/>
+              <a:buChar char="•"/>
+            </a:pPr>
+            <a:r>
+              <a:rPr lang="ko-KR" altLang="en-US" sz="2000" dirty="0" smtClean="0"/>
+              <a:t>애플리케이션이 실행되었을 때</a:t>
+            </a:r>
+            <a:r>
+              <a:rPr lang="en-US" altLang="ko-KR" sz="2000" dirty="0" smtClean="0"/>
+              <a:t>, </a:t>
+            </a:r>
+            <a:r>
+              <a:rPr lang="ko-KR" altLang="en-US" sz="2000" dirty="0" smtClean="0"/>
+              <a:t>시스템에 의해 생성</a:t>
+            </a:r>
+            <a:r>
+              <a:rPr lang="en-US" altLang="ko-KR" sz="2000" dirty="0" smtClean="0"/>
+              <a:t>.</a:t>
+            </a:r>
+          </a:p>
+          <a:p>
+            <a:pPr marL="342900" indent="-342900">
+              <a:buFont typeface="Arial" panose="020B0604020202020204" pitchFamily="34" charset="0"/>
+              <a:buChar char="•"/>
+            </a:pPr>
+            <a:r>
+              <a:rPr lang="ko-KR" altLang="en-US" sz="2000" dirty="0" smtClean="0"/>
+              <a:t>역할</a:t>
+            </a:r>
+            <a:endParaRPr lang="en-US" altLang="ko-KR" sz="2000" dirty="0" smtClean="0"/>
+          </a:p>
+          <a:p>
+            <a:pPr marL="800100" lvl="1" indent="-342900">
+              <a:buFont typeface="Arial" panose="020B0604020202020204" pitchFamily="34" charset="0"/>
+              <a:buChar char="•"/>
+            </a:pPr>
             <a:r>
               <a:rPr lang="en-US" altLang="ko-KR" sz="2000" dirty="0" smtClean="0"/>
               <a:t>UI </a:t>
             </a:r>
             <a:r>
               <a:rPr lang="ko-KR" altLang="en-US" sz="2000" dirty="0" smtClean="0"/>
-              <a:t>를 구성한다</a:t>
-            </a:r>
-            <a:r>
-              <a:rPr lang="en-US" altLang="ko-KR" sz="2000" dirty="0" smtClean="0"/>
-              <a:t>. Button, </a:t>
-            </a:r>
-            <a:r>
-              <a:rPr lang="en-US" altLang="ko-KR" sz="2000" dirty="0" err="1" smtClean="0"/>
-              <a:t>TextView</a:t>
+              <a:t>이벤트</a:t>
+            </a:r>
+            <a:r>
+              <a:rPr lang="en-US" altLang="ko-KR" sz="2000" dirty="0" smtClean="0"/>
+              <a:t>(</a:t>
+            </a:r>
+            <a:r>
+              <a:rPr lang="ko-KR" altLang="en-US" sz="2000" dirty="0" smtClean="0"/>
+              <a:t>사용자 입력 </a:t>
+            </a:r>
+            <a:r>
+              <a:rPr lang="en-US" altLang="ko-KR" sz="2000" dirty="0" smtClean="0"/>
+              <a:t>/ </a:t>
+            </a:r>
+            <a:r>
+              <a:rPr lang="ko-KR" altLang="en-US" sz="2000" dirty="0" smtClean="0"/>
+              <a:t>화면 </a:t>
+            </a:r>
+            <a:r>
+              <a:rPr lang="en-US" altLang="ko-KR" sz="2000" dirty="0" smtClean="0"/>
+              <a:t>Drawing) </a:t>
+            </a:r>
+            <a:r>
+              <a:rPr lang="ko-KR" altLang="en-US" sz="2000" dirty="0" smtClean="0"/>
+              <a:t>처리</a:t>
+            </a:r>
+            <a:r>
+              <a:rPr lang="en-US" altLang="ko-KR" sz="2000" dirty="0" smtClean="0"/>
+              <a:t>.</a:t>
+            </a:r>
+          </a:p>
+          <a:p>
+            <a:pPr marL="800100" lvl="1" indent="-342900">
+              <a:buFont typeface="Arial" panose="020B0604020202020204" pitchFamily="34" charset="0"/>
+              <a:buChar char="•"/>
+            </a:pPr>
+            <a:r>
+              <a:rPr lang="ko-KR" altLang="en-US" sz="2000" dirty="0" err="1" smtClean="0"/>
+              <a:t>안드로이드</a:t>
+            </a:r>
+            <a:r>
+              <a:rPr lang="ko-KR" altLang="en-US" sz="2000" dirty="0" smtClean="0"/>
+              <a:t> 컴포넌트</a:t>
+            </a:r>
+            <a:r>
+              <a:rPr lang="en-US" altLang="ko-KR" sz="2000" dirty="0" smtClean="0"/>
+              <a:t>(Activity, Service </a:t>
+            </a:r>
+            <a:r>
+              <a:rPr lang="ko-KR" altLang="en-US" sz="2000" dirty="0" smtClean="0"/>
+              <a:t>등</a:t>
+            </a:r>
+            <a:r>
+              <a:rPr lang="en-US" altLang="ko-KR" sz="2000" dirty="0" smtClean="0"/>
+              <a:t>)</a:t>
+            </a:r>
+            <a:r>
+              <a:rPr lang="ko-KR" altLang="en-US" sz="2000" dirty="0" smtClean="0"/>
+              <a:t>의 </a:t>
+            </a:r>
+            <a:r>
+              <a:rPr lang="ko-KR" altLang="en-US" sz="2000" dirty="0" err="1" smtClean="0"/>
+              <a:t>인스턴스</a:t>
+            </a:r>
+            <a:r>
+              <a:rPr lang="ko-KR" altLang="en-US" sz="2000" dirty="0" smtClean="0"/>
+              <a:t> 생성 및 생명 주기 </a:t>
+            </a:r>
+            <a:r>
+              <a:rPr lang="ko-KR" altLang="en-US" sz="2000" dirty="0" err="1" smtClean="0"/>
+              <a:t>콜백</a:t>
+            </a:r>
+            <a:r>
+              <a:rPr lang="ko-KR" altLang="en-US" sz="2000" dirty="0" smtClean="0"/>
+              <a:t> 호출</a:t>
+            </a:r>
+            <a:r>
+              <a:rPr lang="en-US" altLang="ko-KR" sz="2000" dirty="0" smtClean="0"/>
+              <a:t>.</a:t>
+            </a:r>
+          </a:p>
+          <a:p>
+            <a:pPr marL="800100" lvl="1" indent="-342900">
+              <a:buFont typeface="Arial" panose="020B0604020202020204" pitchFamily="34" charset="0"/>
+              <a:buChar char="•"/>
+            </a:pPr>
+            <a:endParaRPr lang="en-US" altLang="ko-KR" sz="2000" dirty="0" smtClean="0"/>
+          </a:p>
+          <a:p>
+            <a:r>
+              <a:rPr lang="ko-KR" altLang="en-US" sz="2000" dirty="0" smtClean="0"/>
+              <a:t>이처럼 </a:t>
+            </a:r>
+            <a:r>
+              <a:rPr lang="en-US" altLang="ko-KR" sz="2000" dirty="0" smtClean="0"/>
+              <a:t>UI </a:t>
+            </a:r>
+            <a:r>
+              <a:rPr lang="ko-KR" altLang="en-US" sz="2000" dirty="0" err="1" smtClean="0"/>
+              <a:t>스레드에서</a:t>
+            </a:r>
+            <a:r>
+              <a:rPr lang="ko-KR" altLang="en-US" sz="2000" dirty="0" smtClean="0"/>
+              <a:t> 모든 작업을 처리하는 모델의 단점은 네트워크 접속 또는 데이터베이스 쿼리와 같이 오래 걸리는 작업을 하는 동안 </a:t>
+            </a:r>
+            <a:r>
+              <a:rPr lang="en-US" altLang="ko-KR" sz="2000" dirty="0" smtClean="0"/>
+              <a:t>UI </a:t>
+            </a:r>
+            <a:r>
+              <a:rPr lang="ko-KR" altLang="en-US" sz="2000" dirty="0" smtClean="0"/>
+              <a:t>관련된 작업은 처리되지 못한다</a:t>
+            </a:r>
+            <a:r>
+              <a:rPr lang="en-US" altLang="ko-KR" sz="2000" dirty="0" smtClean="0"/>
+              <a:t>.</a:t>
+            </a:r>
+          </a:p>
+          <a:p>
+            <a:endParaRPr lang="en-US" altLang="ko-KR" sz="2000" dirty="0" smtClean="0"/>
+          </a:p>
+          <a:p>
+            <a:r>
+              <a:rPr lang="ko-KR" altLang="en-US" sz="2000" dirty="0" smtClean="0"/>
+              <a:t>이것이 문제가 되는 이유는</a:t>
             </a:r>
             <a:r>
               <a:rPr lang="en-US" altLang="ko-KR" sz="2000" dirty="0" smtClean="0"/>
               <a:t>, </a:t>
             </a:r>
             <a:r>
-              <a:rPr lang="en-US" altLang="ko-KR" sz="2000" dirty="0" err="1" smtClean="0"/>
-              <a:t>EditText</a:t>
-            </a:r>
-            <a:r>
-              <a:rPr lang="en-US" altLang="ko-KR" sz="2000" dirty="0" smtClean="0"/>
-              <a:t>, </a:t>
-            </a:r>
-            <a:r>
-              <a:rPr lang="en-US" altLang="ko-KR" sz="2000" dirty="0" err="1" smtClean="0"/>
-              <a:t>RadioButton</a:t>
-            </a:r>
-            <a:r>
-              <a:rPr lang="en-US" altLang="ko-KR" sz="2000" dirty="0" smtClean="0"/>
+              <a:rPr lang="ko-KR" altLang="en-US" sz="2000" dirty="0" smtClean="0"/>
+              <a:t>오랜 시간 동안에 </a:t>
+            </a:r>
+            <a:r>
+              <a:rPr lang="en-US" altLang="ko-KR" sz="2000" dirty="0" smtClean="0"/>
+              <a:t>UI</a:t>
+            </a:r>
+            <a:r>
+              <a:rPr lang="ko-KR" altLang="en-US" sz="2000" dirty="0"/>
               <a:t> </a:t>
             </a:r>
             <a:r>
               <a:rPr lang="ko-KR" altLang="en-US" sz="2000" dirty="0" smtClean="0"/>
-              <a:t>등이 </a:t>
+              <a:t>관련 작업이 처리되지 못하면 </a:t>
+            </a:r>
+            <a:r>
+              <a:rPr lang="en-US" altLang="ko-KR" sz="2000" dirty="0" smtClean="0"/>
+              <a:t>ANR(application not responding)</a:t>
+            </a:r>
+            <a:r>
+              <a:rPr lang="ko-KR" altLang="en-US" sz="2000" dirty="0" smtClean="0"/>
+              <a:t>이라는 에러가 발생하게 되고 </a:t>
             </a:r>
             <a:r>
               <a:rPr lang="ko-KR" altLang="en-US" sz="2000" dirty="0" err="1" smtClean="0"/>
-              <a:t>위젯이며</a:t>
-            </a:r>
-            <a:r>
-              <a:rPr lang="ko-KR" altLang="en-US" sz="2000" dirty="0" smtClean="0"/>
-              <a:t> 흔히 컨트롤이라고 부른다</a:t>
+              <a:t>앱이</a:t>
+            </a:r>
+            <a:r>
+              <a:rPr lang="ko-KR" altLang="en-US" sz="2000" dirty="0" smtClean="0"/>
+              <a:t> 정지된다</a:t>
             </a:r>
             <a:r>
               <a:rPr lang="en-US" altLang="ko-KR" sz="2000" dirty="0" smtClean="0"/>
               <a:t>.</a:t>
             </a:r>
-          </a:p>
-        </p:txBody>
-      </p:sp>
-      <p:sp>
-        <p:nvSpPr>
-          <p:cNvPr id="8" name="TextBox 7"/>
-          <p:cNvSpPr txBox="1"/>
-          <p:nvPr/>
-        </p:nvSpPr>
-        <p:spPr>
-          <a:xfrm>
-            <a:off x="265527" y="332656"/>
-            <a:ext cx="1991251" cy="646331"/>
-          </a:xfrm>
-          <a:prstGeom prst="rect">
-            <a:avLst/>
-          </a:prstGeom>
-          <a:noFill/>
-        </p:spPr>
-        <p:txBody>
-          <a:bodyPr wrap="none" rtlCol="0">
-            <a:spAutoFit/>
-          </a:bodyPr>
-          <a:lstStyle/>
-          <a:p>
-            <a:pPr marL="742950" indent="-742950">
-              <a:buFont typeface="+mj-lt"/>
-              <a:buAutoNum type="arabicPeriod"/>
-            </a:pPr>
-            <a:r>
-              <a:rPr lang="en-US" altLang="ko-KR" sz="3600" b="1" dirty="0" smtClean="0"/>
-              <a:t>View</a:t>
-            </a:r>
-            <a:endParaRPr lang="ko-KR" altLang="en-US" sz="3600" b="1" dirty="0"/>
-          </a:p>
-        </p:txBody>
-      </p:sp>
-      <p:pic>
-        <p:nvPicPr>
-          <p:cNvPr id="7170" name="Picture 2" descr="C:\Users\Mutecsoft_pc\Pictures\111.jpg"/>
-          <p:cNvPicPr>
-            <a:picLocks noChangeAspect="1" noChangeArrowheads="1"/>
-          </p:cNvPicPr>
-          <p:nvPr/>
-        </p:nvPicPr>
-        <p:blipFill>
-          <a:blip r:embed="rId2">
-            <a:extLst>
-              <a:ext uri="{28A0092B-C50C-407E-A947-70E740481C1C}">
-                <a14:useLocalDpi xmlns:a14="http://schemas.microsoft.com/office/drawing/2010/main" val="0"/>
-              </a:ext>
-            </a:extLst>
-          </a:blip>
-          <a:srcRect/>
-          <a:stretch>
-            <a:fillRect/>
-          </a:stretch>
-        </p:blipFill>
-        <p:spPr bwMode="auto">
-          <a:xfrm>
-            <a:off x="613860" y="2132856"/>
-            <a:ext cx="7774564" cy="4392488"/>
-          </a:xfrm>
-          <a:prstGeom prst="rect">
-            <a:avLst/>
-          </a:prstGeom>
-          <a:noFill/>
-          <a:extLst>
-            <a:ext uri="{909E8E84-426E-40DD-AFC4-6F175D3DCCD1}">
-              <a14:hiddenFill xmlns:a14="http://schemas.microsoft.com/office/drawing/2010/main">
-                <a:solidFill>
-                  <a:srgbClr val="FFFFFF"/>
-                </a:solidFill>
-              </a14:hiddenFill>
-            </a:ext>
-          </a:extLst>
-        </p:spPr>
-      </p:pic>
+            <a:endParaRPr lang="en-US" altLang="ko-KR" sz="2000" dirty="0"/>
+          </a:p>
+        </p:txBody>
+      </p:sp>
     </p:spTree>
     <p:extLst>
       <p:ext uri="{BB962C8B-B14F-4D97-AF65-F5344CB8AC3E}">
-        <p14:creationId xmlns:p14="http://schemas.microsoft.com/office/powerpoint/2010/main" val="2578237418"/>
+        <p14:creationId xmlns:p14="http://schemas.microsoft.com/office/powerpoint/2010/main" val="3224168662"/>
       </p:ext>
     </p:extLst>
   </p:cSld>

--- a/안드로이드 UI.pptx
+++ b/안드로이드 UI.pptx
@@ -5,7 +5,7 @@
     <p:sldMasterId id="2147483648" r:id="rId1"/>
   </p:sldMasterIdLst>
   <p:notesMasterIdLst>
-    <p:notesMasterId r:id="rId31"/>
+    <p:notesMasterId r:id="rId33"/>
   </p:notesMasterIdLst>
   <p:sldIdLst>
     <p:sldId id="258" r:id="rId2"/>
@@ -19,24 +19,26 @@
     <p:sldId id="364" r:id="rId10"/>
     <p:sldId id="365" r:id="rId11"/>
     <p:sldId id="367" r:id="rId12"/>
-    <p:sldId id="368" r:id="rId13"/>
-    <p:sldId id="366" r:id="rId14"/>
-    <p:sldId id="354" r:id="rId15"/>
-    <p:sldId id="355" r:id="rId16"/>
-    <p:sldId id="328" r:id="rId17"/>
-    <p:sldId id="329" r:id="rId18"/>
-    <p:sldId id="351" r:id="rId19"/>
-    <p:sldId id="352" r:id="rId20"/>
-    <p:sldId id="330" r:id="rId21"/>
-    <p:sldId id="331" r:id="rId22"/>
-    <p:sldId id="332" r:id="rId23"/>
-    <p:sldId id="336" r:id="rId24"/>
-    <p:sldId id="305" r:id="rId25"/>
-    <p:sldId id="337" r:id="rId26"/>
-    <p:sldId id="338" r:id="rId27"/>
-    <p:sldId id="339" r:id="rId28"/>
-    <p:sldId id="340" r:id="rId29"/>
-    <p:sldId id="341" r:id="rId30"/>
+    <p:sldId id="370" r:id="rId13"/>
+    <p:sldId id="368" r:id="rId14"/>
+    <p:sldId id="369" r:id="rId15"/>
+    <p:sldId id="366" r:id="rId16"/>
+    <p:sldId id="354" r:id="rId17"/>
+    <p:sldId id="355" r:id="rId18"/>
+    <p:sldId id="328" r:id="rId19"/>
+    <p:sldId id="329" r:id="rId20"/>
+    <p:sldId id="351" r:id="rId21"/>
+    <p:sldId id="352" r:id="rId22"/>
+    <p:sldId id="330" r:id="rId23"/>
+    <p:sldId id="331" r:id="rId24"/>
+    <p:sldId id="332" r:id="rId25"/>
+    <p:sldId id="336" r:id="rId26"/>
+    <p:sldId id="305" r:id="rId27"/>
+    <p:sldId id="337" r:id="rId28"/>
+    <p:sldId id="338" r:id="rId29"/>
+    <p:sldId id="339" r:id="rId30"/>
+    <p:sldId id="340" r:id="rId31"/>
+    <p:sldId id="341" r:id="rId32"/>
   </p:sldIdLst>
   <p:sldSz cx="9144000" cy="6858000" type="screen4x3"/>
   <p:notesSz cx="6858000" cy="9144000"/>
@@ -137,7 +139,7 @@
   </p:defaultTextStyle>
   <p:extLst>
     <p:ext uri="{EFAFB233-063F-42B5-8137-9DF3F51BA10A}">
-      <p15:sldGuideLst xmlns:p15="http://schemas.microsoft.com/office/powerpoint/2012/main" xmlns="">
+      <p15:sldGuideLst xmlns="" xmlns:p15="http://schemas.microsoft.com/office/powerpoint/2012/main">
         <p15:guide id="1" orient="horz" pos="2160">
           <p15:clr>
             <a:srgbClr val="A4A3A4"/>
@@ -569,7 +571,7 @@
           <a:p>
             <a:fld id="{8FC4E4D4-802B-454F-BEEA-4D93AD0AFC5A}" type="slidenum">
               <a:rPr lang="ko-KR" altLang="en-US" smtClean="0"/>
-              <a:t>19</a:t>
+              <a:t>21</a:t>
             </a:fld>
             <a:endParaRPr lang="ko-KR" altLang="en-US"/>
           </a:p>
@@ -3761,11 +3763,7 @@
             </a:r>
             <a:r>
               <a:rPr lang="en-US" altLang="ko-KR" sz="2000" b="1" dirty="0" smtClean="0"/>
-              <a:t>(Worker</a:t>
-            </a:r>
-            <a:r>
-              <a:rPr lang="en-US" altLang="ko-KR" sz="2000" b="1" dirty="0" smtClean="0"/>
-              <a:t> Thread) </a:t>
+              <a:t>(Worker Thread) </a:t>
             </a:r>
           </a:p>
           <a:p>
@@ -3786,15 +3784,7 @@
             </a:r>
             <a:r>
               <a:rPr lang="ko-KR" altLang="en-US" sz="2000" dirty="0" smtClean="0"/>
-              <a:t> 모델</a:t>
-            </a:r>
-            <a:r>
-              <a:rPr lang="ko-KR" altLang="en-US" sz="2000" dirty="0" smtClean="0"/>
-              <a:t>의 단점</a:t>
-            </a:r>
-            <a:r>
-              <a:rPr lang="ko-KR" altLang="en-US" sz="2000" dirty="0" smtClean="0"/>
-              <a:t> 때문에</a:t>
+              <a:t> 모델의 단점 때문에</a:t>
             </a:r>
             <a:r>
               <a:rPr lang="en-US" altLang="ko-KR" sz="2000" dirty="0"/>
@@ -4183,7 +4173,7 @@
         <p:spPr>
           <a:xfrm>
             <a:off x="107504" y="1628800"/>
-            <a:ext cx="8916022" cy="4708981"/>
+            <a:ext cx="8916022" cy="4524315"/>
           </a:xfrm>
           <a:prstGeom prst="rect">
             <a:avLst/>
@@ -4197,14 +4187,14 @@
           <a:lstStyle/>
           <a:p>
             <a:r>
-              <a:rPr lang="en-US" altLang="ko-KR" sz="2000" b="1" dirty="0" smtClean="0"/>
+              <a:rPr lang="en-US" altLang="ko-KR" sz="2800" b="1" dirty="0" smtClean="0"/>
               <a:t>Animation </a:t>
             </a:r>
             <a:r>
-              <a:rPr lang="ko-KR" altLang="en-US" sz="2000" b="1" dirty="0" smtClean="0"/>
+              <a:rPr lang="ko-KR" altLang="en-US" sz="2800" b="1" dirty="0" smtClean="0"/>
               <a:t>종류</a:t>
             </a:r>
-            <a:endParaRPr lang="en-US" altLang="ko-KR" sz="2000" b="1" dirty="0" smtClean="0"/>
+            <a:endParaRPr lang="en-US" altLang="ko-KR" sz="2800" b="1" dirty="0" smtClean="0"/>
           </a:p>
           <a:p>
             <a:endParaRPr lang="en-US" altLang="ko-KR" sz="2000" b="1" dirty="0" smtClean="0"/>
@@ -4216,8 +4206,13 @@
             </a:pPr>
             <a:r>
               <a:rPr lang="en-US" altLang="ko-KR" sz="2000" dirty="0" smtClean="0"/>
-              <a:t>View Animation</a:t>
-            </a:r>
+              <a:t>View </a:t>
+            </a:r>
+            <a:r>
+              <a:rPr lang="en-US" altLang="ko-KR" sz="2000" dirty="0" smtClean="0"/>
+              <a:t>Animation</a:t>
+            </a:r>
+            <a:endParaRPr lang="en-US" altLang="ko-KR" sz="2000" dirty="0" smtClean="0"/>
           </a:p>
           <a:p>
             <a:pPr marL="800100" lvl="1" indent="-342900">
@@ -4236,8 +4231,19 @@
             </a:pPr>
             <a:r>
               <a:rPr lang="en-US" altLang="ko-KR" sz="2000" dirty="0" smtClean="0"/>
-              <a:t>Frame animation</a:t>
-            </a:r>
+              <a:t>Frame </a:t>
+            </a:r>
+            <a:r>
+              <a:rPr lang="en-US" altLang="ko-KR" sz="2000" dirty="0" smtClean="0"/>
+              <a:t>animation</a:t>
+            </a:r>
+          </a:p>
+          <a:p>
+            <a:pPr marL="800100" lvl="1" indent="-342900">
+              <a:buFont typeface="Arial" panose="020B0604020202020204" pitchFamily="34" charset="0"/>
+              <a:buChar char="•"/>
+            </a:pPr>
+            <a:endParaRPr lang="en-US" altLang="ko-KR" sz="2000" dirty="0" smtClean="0"/>
           </a:p>
           <a:p>
             <a:pPr marL="342900" indent="-342900">
@@ -4246,93 +4252,68 @@
             </a:pPr>
             <a:r>
               <a:rPr lang="en-US" altLang="ko-KR" sz="2000" dirty="0" smtClean="0"/>
-              <a:t>Property Animation</a:t>
-            </a:r>
-          </a:p>
-          <a:p>
-            <a:pPr marL="342900" indent="-342900">
-              <a:buFont typeface="Arial" panose="020B0604020202020204" pitchFamily="34" charset="0"/>
-              <a:buChar char="•"/>
-            </a:pPr>
+              <a:t>Property </a:t>
+            </a:r>
+            <a:r>
+              <a:rPr lang="en-US" altLang="ko-KR" sz="2000" dirty="0" smtClean="0"/>
+              <a:t>Animation</a:t>
+            </a:r>
             <a:endParaRPr lang="en-US" altLang="ko-KR" sz="2000" dirty="0"/>
           </a:p>
           <a:p>
+            <a:endParaRPr lang="en-US" altLang="ko-KR" sz="2000" dirty="0"/>
+          </a:p>
+          <a:p>
+            <a:endParaRPr lang="en-US" altLang="ko-KR" sz="2000" dirty="0" smtClean="0"/>
+          </a:p>
+          <a:p>
             <a:r>
               <a:rPr lang="en-US" altLang="ko-KR" sz="2000" b="1" dirty="0" smtClean="0"/>
-              <a:t>Resource path</a:t>
-            </a:r>
-          </a:p>
-          <a:p>
-            <a:endParaRPr lang="en-US" altLang="ko-KR" sz="2000" b="1" dirty="0"/>
-          </a:p>
-          <a:p>
-            <a:pPr marL="342900" indent="-342900">
-              <a:buFont typeface="Arial" panose="020B0604020202020204" pitchFamily="34" charset="0"/>
-              <a:buChar char="•"/>
-            </a:pPr>
-            <a:r>
-              <a:rPr lang="en-US" altLang="ko-KR" sz="2000" dirty="0" smtClean="0"/>
               <a:t>View Animation</a:t>
             </a:r>
           </a:p>
           <a:p>
-            <a:pPr marL="800100" lvl="1" indent="-342900">
-              <a:buFont typeface="Arial" panose="020B0604020202020204" pitchFamily="34" charset="0"/>
-              <a:buChar char="•"/>
-            </a:pPr>
-            <a:r>
-              <a:rPr lang="en-US" altLang="ko-KR" sz="2000" dirty="0"/>
-              <a:t>res/</a:t>
-            </a:r>
-            <a:r>
-              <a:rPr lang="en-US" altLang="ko-KR" sz="2000" dirty="0" err="1"/>
-              <a:t>anim</a:t>
-            </a:r>
-            <a:r>
-              <a:rPr lang="en-US" altLang="ko-KR" sz="2000" dirty="0"/>
-              <a:t>/animation_detail.xml : Tween animation</a:t>
-            </a:r>
-          </a:p>
-          <a:p>
-            <a:pPr marL="800100" lvl="1" indent="-342900">
-              <a:buFont typeface="Arial" panose="020B0604020202020204" pitchFamily="34" charset="0"/>
-              <a:buChar char="•"/>
-            </a:pPr>
-            <a:r>
-              <a:rPr lang="en-US" altLang="ko-KR" sz="2000" dirty="0"/>
-              <a:t>res/</a:t>
-            </a:r>
-            <a:r>
-              <a:rPr lang="en-US" altLang="ko-KR" sz="2000" dirty="0" err="1"/>
-              <a:t>drawable</a:t>
-            </a:r>
-            <a:r>
-              <a:rPr lang="en-US" altLang="ko-KR" sz="2000" dirty="0"/>
-              <a:t>/animation_detail.xml : Frame animation</a:t>
-            </a:r>
-          </a:p>
-          <a:p>
-            <a:pPr marL="342900" indent="-342900">
-              <a:buFont typeface="Arial" panose="020B0604020202020204" pitchFamily="34" charset="0"/>
-              <a:buChar char="•"/>
-            </a:pPr>
-            <a:r>
-              <a:rPr lang="en-US" altLang="ko-KR" sz="2000" dirty="0" smtClean="0"/>
-              <a:t>Property Animation</a:t>
-            </a:r>
-          </a:p>
-          <a:p>
-            <a:pPr marL="800100" lvl="1" indent="-342900">
-              <a:buFont typeface="Arial" panose="020B0604020202020204" pitchFamily="34" charset="0"/>
-              <a:buChar char="•"/>
-            </a:pPr>
-            <a:r>
-              <a:rPr lang="en-US" altLang="ko-KR" sz="2000" dirty="0" smtClean="0"/>
-              <a:t>res/animator/animation_detail.xml</a:t>
-            </a:r>
-          </a:p>
-          <a:p>
-            <a:endParaRPr lang="en-US" altLang="ko-KR" sz="2000" dirty="0" smtClean="0"/>
+            <a:endParaRPr lang="en-US" altLang="ko-KR" sz="2000" dirty="0"/>
+          </a:p>
+          <a:p>
+            <a:r>
+              <a:rPr lang="ko-KR" altLang="en-US" sz="2000" dirty="0" err="1" smtClean="0"/>
+              <a:t>뷰</a:t>
+            </a:r>
+            <a:r>
+              <a:rPr lang="ko-KR" altLang="en-US" sz="2000" dirty="0" smtClean="0"/>
+              <a:t> 애니메이션은 </a:t>
+            </a:r>
+            <a:r>
+              <a:rPr lang="ko-KR" altLang="en-US" sz="2000" dirty="0" err="1" smtClean="0"/>
+              <a:t>뷰</a:t>
+            </a:r>
+            <a:r>
+              <a:rPr lang="ko-KR" altLang="en-US" sz="2000" dirty="0" smtClean="0"/>
+              <a:t> 그리기 효과를 주는 것이지 </a:t>
+            </a:r>
+            <a:r>
+              <a:rPr lang="ko-KR" altLang="en-US" sz="2000" dirty="0" err="1" smtClean="0"/>
+              <a:t>뷰</a:t>
+            </a:r>
+            <a:r>
+              <a:rPr lang="ko-KR" altLang="en-US" sz="2000" dirty="0" smtClean="0"/>
+              <a:t> 자체에 영향을 주진 않음</a:t>
+            </a:r>
+            <a:r>
+              <a:rPr lang="en-US" altLang="ko-KR" sz="2000" dirty="0" smtClean="0"/>
+              <a:t>.</a:t>
+            </a:r>
+          </a:p>
+          <a:p>
+            <a:r>
+              <a:rPr lang="ko-KR" altLang="en-US" sz="2000" dirty="0" smtClean="0"/>
+              <a:t>때문에 버튼을 애니메이션 효과에 의해 다른 위치로 이동시키더라도 원래 버튼이 있던 자리를 클릭하면 버튼이 클릭됨</a:t>
+            </a:r>
+            <a:r>
+              <a:rPr lang="en-US" altLang="ko-KR" sz="2000" dirty="0" smtClean="0"/>
+              <a:t>.</a:t>
+            </a:r>
           </a:p>
         </p:txBody>
       </p:sp>
@@ -4381,8 +4362,8 @@
         </p:nvSpPr>
         <p:spPr>
           <a:xfrm>
-            <a:off x="107504" y="260648"/>
-            <a:ext cx="8916022" cy="5632311"/>
+            <a:off x="120474" y="260648"/>
+            <a:ext cx="8916022" cy="6678751"/>
           </a:xfrm>
           <a:prstGeom prst="rect">
             <a:avLst/>
@@ -4397,20 +4378,150 @@
           <a:p>
             <a:r>
               <a:rPr lang="en-US" altLang="ko-KR" sz="2000" b="1" dirty="0" smtClean="0"/>
-              <a:t>class</a:t>
-            </a:r>
+              <a:t>Tween animation </a:t>
+            </a:r>
+            <a:r>
+              <a:rPr lang="en-US" altLang="ko-KR" sz="2000" dirty="0" smtClean="0"/>
+              <a:t>: </a:t>
+            </a:r>
+            <a:r>
+              <a:rPr lang="ko-KR" altLang="en-US" sz="2000" dirty="0" smtClean="0"/>
+              <a:t>화면 상의 </a:t>
+            </a:r>
+            <a:r>
+              <a:rPr lang="ko-KR" altLang="en-US" sz="2000" dirty="0" err="1" smtClean="0"/>
+              <a:t>위젯</a:t>
+            </a:r>
+            <a:r>
+              <a:rPr lang="ko-KR" altLang="en-US" sz="2000" dirty="0" smtClean="0"/>
+              <a:t> 들에 회전</a:t>
+            </a:r>
+            <a:r>
+              <a:rPr lang="en-US" altLang="ko-KR" sz="2000" dirty="0" smtClean="0"/>
+              <a:t>, </a:t>
+            </a:r>
+            <a:r>
+              <a:rPr lang="ko-KR" altLang="en-US" sz="2000" dirty="0" err="1" smtClean="0"/>
+              <a:t>페이딩</a:t>
+            </a:r>
+            <a:r>
+              <a:rPr lang="en-US" altLang="ko-KR" sz="2000" dirty="0" smtClean="0"/>
+              <a:t>, </a:t>
+            </a:r>
+            <a:r>
+              <a:rPr lang="ko-KR" altLang="en-US" sz="2000" dirty="0" smtClean="0"/>
+              <a:t>움직임</a:t>
+            </a:r>
+            <a:r>
+              <a:rPr lang="en-US" altLang="ko-KR" sz="2000" dirty="0" smtClean="0"/>
+              <a:t>, </a:t>
+            </a:r>
+            <a:r>
+              <a:rPr lang="ko-KR" altLang="en-US" sz="2000" dirty="0" smtClean="0"/>
+              <a:t>크기변화 효과를 주는 애니메이션</a:t>
+            </a:r>
+            <a:r>
+              <a:rPr lang="en-US" altLang="ko-KR" sz="2000" dirty="0"/>
+              <a:t>.</a:t>
+            </a:r>
+            <a:endParaRPr lang="en-US" altLang="ko-KR" sz="2000" dirty="0" smtClean="0"/>
+          </a:p>
+          <a:p>
+            <a:endParaRPr lang="en-US" altLang="ko-KR" sz="2000" b="1" dirty="0"/>
+          </a:p>
+          <a:p>
+            <a:pPr marL="0" lvl="1"/>
             <a:r>
               <a:rPr lang="en-US" altLang="ko-KR" sz="2000" b="1" dirty="0" smtClean="0"/>
-              <a:t> </a:t>
-            </a:r>
-            <a:r>
-              <a:rPr lang="ko-KR" altLang="en-US" sz="2000" b="1" dirty="0" smtClean="0"/>
-              <a:t>종류</a:t>
-            </a:r>
-            <a:endParaRPr lang="en-US" altLang="ko-KR" sz="2000" b="1" dirty="0" smtClean="0"/>
-          </a:p>
-          <a:p>
-            <a:endParaRPr lang="en-US" altLang="ko-KR" sz="2000" b="1" dirty="0" smtClean="0"/>
+              <a:t>Frame animation </a:t>
+            </a:r>
+            <a:r>
+              <a:rPr lang="en-US" altLang="ko-KR" sz="2000" dirty="0" smtClean="0"/>
+              <a:t>: </a:t>
+            </a:r>
+            <a:r>
+              <a:rPr lang="ko-KR" altLang="en-US" sz="2000" dirty="0" smtClean="0"/>
+              <a:t>여러 이미지를 교체하면서 연속적으로 보여주는 애니메이션</a:t>
+            </a:r>
+            <a:r>
+              <a:rPr lang="en-US" altLang="ko-KR" sz="2000" dirty="0" smtClean="0"/>
+              <a:t>.</a:t>
+            </a:r>
+          </a:p>
+          <a:p>
+            <a:endParaRPr lang="en-US" altLang="ko-KR" sz="2000" dirty="0" smtClean="0"/>
+          </a:p>
+          <a:p>
+            <a:r>
+              <a:rPr lang="en-US" altLang="ko-KR" sz="2000" b="1" dirty="0" smtClean="0"/>
+              <a:t>Property Animation</a:t>
+            </a:r>
+            <a:endParaRPr lang="en-US" altLang="ko-KR" sz="2000" dirty="0" smtClean="0"/>
+          </a:p>
+          <a:p>
+            <a:endParaRPr lang="en-US" altLang="ko-KR" sz="2000" dirty="0"/>
+          </a:p>
+          <a:p>
+            <a:r>
+              <a:rPr lang="ko-KR" altLang="en-US" sz="2000" dirty="0" err="1" smtClean="0"/>
+              <a:t>프로퍼티</a:t>
+            </a:r>
+            <a:r>
+              <a:rPr lang="ko-KR" altLang="en-US" sz="2000" dirty="0" smtClean="0"/>
+              <a:t> 애니메이션은 </a:t>
+            </a:r>
+            <a:r>
+              <a:rPr lang="ko-KR" altLang="en-US" sz="2000" dirty="0" err="1" smtClean="0"/>
+              <a:t>뷰</a:t>
+            </a:r>
+            <a:r>
+              <a:rPr lang="ko-KR" altLang="en-US" sz="2000" dirty="0" smtClean="0"/>
+              <a:t> 애니메이션의 단점을 보완함</a:t>
+            </a:r>
+            <a:r>
+              <a:rPr lang="en-US" altLang="ko-KR" sz="2000" dirty="0" smtClean="0"/>
+              <a:t>. </a:t>
+            </a:r>
+            <a:r>
+              <a:rPr lang="ko-KR" altLang="en-US" sz="2000" dirty="0" err="1" smtClean="0"/>
+              <a:t>뷰</a:t>
+            </a:r>
+            <a:r>
+              <a:rPr lang="ko-KR" altLang="en-US" sz="2000" dirty="0" smtClean="0"/>
+              <a:t> 뿐만 아니라 다른 객체에도 애니메이션 효과를 줄 수 있으며</a:t>
+            </a:r>
+            <a:r>
+              <a:rPr lang="en-US" altLang="ko-KR" sz="2000" dirty="0" smtClean="0"/>
+              <a:t>, </a:t>
+            </a:r>
+            <a:r>
+              <a:rPr lang="ko-KR" altLang="en-US" sz="2000" dirty="0" smtClean="0"/>
+              <a:t>객체 자체의 </a:t>
+            </a:r>
+            <a:r>
+              <a:rPr lang="ko-KR" altLang="en-US" sz="2000" dirty="0" err="1" smtClean="0"/>
+              <a:t>프로퍼티를</a:t>
+            </a:r>
+            <a:r>
+              <a:rPr lang="ko-KR" altLang="en-US" sz="2000" dirty="0" smtClean="0"/>
+              <a:t> 변경시키기 때문에 버튼이 이동하면 바뀐 위치가 클릭됨</a:t>
+            </a:r>
+            <a:r>
+              <a:rPr lang="en-US" altLang="ko-KR" sz="2000" dirty="0" smtClean="0"/>
+              <a:t>.</a:t>
+            </a:r>
+          </a:p>
+          <a:p>
+            <a:endParaRPr lang="en-US" altLang="ko-KR" sz="2000" b="1" dirty="0"/>
+          </a:p>
+          <a:p>
+            <a:r>
+              <a:rPr lang="en-US" altLang="ko-KR" sz="2800" b="1" dirty="0" smtClean="0"/>
+              <a:t>Resource path</a:t>
+            </a:r>
+          </a:p>
+          <a:p>
+            <a:endParaRPr lang="en-US" altLang="ko-KR" sz="2000" b="1" dirty="0"/>
           </a:p>
           <a:p>
             <a:pPr marL="342900" indent="-342900">
@@ -4428,8 +4539,16 @@
               <a:buChar char="•"/>
             </a:pPr>
             <a:r>
-              <a:rPr lang="en-US" altLang="ko-KR" sz="2000" dirty="0" smtClean="0"/>
-              <a:t>Animation : Tween animation</a:t>
+              <a:rPr lang="en-US" altLang="ko-KR" sz="2000" dirty="0"/>
+              <a:t>res/</a:t>
+            </a:r>
+            <a:r>
+              <a:rPr lang="en-US" altLang="ko-KR" sz="2000" dirty="0" err="1"/>
+              <a:t>anim</a:t>
+            </a:r>
+            <a:r>
+              <a:rPr lang="en-US" altLang="ko-KR" sz="2000" dirty="0"/>
+              <a:t>/animation_detail.xml : Tween animation</a:t>
             </a:r>
           </a:p>
           <a:p>
@@ -4438,13 +4557,25 @@
               <a:buChar char="•"/>
             </a:pPr>
             <a:r>
-              <a:rPr lang="en-US" altLang="ko-KR" sz="2000" dirty="0" err="1" smtClean="0"/>
-              <a:t>AnimationDrawable</a:t>
-            </a:r>
-            <a:r>
-              <a:rPr lang="en-US" altLang="ko-KR" sz="2000" dirty="0" smtClean="0"/>
-              <a:t> : Frame animation</a:t>
-            </a:r>
+              <a:rPr lang="en-US" altLang="ko-KR" sz="2000" dirty="0"/>
+              <a:t>res/</a:t>
+            </a:r>
+            <a:r>
+              <a:rPr lang="en-US" altLang="ko-KR" sz="2000" dirty="0" err="1"/>
+              <a:t>drawable</a:t>
+            </a:r>
+            <a:r>
+              <a:rPr lang="en-US" altLang="ko-KR" sz="2000" dirty="0"/>
+              <a:t>/animation_detail.xml : Frame </a:t>
+            </a:r>
+            <a:r>
+              <a:rPr lang="en-US" altLang="ko-KR" sz="2000" dirty="0" smtClean="0"/>
+              <a:t>animation</a:t>
+            </a:r>
+          </a:p>
+          <a:p>
+            <a:pPr lvl="1"/>
+            <a:endParaRPr lang="en-US" altLang="ko-KR" sz="2000" dirty="0"/>
           </a:p>
           <a:p>
             <a:pPr marL="342900" indent="-342900">
@@ -4462,10 +4593,96 @@
               <a:buChar char="•"/>
             </a:pPr>
             <a:r>
-              <a:rPr lang="en-US" altLang="ko-KR" sz="2000" dirty="0" err="1" smtClean="0"/>
-              <a:t>ValueAnimator</a:t>
-            </a:r>
+              <a:rPr lang="en-US" altLang="ko-KR" sz="2000" dirty="0" smtClean="0"/>
+              <a:t>res/animator/animation_detail.xml</a:t>
+            </a:r>
+          </a:p>
+          <a:p>
             <a:endParaRPr lang="en-US" altLang="ko-KR" sz="2000" dirty="0" smtClean="0"/>
+          </a:p>
+        </p:txBody>
+      </p:sp>
+    </p:spTree>
+    <p:extLst>
+      <p:ext uri="{BB962C8B-B14F-4D97-AF65-F5344CB8AC3E}">
+        <p14:creationId xmlns:p14="http://schemas.microsoft.com/office/powerpoint/2010/main" val="2454729767"/>
+      </p:ext>
+    </p:extLst>
+  </p:cSld>
+  <p:clrMapOvr>
+    <a:masterClrMapping/>
+  </p:clrMapOvr>
+  <p:timing>
+    <p:tnLst>
+      <p:par>
+        <p:cTn id="1" dur="indefinite" restart="never" nodeType="tmRoot"/>
+      </p:par>
+    </p:tnLst>
+  </p:timing>
+</p:sld>
+</file>
+
+<file path=ppt/slides/slide13.xml><?xml version="1.0" encoding="utf-8"?>
+<p:sld xmlns:a="http://schemas.openxmlformats.org/drawingml/2006/main" xmlns:r="http://schemas.openxmlformats.org/officeDocument/2006/relationships" xmlns:p="http://schemas.openxmlformats.org/presentationml/2006/main">
+  <p:cSld>
+    <p:spTree>
+      <p:nvGrpSpPr>
+        <p:cNvPr id="1" name=""/>
+        <p:cNvGrpSpPr/>
+        <p:nvPr/>
+      </p:nvGrpSpPr>
+      <p:grpSpPr>
+        <a:xfrm>
+          <a:off x="0" y="0"/>
+          <a:ext cx="0" cy="0"/>
+          <a:chOff x="0" y="0"/>
+          <a:chExt cx="0" cy="0"/>
+        </a:xfrm>
+      </p:grpSpPr>
+      <p:sp>
+        <p:nvSpPr>
+          <p:cNvPr id="8" name="TextBox 7"/>
+          <p:cNvSpPr txBox="1"/>
+          <p:nvPr/>
+        </p:nvSpPr>
+        <p:spPr>
+          <a:xfrm>
+            <a:off x="107504" y="260648"/>
+            <a:ext cx="8916022" cy="3170099"/>
+          </a:xfrm>
+          <a:prstGeom prst="rect">
+            <a:avLst/>
+          </a:prstGeom>
+          <a:noFill/>
+        </p:spPr>
+        <p:txBody>
+          <a:bodyPr wrap="square" rtlCol="0">
+            <a:spAutoFit/>
+          </a:bodyPr>
+          <a:lstStyle/>
+          <a:p>
+            <a:r>
+              <a:rPr lang="en-US" altLang="ko-KR" sz="2000" b="1" dirty="0" smtClean="0"/>
+              <a:t>class </a:t>
+            </a:r>
+            <a:r>
+              <a:rPr lang="ko-KR" altLang="en-US" sz="2000" b="1" dirty="0" smtClean="0"/>
+              <a:t>종류</a:t>
+            </a:r>
+            <a:endParaRPr lang="en-US" altLang="ko-KR" sz="2000" b="1" dirty="0" smtClean="0"/>
+          </a:p>
+          <a:p>
+            <a:endParaRPr lang="en-US" altLang="ko-KR" sz="2000" b="1" dirty="0" smtClean="0"/>
+          </a:p>
+          <a:p>
+            <a:pPr marL="342900" indent="-342900">
+              <a:buFont typeface="Arial" panose="020B0604020202020204" pitchFamily="34" charset="0"/>
+              <a:buChar char="•"/>
+            </a:pPr>
+            <a:r>
+              <a:rPr lang="en-US" altLang="ko-KR" sz="2000" dirty="0" smtClean="0"/>
+              <a:t>View Animation</a:t>
+            </a:r>
           </a:p>
           <a:p>
             <a:pPr marL="800100" lvl="1" indent="-342900">
@@ -4473,10 +4690,9 @@
               <a:buChar char="•"/>
             </a:pPr>
             <a:r>
-              <a:rPr lang="en-US" altLang="ko-KR" sz="2000" dirty="0" err="1" smtClean="0"/>
-              <a:t>ObjectAnimator</a:t>
-            </a:r>
-            <a:endParaRPr lang="en-US" altLang="ko-KR" sz="2000" dirty="0" smtClean="0"/>
+              <a:rPr lang="en-US" altLang="ko-KR" sz="2000" dirty="0" smtClean="0"/>
+              <a:t>Animation : Tween animation</a:t>
+            </a:r>
           </a:p>
           <a:p>
             <a:pPr marL="800100" lvl="1" indent="-342900">
@@ -4485,8 +4701,19 @@
             </a:pPr>
             <a:r>
               <a:rPr lang="en-US" altLang="ko-KR" sz="2000" dirty="0" err="1" smtClean="0"/>
-              <a:t>AnimatorSet</a:t>
-            </a:r>
+              <a:t>AnimationDrawable</a:t>
+            </a:r>
+            <a:r>
+              <a:rPr lang="en-US" altLang="ko-KR" sz="2000" dirty="0" smtClean="0"/>
+              <a:t> : Frame </a:t>
+            </a:r>
+            <a:r>
+              <a:rPr lang="en-US" altLang="ko-KR" sz="2000" dirty="0" smtClean="0"/>
+              <a:t>animation</a:t>
+            </a:r>
+          </a:p>
+          <a:p>
+            <a:pPr lvl="1"/>
             <a:endParaRPr lang="en-US" altLang="ko-KR" sz="2000" dirty="0" smtClean="0"/>
           </a:p>
           <a:p>
@@ -4494,25 +4721,9 @@
               <a:buFont typeface="Arial" panose="020B0604020202020204" pitchFamily="34" charset="0"/>
               <a:buChar char="•"/>
             </a:pPr>
-            <a:endParaRPr lang="en-US" altLang="ko-KR" sz="2000" dirty="0"/>
-          </a:p>
-          <a:p>
-            <a:r>
-              <a:rPr lang="en-US" altLang="ko-KR" sz="2000" b="1" dirty="0" smtClean="0"/>
-              <a:t>Resource path</a:t>
-            </a:r>
-          </a:p>
-          <a:p>
-            <a:endParaRPr lang="en-US" altLang="ko-KR" sz="2000" b="1" dirty="0"/>
-          </a:p>
-          <a:p>
-            <a:pPr marL="342900" indent="-342900">
-              <a:buFont typeface="Arial" panose="020B0604020202020204" pitchFamily="34" charset="0"/>
-              <a:buChar char="•"/>
-            </a:pPr>
-            <a:r>
-              <a:rPr lang="en-US" altLang="ko-KR" sz="2000" dirty="0" smtClean="0"/>
-              <a:t>View Animation</a:t>
+            <a:r>
+              <a:rPr lang="en-US" altLang="ko-KR" sz="2000" dirty="0" smtClean="0"/>
+              <a:t>Property Animation</a:t>
             </a:r>
           </a:p>
           <a:p>
@@ -4521,17 +4732,10 @@
               <a:buChar char="•"/>
             </a:pPr>
             <a:r>
-              <a:rPr lang="en-US" altLang="ko-KR" sz="2000" dirty="0"/>
-              <a:t>res/</a:t>
-            </a:r>
-            <a:r>
-              <a:rPr lang="en-US" altLang="ko-KR" sz="2000" dirty="0" err="1"/>
-              <a:t>anim</a:t>
-            </a:r>
-            <a:r>
-              <a:rPr lang="en-US" altLang="ko-KR" sz="2000" dirty="0"/>
-              <a:t>/animation_detail.xml : Tween animation</a:t>
-            </a:r>
+              <a:rPr lang="en-US" altLang="ko-KR" sz="2000" dirty="0" err="1" smtClean="0"/>
+              <a:t>ValueAnimator</a:t>
+            </a:r>
+            <a:endParaRPr lang="en-US" altLang="ko-KR" sz="2000" dirty="0" smtClean="0"/>
           </a:p>
           <a:p>
             <a:pPr marL="800100" lvl="1" indent="-342900">
@@ -4539,27 +4743,10 @@
               <a:buChar char="•"/>
             </a:pPr>
             <a:r>
-              <a:rPr lang="en-US" altLang="ko-KR" sz="2000" dirty="0"/>
-              <a:t>res/</a:t>
-            </a:r>
-            <a:r>
-              <a:rPr lang="en-US" altLang="ko-KR" sz="2000" dirty="0" err="1"/>
-              <a:t>drawable</a:t>
-            </a:r>
-            <a:r>
-              <a:rPr lang="en-US" altLang="ko-KR" sz="2000" dirty="0"/>
-              <a:t>/animation_detail.xml : Frame animation</a:t>
-            </a:r>
-          </a:p>
-          <a:p>
-            <a:pPr marL="342900" indent="-342900">
-              <a:buFont typeface="Arial" panose="020B0604020202020204" pitchFamily="34" charset="0"/>
-              <a:buChar char="•"/>
-            </a:pPr>
-            <a:r>
-              <a:rPr lang="en-US" altLang="ko-KR" sz="2000" dirty="0" smtClean="0"/>
-              <a:t>Property Animation</a:t>
-            </a:r>
+              <a:rPr lang="en-US" altLang="ko-KR" sz="2000" dirty="0" err="1" smtClean="0"/>
+              <a:t>ObjectAnimator</a:t>
+            </a:r>
+            <a:endParaRPr lang="en-US" altLang="ko-KR" sz="2000" dirty="0" smtClean="0"/>
           </a:p>
           <a:p>
             <a:pPr marL="800100" lvl="1" indent="-342900">
@@ -4567,15 +4754,54 @@
               <a:buChar char="•"/>
             </a:pPr>
             <a:r>
-              <a:rPr lang="en-US" altLang="ko-KR" sz="2000" dirty="0" smtClean="0"/>
-              <a:t>res/animator/animation_detail.xml</a:t>
-            </a:r>
-          </a:p>
-          <a:p>
+              <a:rPr lang="en-US" altLang="ko-KR" sz="2000" dirty="0" err="1" smtClean="0"/>
+              <a:t>AnimatorSet</a:t>
+            </a:r>
             <a:endParaRPr lang="en-US" altLang="ko-KR" sz="2000" dirty="0" smtClean="0"/>
           </a:p>
         </p:txBody>
       </p:sp>
+      <p:pic>
+        <p:nvPicPr>
+          <p:cNvPr id="1026" name="Picture 2" descr="C:\Users\mutecsoft\Pictures\img.jpg"/>
+          <p:cNvPicPr>
+            <a:picLocks noChangeAspect="1" noChangeArrowheads="1"/>
+          </p:cNvPicPr>
+          <p:nvPr/>
+        </p:nvPicPr>
+        <p:blipFill>
+          <a:blip r:embed="rId2">
+            <a:extLst>
+              <a:ext uri="{28A0092B-C50C-407E-A947-70E740481C1C}">
+                <a14:useLocalDpi xmlns:a14="http://schemas.microsoft.com/office/drawing/2010/main" val="0"/>
+              </a:ext>
+            </a:extLst>
+          </a:blip>
+          <a:srcRect/>
+          <a:stretch>
+            <a:fillRect/>
+          </a:stretch>
+        </p:blipFill>
+        <p:spPr bwMode="auto">
+          <a:xfrm>
+            <a:off x="1547664" y="3429000"/>
+            <a:ext cx="4968552" cy="3339298"/>
+          </a:xfrm>
+          <a:prstGeom prst="rect">
+            <a:avLst/>
+          </a:prstGeom>
+          <a:noFill/>
+          <a:extLst>
+            <a:ext uri="{909E8E84-426E-40DD-AFC4-6F175D3DCCD1}">
+              <a14:hiddenFill xmlns:a14="http://schemas.microsoft.com/office/drawing/2010/main">
+                <a:solidFill>
+                  <a:srgbClr val="FFFFFF"/>
+                </a:solidFill>
+              </a14:hiddenFill>
+            </a:ext>
+          </a:extLst>
+        </p:spPr>
+      </p:pic>
     </p:spTree>
     <p:extLst>
       <p:ext uri="{BB962C8B-B14F-4D97-AF65-F5344CB8AC3E}">
@@ -4596,7 +4822,299 @@
 </p:sld>
 </file>
 
-<file path=ppt/slides/slide13.xml><?xml version="1.0" encoding="utf-8"?>
+<file path=ppt/slides/slide14.xml><?xml version="1.0" encoding="utf-8"?>
+<p:sld xmlns:a="http://schemas.openxmlformats.org/drawingml/2006/main" xmlns:r="http://schemas.openxmlformats.org/officeDocument/2006/relationships" xmlns:p="http://schemas.openxmlformats.org/presentationml/2006/main">
+  <p:cSld>
+    <p:spTree>
+      <p:nvGrpSpPr>
+        <p:cNvPr id="1" name=""/>
+        <p:cNvGrpSpPr/>
+        <p:nvPr/>
+      </p:nvGrpSpPr>
+      <p:grpSpPr>
+        <a:xfrm>
+          <a:off x="0" y="0"/>
+          <a:ext cx="0" cy="0"/>
+          <a:chOff x="0" y="0"/>
+          <a:chExt cx="0" cy="0"/>
+        </a:xfrm>
+      </p:grpSpPr>
+      <p:sp>
+        <p:nvSpPr>
+          <p:cNvPr id="8" name="TextBox 7"/>
+          <p:cNvSpPr txBox="1"/>
+          <p:nvPr/>
+        </p:nvSpPr>
+        <p:spPr>
+          <a:xfrm>
+            <a:off x="107504" y="260648"/>
+            <a:ext cx="8916022" cy="8094524"/>
+          </a:xfrm>
+          <a:prstGeom prst="rect">
+            <a:avLst/>
+          </a:prstGeom>
+          <a:noFill/>
+        </p:spPr>
+        <p:txBody>
+          <a:bodyPr wrap="square" rtlCol="0">
+            <a:spAutoFit/>
+          </a:bodyPr>
+          <a:lstStyle/>
+          <a:p>
+            <a:r>
+              <a:rPr lang="en-US" altLang="ko-KR" sz="2000" b="1" dirty="0" smtClean="0"/>
+              <a:t>class </a:t>
+            </a:r>
+            <a:r>
+              <a:rPr lang="ko-KR" altLang="en-US" sz="2000" b="1" dirty="0" smtClean="0"/>
+              <a:t>종류</a:t>
+            </a:r>
+            <a:endParaRPr lang="en-US" altLang="ko-KR" sz="2000" b="1" dirty="0" smtClean="0"/>
+          </a:p>
+          <a:p>
+            <a:endParaRPr lang="en-US" altLang="ko-KR" sz="2000" b="1" dirty="0" smtClean="0"/>
+          </a:p>
+          <a:p>
+            <a:pPr marL="342900" indent="-342900">
+              <a:buFont typeface="Arial" panose="020B0604020202020204" pitchFamily="34" charset="0"/>
+              <a:buChar char="•"/>
+            </a:pPr>
+            <a:r>
+              <a:rPr lang="en-US" altLang="ko-KR" sz="2000" dirty="0" smtClean="0"/>
+              <a:t>View Animation</a:t>
+            </a:r>
+          </a:p>
+          <a:p>
+            <a:pPr marL="800100" lvl="1" indent="-342900">
+              <a:buFont typeface="Arial" panose="020B0604020202020204" pitchFamily="34" charset="0"/>
+              <a:buChar char="•"/>
+            </a:pPr>
+            <a:r>
+              <a:rPr lang="en-US" altLang="ko-KR" sz="2000" dirty="0" smtClean="0"/>
+              <a:t>Animation : Tween animation</a:t>
+            </a:r>
+          </a:p>
+          <a:p>
+            <a:pPr marL="800100" lvl="1" indent="-342900">
+              <a:buFont typeface="Arial" panose="020B0604020202020204" pitchFamily="34" charset="0"/>
+              <a:buChar char="•"/>
+            </a:pPr>
+            <a:r>
+              <a:rPr lang="en-US" altLang="ko-KR" sz="2000" dirty="0" err="1" smtClean="0"/>
+              <a:t>AnimationDrawable</a:t>
+            </a:r>
+            <a:r>
+              <a:rPr lang="en-US" altLang="ko-KR" sz="2000" dirty="0" smtClean="0"/>
+              <a:t> : Frame animation</a:t>
+            </a:r>
+          </a:p>
+          <a:p>
+            <a:pPr marL="342900" indent="-342900">
+              <a:buFont typeface="Arial" panose="020B0604020202020204" pitchFamily="34" charset="0"/>
+              <a:buChar char="•"/>
+            </a:pPr>
+            <a:r>
+              <a:rPr lang="en-US" altLang="ko-KR" sz="2000" dirty="0" smtClean="0"/>
+              <a:t>Property Animation</a:t>
+            </a:r>
+          </a:p>
+          <a:p>
+            <a:pPr marL="800100" lvl="1" indent="-342900">
+              <a:buFont typeface="Arial" panose="020B0604020202020204" pitchFamily="34" charset="0"/>
+              <a:buChar char="•"/>
+            </a:pPr>
+            <a:r>
+              <a:rPr lang="en-US" altLang="ko-KR" sz="2000" dirty="0" err="1" smtClean="0"/>
+              <a:t>ValueAnimator</a:t>
+            </a:r>
+            <a:endParaRPr lang="en-US" altLang="ko-KR" sz="2000" dirty="0" smtClean="0"/>
+          </a:p>
+          <a:p>
+            <a:pPr marL="800100" lvl="1" indent="-342900">
+              <a:buFont typeface="Arial" panose="020B0604020202020204" pitchFamily="34" charset="0"/>
+              <a:buChar char="•"/>
+            </a:pPr>
+            <a:r>
+              <a:rPr lang="en-US" altLang="ko-KR" sz="2000" dirty="0" err="1" smtClean="0"/>
+              <a:t>ObjectAnimator</a:t>
+            </a:r>
+            <a:endParaRPr lang="en-US" altLang="ko-KR" sz="2000" dirty="0" smtClean="0"/>
+          </a:p>
+          <a:p>
+            <a:pPr marL="800100" lvl="1" indent="-342900">
+              <a:buFont typeface="Arial" panose="020B0604020202020204" pitchFamily="34" charset="0"/>
+              <a:buChar char="•"/>
+            </a:pPr>
+            <a:r>
+              <a:rPr lang="en-US" altLang="ko-KR" sz="2000" dirty="0" err="1" smtClean="0"/>
+              <a:t>AnimatorSet</a:t>
+            </a:r>
+            <a:endParaRPr lang="en-US" altLang="ko-KR" sz="2000" dirty="0" smtClean="0"/>
+          </a:p>
+          <a:p>
+            <a:pPr marL="342900" indent="-342900">
+              <a:buFont typeface="Arial" panose="020B0604020202020204" pitchFamily="34" charset="0"/>
+              <a:buChar char="•"/>
+            </a:pPr>
+            <a:endParaRPr lang="en-US" altLang="ko-KR" sz="2000" dirty="0" smtClean="0"/>
+          </a:p>
+          <a:p>
+            <a:pPr marL="342900" indent="-342900">
+              <a:buFont typeface="Arial" panose="020B0604020202020204" pitchFamily="34" charset="0"/>
+              <a:buChar char="•"/>
+            </a:pPr>
+            <a:endParaRPr lang="en-US" altLang="ko-KR" sz="2000" dirty="0"/>
+          </a:p>
+          <a:p>
+            <a:pPr marL="342900" indent="-342900">
+              <a:buFont typeface="Arial" panose="020B0604020202020204" pitchFamily="34" charset="0"/>
+              <a:buChar char="•"/>
+            </a:pPr>
+            <a:endParaRPr lang="en-US" altLang="ko-KR" sz="2000" dirty="0" smtClean="0"/>
+          </a:p>
+          <a:p>
+            <a:pPr marL="342900" indent="-342900">
+              <a:buFont typeface="Arial" panose="020B0604020202020204" pitchFamily="34" charset="0"/>
+              <a:buChar char="•"/>
+            </a:pPr>
+            <a:endParaRPr lang="en-US" altLang="ko-KR" sz="2000" dirty="0"/>
+          </a:p>
+          <a:p>
+            <a:pPr marL="342900" indent="-342900">
+              <a:buFont typeface="Arial" panose="020B0604020202020204" pitchFamily="34" charset="0"/>
+              <a:buChar char="•"/>
+            </a:pPr>
+            <a:endParaRPr lang="en-US" altLang="ko-KR" sz="2000" dirty="0" smtClean="0"/>
+          </a:p>
+          <a:p>
+            <a:pPr marL="342900" indent="-342900">
+              <a:buFont typeface="Arial" panose="020B0604020202020204" pitchFamily="34" charset="0"/>
+              <a:buChar char="•"/>
+            </a:pPr>
+            <a:endParaRPr lang="en-US" altLang="ko-KR" sz="2000" dirty="0"/>
+          </a:p>
+          <a:p>
+            <a:pPr marL="342900" indent="-342900">
+              <a:buFont typeface="Arial" panose="020B0604020202020204" pitchFamily="34" charset="0"/>
+              <a:buChar char="•"/>
+            </a:pPr>
+            <a:endParaRPr lang="en-US" altLang="ko-KR" sz="2000" dirty="0" smtClean="0"/>
+          </a:p>
+          <a:p>
+            <a:pPr marL="342900" indent="-342900">
+              <a:buFont typeface="Arial" panose="020B0604020202020204" pitchFamily="34" charset="0"/>
+              <a:buChar char="•"/>
+            </a:pPr>
+            <a:endParaRPr lang="en-US" altLang="ko-KR" sz="2000" dirty="0"/>
+          </a:p>
+          <a:p>
+            <a:pPr marL="342900" indent="-342900">
+              <a:buFont typeface="Arial" panose="020B0604020202020204" pitchFamily="34" charset="0"/>
+              <a:buChar char="•"/>
+            </a:pPr>
+            <a:endParaRPr lang="en-US" altLang="ko-KR" sz="2000" dirty="0"/>
+          </a:p>
+          <a:p>
+            <a:r>
+              <a:rPr lang="en-US" altLang="ko-KR" sz="2000" b="1" dirty="0" smtClean="0"/>
+              <a:t>Resource path</a:t>
+            </a:r>
+          </a:p>
+          <a:p>
+            <a:endParaRPr lang="en-US" altLang="ko-KR" sz="2000" b="1" dirty="0"/>
+          </a:p>
+          <a:p>
+            <a:pPr marL="342900" indent="-342900">
+              <a:buFont typeface="Arial" panose="020B0604020202020204" pitchFamily="34" charset="0"/>
+              <a:buChar char="•"/>
+            </a:pPr>
+            <a:r>
+              <a:rPr lang="en-US" altLang="ko-KR" sz="2000" dirty="0" smtClean="0"/>
+              <a:t>View Animation</a:t>
+            </a:r>
+          </a:p>
+          <a:p>
+            <a:pPr marL="800100" lvl="1" indent="-342900">
+              <a:buFont typeface="Arial" panose="020B0604020202020204" pitchFamily="34" charset="0"/>
+              <a:buChar char="•"/>
+            </a:pPr>
+            <a:r>
+              <a:rPr lang="en-US" altLang="ko-KR" sz="2000" dirty="0"/>
+              <a:t>res/</a:t>
+            </a:r>
+            <a:r>
+              <a:rPr lang="en-US" altLang="ko-KR" sz="2000" dirty="0" err="1"/>
+              <a:t>anim</a:t>
+            </a:r>
+            <a:r>
+              <a:rPr lang="en-US" altLang="ko-KR" sz="2000" dirty="0"/>
+              <a:t>/animation_detail.xml : Tween animation</a:t>
+            </a:r>
+          </a:p>
+          <a:p>
+            <a:pPr marL="800100" lvl="1" indent="-342900">
+              <a:buFont typeface="Arial" panose="020B0604020202020204" pitchFamily="34" charset="0"/>
+              <a:buChar char="•"/>
+            </a:pPr>
+            <a:r>
+              <a:rPr lang="en-US" altLang="ko-KR" sz="2000" dirty="0"/>
+              <a:t>res/</a:t>
+            </a:r>
+            <a:r>
+              <a:rPr lang="en-US" altLang="ko-KR" sz="2000" dirty="0" err="1"/>
+              <a:t>drawable</a:t>
+            </a:r>
+            <a:r>
+              <a:rPr lang="en-US" altLang="ko-KR" sz="2000" dirty="0"/>
+              <a:t>/animation_detail.xml : Frame animation</a:t>
+            </a:r>
+          </a:p>
+          <a:p>
+            <a:pPr marL="342900" indent="-342900">
+              <a:buFont typeface="Arial" panose="020B0604020202020204" pitchFamily="34" charset="0"/>
+              <a:buChar char="•"/>
+            </a:pPr>
+            <a:r>
+              <a:rPr lang="en-US" altLang="ko-KR" sz="2000" dirty="0" smtClean="0"/>
+              <a:t>Property Animation</a:t>
+            </a:r>
+          </a:p>
+          <a:p>
+            <a:pPr marL="800100" lvl="1" indent="-342900">
+              <a:buFont typeface="Arial" panose="020B0604020202020204" pitchFamily="34" charset="0"/>
+              <a:buChar char="•"/>
+            </a:pPr>
+            <a:r>
+              <a:rPr lang="en-US" altLang="ko-KR" sz="2000" dirty="0" smtClean="0"/>
+              <a:t>res/animator/animation_detail.xml</a:t>
+            </a:r>
+          </a:p>
+          <a:p>
+            <a:endParaRPr lang="en-US" altLang="ko-KR" sz="2000" dirty="0" smtClean="0"/>
+          </a:p>
+        </p:txBody>
+      </p:sp>
+    </p:spTree>
+    <p:extLst>
+      <p:ext uri="{BB962C8B-B14F-4D97-AF65-F5344CB8AC3E}">
+        <p14:creationId xmlns:p14="http://schemas.microsoft.com/office/powerpoint/2010/main" val="183109353"/>
+      </p:ext>
+    </p:extLst>
+  </p:cSld>
+  <p:clrMapOvr>
+    <a:masterClrMapping/>
+  </p:clrMapOvr>
+  <p:timing>
+    <p:tnLst>
+      <p:par>
+        <p:cTn id="1" dur="indefinite" restart="never" nodeType="tmRoot"/>
+      </p:par>
+    </p:tnLst>
+  </p:timing>
+</p:sld>
+</file>
+
+<file path=ppt/slides/slide15.xml><?xml version="1.0" encoding="utf-8"?>
 <p:sld xmlns:a="http://schemas.openxmlformats.org/drawingml/2006/main" xmlns:r="http://schemas.openxmlformats.org/officeDocument/2006/relationships" xmlns:p="http://schemas.openxmlformats.org/presentationml/2006/main">
   <p:cSld>
     <p:spTree>
@@ -4674,7 +5192,7 @@
 </p:sld>
 </file>
 
-<file path=ppt/slides/slide14.xml><?xml version="1.0" encoding="utf-8"?>
+<file path=ppt/slides/slide16.xml><?xml version="1.0" encoding="utf-8"?>
 <p:sld xmlns:a="http://schemas.openxmlformats.org/drawingml/2006/main" xmlns:r="http://schemas.openxmlformats.org/officeDocument/2006/relationships" xmlns:p="http://schemas.openxmlformats.org/presentationml/2006/main">
   <p:cSld>
     <p:spTree>
@@ -4854,7 +5372,7 @@
 </p:sld>
 </file>
 
-<file path=ppt/slides/slide15.xml><?xml version="1.0" encoding="utf-8"?>
+<file path=ppt/slides/slide17.xml><?xml version="1.0" encoding="utf-8"?>
 <p:sld xmlns:a="http://schemas.openxmlformats.org/drawingml/2006/main" xmlns:r="http://schemas.openxmlformats.org/officeDocument/2006/relationships" xmlns:p="http://schemas.openxmlformats.org/presentationml/2006/main">
   <p:cSld>
     <p:spTree>
@@ -5034,7 +5552,7 @@
 </p:sld>
 </file>
 
-<file path=ppt/slides/slide16.xml><?xml version="1.0" encoding="utf-8"?>
+<file path=ppt/slides/slide18.xml><?xml version="1.0" encoding="utf-8"?>
 <p:sld xmlns:a="http://schemas.openxmlformats.org/drawingml/2006/main" xmlns:r="http://schemas.openxmlformats.org/officeDocument/2006/relationships" xmlns:p="http://schemas.openxmlformats.org/presentationml/2006/main">
   <p:cSld>
     <p:spTree>
@@ -5296,7 +5814,7 @@
 </p:sld>
 </file>
 
-<file path=ppt/slides/slide17.xml><?xml version="1.0" encoding="utf-8"?>
+<file path=ppt/slides/slide19.xml><?xml version="1.0" encoding="utf-8"?>
 <p:sld xmlns:a="http://schemas.openxmlformats.org/drawingml/2006/main" xmlns:r="http://schemas.openxmlformats.org/officeDocument/2006/relationships" xmlns:p="http://schemas.openxmlformats.org/presentationml/2006/main">
   <p:cSld>
     <p:spTree>
@@ -5640,7 +6158,150 @@
 </p:sld>
 </file>
 
-<file path=ppt/slides/slide18.xml><?xml version="1.0" encoding="utf-8"?>
+<file path=ppt/slides/slide2.xml><?xml version="1.0" encoding="utf-8"?>
+<p:sld xmlns:a="http://schemas.openxmlformats.org/drawingml/2006/main" xmlns:r="http://schemas.openxmlformats.org/officeDocument/2006/relationships" xmlns:p="http://schemas.openxmlformats.org/presentationml/2006/main">
+  <p:cSld>
+    <p:spTree>
+      <p:nvGrpSpPr>
+        <p:cNvPr id="1" name=""/>
+        <p:cNvGrpSpPr/>
+        <p:nvPr/>
+      </p:nvGrpSpPr>
+      <p:grpSpPr>
+        <a:xfrm>
+          <a:off x="0" y="0"/>
+          <a:ext cx="0" cy="0"/>
+          <a:chOff x="0" y="0"/>
+          <a:chExt cx="0" cy="0"/>
+        </a:xfrm>
+      </p:grpSpPr>
+      <p:sp>
+        <p:nvSpPr>
+          <p:cNvPr id="2" name="제목 1"/>
+          <p:cNvSpPr>
+            <a:spLocks noGrp="1"/>
+          </p:cNvSpPr>
+          <p:nvPr>
+            <p:ph type="ctrTitle"/>
+          </p:nvPr>
+        </p:nvSpPr>
+        <p:spPr/>
+        <p:txBody>
+          <a:bodyPr/>
+          <a:lstStyle/>
+          <a:p>
+            <a:endParaRPr lang="ko-KR" altLang="en-US" dirty="0"/>
+          </a:p>
+        </p:txBody>
+      </p:sp>
+      <p:sp>
+        <p:nvSpPr>
+          <p:cNvPr id="3" name="부제목 2"/>
+          <p:cNvSpPr>
+            <a:spLocks noGrp="1"/>
+          </p:cNvSpPr>
+          <p:nvPr>
+            <p:ph type="subTitle" idx="1"/>
+          </p:nvPr>
+        </p:nvSpPr>
+        <p:spPr/>
+        <p:txBody>
+          <a:bodyPr/>
+          <a:lstStyle/>
+          <a:p>
+            <a:r>
+              <a:rPr lang="ko-KR" altLang="en-US" dirty="0" smtClean="0"/>
+              <a:t>레이아웃</a:t>
+            </a:r>
+            <a:r>
+              <a:rPr lang="en-US" altLang="ko-KR" dirty="0" smtClean="0"/>
+              <a:t>(</a:t>
+            </a:r>
+            <a:r>
+              <a:rPr lang="ko-KR" altLang="en-US" dirty="0" smtClean="0"/>
+              <a:t>나인패치</a:t>
+            </a:r>
+            <a:r>
+              <a:rPr lang="en-US" altLang="ko-KR" dirty="0" smtClean="0"/>
+              <a:t>, </a:t>
+            </a:r>
+            <a:r>
+              <a:rPr lang="en-US" altLang="ko-KR" dirty="0" err="1" smtClean="0"/>
+              <a:t>dp</a:t>
+            </a:r>
+            <a:r>
+              <a:rPr lang="en-US" altLang="ko-KR" dirty="0" smtClean="0"/>
+              <a:t>), </a:t>
+            </a:r>
+            <a:r>
+              <a:rPr lang="ko-KR" altLang="en-US" dirty="0" smtClean="0"/>
+              <a:t>애니메이션</a:t>
+            </a:r>
+            <a:r>
+              <a:rPr lang="en-US" altLang="ko-KR" dirty="0" smtClean="0"/>
+              <a:t>, </a:t>
+            </a:r>
+            <a:r>
+              <a:rPr lang="en-US" altLang="ko-KR" dirty="0" err="1" smtClean="0"/>
+              <a:t>ui</a:t>
+            </a:r>
+            <a:r>
+              <a:rPr lang="en-US" altLang="ko-KR" dirty="0" smtClean="0"/>
+              <a:t> </a:t>
+            </a:r>
+            <a:r>
+              <a:rPr lang="ko-KR" altLang="en-US" dirty="0" smtClean="0"/>
+              <a:t>이벤트 처리</a:t>
+            </a:r>
+            <a:r>
+              <a:rPr lang="en-US" altLang="ko-KR" dirty="0" smtClean="0"/>
+              <a:t>, </a:t>
+            </a:r>
+            <a:r>
+              <a:rPr lang="en-US" altLang="ko-KR" dirty="0" err="1" smtClean="0"/>
+              <a:t>ui</a:t>
+            </a:r>
+            <a:r>
+              <a:rPr lang="en-US" altLang="ko-KR" dirty="0" smtClean="0"/>
+              <a:t> </a:t>
+            </a:r>
+            <a:r>
+              <a:rPr lang="ko-KR" altLang="en-US" dirty="0" err="1" smtClean="0"/>
+              <a:t>스레드</a:t>
+            </a:r>
+            <a:r>
+              <a:rPr lang="ko-KR" altLang="en-US" dirty="0" smtClean="0"/>
+              <a:t> 이벤트 처리</a:t>
+            </a:r>
+            <a:r>
+              <a:rPr lang="en-US" altLang="ko-KR" dirty="0" smtClean="0"/>
+              <a:t> </a:t>
+            </a:r>
+            <a:endParaRPr lang="ko-KR" altLang="en-US" dirty="0"/>
+          </a:p>
+        </p:txBody>
+      </p:sp>
+    </p:spTree>
+    <p:extLst>
+      <p:ext uri="{BB962C8B-B14F-4D97-AF65-F5344CB8AC3E}">
+        <p14:creationId xmlns:p14="http://schemas.microsoft.com/office/powerpoint/2010/main" val="1024104415"/>
+      </p:ext>
+    </p:extLst>
+  </p:cSld>
+  <p:clrMapOvr>
+    <a:masterClrMapping/>
+  </p:clrMapOvr>
+  <p:timing>
+    <p:tnLst>
+      <p:par>
+        <p:cTn id="1" dur="indefinite" restart="never" nodeType="tmRoot"/>
+      </p:par>
+    </p:tnLst>
+  </p:timing>
+</p:sld>
+</file>
+
+<file path=ppt/slides/slide20.xml><?xml version="1.0" encoding="utf-8"?>
 <p:sld xmlns:a="http://schemas.openxmlformats.org/drawingml/2006/main" xmlns:r="http://schemas.openxmlformats.org/officeDocument/2006/relationships" xmlns:p="http://schemas.openxmlformats.org/presentationml/2006/main">
   <p:cSld>
     <p:spTree>
@@ -5833,7 +6494,7 @@
 </p:sld>
 </file>
 
-<file path=ppt/slides/slide19.xml><?xml version="1.0" encoding="utf-8"?>
+<file path=ppt/slides/slide21.xml><?xml version="1.0" encoding="utf-8"?>
 <p:sld xmlns:a="http://schemas.openxmlformats.org/drawingml/2006/main" xmlns:r="http://schemas.openxmlformats.org/officeDocument/2006/relationships" xmlns:p="http://schemas.openxmlformats.org/presentationml/2006/main">
   <p:cSld>
     <p:spTree>
@@ -6014,154 +6675,7 @@
 </p:sld>
 </file>
 
-<file path=ppt/slides/slide2.xml><?xml version="1.0" encoding="utf-8"?>
-<p:sld xmlns:a="http://schemas.openxmlformats.org/drawingml/2006/main" xmlns:r="http://schemas.openxmlformats.org/officeDocument/2006/relationships" xmlns:p="http://schemas.openxmlformats.org/presentationml/2006/main">
-  <p:cSld>
-    <p:spTree>
-      <p:nvGrpSpPr>
-        <p:cNvPr id="1" name=""/>
-        <p:cNvGrpSpPr/>
-        <p:nvPr/>
-      </p:nvGrpSpPr>
-      <p:grpSpPr>
-        <a:xfrm>
-          <a:off x="0" y="0"/>
-          <a:ext cx="0" cy="0"/>
-          <a:chOff x="0" y="0"/>
-          <a:chExt cx="0" cy="0"/>
-        </a:xfrm>
-      </p:grpSpPr>
-      <p:sp>
-        <p:nvSpPr>
-          <p:cNvPr id="2" name="제목 1"/>
-          <p:cNvSpPr>
-            <a:spLocks noGrp="1"/>
-          </p:cNvSpPr>
-          <p:nvPr>
-            <p:ph type="ctrTitle"/>
-          </p:nvPr>
-        </p:nvSpPr>
-        <p:spPr/>
-        <p:txBody>
-          <a:bodyPr/>
-          <a:lstStyle/>
-          <a:p>
-            <a:endParaRPr lang="ko-KR" altLang="en-US" dirty="0"/>
-          </a:p>
-        </p:txBody>
-      </p:sp>
-      <p:sp>
-        <p:nvSpPr>
-          <p:cNvPr id="3" name="부제목 2"/>
-          <p:cNvSpPr>
-            <a:spLocks noGrp="1"/>
-          </p:cNvSpPr>
-          <p:nvPr>
-            <p:ph type="subTitle" idx="1"/>
-          </p:nvPr>
-        </p:nvSpPr>
-        <p:spPr/>
-        <p:txBody>
-          <a:bodyPr/>
-          <a:lstStyle/>
-          <a:p>
-            <a:r>
-              <a:rPr lang="ko-KR" altLang="en-US" dirty="0" smtClean="0"/>
-              <a:t>레이아웃</a:t>
-            </a:r>
-            <a:r>
-              <a:rPr lang="en-US" altLang="ko-KR" dirty="0" smtClean="0"/>
-              <a:t>(</a:t>
-            </a:r>
-            <a:r>
-              <a:rPr lang="ko-KR" altLang="en-US" dirty="0" smtClean="0"/>
-              <a:t>나인패치</a:t>
-            </a:r>
-            <a:r>
-              <a:rPr lang="en-US" altLang="ko-KR" dirty="0" smtClean="0"/>
-              <a:t>, </a:t>
-            </a:r>
-            <a:r>
-              <a:rPr lang="en-US" altLang="ko-KR" dirty="0" err="1" smtClean="0"/>
-              <a:t>dp</a:t>
-            </a:r>
-            <a:r>
-              <a:rPr lang="en-US" altLang="ko-KR" dirty="0" smtClean="0"/>
-              <a:t>), </a:t>
-            </a:r>
-            <a:r>
-              <a:rPr lang="ko-KR" altLang="en-US" dirty="0" smtClean="0"/>
-              <a:t>애니메이션</a:t>
-            </a:r>
-            <a:r>
-              <a:rPr lang="en-US" altLang="ko-KR" dirty="0" smtClean="0"/>
-              <a:t>, </a:t>
-            </a:r>
-            <a:r>
-              <a:rPr lang="en-US" altLang="ko-KR" dirty="0" err="1" smtClean="0"/>
-              <a:t>ui</a:t>
-            </a:r>
-            <a:r>
-              <a:rPr lang="en-US" altLang="ko-KR" dirty="0" smtClean="0"/>
-              <a:t> </a:t>
-            </a:r>
-            <a:r>
-              <a:rPr lang="ko-KR" altLang="en-US" dirty="0" smtClean="0"/>
-              <a:t>이벤트 처리</a:t>
-            </a:r>
-            <a:r>
-              <a:rPr lang="en-US" altLang="ko-KR" dirty="0" smtClean="0"/>
-              <a:t>, </a:t>
-            </a:r>
-            <a:r>
-              <a:rPr lang="en-US" altLang="ko-KR" dirty="0" err="1" smtClean="0"/>
-              <a:t>ui</a:t>
-            </a:r>
-            <a:r>
-              <a:rPr lang="en-US" altLang="ko-KR" dirty="0" smtClean="0"/>
-              <a:t> </a:t>
-            </a:r>
-            <a:r>
-              <a:rPr lang="ko-KR" altLang="en-US" dirty="0" err="1" smtClean="0"/>
-              <a:t>스레드</a:t>
-            </a:r>
-            <a:r>
-              <a:rPr lang="ko-KR" altLang="en-US" dirty="0" smtClean="0"/>
-              <a:t> 이벤트 </a:t>
-            </a:r>
-            <a:r>
-              <a:rPr lang="ko-KR" altLang="en-US" dirty="0" smtClean="0"/>
-              <a:t>처리</a:t>
-            </a:r>
-            <a:r>
-              <a:rPr lang="en-US" altLang="ko-KR" dirty="0" smtClean="0"/>
-              <a:t> </a:t>
-            </a:r>
-            <a:endParaRPr lang="ko-KR" altLang="en-US" dirty="0"/>
-          </a:p>
-        </p:txBody>
-      </p:sp>
-    </p:spTree>
-    <p:extLst>
-      <p:ext uri="{BB962C8B-B14F-4D97-AF65-F5344CB8AC3E}">
-        <p14:creationId xmlns:p14="http://schemas.microsoft.com/office/powerpoint/2010/main" val="1024104415"/>
-      </p:ext>
-    </p:extLst>
-  </p:cSld>
-  <p:clrMapOvr>
-    <a:masterClrMapping/>
-  </p:clrMapOvr>
-  <p:timing>
-    <p:tnLst>
-      <p:par>
-        <p:cTn id="1" dur="indefinite" restart="never" nodeType="tmRoot"/>
-      </p:par>
-    </p:tnLst>
-  </p:timing>
-</p:sld>
-</file>
-
-<file path=ppt/slides/slide20.xml><?xml version="1.0" encoding="utf-8"?>
+<file path=ppt/slides/slide22.xml><?xml version="1.0" encoding="utf-8"?>
 <p:sld xmlns:a="http://schemas.openxmlformats.org/drawingml/2006/main" xmlns:r="http://schemas.openxmlformats.org/officeDocument/2006/relationships" xmlns:p="http://schemas.openxmlformats.org/presentationml/2006/main">
   <p:cSld>
     <p:spTree>
@@ -6567,7 +7081,7 @@
 </p:sld>
 </file>
 
-<file path=ppt/slides/slide21.xml><?xml version="1.0" encoding="utf-8"?>
+<file path=ppt/slides/slide23.xml><?xml version="1.0" encoding="utf-8"?>
 <p:sld xmlns:a="http://schemas.openxmlformats.org/drawingml/2006/main" xmlns:r="http://schemas.openxmlformats.org/officeDocument/2006/relationships" xmlns:p="http://schemas.openxmlformats.org/presentationml/2006/main">
   <p:cSld>
     <p:spTree>
@@ -6879,7 +7393,7 @@
 </p:sld>
 </file>
 
-<file path=ppt/slides/slide22.xml><?xml version="1.0" encoding="utf-8"?>
+<file path=ppt/slides/slide24.xml><?xml version="1.0" encoding="utf-8"?>
 <p:sld xmlns:a="http://schemas.openxmlformats.org/drawingml/2006/main" xmlns:r="http://schemas.openxmlformats.org/officeDocument/2006/relationships" xmlns:p="http://schemas.openxmlformats.org/presentationml/2006/main">
   <p:cSld>
     <p:spTree>
@@ -7271,7 +7785,7 @@
 </p:sld>
 </file>
 
-<file path=ppt/slides/slide23.xml><?xml version="1.0" encoding="utf-8"?>
+<file path=ppt/slides/slide25.xml><?xml version="1.0" encoding="utf-8"?>
 <p:sld xmlns:a="http://schemas.openxmlformats.org/drawingml/2006/main" xmlns:r="http://schemas.openxmlformats.org/officeDocument/2006/relationships" xmlns:p="http://schemas.openxmlformats.org/presentationml/2006/main">
   <p:cSld>
     <p:spTree>
@@ -7542,7 +8056,7 @@
 </p:sld>
 </file>
 
-<file path=ppt/slides/slide24.xml><?xml version="1.0" encoding="utf-8"?>
+<file path=ppt/slides/slide26.xml><?xml version="1.0" encoding="utf-8"?>
 <p:sld xmlns:a="http://schemas.openxmlformats.org/drawingml/2006/main" xmlns:r="http://schemas.openxmlformats.org/officeDocument/2006/relationships" xmlns:p="http://schemas.openxmlformats.org/presentationml/2006/main">
   <p:cSld>
     <p:spTree>
@@ -7712,7 +8226,7 @@
 </p:sld>
 </file>
 
-<file path=ppt/slides/slide25.xml><?xml version="1.0" encoding="utf-8"?>
+<file path=ppt/slides/slide27.xml><?xml version="1.0" encoding="utf-8"?>
 <p:sld xmlns:a="http://schemas.openxmlformats.org/drawingml/2006/main" xmlns:r="http://schemas.openxmlformats.org/officeDocument/2006/relationships" xmlns:p="http://schemas.openxmlformats.org/presentationml/2006/main">
   <p:cSld>
     <p:spTree>
@@ -7878,7 +8392,7 @@
 </p:sld>
 </file>
 
-<file path=ppt/slides/slide26.xml><?xml version="1.0" encoding="utf-8"?>
+<file path=ppt/slides/slide28.xml><?xml version="1.0" encoding="utf-8"?>
 <p:sld xmlns:a="http://schemas.openxmlformats.org/drawingml/2006/main" xmlns:r="http://schemas.openxmlformats.org/officeDocument/2006/relationships" xmlns:p="http://schemas.openxmlformats.org/presentationml/2006/main">
   <p:cSld>
     <p:spTree>
@@ -8056,7 +8570,7 @@
 </p:sld>
 </file>
 
-<file path=ppt/slides/slide27.xml><?xml version="1.0" encoding="utf-8"?>
+<file path=ppt/slides/slide29.xml><?xml version="1.0" encoding="utf-8"?>
 <p:sld xmlns:a="http://schemas.openxmlformats.org/drawingml/2006/main" xmlns:r="http://schemas.openxmlformats.org/officeDocument/2006/relationships" xmlns:p="http://schemas.openxmlformats.org/presentationml/2006/main">
   <p:cSld>
     <p:spTree>
@@ -8230,7 +8744,226 @@
 </p:sld>
 </file>
 
-<file path=ppt/slides/slide28.xml><?xml version="1.0" encoding="utf-8"?>
+<file path=ppt/slides/slide3.xml><?xml version="1.0" encoding="utf-8"?>
+<p:sld xmlns:a="http://schemas.openxmlformats.org/drawingml/2006/main" xmlns:r="http://schemas.openxmlformats.org/officeDocument/2006/relationships" xmlns:p="http://schemas.openxmlformats.org/presentationml/2006/main">
+  <p:cSld>
+    <p:spTree>
+      <p:nvGrpSpPr>
+        <p:cNvPr id="1" name=""/>
+        <p:cNvGrpSpPr/>
+        <p:nvPr/>
+      </p:nvGrpSpPr>
+      <p:grpSpPr>
+        <a:xfrm>
+          <a:off x="0" y="0"/>
+          <a:ext cx="0" cy="0"/>
+          <a:chOff x="0" y="0"/>
+          <a:chExt cx="0" cy="0"/>
+        </a:xfrm>
+      </p:grpSpPr>
+      <p:grpSp>
+        <p:nvGrpSpPr>
+          <p:cNvPr id="4" name="그룹 3"/>
+          <p:cNvGrpSpPr/>
+          <p:nvPr/>
+        </p:nvGrpSpPr>
+        <p:grpSpPr>
+          <a:xfrm>
+            <a:off x="232914" y="260647"/>
+            <a:ext cx="7363422" cy="1008113"/>
+            <a:chOff x="179512" y="188639"/>
+            <a:chExt cx="7512374" cy="1071121"/>
+          </a:xfrm>
+        </p:grpSpPr>
+        <p:sp>
+          <p:nvSpPr>
+            <p:cNvPr id="10" name="TextBox 9"/>
+            <p:cNvSpPr txBox="1"/>
+            <p:nvPr/>
+          </p:nvSpPr>
+          <p:spPr>
+            <a:xfrm>
+              <a:off x="179512" y="188639"/>
+              <a:ext cx="6666338" cy="686727"/>
+            </a:xfrm>
+            <a:prstGeom prst="rect">
+              <a:avLst/>
+            </a:prstGeom>
+            <a:noFill/>
+          </p:spPr>
+          <p:txBody>
+            <a:bodyPr wrap="none" rtlCol="0">
+              <a:spAutoFit/>
+            </a:bodyPr>
+            <a:lstStyle/>
+            <a:p>
+              <a:r>
+                <a:rPr lang="ko-KR" altLang="en-US" sz="3600" b="1" dirty="0" smtClean="0"/>
+                <a:t>다 해상도 지원 문제 해결 방</a:t>
+              </a:r>
+              <a:r>
+                <a:rPr lang="ko-KR" altLang="en-US" sz="3600" b="1" dirty="0"/>
+                <a:t>법</a:t>
+              </a:r>
+            </a:p>
+          </p:txBody>
+        </p:sp>
+        <p:cxnSp>
+          <p:nvCxnSpPr>
+            <p:cNvPr id="13" name="직선 연결선 12"/>
+            <p:cNvCxnSpPr/>
+            <p:nvPr/>
+          </p:nvCxnSpPr>
+          <p:spPr>
+            <a:xfrm>
+              <a:off x="287295" y="1259760"/>
+              <a:ext cx="7404591" cy="0"/>
+            </a:xfrm>
+            <a:prstGeom prst="line">
+              <a:avLst/>
+            </a:prstGeom>
+            <a:ln/>
+          </p:spPr>
+          <p:style>
+            <a:lnRef idx="2">
+              <a:schemeClr val="accent1"/>
+            </a:lnRef>
+            <a:fillRef idx="0">
+              <a:schemeClr val="accent1"/>
+            </a:fillRef>
+            <a:effectRef idx="1">
+              <a:schemeClr val="accent1"/>
+            </a:effectRef>
+            <a:fontRef idx="minor">
+              <a:schemeClr val="tx1"/>
+            </a:fontRef>
+          </p:style>
+        </p:cxnSp>
+      </p:grpSp>
+      <p:sp>
+        <p:nvSpPr>
+          <p:cNvPr id="7" name="TextBox 6"/>
+          <p:cNvSpPr txBox="1"/>
+          <p:nvPr/>
+        </p:nvSpPr>
+        <p:spPr>
+          <a:xfrm>
+            <a:off x="232914" y="1825660"/>
+            <a:ext cx="5089855" cy="2246769"/>
+          </a:xfrm>
+          <a:prstGeom prst="rect">
+            <a:avLst/>
+          </a:prstGeom>
+          <a:noFill/>
+        </p:spPr>
+        <p:txBody>
+          <a:bodyPr wrap="none" rtlCol="0">
+            <a:spAutoFit/>
+          </a:bodyPr>
+          <a:lstStyle/>
+          <a:p>
+            <a:pPr marL="571500" indent="-571500">
+              <a:buFont typeface="Arial" panose="020B0604020202020204" pitchFamily="34" charset="0"/>
+              <a:buChar char="•"/>
+            </a:pPr>
+            <a:r>
+              <a:rPr lang="ko-KR" altLang="en-US" sz="2800" dirty="0" smtClean="0"/>
+              <a:t>각 해상도 별 </a:t>
+            </a:r>
+            <a:r>
+              <a:rPr lang="en-US" altLang="ko-KR" sz="2800" dirty="0" smtClean="0"/>
+              <a:t>Layout </a:t>
+            </a:r>
+            <a:r>
+              <a:rPr lang="ko-KR" altLang="en-US" sz="2800" dirty="0" smtClean="0"/>
+              <a:t>제작</a:t>
+            </a:r>
+            <a:r>
+              <a:rPr lang="en-US" altLang="ko-KR" sz="2800" dirty="0" smtClean="0"/>
+              <a:t>.</a:t>
+            </a:r>
+          </a:p>
+          <a:p>
+            <a:pPr marL="571500" indent="-571500">
+              <a:buFont typeface="+mj-lt"/>
+              <a:buAutoNum type="arabicPeriod"/>
+            </a:pPr>
+            <a:endParaRPr lang="en-US" altLang="ko-KR" sz="2800" dirty="0"/>
+          </a:p>
+          <a:p>
+            <a:pPr marL="571500" indent="-571500">
+              <a:buFont typeface="Arial" panose="020B0604020202020204" pitchFamily="34" charset="0"/>
+              <a:buChar char="•"/>
+            </a:pPr>
+            <a:r>
+              <a:rPr lang="en-US" altLang="ko-KR" sz="2800" dirty="0" smtClean="0"/>
+              <a:t>Weight </a:t>
+            </a:r>
+            <a:r>
+              <a:rPr lang="ko-KR" altLang="en-US" sz="2800" dirty="0" smtClean="0"/>
+              <a:t>기반 </a:t>
+            </a:r>
+            <a:r>
+              <a:rPr lang="en-US" altLang="ko-KR" sz="2800" dirty="0" smtClean="0"/>
+              <a:t>Layout </a:t>
+            </a:r>
+            <a:r>
+              <a:rPr lang="ko-KR" altLang="en-US" sz="2800" dirty="0" smtClean="0"/>
+              <a:t>제작</a:t>
+            </a:r>
+            <a:r>
+              <a:rPr lang="en-US" altLang="ko-KR" sz="2800" dirty="0" smtClean="0"/>
+              <a:t>.</a:t>
+            </a:r>
+          </a:p>
+          <a:p>
+            <a:pPr marL="571500" indent="-571500">
+              <a:buFont typeface="+mj-lt"/>
+              <a:buAutoNum type="arabicPeriod"/>
+            </a:pPr>
+            <a:endParaRPr lang="en-US" altLang="ko-KR" sz="2800" dirty="0"/>
+          </a:p>
+          <a:p>
+            <a:pPr marL="571500" indent="-571500">
+              <a:buFont typeface="Arial" panose="020B0604020202020204" pitchFamily="34" charset="0"/>
+              <a:buChar char="•"/>
+            </a:pPr>
+            <a:r>
+              <a:rPr lang="en-US" altLang="ko-KR" sz="2800" dirty="0" smtClean="0"/>
+              <a:t>Runtime </a:t>
+            </a:r>
+            <a:r>
+              <a:rPr lang="ko-KR" altLang="en-US" sz="2800" dirty="0" smtClean="0"/>
+              <a:t>시에 크기 맞추기</a:t>
+            </a:r>
+            <a:r>
+              <a:rPr lang="en-US" altLang="ko-KR" sz="2800" dirty="0" smtClean="0"/>
+              <a:t>.</a:t>
+            </a:r>
+          </a:p>
+        </p:txBody>
+      </p:sp>
+    </p:spTree>
+    <p:extLst>
+      <p:ext uri="{BB962C8B-B14F-4D97-AF65-F5344CB8AC3E}">
+        <p14:creationId xmlns:p14="http://schemas.microsoft.com/office/powerpoint/2010/main" val="2593486770"/>
+      </p:ext>
+    </p:extLst>
+  </p:cSld>
+  <p:clrMapOvr>
+    <a:masterClrMapping/>
+  </p:clrMapOvr>
+  <p:timing>
+    <p:tnLst>
+      <p:par>
+        <p:cTn id="1" dur="indefinite" restart="never" nodeType="tmRoot"/>
+      </p:par>
+    </p:tnLst>
+  </p:timing>
+</p:sld>
+</file>
+
+<file path=ppt/slides/slide30.xml><?xml version="1.0" encoding="utf-8"?>
 <p:sld xmlns:a="http://schemas.openxmlformats.org/drawingml/2006/main" xmlns:r="http://schemas.openxmlformats.org/officeDocument/2006/relationships" xmlns:p="http://schemas.openxmlformats.org/presentationml/2006/main">
   <p:cSld>
     <p:spTree>
@@ -8400,7 +9133,7 @@
 </p:sld>
 </file>
 
-<file path=ppt/slides/slide29.xml><?xml version="1.0" encoding="utf-8"?>
+<file path=ppt/slides/slide31.xml><?xml version="1.0" encoding="utf-8"?>
 <p:sld xmlns:a="http://schemas.openxmlformats.org/drawingml/2006/main" xmlns:r="http://schemas.openxmlformats.org/officeDocument/2006/relationships" xmlns:p="http://schemas.openxmlformats.org/presentationml/2006/main">
   <p:cSld>
     <p:spTree>
@@ -8569,7 +9302,7 @@
             <a:endParaRPr lang="en-US" altLang="ko-KR" sz="2000" dirty="0" smtClean="0"/>
           </a:p>
           <a:p>
-            <a:endParaRPr lang="en-US" altLang="ko-KR" sz="2000"/>
+            <a:endParaRPr lang="en-US" altLang="ko-KR" sz="2000" dirty="0"/>
           </a:p>
           <a:p>
             <a:endParaRPr lang="en-US" altLang="ko-KR" sz="2000" dirty="0" smtClean="0"/>
@@ -8664,235 +9397,6 @@
     <p:extLst>
       <p:ext uri="{BB962C8B-B14F-4D97-AF65-F5344CB8AC3E}">
         <p14:creationId xmlns:p14="http://schemas.microsoft.com/office/powerpoint/2010/main" val="3718508408"/>
-      </p:ext>
-    </p:extLst>
-  </p:cSld>
-  <p:clrMapOvr>
-    <a:masterClrMapping/>
-  </p:clrMapOvr>
-  <p:timing>
-    <p:tnLst>
-      <p:par>
-        <p:cTn id="1" dur="indefinite" restart="never" nodeType="tmRoot"/>
-      </p:par>
-    </p:tnLst>
-  </p:timing>
-</p:sld>
-</file>
-
-<file path=ppt/slides/slide3.xml><?xml version="1.0" encoding="utf-8"?>
-<p:sld xmlns:a="http://schemas.openxmlformats.org/drawingml/2006/main" xmlns:r="http://schemas.openxmlformats.org/officeDocument/2006/relationships" xmlns:p="http://schemas.openxmlformats.org/presentationml/2006/main">
-  <p:cSld>
-    <p:spTree>
-      <p:nvGrpSpPr>
-        <p:cNvPr id="1" name=""/>
-        <p:cNvGrpSpPr/>
-        <p:nvPr/>
-      </p:nvGrpSpPr>
-      <p:grpSpPr>
-        <a:xfrm>
-          <a:off x="0" y="0"/>
-          <a:ext cx="0" cy="0"/>
-          <a:chOff x="0" y="0"/>
-          <a:chExt cx="0" cy="0"/>
-        </a:xfrm>
-      </p:grpSpPr>
-      <p:grpSp>
-        <p:nvGrpSpPr>
-          <p:cNvPr id="4" name="그룹 3"/>
-          <p:cNvGrpSpPr/>
-          <p:nvPr/>
-        </p:nvGrpSpPr>
-        <p:grpSpPr>
-          <a:xfrm>
-            <a:off x="232914" y="260647"/>
-            <a:ext cx="7363422" cy="1008113"/>
-            <a:chOff x="179512" y="188639"/>
-            <a:chExt cx="7512374" cy="1071121"/>
-          </a:xfrm>
-        </p:grpSpPr>
-        <p:sp>
-          <p:nvSpPr>
-            <p:cNvPr id="10" name="TextBox 9"/>
-            <p:cNvSpPr txBox="1"/>
-            <p:nvPr/>
-          </p:nvSpPr>
-          <p:spPr>
-            <a:xfrm>
-              <a:off x="179512" y="188639"/>
-              <a:ext cx="6666338" cy="686727"/>
-            </a:xfrm>
-            <a:prstGeom prst="rect">
-              <a:avLst/>
-            </a:prstGeom>
-            <a:noFill/>
-          </p:spPr>
-          <p:txBody>
-            <a:bodyPr wrap="none" rtlCol="0">
-              <a:spAutoFit/>
-            </a:bodyPr>
-            <a:lstStyle/>
-            <a:p>
-              <a:r>
-                <a:rPr lang="ko-KR" altLang="en-US" sz="3600" b="1" dirty="0" smtClean="0"/>
-                <a:t>다 해상도 지원 문제 해결 </a:t>
-              </a:r>
-              <a:r>
-                <a:rPr lang="ko-KR" altLang="en-US" sz="3600" b="1" dirty="0" smtClean="0"/>
-                <a:t>방</a:t>
-              </a:r>
-              <a:r>
-                <a:rPr lang="ko-KR" altLang="en-US" sz="3600" b="1" dirty="0"/>
-                <a:t>법</a:t>
-              </a:r>
-              <a:endParaRPr lang="ko-KR" altLang="en-US" sz="3600" b="1" dirty="0"/>
-            </a:p>
-          </p:txBody>
-        </p:sp>
-        <p:cxnSp>
-          <p:nvCxnSpPr>
-            <p:cNvPr id="13" name="직선 연결선 12"/>
-            <p:cNvCxnSpPr/>
-            <p:nvPr/>
-          </p:nvCxnSpPr>
-          <p:spPr>
-            <a:xfrm>
-              <a:off x="287295" y="1259760"/>
-              <a:ext cx="7404591" cy="0"/>
-            </a:xfrm>
-            <a:prstGeom prst="line">
-              <a:avLst/>
-            </a:prstGeom>
-            <a:ln/>
-          </p:spPr>
-          <p:style>
-            <a:lnRef idx="2">
-              <a:schemeClr val="accent1"/>
-            </a:lnRef>
-            <a:fillRef idx="0">
-              <a:schemeClr val="accent1"/>
-            </a:fillRef>
-            <a:effectRef idx="1">
-              <a:schemeClr val="accent1"/>
-            </a:effectRef>
-            <a:fontRef idx="minor">
-              <a:schemeClr val="tx1"/>
-            </a:fontRef>
-          </p:style>
-        </p:cxnSp>
-      </p:grpSp>
-      <p:sp>
-        <p:nvSpPr>
-          <p:cNvPr id="7" name="TextBox 6"/>
-          <p:cNvSpPr txBox="1"/>
-          <p:nvPr/>
-        </p:nvSpPr>
-        <p:spPr>
-          <a:xfrm>
-            <a:off x="232914" y="1825660"/>
-            <a:ext cx="5089855" cy="2246769"/>
-          </a:xfrm>
-          <a:prstGeom prst="rect">
-            <a:avLst/>
-          </a:prstGeom>
-          <a:noFill/>
-        </p:spPr>
-        <p:txBody>
-          <a:bodyPr wrap="none" rtlCol="0">
-            <a:spAutoFit/>
-          </a:bodyPr>
-          <a:lstStyle/>
-          <a:p>
-            <a:pPr marL="571500" indent="-571500">
-              <a:buFont typeface="Arial" panose="020B0604020202020204" pitchFamily="34" charset="0"/>
-              <a:buChar char="•"/>
-            </a:pPr>
-            <a:r>
-              <a:rPr lang="ko-KR" altLang="en-US" sz="2800" dirty="0" smtClean="0"/>
-              <a:t>각 해상도 별 </a:t>
-            </a:r>
-            <a:r>
-              <a:rPr lang="en-US" altLang="ko-KR" sz="2800" dirty="0" smtClean="0"/>
-              <a:t>Layout </a:t>
-            </a:r>
-            <a:r>
-              <a:rPr lang="ko-KR" altLang="en-US" sz="2800" dirty="0" smtClean="0"/>
-              <a:t>제작</a:t>
-            </a:r>
-            <a:r>
-              <a:rPr lang="en-US" altLang="ko-KR" sz="2800" dirty="0" smtClean="0"/>
-              <a:t>.</a:t>
-            </a:r>
-          </a:p>
-          <a:p>
-            <a:pPr marL="571500" indent="-571500">
-              <a:buFont typeface="+mj-lt"/>
-              <a:buAutoNum type="arabicPeriod"/>
-            </a:pPr>
-            <a:endParaRPr lang="en-US" altLang="ko-KR" sz="2800" dirty="0"/>
-          </a:p>
-          <a:p>
-            <a:pPr marL="571500" indent="-571500">
-              <a:buFont typeface="Arial" panose="020B0604020202020204" pitchFamily="34" charset="0"/>
-              <a:buChar char="•"/>
-            </a:pPr>
-            <a:r>
-              <a:rPr lang="en-US" altLang="ko-KR" sz="2800" dirty="0" smtClean="0"/>
-              <a:t>Weight </a:t>
-            </a:r>
-            <a:r>
-              <a:rPr lang="ko-KR" altLang="en-US" sz="2800" dirty="0" smtClean="0"/>
-              <a:t>기반 </a:t>
-            </a:r>
-            <a:r>
-              <a:rPr lang="en-US" altLang="ko-KR" sz="2800" dirty="0" smtClean="0"/>
-              <a:t>Layout </a:t>
-            </a:r>
-            <a:r>
-              <a:rPr lang="ko-KR" altLang="en-US" sz="2800" dirty="0" smtClean="0"/>
-              <a:t>제작</a:t>
-            </a:r>
-            <a:r>
-              <a:rPr lang="en-US" altLang="ko-KR" sz="2800" dirty="0" smtClean="0"/>
-              <a:t>.</a:t>
-            </a:r>
-          </a:p>
-          <a:p>
-            <a:pPr marL="571500" indent="-571500">
-              <a:buFont typeface="+mj-lt"/>
-              <a:buAutoNum type="arabicPeriod"/>
-            </a:pPr>
-            <a:endParaRPr lang="en-US" altLang="ko-KR" sz="2800" dirty="0"/>
-          </a:p>
-          <a:p>
-            <a:pPr marL="571500" indent="-571500">
-              <a:buFont typeface="Arial" panose="020B0604020202020204" pitchFamily="34" charset="0"/>
-              <a:buChar char="•"/>
-            </a:pPr>
-            <a:r>
-              <a:rPr lang="en-US" altLang="ko-KR" sz="2800" dirty="0" smtClean="0"/>
-              <a:t>Runtime </a:t>
-            </a:r>
-            <a:r>
-              <a:rPr lang="ko-KR" altLang="en-US" sz="2800" dirty="0" smtClean="0"/>
-              <a:t>시에 </a:t>
-            </a:r>
-            <a:r>
-              <a:rPr lang="ko-KR" altLang="en-US" sz="2800" dirty="0" smtClean="0"/>
-              <a:t>크기 맞추기</a:t>
-            </a:r>
-            <a:r>
-              <a:rPr lang="en-US" altLang="ko-KR" sz="2800" dirty="0" smtClean="0"/>
-              <a:t>.</a:t>
-            </a:r>
-            <a:endParaRPr lang="en-US" altLang="ko-KR" sz="2800" dirty="0" smtClean="0"/>
-          </a:p>
-        </p:txBody>
-      </p:sp>
-    </p:spTree>
-    <p:extLst>
-      <p:ext uri="{BB962C8B-B14F-4D97-AF65-F5344CB8AC3E}">
-        <p14:creationId xmlns:p14="http://schemas.microsoft.com/office/powerpoint/2010/main" val="2593486770"/>
       </p:ext>
     </p:extLst>
   </p:cSld>
@@ -10360,15 +10864,7 @@
             </a:r>
             <a:r>
               <a:rPr lang="en-US" altLang="ko-KR" sz="2000" b="1" dirty="0" smtClean="0"/>
-              <a:t>(Main Thread, </a:t>
-            </a:r>
-            <a:r>
-              <a:rPr lang="en-US" altLang="ko-KR" sz="2000" b="1" dirty="0" smtClean="0"/>
-              <a:t>UI Thread</a:t>
-            </a:r>
-            <a:r>
-              <a:rPr lang="en-US" altLang="ko-KR" sz="2000" b="1" dirty="0" smtClean="0"/>
-              <a:t>)</a:t>
+              <a:t>(Main Thread, UI Thread)</a:t>
             </a:r>
             <a:endParaRPr lang="en-US" altLang="ko-KR" sz="2000" dirty="0"/>
           </a:p>

--- a/안드로이드 UI.pptx
+++ b/안드로이드 UI.pptx
@@ -5,40 +5,29 @@
     <p:sldMasterId id="2147483648" r:id="rId1"/>
   </p:sldMasterIdLst>
   <p:notesMasterIdLst>
-    <p:notesMasterId r:id="rId33"/>
+    <p:notesMasterId r:id="rId22"/>
   </p:notesMasterIdLst>
   <p:sldIdLst>
     <p:sldId id="258" r:id="rId2"/>
-    <p:sldId id="353" r:id="rId3"/>
+    <p:sldId id="378" r:id="rId3"/>
     <p:sldId id="257" r:id="rId4"/>
     <p:sldId id="358" r:id="rId5"/>
     <p:sldId id="360" r:id="rId6"/>
     <p:sldId id="361" r:id="rId7"/>
     <p:sldId id="362" r:id="rId8"/>
     <p:sldId id="357" r:id="rId9"/>
-    <p:sldId id="364" r:id="rId10"/>
-    <p:sldId id="365" r:id="rId11"/>
-    <p:sldId id="367" r:id="rId12"/>
-    <p:sldId id="370" r:id="rId13"/>
-    <p:sldId id="368" r:id="rId14"/>
-    <p:sldId id="369" r:id="rId15"/>
-    <p:sldId id="366" r:id="rId16"/>
-    <p:sldId id="354" r:id="rId17"/>
-    <p:sldId id="355" r:id="rId18"/>
-    <p:sldId id="328" r:id="rId19"/>
-    <p:sldId id="329" r:id="rId20"/>
-    <p:sldId id="351" r:id="rId21"/>
-    <p:sldId id="352" r:id="rId22"/>
-    <p:sldId id="330" r:id="rId23"/>
-    <p:sldId id="331" r:id="rId24"/>
-    <p:sldId id="332" r:id="rId25"/>
-    <p:sldId id="336" r:id="rId26"/>
-    <p:sldId id="305" r:id="rId27"/>
-    <p:sldId id="337" r:id="rId28"/>
-    <p:sldId id="338" r:id="rId29"/>
-    <p:sldId id="339" r:id="rId30"/>
-    <p:sldId id="340" r:id="rId31"/>
-    <p:sldId id="341" r:id="rId32"/>
+    <p:sldId id="371" r:id="rId10"/>
+    <p:sldId id="364" r:id="rId11"/>
+    <p:sldId id="373" r:id="rId12"/>
+    <p:sldId id="374" r:id="rId13"/>
+    <p:sldId id="365" r:id="rId14"/>
+    <p:sldId id="376" r:id="rId15"/>
+    <p:sldId id="377" r:id="rId16"/>
+    <p:sldId id="366" r:id="rId17"/>
+    <p:sldId id="367" r:id="rId18"/>
+    <p:sldId id="370" r:id="rId19"/>
+    <p:sldId id="368" r:id="rId20"/>
+    <p:sldId id="341" r:id="rId21"/>
   </p:sldIdLst>
   <p:sldSz cx="9144000" cy="6858000" type="screen4x3"/>
   <p:notesSz cx="6858000" cy="9144000"/>
@@ -139,7 +128,7 @@
   </p:defaultTextStyle>
   <p:extLst>
     <p:ext uri="{EFAFB233-063F-42B5-8137-9DF3F51BA10A}">
-      <p15:sldGuideLst xmlns="" xmlns:p15="http://schemas.microsoft.com/office/powerpoint/2012/main">
+      <p15:sldGuideLst xmlns:p15="http://schemas.microsoft.com/office/powerpoint/2012/main" xmlns="">
         <p15:guide id="1" orient="horz" pos="2160">
           <p15:clr>
             <a:srgbClr val="A4A3A4"/>
@@ -238,7 +227,7 @@
           <a:p>
             <a:fld id="{73B52958-36A3-49D5-9CEA-C56256E835C4}" type="datetimeFigureOut">
               <a:rPr lang="ko-KR" altLang="en-US" smtClean="0"/>
-              <a:t>2016-04-11</a:t>
+              <a:t>2016-04-12</a:t>
             </a:fld>
             <a:endParaRPr lang="ko-KR" altLang="en-US"/>
           </a:p>
@@ -506,90 +495,6 @@
 </p:notesMaster>
 </file>
 
-<file path=ppt/notesSlides/notesSlide1.xml><?xml version="1.0" encoding="utf-8"?>
-<p:notes xmlns:a="http://schemas.openxmlformats.org/drawingml/2006/main" xmlns:r="http://schemas.openxmlformats.org/officeDocument/2006/relationships" xmlns:p="http://schemas.openxmlformats.org/presentationml/2006/main">
-  <p:cSld>
-    <p:spTree>
-      <p:nvGrpSpPr>
-        <p:cNvPr id="1" name=""/>
-        <p:cNvGrpSpPr/>
-        <p:nvPr/>
-      </p:nvGrpSpPr>
-      <p:grpSpPr>
-        <a:xfrm>
-          <a:off x="0" y="0"/>
-          <a:ext cx="0" cy="0"/>
-          <a:chOff x="0" y="0"/>
-          <a:chExt cx="0" cy="0"/>
-        </a:xfrm>
-      </p:grpSpPr>
-      <p:sp>
-        <p:nvSpPr>
-          <p:cNvPr id="2" name="슬라이드 이미지 개체 틀 1"/>
-          <p:cNvSpPr>
-            <a:spLocks noGrp="1" noRot="1" noChangeAspect="1"/>
-          </p:cNvSpPr>
-          <p:nvPr>
-            <p:ph type="sldImg"/>
-          </p:nvPr>
-        </p:nvSpPr>
-        <p:spPr/>
-      </p:sp>
-      <p:sp>
-        <p:nvSpPr>
-          <p:cNvPr id="3" name="슬라이드 노트 개체 틀 2"/>
-          <p:cNvSpPr>
-            <a:spLocks noGrp="1"/>
-          </p:cNvSpPr>
-          <p:nvPr>
-            <p:ph type="body" idx="1"/>
-          </p:nvPr>
-        </p:nvSpPr>
-        <p:spPr/>
-        <p:txBody>
-          <a:bodyPr/>
-          <a:lstStyle/>
-          <a:p>
-            <a:endParaRPr lang="ko-KR" altLang="en-US" dirty="0"/>
-          </a:p>
-        </p:txBody>
-      </p:sp>
-      <p:sp>
-        <p:nvSpPr>
-          <p:cNvPr id="4" name="슬라이드 번호 개체 틀 3"/>
-          <p:cNvSpPr>
-            <a:spLocks noGrp="1"/>
-          </p:cNvSpPr>
-          <p:nvPr>
-            <p:ph type="sldNum" sz="quarter" idx="10"/>
-          </p:nvPr>
-        </p:nvSpPr>
-        <p:spPr/>
-        <p:txBody>
-          <a:bodyPr/>
-          <a:lstStyle/>
-          <a:p>
-            <a:fld id="{8FC4E4D4-802B-454F-BEEA-4D93AD0AFC5A}" type="slidenum">
-              <a:rPr lang="ko-KR" altLang="en-US" smtClean="0"/>
-              <a:t>21</a:t>
-            </a:fld>
-            <a:endParaRPr lang="ko-KR" altLang="en-US"/>
-          </a:p>
-        </p:txBody>
-      </p:sp>
-    </p:spTree>
-    <p:extLst>
-      <p:ext uri="{BB962C8B-B14F-4D97-AF65-F5344CB8AC3E}">
-        <p14:creationId xmlns:p14="http://schemas.microsoft.com/office/powerpoint/2010/main" val="2393329741"/>
-      </p:ext>
-    </p:extLst>
-  </p:cSld>
-  <p:clrMapOvr>
-    <a:masterClrMapping/>
-  </p:clrMapOvr>
-</p:notes>
-</file>
-
 <file path=ppt/slideLayouts/slideLayout1.xml><?xml version="1.0" encoding="utf-8"?>
 <p:sldLayout xmlns:a="http://schemas.openxmlformats.org/drawingml/2006/main" xmlns:r="http://schemas.openxmlformats.org/officeDocument/2006/relationships" xmlns:p="http://schemas.openxmlformats.org/presentationml/2006/main" type="title" preserve="1">
   <p:cSld name="제목 슬라이드">
@@ -771,7 +676,7 @@
           <a:p>
             <a:fld id="{7BBE1449-B994-46CA-8C66-9319FCA2F4E0}" type="datetimeFigureOut">
               <a:rPr lang="ko-KR" altLang="en-US" smtClean="0"/>
-              <a:t>2016-04-11</a:t>
+              <a:t>2016-04-12</a:t>
             </a:fld>
             <a:endParaRPr lang="ko-KR" altLang="en-US"/>
           </a:p>
@@ -941,7 +846,7 @@
           <a:p>
             <a:fld id="{7BBE1449-B994-46CA-8C66-9319FCA2F4E0}" type="datetimeFigureOut">
               <a:rPr lang="ko-KR" altLang="en-US" smtClean="0"/>
-              <a:t>2016-04-11</a:t>
+              <a:t>2016-04-12</a:t>
             </a:fld>
             <a:endParaRPr lang="ko-KR" altLang="en-US"/>
           </a:p>
@@ -1121,7 +1026,7 @@
           <a:p>
             <a:fld id="{7BBE1449-B994-46CA-8C66-9319FCA2F4E0}" type="datetimeFigureOut">
               <a:rPr lang="ko-KR" altLang="en-US" smtClean="0"/>
-              <a:t>2016-04-11</a:t>
+              <a:t>2016-04-12</a:t>
             </a:fld>
             <a:endParaRPr lang="ko-KR" altLang="en-US"/>
           </a:p>
@@ -1291,7 +1196,7 @@
           <a:p>
             <a:fld id="{7BBE1449-B994-46CA-8C66-9319FCA2F4E0}" type="datetimeFigureOut">
               <a:rPr lang="ko-KR" altLang="en-US" smtClean="0"/>
-              <a:t>2016-04-11</a:t>
+              <a:t>2016-04-12</a:t>
             </a:fld>
             <a:endParaRPr lang="ko-KR" altLang="en-US"/>
           </a:p>
@@ -1537,7 +1442,7 @@
           <a:p>
             <a:fld id="{7BBE1449-B994-46CA-8C66-9319FCA2F4E0}" type="datetimeFigureOut">
               <a:rPr lang="ko-KR" altLang="en-US" smtClean="0"/>
-              <a:t>2016-04-11</a:t>
+              <a:t>2016-04-12</a:t>
             </a:fld>
             <a:endParaRPr lang="ko-KR" altLang="en-US"/>
           </a:p>
@@ -1825,7 +1730,7 @@
           <a:p>
             <a:fld id="{7BBE1449-B994-46CA-8C66-9319FCA2F4E0}" type="datetimeFigureOut">
               <a:rPr lang="ko-KR" altLang="en-US" smtClean="0"/>
-              <a:t>2016-04-11</a:t>
+              <a:t>2016-04-12</a:t>
             </a:fld>
             <a:endParaRPr lang="ko-KR" altLang="en-US"/>
           </a:p>
@@ -2247,7 +2152,7 @@
           <a:p>
             <a:fld id="{7BBE1449-B994-46CA-8C66-9319FCA2F4E0}" type="datetimeFigureOut">
               <a:rPr lang="ko-KR" altLang="en-US" smtClean="0"/>
-              <a:t>2016-04-11</a:t>
+              <a:t>2016-04-12</a:t>
             </a:fld>
             <a:endParaRPr lang="ko-KR" altLang="en-US"/>
           </a:p>
@@ -2365,7 +2270,7 @@
           <a:p>
             <a:fld id="{7BBE1449-B994-46CA-8C66-9319FCA2F4E0}" type="datetimeFigureOut">
               <a:rPr lang="ko-KR" altLang="en-US" smtClean="0"/>
-              <a:t>2016-04-11</a:t>
+              <a:t>2016-04-12</a:t>
             </a:fld>
             <a:endParaRPr lang="ko-KR" altLang="en-US"/>
           </a:p>
@@ -2460,7 +2365,7 @@
           <a:p>
             <a:fld id="{7BBE1449-B994-46CA-8C66-9319FCA2F4E0}" type="datetimeFigureOut">
               <a:rPr lang="ko-KR" altLang="en-US" smtClean="0"/>
-              <a:t>2016-04-11</a:t>
+              <a:t>2016-04-12</a:t>
             </a:fld>
             <a:endParaRPr lang="ko-KR" altLang="en-US"/>
           </a:p>
@@ -2737,7 +2642,7 @@
           <a:p>
             <a:fld id="{7BBE1449-B994-46CA-8C66-9319FCA2F4E0}" type="datetimeFigureOut">
               <a:rPr lang="ko-KR" altLang="en-US" smtClean="0"/>
-              <a:t>2016-04-11</a:t>
+              <a:t>2016-04-12</a:t>
             </a:fld>
             <a:endParaRPr lang="ko-KR" altLang="en-US"/>
           </a:p>
@@ -2990,7 +2895,7 @@
           <a:p>
             <a:fld id="{7BBE1449-B994-46CA-8C66-9319FCA2F4E0}" type="datetimeFigureOut">
               <a:rPr lang="ko-KR" altLang="en-US" smtClean="0"/>
-              <a:t>2016-04-11</a:t>
+              <a:t>2016-04-12</a:t>
             </a:fld>
             <a:endParaRPr lang="ko-KR" altLang="en-US"/>
           </a:p>
@@ -3203,7 +3108,7 @@
           <a:p>
             <a:fld id="{7BBE1449-B994-46CA-8C66-9319FCA2F4E0}" type="datetimeFigureOut">
               <a:rPr lang="ko-KR" altLang="en-US" smtClean="0"/>
-              <a:t>2016-04-11</a:t>
+              <a:t>2016-04-12</a:t>
             </a:fld>
             <a:endParaRPr lang="ko-KR" altLang="en-US"/>
           </a:p>
@@ -3731,6 +3636,106 @@
           <a:chExt cx="0" cy="0"/>
         </a:xfrm>
       </p:grpSpPr>
+      <p:grpSp>
+        <p:nvGrpSpPr>
+          <p:cNvPr id="4" name="그룹 3"/>
+          <p:cNvGrpSpPr/>
+          <p:nvPr/>
+        </p:nvGrpSpPr>
+        <p:grpSpPr>
+          <a:xfrm>
+            <a:off x="232914" y="260647"/>
+            <a:ext cx="7645042" cy="1008113"/>
+            <a:chOff x="179512" y="188639"/>
+            <a:chExt cx="7799691" cy="1071121"/>
+          </a:xfrm>
+        </p:grpSpPr>
+        <p:sp>
+          <p:nvSpPr>
+            <p:cNvPr id="10" name="TextBox 9"/>
+            <p:cNvSpPr txBox="1"/>
+            <p:nvPr/>
+          </p:nvSpPr>
+          <p:spPr>
+            <a:xfrm>
+              <a:off x="179512" y="188639"/>
+              <a:ext cx="7799691" cy="686727"/>
+            </a:xfrm>
+            <a:prstGeom prst="rect">
+              <a:avLst/>
+            </a:prstGeom>
+            <a:noFill/>
+          </p:spPr>
+          <p:txBody>
+            <a:bodyPr wrap="none" rtlCol="0">
+              <a:spAutoFit/>
+            </a:bodyPr>
+            <a:lstStyle/>
+            <a:p>
+              <a:r>
+                <a:rPr lang="en-US" altLang="ko-KR" sz="3600" b="1" dirty="0" smtClean="0"/>
+                <a:t>UI </a:t>
+              </a:r>
+              <a:r>
+                <a:rPr lang="ko-KR" altLang="en-US" sz="3600" b="1" dirty="0" err="1" smtClean="0"/>
+                <a:t>스레드</a:t>
+              </a:r>
+              <a:r>
+                <a:rPr lang="en-US" altLang="ko-KR" sz="3600" b="1" dirty="0" smtClean="0"/>
+                <a:t>(</a:t>
+              </a:r>
+              <a:r>
+                <a:rPr lang="ko-KR" altLang="en-US" sz="3600" b="1" dirty="0" smtClean="0"/>
+                <a:t>메인 </a:t>
+              </a:r>
+              <a:r>
+                <a:rPr lang="ko-KR" altLang="en-US" sz="3600" b="1" dirty="0" err="1" smtClean="0"/>
+                <a:t>스레드</a:t>
+              </a:r>
+              <a:r>
+                <a:rPr lang="en-US" altLang="ko-KR" sz="3600" b="1" dirty="0" smtClean="0"/>
+                <a:t>) </a:t>
+              </a:r>
+              <a:r>
+                <a:rPr lang="ko-KR" altLang="en-US" sz="3600" b="1" dirty="0" smtClean="0"/>
+                <a:t>이벤트 처리</a:t>
+              </a:r>
+              <a:endParaRPr lang="ko-KR" altLang="en-US" sz="3600" b="1" dirty="0"/>
+            </a:p>
+          </p:txBody>
+        </p:sp>
+        <p:cxnSp>
+          <p:nvCxnSpPr>
+            <p:cNvPr id="13" name="직선 연결선 12"/>
+            <p:cNvCxnSpPr/>
+            <p:nvPr/>
+          </p:nvCxnSpPr>
+          <p:spPr>
+            <a:xfrm>
+              <a:off x="287295" y="1259760"/>
+              <a:ext cx="7404591" cy="0"/>
+            </a:xfrm>
+            <a:prstGeom prst="line">
+              <a:avLst/>
+            </a:prstGeom>
+            <a:ln/>
+          </p:spPr>
+          <p:style>
+            <a:lnRef idx="2">
+              <a:schemeClr val="accent1"/>
+            </a:lnRef>
+            <a:fillRef idx="0">
+              <a:schemeClr val="accent1"/>
+            </a:fillRef>
+            <a:effectRef idx="1">
+              <a:schemeClr val="accent1"/>
+            </a:effectRef>
+            <a:fontRef idx="minor">
+              <a:schemeClr val="tx1"/>
+            </a:fontRef>
+          </p:style>
+        </p:cxnSp>
+      </p:grpSp>
       <p:sp>
         <p:nvSpPr>
           <p:cNvPr id="8" name="TextBox 7"/>
@@ -3739,8 +3744,8 @@
         </p:nvSpPr>
         <p:spPr>
           <a:xfrm>
-            <a:off x="107504" y="415692"/>
-            <a:ext cx="8916022" cy="5940088"/>
+            <a:off x="107504" y="1862822"/>
+            <a:ext cx="8916022" cy="2862322"/>
           </a:xfrm>
           <a:prstGeom prst="rect">
             <a:avLst/>
@@ -3755,7 +3760,7 @@
           <a:p>
             <a:r>
               <a:rPr lang="ko-KR" altLang="en-US" sz="2000" b="1" dirty="0" smtClean="0"/>
-              <a:t>작업 </a:t>
+              <a:t>메인 </a:t>
             </a:r>
             <a:r>
               <a:rPr lang="ko-KR" altLang="en-US" sz="2000" b="1" dirty="0" err="1" smtClean="0"/>
@@ -3763,11 +3768,12 @@
             </a:r>
             <a:r>
               <a:rPr lang="en-US" altLang="ko-KR" sz="2000" b="1" dirty="0" smtClean="0"/>
-              <a:t>(Worker Thread) </a:t>
-            </a:r>
-          </a:p>
-          <a:p>
+              <a:t>(Main Thread, UI Thread)</a:t>
+            </a:r>
             <a:endParaRPr lang="en-US" altLang="ko-KR" sz="2000" dirty="0"/>
+          </a:p>
+          <a:p>
+            <a:endParaRPr lang="en-US" altLang="ko-KR" sz="2000" dirty="0" smtClean="0"/>
           </a:p>
           <a:p>
             <a:pPr marL="342900" indent="-342900">
@@ -3775,142 +3781,17 @@
               <a:buChar char="•"/>
             </a:pPr>
             <a:r>
-              <a:rPr lang="ko-KR" altLang="en-US" sz="2000" dirty="0" smtClean="0"/>
-              <a:t>위에서 언급했던 단일 </a:t>
-            </a:r>
-            <a:r>
               <a:rPr lang="ko-KR" altLang="en-US" sz="2000" dirty="0" err="1" smtClean="0"/>
-              <a:t>스레드</a:t>
-            </a:r>
-            <a:r>
-              <a:rPr lang="ko-KR" altLang="en-US" sz="2000" dirty="0" smtClean="0"/>
-              <a:t> 모델의 단점 때문에</a:t>
-            </a:r>
-            <a:r>
-              <a:rPr lang="en-US" altLang="ko-KR" sz="2000" dirty="0"/>
-              <a:t> </a:t>
-            </a:r>
-            <a:r>
-              <a:rPr lang="ko-KR" altLang="en-US" sz="2000" dirty="0" smtClean="0"/>
-              <a:t>만약에 부가적으로 처리해야 할 작업이 있는 경우에는</a:t>
-            </a:r>
-            <a:r>
-              <a:rPr lang="en-US" altLang="ko-KR" sz="2000" dirty="0"/>
-              <a:t> </a:t>
-            </a:r>
-            <a:r>
-              <a:rPr lang="ko-KR" altLang="en-US" sz="2000" dirty="0" smtClean="0"/>
-              <a:t>그와 관련된 작업을 별도의 </a:t>
-            </a:r>
-            <a:r>
-              <a:rPr lang="ko-KR" altLang="en-US" sz="2000" dirty="0" err="1" smtClean="0"/>
-              <a:t>스레드</a:t>
-            </a:r>
-            <a:r>
-              <a:rPr lang="en-US" altLang="ko-KR" sz="2000" dirty="0" smtClean="0"/>
-              <a:t>(Worker Thread)</a:t>
-            </a:r>
-            <a:r>
-              <a:rPr lang="ko-KR" altLang="en-US" sz="2000" dirty="0" smtClean="0"/>
-              <a:t>에서 처리하도록 해야 한다</a:t>
-            </a:r>
-            <a:r>
-              <a:rPr lang="en-US" altLang="ko-KR" sz="2000" dirty="0" smtClean="0"/>
-              <a:t>.</a:t>
-            </a:r>
-          </a:p>
-          <a:p>
-            <a:endParaRPr lang="en-US" altLang="ko-KR" sz="2000" dirty="0" smtClean="0"/>
-          </a:p>
-          <a:p>
-            <a:r>
-              <a:rPr lang="ko-KR" altLang="en-US" sz="2000" dirty="0" smtClean="0"/>
-              <a:t>단</a:t>
-            </a:r>
-            <a:r>
-              <a:rPr lang="en-US" altLang="ko-KR" sz="2000" dirty="0" smtClean="0"/>
-              <a:t>, </a:t>
-            </a:r>
-            <a:r>
-              <a:rPr lang="ko-KR" altLang="en-US" sz="2000" dirty="0" smtClean="0"/>
-              <a:t>메인 </a:t>
-            </a:r>
-            <a:r>
-              <a:rPr lang="ko-KR" altLang="en-US" sz="2000" dirty="0" err="1" smtClean="0"/>
-              <a:t>스레드가</a:t>
-            </a:r>
-            <a:r>
-              <a:rPr lang="ko-KR" altLang="en-US" sz="2000" dirty="0" smtClean="0"/>
-              <a:t> 아닌 외부 </a:t>
-            </a:r>
-            <a:r>
-              <a:rPr lang="ko-KR" altLang="en-US" sz="2000" dirty="0" err="1" smtClean="0"/>
-              <a:t>스레드에서</a:t>
-            </a:r>
-            <a:r>
-              <a:rPr lang="ko-KR" altLang="en-US" sz="2000" dirty="0" smtClean="0"/>
-              <a:t> 작업 후 결과를 </a:t>
-            </a:r>
-            <a:r>
-              <a:rPr lang="en-US" altLang="ko-KR" sz="2000" dirty="0" smtClean="0"/>
-              <a:t>UI</a:t>
-            </a:r>
-            <a:r>
-              <a:rPr lang="ko-KR" altLang="en-US" sz="2000" dirty="0" smtClean="0"/>
-              <a:t>에 반영</a:t>
-            </a:r>
-            <a:r>
-              <a:rPr lang="en-US" altLang="ko-KR" sz="2000" dirty="0" smtClean="0"/>
-              <a:t>(</a:t>
-            </a:r>
-            <a:r>
-              <a:rPr lang="ko-KR" altLang="en-US" sz="2000" dirty="0" smtClean="0"/>
-              <a:t>즉 </a:t>
-            </a:r>
-            <a:r>
-              <a:rPr lang="en-US" altLang="ko-KR" sz="2000" dirty="0" smtClean="0"/>
-              <a:t>UI </a:t>
-            </a:r>
-            <a:r>
-              <a:rPr lang="ko-KR" altLang="en-US" sz="2000" dirty="0" err="1" smtClean="0"/>
-              <a:t>스레드와</a:t>
-            </a:r>
-            <a:r>
-              <a:rPr lang="ko-KR" altLang="en-US" sz="2000" dirty="0" smtClean="0"/>
-              <a:t> 통신</a:t>
-            </a:r>
-            <a:r>
-              <a:rPr lang="en-US" altLang="ko-KR" sz="2000" dirty="0" smtClean="0"/>
-              <a:t>)</a:t>
-            </a:r>
-            <a:r>
-              <a:rPr lang="ko-KR" altLang="en-US" sz="2000" dirty="0" smtClean="0"/>
-              <a:t>해야 한다면 </a:t>
-            </a:r>
-            <a:r>
-              <a:rPr lang="en-US" altLang="ko-KR" sz="2000" dirty="0" smtClean="0"/>
-              <a:t>Handler </a:t>
-            </a:r>
-            <a:r>
-              <a:rPr lang="ko-KR" altLang="en-US" sz="2000" dirty="0" smtClean="0"/>
-              <a:t>등을 이용해야 한다</a:t>
-            </a:r>
-            <a:r>
-              <a:rPr lang="en-US" altLang="ko-KR" sz="2000" dirty="0" smtClean="0"/>
-              <a:t>.</a:t>
-            </a:r>
-          </a:p>
-          <a:p>
-            <a:endParaRPr lang="en-US" altLang="ko-KR" sz="2000" dirty="0" smtClean="0"/>
-          </a:p>
-          <a:p>
-            <a:r>
-              <a:rPr lang="en-US" altLang="ko-KR" sz="2000" b="1" dirty="0" smtClean="0"/>
-              <a:t>Handler</a:t>
-            </a:r>
-          </a:p>
-          <a:p>
-            <a:endParaRPr lang="en-US" altLang="ko-KR" sz="2000" dirty="0"/>
+              <a:t>안드로이드</a:t>
+            </a:r>
+            <a:r>
+              <a:rPr lang="ko-KR" altLang="en-US" sz="2000" dirty="0" smtClean="0"/>
+              <a:t> 애플리케이션의 </a:t>
+            </a:r>
+            <a:r>
+              <a:rPr lang="en-US" altLang="ko-KR" sz="2000" dirty="0" smtClean="0"/>
+              <a:t>Main Thread.</a:t>
+            </a:r>
           </a:p>
           <a:p>
             <a:pPr marL="342900" indent="-342900">
@@ -3918,44 +3799,16 @@
               <a:buChar char="•"/>
             </a:pPr>
             <a:r>
-              <a:rPr lang="ko-KR" altLang="en-US" sz="2000" dirty="0" err="1" smtClean="0"/>
-              <a:t>스레드의</a:t>
-            </a:r>
-            <a:r>
-              <a:rPr lang="ko-KR" altLang="en-US" sz="2000" dirty="0" smtClean="0"/>
-              <a:t> </a:t>
-            </a:r>
-            <a:r>
-              <a:rPr lang="en-US" altLang="ko-KR" sz="2000" dirty="0" smtClean="0"/>
-              <a:t>Message Queue</a:t>
-            </a:r>
-            <a:r>
-              <a:rPr lang="ko-KR" altLang="en-US" sz="2000" dirty="0" smtClean="0"/>
-              <a:t>와 연계하여 </a:t>
-            </a:r>
-            <a:r>
-              <a:rPr lang="en-US" altLang="ko-KR" sz="2000" dirty="0" smtClean="0"/>
-              <a:t>Message</a:t>
-            </a:r>
-            <a:r>
-              <a:rPr lang="ko-KR" altLang="en-US" sz="2000" dirty="0" smtClean="0"/>
-              <a:t>나 </a:t>
-            </a:r>
-            <a:r>
-              <a:rPr lang="en-US" altLang="ko-KR" sz="2000" dirty="0" smtClean="0"/>
-              <a:t>Runnable </a:t>
-            </a:r>
-            <a:r>
-              <a:rPr lang="ko-KR" altLang="en-US" sz="2000" dirty="0" smtClean="0"/>
-              <a:t>객체를 받거나 처리하여 </a:t>
-            </a:r>
-            <a:r>
-              <a:rPr lang="ko-KR" altLang="en-US" sz="2000" dirty="0" err="1" smtClean="0"/>
-              <a:t>스레드</a:t>
-            </a:r>
-            <a:r>
-              <a:rPr lang="ko-KR" altLang="en-US" sz="2000" dirty="0" smtClean="0"/>
-              <a:t> 간의 통신을  할 수 있도록 함</a:t>
+              <a:rPr lang="ko-KR" altLang="en-US" sz="2000" dirty="0" smtClean="0"/>
+              <a:t>애플리케이션이 실행되었을 때</a:t>
+            </a:r>
+            <a:r>
+              <a:rPr lang="en-US" altLang="ko-KR" sz="2000" dirty="0" smtClean="0"/>
+              <a:t>, </a:t>
+            </a:r>
+            <a:r>
+              <a:rPr lang="ko-KR" altLang="en-US" sz="2000" dirty="0" smtClean="0"/>
+              <a:t>시스템에 의해 생성</a:t>
             </a:r>
             <a:r>
               <a:rPr lang="en-US" altLang="ko-KR" sz="2000" dirty="0" smtClean="0"/>
@@ -3969,37 +3822,9 @@
             </a:pPr>
             <a:r>
               <a:rPr lang="ko-KR" altLang="en-US" sz="2000" dirty="0" smtClean="0"/>
-              <a:t>다음 </a:t>
-            </a:r>
-            <a:r>
-              <a:rPr lang="ko-KR" altLang="en-US" sz="2000" dirty="0" err="1" smtClean="0"/>
-              <a:t>메소드를</a:t>
-            </a:r>
-            <a:r>
-              <a:rPr lang="ko-KR" altLang="en-US" sz="2000" dirty="0" smtClean="0"/>
-              <a:t> 통해서도 </a:t>
-            </a:r>
-            <a:r>
-              <a:rPr lang="en-US" altLang="ko-KR" sz="2000" dirty="0" smtClean="0"/>
-              <a:t>UI</a:t>
-            </a:r>
-            <a:r>
-              <a:rPr lang="ko-KR" altLang="en-US" sz="2000" dirty="0"/>
-              <a:t> </a:t>
-            </a:r>
-            <a:r>
-              <a:rPr lang="ko-KR" altLang="en-US" sz="2000" dirty="0" err="1" smtClean="0"/>
-              <a:t>스레드와</a:t>
-            </a:r>
-            <a:r>
-              <a:rPr lang="ko-KR" altLang="en-US" sz="2000" dirty="0" smtClean="0"/>
-              <a:t> 통신 할 수 있다</a:t>
-            </a:r>
-            <a:r>
-              <a:rPr lang="en-US" altLang="ko-KR" sz="2000" dirty="0" smtClean="0"/>
-              <a:t>.</a:t>
-            </a:r>
-            <a:endParaRPr lang="en-US" altLang="ko-KR" sz="2000" dirty="0"/>
+              <a:t>역할</a:t>
+            </a:r>
+            <a:endParaRPr lang="en-US" altLang="ko-KR" sz="2000" dirty="0" smtClean="0"/>
           </a:p>
           <a:p>
             <a:pPr marL="800100" lvl="1" indent="-342900">
@@ -4007,12 +3832,40 @@
               <a:buChar char="•"/>
             </a:pPr>
             <a:r>
-              <a:rPr lang="en-US" altLang="ko-KR" sz="2000" dirty="0" err="1" smtClean="0"/>
-              <a:t>Activity.runOnUiThread</a:t>
-            </a:r>
-            <a:r>
-              <a:rPr lang="en-US" altLang="ko-KR" sz="2000" dirty="0" smtClean="0"/>
-              <a:t>(Runnable)</a:t>
+              <a:rPr lang="en-US" altLang="ko-KR" sz="2000" dirty="0" smtClean="0"/>
+              <a:t>UI </a:t>
+            </a:r>
+            <a:r>
+              <a:rPr lang="ko-KR" altLang="en-US" sz="2000" dirty="0" smtClean="0"/>
+              <a:t>이벤트</a:t>
+            </a:r>
+            <a:r>
+              <a:rPr lang="en-US" altLang="ko-KR" sz="2000" dirty="0" smtClean="0"/>
+              <a:t>(</a:t>
+            </a:r>
+            <a:r>
+              <a:rPr lang="ko-KR" altLang="en-US" sz="2000" dirty="0" smtClean="0"/>
+              <a:t>사용자 입력 </a:t>
+            </a:r>
+            <a:r>
+              <a:rPr lang="en-US" altLang="ko-KR" sz="2000" dirty="0" smtClean="0"/>
+              <a:t>/ </a:t>
+            </a:r>
+            <a:r>
+              <a:rPr lang="ko-KR" altLang="en-US" sz="2000" dirty="0" smtClean="0"/>
+              <a:t>화면 </a:t>
+            </a:r>
+            <a:r>
+              <a:rPr lang="en-US" altLang="ko-KR" sz="2000" dirty="0" smtClean="0"/>
+              <a:t>Drawing) </a:t>
+            </a:r>
+            <a:r>
+              <a:rPr lang="ko-KR" altLang="en-US" sz="2000" dirty="0" smtClean="0"/>
+              <a:t>처리</a:t>
+            </a:r>
+            <a:r>
+              <a:rPr lang="en-US" altLang="ko-KR" sz="2000" dirty="0" smtClean="0"/>
+              <a:t>.</a:t>
             </a:r>
           </a:p>
           <a:p>
@@ -4021,12 +3874,48 @@
               <a:buChar char="•"/>
             </a:pPr>
             <a:r>
-              <a:rPr lang="en-US" altLang="ko-KR" sz="2000" dirty="0" err="1" smtClean="0"/>
-              <a:t>View.post</a:t>
-            </a:r>
-            <a:r>
-              <a:rPr lang="en-US" altLang="ko-KR" sz="2000" dirty="0" smtClean="0"/>
-              <a:t>(Runnable)</a:t>
+              <a:rPr lang="ko-KR" altLang="en-US" sz="2000" dirty="0" err="1" smtClean="0"/>
+              <a:t>안드로이드</a:t>
+            </a:r>
+            <a:r>
+              <a:rPr lang="ko-KR" altLang="en-US" sz="2000" dirty="0" smtClean="0"/>
+              <a:t> 컴포넌트</a:t>
+            </a:r>
+            <a:r>
+              <a:rPr lang="en-US" altLang="ko-KR" sz="2000" dirty="0" smtClean="0"/>
+              <a:t>(Activity, Service </a:t>
+            </a:r>
+            <a:r>
+              <a:rPr lang="ko-KR" altLang="en-US" sz="2000" dirty="0" smtClean="0"/>
+              <a:t>등</a:t>
+            </a:r>
+            <a:r>
+              <a:rPr lang="en-US" altLang="ko-KR" sz="2000" dirty="0" smtClean="0"/>
+              <a:t>)</a:t>
+            </a:r>
+            <a:r>
+              <a:rPr lang="ko-KR" altLang="en-US" sz="2000" dirty="0" smtClean="0"/>
+              <a:t>의 </a:t>
+            </a:r>
+            <a:r>
+              <a:rPr lang="ko-KR" altLang="en-US" sz="2000" dirty="0" err="1" smtClean="0"/>
+              <a:t>인스턴스</a:t>
+            </a:r>
+            <a:r>
+              <a:rPr lang="ko-KR" altLang="en-US" sz="2000" dirty="0" smtClean="0"/>
+              <a:t> 생성 및 생명 주기 </a:t>
+            </a:r>
+            <a:r>
+              <a:rPr lang="ko-KR" altLang="en-US" sz="2000" dirty="0" err="1" smtClean="0"/>
+              <a:t>콜백</a:t>
+            </a:r>
+            <a:r>
+              <a:rPr lang="ko-KR" altLang="en-US" sz="2000" dirty="0" smtClean="0"/>
+              <a:t> 호출</a:t>
+            </a:r>
+            <a:r>
+              <a:rPr lang="en-US" altLang="ko-KR" sz="2000" dirty="0" smtClean="0"/>
+              <a:t>.</a:t>
             </a:r>
           </a:p>
           <a:p>
@@ -4035,19 +3924,803 @@
               <a:buChar char="•"/>
             </a:pPr>
             <a:r>
+              <a:rPr lang="ko-KR" altLang="en-US" sz="2000" dirty="0" smtClean="0"/>
+              <a:t>메인 </a:t>
+            </a:r>
+            <a:r>
+              <a:rPr lang="ko-KR" altLang="en-US" sz="2000" dirty="0" err="1" smtClean="0"/>
+              <a:t>스레드에서만</a:t>
+            </a:r>
+            <a:r>
+              <a:rPr lang="ko-KR" altLang="en-US" sz="2000" dirty="0" smtClean="0"/>
+              <a:t> </a:t>
+            </a:r>
+            <a:r>
+              <a:rPr lang="en-US" altLang="ko-KR" sz="2000" dirty="0" smtClean="0"/>
+              <a:t>UI </a:t>
+            </a:r>
+            <a:r>
+              <a:rPr lang="ko-KR" altLang="en-US" sz="2000" dirty="0" smtClean="0"/>
+              <a:t>작업이 가능하며 </a:t>
+            </a:r>
+            <a:r>
+              <a:rPr lang="en-US" altLang="ko-KR" sz="2000" dirty="0" smtClean="0"/>
+              <a:t>UI</a:t>
+            </a:r>
+            <a:r>
+              <a:rPr lang="ko-KR" altLang="en-US" sz="2000" dirty="0" err="1" smtClean="0"/>
+              <a:t>스레드</a:t>
+            </a:r>
+            <a:r>
+              <a:rPr lang="ko-KR" altLang="en-US" sz="2000" dirty="0" smtClean="0"/>
+              <a:t> 라고도 불림</a:t>
+            </a:r>
+            <a:r>
+              <a:rPr lang="en-US" altLang="ko-KR" sz="2000" dirty="0" smtClean="0"/>
+              <a:t>.</a:t>
+            </a:r>
+          </a:p>
+        </p:txBody>
+      </p:sp>
+    </p:spTree>
+    <p:extLst>
+      <p:ext uri="{BB962C8B-B14F-4D97-AF65-F5344CB8AC3E}">
+        <p14:creationId xmlns:p14="http://schemas.microsoft.com/office/powerpoint/2010/main" val="3224168662"/>
+      </p:ext>
+    </p:extLst>
+  </p:cSld>
+  <p:clrMapOvr>
+    <a:masterClrMapping/>
+  </p:clrMapOvr>
+  <p:timing>
+    <p:tnLst>
+      <p:par>
+        <p:cTn id="1" dur="indefinite" restart="never" nodeType="tmRoot"/>
+      </p:par>
+    </p:tnLst>
+  </p:timing>
+</p:sld>
+</file>
+
+<file path=ppt/slides/slide11.xml><?xml version="1.0" encoding="utf-8"?>
+<p:sld xmlns:a="http://schemas.openxmlformats.org/drawingml/2006/main" xmlns:r="http://schemas.openxmlformats.org/officeDocument/2006/relationships" xmlns:p="http://schemas.openxmlformats.org/presentationml/2006/main">
+  <p:cSld>
+    <p:spTree>
+      <p:nvGrpSpPr>
+        <p:cNvPr id="1" name=""/>
+        <p:cNvGrpSpPr/>
+        <p:nvPr/>
+      </p:nvGrpSpPr>
+      <p:grpSpPr>
+        <a:xfrm>
+          <a:off x="0" y="0"/>
+          <a:ext cx="0" cy="0"/>
+          <a:chOff x="0" y="0"/>
+          <a:chExt cx="0" cy="0"/>
+        </a:xfrm>
+      </p:grpSpPr>
+      <p:sp>
+        <p:nvSpPr>
+          <p:cNvPr id="8" name="TextBox 7"/>
+          <p:cNvSpPr txBox="1"/>
+          <p:nvPr/>
+        </p:nvSpPr>
+        <p:spPr>
+          <a:xfrm>
+            <a:off x="107504" y="212442"/>
+            <a:ext cx="8916022" cy="707886"/>
+          </a:xfrm>
+          <a:prstGeom prst="rect">
+            <a:avLst/>
+          </a:prstGeom>
+          <a:noFill/>
+        </p:spPr>
+        <p:txBody>
+          <a:bodyPr wrap="square" rtlCol="0">
+            <a:spAutoFit/>
+          </a:bodyPr>
+          <a:lstStyle/>
+          <a:p>
+            <a:r>
+              <a:rPr lang="ko-KR" altLang="en-US" sz="2000" b="1" dirty="0" smtClean="0"/>
+              <a:t>왜 </a:t>
+            </a:r>
+            <a:r>
+              <a:rPr lang="ko-KR" altLang="en-US" sz="2000" b="1" dirty="0" err="1" smtClean="0"/>
+              <a:t>안드로이드는</a:t>
+            </a:r>
+            <a:r>
+              <a:rPr lang="ko-KR" altLang="en-US" sz="2000" b="1" dirty="0" smtClean="0"/>
+              <a:t> 메인 </a:t>
+            </a:r>
+            <a:r>
+              <a:rPr lang="ko-KR" altLang="en-US" sz="2000" b="1" dirty="0" err="1" smtClean="0"/>
+              <a:t>스레드에서만</a:t>
+            </a:r>
+            <a:r>
+              <a:rPr lang="ko-KR" altLang="en-US" sz="2000" b="1" dirty="0" smtClean="0"/>
+              <a:t> </a:t>
+            </a:r>
+            <a:r>
+              <a:rPr lang="en-US" altLang="ko-KR" sz="2000" b="1" dirty="0" smtClean="0"/>
+              <a:t>UI </a:t>
+            </a:r>
+            <a:r>
+              <a:rPr lang="ko-KR" altLang="en-US" sz="2000" b="1" dirty="0" smtClean="0"/>
+              <a:t>작업이 가능하도록 제한할까</a:t>
+            </a:r>
+            <a:r>
+              <a:rPr lang="en-US" altLang="ko-KR" sz="2000" b="1" dirty="0" smtClean="0"/>
+              <a:t>?</a:t>
+            </a:r>
+          </a:p>
+          <a:p>
+            <a:endParaRPr lang="en-US" altLang="ko-KR" sz="2000" dirty="0" smtClean="0"/>
+          </a:p>
+        </p:txBody>
+      </p:sp>
+      <p:pic>
+        <p:nvPicPr>
+          <p:cNvPr id="4098" name="Picture 2" descr="C:\Users\mutecsoft\Pictures\android-thread-textview.png"/>
+          <p:cNvPicPr>
+            <a:picLocks noChangeAspect="1" noChangeArrowheads="1"/>
+          </p:cNvPicPr>
+          <p:nvPr/>
+        </p:nvPicPr>
+        <p:blipFill>
+          <a:blip r:embed="rId2">
+            <a:extLst>
+              <a:ext uri="{28A0092B-C50C-407E-A947-70E740481C1C}">
+                <a14:useLocalDpi xmlns:a14="http://schemas.microsoft.com/office/drawing/2010/main" val="0"/>
+              </a:ext>
+            </a:extLst>
+          </a:blip>
+          <a:srcRect/>
+          <a:stretch>
+            <a:fillRect/>
+          </a:stretch>
+        </p:blipFill>
+        <p:spPr bwMode="auto">
+          <a:xfrm>
+            <a:off x="1547664" y="848320"/>
+            <a:ext cx="5875638" cy="3027752"/>
+          </a:xfrm>
+          <a:prstGeom prst="rect">
+            <a:avLst/>
+          </a:prstGeom>
+          <a:noFill/>
+          <a:extLst>
+            <a:ext uri="{909E8E84-426E-40DD-AFC4-6F175D3DCCD1}">
+              <a14:hiddenFill xmlns:a14="http://schemas.microsoft.com/office/drawing/2010/main">
+                <a:solidFill>
+                  <a:srgbClr val="FFFFFF"/>
+                </a:solidFill>
+              </a14:hiddenFill>
+            </a:ext>
+          </a:extLst>
+        </p:spPr>
+      </p:pic>
+      <p:sp>
+        <p:nvSpPr>
+          <p:cNvPr id="7" name="TextBox 6"/>
+          <p:cNvSpPr txBox="1"/>
+          <p:nvPr/>
+        </p:nvSpPr>
+        <p:spPr>
+          <a:xfrm>
+            <a:off x="120474" y="4005064"/>
+            <a:ext cx="8916022" cy="2554545"/>
+          </a:xfrm>
+          <a:prstGeom prst="rect">
+            <a:avLst/>
+          </a:prstGeom>
+          <a:noFill/>
+        </p:spPr>
+        <p:txBody>
+          <a:bodyPr wrap="square" rtlCol="0">
+            <a:spAutoFit/>
+          </a:bodyPr>
+          <a:lstStyle/>
+          <a:p>
+            <a:r>
+              <a:rPr lang="ko-KR" altLang="en-US" sz="2000" dirty="0" smtClean="0"/>
+              <a:t>위 와 같이 메인 </a:t>
+            </a:r>
+            <a:r>
+              <a:rPr lang="ko-KR" altLang="en-US" sz="2000" dirty="0" err="1" smtClean="0"/>
+              <a:t>스레드가</a:t>
+            </a:r>
+            <a:r>
+              <a:rPr lang="ko-KR" altLang="en-US" sz="2000" dirty="0" smtClean="0"/>
+              <a:t> 아닌 </a:t>
+            </a:r>
+            <a:r>
+              <a:rPr lang="ko-KR" altLang="en-US" sz="2000" dirty="0" err="1" smtClean="0"/>
+              <a:t>스레드가</a:t>
+            </a:r>
+            <a:r>
+              <a:rPr lang="ko-KR" altLang="en-US" sz="2000" dirty="0" smtClean="0"/>
+              <a:t> 병렬적으로 실행되고 있을 때</a:t>
+            </a:r>
+            <a:endParaRPr lang="en-US" altLang="ko-KR" sz="2000" dirty="0"/>
+          </a:p>
+          <a:p>
+            <a:endParaRPr lang="en-US" altLang="ko-KR" sz="2000" dirty="0" smtClean="0"/>
+          </a:p>
+          <a:p>
+            <a:pPr marL="342900" indent="-342900">
+              <a:buFont typeface="Arial" panose="020B0604020202020204" pitchFamily="34" charset="0"/>
+              <a:buChar char="•"/>
+            </a:pPr>
+            <a:r>
+              <a:rPr lang="ko-KR" altLang="en-US" sz="2000" dirty="0" smtClean="0"/>
+              <a:t>둘 중 어느 </a:t>
+            </a:r>
+            <a:r>
+              <a:rPr lang="ko-KR" altLang="en-US" sz="2000" dirty="0" err="1" smtClean="0"/>
+              <a:t>스레드의</a:t>
+            </a:r>
+            <a:r>
+              <a:rPr lang="ko-KR" altLang="en-US" sz="2000" dirty="0" smtClean="0"/>
+              <a:t> </a:t>
+            </a:r>
+            <a:r>
               <a:rPr lang="en-US" altLang="ko-KR" sz="2000" dirty="0" err="1" smtClean="0"/>
-              <a:t>View.postDelayed</a:t>
-            </a:r>
-            <a:r>
-              <a:rPr lang="en-US" altLang="ko-KR" sz="2000" dirty="0" smtClean="0"/>
-              <a:t>(Runnable, long)</a:t>
+              <a:t>setText</a:t>
+            </a:r>
+            <a:r>
+              <a:rPr lang="en-US" altLang="ko-KR" sz="2000" dirty="0" smtClean="0"/>
+              <a:t>()</a:t>
+            </a:r>
+            <a:r>
+              <a:rPr lang="ko-KR" altLang="en-US" sz="2000" dirty="0" smtClean="0"/>
+              <a:t>가 적용될지 예측 불가</a:t>
+            </a:r>
+            <a:r>
+              <a:rPr lang="en-US" altLang="ko-KR" sz="2000" dirty="0" smtClean="0"/>
+              <a:t>.</a:t>
+            </a:r>
+          </a:p>
+          <a:p>
+            <a:pPr marL="342900" indent="-342900">
+              <a:buFont typeface="Arial" panose="020B0604020202020204" pitchFamily="34" charset="0"/>
+              <a:buChar char="•"/>
+            </a:pPr>
+            <a:r>
+              <a:rPr lang="ko-KR" altLang="en-US" sz="2000" dirty="0" smtClean="0"/>
+              <a:t>사용자는 둘 중 하나의 값만을 볼 수 있어 다른 한 </a:t>
+            </a:r>
+            <a:r>
+              <a:rPr lang="ko-KR" altLang="en-US" sz="2000" dirty="0" err="1" smtClean="0"/>
+              <a:t>스레드의</a:t>
+            </a:r>
+            <a:r>
+              <a:rPr lang="ko-KR" altLang="en-US" sz="2000" dirty="0" smtClean="0"/>
+              <a:t> 결과는 버려짐</a:t>
+            </a:r>
+            <a:r>
+              <a:rPr lang="en-US" altLang="ko-KR" sz="2000" dirty="0" smtClean="0"/>
+              <a:t>.</a:t>
+            </a:r>
+          </a:p>
+          <a:p>
+            <a:pPr marL="342900" indent="-342900">
+              <a:buFont typeface="Arial" panose="020B0604020202020204" pitchFamily="34" charset="0"/>
+              <a:buChar char="•"/>
+            </a:pPr>
+            <a:endParaRPr lang="en-US" altLang="ko-KR" sz="2000" dirty="0"/>
+          </a:p>
+          <a:p>
+            <a:r>
+              <a:rPr lang="ko-KR" altLang="en-US" sz="2000" b="1" dirty="0" smtClean="0"/>
+              <a:t>그래서 </a:t>
+            </a:r>
+            <a:r>
+              <a:rPr lang="ko-KR" altLang="en-US" sz="2000" b="1" dirty="0" err="1" smtClean="0"/>
+              <a:t>안드로이드</a:t>
+            </a:r>
+            <a:r>
+              <a:rPr lang="ko-KR" altLang="en-US" sz="2000" b="1" dirty="0" smtClean="0"/>
+              <a:t> 에서는 화면을 구성하는 </a:t>
+            </a:r>
+            <a:r>
+              <a:rPr lang="ko-KR" altLang="en-US" sz="2000" b="1" dirty="0" err="1" smtClean="0"/>
+              <a:t>뷰나</a:t>
+            </a:r>
+            <a:r>
+              <a:rPr lang="ko-KR" altLang="en-US" sz="2000" b="1" dirty="0" smtClean="0"/>
+              <a:t> </a:t>
+            </a:r>
+            <a:r>
+              <a:rPr lang="ko-KR" altLang="en-US" sz="2000" b="1" dirty="0" err="1" smtClean="0"/>
+              <a:t>뷰그룹을</a:t>
+            </a:r>
+            <a:r>
+              <a:rPr lang="ko-KR" altLang="en-US" sz="2000" b="1" dirty="0" smtClean="0"/>
+              <a:t> 하나의 </a:t>
+            </a:r>
+            <a:r>
+              <a:rPr lang="ko-KR" altLang="en-US" sz="2000" b="1" dirty="0" err="1" smtClean="0"/>
+              <a:t>스레드에서만</a:t>
+            </a:r>
+            <a:r>
+              <a:rPr lang="ko-KR" altLang="en-US" sz="2000" b="1" dirty="0" smtClean="0"/>
+              <a:t> 담당하는 </a:t>
+            </a:r>
+            <a:r>
+              <a:rPr lang="ko-KR" altLang="en-US" sz="2000" b="1" dirty="0" err="1" smtClean="0">
+                <a:solidFill>
+                  <a:srgbClr val="FF0000"/>
+                </a:solidFill>
+              </a:rPr>
+              <a:t>싱글</a:t>
+            </a:r>
+            <a:r>
+              <a:rPr lang="ko-KR" altLang="en-US" sz="2000" b="1" dirty="0" smtClean="0">
+                <a:solidFill>
+                  <a:srgbClr val="FF0000"/>
+                </a:solidFill>
+              </a:rPr>
+              <a:t> </a:t>
+            </a:r>
+            <a:r>
+              <a:rPr lang="ko-KR" altLang="en-US" sz="2000" b="1" dirty="0" err="1" smtClean="0">
+                <a:solidFill>
+                  <a:srgbClr val="FF0000"/>
+                </a:solidFill>
+              </a:rPr>
+              <a:t>스레드</a:t>
+            </a:r>
+            <a:r>
+              <a:rPr lang="ko-KR" altLang="en-US" sz="2000" b="1" dirty="0" smtClean="0">
+                <a:solidFill>
+                  <a:srgbClr val="FF0000"/>
+                </a:solidFill>
+              </a:rPr>
+              <a:t> 모델</a:t>
+            </a:r>
+            <a:r>
+              <a:rPr lang="ko-KR" altLang="en-US" sz="2000" b="1" dirty="0" smtClean="0"/>
+              <a:t>을 사용</a:t>
+            </a:r>
+            <a:r>
+              <a:rPr lang="en-US" altLang="ko-KR" sz="2000" b="1" dirty="0" smtClean="0"/>
+              <a:t>.</a:t>
+            </a:r>
+          </a:p>
+        </p:txBody>
+      </p:sp>
+    </p:spTree>
+    <p:extLst>
+      <p:ext uri="{BB962C8B-B14F-4D97-AF65-F5344CB8AC3E}">
+        <p14:creationId xmlns:p14="http://schemas.microsoft.com/office/powerpoint/2010/main" val="2173544661"/>
+      </p:ext>
+    </p:extLst>
+  </p:cSld>
+  <p:clrMapOvr>
+    <a:masterClrMapping/>
+  </p:clrMapOvr>
+  <p:timing>
+    <p:tnLst>
+      <p:par>
+        <p:cTn id="1" dur="indefinite" restart="never" nodeType="tmRoot"/>
+      </p:par>
+    </p:tnLst>
+  </p:timing>
+</p:sld>
+</file>
+
+<file path=ppt/slides/slide12.xml><?xml version="1.0" encoding="utf-8"?>
+<p:sld xmlns:a="http://schemas.openxmlformats.org/drawingml/2006/main" xmlns:r="http://schemas.openxmlformats.org/officeDocument/2006/relationships" xmlns:p="http://schemas.openxmlformats.org/presentationml/2006/main">
+  <p:cSld>
+    <p:spTree>
+      <p:nvGrpSpPr>
+        <p:cNvPr id="1" name=""/>
+        <p:cNvGrpSpPr/>
+        <p:nvPr/>
+      </p:nvGrpSpPr>
+      <p:grpSpPr>
+        <a:xfrm>
+          <a:off x="0" y="0"/>
+          <a:ext cx="0" cy="0"/>
+          <a:chOff x="0" y="0"/>
+          <a:chExt cx="0" cy="0"/>
+        </a:xfrm>
+      </p:grpSpPr>
+      <p:sp>
+        <p:nvSpPr>
+          <p:cNvPr id="8" name="TextBox 7"/>
+          <p:cNvSpPr txBox="1"/>
+          <p:nvPr/>
+        </p:nvSpPr>
+        <p:spPr>
+          <a:xfrm>
+            <a:off x="107504" y="212442"/>
+            <a:ext cx="8916022" cy="2862322"/>
+          </a:xfrm>
+          <a:prstGeom prst="rect">
+            <a:avLst/>
+          </a:prstGeom>
+          <a:noFill/>
+        </p:spPr>
+        <p:txBody>
+          <a:bodyPr wrap="square" rtlCol="0">
+            <a:spAutoFit/>
+          </a:bodyPr>
+          <a:lstStyle/>
+          <a:p>
+            <a:r>
+              <a:rPr lang="ko-KR" altLang="en-US" sz="2000" b="1" dirty="0" smtClean="0"/>
+              <a:t>그러나</a:t>
+            </a:r>
+            <a:r>
+              <a:rPr lang="en-US" altLang="ko-KR" sz="2000" b="1" dirty="0"/>
+              <a:t>,</a:t>
+            </a:r>
+            <a:endParaRPr lang="en-US" altLang="ko-KR" sz="2000" b="1" dirty="0" smtClean="0"/>
+          </a:p>
+          <a:p>
+            <a:endParaRPr lang="en-US" altLang="ko-KR" sz="2000" dirty="0"/>
+          </a:p>
+          <a:p>
+            <a:r>
+              <a:rPr lang="ko-KR" altLang="en-US" sz="2000" dirty="0" smtClean="0"/>
+              <a:t>이처럼 메인 </a:t>
+            </a:r>
+            <a:r>
+              <a:rPr lang="ko-KR" altLang="en-US" sz="2000" dirty="0" err="1" smtClean="0"/>
+              <a:t>스레드에서</a:t>
+            </a:r>
+            <a:r>
+              <a:rPr lang="ko-KR" altLang="en-US" sz="2000" dirty="0" smtClean="0"/>
+              <a:t> 모든 작업을 처리하는 모델의 단점은 네트워크 접속 또는 데이터베이스 쿼리와 같이 오래 걸리는 작업을 하는 동안 </a:t>
+            </a:r>
+            <a:r>
+              <a:rPr lang="en-US" altLang="ko-KR" sz="2000" dirty="0" smtClean="0"/>
+              <a:t>UI </a:t>
+            </a:r>
+            <a:r>
+              <a:rPr lang="ko-KR" altLang="en-US" sz="2000" dirty="0" smtClean="0"/>
+              <a:t>관련된 작업은 처리되지 못한다</a:t>
+            </a:r>
+            <a:r>
+              <a:rPr lang="en-US" altLang="ko-KR" sz="2000" dirty="0" smtClean="0"/>
+              <a:t>.</a:t>
             </a:r>
           </a:p>
           <a:p>
             <a:endParaRPr lang="en-US" altLang="ko-KR" sz="2000" dirty="0" smtClean="0"/>
           </a:p>
           <a:p>
+            <a:r>
+              <a:rPr lang="ko-KR" altLang="en-US" sz="2000" dirty="0" smtClean="0"/>
+              <a:t>이것이 문제가 되는 이유는</a:t>
+            </a:r>
+            <a:r>
+              <a:rPr lang="en-US" altLang="ko-KR" sz="2000" dirty="0" smtClean="0"/>
+              <a:t>, </a:t>
+            </a:r>
+            <a:r>
+              <a:rPr lang="ko-KR" altLang="en-US" sz="2000" dirty="0" smtClean="0"/>
+              <a:t>오랜 시간 동안에 </a:t>
+            </a:r>
+            <a:r>
+              <a:rPr lang="en-US" altLang="ko-KR" sz="2000" dirty="0" smtClean="0"/>
+              <a:t>UI</a:t>
+            </a:r>
+            <a:r>
+              <a:rPr lang="ko-KR" altLang="en-US" sz="2000" dirty="0"/>
+              <a:t> </a:t>
+            </a:r>
+            <a:r>
+              <a:rPr lang="ko-KR" altLang="en-US" sz="2000" dirty="0" smtClean="0"/>
+              <a:t>관련 작업이 처리되지 못하면 </a:t>
+            </a:r>
+            <a:r>
+              <a:rPr lang="en-US" altLang="ko-KR" sz="2000" dirty="0" smtClean="0"/>
+              <a:t>ANR(application not responding)</a:t>
+            </a:r>
+            <a:r>
+              <a:rPr lang="ko-KR" altLang="en-US" sz="2000" dirty="0" smtClean="0"/>
+              <a:t>이라는 에러가 발생하게 되고 </a:t>
+            </a:r>
+            <a:r>
+              <a:rPr lang="ko-KR" altLang="en-US" sz="2000" dirty="0" err="1" smtClean="0"/>
+              <a:t>앱이</a:t>
+            </a:r>
+            <a:r>
+              <a:rPr lang="ko-KR" altLang="en-US" sz="2000" dirty="0" smtClean="0"/>
+              <a:t> </a:t>
+            </a:r>
+            <a:r>
+              <a:rPr lang="ko-KR" altLang="en-US" sz="2000" smtClean="0"/>
+              <a:t>정지된다</a:t>
+            </a:r>
+            <a:r>
+              <a:rPr lang="en-US" altLang="ko-KR" sz="2000" smtClean="0"/>
+              <a:t>.</a:t>
+            </a:r>
+            <a:endParaRPr lang="en-US" altLang="ko-KR" sz="2000" dirty="0"/>
+          </a:p>
+        </p:txBody>
+      </p:sp>
+    </p:spTree>
+    <p:extLst>
+      <p:ext uri="{BB962C8B-B14F-4D97-AF65-F5344CB8AC3E}">
+        <p14:creationId xmlns:p14="http://schemas.microsoft.com/office/powerpoint/2010/main" val="1955374538"/>
+      </p:ext>
+    </p:extLst>
+  </p:cSld>
+  <p:clrMapOvr>
+    <a:masterClrMapping/>
+  </p:clrMapOvr>
+  <p:timing>
+    <p:tnLst>
+      <p:par>
+        <p:cTn id="1" dur="indefinite" restart="never" nodeType="tmRoot"/>
+      </p:par>
+    </p:tnLst>
+  </p:timing>
+</p:sld>
+</file>
+
+<file path=ppt/slides/slide13.xml><?xml version="1.0" encoding="utf-8"?>
+<p:sld xmlns:a="http://schemas.openxmlformats.org/drawingml/2006/main" xmlns:r="http://schemas.openxmlformats.org/officeDocument/2006/relationships" xmlns:p="http://schemas.openxmlformats.org/presentationml/2006/main">
+  <p:cSld>
+    <p:spTree>
+      <p:nvGrpSpPr>
+        <p:cNvPr id="1" name=""/>
+        <p:cNvGrpSpPr/>
+        <p:nvPr/>
+      </p:nvGrpSpPr>
+      <p:grpSpPr>
+        <a:xfrm>
+          <a:off x="0" y="0"/>
+          <a:ext cx="0" cy="0"/>
+          <a:chOff x="0" y="0"/>
+          <a:chExt cx="0" cy="0"/>
+        </a:xfrm>
+      </p:grpSpPr>
+      <p:pic>
+        <p:nvPicPr>
+          <p:cNvPr id="3" name="Picture 2" descr="C:\Users\mutecsoft\Pictures\030910_0805_020Thre6.png"/>
+          <p:cNvPicPr>
+            <a:picLocks noChangeAspect="1" noChangeArrowheads="1"/>
+          </p:cNvPicPr>
+          <p:nvPr/>
+        </p:nvPicPr>
+        <p:blipFill>
+          <a:blip r:embed="rId2">
+            <a:extLst>
+              <a:ext uri="{28A0092B-C50C-407E-A947-70E740481C1C}">
+                <a14:useLocalDpi xmlns:a14="http://schemas.microsoft.com/office/drawing/2010/main" val="0"/>
+              </a:ext>
+            </a:extLst>
+          </a:blip>
+          <a:srcRect/>
+          <a:stretch>
+            <a:fillRect/>
+          </a:stretch>
+        </p:blipFill>
+        <p:spPr bwMode="auto">
+          <a:xfrm>
+            <a:off x="395536" y="1814661"/>
+            <a:ext cx="8305167" cy="3990603"/>
+          </a:xfrm>
+          <a:prstGeom prst="rect">
+            <a:avLst/>
+          </a:prstGeom>
+          <a:noFill/>
+          <a:extLst>
+            <a:ext uri="{909E8E84-426E-40DD-AFC4-6F175D3DCCD1}">
+              <a14:hiddenFill xmlns:a14="http://schemas.microsoft.com/office/drawing/2010/main">
+                <a:solidFill>
+                  <a:srgbClr val="FFFFFF"/>
+                </a:solidFill>
+              </a14:hiddenFill>
+            </a:ext>
+          </a:extLst>
+        </p:spPr>
+      </p:pic>
+      <p:sp>
+        <p:nvSpPr>
+          <p:cNvPr id="8" name="TextBox 7"/>
+          <p:cNvSpPr txBox="1"/>
+          <p:nvPr/>
+        </p:nvSpPr>
+        <p:spPr>
+          <a:xfrm>
+            <a:off x="107504" y="188640"/>
+            <a:ext cx="8916022" cy="1938992"/>
+          </a:xfrm>
+          <a:prstGeom prst="rect">
+            <a:avLst/>
+          </a:prstGeom>
+          <a:noFill/>
+        </p:spPr>
+        <p:txBody>
+          <a:bodyPr wrap="square" rtlCol="0">
+            <a:spAutoFit/>
+          </a:bodyPr>
+          <a:lstStyle/>
+          <a:p>
+            <a:r>
+              <a:rPr lang="ko-KR" altLang="en-US" sz="2000" b="1" dirty="0" smtClean="0"/>
+              <a:t>작업 </a:t>
+            </a:r>
+            <a:r>
+              <a:rPr lang="ko-KR" altLang="en-US" sz="2000" b="1" dirty="0" err="1" smtClean="0"/>
+              <a:t>스레드</a:t>
+            </a:r>
+            <a:r>
+              <a:rPr lang="en-US" altLang="ko-KR" sz="2000" b="1" dirty="0" smtClean="0"/>
+              <a:t>(Worker Thread) </a:t>
+            </a:r>
+          </a:p>
+          <a:p>
             <a:endParaRPr lang="en-US" altLang="ko-KR" sz="2000" dirty="0" smtClean="0"/>
+          </a:p>
+          <a:p>
+            <a:pPr marL="342900" indent="-342900">
+              <a:buFont typeface="Arial" panose="020B0604020202020204" pitchFamily="34" charset="0"/>
+              <a:buChar char="•"/>
+            </a:pPr>
+            <a:r>
+              <a:rPr lang="ko-KR" altLang="en-US" sz="2000" dirty="0" smtClean="0"/>
+              <a:t>위에서 언급했던 단일 </a:t>
+            </a:r>
+            <a:r>
+              <a:rPr lang="ko-KR" altLang="en-US" sz="2000" dirty="0" err="1" smtClean="0"/>
+              <a:t>스레드</a:t>
+            </a:r>
+            <a:r>
+              <a:rPr lang="ko-KR" altLang="en-US" sz="2000" dirty="0" smtClean="0"/>
+              <a:t> 모델의 단점 때문에</a:t>
+            </a:r>
+            <a:r>
+              <a:rPr lang="en-US" altLang="ko-KR" sz="2000" dirty="0" smtClean="0"/>
+              <a:t> </a:t>
+            </a:r>
+            <a:r>
+              <a:rPr lang="ko-KR" altLang="en-US" sz="2000" dirty="0" smtClean="0"/>
+              <a:t>만약에 부가적으로 처리해야 할 작업이 있는 경우에는</a:t>
+            </a:r>
+            <a:r>
+              <a:rPr lang="en-US" altLang="ko-KR" sz="2000" dirty="0" smtClean="0"/>
+              <a:t> </a:t>
+            </a:r>
+            <a:r>
+              <a:rPr lang="ko-KR" altLang="en-US" sz="2000" dirty="0" smtClean="0"/>
+              <a:t>그와 관련된 작업을 별도의 </a:t>
+            </a:r>
+            <a:r>
+              <a:rPr lang="ko-KR" altLang="en-US" sz="2000" dirty="0" err="1" smtClean="0"/>
+              <a:t>스레드</a:t>
+            </a:r>
+            <a:r>
+              <a:rPr lang="en-US" altLang="ko-KR" sz="2000" dirty="0" smtClean="0"/>
+              <a:t>(Worker Thread)</a:t>
+            </a:r>
+            <a:r>
+              <a:rPr lang="ko-KR" altLang="en-US" sz="2000" dirty="0" smtClean="0"/>
+              <a:t>에서 처리하도록 해야 한다</a:t>
+            </a:r>
+            <a:r>
+              <a:rPr lang="en-US" altLang="ko-KR" sz="2000" dirty="0" smtClean="0"/>
+              <a:t>.</a:t>
+            </a:r>
+          </a:p>
+          <a:p>
+            <a:pPr marL="342900" indent="-342900">
+              <a:buFont typeface="Arial" panose="020B0604020202020204" pitchFamily="34" charset="0"/>
+              <a:buChar char="•"/>
+            </a:pPr>
+            <a:endParaRPr lang="en-US" altLang="ko-KR" sz="2000" dirty="0" smtClean="0"/>
+          </a:p>
+        </p:txBody>
+      </p:sp>
+      <p:sp>
+        <p:nvSpPr>
+          <p:cNvPr id="4" name="TextBox 3"/>
+          <p:cNvSpPr txBox="1"/>
+          <p:nvPr/>
+        </p:nvSpPr>
+        <p:spPr>
+          <a:xfrm>
+            <a:off x="107504" y="5805264"/>
+            <a:ext cx="8916022" cy="707886"/>
+          </a:xfrm>
+          <a:prstGeom prst="rect">
+            <a:avLst/>
+          </a:prstGeom>
+          <a:noFill/>
+        </p:spPr>
+        <p:txBody>
+          <a:bodyPr wrap="square" rtlCol="0">
+            <a:spAutoFit/>
+          </a:bodyPr>
+          <a:lstStyle/>
+          <a:p>
+            <a:r>
+              <a:rPr lang="ko-KR" altLang="en-US" sz="2000" dirty="0"/>
+              <a:t>단</a:t>
+            </a:r>
+            <a:r>
+              <a:rPr lang="en-US" altLang="ko-KR" sz="2000" dirty="0"/>
+              <a:t>, </a:t>
+            </a:r>
+            <a:r>
+              <a:rPr lang="ko-KR" altLang="en-US" sz="2000" dirty="0"/>
+              <a:t>메인 </a:t>
+            </a:r>
+            <a:r>
+              <a:rPr lang="ko-KR" altLang="en-US" sz="2000" dirty="0" err="1"/>
+              <a:t>스레드가</a:t>
+            </a:r>
+            <a:r>
+              <a:rPr lang="ko-KR" altLang="en-US" sz="2000" dirty="0"/>
+              <a:t> 아닌 외부 </a:t>
+            </a:r>
+            <a:r>
+              <a:rPr lang="ko-KR" altLang="en-US" sz="2000" dirty="0" err="1"/>
+              <a:t>스레드에서</a:t>
+            </a:r>
+            <a:r>
+              <a:rPr lang="ko-KR" altLang="en-US" sz="2000" dirty="0"/>
+              <a:t> 작업 후 결과를 </a:t>
+            </a:r>
+            <a:r>
+              <a:rPr lang="en-US" altLang="ko-KR" sz="2000" dirty="0"/>
+              <a:t>UI</a:t>
+            </a:r>
+            <a:r>
+              <a:rPr lang="ko-KR" altLang="en-US" sz="2000" dirty="0"/>
+              <a:t>에 반영</a:t>
+            </a:r>
+            <a:r>
+              <a:rPr lang="en-US" altLang="ko-KR" sz="2000" dirty="0"/>
+              <a:t>(</a:t>
+            </a:r>
+            <a:r>
+              <a:rPr lang="ko-KR" altLang="en-US" sz="2000" dirty="0"/>
+              <a:t>즉 </a:t>
+            </a:r>
+            <a:r>
+              <a:rPr lang="en-US" altLang="ko-KR" sz="2000" dirty="0"/>
+              <a:t>UI </a:t>
+            </a:r>
+            <a:r>
+              <a:rPr lang="ko-KR" altLang="en-US" sz="2000" dirty="0" err="1"/>
+              <a:t>스레드와</a:t>
+            </a:r>
+            <a:r>
+              <a:rPr lang="ko-KR" altLang="en-US" sz="2000" dirty="0"/>
+              <a:t> 통신</a:t>
+            </a:r>
+            <a:r>
+              <a:rPr lang="en-US" altLang="ko-KR" sz="2000" dirty="0"/>
+              <a:t>)</a:t>
+            </a:r>
+            <a:r>
+              <a:rPr lang="ko-KR" altLang="en-US" sz="2000" dirty="0"/>
+              <a:t>해야 한다면 </a:t>
+            </a:r>
+            <a:r>
+              <a:rPr lang="en-US" altLang="ko-KR" sz="2000" u="sng" dirty="0"/>
+              <a:t>Handler </a:t>
+            </a:r>
+            <a:r>
+              <a:rPr lang="ko-KR" altLang="en-US" sz="2000" u="sng" dirty="0"/>
+              <a:t>등을 이용</a:t>
+            </a:r>
+            <a:r>
+              <a:rPr lang="ko-KR" altLang="en-US" sz="2000" dirty="0"/>
+              <a:t>해야 한다</a:t>
+            </a:r>
+            <a:r>
+              <a:rPr lang="en-US" altLang="ko-KR" sz="2000" dirty="0"/>
+              <a:t>.</a:t>
+            </a:r>
           </a:p>
         </p:txBody>
       </p:sp>
@@ -4071,7 +4744,859 @@
 </p:sld>
 </file>
 
-<file path=ppt/slides/slide11.xml><?xml version="1.0" encoding="utf-8"?>
+<file path=ppt/slides/slide14.xml><?xml version="1.0" encoding="utf-8"?>
+<p:sld xmlns:a="http://schemas.openxmlformats.org/drawingml/2006/main" xmlns:r="http://schemas.openxmlformats.org/officeDocument/2006/relationships" xmlns:p="http://schemas.openxmlformats.org/presentationml/2006/main">
+  <p:cSld>
+    <p:spTree>
+      <p:nvGrpSpPr>
+        <p:cNvPr id="1" name=""/>
+        <p:cNvGrpSpPr/>
+        <p:nvPr/>
+      </p:nvGrpSpPr>
+      <p:grpSpPr>
+        <a:xfrm>
+          <a:off x="0" y="0"/>
+          <a:ext cx="0" cy="0"/>
+          <a:chOff x="0" y="0"/>
+          <a:chExt cx="0" cy="0"/>
+        </a:xfrm>
+      </p:grpSpPr>
+      <p:grpSp>
+        <p:nvGrpSpPr>
+          <p:cNvPr id="4" name="그룹 3"/>
+          <p:cNvGrpSpPr/>
+          <p:nvPr/>
+        </p:nvGrpSpPr>
+        <p:grpSpPr>
+          <a:xfrm>
+            <a:off x="232914" y="260647"/>
+            <a:ext cx="7363422" cy="1008113"/>
+            <a:chOff x="179512" y="188639"/>
+            <a:chExt cx="7512374" cy="1071121"/>
+          </a:xfrm>
+        </p:grpSpPr>
+        <p:sp>
+          <p:nvSpPr>
+            <p:cNvPr id="10" name="TextBox 9"/>
+            <p:cNvSpPr txBox="1"/>
+            <p:nvPr/>
+          </p:nvSpPr>
+          <p:spPr>
+            <a:xfrm>
+              <a:off x="179512" y="188639"/>
+              <a:ext cx="3769011" cy="686727"/>
+            </a:xfrm>
+            <a:prstGeom prst="rect">
+              <a:avLst/>
+            </a:prstGeom>
+            <a:noFill/>
+          </p:spPr>
+          <p:txBody>
+            <a:bodyPr wrap="none" rtlCol="0">
+              <a:spAutoFit/>
+            </a:bodyPr>
+            <a:lstStyle/>
+            <a:p>
+              <a:r>
+                <a:rPr lang="en-US" altLang="ko-KR" sz="3600" b="1" dirty="0" err="1" smtClean="0"/>
+                <a:t>Looper</a:t>
+              </a:r>
+              <a:r>
+                <a:rPr lang="en-US" altLang="ko-KR" sz="3600" b="1" dirty="0" smtClean="0"/>
+                <a:t>, Handler</a:t>
+              </a:r>
+              <a:endParaRPr lang="ko-KR" altLang="en-US" sz="3600" b="1" dirty="0"/>
+            </a:p>
+          </p:txBody>
+        </p:sp>
+        <p:cxnSp>
+          <p:nvCxnSpPr>
+            <p:cNvPr id="13" name="직선 연결선 12"/>
+            <p:cNvCxnSpPr/>
+            <p:nvPr/>
+          </p:nvCxnSpPr>
+          <p:spPr>
+            <a:xfrm>
+              <a:off x="287295" y="1259760"/>
+              <a:ext cx="7404591" cy="0"/>
+            </a:xfrm>
+            <a:prstGeom prst="line">
+              <a:avLst/>
+            </a:prstGeom>
+            <a:ln/>
+          </p:spPr>
+          <p:style>
+            <a:lnRef idx="2">
+              <a:schemeClr val="accent1"/>
+            </a:lnRef>
+            <a:fillRef idx="0">
+              <a:schemeClr val="accent1"/>
+            </a:fillRef>
+            <a:effectRef idx="1">
+              <a:schemeClr val="accent1"/>
+            </a:effectRef>
+            <a:fontRef idx="minor">
+              <a:schemeClr val="tx1"/>
+            </a:fontRef>
+          </p:style>
+        </p:cxnSp>
+      </p:grpSp>
+      <p:sp>
+        <p:nvSpPr>
+          <p:cNvPr id="8" name="TextBox 7"/>
+          <p:cNvSpPr txBox="1"/>
+          <p:nvPr/>
+        </p:nvSpPr>
+        <p:spPr>
+          <a:xfrm>
+            <a:off x="107504" y="1699061"/>
+            <a:ext cx="8916022" cy="4216539"/>
+          </a:xfrm>
+          <a:prstGeom prst="rect">
+            <a:avLst/>
+          </a:prstGeom>
+          <a:noFill/>
+        </p:spPr>
+        <p:txBody>
+          <a:bodyPr wrap="square" rtlCol="0">
+            <a:spAutoFit/>
+          </a:bodyPr>
+          <a:lstStyle/>
+          <a:p>
+            <a:r>
+              <a:rPr lang="en-US" altLang="ko-KR" sz="2400" b="1" dirty="0" smtClean="0"/>
+              <a:t>Handler</a:t>
+            </a:r>
+          </a:p>
+          <a:p>
+            <a:endParaRPr lang="en-US" altLang="ko-KR" sz="2400" dirty="0" smtClean="0"/>
+          </a:p>
+          <a:p>
+            <a:pPr marL="342900" indent="-342900">
+              <a:buFont typeface="Arial" panose="020B0604020202020204" pitchFamily="34" charset="0"/>
+              <a:buChar char="•"/>
+            </a:pPr>
+            <a:r>
+              <a:rPr lang="ko-KR" altLang="en-US" sz="2000" dirty="0" err="1" smtClean="0"/>
+              <a:t>스레드의</a:t>
+            </a:r>
+            <a:r>
+              <a:rPr lang="ko-KR" altLang="en-US" sz="2000" dirty="0" smtClean="0"/>
+              <a:t> </a:t>
+            </a:r>
+            <a:r>
+              <a:rPr lang="en-US" altLang="ko-KR" sz="2000" dirty="0" smtClean="0"/>
+              <a:t>Message Queue</a:t>
+            </a:r>
+            <a:r>
+              <a:rPr lang="ko-KR" altLang="en-US" sz="2000" dirty="0" smtClean="0"/>
+              <a:t>와 연계하여 </a:t>
+            </a:r>
+            <a:r>
+              <a:rPr lang="en-US" altLang="ko-KR" sz="2000" dirty="0" smtClean="0"/>
+              <a:t>Message</a:t>
+            </a:r>
+            <a:r>
+              <a:rPr lang="ko-KR" altLang="en-US" sz="2000" dirty="0" smtClean="0"/>
+              <a:t>나 </a:t>
+            </a:r>
+            <a:r>
+              <a:rPr lang="en-US" altLang="ko-KR" sz="2000" dirty="0" smtClean="0"/>
+              <a:t>Runnable </a:t>
+            </a:r>
+            <a:r>
+              <a:rPr lang="ko-KR" altLang="en-US" sz="2000" dirty="0" smtClean="0"/>
+              <a:t>객체를 받거나 처리하여 </a:t>
+            </a:r>
+            <a:r>
+              <a:rPr lang="ko-KR" altLang="en-US" sz="2000" u="sng" dirty="0" err="1" smtClean="0"/>
+              <a:t>스레드</a:t>
+            </a:r>
+            <a:r>
+              <a:rPr lang="ko-KR" altLang="en-US" sz="2000" u="sng" dirty="0" smtClean="0"/>
+              <a:t> 간의 통신</a:t>
+            </a:r>
+            <a:r>
+              <a:rPr lang="ko-KR" altLang="en-US" sz="2000" dirty="0" smtClean="0"/>
+              <a:t>을 할 수 있도록 한다</a:t>
+            </a:r>
+            <a:r>
+              <a:rPr lang="en-US" altLang="ko-KR" sz="2000" dirty="0" smtClean="0"/>
+              <a:t>.</a:t>
+            </a:r>
+          </a:p>
+          <a:p>
+            <a:pPr marL="342900" indent="-342900">
+              <a:buFont typeface="Arial" panose="020B0604020202020204" pitchFamily="34" charset="0"/>
+              <a:buChar char="•"/>
+            </a:pPr>
+            <a:r>
+              <a:rPr lang="en-US" altLang="ko-KR" sz="2000" dirty="0" smtClean="0"/>
+              <a:t>Handler </a:t>
+            </a:r>
+            <a:r>
+              <a:rPr lang="ko-KR" altLang="en-US" sz="2000" dirty="0" smtClean="0"/>
+              <a:t>객체는 하나의 </a:t>
+            </a:r>
+            <a:r>
+              <a:rPr lang="ko-KR" altLang="en-US" sz="2000" dirty="0" err="1" smtClean="0"/>
+              <a:t>스레드와</a:t>
+            </a:r>
+            <a:r>
+              <a:rPr lang="en-US" altLang="ko-KR" sz="2000" dirty="0"/>
+              <a:t> </a:t>
+            </a:r>
+            <a:r>
+              <a:rPr lang="ko-KR" altLang="en-US" sz="2000" dirty="0" smtClean="0"/>
+              <a:t>해당 </a:t>
+            </a:r>
+            <a:r>
+              <a:rPr lang="ko-KR" altLang="en-US" sz="2000" dirty="0" err="1" smtClean="0"/>
+              <a:t>스레드의</a:t>
+            </a:r>
+            <a:r>
+              <a:rPr lang="ko-KR" altLang="en-US" sz="2000" dirty="0" smtClean="0"/>
+              <a:t> </a:t>
+            </a:r>
+            <a:r>
+              <a:rPr lang="en-US" altLang="ko-KR" sz="2000" dirty="0" smtClean="0"/>
+              <a:t>Message Queue</a:t>
+            </a:r>
+            <a:r>
+              <a:rPr lang="ko-KR" altLang="en-US" sz="2000" dirty="0" smtClean="0"/>
+              <a:t>에 종속된다</a:t>
+            </a:r>
+            <a:r>
+              <a:rPr lang="en-US" altLang="ko-KR" sz="2000" dirty="0" smtClean="0"/>
+              <a:t>.</a:t>
+            </a:r>
+          </a:p>
+          <a:p>
+            <a:pPr marL="342900" indent="-342900">
+              <a:buFont typeface="Arial" panose="020B0604020202020204" pitchFamily="34" charset="0"/>
+              <a:buChar char="•"/>
+            </a:pPr>
+            <a:r>
+              <a:rPr lang="ko-KR" altLang="en-US" sz="2000" dirty="0" smtClean="0"/>
+              <a:t>다른 </a:t>
+            </a:r>
+            <a:r>
+              <a:rPr lang="ko-KR" altLang="en-US" sz="2000" dirty="0" err="1" smtClean="0"/>
+              <a:t>스레드가</a:t>
+            </a:r>
+            <a:r>
+              <a:rPr lang="ko-KR" altLang="en-US" sz="2000" dirty="0" smtClean="0"/>
+              <a:t> 특정 </a:t>
+            </a:r>
+            <a:r>
+              <a:rPr lang="ko-KR" altLang="en-US" sz="2000" dirty="0" err="1" smtClean="0"/>
+              <a:t>스레드에게</a:t>
+            </a:r>
+            <a:r>
+              <a:rPr lang="ko-KR" altLang="en-US" sz="2000" dirty="0" smtClean="0"/>
+              <a:t> 메시지를 전달하려면 특정 </a:t>
+            </a:r>
+            <a:r>
+              <a:rPr lang="ko-KR" altLang="en-US" sz="2000" dirty="0" err="1" smtClean="0"/>
+              <a:t>스레드에</a:t>
+            </a:r>
+            <a:r>
+              <a:rPr lang="ko-KR" altLang="en-US" sz="2000" dirty="0" smtClean="0"/>
+              <a:t> 속한 </a:t>
+            </a:r>
+            <a:r>
+              <a:rPr lang="en-US" altLang="ko-KR" sz="2000" dirty="0" smtClean="0"/>
+              <a:t>Handler</a:t>
+            </a:r>
+            <a:r>
+              <a:rPr lang="ko-KR" altLang="en-US" sz="2000" dirty="0" smtClean="0"/>
+              <a:t>의 </a:t>
+            </a:r>
+            <a:r>
+              <a:rPr lang="en-US" altLang="ko-KR" sz="2000" dirty="0" smtClean="0"/>
+              <a:t>post</a:t>
+            </a:r>
+            <a:r>
+              <a:rPr lang="ko-KR" altLang="en-US" sz="2000" dirty="0" smtClean="0"/>
+              <a:t>나 </a:t>
+            </a:r>
+            <a:r>
+              <a:rPr lang="en-US" altLang="ko-KR" sz="2000" dirty="0" err="1" smtClean="0"/>
+              <a:t>sendMessage</a:t>
+            </a:r>
+            <a:r>
+              <a:rPr lang="en-US" altLang="ko-KR" sz="2000" dirty="0" smtClean="0"/>
+              <a:t> </a:t>
+            </a:r>
+            <a:r>
+              <a:rPr lang="ko-KR" altLang="en-US" sz="2000" dirty="0" smtClean="0"/>
+              <a:t>등의 </a:t>
+            </a:r>
+            <a:r>
+              <a:rPr lang="ko-KR" altLang="en-US" sz="2000" dirty="0" err="1" smtClean="0"/>
+              <a:t>메서드를</a:t>
+            </a:r>
+            <a:r>
+              <a:rPr lang="ko-KR" altLang="en-US" sz="2000" dirty="0" smtClean="0"/>
+              <a:t> 호출하면 된다</a:t>
+            </a:r>
+            <a:r>
+              <a:rPr lang="en-US" altLang="ko-KR" sz="2000" dirty="0" smtClean="0"/>
+              <a:t>.</a:t>
+            </a:r>
+          </a:p>
+          <a:p>
+            <a:pPr marL="342900" indent="-342900">
+              <a:buFont typeface="Arial" panose="020B0604020202020204" pitchFamily="34" charset="0"/>
+              <a:buChar char="•"/>
+            </a:pPr>
+            <a:r>
+              <a:rPr lang="ko-KR" altLang="en-US" sz="2000" dirty="0"/>
+              <a:t>다음 </a:t>
+            </a:r>
+            <a:r>
+              <a:rPr lang="ko-KR" altLang="en-US" sz="2000" dirty="0" err="1"/>
+              <a:t>메소드를</a:t>
+            </a:r>
+            <a:r>
+              <a:rPr lang="ko-KR" altLang="en-US" sz="2000" dirty="0"/>
+              <a:t> 통해서도 </a:t>
+            </a:r>
+            <a:r>
+              <a:rPr lang="en-US" altLang="ko-KR" sz="2000" dirty="0"/>
+              <a:t>UI</a:t>
+            </a:r>
+            <a:r>
+              <a:rPr lang="ko-KR" altLang="en-US" sz="2000" dirty="0"/>
+              <a:t> </a:t>
+            </a:r>
+            <a:r>
+              <a:rPr lang="ko-KR" altLang="en-US" sz="2000" dirty="0" err="1"/>
+              <a:t>스레드와</a:t>
+            </a:r>
+            <a:r>
+              <a:rPr lang="ko-KR" altLang="en-US" sz="2000" dirty="0"/>
+              <a:t> 통신 할 수 있다</a:t>
+            </a:r>
+            <a:r>
+              <a:rPr lang="en-US" altLang="ko-KR" sz="2000" dirty="0"/>
+              <a:t>.</a:t>
+            </a:r>
+          </a:p>
+          <a:p>
+            <a:pPr marL="800100" lvl="1" indent="-342900">
+              <a:buFont typeface="Arial" panose="020B0604020202020204" pitchFamily="34" charset="0"/>
+              <a:buChar char="•"/>
+            </a:pPr>
+            <a:r>
+              <a:rPr lang="en-US" altLang="ko-KR" sz="2000" dirty="0" err="1"/>
+              <a:t>Activity.runOnUiThread</a:t>
+            </a:r>
+            <a:r>
+              <a:rPr lang="en-US" altLang="ko-KR" sz="2000" dirty="0"/>
+              <a:t>(Runnable)</a:t>
+            </a:r>
+          </a:p>
+          <a:p>
+            <a:pPr marL="800100" lvl="1" indent="-342900">
+              <a:buFont typeface="Arial" panose="020B0604020202020204" pitchFamily="34" charset="0"/>
+              <a:buChar char="•"/>
+            </a:pPr>
+            <a:r>
+              <a:rPr lang="en-US" altLang="ko-KR" sz="2000" dirty="0" err="1"/>
+              <a:t>View.post</a:t>
+            </a:r>
+            <a:r>
+              <a:rPr lang="en-US" altLang="ko-KR" sz="2000" dirty="0"/>
+              <a:t>(Runnable)</a:t>
+            </a:r>
+          </a:p>
+          <a:p>
+            <a:pPr marL="800100" lvl="1" indent="-342900">
+              <a:buFont typeface="Arial" panose="020B0604020202020204" pitchFamily="34" charset="0"/>
+              <a:buChar char="•"/>
+            </a:pPr>
+            <a:r>
+              <a:rPr lang="en-US" altLang="ko-KR" sz="2000" dirty="0" err="1"/>
+              <a:t>View.postDelayed</a:t>
+            </a:r>
+            <a:r>
+              <a:rPr lang="en-US" altLang="ko-KR" sz="2000" dirty="0"/>
+              <a:t>(Runnable, long)</a:t>
+            </a:r>
+          </a:p>
+          <a:p>
+            <a:pPr marL="342900" indent="-342900">
+              <a:buFont typeface="Arial" panose="020B0604020202020204" pitchFamily="34" charset="0"/>
+              <a:buChar char="•"/>
+            </a:pPr>
+            <a:endParaRPr lang="en-US" altLang="ko-KR" sz="2000" dirty="0" smtClean="0"/>
+          </a:p>
+        </p:txBody>
+      </p:sp>
+    </p:spTree>
+    <p:extLst>
+      <p:ext uri="{BB962C8B-B14F-4D97-AF65-F5344CB8AC3E}">
+        <p14:creationId xmlns:p14="http://schemas.microsoft.com/office/powerpoint/2010/main" val="4036183567"/>
+      </p:ext>
+    </p:extLst>
+  </p:cSld>
+  <p:clrMapOvr>
+    <a:masterClrMapping/>
+  </p:clrMapOvr>
+  <p:timing>
+    <p:tnLst>
+      <p:par>
+        <p:cTn id="1" dur="indefinite" restart="never" nodeType="tmRoot"/>
+      </p:par>
+    </p:tnLst>
+  </p:timing>
+</p:sld>
+</file>
+
+<file path=ppt/slides/slide15.xml><?xml version="1.0" encoding="utf-8"?>
+<p:sld xmlns:a="http://schemas.openxmlformats.org/drawingml/2006/main" xmlns:r="http://schemas.openxmlformats.org/officeDocument/2006/relationships" xmlns:p="http://schemas.openxmlformats.org/presentationml/2006/main">
+  <p:cSld>
+    <p:spTree>
+      <p:nvGrpSpPr>
+        <p:cNvPr id="1" name=""/>
+        <p:cNvGrpSpPr/>
+        <p:nvPr/>
+      </p:nvGrpSpPr>
+      <p:grpSpPr>
+        <a:xfrm>
+          <a:off x="0" y="0"/>
+          <a:ext cx="0" cy="0"/>
+          <a:chOff x="0" y="0"/>
+          <a:chExt cx="0" cy="0"/>
+        </a:xfrm>
+      </p:grpSpPr>
+      <p:sp>
+        <p:nvSpPr>
+          <p:cNvPr id="8" name="TextBox 7"/>
+          <p:cNvSpPr txBox="1"/>
+          <p:nvPr/>
+        </p:nvSpPr>
+        <p:spPr>
+          <a:xfrm>
+            <a:off x="107504" y="476672"/>
+            <a:ext cx="8916022" cy="3908762"/>
+          </a:xfrm>
+          <a:prstGeom prst="rect">
+            <a:avLst/>
+          </a:prstGeom>
+          <a:noFill/>
+        </p:spPr>
+        <p:txBody>
+          <a:bodyPr wrap="square" rtlCol="0">
+            <a:spAutoFit/>
+          </a:bodyPr>
+          <a:lstStyle/>
+          <a:p>
+            <a:r>
+              <a:rPr lang="en-US" altLang="ko-KR" sz="2400" b="1" dirty="0" err="1" smtClean="0"/>
+              <a:t>Looper</a:t>
+            </a:r>
+            <a:endParaRPr lang="en-US" altLang="ko-KR" sz="2400" b="1" dirty="0" smtClean="0"/>
+          </a:p>
+          <a:p>
+            <a:endParaRPr lang="en-US" altLang="ko-KR" sz="2400" b="1" dirty="0" smtClean="0"/>
+          </a:p>
+          <a:p>
+            <a:pPr marL="342900" indent="-342900">
+              <a:buFont typeface="Arial" panose="020B0604020202020204" pitchFamily="34" charset="0"/>
+              <a:buChar char="•"/>
+            </a:pPr>
+            <a:r>
+              <a:rPr lang="en-US" altLang="ko-KR" sz="2000" dirty="0" err="1" smtClean="0"/>
+              <a:t>Looper</a:t>
+            </a:r>
+            <a:r>
+              <a:rPr lang="ko-KR" altLang="en-US" sz="2000" dirty="0" smtClean="0"/>
+              <a:t>는 무한히 루프를 돌며 자신이 속한 </a:t>
+            </a:r>
+            <a:r>
+              <a:rPr lang="ko-KR" altLang="en-US" sz="2000" dirty="0" err="1" smtClean="0"/>
+              <a:t>스레드의</a:t>
+            </a:r>
+            <a:r>
+              <a:rPr lang="ko-KR" altLang="en-US" sz="2000" dirty="0" smtClean="0"/>
+              <a:t> </a:t>
+            </a:r>
+            <a:r>
+              <a:rPr lang="en-US" altLang="ko-KR" sz="2000" dirty="0" smtClean="0"/>
+              <a:t>Message Queue</a:t>
+            </a:r>
+            <a:r>
+              <a:rPr lang="ko-KR" altLang="en-US" sz="2000" dirty="0" smtClean="0"/>
+              <a:t>에 들어온 </a:t>
+            </a:r>
+            <a:r>
+              <a:rPr lang="en-US" altLang="ko-KR" sz="2000" dirty="0" smtClean="0"/>
+              <a:t>Message</a:t>
+            </a:r>
+            <a:r>
+              <a:rPr lang="ko-KR" altLang="en-US" sz="2000" dirty="0" smtClean="0"/>
+              <a:t>나 </a:t>
+            </a:r>
+            <a:r>
+              <a:rPr lang="en-US" altLang="ko-KR" sz="2000" dirty="0" smtClean="0"/>
+              <a:t>Runnable </a:t>
+            </a:r>
+            <a:r>
+              <a:rPr lang="ko-KR" altLang="en-US" sz="2000" dirty="0" smtClean="0"/>
+              <a:t>객체를 차례로 꺼내서 이를 처리할 </a:t>
+            </a:r>
+            <a:r>
+              <a:rPr lang="en-US" altLang="ko-KR" sz="2000" dirty="0" smtClean="0"/>
+              <a:t>Handler</a:t>
+            </a:r>
+            <a:r>
+              <a:rPr lang="ko-KR" altLang="en-US" sz="2000" dirty="0" smtClean="0"/>
+              <a:t>에 전달하는 역할을 한다</a:t>
+            </a:r>
+            <a:r>
+              <a:rPr lang="en-US" altLang="ko-KR" sz="2000" dirty="0" smtClean="0"/>
+              <a:t>.</a:t>
+            </a:r>
+          </a:p>
+          <a:p>
+            <a:pPr marL="342900" indent="-342900">
+              <a:buFont typeface="Arial" panose="020B0604020202020204" pitchFamily="34" charset="0"/>
+              <a:buChar char="•"/>
+            </a:pPr>
+            <a:r>
+              <a:rPr lang="ko-KR" altLang="en-US" sz="2000" dirty="0" smtClean="0"/>
+              <a:t>메인 </a:t>
+            </a:r>
+            <a:r>
+              <a:rPr lang="ko-KR" altLang="en-US" sz="2000" dirty="0" err="1" smtClean="0"/>
+              <a:t>스레드는</a:t>
+            </a:r>
+            <a:r>
+              <a:rPr lang="ko-KR" altLang="en-US" sz="2000" dirty="0" smtClean="0"/>
+              <a:t> </a:t>
+            </a:r>
+            <a:r>
+              <a:rPr lang="en-US" altLang="ko-KR" sz="2000" dirty="0" err="1" smtClean="0"/>
+              <a:t>Looper</a:t>
+            </a:r>
+            <a:r>
+              <a:rPr lang="ko-KR" altLang="en-US" sz="2000" dirty="0" smtClean="0"/>
+              <a:t>가 기본적으로 생성되어 있다</a:t>
+            </a:r>
+            <a:r>
+              <a:rPr lang="en-US" altLang="ko-KR" sz="2000" dirty="0" smtClean="0"/>
+              <a:t>.</a:t>
+            </a:r>
+          </a:p>
+          <a:p>
+            <a:pPr marL="342900" indent="-342900">
+              <a:buFont typeface="Arial" panose="020B0604020202020204" pitchFamily="34" charset="0"/>
+              <a:buChar char="•"/>
+            </a:pPr>
+            <a:r>
+              <a:rPr lang="ko-KR" altLang="en-US" sz="2000" dirty="0" smtClean="0"/>
+              <a:t>새로 생성한 </a:t>
+            </a:r>
+            <a:r>
+              <a:rPr lang="ko-KR" altLang="en-US" sz="2000" dirty="0" err="1" smtClean="0"/>
+              <a:t>스레드에서</a:t>
+            </a:r>
+            <a:r>
+              <a:rPr lang="ko-KR" altLang="en-US" sz="2000" dirty="0" smtClean="0"/>
+              <a:t> 메시지를 전달 받으려면 </a:t>
+            </a:r>
+            <a:r>
+              <a:rPr lang="en-US" altLang="ko-KR" sz="2000" dirty="0" smtClean="0"/>
+              <a:t>prepare() </a:t>
+            </a:r>
+            <a:r>
+              <a:rPr lang="ko-KR" altLang="en-US" sz="2000" dirty="0" err="1" smtClean="0"/>
+              <a:t>메서드를</a:t>
+            </a:r>
+            <a:r>
+              <a:rPr lang="ko-KR" altLang="en-US" sz="2000" dirty="0" smtClean="0"/>
+              <a:t> 통해</a:t>
+            </a:r>
+            <a:r>
+              <a:rPr lang="en-US" altLang="ko-KR" sz="2000" dirty="0" smtClean="0"/>
+              <a:t> </a:t>
+            </a:r>
+            <a:r>
+              <a:rPr lang="en-US" altLang="ko-KR" sz="2000" dirty="0" err="1" smtClean="0"/>
+              <a:t>Looper</a:t>
+            </a:r>
+            <a:r>
+              <a:rPr lang="ko-KR" altLang="en-US" sz="2000" dirty="0" smtClean="0"/>
+              <a:t>를 생성하고</a:t>
+            </a:r>
+            <a:r>
+              <a:rPr lang="en-US" altLang="ko-KR" sz="2000" dirty="0" smtClean="0"/>
+              <a:t>, loop() </a:t>
+            </a:r>
+            <a:r>
+              <a:rPr lang="ko-KR" altLang="en-US" sz="2000" dirty="0" err="1" smtClean="0"/>
+              <a:t>메서드를</a:t>
+            </a:r>
+            <a:r>
+              <a:rPr lang="ko-KR" altLang="en-US" sz="2000" dirty="0" smtClean="0"/>
+              <a:t> 통해 </a:t>
+            </a:r>
+            <a:r>
+              <a:rPr lang="en-US" altLang="ko-KR" sz="2000" dirty="0" err="1" smtClean="0"/>
+              <a:t>Looper</a:t>
+            </a:r>
+            <a:r>
+              <a:rPr lang="ko-KR" altLang="en-US" sz="2000" dirty="0" smtClean="0"/>
+              <a:t>가 무한히 루프를 돌며 </a:t>
+            </a:r>
+            <a:r>
+              <a:rPr lang="en-US" altLang="ko-KR" sz="2000" dirty="0" smtClean="0"/>
+              <a:t>Message Queue</a:t>
+            </a:r>
+            <a:r>
+              <a:rPr lang="ko-KR" altLang="en-US" sz="2000" dirty="0" smtClean="0"/>
+              <a:t>에 쌓인 </a:t>
+            </a:r>
+            <a:r>
+              <a:rPr lang="en-US" altLang="ko-KR" sz="2000" dirty="0" smtClean="0"/>
+              <a:t>Message</a:t>
+            </a:r>
+            <a:r>
+              <a:rPr lang="ko-KR" altLang="en-US" sz="2000" dirty="0" smtClean="0"/>
+              <a:t>나 </a:t>
+            </a:r>
+            <a:r>
+              <a:rPr lang="en-US" altLang="ko-KR" sz="2000" dirty="0" smtClean="0"/>
+              <a:t>Runnable </a:t>
+            </a:r>
+            <a:r>
+              <a:rPr lang="ko-KR" altLang="en-US" sz="2000" dirty="0" smtClean="0"/>
+              <a:t>객체를 꺼내 </a:t>
+            </a:r>
+            <a:r>
+              <a:rPr lang="en-US" altLang="ko-KR" sz="2000" dirty="0" smtClean="0"/>
+              <a:t>Handler</a:t>
+            </a:r>
+            <a:r>
+              <a:rPr lang="ko-KR" altLang="en-US" sz="2000" dirty="0" smtClean="0"/>
+              <a:t>에 전달하도록 </a:t>
+            </a:r>
+            <a:r>
+              <a:rPr lang="ko-KR" altLang="en-US" sz="2000" dirty="0" err="1" smtClean="0"/>
+              <a:t>해야한다</a:t>
+            </a:r>
+            <a:r>
+              <a:rPr lang="en-US" altLang="ko-KR" sz="2000" dirty="0" smtClean="0"/>
+              <a:t>.</a:t>
+            </a:r>
+          </a:p>
+          <a:p>
+            <a:pPr marL="342900" indent="-342900">
+              <a:buFont typeface="Arial" panose="020B0604020202020204" pitchFamily="34" charset="0"/>
+              <a:buChar char="•"/>
+            </a:pPr>
+            <a:r>
+              <a:rPr lang="ko-KR" altLang="en-US" sz="2000" dirty="0" smtClean="0"/>
+              <a:t>활성화된 </a:t>
+            </a:r>
+            <a:r>
+              <a:rPr lang="en-US" altLang="ko-KR" sz="2000" dirty="0" err="1" smtClean="0"/>
+              <a:t>Looper</a:t>
+            </a:r>
+            <a:r>
+              <a:rPr lang="ko-KR" altLang="en-US" sz="2000" dirty="0" smtClean="0"/>
+              <a:t>는 </a:t>
+            </a:r>
+            <a:r>
+              <a:rPr lang="en-US" altLang="ko-KR" sz="2000" dirty="0" smtClean="0"/>
+              <a:t>quit()(</a:t>
+            </a:r>
+            <a:r>
+              <a:rPr lang="ko-KR" altLang="en-US" sz="2000" dirty="0" smtClean="0"/>
+              <a:t>즉시</a:t>
+            </a:r>
+            <a:r>
+              <a:rPr lang="en-US" altLang="ko-KR" sz="2000" dirty="0" smtClean="0"/>
+              <a:t>)</a:t>
+            </a:r>
+            <a:r>
+              <a:rPr lang="ko-KR" altLang="en-US" sz="2000" dirty="0" smtClean="0"/>
+              <a:t>이나 </a:t>
+            </a:r>
+            <a:r>
+              <a:rPr lang="en-US" altLang="ko-KR" sz="2000" dirty="0" err="1" smtClean="0"/>
+              <a:t>quitSafely</a:t>
+            </a:r>
+            <a:r>
+              <a:rPr lang="en-US" altLang="ko-KR" sz="2000" dirty="0" smtClean="0"/>
+              <a:t>()(</a:t>
+            </a:r>
+            <a:r>
+              <a:rPr lang="ko-KR" altLang="en-US" sz="2000" dirty="0" smtClean="0"/>
+              <a:t>쌓인 메시지들을 처리 후</a:t>
+            </a:r>
+            <a:r>
+              <a:rPr lang="en-US" altLang="ko-KR" sz="2000" dirty="0" smtClean="0"/>
+              <a:t>) </a:t>
+            </a:r>
+            <a:r>
+              <a:rPr lang="ko-KR" altLang="en-US" sz="2000" dirty="0" err="1" smtClean="0"/>
+              <a:t>메서드로</a:t>
+            </a:r>
+            <a:r>
+              <a:rPr lang="ko-KR" altLang="en-US" sz="2000" dirty="0" smtClean="0"/>
+              <a:t> 중단할 수 있다</a:t>
+            </a:r>
+            <a:r>
+              <a:rPr lang="en-US" altLang="ko-KR" sz="2000" dirty="0" smtClean="0"/>
+              <a:t>.</a:t>
+            </a:r>
+          </a:p>
+        </p:txBody>
+      </p:sp>
+    </p:spTree>
+    <p:extLst>
+      <p:ext uri="{BB962C8B-B14F-4D97-AF65-F5344CB8AC3E}">
+        <p14:creationId xmlns:p14="http://schemas.microsoft.com/office/powerpoint/2010/main" val="1646438392"/>
+      </p:ext>
+    </p:extLst>
+  </p:cSld>
+  <p:clrMapOvr>
+    <a:masterClrMapping/>
+  </p:clrMapOvr>
+  <p:timing>
+    <p:tnLst>
+      <p:par>
+        <p:cTn id="1" dur="indefinite" restart="never" nodeType="tmRoot"/>
+      </p:par>
+    </p:tnLst>
+  </p:timing>
+</p:sld>
+</file>
+
+<file path=ppt/slides/slide16.xml><?xml version="1.0" encoding="utf-8"?>
+<p:sld xmlns:a="http://schemas.openxmlformats.org/drawingml/2006/main" xmlns:r="http://schemas.openxmlformats.org/officeDocument/2006/relationships" xmlns:p="http://schemas.openxmlformats.org/presentationml/2006/main">
+  <p:cSld>
+    <p:spTree>
+      <p:nvGrpSpPr>
+        <p:cNvPr id="1" name=""/>
+        <p:cNvGrpSpPr/>
+        <p:nvPr/>
+      </p:nvGrpSpPr>
+      <p:grpSpPr>
+        <a:xfrm>
+          <a:off x="0" y="0"/>
+          <a:ext cx="0" cy="0"/>
+          <a:chOff x="0" y="0"/>
+          <a:chExt cx="0" cy="0"/>
+        </a:xfrm>
+      </p:grpSpPr>
+      <p:pic>
+        <p:nvPicPr>
+          <p:cNvPr id="4098" name="Picture 2" descr="C:\Users\mutecsoft\Pictures\android-thread-looper-handler.png"/>
+          <p:cNvPicPr>
+            <a:picLocks noChangeAspect="1" noChangeArrowheads="1"/>
+          </p:cNvPicPr>
+          <p:nvPr/>
+        </p:nvPicPr>
+        <p:blipFill>
+          <a:blip r:embed="rId2">
+            <a:extLst>
+              <a:ext uri="{28A0092B-C50C-407E-A947-70E740481C1C}">
+                <a14:useLocalDpi xmlns:a14="http://schemas.microsoft.com/office/drawing/2010/main" val="0"/>
+              </a:ext>
+            </a:extLst>
+          </a:blip>
+          <a:srcRect/>
+          <a:stretch>
+            <a:fillRect/>
+          </a:stretch>
+        </p:blipFill>
+        <p:spPr bwMode="auto">
+          <a:xfrm>
+            <a:off x="2056635" y="764704"/>
+            <a:ext cx="5107653" cy="5976664"/>
+          </a:xfrm>
+          <a:prstGeom prst="rect">
+            <a:avLst/>
+          </a:prstGeom>
+          <a:noFill/>
+          <a:extLst>
+            <a:ext uri="{909E8E84-426E-40DD-AFC4-6F175D3DCCD1}">
+              <a14:hiddenFill xmlns:a14="http://schemas.microsoft.com/office/drawing/2010/main">
+                <a:solidFill>
+                  <a:srgbClr val="FFFFFF"/>
+                </a:solidFill>
+              </a14:hiddenFill>
+            </a:ext>
+          </a:extLst>
+        </p:spPr>
+      </p:pic>
+      <p:sp>
+        <p:nvSpPr>
+          <p:cNvPr id="4" name="TextBox 3"/>
+          <p:cNvSpPr txBox="1"/>
+          <p:nvPr/>
+        </p:nvSpPr>
+        <p:spPr>
+          <a:xfrm>
+            <a:off x="107504" y="188640"/>
+            <a:ext cx="8916022" cy="461665"/>
+          </a:xfrm>
+          <a:prstGeom prst="rect">
+            <a:avLst/>
+          </a:prstGeom>
+          <a:noFill/>
+        </p:spPr>
+        <p:txBody>
+          <a:bodyPr wrap="square" rtlCol="0">
+            <a:spAutoFit/>
+          </a:bodyPr>
+          <a:lstStyle/>
+          <a:p>
+            <a:r>
+              <a:rPr lang="en-US" altLang="ko-KR" sz="2400" b="1" dirty="0" err="1" smtClean="0"/>
+              <a:t>Looper</a:t>
+            </a:r>
+            <a:r>
+              <a:rPr lang="ko-KR" altLang="en-US" sz="2400" b="1" dirty="0" smtClean="0"/>
+              <a:t>와 </a:t>
+            </a:r>
+            <a:r>
+              <a:rPr lang="en-US" altLang="ko-KR" sz="2400" b="1" dirty="0" smtClean="0"/>
+              <a:t>Handler</a:t>
+            </a:r>
+            <a:r>
+              <a:rPr lang="ko-KR" altLang="en-US" sz="2400" b="1" dirty="0" smtClean="0"/>
+              <a:t>의 작동 원리</a:t>
+            </a:r>
+            <a:endParaRPr lang="en-US" altLang="ko-KR" sz="2400" b="1" dirty="0" smtClean="0"/>
+          </a:p>
+        </p:txBody>
+      </p:sp>
+    </p:spTree>
+    <p:extLst>
+      <p:ext uri="{BB962C8B-B14F-4D97-AF65-F5344CB8AC3E}">
+        <p14:creationId xmlns:p14="http://schemas.microsoft.com/office/powerpoint/2010/main" val="80741494"/>
+      </p:ext>
+    </p:extLst>
+  </p:cSld>
+  <p:clrMapOvr>
+    <a:masterClrMapping/>
+  </p:clrMapOvr>
+  <p:timing>
+    <p:tnLst>
+      <p:par>
+        <p:cTn id="1" dur="indefinite" restart="never" nodeType="tmRoot"/>
+      </p:par>
+    </p:tnLst>
+  </p:timing>
+</p:sld>
+</file>
+
+<file path=ppt/slides/slide17.xml><?xml version="1.0" encoding="utf-8"?>
 <p:sld xmlns:a="http://schemas.openxmlformats.org/drawingml/2006/main" xmlns:r="http://schemas.openxmlformats.org/officeDocument/2006/relationships" xmlns:p="http://schemas.openxmlformats.org/presentationml/2006/main">
   <p:cSld>
     <p:spTree>
@@ -4173,7 +5698,7 @@
         <p:spPr>
           <a:xfrm>
             <a:off x="107504" y="1628800"/>
-            <a:ext cx="8916022" cy="4524315"/>
+            <a:ext cx="8916022" cy="5139869"/>
           </a:xfrm>
           <a:prstGeom prst="rect">
             <a:avLst/>
@@ -4206,13 +5731,8 @@
             </a:pPr>
             <a:r>
               <a:rPr lang="en-US" altLang="ko-KR" sz="2000" dirty="0" smtClean="0"/>
-              <a:t>View </a:t>
-            </a:r>
-            <a:r>
-              <a:rPr lang="en-US" altLang="ko-KR" sz="2000" dirty="0" smtClean="0"/>
-              <a:t>Animation</a:t>
-            </a:r>
-            <a:endParaRPr lang="en-US" altLang="ko-KR" sz="2000" dirty="0" smtClean="0"/>
+              <a:t>View Animation</a:t>
+            </a:r>
           </a:p>
           <a:p>
             <a:pPr marL="800100" lvl="1" indent="-342900">
@@ -4231,11 +5751,7 @@
             </a:pPr>
             <a:r>
               <a:rPr lang="en-US" altLang="ko-KR" sz="2000" dirty="0" smtClean="0"/>
-              <a:t>Frame </a:t>
-            </a:r>
-            <a:r>
-              <a:rPr lang="en-US" altLang="ko-KR" sz="2000" dirty="0" smtClean="0"/>
-              <a:t>animation</a:t>
+              <a:t>Frame animation</a:t>
             </a:r>
           </a:p>
           <a:p>
@@ -4252,15 +5768,8 @@
             </a:pPr>
             <a:r>
               <a:rPr lang="en-US" altLang="ko-KR" sz="2000" dirty="0" smtClean="0"/>
-              <a:t>Property </a:t>
-            </a:r>
-            <a:r>
-              <a:rPr lang="en-US" altLang="ko-KR" sz="2000" dirty="0" smtClean="0"/>
-              <a:t>Animation</a:t>
-            </a:r>
-            <a:endParaRPr lang="en-US" altLang="ko-KR" sz="2000" dirty="0"/>
-          </a:p>
-          <a:p>
+              <a:t>Property Animation</a:t>
+            </a:r>
             <a:endParaRPr lang="en-US" altLang="ko-KR" sz="2000" dirty="0"/>
           </a:p>
           <a:p>
@@ -4276,21 +5785,72 @@
             <a:endParaRPr lang="en-US" altLang="ko-KR" sz="2000" dirty="0"/>
           </a:p>
           <a:p>
+            <a:pPr marL="342900" indent="-342900">
+              <a:buFont typeface="Arial" panose="020B0604020202020204" pitchFamily="34" charset="0"/>
+              <a:buChar char="•"/>
+            </a:pPr>
             <a:r>
               <a:rPr lang="ko-KR" altLang="en-US" sz="2000" dirty="0" err="1" smtClean="0"/>
               <a:t>뷰</a:t>
             </a:r>
             <a:r>
               <a:rPr lang="ko-KR" altLang="en-US" sz="2000" dirty="0" smtClean="0"/>
-              <a:t> 애니메이션은 </a:t>
-            </a:r>
+              <a:t> 애니메이션은 짧은 코드로 구현하기가 쉽다</a:t>
+            </a:r>
+            <a:r>
+              <a:rPr lang="en-US" altLang="ko-KR" sz="2000" dirty="0" smtClean="0"/>
+              <a:t>.</a:t>
+            </a:r>
+          </a:p>
+          <a:p>
+            <a:pPr marL="342900" indent="-342900">
+              <a:buFont typeface="Arial" panose="020B0604020202020204" pitchFamily="34" charset="0"/>
+              <a:buChar char="•"/>
+            </a:pPr>
+            <a:r>
+              <a:rPr lang="ko-KR" altLang="en-US" sz="2000" dirty="0" err="1" smtClean="0"/>
+              <a:t>프로퍼티</a:t>
+            </a:r>
+            <a:r>
+              <a:rPr lang="ko-KR" altLang="en-US" sz="2000" dirty="0" smtClean="0"/>
+              <a:t> 애니메이션에 비해 애니메이션을 가볍게 사용할 수 있다</a:t>
+            </a:r>
+            <a:r>
+              <a:rPr lang="en-US" altLang="ko-KR" sz="2000" dirty="0" smtClean="0"/>
+              <a:t>.</a:t>
+            </a:r>
+          </a:p>
+          <a:p>
+            <a:pPr marL="342900" indent="-342900">
+              <a:buFont typeface="Arial" panose="020B0604020202020204" pitchFamily="34" charset="0"/>
+              <a:buChar char="•"/>
+            </a:pPr>
             <a:r>
               <a:rPr lang="ko-KR" altLang="en-US" sz="2000" dirty="0" err="1" smtClean="0"/>
               <a:t>뷰</a:t>
             </a:r>
             <a:r>
               <a:rPr lang="ko-KR" altLang="en-US" sz="2000" dirty="0" smtClean="0"/>
-              <a:t> 그리기 효과를 주는 것이지 </a:t>
+              <a:t> 객체에만 애니메이션 적용 가능</a:t>
+            </a:r>
+            <a:endParaRPr lang="en-US" altLang="ko-KR" sz="2000" dirty="0" smtClean="0"/>
+          </a:p>
+          <a:p>
+            <a:pPr marL="342900" indent="-342900">
+              <a:buFont typeface="Arial" panose="020B0604020202020204" pitchFamily="34" charset="0"/>
+              <a:buChar char="•"/>
+            </a:pPr>
+            <a:r>
+              <a:rPr lang="ko-KR" altLang="en-US" sz="2000" dirty="0" smtClean="0"/>
+              <a:t>애니메이션이 적용될 때의 </a:t>
+            </a:r>
+            <a:r>
+              <a:rPr lang="ko-KR" altLang="en-US" sz="2000" dirty="0" err="1" smtClean="0"/>
+              <a:t>뷰의</a:t>
+            </a:r>
+            <a:r>
+              <a:rPr lang="ko-KR" altLang="en-US" sz="2000" dirty="0" smtClean="0"/>
+              <a:t> 출력 부분만 변형되기 때문에 </a:t>
             </a:r>
             <a:r>
               <a:rPr lang="ko-KR" altLang="en-US" sz="2000" dirty="0" err="1" smtClean="0"/>
@@ -4298,17 +5858,39 @@
             </a:r>
             <a:r>
               <a:rPr lang="ko-KR" altLang="en-US" sz="2000" dirty="0" smtClean="0"/>
-              <a:t> 자체에 영향을 주진 않음</a:t>
-            </a:r>
-            <a:r>
-              <a:rPr lang="en-US" altLang="ko-KR" sz="2000" dirty="0" smtClean="0"/>
-              <a:t>.</a:t>
-            </a:r>
-          </a:p>
-          <a:p>
-            <a:r>
-              <a:rPr lang="ko-KR" altLang="en-US" sz="2000" dirty="0" smtClean="0"/>
-              <a:t>때문에 버튼을 애니메이션 효과에 의해 다른 위치로 이동시키더라도 원래 버튼이 있던 자리를 클릭하면 버튼이 클릭됨</a:t>
+              <a:t> 애니메이션을 적용하여 </a:t>
+            </a:r>
+            <a:r>
+              <a:rPr lang="ko-KR" altLang="en-US" sz="2000" dirty="0" err="1" smtClean="0"/>
+              <a:t>뷰의</a:t>
+            </a:r>
+            <a:r>
+              <a:rPr lang="ko-KR" altLang="en-US" sz="2000" dirty="0" smtClean="0"/>
+              <a:t> 위치가 이동 되었어도 </a:t>
+            </a:r>
+            <a:r>
+              <a:rPr lang="ko-KR" altLang="en-US" sz="2000" dirty="0" err="1" smtClean="0"/>
+              <a:t>뷰가</a:t>
+            </a:r>
+            <a:r>
+              <a:rPr lang="ko-KR" altLang="en-US" sz="2000" dirty="0" smtClean="0"/>
+              <a:t> 이동 </a:t>
+            </a:r>
+            <a:r>
+              <a:rPr lang="ko-KR" altLang="en-US" sz="2000" dirty="0" err="1" smtClean="0"/>
+              <a:t>하기전에</a:t>
+            </a:r>
+            <a:r>
+              <a:rPr lang="ko-KR" altLang="en-US" sz="2000" dirty="0" smtClean="0"/>
+              <a:t> 있던 영역을 터치했을 때 </a:t>
+            </a:r>
+            <a:r>
+              <a:rPr lang="ko-KR" altLang="en-US" sz="2000" dirty="0" err="1" smtClean="0"/>
+              <a:t>뷰가</a:t>
+            </a:r>
+            <a:r>
+              <a:rPr lang="ko-KR" altLang="en-US" sz="2000" dirty="0" smtClean="0"/>
+              <a:t> 해당 이벤트를 감지합니다</a:t>
             </a:r>
             <a:r>
               <a:rPr lang="en-US" altLang="ko-KR" sz="2000" dirty="0" smtClean="0"/>
@@ -4337,7 +5919,7 @@
 </p:sld>
 </file>
 
-<file path=ppt/slides/slide12.xml><?xml version="1.0" encoding="utf-8"?>
+<file path=ppt/slides/slide18.xml><?xml version="1.0" encoding="utf-8"?>
 <p:sld xmlns:a="http://schemas.openxmlformats.org/drawingml/2006/main" xmlns:r="http://schemas.openxmlformats.org/officeDocument/2006/relationships" xmlns:p="http://schemas.openxmlformats.org/presentationml/2006/main">
   <p:cSld>
     <p:spTree>
@@ -4462,49 +6044,27 @@
             <a:endParaRPr lang="en-US" altLang="ko-KR" sz="2000" dirty="0"/>
           </a:p>
           <a:p>
-            <a:r>
-              <a:rPr lang="ko-KR" altLang="en-US" sz="2000" dirty="0" err="1" smtClean="0"/>
-              <a:t>프로퍼티</a:t>
-            </a:r>
-            <a:r>
-              <a:rPr lang="ko-KR" altLang="en-US" sz="2000" dirty="0" smtClean="0"/>
-              <a:t> 애니메이션은 </a:t>
-            </a:r>
-            <a:r>
-              <a:rPr lang="ko-KR" altLang="en-US" sz="2000" dirty="0" err="1" smtClean="0"/>
-              <a:t>뷰</a:t>
-            </a:r>
-            <a:r>
-              <a:rPr lang="ko-KR" altLang="en-US" sz="2000" dirty="0" smtClean="0"/>
-              <a:t> 애니메이션의 단점을 보완함</a:t>
-            </a:r>
-            <a:r>
-              <a:rPr lang="en-US" altLang="ko-KR" sz="2000" dirty="0" smtClean="0"/>
-              <a:t>. </a:t>
-            </a:r>
-            <a:r>
-              <a:rPr lang="ko-KR" altLang="en-US" sz="2000" dirty="0" err="1" smtClean="0"/>
-              <a:t>뷰</a:t>
-            </a:r>
-            <a:r>
-              <a:rPr lang="ko-KR" altLang="en-US" sz="2000" dirty="0" smtClean="0"/>
-              <a:t> 뿐만 아니라 다른 객체에도 애니메이션 효과를 줄 수 있으며</a:t>
-            </a:r>
-            <a:r>
-              <a:rPr lang="en-US" altLang="ko-KR" sz="2000" dirty="0" smtClean="0"/>
-              <a:t>, </a:t>
-            </a:r>
-            <a:r>
-              <a:rPr lang="ko-KR" altLang="en-US" sz="2000" dirty="0" smtClean="0"/>
-              <a:t>객체 자체의 </a:t>
-            </a:r>
-            <a:r>
-              <a:rPr lang="ko-KR" altLang="en-US" sz="2000" dirty="0" err="1" smtClean="0"/>
-              <a:t>프로퍼티를</a:t>
-            </a:r>
-            <a:r>
-              <a:rPr lang="ko-KR" altLang="en-US" sz="2000" dirty="0" smtClean="0"/>
-              <a:t> 변경시키기 때문에 버튼이 이동하면 바뀐 위치가 클릭됨</a:t>
+            <a:pPr marL="342900" indent="-342900">
+              <a:buFont typeface="Arial" panose="020B0604020202020204" pitchFamily="34" charset="0"/>
+              <a:buChar char="•"/>
+            </a:pPr>
+            <a:r>
+              <a:rPr lang="ko-KR" altLang="en-US" sz="2000" dirty="0" smtClean="0"/>
+              <a:t>어떤 객체에 대해서든 애니메이션 적용 가능</a:t>
+            </a:r>
+            <a:r>
+              <a:rPr lang="en-US" altLang="ko-KR" sz="2000" dirty="0" smtClean="0"/>
+              <a:t>.</a:t>
+            </a:r>
+          </a:p>
+          <a:p>
+            <a:pPr marL="342900" indent="-342900">
+              <a:buFont typeface="Arial" panose="020B0604020202020204" pitchFamily="34" charset="0"/>
+              <a:buChar char="•"/>
+            </a:pPr>
+            <a:r>
+              <a:rPr lang="ko-KR" altLang="en-US" sz="2000" dirty="0" smtClean="0"/>
+              <a:t>애니메이션이 적용되면 객체 자체가 영향을 받기 때문에 출력에 대한 부분과 실질적인 좌표들도 모두 애니메이션이 적용됨</a:t>
             </a:r>
             <a:r>
               <a:rPr lang="en-US" altLang="ko-KR" sz="2000" dirty="0" smtClean="0"/>
@@ -4622,7 +6182,7 @@
 </p:sld>
 </file>
 
-<file path=ppt/slides/slide13.xml><?xml version="1.0" encoding="utf-8"?>
+<file path=ppt/slides/slide19.xml><?xml version="1.0" encoding="utf-8"?>
 <p:sld xmlns:a="http://schemas.openxmlformats.org/drawingml/2006/main" xmlns:r="http://schemas.openxmlformats.org/officeDocument/2006/relationships" xmlns:p="http://schemas.openxmlformats.org/presentationml/2006/main">
   <p:cSld>
     <p:spTree>
@@ -4705,11 +6265,7 @@
             </a:r>
             <a:r>
               <a:rPr lang="en-US" altLang="ko-KR" sz="2000" dirty="0" smtClean="0"/>
-              <a:t> : Frame </a:t>
-            </a:r>
-            <a:r>
-              <a:rPr lang="en-US" altLang="ko-KR" sz="2000" dirty="0" smtClean="0"/>
-              <a:t>animation</a:t>
+              <a:t> : Frame animation</a:t>
             </a:r>
           </a:p>
           <a:p>
@@ -4822,1342 +6378,6 @@
 </p:sld>
 </file>
 
-<file path=ppt/slides/slide14.xml><?xml version="1.0" encoding="utf-8"?>
-<p:sld xmlns:a="http://schemas.openxmlformats.org/drawingml/2006/main" xmlns:r="http://schemas.openxmlformats.org/officeDocument/2006/relationships" xmlns:p="http://schemas.openxmlformats.org/presentationml/2006/main">
-  <p:cSld>
-    <p:spTree>
-      <p:nvGrpSpPr>
-        <p:cNvPr id="1" name=""/>
-        <p:cNvGrpSpPr/>
-        <p:nvPr/>
-      </p:nvGrpSpPr>
-      <p:grpSpPr>
-        <a:xfrm>
-          <a:off x="0" y="0"/>
-          <a:ext cx="0" cy="0"/>
-          <a:chOff x="0" y="0"/>
-          <a:chExt cx="0" cy="0"/>
-        </a:xfrm>
-      </p:grpSpPr>
-      <p:sp>
-        <p:nvSpPr>
-          <p:cNvPr id="8" name="TextBox 7"/>
-          <p:cNvSpPr txBox="1"/>
-          <p:nvPr/>
-        </p:nvSpPr>
-        <p:spPr>
-          <a:xfrm>
-            <a:off x="107504" y="260648"/>
-            <a:ext cx="8916022" cy="8094524"/>
-          </a:xfrm>
-          <a:prstGeom prst="rect">
-            <a:avLst/>
-          </a:prstGeom>
-          <a:noFill/>
-        </p:spPr>
-        <p:txBody>
-          <a:bodyPr wrap="square" rtlCol="0">
-            <a:spAutoFit/>
-          </a:bodyPr>
-          <a:lstStyle/>
-          <a:p>
-            <a:r>
-              <a:rPr lang="en-US" altLang="ko-KR" sz="2000" b="1" dirty="0" smtClean="0"/>
-              <a:t>class </a:t>
-            </a:r>
-            <a:r>
-              <a:rPr lang="ko-KR" altLang="en-US" sz="2000" b="1" dirty="0" smtClean="0"/>
-              <a:t>종류</a:t>
-            </a:r>
-            <a:endParaRPr lang="en-US" altLang="ko-KR" sz="2000" b="1" dirty="0" smtClean="0"/>
-          </a:p>
-          <a:p>
-            <a:endParaRPr lang="en-US" altLang="ko-KR" sz="2000" b="1" dirty="0" smtClean="0"/>
-          </a:p>
-          <a:p>
-            <a:pPr marL="342900" indent="-342900">
-              <a:buFont typeface="Arial" panose="020B0604020202020204" pitchFamily="34" charset="0"/>
-              <a:buChar char="•"/>
-            </a:pPr>
-            <a:r>
-              <a:rPr lang="en-US" altLang="ko-KR" sz="2000" dirty="0" smtClean="0"/>
-              <a:t>View Animation</a:t>
-            </a:r>
-          </a:p>
-          <a:p>
-            <a:pPr marL="800100" lvl="1" indent="-342900">
-              <a:buFont typeface="Arial" panose="020B0604020202020204" pitchFamily="34" charset="0"/>
-              <a:buChar char="•"/>
-            </a:pPr>
-            <a:r>
-              <a:rPr lang="en-US" altLang="ko-KR" sz="2000" dirty="0" smtClean="0"/>
-              <a:t>Animation : Tween animation</a:t>
-            </a:r>
-          </a:p>
-          <a:p>
-            <a:pPr marL="800100" lvl="1" indent="-342900">
-              <a:buFont typeface="Arial" panose="020B0604020202020204" pitchFamily="34" charset="0"/>
-              <a:buChar char="•"/>
-            </a:pPr>
-            <a:r>
-              <a:rPr lang="en-US" altLang="ko-KR" sz="2000" dirty="0" err="1" smtClean="0"/>
-              <a:t>AnimationDrawable</a:t>
-            </a:r>
-            <a:r>
-              <a:rPr lang="en-US" altLang="ko-KR" sz="2000" dirty="0" smtClean="0"/>
-              <a:t> : Frame animation</a:t>
-            </a:r>
-          </a:p>
-          <a:p>
-            <a:pPr marL="342900" indent="-342900">
-              <a:buFont typeface="Arial" panose="020B0604020202020204" pitchFamily="34" charset="0"/>
-              <a:buChar char="•"/>
-            </a:pPr>
-            <a:r>
-              <a:rPr lang="en-US" altLang="ko-KR" sz="2000" dirty="0" smtClean="0"/>
-              <a:t>Property Animation</a:t>
-            </a:r>
-          </a:p>
-          <a:p>
-            <a:pPr marL="800100" lvl="1" indent="-342900">
-              <a:buFont typeface="Arial" panose="020B0604020202020204" pitchFamily="34" charset="0"/>
-              <a:buChar char="•"/>
-            </a:pPr>
-            <a:r>
-              <a:rPr lang="en-US" altLang="ko-KR" sz="2000" dirty="0" err="1" smtClean="0"/>
-              <a:t>ValueAnimator</a:t>
-            </a:r>
-            <a:endParaRPr lang="en-US" altLang="ko-KR" sz="2000" dirty="0" smtClean="0"/>
-          </a:p>
-          <a:p>
-            <a:pPr marL="800100" lvl="1" indent="-342900">
-              <a:buFont typeface="Arial" panose="020B0604020202020204" pitchFamily="34" charset="0"/>
-              <a:buChar char="•"/>
-            </a:pPr>
-            <a:r>
-              <a:rPr lang="en-US" altLang="ko-KR" sz="2000" dirty="0" err="1" smtClean="0"/>
-              <a:t>ObjectAnimator</a:t>
-            </a:r>
-            <a:endParaRPr lang="en-US" altLang="ko-KR" sz="2000" dirty="0" smtClean="0"/>
-          </a:p>
-          <a:p>
-            <a:pPr marL="800100" lvl="1" indent="-342900">
-              <a:buFont typeface="Arial" panose="020B0604020202020204" pitchFamily="34" charset="0"/>
-              <a:buChar char="•"/>
-            </a:pPr>
-            <a:r>
-              <a:rPr lang="en-US" altLang="ko-KR" sz="2000" dirty="0" err="1" smtClean="0"/>
-              <a:t>AnimatorSet</a:t>
-            </a:r>
-            <a:endParaRPr lang="en-US" altLang="ko-KR" sz="2000" dirty="0" smtClean="0"/>
-          </a:p>
-          <a:p>
-            <a:pPr marL="342900" indent="-342900">
-              <a:buFont typeface="Arial" panose="020B0604020202020204" pitchFamily="34" charset="0"/>
-              <a:buChar char="•"/>
-            </a:pPr>
-            <a:endParaRPr lang="en-US" altLang="ko-KR" sz="2000" dirty="0" smtClean="0"/>
-          </a:p>
-          <a:p>
-            <a:pPr marL="342900" indent="-342900">
-              <a:buFont typeface="Arial" panose="020B0604020202020204" pitchFamily="34" charset="0"/>
-              <a:buChar char="•"/>
-            </a:pPr>
-            <a:endParaRPr lang="en-US" altLang="ko-KR" sz="2000" dirty="0"/>
-          </a:p>
-          <a:p>
-            <a:pPr marL="342900" indent="-342900">
-              <a:buFont typeface="Arial" panose="020B0604020202020204" pitchFamily="34" charset="0"/>
-              <a:buChar char="•"/>
-            </a:pPr>
-            <a:endParaRPr lang="en-US" altLang="ko-KR" sz="2000" dirty="0" smtClean="0"/>
-          </a:p>
-          <a:p>
-            <a:pPr marL="342900" indent="-342900">
-              <a:buFont typeface="Arial" panose="020B0604020202020204" pitchFamily="34" charset="0"/>
-              <a:buChar char="•"/>
-            </a:pPr>
-            <a:endParaRPr lang="en-US" altLang="ko-KR" sz="2000" dirty="0"/>
-          </a:p>
-          <a:p>
-            <a:pPr marL="342900" indent="-342900">
-              <a:buFont typeface="Arial" panose="020B0604020202020204" pitchFamily="34" charset="0"/>
-              <a:buChar char="•"/>
-            </a:pPr>
-            <a:endParaRPr lang="en-US" altLang="ko-KR" sz="2000" dirty="0" smtClean="0"/>
-          </a:p>
-          <a:p>
-            <a:pPr marL="342900" indent="-342900">
-              <a:buFont typeface="Arial" panose="020B0604020202020204" pitchFamily="34" charset="0"/>
-              <a:buChar char="•"/>
-            </a:pPr>
-            <a:endParaRPr lang="en-US" altLang="ko-KR" sz="2000" dirty="0"/>
-          </a:p>
-          <a:p>
-            <a:pPr marL="342900" indent="-342900">
-              <a:buFont typeface="Arial" panose="020B0604020202020204" pitchFamily="34" charset="0"/>
-              <a:buChar char="•"/>
-            </a:pPr>
-            <a:endParaRPr lang="en-US" altLang="ko-KR" sz="2000" dirty="0" smtClean="0"/>
-          </a:p>
-          <a:p>
-            <a:pPr marL="342900" indent="-342900">
-              <a:buFont typeface="Arial" panose="020B0604020202020204" pitchFamily="34" charset="0"/>
-              <a:buChar char="•"/>
-            </a:pPr>
-            <a:endParaRPr lang="en-US" altLang="ko-KR" sz="2000" dirty="0"/>
-          </a:p>
-          <a:p>
-            <a:pPr marL="342900" indent="-342900">
-              <a:buFont typeface="Arial" panose="020B0604020202020204" pitchFamily="34" charset="0"/>
-              <a:buChar char="•"/>
-            </a:pPr>
-            <a:endParaRPr lang="en-US" altLang="ko-KR" sz="2000" dirty="0"/>
-          </a:p>
-          <a:p>
-            <a:r>
-              <a:rPr lang="en-US" altLang="ko-KR" sz="2000" b="1" dirty="0" smtClean="0"/>
-              <a:t>Resource path</a:t>
-            </a:r>
-          </a:p>
-          <a:p>
-            <a:endParaRPr lang="en-US" altLang="ko-KR" sz="2000" b="1" dirty="0"/>
-          </a:p>
-          <a:p>
-            <a:pPr marL="342900" indent="-342900">
-              <a:buFont typeface="Arial" panose="020B0604020202020204" pitchFamily="34" charset="0"/>
-              <a:buChar char="•"/>
-            </a:pPr>
-            <a:r>
-              <a:rPr lang="en-US" altLang="ko-KR" sz="2000" dirty="0" smtClean="0"/>
-              <a:t>View Animation</a:t>
-            </a:r>
-          </a:p>
-          <a:p>
-            <a:pPr marL="800100" lvl="1" indent="-342900">
-              <a:buFont typeface="Arial" panose="020B0604020202020204" pitchFamily="34" charset="0"/>
-              <a:buChar char="•"/>
-            </a:pPr>
-            <a:r>
-              <a:rPr lang="en-US" altLang="ko-KR" sz="2000" dirty="0"/>
-              <a:t>res/</a:t>
-            </a:r>
-            <a:r>
-              <a:rPr lang="en-US" altLang="ko-KR" sz="2000" dirty="0" err="1"/>
-              <a:t>anim</a:t>
-            </a:r>
-            <a:r>
-              <a:rPr lang="en-US" altLang="ko-KR" sz="2000" dirty="0"/>
-              <a:t>/animation_detail.xml : Tween animation</a:t>
-            </a:r>
-          </a:p>
-          <a:p>
-            <a:pPr marL="800100" lvl="1" indent="-342900">
-              <a:buFont typeface="Arial" panose="020B0604020202020204" pitchFamily="34" charset="0"/>
-              <a:buChar char="•"/>
-            </a:pPr>
-            <a:r>
-              <a:rPr lang="en-US" altLang="ko-KR" sz="2000" dirty="0"/>
-              <a:t>res/</a:t>
-            </a:r>
-            <a:r>
-              <a:rPr lang="en-US" altLang="ko-KR" sz="2000" dirty="0" err="1"/>
-              <a:t>drawable</a:t>
-            </a:r>
-            <a:r>
-              <a:rPr lang="en-US" altLang="ko-KR" sz="2000" dirty="0"/>
-              <a:t>/animation_detail.xml : Frame animation</a:t>
-            </a:r>
-          </a:p>
-          <a:p>
-            <a:pPr marL="342900" indent="-342900">
-              <a:buFont typeface="Arial" panose="020B0604020202020204" pitchFamily="34" charset="0"/>
-              <a:buChar char="•"/>
-            </a:pPr>
-            <a:r>
-              <a:rPr lang="en-US" altLang="ko-KR" sz="2000" dirty="0" smtClean="0"/>
-              <a:t>Property Animation</a:t>
-            </a:r>
-          </a:p>
-          <a:p>
-            <a:pPr marL="800100" lvl="1" indent="-342900">
-              <a:buFont typeface="Arial" panose="020B0604020202020204" pitchFamily="34" charset="0"/>
-              <a:buChar char="•"/>
-            </a:pPr>
-            <a:r>
-              <a:rPr lang="en-US" altLang="ko-KR" sz="2000" dirty="0" smtClean="0"/>
-              <a:t>res/animator/animation_detail.xml</a:t>
-            </a:r>
-          </a:p>
-          <a:p>
-            <a:endParaRPr lang="en-US" altLang="ko-KR" sz="2000" dirty="0" smtClean="0"/>
-          </a:p>
-        </p:txBody>
-      </p:sp>
-    </p:spTree>
-    <p:extLst>
-      <p:ext uri="{BB962C8B-B14F-4D97-AF65-F5344CB8AC3E}">
-        <p14:creationId xmlns:p14="http://schemas.microsoft.com/office/powerpoint/2010/main" val="183109353"/>
-      </p:ext>
-    </p:extLst>
-  </p:cSld>
-  <p:clrMapOvr>
-    <a:masterClrMapping/>
-  </p:clrMapOvr>
-  <p:timing>
-    <p:tnLst>
-      <p:par>
-        <p:cTn id="1" dur="indefinite" restart="never" nodeType="tmRoot"/>
-      </p:par>
-    </p:tnLst>
-  </p:timing>
-</p:sld>
-</file>
-
-<file path=ppt/slides/slide15.xml><?xml version="1.0" encoding="utf-8"?>
-<p:sld xmlns:a="http://schemas.openxmlformats.org/drawingml/2006/main" xmlns:r="http://schemas.openxmlformats.org/officeDocument/2006/relationships" xmlns:p="http://schemas.openxmlformats.org/presentationml/2006/main">
-  <p:cSld>
-    <p:spTree>
-      <p:nvGrpSpPr>
-        <p:cNvPr id="1" name=""/>
-        <p:cNvGrpSpPr/>
-        <p:nvPr/>
-      </p:nvGrpSpPr>
-      <p:grpSpPr>
-        <a:xfrm>
-          <a:off x="0" y="0"/>
-          <a:ext cx="0" cy="0"/>
-          <a:chOff x="0" y="0"/>
-          <a:chExt cx="0" cy="0"/>
-        </a:xfrm>
-      </p:grpSpPr>
-      <p:pic>
-        <p:nvPicPr>
-          <p:cNvPr id="4098" name="Picture 2" descr="C:\Users\mutecsoft\Pictures\android-thread-looper-handler.png"/>
-          <p:cNvPicPr>
-            <a:picLocks noChangeAspect="1" noChangeArrowheads="1"/>
-          </p:cNvPicPr>
-          <p:nvPr/>
-        </p:nvPicPr>
-        <p:blipFill>
-          <a:blip r:embed="rId2">
-            <a:extLst>
-              <a:ext uri="{28A0092B-C50C-407E-A947-70E740481C1C}">
-                <a14:useLocalDpi xmlns:a14="http://schemas.microsoft.com/office/drawing/2010/main" val="0"/>
-              </a:ext>
-            </a:extLst>
-          </a:blip>
-          <a:srcRect/>
-          <a:stretch>
-            <a:fillRect/>
-          </a:stretch>
-        </p:blipFill>
-        <p:spPr bwMode="auto">
-          <a:xfrm>
-            <a:off x="1835696" y="740716"/>
-            <a:ext cx="5256584" cy="6150933"/>
-          </a:xfrm>
-          <a:prstGeom prst="rect">
-            <a:avLst/>
-          </a:prstGeom>
-          <a:noFill/>
-          <a:extLst>
-            <a:ext uri="{909E8E84-426E-40DD-AFC4-6F175D3DCCD1}">
-              <a14:hiddenFill xmlns:a14="http://schemas.microsoft.com/office/drawing/2010/main">
-                <a:solidFill>
-                  <a:srgbClr val="FFFFFF"/>
-                </a:solidFill>
-              </a14:hiddenFill>
-            </a:ext>
-          </a:extLst>
-        </p:spPr>
-      </p:pic>
-    </p:spTree>
-    <p:extLst>
-      <p:ext uri="{BB962C8B-B14F-4D97-AF65-F5344CB8AC3E}">
-        <p14:creationId xmlns:p14="http://schemas.microsoft.com/office/powerpoint/2010/main" val="80741494"/>
-      </p:ext>
-    </p:extLst>
-  </p:cSld>
-  <p:clrMapOvr>
-    <a:masterClrMapping/>
-  </p:clrMapOvr>
-  <p:timing>
-    <p:tnLst>
-      <p:par>
-        <p:cTn id="1" dur="indefinite" restart="never" nodeType="tmRoot"/>
-      </p:par>
-    </p:tnLst>
-  </p:timing>
-</p:sld>
-</file>
-
-<file path=ppt/slides/slide16.xml><?xml version="1.0" encoding="utf-8"?>
-<p:sld xmlns:a="http://schemas.openxmlformats.org/drawingml/2006/main" xmlns:r="http://schemas.openxmlformats.org/officeDocument/2006/relationships" xmlns:p="http://schemas.openxmlformats.org/presentationml/2006/main">
-  <p:cSld>
-    <p:spTree>
-      <p:nvGrpSpPr>
-        <p:cNvPr id="1" name=""/>
-        <p:cNvGrpSpPr/>
-        <p:nvPr/>
-      </p:nvGrpSpPr>
-      <p:grpSpPr>
-        <a:xfrm>
-          <a:off x="0" y="0"/>
-          <a:ext cx="0" cy="0"/>
-          <a:chOff x="0" y="0"/>
-          <a:chExt cx="0" cy="0"/>
-        </a:xfrm>
-      </p:grpSpPr>
-      <p:sp>
-        <p:nvSpPr>
-          <p:cNvPr id="3" name="TextBox 2"/>
-          <p:cNvSpPr txBox="1"/>
-          <p:nvPr/>
-        </p:nvSpPr>
-        <p:spPr>
-          <a:xfrm>
-            <a:off x="120474" y="1052736"/>
-            <a:ext cx="8916022" cy="707886"/>
-          </a:xfrm>
-          <a:prstGeom prst="rect">
-            <a:avLst/>
-          </a:prstGeom>
-          <a:noFill/>
-        </p:spPr>
-        <p:txBody>
-          <a:bodyPr wrap="square" rtlCol="0">
-            <a:spAutoFit/>
-          </a:bodyPr>
-          <a:lstStyle/>
-          <a:p>
-            <a:r>
-              <a:rPr lang="ko-KR" altLang="en-US" sz="2000" dirty="0" smtClean="0"/>
-              <a:t>자식 </a:t>
-            </a:r>
-            <a:r>
-              <a:rPr lang="ko-KR" altLang="en-US" sz="2000" dirty="0" err="1" smtClean="0"/>
-              <a:t>뷰를</a:t>
-            </a:r>
-            <a:r>
-              <a:rPr lang="ko-KR" altLang="en-US" sz="2000" dirty="0" smtClean="0"/>
-              <a:t> 일직선이 아닌 다양한 방향으로 표시해야 하는 경우 컴포넌트 사이의 관계를 중심으로 레이아웃을 지정할 수 있는  </a:t>
-            </a:r>
-            <a:r>
-              <a:rPr lang="en-US" altLang="ko-KR" sz="2000" dirty="0" err="1" smtClean="0"/>
-              <a:t>RelativeLayout</a:t>
-            </a:r>
-            <a:r>
-              <a:rPr lang="ko-KR" altLang="en-US" sz="2000" dirty="0" smtClean="0"/>
-              <a:t>을 사용</a:t>
-            </a:r>
-            <a:r>
-              <a:rPr lang="en-US" altLang="ko-KR" sz="2000" dirty="0" smtClean="0"/>
-              <a:t>.</a:t>
-            </a:r>
-            <a:r>
-              <a:rPr lang="ko-KR" altLang="en-US" sz="2000" dirty="0" smtClean="0"/>
-              <a:t> </a:t>
-            </a:r>
-            <a:endParaRPr lang="en-US" altLang="ko-KR" sz="2000" dirty="0">
-              <a:effectLst/>
-            </a:endParaRPr>
-          </a:p>
-        </p:txBody>
-      </p:sp>
-      <p:sp>
-        <p:nvSpPr>
-          <p:cNvPr id="7" name="TextBox 6"/>
-          <p:cNvSpPr txBox="1"/>
-          <p:nvPr/>
-        </p:nvSpPr>
-        <p:spPr>
-          <a:xfrm>
-            <a:off x="232914" y="332656"/>
-            <a:ext cx="3938194" cy="523220"/>
-          </a:xfrm>
-          <a:prstGeom prst="rect">
-            <a:avLst/>
-          </a:prstGeom>
-          <a:noFill/>
-        </p:spPr>
-        <p:txBody>
-          <a:bodyPr wrap="none" rtlCol="0">
-            <a:spAutoFit/>
-          </a:bodyPr>
-          <a:lstStyle/>
-          <a:p>
-            <a:pPr marL="571500" indent="-571500">
-              <a:buFont typeface="Arial" pitchFamily="34" charset="0"/>
-              <a:buChar char="•"/>
-            </a:pPr>
-            <a:r>
-              <a:rPr lang="en-US" altLang="ko-KR" sz="2800" dirty="0" err="1" smtClean="0"/>
-              <a:t>RelativeLayout</a:t>
-            </a:r>
-            <a:r>
-              <a:rPr lang="en-US" altLang="ko-KR" sz="2800" dirty="0" smtClean="0"/>
-              <a:t> </a:t>
-            </a:r>
-            <a:r>
-              <a:rPr lang="ko-KR" altLang="en-US" sz="2800" dirty="0" smtClean="0"/>
-              <a:t>사</a:t>
-            </a:r>
-            <a:r>
-              <a:rPr lang="ko-KR" altLang="en-US" sz="2800" dirty="0"/>
-              <a:t>용</a:t>
-            </a:r>
-            <a:endParaRPr lang="en-US" altLang="ko-KR" sz="2800" dirty="0" smtClean="0"/>
-          </a:p>
-        </p:txBody>
-      </p:sp>
-      <p:pic>
-        <p:nvPicPr>
-          <p:cNvPr id="1026" name="Picture 2" descr="C:\Users\Mutecsoft_pc\Pictures\2016-04-08 17;25;11.jpg"/>
-          <p:cNvPicPr>
-            <a:picLocks noChangeAspect="1" noChangeArrowheads="1"/>
-          </p:cNvPicPr>
-          <p:nvPr/>
-        </p:nvPicPr>
-        <p:blipFill>
-          <a:blip r:embed="rId2">
-            <a:extLst>
-              <a:ext uri="{28A0092B-C50C-407E-A947-70E740481C1C}">
-                <a14:useLocalDpi xmlns:a14="http://schemas.microsoft.com/office/drawing/2010/main" val="0"/>
-              </a:ext>
-            </a:extLst>
-          </a:blip>
-          <a:srcRect/>
-          <a:stretch>
-            <a:fillRect/>
-          </a:stretch>
-        </p:blipFill>
-        <p:spPr bwMode="auto">
-          <a:xfrm>
-            <a:off x="1619672" y="2060848"/>
-            <a:ext cx="5635007" cy="4620706"/>
-          </a:xfrm>
-          <a:prstGeom prst="rect">
-            <a:avLst/>
-          </a:prstGeom>
-          <a:noFill/>
-          <a:extLst>
-            <a:ext uri="{909E8E84-426E-40DD-AFC4-6F175D3DCCD1}">
-              <a14:hiddenFill xmlns:a14="http://schemas.microsoft.com/office/drawing/2010/main">
-                <a:solidFill>
-                  <a:srgbClr val="FFFFFF"/>
-                </a:solidFill>
-              </a14:hiddenFill>
-            </a:ext>
-          </a:extLst>
-        </p:spPr>
-      </p:pic>
-    </p:spTree>
-    <p:extLst>
-      <p:ext uri="{BB962C8B-B14F-4D97-AF65-F5344CB8AC3E}">
-        <p14:creationId xmlns:p14="http://schemas.microsoft.com/office/powerpoint/2010/main" val="3765244779"/>
-      </p:ext>
-    </p:extLst>
-  </p:cSld>
-  <p:clrMapOvr>
-    <a:masterClrMapping/>
-  </p:clrMapOvr>
-  <p:timing>
-    <p:tnLst>
-      <p:par>
-        <p:cTn id="1" dur="indefinite" restart="never" nodeType="tmRoot"/>
-      </p:par>
-    </p:tnLst>
-  </p:timing>
-</p:sld>
-</file>
-
-<file path=ppt/slides/slide17.xml><?xml version="1.0" encoding="utf-8"?>
-<p:sld xmlns:a="http://schemas.openxmlformats.org/drawingml/2006/main" xmlns:r="http://schemas.openxmlformats.org/officeDocument/2006/relationships" xmlns:p="http://schemas.openxmlformats.org/presentationml/2006/main">
-  <p:cSld>
-    <p:spTree>
-      <p:nvGrpSpPr>
-        <p:cNvPr id="1" name=""/>
-        <p:cNvGrpSpPr/>
-        <p:nvPr/>
-      </p:nvGrpSpPr>
-      <p:grpSpPr>
-        <a:xfrm>
-          <a:off x="0" y="0"/>
-          <a:ext cx="0" cy="0"/>
-          <a:chOff x="0" y="0"/>
-          <a:chExt cx="0" cy="0"/>
-        </a:xfrm>
-      </p:grpSpPr>
-      <p:sp>
-        <p:nvSpPr>
-          <p:cNvPr id="3" name="TextBox 2"/>
-          <p:cNvSpPr txBox="1"/>
-          <p:nvPr/>
-        </p:nvSpPr>
-        <p:spPr>
-          <a:xfrm>
-            <a:off x="120474" y="1052736"/>
-            <a:ext cx="8916022" cy="707886"/>
-          </a:xfrm>
-          <a:prstGeom prst="rect">
-            <a:avLst/>
-          </a:prstGeom>
-          <a:noFill/>
-        </p:spPr>
-        <p:txBody>
-          <a:bodyPr wrap="square" rtlCol="0">
-            <a:spAutoFit/>
-          </a:bodyPr>
-          <a:lstStyle/>
-          <a:p>
-            <a:r>
-              <a:rPr lang="ko-KR" altLang="en-US" sz="2000" dirty="0" smtClean="0"/>
-              <a:t>자식 </a:t>
-            </a:r>
-            <a:r>
-              <a:rPr lang="ko-KR" altLang="en-US" sz="2000" dirty="0" err="1" smtClean="0"/>
-              <a:t>뷰를</a:t>
-            </a:r>
-            <a:r>
-              <a:rPr lang="ko-KR" altLang="en-US" sz="2000" dirty="0" smtClean="0"/>
-              <a:t> 일직선이 아닌 다양한 방향으로 표시해야 하는 경우 컴포넌트 사이의 관계를 중심으로 레이아웃을 지정할 수 있는  </a:t>
-            </a:r>
-            <a:r>
-              <a:rPr lang="en-US" altLang="ko-KR" sz="2000" dirty="0" err="1" smtClean="0"/>
-              <a:t>RelativeLayout</a:t>
-            </a:r>
-            <a:r>
-              <a:rPr lang="ko-KR" altLang="en-US" sz="2000" dirty="0" smtClean="0"/>
-              <a:t>을 사용</a:t>
-            </a:r>
-            <a:r>
-              <a:rPr lang="en-US" altLang="ko-KR" sz="2000" dirty="0" smtClean="0"/>
-              <a:t>.</a:t>
-            </a:r>
-            <a:r>
-              <a:rPr lang="ko-KR" altLang="en-US" sz="2000" dirty="0" smtClean="0"/>
-              <a:t> </a:t>
-            </a:r>
-            <a:endParaRPr lang="en-US" altLang="ko-KR" sz="2000" dirty="0">
-              <a:effectLst/>
-            </a:endParaRPr>
-          </a:p>
-        </p:txBody>
-      </p:sp>
-      <p:sp>
-        <p:nvSpPr>
-          <p:cNvPr id="7" name="TextBox 6"/>
-          <p:cNvSpPr txBox="1"/>
-          <p:nvPr/>
-        </p:nvSpPr>
-        <p:spPr>
-          <a:xfrm>
-            <a:off x="232914" y="332656"/>
-            <a:ext cx="3938194" cy="523220"/>
-          </a:xfrm>
-          <a:prstGeom prst="rect">
-            <a:avLst/>
-          </a:prstGeom>
-          <a:noFill/>
-        </p:spPr>
-        <p:txBody>
-          <a:bodyPr wrap="none" rtlCol="0">
-            <a:spAutoFit/>
-          </a:bodyPr>
-          <a:lstStyle/>
-          <a:p>
-            <a:pPr marL="571500" indent="-571500">
-              <a:buFont typeface="Arial" pitchFamily="34" charset="0"/>
-              <a:buChar char="•"/>
-            </a:pPr>
-            <a:r>
-              <a:rPr lang="en-US" altLang="ko-KR" sz="2800" dirty="0" err="1" smtClean="0"/>
-              <a:t>RelativeLayout</a:t>
-            </a:r>
-            <a:r>
-              <a:rPr lang="en-US" altLang="ko-KR" sz="2800" dirty="0" smtClean="0"/>
-              <a:t> </a:t>
-            </a:r>
-            <a:r>
-              <a:rPr lang="ko-KR" altLang="en-US" sz="2800" dirty="0" smtClean="0"/>
-              <a:t>사</a:t>
-            </a:r>
-            <a:r>
-              <a:rPr lang="ko-KR" altLang="en-US" sz="2800" dirty="0"/>
-              <a:t>용</a:t>
-            </a:r>
-            <a:endParaRPr lang="en-US" altLang="ko-KR" sz="2800" dirty="0" smtClean="0"/>
-          </a:p>
-        </p:txBody>
-      </p:sp>
-      <p:pic>
-        <p:nvPicPr>
-          <p:cNvPr id="1026" name="Picture 2" descr="C:\Users\Mutecsoft_pc\Pictures\2016-04-08 17;25;11.jpg"/>
-          <p:cNvPicPr>
-            <a:picLocks noChangeAspect="1" noChangeArrowheads="1"/>
-          </p:cNvPicPr>
-          <p:nvPr/>
-        </p:nvPicPr>
-        <p:blipFill>
-          <a:blip r:embed="rId2">
-            <a:extLst>
-              <a:ext uri="{28A0092B-C50C-407E-A947-70E740481C1C}">
-                <a14:useLocalDpi xmlns:a14="http://schemas.microsoft.com/office/drawing/2010/main" val="0"/>
-              </a:ext>
-            </a:extLst>
-          </a:blip>
-          <a:srcRect/>
-          <a:stretch>
-            <a:fillRect/>
-          </a:stretch>
-        </p:blipFill>
-        <p:spPr bwMode="auto">
-          <a:xfrm>
-            <a:off x="1619672" y="2132856"/>
-            <a:ext cx="5635007" cy="4620706"/>
-          </a:xfrm>
-          <a:prstGeom prst="rect">
-            <a:avLst/>
-          </a:prstGeom>
-          <a:noFill/>
-          <a:extLst>
-            <a:ext uri="{909E8E84-426E-40DD-AFC4-6F175D3DCCD1}">
-              <a14:hiddenFill xmlns:a14="http://schemas.microsoft.com/office/drawing/2010/main">
-                <a:solidFill>
-                  <a:srgbClr val="FFFFFF"/>
-                </a:solidFill>
-              </a14:hiddenFill>
-            </a:ext>
-          </a:extLst>
-        </p:spPr>
-      </p:pic>
-    </p:spTree>
-    <p:extLst>
-      <p:ext uri="{BB962C8B-B14F-4D97-AF65-F5344CB8AC3E}">
-        <p14:creationId xmlns:p14="http://schemas.microsoft.com/office/powerpoint/2010/main" val="2302717598"/>
-      </p:ext>
-    </p:extLst>
-  </p:cSld>
-  <p:clrMapOvr>
-    <a:masterClrMapping/>
-  </p:clrMapOvr>
-  <p:timing>
-    <p:tnLst>
-      <p:par>
-        <p:cTn id="1" dur="indefinite" restart="never" nodeType="tmRoot"/>
-      </p:par>
-    </p:tnLst>
-  </p:timing>
-</p:sld>
-</file>
-
-<file path=ppt/slides/slide18.xml><?xml version="1.0" encoding="utf-8"?>
-<p:sld xmlns:a="http://schemas.openxmlformats.org/drawingml/2006/main" xmlns:r="http://schemas.openxmlformats.org/officeDocument/2006/relationships" xmlns:p="http://schemas.openxmlformats.org/presentationml/2006/main">
-  <p:cSld>
-    <p:spTree>
-      <p:nvGrpSpPr>
-        <p:cNvPr id="1" name=""/>
-        <p:cNvGrpSpPr/>
-        <p:nvPr/>
-      </p:nvGrpSpPr>
-      <p:grpSpPr>
-        <a:xfrm>
-          <a:off x="0" y="0"/>
-          <a:ext cx="0" cy="0"/>
-          <a:chOff x="0" y="0"/>
-          <a:chExt cx="0" cy="0"/>
-        </a:xfrm>
-      </p:grpSpPr>
-      <p:sp>
-        <p:nvSpPr>
-          <p:cNvPr id="3" name="TextBox 2"/>
-          <p:cNvSpPr txBox="1"/>
-          <p:nvPr/>
-        </p:nvSpPr>
-        <p:spPr>
-          <a:xfrm>
-            <a:off x="120474" y="5013176"/>
-            <a:ext cx="8916022" cy="1631216"/>
-          </a:xfrm>
-          <a:prstGeom prst="rect">
-            <a:avLst/>
-          </a:prstGeom>
-          <a:noFill/>
-        </p:spPr>
-        <p:txBody>
-          <a:bodyPr wrap="square" rtlCol="0">
-            <a:spAutoFit/>
-          </a:bodyPr>
-          <a:lstStyle/>
-          <a:p>
-            <a:r>
-              <a:rPr lang="ko-KR" altLang="en-US" sz="2000" dirty="0" err="1" smtClean="0"/>
-              <a:t>앱의</a:t>
-            </a:r>
-            <a:r>
-              <a:rPr lang="ko-KR" altLang="en-US" sz="2000" dirty="0" smtClean="0"/>
-              <a:t> 각 구성 요소에 대한 </a:t>
-            </a:r>
-            <a:r>
-              <a:rPr lang="en-US" altLang="ko-KR" sz="2000" dirty="0" smtClean="0"/>
-              <a:t>UI </a:t>
-            </a:r>
-            <a:r>
-              <a:rPr lang="ko-KR" altLang="en-US" sz="2000" dirty="0" smtClean="0"/>
-              <a:t>는 위 그림에 나타난 바와 같이 </a:t>
-            </a:r>
-            <a:r>
-              <a:rPr lang="en-US" altLang="ko-KR" sz="2000" dirty="0" smtClean="0"/>
-              <a:t>View </a:t>
-            </a:r>
-            <a:r>
-              <a:rPr lang="ko-KR" altLang="en-US" sz="2000" dirty="0" smtClean="0"/>
-              <a:t>와 </a:t>
-            </a:r>
-            <a:r>
-              <a:rPr lang="en-US" altLang="ko-KR" sz="2000" dirty="0" err="1" smtClean="0"/>
-              <a:t>ViewGroup</a:t>
-            </a:r>
-            <a:r>
-              <a:rPr lang="en-US" altLang="ko-KR" sz="2000" dirty="0" smtClean="0"/>
-              <a:t> </a:t>
-            </a:r>
-            <a:r>
-              <a:rPr lang="ko-KR" altLang="en-US" sz="2000" dirty="0" smtClean="0"/>
-              <a:t>객체의 계층으로 정의됩니다</a:t>
-            </a:r>
-            <a:r>
-              <a:rPr lang="en-US" altLang="ko-KR" sz="2000" dirty="0" smtClean="0"/>
-              <a:t>. </a:t>
-            </a:r>
-            <a:r>
-              <a:rPr lang="ko-KR" altLang="en-US" sz="2000" dirty="0" smtClean="0"/>
-              <a:t>각 </a:t>
-            </a:r>
-            <a:r>
-              <a:rPr lang="en-US" altLang="ko-KR" sz="2000" dirty="0" err="1" smtClean="0"/>
-              <a:t>ViewGroup</a:t>
-            </a:r>
-            <a:r>
-              <a:rPr lang="ko-KR" altLang="en-US" sz="2000" dirty="0"/>
-              <a:t> </a:t>
-            </a:r>
-            <a:r>
-              <a:rPr lang="ko-KR" altLang="en-US" sz="2000" dirty="0" smtClean="0"/>
-              <a:t>은 하위 </a:t>
-            </a:r>
-            <a:r>
-              <a:rPr lang="en-US" altLang="ko-KR" sz="2000" dirty="0" smtClean="0"/>
-              <a:t>View</a:t>
-            </a:r>
-            <a:r>
-              <a:rPr lang="ko-KR" altLang="en-US" sz="2000" dirty="0" smtClean="0"/>
-              <a:t>를 체계화하는 투명한 컨테이너이고</a:t>
-            </a:r>
-            <a:r>
-              <a:rPr lang="en-US" altLang="ko-KR" sz="2000" dirty="0" smtClean="0"/>
-              <a:t>, </a:t>
-            </a:r>
-            <a:r>
-              <a:rPr lang="ko-KR" altLang="en-US" sz="2000" dirty="0" smtClean="0"/>
-              <a:t>하위 </a:t>
-            </a:r>
-            <a:r>
-              <a:rPr lang="en-US" altLang="ko-KR" sz="2000" dirty="0" smtClean="0"/>
-              <a:t>View </a:t>
-            </a:r>
-            <a:r>
-              <a:rPr lang="ko-KR" altLang="en-US" sz="2000" dirty="0" smtClean="0"/>
-              <a:t>는 </a:t>
-            </a:r>
-            <a:r>
-              <a:rPr lang="en-US" altLang="ko-KR" sz="2000" dirty="0" smtClean="0"/>
-              <a:t>UI </a:t>
-            </a:r>
-            <a:r>
-              <a:rPr lang="ko-KR" altLang="en-US" sz="2000" dirty="0" smtClean="0"/>
-              <a:t>의 일부분을 그리는 제어나 다른 </a:t>
-            </a:r>
-            <a:r>
-              <a:rPr lang="ko-KR" altLang="en-US" sz="2000" dirty="0" err="1" smtClean="0"/>
-              <a:t>위젯일</a:t>
-            </a:r>
-            <a:r>
-              <a:rPr lang="ko-KR" altLang="en-US" sz="2000" dirty="0" smtClean="0"/>
-              <a:t> 수 있습니다</a:t>
-            </a:r>
-            <a:r>
-              <a:rPr lang="en-US" altLang="ko-KR" sz="2000" dirty="0" smtClean="0"/>
-              <a:t>. </a:t>
-            </a:r>
-            <a:r>
-              <a:rPr lang="ko-KR" altLang="en-US" sz="2000" dirty="0" smtClean="0"/>
-              <a:t>이 계층 </a:t>
-            </a:r>
-            <a:r>
-              <a:rPr lang="ko-KR" altLang="en-US" sz="2000" dirty="0" err="1" smtClean="0"/>
-              <a:t>트리는</a:t>
-            </a:r>
-            <a:r>
-              <a:rPr lang="ko-KR" altLang="en-US" sz="2000" dirty="0" smtClean="0"/>
-              <a:t> 개발자에게 필요한 만큼 단순하거나 복잡하게 만들 수 있습니다</a:t>
-            </a:r>
-            <a:r>
-              <a:rPr lang="en-US" altLang="ko-KR" sz="2000" dirty="0" smtClean="0"/>
-              <a:t>(</a:t>
-            </a:r>
-            <a:r>
-              <a:rPr lang="ko-KR" altLang="en-US" sz="2000" dirty="0" smtClean="0"/>
-              <a:t>다만 단순한 것이 성능에는 가장 좋습니다</a:t>
-            </a:r>
-            <a:r>
-              <a:rPr lang="en-US" altLang="ko-KR" sz="2000" dirty="0" smtClean="0"/>
-              <a:t>).</a:t>
-            </a:r>
-            <a:endParaRPr lang="ko-KR" altLang="en-US" sz="2000" dirty="0"/>
-          </a:p>
-        </p:txBody>
-      </p:sp>
-      <p:sp>
-        <p:nvSpPr>
-          <p:cNvPr id="10" name="TextBox 9"/>
-          <p:cNvSpPr txBox="1"/>
-          <p:nvPr/>
-        </p:nvSpPr>
-        <p:spPr>
-          <a:xfrm>
-            <a:off x="232914" y="260647"/>
-            <a:ext cx="2877583" cy="646331"/>
-          </a:xfrm>
-          <a:prstGeom prst="rect">
-            <a:avLst/>
-          </a:prstGeom>
-          <a:noFill/>
-        </p:spPr>
-        <p:txBody>
-          <a:bodyPr wrap="none" rtlCol="0">
-            <a:spAutoFit/>
-          </a:bodyPr>
-          <a:lstStyle/>
-          <a:p>
-            <a:pPr marL="571500" indent="-571500">
-              <a:buFont typeface="Arial" pitchFamily="34" charset="0"/>
-              <a:buChar char="•"/>
-            </a:pPr>
-            <a:r>
-              <a:rPr lang="en-US" altLang="ko-KR" sz="3600" b="1" dirty="0" smtClean="0"/>
-              <a:t>UI Layout</a:t>
-            </a:r>
-            <a:endParaRPr lang="ko-KR" altLang="en-US" sz="3600" b="1" dirty="0"/>
-          </a:p>
-        </p:txBody>
-      </p:sp>
-      <p:pic>
-        <p:nvPicPr>
-          <p:cNvPr id="1026" name="Picture 2" descr="C:\Users\Mutecsoft_pc\Pictures\viewgroup.jpg"/>
-          <p:cNvPicPr>
-            <a:picLocks noChangeAspect="1" noChangeArrowheads="1"/>
-          </p:cNvPicPr>
-          <p:nvPr/>
-        </p:nvPicPr>
-        <p:blipFill>
-          <a:blip r:embed="rId2">
-            <a:extLst>
-              <a:ext uri="{28A0092B-C50C-407E-A947-70E740481C1C}">
-                <a14:useLocalDpi xmlns:a14="http://schemas.microsoft.com/office/drawing/2010/main" val="0"/>
-              </a:ext>
-            </a:extLst>
-          </a:blip>
-          <a:srcRect/>
-          <a:stretch>
-            <a:fillRect/>
-          </a:stretch>
-        </p:blipFill>
-        <p:spPr bwMode="auto">
-          <a:xfrm>
-            <a:off x="1403648" y="1412776"/>
-            <a:ext cx="5995270" cy="3200007"/>
-          </a:xfrm>
-          <a:prstGeom prst="rect">
-            <a:avLst/>
-          </a:prstGeom>
-          <a:noFill/>
-          <a:extLst>
-            <a:ext uri="{909E8E84-426E-40DD-AFC4-6F175D3DCCD1}">
-              <a14:hiddenFill xmlns:a14="http://schemas.microsoft.com/office/drawing/2010/main">
-                <a:solidFill>
-                  <a:srgbClr val="FFFFFF"/>
-                </a:solidFill>
-              </a14:hiddenFill>
-            </a:ext>
-          </a:extLst>
-        </p:spPr>
-      </p:pic>
-    </p:spTree>
-    <p:extLst>
-      <p:ext uri="{BB962C8B-B14F-4D97-AF65-F5344CB8AC3E}">
-        <p14:creationId xmlns:p14="http://schemas.microsoft.com/office/powerpoint/2010/main" val="3095731731"/>
-      </p:ext>
-    </p:extLst>
-  </p:cSld>
-  <p:clrMapOvr>
-    <a:masterClrMapping/>
-  </p:clrMapOvr>
-  <p:timing>
-    <p:tnLst>
-      <p:par>
-        <p:cTn id="1" dur="indefinite" restart="never" nodeType="tmRoot"/>
-      </p:par>
-    </p:tnLst>
-  </p:timing>
-</p:sld>
-</file>
-
-<file path=ppt/slides/slide19.xml><?xml version="1.0" encoding="utf-8"?>
-<p:sld xmlns:a="http://schemas.openxmlformats.org/drawingml/2006/main" xmlns:r="http://schemas.openxmlformats.org/officeDocument/2006/relationships" xmlns:p="http://schemas.openxmlformats.org/presentationml/2006/main">
-  <p:cSld>
-    <p:spTree>
-      <p:nvGrpSpPr>
-        <p:cNvPr id="1" name=""/>
-        <p:cNvGrpSpPr/>
-        <p:nvPr/>
-      </p:nvGrpSpPr>
-      <p:grpSpPr>
-        <a:xfrm>
-          <a:off x="0" y="0"/>
-          <a:ext cx="0" cy="0"/>
-          <a:chOff x="0" y="0"/>
-          <a:chExt cx="0" cy="0"/>
-        </a:xfrm>
-      </p:grpSpPr>
-      <p:sp>
-        <p:nvSpPr>
-          <p:cNvPr id="3" name="TextBox 2"/>
-          <p:cNvSpPr txBox="1"/>
-          <p:nvPr/>
-        </p:nvSpPr>
-        <p:spPr>
-          <a:xfrm>
-            <a:off x="120474" y="429632"/>
-            <a:ext cx="8916022" cy="2554545"/>
-          </a:xfrm>
-          <a:prstGeom prst="rect">
-            <a:avLst/>
-          </a:prstGeom>
-          <a:noFill/>
-        </p:spPr>
-        <p:txBody>
-          <a:bodyPr wrap="square" rtlCol="0">
-            <a:spAutoFit/>
-          </a:bodyPr>
-          <a:lstStyle/>
-          <a:p>
-            <a:r>
-              <a:rPr lang="ko-KR" altLang="en-US" sz="2000" dirty="0" smtClean="0"/>
-              <a:t>레이아웃을 선언하려면 코드의 </a:t>
-            </a:r>
-            <a:r>
-              <a:rPr lang="en-US" altLang="ko-KR" sz="2000" dirty="0" smtClean="0"/>
-              <a:t>View </a:t>
-            </a:r>
-            <a:r>
-              <a:rPr lang="ko-KR" altLang="en-US" sz="2000" dirty="0" smtClean="0"/>
-              <a:t>객체를 인스턴트화하고 </a:t>
-            </a:r>
-            <a:r>
-              <a:rPr lang="ko-KR" altLang="en-US" sz="2000" dirty="0" err="1" smtClean="0"/>
-              <a:t>트리를</a:t>
-            </a:r>
-            <a:r>
-              <a:rPr lang="ko-KR" altLang="en-US" sz="2000" dirty="0" smtClean="0"/>
-              <a:t> 구축해도 되고 간편하게 </a:t>
-            </a:r>
-            <a:r>
-              <a:rPr lang="en-US" altLang="ko-KR" sz="2000" dirty="0" smtClean="0"/>
-              <a:t>xml </a:t>
-            </a:r>
-            <a:r>
-              <a:rPr lang="ko-KR" altLang="en-US" sz="2000" dirty="0" smtClean="0"/>
-              <a:t>파일을 사용해도 됩니다</a:t>
-            </a:r>
-            <a:r>
-              <a:rPr lang="en-US" altLang="ko-KR" sz="2000" dirty="0" smtClean="0"/>
-              <a:t>.</a:t>
-            </a:r>
-          </a:p>
-          <a:p>
-            <a:endParaRPr lang="en-US" altLang="ko-KR" sz="2000" dirty="0"/>
-          </a:p>
-          <a:p>
-            <a:r>
-              <a:rPr lang="en-US" altLang="ko-KR" sz="2000" dirty="0" smtClean="0"/>
-              <a:t>xml </a:t>
-            </a:r>
-            <a:r>
-              <a:rPr lang="ko-KR" altLang="en-US" sz="2000" dirty="0" smtClean="0"/>
-              <a:t>에서 사용하는 요소 이름들</a:t>
-            </a:r>
-            <a:r>
-              <a:rPr lang="en-US" altLang="ko-KR" sz="2000" dirty="0" smtClean="0"/>
-              <a:t>(</a:t>
-            </a:r>
-            <a:r>
-              <a:rPr lang="en-US" altLang="ko-KR" sz="2000" dirty="0" err="1" smtClean="0"/>
-              <a:t>LinearLayout</a:t>
-            </a:r>
-            <a:r>
-              <a:rPr lang="en-US" altLang="ko-KR" sz="2000" dirty="0" smtClean="0"/>
-              <a:t>, </a:t>
-            </a:r>
-            <a:r>
-              <a:rPr lang="en-US" altLang="ko-KR" sz="2000" dirty="0" err="1" smtClean="0"/>
-              <a:t>TextView</a:t>
-            </a:r>
-            <a:r>
-              <a:rPr lang="en-US" altLang="ko-KR" sz="2000" dirty="0" smtClean="0"/>
-              <a:t>, Button)</a:t>
-            </a:r>
-            <a:r>
-              <a:rPr lang="ko-KR" altLang="en-US" sz="2000" dirty="0" smtClean="0"/>
-              <a:t>은 </a:t>
-            </a:r>
-            <a:r>
-              <a:rPr lang="ko-KR" altLang="en-US" sz="2000" dirty="0" err="1" smtClean="0"/>
-              <a:t>안드로이드에서</a:t>
-            </a:r>
-            <a:r>
-              <a:rPr lang="ko-KR" altLang="en-US" sz="2000" dirty="0" smtClean="0"/>
-              <a:t> 해당 클래스로  존재합니다</a:t>
-            </a:r>
-            <a:r>
-              <a:rPr lang="en-US" altLang="ko-KR" sz="2000" dirty="0" smtClean="0"/>
-              <a:t>.</a:t>
-            </a:r>
-          </a:p>
-          <a:p>
-            <a:endParaRPr lang="en-US" altLang="ko-KR" sz="2000" dirty="0"/>
-          </a:p>
-          <a:p>
-            <a:r>
-              <a:rPr lang="ko-KR" altLang="en-US" sz="2000" dirty="0" smtClean="0"/>
-              <a:t>코드에서는 레이아웃  리소스</a:t>
-            </a:r>
-            <a:r>
-              <a:rPr lang="en-US" altLang="ko-KR" sz="2000" dirty="0" smtClean="0"/>
-              <a:t>(xml </a:t>
-            </a:r>
-            <a:r>
-              <a:rPr lang="ko-KR" altLang="en-US" sz="2000" dirty="0" smtClean="0"/>
-              <a:t>파일</a:t>
-            </a:r>
-            <a:r>
-              <a:rPr lang="en-US" altLang="ko-KR" sz="2000" dirty="0" smtClean="0"/>
-              <a:t>)</a:t>
-            </a:r>
-            <a:r>
-              <a:rPr lang="ko-KR" altLang="en-US" sz="2000" dirty="0" smtClean="0"/>
-              <a:t>를 </a:t>
-            </a:r>
-            <a:r>
-              <a:rPr lang="en-US" altLang="ko-KR" sz="2000" dirty="0" smtClean="0"/>
-              <a:t>Inflate </a:t>
-            </a:r>
-            <a:r>
-              <a:rPr lang="ko-KR" altLang="en-US" sz="2000" dirty="0" smtClean="0"/>
-              <a:t>해서 객체 상태로 사용합니다</a:t>
-            </a:r>
-            <a:r>
-              <a:rPr lang="en-US" altLang="ko-KR" sz="2000" dirty="0" smtClean="0"/>
-              <a:t>.</a:t>
-            </a:r>
-            <a:endParaRPr lang="ko-KR" altLang="en-US" sz="2000" dirty="0"/>
-          </a:p>
-        </p:txBody>
-      </p:sp>
-      <p:sp>
-        <p:nvSpPr>
-          <p:cNvPr id="7" name="TextBox 6"/>
-          <p:cNvSpPr txBox="1"/>
-          <p:nvPr/>
-        </p:nvSpPr>
-        <p:spPr>
-          <a:xfrm>
-            <a:off x="107504" y="4437112"/>
-            <a:ext cx="8916022" cy="1323439"/>
-          </a:xfrm>
-          <a:prstGeom prst="rect">
-            <a:avLst/>
-          </a:prstGeom>
-          <a:noFill/>
-        </p:spPr>
-        <p:txBody>
-          <a:bodyPr wrap="square" rtlCol="0">
-            <a:spAutoFit/>
-          </a:bodyPr>
-          <a:lstStyle/>
-          <a:p>
-            <a:r>
-              <a:rPr lang="en-US" altLang="ko-KR" sz="2000" dirty="0" smtClean="0"/>
-              <a:t>UI </a:t>
-            </a:r>
-            <a:r>
-              <a:rPr lang="ko-KR" altLang="en-US" sz="2000" dirty="0" smtClean="0"/>
-              <a:t>를 구축할 때 모두 </a:t>
-            </a:r>
-            <a:r>
-              <a:rPr lang="en-US" altLang="ko-KR" sz="2000" dirty="0" smtClean="0"/>
-              <a:t>View </a:t>
-            </a:r>
-            <a:r>
-              <a:rPr lang="ko-KR" altLang="en-US" sz="2000" dirty="0" smtClean="0"/>
-              <a:t>및 </a:t>
-            </a:r>
-            <a:r>
-              <a:rPr lang="en-US" altLang="ko-KR" sz="2000" dirty="0" err="1" smtClean="0"/>
-              <a:t>ViewGroup</a:t>
-            </a:r>
-            <a:r>
-              <a:rPr lang="en-US" altLang="ko-KR" sz="2000" dirty="0" smtClean="0"/>
-              <a:t> </a:t>
-            </a:r>
-            <a:r>
-              <a:rPr lang="ko-KR" altLang="en-US" sz="2000" dirty="0" smtClean="0"/>
-              <a:t>객체를 사용해야 하는 것은 아닙니다</a:t>
-            </a:r>
-            <a:r>
-              <a:rPr lang="en-US" altLang="ko-KR" sz="2000" dirty="0" smtClean="0"/>
-              <a:t>.  </a:t>
-            </a:r>
-            <a:r>
-              <a:rPr lang="ko-KR" altLang="en-US" sz="2000" dirty="0" err="1" smtClean="0"/>
-              <a:t>안드로이드가</a:t>
-            </a:r>
-            <a:r>
-              <a:rPr lang="ko-KR" altLang="en-US" sz="2000" dirty="0" smtClean="0"/>
-              <a:t> 표준형 </a:t>
-            </a:r>
-            <a:r>
-              <a:rPr lang="en-US" altLang="ko-KR" sz="2000" dirty="0" smtClean="0"/>
-              <a:t>UI </a:t>
-            </a:r>
-            <a:r>
-              <a:rPr lang="ko-KR" altLang="en-US" sz="2000" dirty="0" smtClean="0"/>
-              <a:t>레이아웃을 제공하는 </a:t>
-            </a:r>
-            <a:r>
-              <a:rPr lang="ko-KR" altLang="en-US" sz="2000" dirty="0" err="1" smtClean="0"/>
-              <a:t>앱</a:t>
-            </a:r>
-            <a:r>
-              <a:rPr lang="ko-KR" altLang="en-US" sz="2000" dirty="0" smtClean="0"/>
-              <a:t> 컴포넌트</a:t>
-            </a:r>
-            <a:r>
-              <a:rPr lang="en-US" altLang="ko-KR" sz="2000" dirty="0" smtClean="0"/>
-              <a:t>(</a:t>
-            </a:r>
-            <a:r>
-              <a:rPr lang="ko-KR" altLang="en-US" sz="2000" dirty="0" smtClean="0"/>
-              <a:t>액션 </a:t>
-            </a:r>
-            <a:r>
-              <a:rPr lang="ko-KR" altLang="en-US" sz="2000" dirty="0"/>
-              <a:t>바</a:t>
-            </a:r>
-            <a:r>
-              <a:rPr lang="en-US" altLang="ko-KR" sz="2000" dirty="0"/>
-              <a:t>, </a:t>
-            </a:r>
-            <a:r>
-              <a:rPr lang="ko-KR" altLang="en-US" sz="2000" dirty="0"/>
-              <a:t>다이얼로그</a:t>
-            </a:r>
-            <a:r>
-              <a:rPr lang="en-US" altLang="ko-KR" sz="2000" dirty="0"/>
-              <a:t>, </a:t>
-            </a:r>
-            <a:r>
-              <a:rPr lang="ko-KR" altLang="en-US" sz="2000" dirty="0"/>
-              <a:t>상태 알림</a:t>
-            </a:r>
-            <a:r>
-              <a:rPr lang="en-US" altLang="ko-KR" sz="2000" dirty="0" smtClean="0"/>
-              <a:t>)</a:t>
-            </a:r>
-            <a:r>
-              <a:rPr lang="ko-KR" altLang="en-US" sz="2000" dirty="0" smtClean="0"/>
-              <a:t>를 여러 개 제공하므로 이에 대한 </a:t>
-            </a:r>
-            <a:r>
-              <a:rPr lang="ko-KR" altLang="en-US" sz="2000" dirty="0" err="1" smtClean="0"/>
-              <a:t>콘텐츠만</a:t>
-            </a:r>
-            <a:r>
-              <a:rPr lang="ko-KR" altLang="en-US" sz="2000" dirty="0" smtClean="0"/>
-              <a:t> 정의하면 됩니다</a:t>
-            </a:r>
-            <a:r>
-              <a:rPr lang="en-US" altLang="ko-KR" sz="2000" dirty="0" smtClean="0"/>
-              <a:t>.</a:t>
-            </a:r>
-          </a:p>
-        </p:txBody>
-      </p:sp>
-      <p:sp>
-        <p:nvSpPr>
-          <p:cNvPr id="8" name="TextBox 7"/>
-          <p:cNvSpPr txBox="1"/>
-          <p:nvPr/>
-        </p:nvSpPr>
-        <p:spPr>
-          <a:xfrm>
-            <a:off x="232914" y="3205424"/>
-            <a:ext cx="4190571" cy="646331"/>
-          </a:xfrm>
-          <a:prstGeom prst="rect">
-            <a:avLst/>
-          </a:prstGeom>
-          <a:noFill/>
-        </p:spPr>
-        <p:txBody>
-          <a:bodyPr wrap="none" rtlCol="0">
-            <a:spAutoFit/>
-          </a:bodyPr>
-          <a:lstStyle/>
-          <a:p>
-            <a:pPr marL="571500" indent="-571500">
-              <a:buFont typeface="Arial" pitchFamily="34" charset="0"/>
-              <a:buChar char="•"/>
-            </a:pPr>
-            <a:r>
-              <a:rPr lang="en-US" altLang="ko-KR" sz="3600" b="1" dirty="0" smtClean="0"/>
-              <a:t>UI Components</a:t>
-            </a:r>
-            <a:endParaRPr lang="ko-KR" altLang="en-US" sz="3600" b="1" dirty="0"/>
-          </a:p>
-        </p:txBody>
-      </p:sp>
-    </p:spTree>
-    <p:extLst>
-      <p:ext uri="{BB962C8B-B14F-4D97-AF65-F5344CB8AC3E}">
-        <p14:creationId xmlns:p14="http://schemas.microsoft.com/office/powerpoint/2010/main" val="557952983"/>
-      </p:ext>
-    </p:extLst>
-  </p:cSld>
-  <p:clrMapOvr>
-    <a:masterClrMapping/>
-  </p:clrMapOvr>
-  <p:timing>
-    <p:tnLst>
-      <p:par>
-        <p:cTn id="1" dur="indefinite" restart="never" nodeType="tmRoot"/>
-      </p:par>
-    </p:tnLst>
-  </p:timing>
-</p:sld>
-</file>
-
 <file path=ppt/slides/slide2.xml><?xml version="1.0" encoding="utf-8"?>
 <p:sld xmlns:a="http://schemas.openxmlformats.org/drawingml/2006/main" xmlns:r="http://schemas.openxmlformats.org/officeDocument/2006/relationships" xmlns:p="http://schemas.openxmlformats.org/presentationml/2006/main">
   <p:cSld>
@@ -6177,114 +6397,94 @@
       </p:grpSpPr>
       <p:sp>
         <p:nvSpPr>
-          <p:cNvPr id="2" name="제목 1"/>
-          <p:cNvSpPr>
-            <a:spLocks noGrp="1"/>
-          </p:cNvSpPr>
-          <p:nvPr>
-            <p:ph type="ctrTitle"/>
-          </p:nvPr>
-        </p:nvSpPr>
-        <p:spPr/>
-        <p:txBody>
-          <a:bodyPr/>
+          <p:cNvPr id="2" name="TextBox 1"/>
+          <p:cNvSpPr txBox="1"/>
+          <p:nvPr/>
+        </p:nvSpPr>
+        <p:spPr>
+          <a:xfrm>
+            <a:off x="827584" y="1201976"/>
+            <a:ext cx="7416824" cy="1938992"/>
+          </a:xfrm>
+          <a:prstGeom prst="rect">
+            <a:avLst/>
+          </a:prstGeom>
+          <a:noFill/>
+        </p:spPr>
+        <p:txBody>
+          <a:bodyPr wrap="square" rtlCol="0">
+            <a:spAutoFit/>
+          </a:bodyPr>
           <a:lstStyle/>
           <a:p>
-            <a:endParaRPr lang="ko-KR" altLang="en-US" dirty="0"/>
-          </a:p>
-        </p:txBody>
-      </p:sp>
-      <p:sp>
-        <p:nvSpPr>
-          <p:cNvPr id="3" name="부제목 2"/>
-          <p:cNvSpPr>
-            <a:spLocks noGrp="1"/>
-          </p:cNvSpPr>
-          <p:nvPr>
-            <p:ph type="subTitle" idx="1"/>
-          </p:nvPr>
-        </p:nvSpPr>
-        <p:spPr/>
-        <p:txBody>
-          <a:bodyPr/>
-          <a:lstStyle/>
-          <a:p>
-            <a:r>
-              <a:rPr lang="ko-KR" altLang="en-US" dirty="0" smtClean="0"/>
-              <a:t>레이아웃</a:t>
-            </a:r>
-            <a:r>
-              <a:rPr lang="en-US" altLang="ko-KR" dirty="0" smtClean="0"/>
-              <a:t>(</a:t>
-            </a:r>
-            <a:r>
-              <a:rPr lang="ko-KR" altLang="en-US" dirty="0" smtClean="0"/>
-              <a:t>나인패치</a:t>
-            </a:r>
-            <a:r>
-              <a:rPr lang="en-US" altLang="ko-KR" dirty="0" smtClean="0"/>
-              <a:t>, </a:t>
-            </a:r>
-            <a:r>
-              <a:rPr lang="en-US" altLang="ko-KR" dirty="0" err="1" smtClean="0"/>
-              <a:t>dp</a:t>
-            </a:r>
-            <a:r>
-              <a:rPr lang="en-US" altLang="ko-KR" dirty="0" smtClean="0"/>
-              <a:t>), </a:t>
-            </a:r>
-            <a:r>
-              <a:rPr lang="ko-KR" altLang="en-US" dirty="0" smtClean="0"/>
+            <a:pPr marL="285750" indent="-285750">
+              <a:buFont typeface="Wingdings" panose="05000000000000000000" pitchFamily="2" charset="2"/>
+              <a:buChar char="Ø"/>
+            </a:pPr>
+            <a:r>
+              <a:rPr lang="ko-KR" altLang="en-US" sz="2400" b="1" dirty="0" smtClean="0"/>
+              <a:t>레이아웃 하나로 여러 </a:t>
+            </a:r>
+            <a:r>
+              <a:rPr lang="ko-KR" altLang="en-US" sz="2400" b="1" dirty="0" err="1" smtClean="0"/>
+              <a:t>스마트폰에서</a:t>
+            </a:r>
+            <a:r>
+              <a:rPr lang="ko-KR" altLang="en-US" sz="2400" b="1" dirty="0" smtClean="0"/>
+              <a:t> 사용하는 방법</a:t>
+            </a:r>
+            <a:endParaRPr lang="en-US" altLang="ko-KR" sz="2400" b="1" dirty="0" smtClean="0"/>
+          </a:p>
+          <a:p>
+            <a:pPr marL="285750" indent="-285750">
+              <a:buFont typeface="Wingdings" panose="05000000000000000000" pitchFamily="2" charset="2"/>
+              <a:buChar char="Ø"/>
+            </a:pPr>
+            <a:endParaRPr lang="en-US" altLang="ko-KR" sz="2400" b="1" dirty="0" smtClean="0"/>
+          </a:p>
+          <a:p>
+            <a:pPr marL="285750" indent="-285750">
+              <a:buFont typeface="Wingdings" panose="05000000000000000000" pitchFamily="2" charset="2"/>
+              <a:buChar char="Ø"/>
+            </a:pPr>
+            <a:r>
+              <a:rPr lang="en-US" altLang="ko-KR" sz="2400" b="1" dirty="0" smtClean="0"/>
+              <a:t>UI </a:t>
+            </a:r>
+            <a:r>
+              <a:rPr lang="ko-KR" altLang="en-US" sz="2400" b="1" dirty="0" err="1" smtClean="0"/>
+              <a:t>스레드에서</a:t>
+            </a:r>
+            <a:r>
+              <a:rPr lang="ko-KR" altLang="en-US" sz="2400" b="1" dirty="0" smtClean="0"/>
+              <a:t> 이벤트 처리하는 방법</a:t>
+            </a:r>
+            <a:endParaRPr lang="en-US" altLang="ko-KR" sz="2400" b="1" dirty="0" smtClean="0"/>
+          </a:p>
+          <a:p>
+            <a:pPr marL="285750" indent="-285750">
+              <a:buFont typeface="Wingdings" panose="05000000000000000000" pitchFamily="2" charset="2"/>
+              <a:buChar char="Ø"/>
+            </a:pPr>
+            <a:endParaRPr lang="en-US" altLang="ko-KR" sz="2400" b="1" dirty="0" smtClean="0"/>
+          </a:p>
+          <a:p>
+            <a:pPr marL="285750" indent="-285750">
+              <a:buFont typeface="Wingdings" panose="05000000000000000000" pitchFamily="2" charset="2"/>
+              <a:buChar char="Ø"/>
+            </a:pPr>
+            <a:r>
+              <a:rPr lang="ko-KR" altLang="en-US" sz="2400" b="1" dirty="0" smtClean="0"/>
               <a:t>애니메이션</a:t>
             </a:r>
-            <a:r>
-              <a:rPr lang="en-US" altLang="ko-KR" dirty="0" smtClean="0"/>
-              <a:t>, </a:t>
-            </a:r>
-            <a:r>
-              <a:rPr lang="en-US" altLang="ko-KR" dirty="0" err="1" smtClean="0"/>
-              <a:t>ui</a:t>
-            </a:r>
-            <a:r>
-              <a:rPr lang="en-US" altLang="ko-KR" dirty="0" smtClean="0"/>
-              <a:t> </a:t>
-            </a:r>
-            <a:r>
-              <a:rPr lang="ko-KR" altLang="en-US" dirty="0" smtClean="0"/>
-              <a:t>이벤트 처리</a:t>
-            </a:r>
-            <a:r>
-              <a:rPr lang="en-US" altLang="ko-KR" dirty="0" smtClean="0"/>
-              <a:t>, </a:t>
-            </a:r>
-            <a:r>
-              <a:rPr lang="en-US" altLang="ko-KR" dirty="0" err="1" smtClean="0"/>
-              <a:t>ui</a:t>
-            </a:r>
-            <a:r>
-              <a:rPr lang="en-US" altLang="ko-KR" dirty="0" smtClean="0"/>
-              <a:t> </a:t>
-            </a:r>
-            <a:r>
-              <a:rPr lang="ko-KR" altLang="en-US" dirty="0" err="1" smtClean="0"/>
-              <a:t>스레드</a:t>
-            </a:r>
-            <a:r>
-              <a:rPr lang="ko-KR" altLang="en-US" dirty="0" smtClean="0"/>
-              <a:t> 이벤트 처리</a:t>
-            </a:r>
-            <a:r>
-              <a:rPr lang="en-US" altLang="ko-KR" dirty="0" smtClean="0"/>
-              <a:t> </a:t>
-            </a:r>
-            <a:endParaRPr lang="ko-KR" altLang="en-US" dirty="0"/>
+            <a:endParaRPr lang="ko-KR" altLang="en-US" sz="2400" b="1" dirty="0"/>
           </a:p>
         </p:txBody>
       </p:sp>
     </p:spTree>
     <p:extLst>
       <p:ext uri="{BB962C8B-B14F-4D97-AF65-F5344CB8AC3E}">
-        <p14:creationId xmlns:p14="http://schemas.microsoft.com/office/powerpoint/2010/main" val="1024104415"/>
+        <p14:creationId xmlns:p14="http://schemas.microsoft.com/office/powerpoint/2010/main" val="2331308591"/>
       </p:ext>
     </p:extLst>
   </p:cSld>
@@ -6320,14 +6520,14 @@
       </p:grpSpPr>
       <p:sp>
         <p:nvSpPr>
-          <p:cNvPr id="7" name="TextBox 6"/>
+          <p:cNvPr id="3" name="TextBox 2"/>
           <p:cNvSpPr txBox="1"/>
           <p:nvPr/>
         </p:nvSpPr>
         <p:spPr>
           <a:xfrm>
-            <a:off x="107504" y="1124744"/>
-            <a:ext cx="8916022" cy="707886"/>
+            <a:off x="107504" y="1556792"/>
+            <a:ext cx="8916022" cy="6555641"/>
           </a:xfrm>
           <a:prstGeom prst="rect">
             <a:avLst/>
@@ -6341,647 +6541,164 @@
           <a:lstStyle/>
           <a:p>
             <a:r>
-              <a:rPr lang="ko-KR" altLang="en-US" sz="2000" dirty="0" smtClean="0"/>
-              <a:t>직접적으로 보이며 </a:t>
-            </a:r>
-            <a:r>
-              <a:rPr lang="en-US" altLang="ko-KR" sz="2000" dirty="0" smtClean="0"/>
-              <a:t>UI </a:t>
-            </a:r>
-            <a:r>
-              <a:rPr lang="ko-KR" altLang="en-US" sz="2000" dirty="0" smtClean="0"/>
-              <a:t>를 구성한다</a:t>
-            </a:r>
-            <a:r>
-              <a:rPr lang="en-US" altLang="ko-KR" sz="2000" dirty="0" smtClean="0"/>
-              <a:t>. Button, </a:t>
-            </a:r>
-            <a:r>
-              <a:rPr lang="en-US" altLang="ko-KR" sz="2000" dirty="0" err="1" smtClean="0"/>
-              <a:t>TextView</a:t>
-            </a:r>
-            <a:r>
-              <a:rPr lang="en-US" altLang="ko-KR" sz="2000" dirty="0" smtClean="0"/>
-              <a:t>, </a:t>
-            </a:r>
-            <a:r>
-              <a:rPr lang="en-US" altLang="ko-KR" sz="2000" dirty="0" err="1" smtClean="0"/>
-              <a:t>EditText</a:t>
-            </a:r>
-            <a:r>
-              <a:rPr lang="en-US" altLang="ko-KR" sz="2000" dirty="0" smtClean="0"/>
-              <a:t>, </a:t>
-            </a:r>
-            <a:r>
-              <a:rPr lang="en-US" altLang="ko-KR" sz="2000" dirty="0" err="1" smtClean="0"/>
-              <a:t>RadioButton</a:t>
-            </a:r>
-            <a:r>
-              <a:rPr lang="en-US" altLang="ko-KR" sz="2000" dirty="0" smtClean="0"/>
-              <a:t> </a:t>
-            </a:r>
-            <a:r>
-              <a:rPr lang="ko-KR" altLang="en-US" sz="2000" dirty="0" smtClean="0"/>
-              <a:t>등이 </a:t>
-            </a:r>
-            <a:r>
-              <a:rPr lang="ko-KR" altLang="en-US" sz="2000" dirty="0" err="1" smtClean="0"/>
-              <a:t>위젯이며</a:t>
-            </a:r>
-            <a:r>
-              <a:rPr lang="ko-KR" altLang="en-US" sz="2000" dirty="0" smtClean="0"/>
-              <a:t> 흔히 컨트롤이라고 부른다</a:t>
-            </a:r>
-            <a:r>
-              <a:rPr lang="en-US" altLang="ko-KR" sz="2000" dirty="0" smtClean="0"/>
-              <a:t>.</a:t>
-            </a:r>
-          </a:p>
-        </p:txBody>
-      </p:sp>
-      <p:sp>
-        <p:nvSpPr>
-          <p:cNvPr id="8" name="TextBox 7"/>
-          <p:cNvSpPr txBox="1"/>
-          <p:nvPr/>
-        </p:nvSpPr>
-        <p:spPr>
-          <a:xfrm>
-            <a:off x="265527" y="332656"/>
-            <a:ext cx="1991251" cy="646331"/>
-          </a:xfrm>
-          <a:prstGeom prst="rect">
-            <a:avLst/>
-          </a:prstGeom>
-          <a:noFill/>
-        </p:spPr>
-        <p:txBody>
-          <a:bodyPr wrap="none" rtlCol="0">
-            <a:spAutoFit/>
-          </a:bodyPr>
-          <a:lstStyle/>
-          <a:p>
-            <a:pPr marL="742950" indent="-742950">
-              <a:buFont typeface="+mj-lt"/>
-              <a:buAutoNum type="arabicPeriod"/>
-            </a:pPr>
-            <a:r>
-              <a:rPr lang="en-US" altLang="ko-KR" sz="3600" b="1" dirty="0" smtClean="0"/>
-              <a:t>View</a:t>
-            </a:r>
-            <a:endParaRPr lang="ko-KR" altLang="en-US" sz="3600" b="1" dirty="0"/>
-          </a:p>
-        </p:txBody>
-      </p:sp>
-      <p:pic>
-        <p:nvPicPr>
-          <p:cNvPr id="7170" name="Picture 2" descr="C:\Users\Mutecsoft_pc\Pictures\111.jpg"/>
-          <p:cNvPicPr>
-            <a:picLocks noChangeAspect="1" noChangeArrowheads="1"/>
-          </p:cNvPicPr>
-          <p:nvPr/>
-        </p:nvPicPr>
-        <p:blipFill>
-          <a:blip r:embed="rId2">
-            <a:extLst>
-              <a:ext uri="{28A0092B-C50C-407E-A947-70E740481C1C}">
-                <a14:useLocalDpi xmlns:a14="http://schemas.microsoft.com/office/drawing/2010/main" val="0"/>
-              </a:ext>
-            </a:extLst>
-          </a:blip>
-          <a:srcRect/>
-          <a:stretch>
-            <a:fillRect/>
-          </a:stretch>
-        </p:blipFill>
-        <p:spPr bwMode="auto">
-          <a:xfrm>
-            <a:off x="613860" y="2132856"/>
-            <a:ext cx="7774564" cy="4392488"/>
-          </a:xfrm>
-          <a:prstGeom prst="rect">
-            <a:avLst/>
-          </a:prstGeom>
-          <a:noFill/>
-          <a:extLst>
-            <a:ext uri="{909E8E84-426E-40DD-AFC4-6F175D3DCCD1}">
-              <a14:hiddenFill xmlns:a14="http://schemas.microsoft.com/office/drawing/2010/main">
+              <a:rPr lang="en-US" altLang="ko-KR" sz="2000" dirty="0">
+                <a:hlinkClick r:id="rId2"/>
+              </a:rPr>
+              <a:t>http://</a:t>
+            </a:r>
+            <a:r>
+              <a:rPr lang="en-US" altLang="ko-KR" sz="2000" dirty="0" smtClean="0">
+                <a:hlinkClick r:id="rId2"/>
+              </a:rPr>
+              <a:t>kese111.blogspot.kr/2012/12/android.html</a:t>
+            </a:r>
+          </a:p>
+          <a:p>
+            <a:endParaRPr lang="en-US" altLang="ko-KR" sz="2000" dirty="0">
+              <a:hlinkClick r:id="rId2"/>
+            </a:endParaRPr>
+          </a:p>
+          <a:p>
+            <a:r>
+              <a:rPr lang="en-US" altLang="ko-KR" sz="2000" dirty="0" smtClean="0">
                 <a:solidFill>
-                  <a:srgbClr val="FFFFFF"/>
+                  <a:srgbClr val="FF0000"/>
                 </a:solidFill>
-              </a14:hiddenFill>
-            </a:ext>
-          </a:extLst>
-        </p:spPr>
-      </p:pic>
-    </p:spTree>
-    <p:extLst>
-      <p:ext uri="{BB962C8B-B14F-4D97-AF65-F5344CB8AC3E}">
-        <p14:creationId xmlns:p14="http://schemas.microsoft.com/office/powerpoint/2010/main" val="2578237418"/>
-      </p:ext>
-    </p:extLst>
-  </p:cSld>
-  <p:clrMapOvr>
-    <a:masterClrMapping/>
-  </p:clrMapOvr>
-  <p:timing>
-    <p:tnLst>
-      <p:par>
-        <p:cTn id="1" dur="indefinite" restart="never" nodeType="tmRoot"/>
-      </p:par>
-    </p:tnLst>
-  </p:timing>
-</p:sld>
-</file>
-
-<file path=ppt/slides/slide21.xml><?xml version="1.0" encoding="utf-8"?>
-<p:sld xmlns:a="http://schemas.openxmlformats.org/drawingml/2006/main" xmlns:r="http://schemas.openxmlformats.org/officeDocument/2006/relationships" xmlns:p="http://schemas.openxmlformats.org/presentationml/2006/main">
-  <p:cSld>
-    <p:spTree>
-      <p:nvGrpSpPr>
-        <p:cNvPr id="1" name=""/>
-        <p:cNvGrpSpPr/>
-        <p:nvPr/>
-      </p:nvGrpSpPr>
-      <p:grpSpPr>
-        <a:xfrm>
-          <a:off x="0" y="0"/>
-          <a:ext cx="0" cy="0"/>
-          <a:chOff x="0" y="0"/>
-          <a:chExt cx="0" cy="0"/>
-        </a:xfrm>
-      </p:grpSpPr>
-      <p:sp>
-        <p:nvSpPr>
-          <p:cNvPr id="7" name="TextBox 6"/>
-          <p:cNvSpPr txBox="1"/>
-          <p:nvPr/>
-        </p:nvSpPr>
-        <p:spPr>
-          <a:xfrm>
-            <a:off x="107504" y="973177"/>
-            <a:ext cx="8916022" cy="1015663"/>
-          </a:xfrm>
-          <a:prstGeom prst="rect">
-            <a:avLst/>
-          </a:prstGeom>
-          <a:noFill/>
-        </p:spPr>
-        <p:txBody>
-          <a:bodyPr wrap="square" rtlCol="0">
-            <a:spAutoFit/>
-          </a:bodyPr>
-          <a:lstStyle/>
-          <a:p>
-            <a:r>
-              <a:rPr lang="ko-KR" altLang="en-US" sz="2000" dirty="0" smtClean="0"/>
-              <a:t>직접적으로 보이지는 않으며 다른 </a:t>
-            </a:r>
-            <a:r>
-              <a:rPr lang="en-US" altLang="ko-KR" sz="2000" dirty="0" smtClean="0"/>
-              <a:t>View </a:t>
-            </a:r>
-            <a:r>
-              <a:rPr lang="ko-KR" altLang="en-US" sz="2000" dirty="0" smtClean="0"/>
-              <a:t>를 담는 컨테이너 역할을 한다</a:t>
-            </a:r>
-            <a:r>
-              <a:rPr lang="en-US" altLang="ko-KR" sz="2000" dirty="0" smtClean="0"/>
-              <a:t>. </a:t>
-            </a:r>
-            <a:r>
-              <a:rPr lang="ko-KR" altLang="en-US" sz="2000" dirty="0" smtClean="0"/>
-              <a:t>이름 그대로 여러 개의 </a:t>
-            </a:r>
-            <a:r>
-              <a:rPr lang="en-US" altLang="ko-KR" sz="2000" dirty="0" smtClean="0"/>
-              <a:t>View</a:t>
-            </a:r>
-            <a:r>
-              <a:rPr lang="ko-KR" altLang="en-US" sz="2000" dirty="0"/>
-              <a:t> </a:t>
-            </a:r>
-            <a:r>
-              <a:rPr lang="ko-KR" altLang="en-US" sz="2000" dirty="0" smtClean="0"/>
-              <a:t>를 유기적으로 모아놓은 것이다</a:t>
-            </a:r>
-            <a:r>
-              <a:rPr lang="en-US" altLang="ko-KR" sz="2000" dirty="0" smtClean="0"/>
-              <a:t>. </a:t>
-            </a:r>
-            <a:r>
-              <a:rPr lang="ko-KR" altLang="en-US" sz="2000" dirty="0" smtClean="0"/>
-              <a:t>이 부류의 클래스들을 레이아웃이라고 한다</a:t>
-            </a:r>
-            <a:r>
-              <a:rPr lang="en-US" altLang="ko-KR" sz="2000" dirty="0" smtClean="0"/>
-              <a:t>.</a:t>
-            </a:r>
-          </a:p>
-        </p:txBody>
-      </p:sp>
-      <p:sp>
-        <p:nvSpPr>
-          <p:cNvPr id="8" name="TextBox 7"/>
-          <p:cNvSpPr txBox="1"/>
-          <p:nvPr/>
-        </p:nvSpPr>
-        <p:spPr>
-          <a:xfrm>
-            <a:off x="232914" y="212447"/>
-            <a:ext cx="3357971" cy="646331"/>
-          </a:xfrm>
-          <a:prstGeom prst="rect">
-            <a:avLst/>
-          </a:prstGeom>
-          <a:noFill/>
-        </p:spPr>
-        <p:txBody>
-          <a:bodyPr wrap="none" rtlCol="0">
-            <a:spAutoFit/>
-          </a:bodyPr>
-          <a:lstStyle/>
-          <a:p>
-            <a:pPr marL="742950" indent="-742950">
-              <a:buFont typeface="+mj-lt"/>
-              <a:buAutoNum type="arabicPeriod" startAt="2"/>
-            </a:pPr>
-            <a:r>
-              <a:rPr lang="en-US" altLang="ko-KR" sz="3600" b="1" dirty="0" err="1" smtClean="0"/>
-              <a:t>ViewGroup</a:t>
-            </a:r>
-            <a:endParaRPr lang="en-US" altLang="ko-KR" sz="3600" b="1" dirty="0" smtClean="0"/>
-          </a:p>
-        </p:txBody>
-      </p:sp>
-      <p:pic>
-        <p:nvPicPr>
-          <p:cNvPr id="8194" name="Picture 2" descr="C:\Users\Mutecsoft_pc\Pictures\2222.jpg"/>
-          <p:cNvPicPr>
-            <a:picLocks noChangeAspect="1" noChangeArrowheads="1"/>
-          </p:cNvPicPr>
-          <p:nvPr/>
-        </p:nvPicPr>
-        <p:blipFill>
-          <a:blip r:embed="rId3">
-            <a:extLst>
-              <a:ext uri="{28A0092B-C50C-407E-A947-70E740481C1C}">
-                <a14:useLocalDpi xmlns:a14="http://schemas.microsoft.com/office/drawing/2010/main" val="0"/>
-              </a:ext>
-            </a:extLst>
-          </a:blip>
-          <a:srcRect/>
-          <a:stretch>
-            <a:fillRect/>
-          </a:stretch>
-        </p:blipFill>
-        <p:spPr bwMode="auto">
-          <a:xfrm>
-            <a:off x="1331640" y="2107284"/>
-            <a:ext cx="6332697" cy="4778100"/>
-          </a:xfrm>
-          <a:prstGeom prst="rect">
-            <a:avLst/>
-          </a:prstGeom>
-          <a:noFill/>
-          <a:extLst>
-            <a:ext uri="{909E8E84-426E-40DD-AFC4-6F175D3DCCD1}">
-              <a14:hiddenFill xmlns:a14="http://schemas.microsoft.com/office/drawing/2010/main">
+                <a:hlinkClick r:id="rId2"/>
+              </a:rPr>
+              <a:t>http</a:t>
+            </a:r>
+            <a:r>
+              <a:rPr lang="en-US" altLang="ko-KR" sz="2000" dirty="0">
                 <a:solidFill>
-                  <a:srgbClr val="FFFFFF"/>
+                  <a:srgbClr val="FF0000"/>
                 </a:solidFill>
-              </a14:hiddenFill>
-            </a:ext>
-          </a:extLst>
-        </p:spPr>
-      </p:pic>
-    </p:spTree>
-    <p:extLst>
-      <p:ext uri="{BB962C8B-B14F-4D97-AF65-F5344CB8AC3E}">
-        <p14:creationId xmlns:p14="http://schemas.microsoft.com/office/powerpoint/2010/main" val="3644789057"/>
-      </p:ext>
-    </p:extLst>
-  </p:cSld>
-  <p:clrMapOvr>
-    <a:masterClrMapping/>
-  </p:clrMapOvr>
-  <p:timing>
-    <p:tnLst>
-      <p:par>
-        <p:cTn id="1" dur="indefinite" restart="never" nodeType="tmRoot"/>
-      </p:par>
-    </p:tnLst>
-  </p:timing>
-</p:sld>
-</file>
-
-<file path=ppt/slides/slide22.xml><?xml version="1.0" encoding="utf-8"?>
-<p:sld xmlns:a="http://schemas.openxmlformats.org/drawingml/2006/main" xmlns:r="http://schemas.openxmlformats.org/officeDocument/2006/relationships" xmlns:p="http://schemas.openxmlformats.org/presentationml/2006/main">
-  <p:cSld>
-    <p:spTree>
-      <p:nvGrpSpPr>
-        <p:cNvPr id="1" name=""/>
-        <p:cNvGrpSpPr/>
-        <p:nvPr/>
-      </p:nvGrpSpPr>
-      <p:grpSpPr>
-        <a:xfrm>
-          <a:off x="0" y="0"/>
-          <a:ext cx="0" cy="0"/>
-          <a:chOff x="0" y="0"/>
-          <a:chExt cx="0" cy="0"/>
-        </a:xfrm>
-      </p:grpSpPr>
-      <p:sp>
-        <p:nvSpPr>
-          <p:cNvPr id="3" name="TextBox 2"/>
-          <p:cNvSpPr txBox="1"/>
-          <p:nvPr/>
-        </p:nvSpPr>
-        <p:spPr>
-          <a:xfrm>
-            <a:off x="107504" y="1700808"/>
-            <a:ext cx="8916022" cy="5016758"/>
-          </a:xfrm>
-          <a:prstGeom prst="rect">
-            <a:avLst/>
-          </a:prstGeom>
-          <a:noFill/>
-        </p:spPr>
-        <p:txBody>
-          <a:bodyPr wrap="square" rtlCol="0">
-            <a:spAutoFit/>
-          </a:bodyPr>
-          <a:lstStyle/>
-          <a:p>
-            <a:r>
-              <a:rPr lang="ko-KR" altLang="en-US" sz="2000" dirty="0" smtClean="0">
-                <a:effectLst/>
+                <a:hlinkClick r:id="rId2"/>
               </a:rPr>
-              <a:t>레이아웃은 </a:t>
-            </a:r>
-            <a:r>
-              <a:rPr lang="en-US" altLang="ko-KR" sz="2000" dirty="0" smtClean="0"/>
-              <a:t>UI </a:t>
-            </a:r>
-            <a:r>
-              <a:rPr lang="ko-KR" altLang="en-US" sz="2000" dirty="0" smtClean="0"/>
-              <a:t>에 대한 시각적 구조를 정의합니다</a:t>
-            </a:r>
-            <a:r>
-              <a:rPr lang="en-US" altLang="ko-KR" sz="2000" dirty="0" smtClean="0"/>
-              <a:t>. </a:t>
-            </a:r>
-            <a:r>
-              <a:rPr lang="ko-KR" altLang="en-US" sz="2000" dirty="0" smtClean="0"/>
-              <a:t>예를 들면 </a:t>
-            </a:r>
-            <a:r>
-              <a:rPr lang="ko-KR" altLang="en-US" sz="2000" dirty="0" err="1" smtClean="0"/>
-              <a:t>액티비티</a:t>
-            </a:r>
-            <a:r>
-              <a:rPr lang="ko-KR" altLang="en-US" sz="2000" dirty="0" smtClean="0"/>
-              <a:t> 또는 </a:t>
-            </a:r>
-            <a:r>
-              <a:rPr lang="ko-KR" altLang="en-US" sz="2000" dirty="0" err="1" smtClean="0"/>
-              <a:t>앱</a:t>
-            </a:r>
-            <a:r>
-              <a:rPr lang="ko-KR" altLang="en-US" sz="2000" dirty="0" smtClean="0"/>
-              <a:t> </a:t>
-            </a:r>
-            <a:r>
-              <a:rPr lang="ko-KR" altLang="en-US" sz="2000" dirty="0" err="1" smtClean="0"/>
-              <a:t>위젯에</a:t>
-            </a:r>
-            <a:r>
-              <a:rPr lang="ko-KR" altLang="en-US" sz="2000" dirty="0" smtClean="0"/>
-              <a:t>  대한 </a:t>
-            </a:r>
-            <a:r>
-              <a:rPr lang="en-US" altLang="ko-KR" sz="2000" dirty="0" smtClean="0"/>
-              <a:t>UI</a:t>
-            </a:r>
-            <a:r>
-              <a:rPr lang="ko-KR" altLang="en-US" sz="2000" dirty="0" smtClean="0"/>
-              <a:t>가 이에 해당됩니다</a:t>
-            </a:r>
-            <a:r>
-              <a:rPr lang="en-US" altLang="ko-KR" sz="2000" dirty="0" smtClean="0"/>
-              <a:t>. </a:t>
-            </a:r>
-            <a:r>
-              <a:rPr lang="ko-KR" altLang="en-US" sz="2000" dirty="0" smtClean="0"/>
-              <a:t>레이아웃을 선언하는 데에는 다음과 같은 </a:t>
-            </a:r>
-            <a:r>
-              <a:rPr lang="ko-KR" altLang="en-US" sz="2000" dirty="0" err="1" smtClean="0"/>
-              <a:t>두가지</a:t>
-            </a:r>
-            <a:r>
-              <a:rPr lang="ko-KR" altLang="en-US" sz="2000" dirty="0" smtClean="0"/>
-              <a:t> 방법이 있습니다</a:t>
-            </a:r>
-            <a:r>
-              <a:rPr lang="en-US" altLang="ko-KR" sz="2000" dirty="0" smtClean="0"/>
-              <a:t>.</a:t>
-            </a:r>
-          </a:p>
-          <a:p>
-            <a:endParaRPr lang="en-US" altLang="ko-KR" sz="2000" dirty="0">
-              <a:effectLst/>
+              <a:t>://www.kmshack.kr/2014/08/%EC%95%88%EB%93%9C%EB%A1%9C%EC%9D%B4%EB%93%9C-ui%EC%B5%9C%EC%A0%81%ED%99%94-%EB%A0%88%EC%9D%B4%EC%95%84%EC%9B%83</a:t>
+            </a:r>
+            <a:r>
+              <a:rPr lang="en-US" altLang="ko-KR" sz="2000" dirty="0" smtClean="0">
+                <a:solidFill>
+                  <a:srgbClr val="FF0000"/>
+                </a:solidFill>
+                <a:hlinkClick r:id="rId2"/>
+              </a:rPr>
+              <a:t>/</a:t>
+            </a:r>
+            <a:endParaRPr lang="en-US" altLang="ko-KR" sz="2000" dirty="0" smtClean="0">
+              <a:solidFill>
+                <a:srgbClr val="FF0000"/>
+              </a:solidFill>
             </a:endParaRPr>
           </a:p>
           <a:p>
-            <a:pPr marL="342900" indent="-342900">
-              <a:buFont typeface="Arial" pitchFamily="34" charset="0"/>
-              <a:buChar char="•"/>
-            </a:pPr>
-            <a:r>
-              <a:rPr lang="en-US" altLang="ko-KR" sz="2000" dirty="0" smtClean="0"/>
-              <a:t>UI </a:t>
-            </a:r>
-            <a:r>
-              <a:rPr lang="ko-KR" altLang="en-US" sz="2000" dirty="0" smtClean="0"/>
-              <a:t>요소를 </a:t>
-            </a:r>
-            <a:r>
-              <a:rPr lang="en-US" altLang="ko-KR" sz="2000" dirty="0" smtClean="0"/>
-              <a:t>XML</a:t>
-            </a:r>
-            <a:r>
-              <a:rPr lang="ko-KR" altLang="en-US" sz="2000" dirty="0" smtClean="0"/>
-              <a:t>로 선언</a:t>
-            </a:r>
-            <a:r>
-              <a:rPr lang="en-US" altLang="ko-KR" sz="2000" dirty="0" smtClean="0"/>
-              <a:t>.</a:t>
-            </a:r>
-          </a:p>
-          <a:p>
-            <a:pPr marL="342900" indent="-342900">
-              <a:buFont typeface="Arial" pitchFamily="34" charset="0"/>
-              <a:buChar char="•"/>
-            </a:pPr>
-            <a:endParaRPr lang="en-US" altLang="ko-KR" sz="2000" dirty="0">
-              <a:effectLst/>
-            </a:endParaRPr>
-          </a:p>
-          <a:p>
-            <a:pPr marL="342900" indent="-342900">
-              <a:buFont typeface="Arial" pitchFamily="34" charset="0"/>
-              <a:buChar char="•"/>
-            </a:pPr>
-            <a:r>
-              <a:rPr lang="ko-KR" altLang="en-US" sz="2000" dirty="0" smtClean="0"/>
-              <a:t>자바 코드를 통해서 </a:t>
-            </a:r>
-            <a:r>
-              <a:rPr lang="en-US" altLang="ko-KR" sz="2000" dirty="0" smtClean="0"/>
-              <a:t>View </a:t>
-            </a:r>
-            <a:r>
-              <a:rPr lang="ko-KR" altLang="en-US" sz="2000" dirty="0" smtClean="0"/>
-              <a:t>및 </a:t>
-            </a:r>
-            <a:r>
-              <a:rPr lang="en-US" altLang="ko-KR" sz="2000" dirty="0" err="1" smtClean="0"/>
-              <a:t>ViewGroup</a:t>
-            </a:r>
-            <a:r>
-              <a:rPr lang="en-US" altLang="ko-KR" sz="2000" dirty="0" smtClean="0"/>
-              <a:t>  </a:t>
-            </a:r>
-            <a:r>
-              <a:rPr lang="ko-KR" altLang="en-US" sz="2000" dirty="0" smtClean="0"/>
-              <a:t>객체를 생성</a:t>
-            </a:r>
-            <a:r>
-              <a:rPr lang="en-US" altLang="ko-KR" sz="2000" dirty="0" smtClean="0"/>
-              <a:t>.</a:t>
-            </a:r>
-          </a:p>
-          <a:p>
-            <a:pPr marL="342900" indent="-342900">
-              <a:buFont typeface="Arial" pitchFamily="34" charset="0"/>
-              <a:buChar char="•"/>
-            </a:pPr>
-            <a:endParaRPr lang="en-US" altLang="ko-KR" sz="2000" dirty="0">
-              <a:effectLst/>
-            </a:endParaRPr>
-          </a:p>
-          <a:p>
-            <a:r>
-              <a:rPr lang="ko-KR" altLang="en-US" sz="2000" dirty="0" err="1" smtClean="0">
-                <a:effectLst/>
+            <a:endParaRPr lang="en-US" altLang="ko-KR" sz="2000" dirty="0" smtClean="0"/>
+          </a:p>
+          <a:p>
+            <a:r>
+              <a:rPr lang="en-US" altLang="ko-KR" sz="2000" dirty="0">
+                <a:hlinkClick r:id="rId3"/>
               </a:rPr>
-              <a:t>안드로이드</a:t>
-            </a:r>
-            <a:r>
-              <a:rPr lang="ko-KR" altLang="en-US" sz="2000" dirty="0" smtClean="0">
-                <a:effectLst/>
+              <a:t>http://</a:t>
+            </a:r>
+            <a:r>
+              <a:rPr lang="en-US" altLang="ko-KR" sz="2000" dirty="0" smtClean="0">
+                <a:hlinkClick r:id="rId3"/>
               </a:rPr>
-              <a:t> 프레임워크에서는 이와 같이 애플리케이션의 </a:t>
+              <a:t>apphappy.tistory.com/63</a:t>
+            </a:r>
+            <a:endParaRPr lang="en-US" altLang="ko-KR" sz="2000" dirty="0" smtClean="0"/>
+          </a:p>
+          <a:p>
+            <a:endParaRPr lang="en-US" altLang="ko-KR" sz="2000" dirty="0" smtClean="0"/>
+          </a:p>
+          <a:p>
+            <a:r>
+              <a:rPr lang="en-US" altLang="ko-KR" sz="2000" dirty="0">
+                <a:hlinkClick r:id="rId4"/>
+              </a:rPr>
+              <a:t>https://realm.io/kr/news/android-thread-looper-handler</a:t>
             </a:r>
             <a:r>
               <a:rPr lang="en-US" altLang="ko-KR" sz="2000" dirty="0" smtClean="0">
-                <a:effectLst/>
+                <a:hlinkClick r:id="rId4"/>
               </a:rPr>
-              <a:t>UI</a:t>
-            </a:r>
-            <a:r>
-              <a:rPr lang="ko-KR" altLang="en-US" sz="2000" dirty="0" smtClean="0">
-                <a:effectLst/>
+              <a:t>/</a:t>
+            </a:r>
+            <a:endParaRPr lang="en-US" altLang="ko-KR" sz="2000" dirty="0" smtClean="0"/>
+          </a:p>
+          <a:p>
+            <a:endParaRPr lang="en-US" altLang="ko-KR" sz="2000" dirty="0"/>
+          </a:p>
+          <a:p>
+            <a:r>
+              <a:rPr lang="en-US" altLang="ko-KR" sz="2000" dirty="0">
+                <a:hlinkClick r:id="rId5"/>
               </a:rPr>
-              <a:t>를 </a:t>
-            </a:r>
-            <a:r>
-              <a:rPr lang="ko-KR" altLang="en-US" sz="2000" dirty="0" smtClean="0"/>
-              <a:t>선언하고 관리하기 위한 방법을 둘 중 하나만</a:t>
-            </a:r>
-            <a:r>
-              <a:rPr lang="en-US" altLang="ko-KR" sz="2000" dirty="0" smtClean="0"/>
-              <a:t>, </a:t>
-            </a:r>
-            <a:r>
-              <a:rPr lang="ko-KR" altLang="en-US" sz="2000" dirty="0" smtClean="0"/>
-              <a:t>또는 둘 모두 사용할 수 있습니다</a:t>
-            </a:r>
-            <a:r>
-              <a:rPr lang="en-US" altLang="ko-KR" sz="2000" dirty="0" smtClean="0"/>
-              <a:t>.</a:t>
-            </a:r>
-          </a:p>
-          <a:p>
-            <a:endParaRPr lang="en-US" altLang="ko-KR" sz="2000" dirty="0">
-              <a:effectLst/>
-            </a:endParaRPr>
-          </a:p>
-          <a:p>
-            <a:r>
-              <a:rPr lang="en-US" altLang="ko-KR" sz="2000" dirty="0" smtClean="0"/>
-              <a:t>UI</a:t>
-            </a:r>
-            <a:r>
-              <a:rPr lang="ko-KR" altLang="en-US" sz="2000" dirty="0" smtClean="0"/>
-              <a:t>를 </a:t>
-            </a:r>
-            <a:r>
-              <a:rPr lang="en-US" altLang="ko-KR" sz="2000" dirty="0" smtClean="0"/>
-              <a:t>XML</a:t>
-            </a:r>
-            <a:r>
-              <a:rPr lang="ko-KR" altLang="en-US" sz="2000" dirty="0" smtClean="0"/>
-              <a:t>로 선언할 경우 애플리케이션에서 사용자에게 보여질 </a:t>
-            </a:r>
-            <a:r>
-              <a:rPr lang="en-US" altLang="ko-KR" sz="2000" dirty="0" smtClean="0"/>
-              <a:t>View </a:t>
-            </a:r>
-            <a:r>
-              <a:rPr lang="ko-KR" altLang="en-US" sz="2000" dirty="0" smtClean="0"/>
-              <a:t>부분과 </a:t>
-            </a:r>
-            <a:r>
-              <a:rPr lang="ko-KR" altLang="en-US" sz="2000" dirty="0" err="1" smtClean="0"/>
-              <a:t>로직</a:t>
-            </a:r>
-            <a:r>
-              <a:rPr lang="ko-KR" altLang="en-US" sz="2000" dirty="0" smtClean="0"/>
-              <a:t> 부분을 따로 관리 할 수 있다는 장점이 있습니다</a:t>
-            </a:r>
-            <a:r>
-              <a:rPr lang="en-US" altLang="ko-KR" sz="2000" dirty="0" smtClean="0"/>
-              <a:t>.</a:t>
-            </a:r>
-          </a:p>
-          <a:p>
-            <a:endParaRPr lang="en-US" altLang="ko-KR" sz="2000" dirty="0">
-              <a:effectLst/>
-            </a:endParaRPr>
-          </a:p>
-          <a:p>
-            <a:r>
-              <a:rPr lang="ko-KR" altLang="en-US" sz="2000" dirty="0" smtClean="0"/>
-              <a:t>레이아웃은 </a:t>
-            </a:r>
-            <a:r>
-              <a:rPr lang="en-US" altLang="ko-KR" sz="2000" dirty="0" smtClean="0"/>
-              <a:t>Linear Layout, Relative Layout, List View, Grid View </a:t>
-            </a:r>
-            <a:r>
-              <a:rPr lang="ko-KR" altLang="en-US" sz="2000" dirty="0" smtClean="0"/>
-              <a:t>등 이 있습니다</a:t>
-            </a:r>
-            <a:r>
-              <a:rPr lang="en-US" altLang="ko-KR" sz="2000" dirty="0" smtClean="0"/>
-              <a:t>.</a:t>
-            </a:r>
-            <a:endParaRPr lang="ko-KR" altLang="en-US" sz="2000" dirty="0">
-              <a:effectLst/>
-            </a:endParaRPr>
+              <a:t>http://</a:t>
+            </a:r>
+            <a:r>
+              <a:rPr lang="en-US" altLang="ko-KR" sz="2000" dirty="0" smtClean="0">
+                <a:hlinkClick r:id="rId5"/>
+              </a:rPr>
+              <a:t>www.slideshare.net/iamhjoo/ss-44214966</a:t>
+            </a:r>
+            <a:endParaRPr lang="en-US" altLang="ko-KR" sz="2000" dirty="0" smtClean="0"/>
+          </a:p>
+          <a:p>
+            <a:endParaRPr lang="en-US" altLang="ko-KR" sz="2000" dirty="0"/>
+          </a:p>
+          <a:p>
+            <a:r>
+              <a:rPr lang="en-US" altLang="ko-KR" sz="2000" dirty="0">
+                <a:hlinkClick r:id="rId6"/>
+              </a:rPr>
+              <a:t>http://</a:t>
+            </a:r>
+            <a:r>
+              <a:rPr lang="en-US" altLang="ko-KR" sz="2000" dirty="0" smtClean="0">
+                <a:hlinkClick r:id="rId6"/>
+              </a:rPr>
+              <a:t>i5on9i.blogspot.kr/2013/10/animation-how-to-use-animation.html</a:t>
+            </a:r>
+            <a:endParaRPr lang="en-US" altLang="ko-KR" sz="2000" dirty="0" smtClean="0"/>
+          </a:p>
+          <a:p>
+            <a:endParaRPr lang="en-US" altLang="ko-KR" sz="2000" dirty="0"/>
+          </a:p>
+          <a:p>
+            <a:r>
+              <a:rPr lang="en-US" altLang="ko-KR" sz="2000" dirty="0">
+                <a:hlinkClick r:id="rId7"/>
+              </a:rPr>
+              <a:t>http://</a:t>
+            </a:r>
+            <a:r>
+              <a:rPr lang="en-US" altLang="ko-KR" sz="2000" dirty="0" smtClean="0">
+                <a:hlinkClick r:id="rId7"/>
+              </a:rPr>
+              <a:t>horajjan.blog.me/110190167640</a:t>
+            </a:r>
+            <a:endParaRPr lang="en-US" altLang="ko-KR" sz="2000" dirty="0" smtClean="0"/>
+          </a:p>
+          <a:p>
+            <a:endParaRPr lang="en-US" altLang="ko-KR" sz="2000" dirty="0"/>
+          </a:p>
+          <a:p>
+            <a:endParaRPr lang="en-US" altLang="ko-KR" sz="2000" dirty="0" smtClean="0"/>
+          </a:p>
+          <a:p>
+            <a:endParaRPr lang="en-US" altLang="ko-KR" sz="2000" dirty="0"/>
+          </a:p>
+          <a:p>
+            <a:endParaRPr lang="en-US" altLang="ko-KR" sz="2000" dirty="0" smtClean="0"/>
+          </a:p>
+          <a:p>
+            <a:endParaRPr lang="en-US" altLang="ko-KR" sz="2000" dirty="0"/>
+          </a:p>
+          <a:p>
+            <a:endParaRPr lang="en-US" altLang="ko-KR" sz="2000" dirty="0"/>
           </a:p>
         </p:txBody>
       </p:sp>
@@ -7008,7 +6725,7 @@
           <p:spPr>
             <a:xfrm>
               <a:off x="179512" y="188639"/>
-              <a:ext cx="2485984" cy="882935"/>
+              <a:ext cx="4177215" cy="882935"/>
             </a:xfrm>
             <a:prstGeom prst="rect">
               <a:avLst/>
@@ -7022,8 +6739,8 @@
             <a:lstStyle/>
             <a:p>
               <a:r>
-                <a:rPr lang="en-US" altLang="ko-KR" sz="4800" b="1" dirty="0" smtClean="0"/>
-                <a:t>Layouts</a:t>
+                <a:rPr lang="ko-KR" altLang="en-US" sz="4800" b="1" dirty="0" smtClean="0"/>
+                <a:t>도움된 사이트</a:t>
               </a:r>
               <a:endParaRPr lang="ko-KR" altLang="en-US" sz="4800" b="1" dirty="0"/>
             </a:p>
@@ -7064,1670 +6781,7 @@
     </p:spTree>
     <p:extLst>
       <p:ext uri="{BB962C8B-B14F-4D97-AF65-F5344CB8AC3E}">
-        <p14:creationId xmlns:p14="http://schemas.microsoft.com/office/powerpoint/2010/main" val="3227197957"/>
-      </p:ext>
-    </p:extLst>
-  </p:cSld>
-  <p:clrMapOvr>
-    <a:masterClrMapping/>
-  </p:clrMapOvr>
-  <p:timing>
-    <p:tnLst>
-      <p:par>
-        <p:cTn id="1" dur="indefinite" restart="never" nodeType="tmRoot"/>
-      </p:par>
-    </p:tnLst>
-  </p:timing>
-</p:sld>
-</file>
-
-<file path=ppt/slides/slide23.xml><?xml version="1.0" encoding="utf-8"?>
-<p:sld xmlns:a="http://schemas.openxmlformats.org/drawingml/2006/main" xmlns:r="http://schemas.openxmlformats.org/officeDocument/2006/relationships" xmlns:p="http://schemas.openxmlformats.org/presentationml/2006/main">
-  <p:cSld>
-    <p:spTree>
-      <p:nvGrpSpPr>
-        <p:cNvPr id="1" name=""/>
-        <p:cNvGrpSpPr/>
-        <p:nvPr/>
-      </p:nvGrpSpPr>
-      <p:grpSpPr>
-        <a:xfrm>
-          <a:off x="0" y="0"/>
-          <a:ext cx="0" cy="0"/>
-          <a:chOff x="0" y="0"/>
-          <a:chExt cx="0" cy="0"/>
-        </a:xfrm>
-      </p:grpSpPr>
-      <p:sp>
-        <p:nvSpPr>
-          <p:cNvPr id="3" name="TextBox 2"/>
-          <p:cNvSpPr txBox="1"/>
-          <p:nvPr/>
-        </p:nvSpPr>
-        <p:spPr>
-          <a:xfrm>
-            <a:off x="107504" y="5117122"/>
-            <a:ext cx="8916022" cy="1015663"/>
-          </a:xfrm>
-          <a:prstGeom prst="rect">
-            <a:avLst/>
-          </a:prstGeom>
-          <a:noFill/>
-        </p:spPr>
-        <p:txBody>
-          <a:bodyPr wrap="square" rtlCol="0">
-            <a:spAutoFit/>
-          </a:bodyPr>
-          <a:lstStyle/>
-          <a:p>
-            <a:r>
-              <a:rPr lang="ko-KR" altLang="en-US" sz="2000" dirty="0" smtClean="0">
-                <a:effectLst/>
-              </a:rPr>
-              <a:t>입력 </a:t>
-            </a:r>
-            <a:r>
-              <a:rPr lang="ko-KR" altLang="en-US" sz="2000" dirty="0" smtClean="0"/>
-              <a:t>컨트롤</a:t>
-            </a:r>
-            <a:r>
-              <a:rPr lang="ko-KR" altLang="en-US" sz="2000" dirty="0"/>
-              <a:t>은</a:t>
-            </a:r>
-            <a:r>
-              <a:rPr lang="ko-KR" altLang="en-US" sz="2000" dirty="0" smtClean="0">
-                <a:effectLst/>
-              </a:rPr>
-              <a:t> </a:t>
-            </a:r>
-            <a:r>
-              <a:rPr lang="ko-KR" altLang="en-US" sz="2000" dirty="0" err="1" smtClean="0">
-                <a:effectLst/>
-              </a:rPr>
-              <a:t>앱의</a:t>
-            </a:r>
-            <a:r>
-              <a:rPr lang="ko-KR" altLang="en-US" sz="2000" dirty="0" smtClean="0">
-                <a:effectLst/>
-              </a:rPr>
-              <a:t> </a:t>
-            </a:r>
-            <a:r>
-              <a:rPr lang="en-US" altLang="ko-KR" sz="2000" dirty="0" smtClean="0">
-                <a:effectLst/>
-              </a:rPr>
-              <a:t>UI </a:t>
-            </a:r>
-            <a:r>
-              <a:rPr lang="ko-KR" altLang="en-US" sz="2000" dirty="0" smtClean="0">
-                <a:effectLst/>
-              </a:rPr>
-              <a:t>에 있는 대화형 컴포넌트 입니다</a:t>
-            </a:r>
-            <a:r>
-              <a:rPr lang="en-US" altLang="ko-KR" sz="2000" dirty="0" smtClean="0">
-                <a:effectLst/>
-              </a:rPr>
-              <a:t>. </a:t>
-            </a:r>
-            <a:r>
-              <a:rPr lang="ko-KR" altLang="en-US" sz="2000" dirty="0" err="1" smtClean="0">
-                <a:effectLst/>
-              </a:rPr>
-              <a:t>안드로이드는</a:t>
-            </a:r>
-            <a:r>
-              <a:rPr lang="ko-KR" altLang="en-US" sz="2000" dirty="0" smtClean="0">
-                <a:effectLst/>
-              </a:rPr>
-              <a:t> </a:t>
-            </a:r>
-            <a:r>
-              <a:rPr lang="en-US" altLang="ko-KR" sz="2000" dirty="0" smtClean="0">
-                <a:effectLst/>
-              </a:rPr>
-              <a:t>Button, </a:t>
-            </a:r>
-            <a:r>
-              <a:rPr lang="en-US" altLang="ko-KR" sz="2000" dirty="0" err="1" smtClean="0">
-                <a:effectLst/>
-              </a:rPr>
-              <a:t>TextField</a:t>
-            </a:r>
-            <a:r>
-              <a:rPr lang="en-US" altLang="ko-KR" sz="2000" dirty="0" smtClean="0"/>
-              <a:t>, </a:t>
-            </a:r>
-            <a:r>
-              <a:rPr lang="en-US" altLang="ko-KR" sz="2000" dirty="0" err="1" smtClean="0"/>
-              <a:t>SeekBar</a:t>
-            </a:r>
-            <a:r>
-              <a:rPr lang="en-US" altLang="ko-KR" sz="2000" dirty="0" smtClean="0"/>
-              <a:t>, </a:t>
-            </a:r>
-            <a:r>
-              <a:rPr lang="en-US" altLang="ko-KR" sz="2000" dirty="0" err="1" smtClean="0"/>
-              <a:t>CheckBox</a:t>
-            </a:r>
-            <a:r>
-              <a:rPr lang="en-US" altLang="ko-KR" sz="2000" dirty="0" smtClean="0"/>
-              <a:t>, </a:t>
-            </a:r>
-            <a:r>
-              <a:rPr lang="en-US" altLang="ko-KR" sz="2000" dirty="0" err="1" smtClean="0"/>
-              <a:t>ZoomButton</a:t>
-            </a:r>
-            <a:r>
-              <a:rPr lang="en-US" altLang="ko-KR" sz="2000" dirty="0" smtClean="0"/>
-              <a:t>, </a:t>
-            </a:r>
-            <a:r>
-              <a:rPr lang="en-US" altLang="ko-KR" sz="2000" dirty="0" err="1" smtClean="0"/>
-              <a:t>ToggleButton</a:t>
-            </a:r>
-            <a:r>
-              <a:rPr lang="en-US" altLang="ko-KR" sz="2000" dirty="0"/>
-              <a:t> </a:t>
-            </a:r>
-            <a:r>
-              <a:rPr lang="ko-KR" altLang="en-US" sz="2000" dirty="0" smtClean="0"/>
-              <a:t>등과 같이 </a:t>
-            </a:r>
-            <a:r>
-              <a:rPr lang="en-US" altLang="ko-KR" sz="2000" dirty="0" smtClean="0"/>
-              <a:t>UI </a:t>
-            </a:r>
-            <a:r>
-              <a:rPr lang="ko-KR" altLang="en-US" sz="2000" dirty="0" smtClean="0"/>
-              <a:t>에서 사용할 수 있도록 매우 다양한 컨트롤을 제공합니다</a:t>
-            </a:r>
-            <a:r>
-              <a:rPr lang="en-US" altLang="ko-KR" sz="2000" dirty="0" smtClean="0"/>
-              <a:t>.</a:t>
-            </a:r>
-            <a:r>
-              <a:rPr lang="ko-KR" altLang="en-US" sz="2000" dirty="0" smtClean="0"/>
-              <a:t> </a:t>
-            </a:r>
-            <a:endParaRPr lang="ko-KR" altLang="en-US" sz="2000" dirty="0">
-              <a:effectLst/>
-            </a:endParaRPr>
-          </a:p>
-        </p:txBody>
-      </p:sp>
-      <p:grpSp>
-        <p:nvGrpSpPr>
-          <p:cNvPr id="4" name="그룹 3"/>
-          <p:cNvGrpSpPr/>
-          <p:nvPr/>
-        </p:nvGrpSpPr>
-        <p:grpSpPr>
-          <a:xfrm>
-            <a:off x="232914" y="260647"/>
-            <a:ext cx="7363422" cy="1008113"/>
-            <a:chOff x="179512" y="188639"/>
-            <a:chExt cx="7512374" cy="1071121"/>
-          </a:xfrm>
-        </p:grpSpPr>
-        <p:sp>
-          <p:nvSpPr>
-            <p:cNvPr id="10" name="TextBox 9"/>
-            <p:cNvSpPr txBox="1"/>
-            <p:nvPr/>
-          </p:nvSpPr>
-          <p:spPr>
-            <a:xfrm>
-              <a:off x="179512" y="188639"/>
-              <a:ext cx="4514309" cy="882935"/>
-            </a:xfrm>
-            <a:prstGeom prst="rect">
-              <a:avLst/>
-            </a:prstGeom>
-            <a:noFill/>
-          </p:spPr>
-          <p:txBody>
-            <a:bodyPr wrap="none" rtlCol="0">
-              <a:spAutoFit/>
-            </a:bodyPr>
-            <a:lstStyle/>
-            <a:p>
-              <a:r>
-                <a:rPr lang="en-US" altLang="ko-KR" sz="4800" b="1" dirty="0" smtClean="0"/>
-                <a:t>Input Controls</a:t>
-              </a:r>
-              <a:endParaRPr lang="ko-KR" altLang="en-US" sz="4800" b="1" dirty="0"/>
-            </a:p>
-          </p:txBody>
-        </p:sp>
-        <p:cxnSp>
-          <p:nvCxnSpPr>
-            <p:cNvPr id="13" name="직선 연결선 12"/>
-            <p:cNvCxnSpPr/>
-            <p:nvPr/>
-          </p:nvCxnSpPr>
-          <p:spPr>
-            <a:xfrm>
-              <a:off x="287295" y="1259760"/>
-              <a:ext cx="7404591" cy="0"/>
-            </a:xfrm>
-            <a:prstGeom prst="line">
-              <a:avLst/>
-            </a:prstGeom>
-            <a:ln/>
-          </p:spPr>
-          <p:style>
-            <a:lnRef idx="2">
-              <a:schemeClr val="accent1"/>
-            </a:lnRef>
-            <a:fillRef idx="0">
-              <a:schemeClr val="accent1"/>
-            </a:fillRef>
-            <a:effectRef idx="1">
-              <a:schemeClr val="accent1"/>
-            </a:effectRef>
-            <a:fontRef idx="minor">
-              <a:schemeClr val="tx1"/>
-            </a:fontRef>
-          </p:style>
-        </p:cxnSp>
-      </p:grpSp>
-      <p:pic>
-        <p:nvPicPr>
-          <p:cNvPr id="7" name="Picture 2" descr="C:\Users\Mutecsoft_pc\Pictures\ui_control.png"/>
-          <p:cNvPicPr>
-            <a:picLocks noChangeAspect="1" noChangeArrowheads="1"/>
-          </p:cNvPicPr>
-          <p:nvPr/>
-        </p:nvPicPr>
-        <p:blipFill>
-          <a:blip r:embed="rId2">
-            <a:extLst>
-              <a:ext uri="{28A0092B-C50C-407E-A947-70E740481C1C}">
-                <a14:useLocalDpi xmlns:a14="http://schemas.microsoft.com/office/drawing/2010/main" val="0"/>
-              </a:ext>
-            </a:extLst>
-          </a:blip>
-          <a:srcRect/>
-          <a:stretch>
-            <a:fillRect/>
-          </a:stretch>
-        </p:blipFill>
-        <p:spPr bwMode="auto">
-          <a:xfrm>
-            <a:off x="1691680" y="1556792"/>
-            <a:ext cx="5544616" cy="3095054"/>
-          </a:xfrm>
-          <a:prstGeom prst="rect">
-            <a:avLst/>
-          </a:prstGeom>
-          <a:noFill/>
-          <a:extLst>
-            <a:ext uri="{909E8E84-426E-40DD-AFC4-6F175D3DCCD1}">
-              <a14:hiddenFill xmlns:a14="http://schemas.microsoft.com/office/drawing/2010/main">
-                <a:solidFill>
-                  <a:srgbClr val="FFFFFF"/>
-                </a:solidFill>
-              </a14:hiddenFill>
-            </a:ext>
-          </a:extLst>
-        </p:spPr>
-      </p:pic>
-    </p:spTree>
-    <p:extLst>
-      <p:ext uri="{BB962C8B-B14F-4D97-AF65-F5344CB8AC3E}">
-        <p14:creationId xmlns:p14="http://schemas.microsoft.com/office/powerpoint/2010/main" val="402236183"/>
-      </p:ext>
-    </p:extLst>
-  </p:cSld>
-  <p:clrMapOvr>
-    <a:masterClrMapping/>
-  </p:clrMapOvr>
-  <p:timing>
-    <p:tnLst>
-      <p:par>
-        <p:cTn id="1" dur="indefinite" restart="never" nodeType="tmRoot"/>
-      </p:par>
-    </p:tnLst>
-  </p:timing>
-</p:sld>
-</file>
-
-<file path=ppt/slides/slide24.xml><?xml version="1.0" encoding="utf-8"?>
-<p:sld xmlns:a="http://schemas.openxmlformats.org/drawingml/2006/main" xmlns:r="http://schemas.openxmlformats.org/officeDocument/2006/relationships" xmlns:p="http://schemas.openxmlformats.org/presentationml/2006/main">
-  <p:cSld>
-    <p:spTree>
-      <p:nvGrpSpPr>
-        <p:cNvPr id="1" name=""/>
-        <p:cNvGrpSpPr/>
-        <p:nvPr/>
-      </p:nvGrpSpPr>
-      <p:grpSpPr>
-        <a:xfrm>
-          <a:off x="0" y="0"/>
-          <a:ext cx="0" cy="0"/>
-          <a:chOff x="0" y="0"/>
-          <a:chExt cx="0" cy="0"/>
-        </a:xfrm>
-      </p:grpSpPr>
-      <p:sp>
-        <p:nvSpPr>
-          <p:cNvPr id="3" name="TextBox 2"/>
-          <p:cNvSpPr txBox="1"/>
-          <p:nvPr/>
-        </p:nvSpPr>
-        <p:spPr>
-          <a:xfrm>
-            <a:off x="107504" y="1628800"/>
-            <a:ext cx="8916022" cy="4708981"/>
-          </a:xfrm>
-          <a:prstGeom prst="rect">
-            <a:avLst/>
-          </a:prstGeom>
-          <a:noFill/>
-        </p:spPr>
-        <p:txBody>
-          <a:bodyPr wrap="square" rtlCol="0">
-            <a:spAutoFit/>
-          </a:bodyPr>
-          <a:lstStyle/>
-          <a:p>
-            <a:r>
-              <a:rPr lang="ko-KR" altLang="en-US" sz="2000" dirty="0" smtClean="0"/>
-              <a:t>사용자와 애플리케이션의 상호 작용에 대한 이벤트를 처리하기 위한 방법에는 다음과 같은 두 가지 방법이 있습니다</a:t>
-            </a:r>
-            <a:r>
-              <a:rPr lang="en-US" altLang="ko-KR" sz="2000" dirty="0" smtClean="0"/>
-              <a:t>.</a:t>
-            </a:r>
-          </a:p>
-          <a:p>
-            <a:endParaRPr lang="en-US" altLang="ko-KR" sz="2000" dirty="0"/>
-          </a:p>
-          <a:p>
-            <a:pPr marL="342900" indent="-342900">
-              <a:buFont typeface="Arial" pitchFamily="34" charset="0"/>
-              <a:buChar char="•"/>
-            </a:pPr>
-            <a:r>
-              <a:rPr lang="ko-KR" altLang="en-US" sz="2000" dirty="0" smtClean="0">
-                <a:effectLst/>
-              </a:rPr>
-              <a:t>이벤트 </a:t>
-            </a:r>
-            <a:r>
-              <a:rPr lang="ko-KR" altLang="en-US" sz="2000" dirty="0" err="1" smtClean="0">
-                <a:effectLst/>
-              </a:rPr>
-              <a:t>리스너</a:t>
-            </a:r>
-            <a:endParaRPr lang="en-US" altLang="ko-KR" sz="2000" dirty="0" smtClean="0">
-              <a:effectLst/>
-            </a:endParaRPr>
-          </a:p>
-          <a:p>
-            <a:r>
-              <a:rPr lang="ko-KR" altLang="en-US" sz="2000" dirty="0" smtClean="0"/>
-              <a:t>이벤트 </a:t>
-            </a:r>
-            <a:r>
-              <a:rPr lang="ko-KR" altLang="en-US" sz="2000" dirty="0" err="1" smtClean="0"/>
-              <a:t>리스너란</a:t>
-            </a:r>
-            <a:r>
-              <a:rPr lang="ko-KR" altLang="en-US" sz="2000" dirty="0" smtClean="0"/>
-              <a:t> </a:t>
-            </a:r>
-            <a:r>
-              <a:rPr lang="en-US" altLang="ko-KR" sz="2000" dirty="0" smtClean="0"/>
-              <a:t>View </a:t>
-            </a:r>
-            <a:r>
-              <a:rPr lang="ko-KR" altLang="en-US" sz="2000" dirty="0" smtClean="0"/>
-              <a:t>클래스 내에 있는 일종의 인터페이스로</a:t>
-            </a:r>
-            <a:r>
-              <a:rPr lang="en-US" altLang="ko-KR" sz="2000" dirty="0" smtClean="0"/>
-              <a:t>, </a:t>
-            </a:r>
-            <a:r>
-              <a:rPr lang="ko-KR" altLang="en-US" sz="2000" dirty="0" smtClean="0"/>
-              <a:t>이 안에 하나의 </a:t>
-            </a:r>
-            <a:r>
-              <a:rPr lang="ko-KR" altLang="en-US" sz="2000" dirty="0" err="1" smtClean="0"/>
-              <a:t>콜백</a:t>
-            </a:r>
-            <a:r>
-              <a:rPr lang="ko-KR" altLang="en-US" sz="2000" dirty="0" smtClean="0"/>
-              <a:t> </a:t>
-            </a:r>
-            <a:r>
-              <a:rPr lang="ko-KR" altLang="en-US" sz="2000" dirty="0" err="1" smtClean="0"/>
-              <a:t>메서드가</a:t>
-            </a:r>
-            <a:r>
-              <a:rPr lang="ko-KR" altLang="en-US" sz="2000" dirty="0" smtClean="0"/>
-              <a:t> 들어있습니다</a:t>
-            </a:r>
-            <a:r>
-              <a:rPr lang="en-US" altLang="ko-KR" sz="2000" dirty="0" smtClean="0"/>
-              <a:t>. </a:t>
-            </a:r>
-            <a:r>
-              <a:rPr lang="ko-KR" altLang="en-US" sz="2000" dirty="0" smtClean="0"/>
-              <a:t>이러한 </a:t>
-            </a:r>
-            <a:r>
-              <a:rPr lang="ko-KR" altLang="en-US" sz="2000" dirty="0" err="1" smtClean="0"/>
-              <a:t>메서드는</a:t>
-            </a:r>
-            <a:r>
-              <a:rPr lang="ko-KR" altLang="en-US" sz="2000" dirty="0" smtClean="0"/>
-              <a:t> </a:t>
-            </a:r>
-            <a:r>
-              <a:rPr lang="ko-KR" altLang="en-US" sz="2000" dirty="0" err="1" smtClean="0"/>
-              <a:t>리스너가</a:t>
-            </a:r>
-            <a:r>
-              <a:rPr lang="ko-KR" altLang="en-US" sz="2000" dirty="0" smtClean="0"/>
-              <a:t> 등록된 </a:t>
-            </a:r>
-            <a:r>
-              <a:rPr lang="en-US" altLang="ko-KR" sz="2000" dirty="0" smtClean="0"/>
-              <a:t>View </a:t>
-            </a:r>
-            <a:r>
-              <a:rPr lang="ko-KR" altLang="en-US" sz="2000" dirty="0" smtClean="0"/>
-              <a:t>가 </a:t>
-            </a:r>
-            <a:r>
-              <a:rPr lang="en-US" altLang="ko-KR" sz="2000" dirty="0" smtClean="0"/>
-              <a:t>UI </a:t>
-            </a:r>
-            <a:r>
-              <a:rPr lang="ko-KR" altLang="en-US" sz="2000" dirty="0" smtClean="0"/>
-              <a:t>안의 항목과 사용자의 상호작용 할 때 </a:t>
-            </a:r>
-            <a:r>
-              <a:rPr lang="ko-KR" altLang="en-US" sz="2000" dirty="0" err="1" smtClean="0"/>
-              <a:t>안드로이드</a:t>
-            </a:r>
-            <a:r>
-              <a:rPr lang="ko-KR" altLang="en-US" sz="2000" dirty="0" smtClean="0"/>
-              <a:t> 프레임워크에 의해 호출 되어집니다</a:t>
-            </a:r>
-            <a:r>
-              <a:rPr lang="en-US" altLang="ko-KR" sz="2000" dirty="0" smtClean="0"/>
-              <a:t>.</a:t>
-            </a:r>
-            <a:endParaRPr lang="en-US" altLang="ko-KR" sz="2000" dirty="0"/>
-          </a:p>
-          <a:p>
-            <a:endParaRPr lang="en-US" altLang="ko-KR" sz="2000" dirty="0"/>
-          </a:p>
-          <a:p>
-            <a:pPr marL="342900" indent="-342900">
-              <a:buFont typeface="Arial" pitchFamily="34" charset="0"/>
-              <a:buChar char="•"/>
-            </a:pPr>
-            <a:r>
-              <a:rPr lang="ko-KR" altLang="en-US" sz="2000" dirty="0" smtClean="0">
-                <a:effectLst/>
-              </a:rPr>
-              <a:t>이벤트 </a:t>
-            </a:r>
-            <a:r>
-              <a:rPr lang="ko-KR" altLang="en-US" sz="2000" dirty="0" err="1" smtClean="0">
-                <a:effectLst/>
-              </a:rPr>
-              <a:t>핸들러</a:t>
-            </a:r>
-            <a:endParaRPr lang="en-US" altLang="ko-KR" sz="2000" dirty="0" smtClean="0">
-              <a:effectLst/>
-            </a:endParaRPr>
-          </a:p>
-          <a:p>
-            <a:r>
-              <a:rPr lang="ko-KR" altLang="en-US" sz="2000" dirty="0" smtClean="0">
-                <a:effectLst/>
-              </a:rPr>
-              <a:t>사용자 이벤트를 처리하는 것에 있어서 이벤트 </a:t>
-            </a:r>
-            <a:r>
-              <a:rPr lang="ko-KR" altLang="en-US" sz="2000" dirty="0" err="1" smtClean="0">
-                <a:effectLst/>
-              </a:rPr>
-              <a:t>리스너를</a:t>
-            </a:r>
-            <a:r>
-              <a:rPr lang="ko-KR" altLang="en-US" sz="2000" dirty="0" smtClean="0">
-                <a:effectLst/>
-              </a:rPr>
-              <a:t> 사용하는 것이 좀 더 보편적이지만</a:t>
-            </a:r>
-            <a:r>
-              <a:rPr lang="en-US" altLang="ko-KR" sz="2000" dirty="0" smtClean="0">
-                <a:effectLst/>
-              </a:rPr>
-              <a:t>, </a:t>
-            </a:r>
-            <a:r>
-              <a:rPr lang="ko-KR" altLang="en-US" sz="2000" dirty="0" err="1" smtClean="0">
-                <a:effectLst/>
-              </a:rPr>
-              <a:t>커스텀</a:t>
-            </a:r>
-            <a:r>
-              <a:rPr lang="ko-KR" altLang="en-US" sz="2000" dirty="0" smtClean="0"/>
-              <a:t> 컴포넌트를 구축하기 위해  </a:t>
-            </a:r>
-            <a:r>
-              <a:rPr lang="en-US" altLang="ko-KR" sz="2000" dirty="0" smtClean="0"/>
-              <a:t>View </a:t>
-            </a:r>
-            <a:r>
-              <a:rPr lang="ko-KR" altLang="en-US" sz="2000" dirty="0" smtClean="0"/>
-              <a:t>클래스를 확장하는 경우</a:t>
-            </a:r>
-            <a:r>
-              <a:rPr lang="en-US" altLang="ko-KR" sz="2000" dirty="0" smtClean="0"/>
-              <a:t>, </a:t>
-            </a:r>
-            <a:r>
-              <a:rPr lang="ko-KR" altLang="en-US" sz="2000" dirty="0" smtClean="0"/>
-              <a:t>클래스에 대한 기본 이벤트 행동을 클래스 이벤트 </a:t>
-            </a:r>
-            <a:r>
-              <a:rPr lang="ko-KR" altLang="en-US" sz="2000" dirty="0" err="1" smtClean="0"/>
-              <a:t>핸들러를</a:t>
-            </a:r>
-            <a:r>
-              <a:rPr lang="ko-KR" altLang="en-US" sz="2000" dirty="0" smtClean="0"/>
-              <a:t> 사용하여 정의 할 수 있습니다</a:t>
-            </a:r>
-            <a:r>
-              <a:rPr lang="en-US" altLang="ko-KR" sz="2000" dirty="0" smtClean="0"/>
-              <a:t>. </a:t>
-            </a:r>
-            <a:r>
-              <a:rPr lang="ko-KR" altLang="en-US" sz="2000" dirty="0" smtClean="0"/>
-              <a:t>이때 기본 이벤트 </a:t>
-            </a:r>
-            <a:r>
-              <a:rPr lang="ko-KR" altLang="en-US" sz="2000" dirty="0" err="1" smtClean="0"/>
-              <a:t>핸들러로</a:t>
-            </a:r>
-            <a:r>
-              <a:rPr lang="ko-KR" altLang="en-US" sz="2000" dirty="0" smtClean="0"/>
-              <a:t> 사용될 </a:t>
-            </a:r>
-            <a:r>
-              <a:rPr lang="ko-KR" altLang="en-US" sz="2000" dirty="0" err="1" smtClean="0"/>
-              <a:t>콜백</a:t>
-            </a:r>
-            <a:r>
-              <a:rPr lang="ko-KR" altLang="en-US" sz="2000" dirty="0" smtClean="0"/>
-              <a:t> </a:t>
-            </a:r>
-            <a:r>
-              <a:rPr lang="ko-KR" altLang="en-US" sz="2000" dirty="0" err="1" smtClean="0"/>
-              <a:t>메서드를</a:t>
-            </a:r>
-            <a:r>
-              <a:rPr lang="ko-KR" altLang="en-US" sz="2000" dirty="0" smtClean="0"/>
-              <a:t> 여러 개 정의할 수 있게 됩니다</a:t>
-            </a:r>
-            <a:r>
-              <a:rPr lang="en-US" altLang="ko-KR" sz="2000" dirty="0" smtClean="0"/>
-              <a:t>.</a:t>
-            </a:r>
-            <a:endParaRPr lang="en-US" altLang="ko-KR" sz="2000" dirty="0">
-              <a:effectLst/>
-            </a:endParaRPr>
-          </a:p>
-        </p:txBody>
-      </p:sp>
-      <p:grpSp>
-        <p:nvGrpSpPr>
-          <p:cNvPr id="4" name="그룹 3"/>
-          <p:cNvGrpSpPr/>
-          <p:nvPr/>
-        </p:nvGrpSpPr>
-        <p:grpSpPr>
-          <a:xfrm>
-            <a:off x="232914" y="260647"/>
-            <a:ext cx="7363422" cy="1008113"/>
-            <a:chOff x="179512" y="188639"/>
-            <a:chExt cx="7512374" cy="1071121"/>
-          </a:xfrm>
-        </p:grpSpPr>
-        <p:sp>
-          <p:nvSpPr>
-            <p:cNvPr id="10" name="TextBox 9"/>
-            <p:cNvSpPr txBox="1"/>
-            <p:nvPr/>
-          </p:nvSpPr>
-          <p:spPr>
-            <a:xfrm>
-              <a:off x="179512" y="188639"/>
-              <a:ext cx="3933340" cy="882935"/>
-            </a:xfrm>
-            <a:prstGeom prst="rect">
-              <a:avLst/>
-            </a:prstGeom>
-            <a:noFill/>
-          </p:spPr>
-          <p:txBody>
-            <a:bodyPr wrap="none" rtlCol="0">
-              <a:spAutoFit/>
-            </a:bodyPr>
-            <a:lstStyle/>
-            <a:p>
-              <a:r>
-                <a:rPr lang="en-US" altLang="ko-KR" sz="4800" b="1" dirty="0" smtClean="0"/>
-                <a:t>Input Events</a:t>
-              </a:r>
-              <a:endParaRPr lang="ko-KR" altLang="en-US" sz="4800" b="1" dirty="0"/>
-            </a:p>
-          </p:txBody>
-        </p:sp>
-        <p:cxnSp>
-          <p:nvCxnSpPr>
-            <p:cNvPr id="13" name="직선 연결선 12"/>
-            <p:cNvCxnSpPr/>
-            <p:nvPr/>
-          </p:nvCxnSpPr>
-          <p:spPr>
-            <a:xfrm>
-              <a:off x="287295" y="1259760"/>
-              <a:ext cx="7404591" cy="0"/>
-            </a:xfrm>
-            <a:prstGeom prst="line">
-              <a:avLst/>
-            </a:prstGeom>
-            <a:ln/>
-          </p:spPr>
-          <p:style>
-            <a:lnRef idx="2">
-              <a:schemeClr val="accent1"/>
-            </a:lnRef>
-            <a:fillRef idx="0">
-              <a:schemeClr val="accent1"/>
-            </a:fillRef>
-            <a:effectRef idx="1">
-              <a:schemeClr val="accent1"/>
-            </a:effectRef>
-            <a:fontRef idx="minor">
-              <a:schemeClr val="tx1"/>
-            </a:fontRef>
-          </p:style>
-        </p:cxnSp>
-      </p:grpSp>
-    </p:spTree>
-    <p:extLst>
-      <p:ext uri="{BB962C8B-B14F-4D97-AF65-F5344CB8AC3E}">
-        <p14:creationId xmlns:p14="http://schemas.microsoft.com/office/powerpoint/2010/main" val="445318354"/>
-      </p:ext>
-    </p:extLst>
-  </p:cSld>
-  <p:clrMapOvr>
-    <a:masterClrMapping/>
-  </p:clrMapOvr>
-  <p:timing>
-    <p:tnLst>
-      <p:par>
-        <p:cTn id="1" dur="indefinite" restart="never" nodeType="tmRoot"/>
-      </p:par>
-    </p:tnLst>
-  </p:timing>
-</p:sld>
-</file>
-
-<file path=ppt/slides/slide25.xml><?xml version="1.0" encoding="utf-8"?>
-<p:sld xmlns:a="http://schemas.openxmlformats.org/drawingml/2006/main" xmlns:r="http://schemas.openxmlformats.org/officeDocument/2006/relationships" xmlns:p="http://schemas.openxmlformats.org/presentationml/2006/main">
-  <p:cSld>
-    <p:spTree>
-      <p:nvGrpSpPr>
-        <p:cNvPr id="1" name=""/>
-        <p:cNvGrpSpPr/>
-        <p:nvPr/>
-      </p:nvGrpSpPr>
-      <p:grpSpPr>
-        <a:xfrm>
-          <a:off x="0" y="0"/>
-          <a:ext cx="0" cy="0"/>
-          <a:chOff x="0" y="0"/>
-          <a:chExt cx="0" cy="0"/>
-        </a:xfrm>
-      </p:grpSpPr>
-      <p:sp>
-        <p:nvSpPr>
-          <p:cNvPr id="3" name="TextBox 2"/>
-          <p:cNvSpPr txBox="1"/>
-          <p:nvPr/>
-        </p:nvSpPr>
-        <p:spPr>
-          <a:xfrm>
-            <a:off x="107504" y="1628800"/>
-            <a:ext cx="8916022" cy="4708981"/>
-          </a:xfrm>
-          <a:prstGeom prst="rect">
-            <a:avLst/>
-          </a:prstGeom>
-          <a:noFill/>
-        </p:spPr>
-        <p:txBody>
-          <a:bodyPr wrap="square" rtlCol="0">
-            <a:spAutoFit/>
-          </a:bodyPr>
-          <a:lstStyle/>
-          <a:p>
-            <a:endParaRPr lang="en-US" altLang="ko-KR" sz="2000" dirty="0"/>
-          </a:p>
-          <a:p>
-            <a:pPr marL="342900" indent="-342900">
-              <a:buFont typeface="Arial" pitchFamily="34" charset="0"/>
-              <a:buChar char="•"/>
-            </a:pPr>
-            <a:r>
-              <a:rPr lang="en-US" altLang="ko-KR" sz="2000" dirty="0"/>
-              <a:t>Option menu and action </a:t>
-            </a:r>
-            <a:r>
-              <a:rPr lang="en-US" altLang="ko-KR" sz="2000" dirty="0" smtClean="0"/>
-              <a:t>bar</a:t>
-            </a:r>
-          </a:p>
-          <a:p>
-            <a:endParaRPr lang="en-US" altLang="ko-KR" sz="2000" dirty="0"/>
-          </a:p>
-          <a:p>
-            <a:pPr marL="342900" indent="-342900">
-              <a:buFont typeface="Arial" pitchFamily="34" charset="0"/>
-              <a:buChar char="•"/>
-            </a:pPr>
-            <a:r>
-              <a:rPr lang="en-US" altLang="ko-KR" sz="2000" dirty="0"/>
-              <a:t>Context menu and contextual action </a:t>
-            </a:r>
-            <a:r>
-              <a:rPr lang="en-US" altLang="ko-KR" sz="2000" dirty="0" smtClean="0"/>
-              <a:t>mode</a:t>
-            </a:r>
-          </a:p>
-          <a:p>
-            <a:endParaRPr lang="en-US" altLang="ko-KR" sz="2000" dirty="0"/>
-          </a:p>
-          <a:p>
-            <a:pPr marL="342900" indent="-342900">
-              <a:buFont typeface="Arial" pitchFamily="34" charset="0"/>
-              <a:buChar char="•"/>
-            </a:pPr>
-            <a:r>
-              <a:rPr lang="en-US" altLang="ko-KR" sz="2000" dirty="0"/>
-              <a:t>Popup menu</a:t>
-            </a:r>
-          </a:p>
-          <a:p>
-            <a:endParaRPr lang="en-US" altLang="ko-KR" sz="2000" dirty="0" smtClean="0"/>
-          </a:p>
-          <a:p>
-            <a:endParaRPr lang="en-US" altLang="ko-KR" sz="2000" dirty="0"/>
-          </a:p>
-          <a:p>
-            <a:r>
-              <a:rPr lang="ko-KR" altLang="en-US" sz="2000" dirty="0" err="1" smtClean="0"/>
-              <a:t>안드로이드</a:t>
-            </a:r>
-            <a:r>
-              <a:rPr lang="ko-KR" altLang="en-US" sz="2000" dirty="0" smtClean="0"/>
-              <a:t> 메뉴 시스템은 크게 </a:t>
-            </a:r>
-            <a:r>
-              <a:rPr lang="en-US" altLang="ko-KR" sz="2000" dirty="0" smtClean="0"/>
-              <a:t>Option menu and action bar, Context </a:t>
-            </a:r>
-            <a:r>
-              <a:rPr lang="en-US" altLang="ko-KR" sz="2000" dirty="0" err="1" smtClean="0"/>
-              <a:t>munu</a:t>
-            </a:r>
-            <a:r>
-              <a:rPr lang="en-US" altLang="ko-KR" sz="2000" dirty="0" smtClean="0"/>
-              <a:t> and contextual action mode, Popup menu</a:t>
-            </a:r>
-            <a:r>
-              <a:rPr lang="ko-KR" altLang="en-US" sz="2000" dirty="0" smtClean="0"/>
-              <a:t>로 구분할 수 있는데</a:t>
-            </a:r>
-            <a:r>
-              <a:rPr lang="en-US" altLang="ko-KR" sz="2000" dirty="0"/>
-              <a:t> </a:t>
-            </a:r>
-            <a:r>
-              <a:rPr lang="ko-KR" altLang="en-US" sz="2000" dirty="0" err="1" smtClean="0"/>
-              <a:t>안드로이드</a:t>
-            </a:r>
-            <a:r>
-              <a:rPr lang="ko-KR" altLang="en-US" sz="2000" dirty="0" smtClean="0"/>
-              <a:t> </a:t>
-            </a:r>
-            <a:r>
-              <a:rPr lang="en-US" altLang="ko-KR" sz="2000" dirty="0" smtClean="0"/>
-              <a:t>2.3 </a:t>
-            </a:r>
-            <a:r>
-              <a:rPr lang="ko-KR" altLang="en-US" sz="2000" dirty="0" smtClean="0"/>
-              <a:t>이하에서는 </a:t>
-            </a:r>
-            <a:r>
-              <a:rPr lang="en-US" altLang="ko-KR" sz="2000" dirty="0" smtClean="0"/>
-              <a:t>Option menu, Context menu, Popup menu</a:t>
-            </a:r>
-            <a:r>
-              <a:rPr lang="ko-KR" altLang="en-US" sz="2000" dirty="0" smtClean="0"/>
-              <a:t>를 사용하면 되지만 </a:t>
-            </a:r>
-            <a:r>
-              <a:rPr lang="en-US" altLang="ko-KR" sz="2000" dirty="0" smtClean="0"/>
-              <a:t>3.0 </a:t>
-            </a:r>
-            <a:r>
-              <a:rPr lang="ko-KR" altLang="en-US" sz="2000" dirty="0" smtClean="0"/>
-              <a:t>이상에서는  기존 메뉴가 없어지고 대신 </a:t>
-            </a:r>
-            <a:r>
-              <a:rPr lang="en-US" altLang="ko-KR" sz="2000" dirty="0" smtClean="0"/>
-              <a:t>Action bar, Contextual action mode, Popup menu </a:t>
-            </a:r>
-            <a:r>
-              <a:rPr lang="ko-KR" altLang="en-US" sz="2000" dirty="0" smtClean="0"/>
-              <a:t>를 사용해야 한다</a:t>
-            </a:r>
-            <a:r>
-              <a:rPr lang="en-US" altLang="ko-KR" sz="2000" dirty="0" smtClean="0"/>
-              <a:t>.</a:t>
-            </a:r>
-          </a:p>
-          <a:p>
-            <a:endParaRPr lang="en-US" altLang="ko-KR" sz="2000" dirty="0" smtClean="0">
-              <a:effectLst/>
-            </a:endParaRPr>
-          </a:p>
-          <a:p>
-            <a:endParaRPr lang="en-US" altLang="ko-KR" sz="2000" dirty="0"/>
-          </a:p>
-        </p:txBody>
-      </p:sp>
-      <p:grpSp>
-        <p:nvGrpSpPr>
-          <p:cNvPr id="4" name="그룹 3"/>
-          <p:cNvGrpSpPr/>
-          <p:nvPr/>
-        </p:nvGrpSpPr>
-        <p:grpSpPr>
-          <a:xfrm>
-            <a:off x="232914" y="260647"/>
-            <a:ext cx="7363422" cy="1008113"/>
-            <a:chOff x="179512" y="188639"/>
-            <a:chExt cx="7512374" cy="1071121"/>
-          </a:xfrm>
-        </p:grpSpPr>
-        <p:sp>
-          <p:nvSpPr>
-            <p:cNvPr id="10" name="TextBox 9"/>
-            <p:cNvSpPr txBox="1"/>
-            <p:nvPr/>
-          </p:nvSpPr>
-          <p:spPr>
-            <a:xfrm>
-              <a:off x="179512" y="188639"/>
-              <a:ext cx="2193439" cy="882935"/>
-            </a:xfrm>
-            <a:prstGeom prst="rect">
-              <a:avLst/>
-            </a:prstGeom>
-            <a:noFill/>
-          </p:spPr>
-          <p:txBody>
-            <a:bodyPr wrap="none" rtlCol="0">
-              <a:spAutoFit/>
-            </a:bodyPr>
-            <a:lstStyle/>
-            <a:p>
-              <a:r>
-                <a:rPr lang="en-US" altLang="ko-KR" sz="4800" b="1" dirty="0" smtClean="0"/>
-                <a:t>Menus</a:t>
-              </a:r>
-              <a:endParaRPr lang="ko-KR" altLang="en-US" sz="4800" b="1" dirty="0"/>
-            </a:p>
-          </p:txBody>
-        </p:sp>
-        <p:cxnSp>
-          <p:nvCxnSpPr>
-            <p:cNvPr id="13" name="직선 연결선 12"/>
-            <p:cNvCxnSpPr/>
-            <p:nvPr/>
-          </p:nvCxnSpPr>
-          <p:spPr>
-            <a:xfrm>
-              <a:off x="287295" y="1259760"/>
-              <a:ext cx="7404591" cy="0"/>
-            </a:xfrm>
-            <a:prstGeom prst="line">
-              <a:avLst/>
-            </a:prstGeom>
-            <a:ln/>
-          </p:spPr>
-          <p:style>
-            <a:lnRef idx="2">
-              <a:schemeClr val="accent1"/>
-            </a:lnRef>
-            <a:fillRef idx="0">
-              <a:schemeClr val="accent1"/>
-            </a:fillRef>
-            <a:effectRef idx="1">
-              <a:schemeClr val="accent1"/>
-            </a:effectRef>
-            <a:fontRef idx="minor">
-              <a:schemeClr val="tx1"/>
-            </a:fontRef>
-          </p:style>
-        </p:cxnSp>
-      </p:grpSp>
-    </p:spTree>
-    <p:extLst>
-      <p:ext uri="{BB962C8B-B14F-4D97-AF65-F5344CB8AC3E}">
-        <p14:creationId xmlns:p14="http://schemas.microsoft.com/office/powerpoint/2010/main" val="1331907652"/>
-      </p:ext>
-    </p:extLst>
-  </p:cSld>
-  <p:clrMapOvr>
-    <a:masterClrMapping/>
-  </p:clrMapOvr>
-  <p:timing>
-    <p:tnLst>
-      <p:par>
-        <p:cTn id="1" dur="indefinite" restart="never" nodeType="tmRoot"/>
-      </p:par>
-    </p:tnLst>
-  </p:timing>
-</p:sld>
-</file>
-
-<file path=ppt/slides/slide26.xml><?xml version="1.0" encoding="utf-8"?>
-<p:sld xmlns:a="http://schemas.openxmlformats.org/drawingml/2006/main" xmlns:r="http://schemas.openxmlformats.org/officeDocument/2006/relationships" xmlns:p="http://schemas.openxmlformats.org/presentationml/2006/main">
-  <p:cSld>
-    <p:spTree>
-      <p:nvGrpSpPr>
-        <p:cNvPr id="1" name=""/>
-        <p:cNvGrpSpPr/>
-        <p:nvPr/>
-      </p:nvGrpSpPr>
-      <p:grpSpPr>
-        <a:xfrm>
-          <a:off x="0" y="0"/>
-          <a:ext cx="0" cy="0"/>
-          <a:chOff x="0" y="0"/>
-          <a:chExt cx="0" cy="0"/>
-        </a:xfrm>
-      </p:grpSpPr>
-      <p:sp>
-        <p:nvSpPr>
-          <p:cNvPr id="4" name="TextBox 3"/>
-          <p:cNvSpPr txBox="1"/>
-          <p:nvPr/>
-        </p:nvSpPr>
-        <p:spPr>
-          <a:xfrm>
-            <a:off x="299986" y="5889466"/>
-            <a:ext cx="8520486" cy="707886"/>
-          </a:xfrm>
-          <a:prstGeom prst="rect">
-            <a:avLst/>
-          </a:prstGeom>
-          <a:noFill/>
-        </p:spPr>
-        <p:txBody>
-          <a:bodyPr wrap="square" rtlCol="0">
-            <a:spAutoFit/>
-          </a:bodyPr>
-          <a:lstStyle/>
-          <a:p>
-            <a:r>
-              <a:rPr lang="ko-KR" altLang="en-US" sz="2000" dirty="0" smtClean="0"/>
-              <a:t>기기의 메뉴 버튼을 클릭할 때 표시되는 메뉴로 </a:t>
-            </a:r>
-            <a:r>
-              <a:rPr lang="en-US" altLang="ko-KR" sz="2000" dirty="0" smtClean="0"/>
-              <a:t>6</a:t>
-            </a:r>
-            <a:r>
-              <a:rPr lang="ko-KR" altLang="en-US" sz="2000" dirty="0" smtClean="0"/>
-              <a:t>개까지 표시하고 </a:t>
-            </a:r>
-            <a:r>
-              <a:rPr lang="en-US" altLang="ko-KR" sz="2000" dirty="0" smtClean="0"/>
-              <a:t>6</a:t>
-            </a:r>
-            <a:r>
-              <a:rPr lang="ko-KR" altLang="en-US" sz="2000" dirty="0" smtClean="0"/>
-              <a:t>개 이상이면 </a:t>
-            </a:r>
-            <a:r>
-              <a:rPr lang="en-US" altLang="ko-KR" sz="2000" dirty="0" smtClean="0"/>
-              <a:t>More </a:t>
-            </a:r>
-            <a:r>
-              <a:rPr lang="ko-KR" altLang="en-US" sz="2000" dirty="0" smtClean="0"/>
-              <a:t>로 표시해준다</a:t>
-            </a:r>
-            <a:r>
-              <a:rPr lang="en-US" altLang="ko-KR" sz="2000" dirty="0" smtClean="0"/>
-              <a:t>.</a:t>
-            </a:r>
-            <a:endParaRPr lang="en-US" altLang="ko-KR" sz="2000" dirty="0"/>
-          </a:p>
-        </p:txBody>
-      </p:sp>
-      <p:pic>
-        <p:nvPicPr>
-          <p:cNvPr id="2" name="Picture 2" descr="C:\Users\Mutecsoft_pc\Pictures\options_menu.png"/>
-          <p:cNvPicPr>
-            <a:picLocks noChangeAspect="1" noChangeArrowheads="1"/>
-          </p:cNvPicPr>
-          <p:nvPr/>
-        </p:nvPicPr>
-        <p:blipFill>
-          <a:blip r:embed="rId2">
-            <a:extLst>
-              <a:ext uri="{28A0092B-C50C-407E-A947-70E740481C1C}">
-                <a14:useLocalDpi xmlns:a14="http://schemas.microsoft.com/office/drawing/2010/main" val="0"/>
-              </a:ext>
-            </a:extLst>
-          </a:blip>
-          <a:srcRect/>
-          <a:stretch>
-            <a:fillRect/>
-          </a:stretch>
-        </p:blipFill>
-        <p:spPr bwMode="auto">
-          <a:xfrm>
-            <a:off x="3059832" y="836712"/>
-            <a:ext cx="2952328" cy="4915626"/>
-          </a:xfrm>
-          <a:prstGeom prst="rect">
-            <a:avLst/>
-          </a:prstGeom>
-          <a:noFill/>
-          <a:extLst>
-            <a:ext uri="{909E8E84-426E-40DD-AFC4-6F175D3DCCD1}">
-              <a14:hiddenFill xmlns:a14="http://schemas.microsoft.com/office/drawing/2010/main">
-                <a:solidFill>
-                  <a:srgbClr val="FFFFFF"/>
-                </a:solidFill>
-              </a14:hiddenFill>
-            </a:ext>
-          </a:extLst>
-        </p:spPr>
-      </p:pic>
-      <p:sp>
-        <p:nvSpPr>
-          <p:cNvPr id="8" name="TextBox 7"/>
-          <p:cNvSpPr txBox="1"/>
-          <p:nvPr/>
-        </p:nvSpPr>
-        <p:spPr>
-          <a:xfrm>
-            <a:off x="232914" y="116632"/>
-            <a:ext cx="3682418" cy="646331"/>
-          </a:xfrm>
-          <a:prstGeom prst="rect">
-            <a:avLst/>
-          </a:prstGeom>
-          <a:noFill/>
-        </p:spPr>
-        <p:txBody>
-          <a:bodyPr wrap="none" rtlCol="0">
-            <a:spAutoFit/>
-          </a:bodyPr>
-          <a:lstStyle/>
-          <a:p>
-            <a:pPr marL="571500" indent="-571500">
-              <a:buFont typeface="Arial" pitchFamily="34" charset="0"/>
-              <a:buChar char="•"/>
-            </a:pPr>
-            <a:r>
-              <a:rPr lang="en-US" altLang="ko-KR" sz="3600" b="1" dirty="0" smtClean="0"/>
-              <a:t>Option menu</a:t>
-            </a:r>
-            <a:endParaRPr lang="ko-KR" altLang="en-US" sz="3600" b="1" dirty="0"/>
-          </a:p>
-        </p:txBody>
-      </p:sp>
-    </p:spTree>
-    <p:extLst>
-      <p:ext uri="{BB962C8B-B14F-4D97-AF65-F5344CB8AC3E}">
-        <p14:creationId xmlns:p14="http://schemas.microsoft.com/office/powerpoint/2010/main" val="3598811632"/>
-      </p:ext>
-    </p:extLst>
-  </p:cSld>
-  <p:clrMapOvr>
-    <a:masterClrMapping/>
-  </p:clrMapOvr>
-  <p:timing>
-    <p:tnLst>
-      <p:par>
-        <p:cTn id="1" dur="indefinite" restart="never" nodeType="tmRoot"/>
-      </p:par>
-    </p:tnLst>
-  </p:timing>
-</p:sld>
-</file>
-
-<file path=ppt/slides/slide27.xml><?xml version="1.0" encoding="utf-8"?>
-<p:sld xmlns:a="http://schemas.openxmlformats.org/drawingml/2006/main" xmlns:r="http://schemas.openxmlformats.org/officeDocument/2006/relationships" xmlns:p="http://schemas.openxmlformats.org/presentationml/2006/main">
-  <p:cSld>
-    <p:spTree>
-      <p:nvGrpSpPr>
-        <p:cNvPr id="1" name=""/>
-        <p:cNvGrpSpPr/>
-        <p:nvPr/>
-      </p:nvGrpSpPr>
-      <p:grpSpPr>
-        <a:xfrm>
-          <a:off x="0" y="0"/>
-          <a:ext cx="0" cy="0"/>
-          <a:chOff x="0" y="0"/>
-          <a:chExt cx="0" cy="0"/>
-        </a:xfrm>
-      </p:grpSpPr>
-      <p:sp>
-        <p:nvSpPr>
-          <p:cNvPr id="4" name="TextBox 3"/>
-          <p:cNvSpPr txBox="1"/>
-          <p:nvPr/>
-        </p:nvSpPr>
-        <p:spPr>
-          <a:xfrm>
-            <a:off x="299986" y="5889466"/>
-            <a:ext cx="8520486" cy="707886"/>
-          </a:xfrm>
-          <a:prstGeom prst="rect">
-            <a:avLst/>
-          </a:prstGeom>
-          <a:noFill/>
-        </p:spPr>
-        <p:txBody>
-          <a:bodyPr wrap="square" rtlCol="0">
-            <a:spAutoFit/>
-          </a:bodyPr>
-          <a:lstStyle/>
-          <a:p>
-            <a:r>
-              <a:rPr lang="ko-KR" altLang="en-US" sz="2000" dirty="0" err="1" smtClean="0"/>
-              <a:t>안드로이드</a:t>
-            </a:r>
-            <a:r>
-              <a:rPr lang="ko-KR" altLang="en-US" sz="2000" dirty="0" smtClean="0"/>
-              <a:t> </a:t>
-            </a:r>
-            <a:r>
-              <a:rPr lang="en-US" altLang="ko-KR" sz="2000" dirty="0" smtClean="0"/>
-              <a:t>3.0 </a:t>
-            </a:r>
-            <a:r>
-              <a:rPr lang="ko-KR" altLang="en-US" sz="2000" dirty="0" smtClean="0"/>
-              <a:t>부터 </a:t>
-            </a:r>
-            <a:r>
-              <a:rPr lang="en-US" altLang="ko-KR" sz="2000" dirty="0" smtClean="0"/>
-              <a:t>Option menu</a:t>
-            </a:r>
-            <a:r>
-              <a:rPr lang="ko-KR" altLang="en-US" sz="2000" dirty="0" smtClean="0"/>
-              <a:t> 를 대체하는 것으로 우측 상단에 배치된다</a:t>
-            </a:r>
-            <a:r>
-              <a:rPr lang="en-US" altLang="ko-KR" sz="2000" dirty="0" smtClean="0"/>
-              <a:t>.</a:t>
-            </a:r>
-            <a:endParaRPr lang="en-US" altLang="ko-KR" sz="2000" dirty="0"/>
-          </a:p>
-        </p:txBody>
-      </p:sp>
-      <p:sp>
-        <p:nvSpPr>
-          <p:cNvPr id="8" name="TextBox 7"/>
-          <p:cNvSpPr txBox="1"/>
-          <p:nvPr/>
-        </p:nvSpPr>
-        <p:spPr>
-          <a:xfrm>
-            <a:off x="232914" y="116632"/>
-            <a:ext cx="3058273" cy="646331"/>
-          </a:xfrm>
-          <a:prstGeom prst="rect">
-            <a:avLst/>
-          </a:prstGeom>
-          <a:noFill/>
-        </p:spPr>
-        <p:txBody>
-          <a:bodyPr wrap="none" rtlCol="0">
-            <a:spAutoFit/>
-          </a:bodyPr>
-          <a:lstStyle/>
-          <a:p>
-            <a:pPr marL="571500" indent="-571500">
-              <a:buFont typeface="Arial" pitchFamily="34" charset="0"/>
-              <a:buChar char="•"/>
-            </a:pPr>
-            <a:r>
-              <a:rPr lang="en-US" altLang="ko-KR" sz="3600" b="1" dirty="0" smtClean="0"/>
-              <a:t>Action bar</a:t>
-            </a:r>
-            <a:endParaRPr lang="ko-KR" altLang="en-US" sz="3600" b="1" dirty="0"/>
-          </a:p>
-        </p:txBody>
-      </p:sp>
-      <p:pic>
-        <p:nvPicPr>
-          <p:cNvPr id="5" name="Picture 2" descr="C:\Users\Mutecsoft_pc\Desktop\Screenshot_2016-04-08-12-35-55.png"/>
-          <p:cNvPicPr>
-            <a:picLocks noChangeAspect="1" noChangeArrowheads="1"/>
-          </p:cNvPicPr>
-          <p:nvPr/>
-        </p:nvPicPr>
-        <p:blipFill>
-          <a:blip r:embed="rId2" cstate="print">
-            <a:extLst>
-              <a:ext uri="{28A0092B-C50C-407E-A947-70E740481C1C}">
-                <a14:useLocalDpi xmlns:a14="http://schemas.microsoft.com/office/drawing/2010/main" val="0"/>
-              </a:ext>
-            </a:extLst>
-          </a:blip>
-          <a:srcRect/>
-          <a:stretch>
-            <a:fillRect/>
-          </a:stretch>
-        </p:blipFill>
-        <p:spPr bwMode="auto">
-          <a:xfrm>
-            <a:off x="3131840" y="836712"/>
-            <a:ext cx="2664296" cy="4736526"/>
-          </a:xfrm>
-          <a:prstGeom prst="rect">
-            <a:avLst/>
-          </a:prstGeom>
-          <a:noFill/>
-          <a:extLst>
-            <a:ext uri="{909E8E84-426E-40DD-AFC4-6F175D3DCCD1}">
-              <a14:hiddenFill xmlns:a14="http://schemas.microsoft.com/office/drawing/2010/main">
-                <a:solidFill>
-                  <a:srgbClr val="FFFFFF"/>
-                </a:solidFill>
-              </a14:hiddenFill>
-            </a:ext>
-          </a:extLst>
-        </p:spPr>
-      </p:pic>
-    </p:spTree>
-    <p:extLst>
-      <p:ext uri="{BB962C8B-B14F-4D97-AF65-F5344CB8AC3E}">
-        <p14:creationId xmlns:p14="http://schemas.microsoft.com/office/powerpoint/2010/main" val="3867436729"/>
-      </p:ext>
-    </p:extLst>
-  </p:cSld>
-  <p:clrMapOvr>
-    <a:masterClrMapping/>
-  </p:clrMapOvr>
-  <p:timing>
-    <p:tnLst>
-      <p:par>
-        <p:cTn id="1" dur="indefinite" restart="never" nodeType="tmRoot"/>
-      </p:par>
-    </p:tnLst>
-  </p:timing>
-</p:sld>
-</file>
-
-<file path=ppt/slides/slide28.xml><?xml version="1.0" encoding="utf-8"?>
-<p:sld xmlns:a="http://schemas.openxmlformats.org/drawingml/2006/main" xmlns:r="http://schemas.openxmlformats.org/officeDocument/2006/relationships" xmlns:p="http://schemas.openxmlformats.org/presentationml/2006/main">
-  <p:cSld>
-    <p:spTree>
-      <p:nvGrpSpPr>
-        <p:cNvPr id="1" name=""/>
-        <p:cNvGrpSpPr/>
-        <p:nvPr/>
-      </p:nvGrpSpPr>
-      <p:grpSpPr>
-        <a:xfrm>
-          <a:off x="0" y="0"/>
-          <a:ext cx="0" cy="0"/>
-          <a:chOff x="0" y="0"/>
-          <a:chExt cx="0" cy="0"/>
-        </a:xfrm>
-      </p:grpSpPr>
-      <p:sp>
-        <p:nvSpPr>
-          <p:cNvPr id="4" name="TextBox 3"/>
-          <p:cNvSpPr txBox="1"/>
-          <p:nvPr/>
-        </p:nvSpPr>
-        <p:spPr>
-          <a:xfrm>
-            <a:off x="299986" y="6033482"/>
-            <a:ext cx="8520486" cy="707886"/>
-          </a:xfrm>
-          <a:prstGeom prst="rect">
-            <a:avLst/>
-          </a:prstGeom>
-          <a:noFill/>
-        </p:spPr>
-        <p:txBody>
-          <a:bodyPr wrap="square" rtlCol="0">
-            <a:spAutoFit/>
-          </a:bodyPr>
-          <a:lstStyle/>
-          <a:p>
-            <a:r>
-              <a:rPr lang="ko-KR" altLang="en-US" sz="2000" dirty="0" smtClean="0"/>
-              <a:t>특정 요소</a:t>
-            </a:r>
-            <a:r>
-              <a:rPr lang="en-US" altLang="ko-KR" sz="2000" dirty="0" smtClean="0"/>
-              <a:t>(</a:t>
-            </a:r>
-            <a:r>
-              <a:rPr lang="ko-KR" altLang="en-US" sz="2000" dirty="0" smtClean="0"/>
-              <a:t>선택한 텍스트나 프레임 등</a:t>
-            </a:r>
-            <a:r>
-              <a:rPr lang="en-US" altLang="ko-KR" sz="2000" dirty="0" smtClean="0"/>
-              <a:t>)</a:t>
-            </a:r>
-            <a:r>
-              <a:rPr lang="ko-KR" altLang="en-US" sz="2000" dirty="0" smtClean="0"/>
-              <a:t>를 길게</a:t>
-            </a:r>
-            <a:r>
-              <a:rPr lang="en-US" altLang="ko-KR" sz="2000" dirty="0" smtClean="0"/>
-              <a:t>(2</a:t>
-            </a:r>
-            <a:r>
-              <a:rPr lang="ko-KR" altLang="en-US" sz="2000" dirty="0" smtClean="0"/>
-              <a:t>초 가량</a:t>
-            </a:r>
-            <a:r>
-              <a:rPr lang="en-US" altLang="ko-KR" sz="2000" dirty="0" smtClean="0"/>
-              <a:t>) </a:t>
-            </a:r>
-            <a:r>
-              <a:rPr lang="ko-KR" altLang="en-US" sz="2000" dirty="0" smtClean="0"/>
-              <a:t>클릭하면 나타나는 메뉴이다</a:t>
-            </a:r>
-            <a:r>
-              <a:rPr lang="en-US" altLang="ko-KR" sz="2000" dirty="0" smtClean="0"/>
-              <a:t>.</a:t>
-            </a:r>
-            <a:endParaRPr lang="en-US" altLang="ko-KR" sz="2000" dirty="0"/>
-          </a:p>
-        </p:txBody>
-      </p:sp>
-      <p:sp>
-        <p:nvSpPr>
-          <p:cNvPr id="8" name="TextBox 7"/>
-          <p:cNvSpPr txBox="1"/>
-          <p:nvPr/>
-        </p:nvSpPr>
-        <p:spPr>
-          <a:xfrm>
-            <a:off x="232914" y="116632"/>
-            <a:ext cx="3880742" cy="646331"/>
-          </a:xfrm>
-          <a:prstGeom prst="rect">
-            <a:avLst/>
-          </a:prstGeom>
-          <a:noFill/>
-        </p:spPr>
-        <p:txBody>
-          <a:bodyPr wrap="none" rtlCol="0">
-            <a:spAutoFit/>
-          </a:bodyPr>
-          <a:lstStyle/>
-          <a:p>
-            <a:pPr marL="571500" indent="-571500">
-              <a:buFont typeface="Arial" pitchFamily="34" charset="0"/>
-              <a:buChar char="•"/>
-            </a:pPr>
-            <a:r>
-              <a:rPr lang="en-US" altLang="ko-KR" sz="3600" b="1" dirty="0" smtClean="0"/>
-              <a:t>Context menu</a:t>
-            </a:r>
-            <a:endParaRPr lang="ko-KR" altLang="en-US" sz="3600" b="1" dirty="0"/>
-          </a:p>
-        </p:txBody>
-      </p:sp>
-      <p:pic>
-        <p:nvPicPr>
-          <p:cNvPr id="3074" name="Picture 2" descr="C:\Users\Mutecsoft_pc\Pictures\3547204155_e84fa812_44.jpg"/>
-          <p:cNvPicPr>
-            <a:picLocks noChangeAspect="1" noChangeArrowheads="1"/>
-          </p:cNvPicPr>
-          <p:nvPr/>
-        </p:nvPicPr>
-        <p:blipFill>
-          <a:blip r:embed="rId2">
-            <a:extLst>
-              <a:ext uri="{28A0092B-C50C-407E-A947-70E740481C1C}">
-                <a14:useLocalDpi xmlns:a14="http://schemas.microsoft.com/office/drawing/2010/main" val="0"/>
-              </a:ext>
-            </a:extLst>
-          </a:blip>
-          <a:srcRect/>
-          <a:stretch>
-            <a:fillRect/>
-          </a:stretch>
-        </p:blipFill>
-        <p:spPr bwMode="auto">
-          <a:xfrm>
-            <a:off x="2843808" y="869280"/>
-            <a:ext cx="3060700" cy="5080000"/>
-          </a:xfrm>
-          <a:prstGeom prst="rect">
-            <a:avLst/>
-          </a:prstGeom>
-          <a:noFill/>
-          <a:extLst>
-            <a:ext uri="{909E8E84-426E-40DD-AFC4-6F175D3DCCD1}">
-              <a14:hiddenFill xmlns:a14="http://schemas.microsoft.com/office/drawing/2010/main">
-                <a:solidFill>
-                  <a:srgbClr val="FFFFFF"/>
-                </a:solidFill>
-              </a14:hiddenFill>
-            </a:ext>
-          </a:extLst>
-        </p:spPr>
-      </p:pic>
-    </p:spTree>
-    <p:extLst>
-      <p:ext uri="{BB962C8B-B14F-4D97-AF65-F5344CB8AC3E}">
-        <p14:creationId xmlns:p14="http://schemas.microsoft.com/office/powerpoint/2010/main" val="1649238146"/>
-      </p:ext>
-    </p:extLst>
-  </p:cSld>
-  <p:clrMapOvr>
-    <a:masterClrMapping/>
-  </p:clrMapOvr>
-  <p:timing>
-    <p:tnLst>
-      <p:par>
-        <p:cTn id="1" dur="indefinite" restart="never" nodeType="tmRoot"/>
-      </p:par>
-    </p:tnLst>
-  </p:timing>
-</p:sld>
-</file>
-
-<file path=ppt/slides/slide29.xml><?xml version="1.0" encoding="utf-8"?>
-<p:sld xmlns:a="http://schemas.openxmlformats.org/drawingml/2006/main" xmlns:r="http://schemas.openxmlformats.org/officeDocument/2006/relationships" xmlns:p="http://schemas.openxmlformats.org/presentationml/2006/main">
-  <p:cSld>
-    <p:spTree>
-      <p:nvGrpSpPr>
-        <p:cNvPr id="1" name=""/>
-        <p:cNvGrpSpPr/>
-        <p:nvPr/>
-      </p:nvGrpSpPr>
-      <p:grpSpPr>
-        <a:xfrm>
-          <a:off x="0" y="0"/>
-          <a:ext cx="0" cy="0"/>
-          <a:chOff x="0" y="0"/>
-          <a:chExt cx="0" cy="0"/>
-        </a:xfrm>
-      </p:grpSpPr>
-      <p:sp>
-        <p:nvSpPr>
-          <p:cNvPr id="4" name="TextBox 3"/>
-          <p:cNvSpPr txBox="1"/>
-          <p:nvPr/>
-        </p:nvSpPr>
-        <p:spPr>
-          <a:xfrm>
-            <a:off x="299986" y="6033482"/>
-            <a:ext cx="8520486" cy="707886"/>
-          </a:xfrm>
-          <a:prstGeom prst="rect">
-            <a:avLst/>
-          </a:prstGeom>
-          <a:noFill/>
-        </p:spPr>
-        <p:txBody>
-          <a:bodyPr wrap="square" rtlCol="0">
-            <a:spAutoFit/>
-          </a:bodyPr>
-          <a:lstStyle/>
-          <a:p>
-            <a:r>
-              <a:rPr lang="ko-KR" altLang="en-US" sz="2000" dirty="0" err="1" smtClean="0"/>
-              <a:t>안드로이드</a:t>
-            </a:r>
-            <a:r>
-              <a:rPr lang="ko-KR" altLang="en-US" sz="2000" dirty="0" smtClean="0"/>
-              <a:t> </a:t>
-            </a:r>
-            <a:r>
-              <a:rPr lang="en-US" altLang="ko-KR" sz="2000" dirty="0" smtClean="0"/>
-              <a:t>3.0 </a:t>
-            </a:r>
-            <a:r>
-              <a:rPr lang="ko-KR" altLang="en-US" sz="2000" dirty="0" smtClean="0"/>
-              <a:t>부터 </a:t>
-            </a:r>
-            <a:r>
-              <a:rPr lang="en-US" altLang="ko-KR" sz="2000" dirty="0" smtClean="0"/>
-              <a:t>Context menu </a:t>
-            </a:r>
-            <a:r>
-              <a:rPr lang="ko-KR" altLang="en-US" sz="2000" dirty="0" smtClean="0"/>
-              <a:t>를 대체하는 것으로</a:t>
-            </a:r>
-            <a:r>
-              <a:rPr lang="en-US" altLang="ko-KR" sz="2000" dirty="0" smtClean="0"/>
-              <a:t>, Context menu </a:t>
-            </a:r>
-            <a:r>
-              <a:rPr lang="ko-KR" altLang="en-US" sz="2000" dirty="0" smtClean="0"/>
-              <a:t>처럼 선택한 특정 아이템에 액션을 부여할 때 사용한다</a:t>
-            </a:r>
-            <a:r>
-              <a:rPr lang="en-US" altLang="ko-KR" sz="2000" dirty="0" smtClean="0"/>
-              <a:t>.</a:t>
-            </a:r>
-            <a:endParaRPr lang="en-US" altLang="ko-KR" sz="2000" dirty="0"/>
-          </a:p>
-        </p:txBody>
-      </p:sp>
-      <p:sp>
-        <p:nvSpPr>
-          <p:cNvPr id="8" name="TextBox 7"/>
-          <p:cNvSpPr txBox="1"/>
-          <p:nvPr/>
-        </p:nvSpPr>
-        <p:spPr>
-          <a:xfrm>
-            <a:off x="232914" y="116632"/>
-            <a:ext cx="6057620" cy="646331"/>
-          </a:xfrm>
-          <a:prstGeom prst="rect">
-            <a:avLst/>
-          </a:prstGeom>
-          <a:noFill/>
-        </p:spPr>
-        <p:txBody>
-          <a:bodyPr wrap="none" rtlCol="0">
-            <a:spAutoFit/>
-          </a:bodyPr>
-          <a:lstStyle/>
-          <a:p>
-            <a:pPr marL="571500" indent="-571500">
-              <a:buFont typeface="Arial" pitchFamily="34" charset="0"/>
-              <a:buChar char="•"/>
-            </a:pPr>
-            <a:r>
-              <a:rPr lang="en-US" altLang="ko-KR" sz="3600" b="1" dirty="0" smtClean="0"/>
-              <a:t>Contextual action mode</a:t>
-            </a:r>
-            <a:endParaRPr lang="ko-KR" altLang="en-US" sz="3600" b="1" dirty="0"/>
-          </a:p>
-        </p:txBody>
-      </p:sp>
-      <p:pic>
-        <p:nvPicPr>
-          <p:cNvPr id="4098" name="Picture 2" descr="C:\Users\Mutecsoft_pc\Pictures\3547204155_d9c7af33_86.jpg"/>
-          <p:cNvPicPr>
-            <a:picLocks noChangeAspect="1" noChangeArrowheads="1"/>
-          </p:cNvPicPr>
-          <p:nvPr/>
-        </p:nvPicPr>
-        <p:blipFill>
-          <a:blip r:embed="rId2">
-            <a:extLst>
-              <a:ext uri="{28A0092B-C50C-407E-A947-70E740481C1C}">
-                <a14:useLocalDpi xmlns:a14="http://schemas.microsoft.com/office/drawing/2010/main" val="0"/>
-              </a:ext>
-            </a:extLst>
-          </a:blip>
-          <a:srcRect/>
-          <a:stretch>
-            <a:fillRect/>
-          </a:stretch>
-        </p:blipFill>
-        <p:spPr bwMode="auto">
-          <a:xfrm>
-            <a:off x="496229" y="781669"/>
-            <a:ext cx="8128000" cy="5118100"/>
-          </a:xfrm>
-          <a:prstGeom prst="rect">
-            <a:avLst/>
-          </a:prstGeom>
-          <a:noFill/>
-          <a:extLst>
-            <a:ext uri="{909E8E84-426E-40DD-AFC4-6F175D3DCCD1}">
-              <a14:hiddenFill xmlns:a14="http://schemas.microsoft.com/office/drawing/2010/main">
-                <a:solidFill>
-                  <a:srgbClr val="FFFFFF"/>
-                </a:solidFill>
-              </a14:hiddenFill>
-            </a:ext>
-          </a:extLst>
-        </p:spPr>
-      </p:pic>
-    </p:spTree>
-    <p:extLst>
-      <p:ext uri="{BB962C8B-B14F-4D97-AF65-F5344CB8AC3E}">
-        <p14:creationId xmlns:p14="http://schemas.microsoft.com/office/powerpoint/2010/main" val="1904406827"/>
+        <p14:creationId xmlns:p14="http://schemas.microsoft.com/office/powerpoint/2010/main" val="3718508408"/>
       </p:ext>
     </p:extLst>
   </p:cSld>
@@ -8947,456 +7001,6 @@
     <p:extLst>
       <p:ext uri="{BB962C8B-B14F-4D97-AF65-F5344CB8AC3E}">
         <p14:creationId xmlns:p14="http://schemas.microsoft.com/office/powerpoint/2010/main" val="2593486770"/>
-      </p:ext>
-    </p:extLst>
-  </p:cSld>
-  <p:clrMapOvr>
-    <a:masterClrMapping/>
-  </p:clrMapOvr>
-  <p:timing>
-    <p:tnLst>
-      <p:par>
-        <p:cTn id="1" dur="indefinite" restart="never" nodeType="tmRoot"/>
-      </p:par>
-    </p:tnLst>
-  </p:timing>
-</p:sld>
-</file>
-
-<file path=ppt/slides/slide30.xml><?xml version="1.0" encoding="utf-8"?>
-<p:sld xmlns:a="http://schemas.openxmlformats.org/drawingml/2006/main" xmlns:r="http://schemas.openxmlformats.org/officeDocument/2006/relationships" xmlns:p="http://schemas.openxmlformats.org/presentationml/2006/main">
-  <p:cSld>
-    <p:spTree>
-      <p:nvGrpSpPr>
-        <p:cNvPr id="1" name=""/>
-        <p:cNvGrpSpPr/>
-        <p:nvPr/>
-      </p:nvGrpSpPr>
-      <p:grpSpPr>
-        <a:xfrm>
-          <a:off x="0" y="0"/>
-          <a:ext cx="0" cy="0"/>
-          <a:chOff x="0" y="0"/>
-          <a:chExt cx="0" cy="0"/>
-        </a:xfrm>
-      </p:grpSpPr>
-      <p:sp>
-        <p:nvSpPr>
-          <p:cNvPr id="4" name="TextBox 3"/>
-          <p:cNvSpPr txBox="1"/>
-          <p:nvPr/>
-        </p:nvSpPr>
-        <p:spPr>
-          <a:xfrm>
-            <a:off x="299986" y="5085184"/>
-            <a:ext cx="8520486" cy="707886"/>
-          </a:xfrm>
-          <a:prstGeom prst="rect">
-            <a:avLst/>
-          </a:prstGeom>
-          <a:noFill/>
-        </p:spPr>
-        <p:txBody>
-          <a:bodyPr wrap="square" rtlCol="0">
-            <a:spAutoFit/>
-          </a:bodyPr>
-          <a:lstStyle/>
-          <a:p>
-            <a:r>
-              <a:rPr lang="ko-KR" altLang="en-US" sz="2000" dirty="0" smtClean="0"/>
-              <a:t>특정 </a:t>
-            </a:r>
-            <a:r>
-              <a:rPr lang="ko-KR" altLang="en-US" sz="2000" dirty="0" err="1" smtClean="0"/>
-              <a:t>뷰에</a:t>
-            </a:r>
-            <a:r>
-              <a:rPr lang="ko-KR" altLang="en-US" sz="2000" dirty="0" smtClean="0"/>
-              <a:t> 따라붙는 리스트 형태의 서브 메뉴이며</a:t>
-            </a:r>
-            <a:r>
-              <a:rPr lang="en-US" altLang="ko-KR" sz="2000" dirty="0" smtClean="0"/>
-              <a:t> </a:t>
-            </a:r>
-            <a:r>
-              <a:rPr lang="ko-KR" altLang="en-US" sz="2000" dirty="0" smtClean="0"/>
-              <a:t>주로 </a:t>
-            </a:r>
-            <a:r>
-              <a:rPr lang="ko-KR" altLang="en-US" sz="2000" dirty="0" err="1" smtClean="0"/>
-              <a:t>콘텐츠</a:t>
-            </a:r>
-            <a:r>
-              <a:rPr lang="ko-KR" altLang="en-US" sz="2000" dirty="0" smtClean="0"/>
-              <a:t> 영역과 관련이 있는 확장 작업을 위한 용도이다</a:t>
-            </a:r>
-            <a:r>
-              <a:rPr lang="en-US" altLang="ko-KR" sz="2000" dirty="0" smtClean="0"/>
-              <a:t>.</a:t>
-            </a:r>
-            <a:endParaRPr lang="en-US" altLang="ko-KR" sz="2000" dirty="0"/>
-          </a:p>
-        </p:txBody>
-      </p:sp>
-      <p:sp>
-        <p:nvSpPr>
-          <p:cNvPr id="8" name="TextBox 7"/>
-          <p:cNvSpPr txBox="1"/>
-          <p:nvPr/>
-        </p:nvSpPr>
-        <p:spPr>
-          <a:xfrm>
-            <a:off x="232914" y="116632"/>
-            <a:ext cx="3575722" cy="646331"/>
-          </a:xfrm>
-          <a:prstGeom prst="rect">
-            <a:avLst/>
-          </a:prstGeom>
-          <a:noFill/>
-        </p:spPr>
-        <p:txBody>
-          <a:bodyPr wrap="none" rtlCol="0">
-            <a:spAutoFit/>
-          </a:bodyPr>
-          <a:lstStyle/>
-          <a:p>
-            <a:pPr marL="571500" indent="-571500">
-              <a:buFont typeface="Arial" pitchFamily="34" charset="0"/>
-              <a:buChar char="•"/>
-            </a:pPr>
-            <a:r>
-              <a:rPr lang="en-US" altLang="ko-KR" sz="3600" b="1" dirty="0" smtClean="0"/>
-              <a:t>Popup menu</a:t>
-            </a:r>
-            <a:endParaRPr lang="ko-KR" altLang="en-US" sz="3600" b="1" dirty="0"/>
-          </a:p>
-        </p:txBody>
-      </p:sp>
-      <p:pic>
-        <p:nvPicPr>
-          <p:cNvPr id="5122" name="Picture 2" descr="C:\Users\Mutecsoft_pc\Pictures\3547204155_2c0d8da2_62.jpg"/>
-          <p:cNvPicPr>
-            <a:picLocks noChangeAspect="1" noChangeArrowheads="1"/>
-          </p:cNvPicPr>
-          <p:nvPr/>
-        </p:nvPicPr>
-        <p:blipFill>
-          <a:blip r:embed="rId2">
-            <a:extLst>
-              <a:ext uri="{28A0092B-C50C-407E-A947-70E740481C1C}">
-                <a14:useLocalDpi xmlns:a14="http://schemas.microsoft.com/office/drawing/2010/main" val="0"/>
-              </a:ext>
-            </a:extLst>
-          </a:blip>
-          <a:srcRect/>
-          <a:stretch>
-            <a:fillRect/>
-          </a:stretch>
-        </p:blipFill>
-        <p:spPr bwMode="auto">
-          <a:xfrm>
-            <a:off x="1043608" y="1687438"/>
-            <a:ext cx="7248525" cy="2533650"/>
-          </a:xfrm>
-          <a:prstGeom prst="rect">
-            <a:avLst/>
-          </a:prstGeom>
-          <a:noFill/>
-          <a:extLst>
-            <a:ext uri="{909E8E84-426E-40DD-AFC4-6F175D3DCCD1}">
-              <a14:hiddenFill xmlns:a14="http://schemas.microsoft.com/office/drawing/2010/main">
-                <a:solidFill>
-                  <a:srgbClr val="FFFFFF"/>
-                </a:solidFill>
-              </a14:hiddenFill>
-            </a:ext>
-          </a:extLst>
-        </p:spPr>
-      </p:pic>
-    </p:spTree>
-    <p:extLst>
-      <p:ext uri="{BB962C8B-B14F-4D97-AF65-F5344CB8AC3E}">
-        <p14:creationId xmlns:p14="http://schemas.microsoft.com/office/powerpoint/2010/main" val="3545722234"/>
-      </p:ext>
-    </p:extLst>
-  </p:cSld>
-  <p:clrMapOvr>
-    <a:masterClrMapping/>
-  </p:clrMapOvr>
-  <p:timing>
-    <p:tnLst>
-      <p:par>
-        <p:cTn id="1" dur="indefinite" restart="never" nodeType="tmRoot"/>
-      </p:par>
-    </p:tnLst>
-  </p:timing>
-</p:sld>
-</file>
-
-<file path=ppt/slides/slide31.xml><?xml version="1.0" encoding="utf-8"?>
-<p:sld xmlns:a="http://schemas.openxmlformats.org/drawingml/2006/main" xmlns:r="http://schemas.openxmlformats.org/officeDocument/2006/relationships" xmlns:p="http://schemas.openxmlformats.org/presentationml/2006/main">
-  <p:cSld>
-    <p:spTree>
-      <p:nvGrpSpPr>
-        <p:cNvPr id="1" name=""/>
-        <p:cNvGrpSpPr/>
-        <p:nvPr/>
-      </p:nvGrpSpPr>
-      <p:grpSpPr>
-        <a:xfrm>
-          <a:off x="0" y="0"/>
-          <a:ext cx="0" cy="0"/>
-          <a:chOff x="0" y="0"/>
-          <a:chExt cx="0" cy="0"/>
-        </a:xfrm>
-      </p:grpSpPr>
-      <p:sp>
-        <p:nvSpPr>
-          <p:cNvPr id="3" name="TextBox 2"/>
-          <p:cNvSpPr txBox="1"/>
-          <p:nvPr/>
-        </p:nvSpPr>
-        <p:spPr>
-          <a:xfrm>
-            <a:off x="107504" y="1556792"/>
-            <a:ext cx="8916022" cy="6555641"/>
-          </a:xfrm>
-          <a:prstGeom prst="rect">
-            <a:avLst/>
-          </a:prstGeom>
-          <a:noFill/>
-        </p:spPr>
-        <p:txBody>
-          <a:bodyPr wrap="square" rtlCol="0">
-            <a:spAutoFit/>
-          </a:bodyPr>
-          <a:lstStyle/>
-          <a:p>
-            <a:r>
-              <a:rPr lang="en-US" altLang="ko-KR" sz="2000" dirty="0">
-                <a:hlinkClick r:id="rId2"/>
-              </a:rPr>
-              <a:t>http://</a:t>
-            </a:r>
-            <a:r>
-              <a:rPr lang="en-US" altLang="ko-KR" sz="2000" dirty="0" smtClean="0">
-                <a:hlinkClick r:id="rId2"/>
-              </a:rPr>
-              <a:t>kese111.blogspot.kr/2012/12/android.html</a:t>
-            </a:r>
-          </a:p>
-          <a:p>
-            <a:endParaRPr lang="en-US" altLang="ko-KR" sz="2000" dirty="0">
-              <a:hlinkClick r:id="rId2"/>
-            </a:endParaRPr>
-          </a:p>
-          <a:p>
-            <a:r>
-              <a:rPr lang="en-US" altLang="ko-KR" sz="2000" dirty="0" smtClean="0">
-                <a:hlinkClick r:id="rId2"/>
-              </a:rPr>
-              <a:t>http</a:t>
-            </a:r>
-            <a:r>
-              <a:rPr lang="en-US" altLang="ko-KR" sz="2000" dirty="0">
-                <a:hlinkClick r:id="rId2"/>
-              </a:rPr>
-              <a:t>://www.kmshack.kr/2014/08/%EC%95%88%EB%93%9C%EB%A1%9C%EC%9D%B4%EB%93%9C-ui%EC%B5%9C%EC%A0%81%ED%99%94-%EB%A0%88%EC%9D%B4%EC%95%84%EC%9B%83</a:t>
-            </a:r>
-            <a:r>
-              <a:rPr lang="en-US" altLang="ko-KR" sz="2000" dirty="0" smtClean="0">
-                <a:hlinkClick r:id="rId2"/>
-              </a:rPr>
-              <a:t>/</a:t>
-            </a:r>
-            <a:endParaRPr lang="en-US" altLang="ko-KR" sz="2000" dirty="0" smtClean="0"/>
-          </a:p>
-          <a:p>
-            <a:endParaRPr lang="en-US" altLang="ko-KR" sz="2000" dirty="0" smtClean="0"/>
-          </a:p>
-          <a:p>
-            <a:r>
-              <a:rPr lang="en-US" altLang="ko-KR" sz="2000" dirty="0">
-                <a:hlinkClick r:id="rId3"/>
-              </a:rPr>
-              <a:t>http://</a:t>
-            </a:r>
-            <a:r>
-              <a:rPr lang="en-US" altLang="ko-KR" sz="2000" dirty="0" smtClean="0">
-                <a:hlinkClick r:id="rId3"/>
-              </a:rPr>
-              <a:t>apphappy.tistory.com/63</a:t>
-            </a:r>
-            <a:endParaRPr lang="en-US" altLang="ko-KR" sz="2000" dirty="0" smtClean="0"/>
-          </a:p>
-          <a:p>
-            <a:endParaRPr lang="en-US" altLang="ko-KR" sz="2000" dirty="0" smtClean="0"/>
-          </a:p>
-          <a:p>
-            <a:r>
-              <a:rPr lang="en-US" altLang="ko-KR" sz="2000" dirty="0">
-                <a:hlinkClick r:id="rId4"/>
-              </a:rPr>
-              <a:t>https://realm.io/kr/news/android-thread-looper-handler</a:t>
-            </a:r>
-            <a:r>
-              <a:rPr lang="en-US" altLang="ko-KR" sz="2000" dirty="0" smtClean="0">
-                <a:hlinkClick r:id="rId4"/>
-              </a:rPr>
-              <a:t>/</a:t>
-            </a:r>
-            <a:endParaRPr lang="en-US" altLang="ko-KR" sz="2000" dirty="0" smtClean="0"/>
-          </a:p>
-          <a:p>
-            <a:endParaRPr lang="en-US" altLang="ko-KR" sz="2000" dirty="0"/>
-          </a:p>
-          <a:p>
-            <a:r>
-              <a:rPr lang="en-US" altLang="ko-KR" sz="2000" dirty="0">
-                <a:hlinkClick r:id="rId5"/>
-              </a:rPr>
-              <a:t>http://</a:t>
-            </a:r>
-            <a:r>
-              <a:rPr lang="en-US" altLang="ko-KR" sz="2000" dirty="0" smtClean="0">
-                <a:hlinkClick r:id="rId5"/>
-              </a:rPr>
-              <a:t>www.slideshare.net/iamhjoo/ss-44214966</a:t>
-            </a:r>
-            <a:endParaRPr lang="en-US" altLang="ko-KR" sz="2000" dirty="0" smtClean="0"/>
-          </a:p>
-          <a:p>
-            <a:endParaRPr lang="en-US" altLang="ko-KR" sz="2000" dirty="0"/>
-          </a:p>
-          <a:p>
-            <a:r>
-              <a:rPr lang="en-US" altLang="ko-KR" sz="2000" dirty="0">
-                <a:hlinkClick r:id="rId6"/>
-              </a:rPr>
-              <a:t>http://</a:t>
-            </a:r>
-            <a:r>
-              <a:rPr lang="en-US" altLang="ko-KR" sz="2000" dirty="0" smtClean="0">
-                <a:hlinkClick r:id="rId6"/>
-              </a:rPr>
-              <a:t>i5on9i.blogspot.kr/2013/10/animation-how-to-use-animation.html</a:t>
-            </a:r>
-            <a:endParaRPr lang="en-US" altLang="ko-KR" sz="2000" dirty="0" smtClean="0"/>
-          </a:p>
-          <a:p>
-            <a:endParaRPr lang="en-US" altLang="ko-KR" sz="2000" dirty="0"/>
-          </a:p>
-          <a:p>
-            <a:r>
-              <a:rPr lang="en-US" altLang="ko-KR" sz="2000" dirty="0">
-                <a:hlinkClick r:id="rId7"/>
-              </a:rPr>
-              <a:t>http://</a:t>
-            </a:r>
-            <a:r>
-              <a:rPr lang="en-US" altLang="ko-KR" sz="2000" dirty="0" smtClean="0">
-                <a:hlinkClick r:id="rId7"/>
-              </a:rPr>
-              <a:t>horajjan.blog.me/110190167640</a:t>
-            </a:r>
-            <a:endParaRPr lang="en-US" altLang="ko-KR" sz="2000" dirty="0" smtClean="0"/>
-          </a:p>
-          <a:p>
-            <a:endParaRPr lang="en-US" altLang="ko-KR" sz="2000" dirty="0"/>
-          </a:p>
-          <a:p>
-            <a:endParaRPr lang="en-US" altLang="ko-KR" sz="2000" dirty="0" smtClean="0"/>
-          </a:p>
-          <a:p>
-            <a:endParaRPr lang="en-US" altLang="ko-KR" sz="2000" dirty="0"/>
-          </a:p>
-          <a:p>
-            <a:endParaRPr lang="en-US" altLang="ko-KR" sz="2000" dirty="0" smtClean="0"/>
-          </a:p>
-          <a:p>
-            <a:endParaRPr lang="en-US" altLang="ko-KR" sz="2000" dirty="0"/>
-          </a:p>
-          <a:p>
-            <a:endParaRPr lang="en-US" altLang="ko-KR" sz="2000" dirty="0"/>
-          </a:p>
-        </p:txBody>
-      </p:sp>
-      <p:grpSp>
-        <p:nvGrpSpPr>
-          <p:cNvPr id="4" name="그룹 3"/>
-          <p:cNvGrpSpPr/>
-          <p:nvPr/>
-        </p:nvGrpSpPr>
-        <p:grpSpPr>
-          <a:xfrm>
-            <a:off x="232914" y="260647"/>
-            <a:ext cx="7363422" cy="1008113"/>
-            <a:chOff x="179512" y="188639"/>
-            <a:chExt cx="7512374" cy="1071121"/>
-          </a:xfrm>
-        </p:grpSpPr>
-        <p:sp>
-          <p:nvSpPr>
-            <p:cNvPr id="10" name="TextBox 9"/>
-            <p:cNvSpPr txBox="1"/>
-            <p:nvPr/>
-          </p:nvSpPr>
-          <p:spPr>
-            <a:xfrm>
-              <a:off x="179512" y="188639"/>
-              <a:ext cx="188468" cy="882935"/>
-            </a:xfrm>
-            <a:prstGeom prst="rect">
-              <a:avLst/>
-            </a:prstGeom>
-            <a:noFill/>
-          </p:spPr>
-          <p:txBody>
-            <a:bodyPr wrap="none" rtlCol="0">
-              <a:spAutoFit/>
-            </a:bodyPr>
-            <a:lstStyle/>
-            <a:p>
-              <a:endParaRPr lang="ko-KR" altLang="en-US" sz="4800" b="1" dirty="0"/>
-            </a:p>
-          </p:txBody>
-        </p:sp>
-        <p:cxnSp>
-          <p:nvCxnSpPr>
-            <p:cNvPr id="13" name="직선 연결선 12"/>
-            <p:cNvCxnSpPr/>
-            <p:nvPr/>
-          </p:nvCxnSpPr>
-          <p:spPr>
-            <a:xfrm>
-              <a:off x="287295" y="1259760"/>
-              <a:ext cx="7404591" cy="0"/>
-            </a:xfrm>
-            <a:prstGeom prst="line">
-              <a:avLst/>
-            </a:prstGeom>
-            <a:ln/>
-          </p:spPr>
-          <p:style>
-            <a:lnRef idx="2">
-              <a:schemeClr val="accent1"/>
-            </a:lnRef>
-            <a:fillRef idx="0">
-              <a:schemeClr val="accent1"/>
-            </a:fillRef>
-            <a:effectRef idx="1">
-              <a:schemeClr val="accent1"/>
-            </a:effectRef>
-            <a:fontRef idx="minor">
-              <a:schemeClr val="tx1"/>
-            </a:fontRef>
-          </p:style>
-        </p:cxnSp>
-      </p:grpSp>
-    </p:spTree>
-    <p:extLst>
-      <p:ext uri="{BB962C8B-B14F-4D97-AF65-F5344CB8AC3E}">
-        <p14:creationId xmlns:p14="http://schemas.microsoft.com/office/powerpoint/2010/main" val="3718508408"/>
       </p:ext>
     </p:extLst>
   </p:cSld>
@@ -10153,7 +7757,7 @@
         <p:spPr>
           <a:xfrm>
             <a:off x="232914" y="332656"/>
-            <a:ext cx="6127255" cy="1631216"/>
+            <a:ext cx="8188973" cy="1631216"/>
           </a:xfrm>
           <a:prstGeom prst="rect">
             <a:avLst/>
@@ -10180,7 +7784,31 @@
             </a:r>
             <a:r>
               <a:rPr lang="ko-KR" altLang="en-US" sz="2000" dirty="0" smtClean="0"/>
-              <a:t>속성과 </a:t>
+              <a:t>속성</a:t>
+            </a:r>
+            <a:r>
+              <a:rPr lang="en-US" altLang="ko-KR" sz="2000" dirty="0" smtClean="0"/>
+              <a:t>, </a:t>
+            </a:r>
+            <a:r>
+              <a:rPr lang="en-US" altLang="ko-KR" sz="2000" dirty="0" err="1" smtClean="0"/>
+              <a:t>match_parent</a:t>
+            </a:r>
+            <a:r>
+              <a:rPr lang="en-US" altLang="ko-KR" sz="2000" dirty="0"/>
+              <a:t> </a:t>
+            </a:r>
+            <a:r>
+              <a:rPr lang="ko-KR" altLang="en-US" sz="2000" dirty="0" smtClean="0"/>
+              <a:t>속성</a:t>
+            </a:r>
+            <a:r>
+              <a:rPr lang="en-US" altLang="ko-KR" sz="2000" dirty="0" smtClean="0"/>
+              <a:t>,</a:t>
+            </a:r>
+            <a:r>
+              <a:rPr lang="ko-KR" altLang="en-US" sz="2000" dirty="0" smtClean="0"/>
+              <a:t> </a:t>
             </a:r>
             <a:r>
               <a:rPr lang="en-US" altLang="ko-KR" sz="2000" dirty="0" err="1" smtClean="0"/>
@@ -10424,8 +8052,8 @@
         </p:nvSpPr>
         <p:spPr>
           <a:xfrm>
-            <a:off x="107504" y="1628800"/>
-            <a:ext cx="8916022" cy="4708981"/>
+            <a:off x="107504" y="1509752"/>
+            <a:ext cx="8916022" cy="1631216"/>
           </a:xfrm>
           <a:prstGeom prst="rect">
             <a:avLst/>
@@ -10438,19 +8066,6 @@
           </a:bodyPr>
           <a:lstStyle/>
           <a:p>
-            <a:r>
-              <a:rPr lang="ko-KR" altLang="en-US" sz="2000" dirty="0" smtClean="0"/>
-              <a:t>사용자와 애플리케이션의 상호 작용에 대한 이벤트를 처리하기 위한 방법에는 다음과 같은 두 가지 방법이 있습니다</a:t>
-            </a:r>
-            <a:r>
-              <a:rPr lang="en-US" altLang="ko-KR" sz="2000" dirty="0" smtClean="0"/>
-              <a:t>.</a:t>
-            </a:r>
-          </a:p>
-          <a:p>
-            <a:endParaRPr lang="en-US" altLang="ko-KR" sz="2000" dirty="0"/>
-          </a:p>
-          <a:p>
             <a:pPr marL="342900" indent="-342900">
               <a:buFont typeface="Arial" pitchFamily="34" charset="0"/>
               <a:buChar char="•"/>
@@ -10570,131 +8185,49 @@
             </a:r>
             <a:endParaRPr lang="en-US" altLang="ko-KR" sz="2000" dirty="0"/>
           </a:p>
-          <a:p>
-            <a:endParaRPr lang="en-US" altLang="ko-KR" sz="2000" dirty="0"/>
-          </a:p>
-          <a:p>
-            <a:pPr marL="342900" indent="-342900">
-              <a:buFont typeface="Arial" pitchFamily="34" charset="0"/>
-              <a:buChar char="•"/>
-            </a:pPr>
-            <a:r>
-              <a:rPr lang="ko-KR" altLang="en-US" sz="2000" dirty="0" smtClean="0">
-                <a:effectLst/>
-              </a:rPr>
-              <a:t>이벤트 </a:t>
-            </a:r>
-            <a:r>
-              <a:rPr lang="ko-KR" altLang="en-US" sz="2000" dirty="0" err="1" smtClean="0">
-                <a:effectLst/>
-              </a:rPr>
-              <a:t>핸들러</a:t>
-            </a:r>
-            <a:endParaRPr lang="en-US" altLang="ko-KR" sz="2000" dirty="0" smtClean="0">
-              <a:effectLst/>
-            </a:endParaRPr>
-          </a:p>
-          <a:p>
-            <a:r>
-              <a:rPr lang="ko-KR" altLang="en-US" sz="2000" dirty="0" smtClean="0">
-                <a:effectLst/>
-              </a:rPr>
-              <a:t>사용자 이벤트를 처리하는 것에 있어서 이벤트 </a:t>
-            </a:r>
-            <a:r>
-              <a:rPr lang="ko-KR" altLang="en-US" sz="2000" dirty="0" err="1" smtClean="0">
-                <a:effectLst/>
-              </a:rPr>
-              <a:t>리스너를</a:t>
-            </a:r>
-            <a:r>
-              <a:rPr lang="ko-KR" altLang="en-US" sz="2000" dirty="0" smtClean="0">
-                <a:effectLst/>
-              </a:rPr>
-              <a:t> 사용하는 것이 좀 더 보편적이지만</a:t>
-            </a:r>
-            <a:r>
-              <a:rPr lang="en-US" altLang="ko-KR" sz="2000" dirty="0" smtClean="0">
-                <a:effectLst/>
-              </a:rPr>
-              <a:t>, </a:t>
-            </a:r>
-            <a:r>
-              <a:rPr lang="ko-KR" altLang="en-US" sz="2000" dirty="0" err="1" smtClean="0">
-                <a:effectLst/>
-              </a:rPr>
-              <a:t>커스텀</a:t>
-            </a:r>
-            <a:r>
-              <a:rPr lang="ko-KR" altLang="en-US" sz="2000" dirty="0" smtClean="0"/>
-              <a:t> 컴포넌트를 구축하기 위해  </a:t>
-            </a:r>
-            <a:r>
-              <a:rPr lang="en-US" altLang="ko-KR" sz="2000" dirty="0" smtClean="0"/>
-              <a:t>View </a:t>
-            </a:r>
-            <a:r>
-              <a:rPr lang="ko-KR" altLang="en-US" sz="2000" dirty="0" smtClean="0"/>
-              <a:t>클래스를 확장하는 경우</a:t>
-            </a:r>
-            <a:r>
-              <a:rPr lang="en-US" altLang="ko-KR" sz="2000" dirty="0" smtClean="0"/>
-              <a:t>, </a:t>
-            </a:r>
-            <a:r>
-              <a:rPr lang="ko-KR" altLang="en-US" sz="2000" dirty="0" smtClean="0"/>
-              <a:t>클래스에 대한 기본 이벤트 행동을 클래스 이벤트 </a:t>
-            </a:r>
-            <a:r>
-              <a:rPr lang="ko-KR" altLang="en-US" sz="2000" dirty="0" err="1" smtClean="0"/>
-              <a:t>핸들러를</a:t>
-            </a:r>
-            <a:r>
-              <a:rPr lang="ko-KR" altLang="en-US" sz="2000" dirty="0" smtClean="0"/>
-              <a:t> 사용하여 정의 할 수 있습니다</a:t>
-            </a:r>
-            <a:r>
-              <a:rPr lang="en-US" altLang="ko-KR" sz="2000" dirty="0" smtClean="0"/>
-              <a:t>. </a:t>
-            </a:r>
-            <a:r>
-              <a:rPr lang="ko-KR" altLang="en-US" sz="2000" dirty="0" smtClean="0"/>
-              <a:t>이때 기본 이벤트 </a:t>
-            </a:r>
-            <a:r>
-              <a:rPr lang="ko-KR" altLang="en-US" sz="2000" dirty="0" err="1" smtClean="0"/>
-              <a:t>핸들러로</a:t>
-            </a:r>
-            <a:r>
-              <a:rPr lang="ko-KR" altLang="en-US" sz="2000" dirty="0" smtClean="0"/>
-              <a:t> 사용될 </a:t>
-            </a:r>
-            <a:r>
-              <a:rPr lang="ko-KR" altLang="en-US" sz="2000" dirty="0" err="1" smtClean="0"/>
-              <a:t>콜백</a:t>
-            </a:r>
-            <a:r>
-              <a:rPr lang="ko-KR" altLang="en-US" sz="2000" dirty="0" smtClean="0"/>
-              <a:t> </a:t>
-            </a:r>
-            <a:r>
-              <a:rPr lang="ko-KR" altLang="en-US" sz="2000" dirty="0" err="1" smtClean="0"/>
-              <a:t>메서드를</a:t>
-            </a:r>
-            <a:r>
-              <a:rPr lang="ko-KR" altLang="en-US" sz="2000" dirty="0" smtClean="0"/>
-              <a:t> 여러 개 정의할 수 있게 됩니다</a:t>
-            </a:r>
-            <a:r>
-              <a:rPr lang="en-US" altLang="ko-KR" sz="2000" dirty="0" smtClean="0"/>
-              <a:t>.</a:t>
-            </a:r>
-            <a:endParaRPr lang="en-US" altLang="ko-KR" sz="2000" dirty="0">
-              <a:effectLst/>
-            </a:endParaRPr>
-          </a:p>
-        </p:txBody>
-      </p:sp>
+        </p:txBody>
+      </p:sp>
+      <p:pic>
+        <p:nvPicPr>
+          <p:cNvPr id="1026" name="Picture 2" descr="C:\Users\mutecsoft\Pictures\리스너종류.png"/>
+          <p:cNvPicPr>
+            <a:picLocks noChangeAspect="1" noChangeArrowheads="1"/>
+          </p:cNvPicPr>
+          <p:nvPr/>
+        </p:nvPicPr>
+        <p:blipFill>
+          <a:blip r:embed="rId2">
+            <a:extLst>
+              <a:ext uri="{28A0092B-C50C-407E-A947-70E740481C1C}">
+                <a14:useLocalDpi xmlns:a14="http://schemas.microsoft.com/office/drawing/2010/main" val="0"/>
+              </a:ext>
+            </a:extLst>
+          </a:blip>
+          <a:srcRect/>
+          <a:stretch>
+            <a:fillRect/>
+          </a:stretch>
+        </p:blipFill>
+        <p:spPr bwMode="auto">
+          <a:xfrm>
+            <a:off x="755576" y="3429000"/>
+            <a:ext cx="7653510" cy="3168352"/>
+          </a:xfrm>
+          <a:prstGeom prst="rect">
+            <a:avLst/>
+          </a:prstGeom>
+          <a:noFill/>
+          <a:extLst>
+            <a:ext uri="{909E8E84-426E-40DD-AFC4-6F175D3DCCD1}">
+              <a14:hiddenFill xmlns:a14="http://schemas.microsoft.com/office/drawing/2010/main">
+                <a:solidFill>
+                  <a:srgbClr val="FFFFFF"/>
+                </a:solidFill>
+              </a14:hiddenFill>
+            </a:ext>
+          </a:extLst>
+        </p:spPr>
+      </p:pic>
     </p:spTree>
     <p:extLst>
       <p:ext uri="{BB962C8B-B14F-4D97-AF65-F5344CB8AC3E}">
@@ -10732,106 +8265,6 @@
           <a:chExt cx="0" cy="0"/>
         </a:xfrm>
       </p:grpSpPr>
-      <p:grpSp>
-        <p:nvGrpSpPr>
-          <p:cNvPr id="4" name="그룹 3"/>
-          <p:cNvGrpSpPr/>
-          <p:nvPr/>
-        </p:nvGrpSpPr>
-        <p:grpSpPr>
-          <a:xfrm>
-            <a:off x="232914" y="260647"/>
-            <a:ext cx="7645042" cy="1008113"/>
-            <a:chOff x="179512" y="188639"/>
-            <a:chExt cx="7799691" cy="1071121"/>
-          </a:xfrm>
-        </p:grpSpPr>
-        <p:sp>
-          <p:nvSpPr>
-            <p:cNvPr id="10" name="TextBox 9"/>
-            <p:cNvSpPr txBox="1"/>
-            <p:nvPr/>
-          </p:nvSpPr>
-          <p:spPr>
-            <a:xfrm>
-              <a:off x="179512" y="188639"/>
-              <a:ext cx="7799691" cy="686727"/>
-            </a:xfrm>
-            <a:prstGeom prst="rect">
-              <a:avLst/>
-            </a:prstGeom>
-            <a:noFill/>
-          </p:spPr>
-          <p:txBody>
-            <a:bodyPr wrap="none" rtlCol="0">
-              <a:spAutoFit/>
-            </a:bodyPr>
-            <a:lstStyle/>
-            <a:p>
-              <a:r>
-                <a:rPr lang="en-US" altLang="ko-KR" sz="3600" b="1" dirty="0" smtClean="0"/>
-                <a:t>UI </a:t>
-              </a:r>
-              <a:r>
-                <a:rPr lang="ko-KR" altLang="en-US" sz="3600" b="1" dirty="0" err="1" smtClean="0"/>
-                <a:t>스레드</a:t>
-              </a:r>
-              <a:r>
-                <a:rPr lang="en-US" altLang="ko-KR" sz="3600" b="1" dirty="0" smtClean="0"/>
-                <a:t>(</a:t>
-              </a:r>
-              <a:r>
-                <a:rPr lang="ko-KR" altLang="en-US" sz="3600" b="1" dirty="0" smtClean="0"/>
-                <a:t>메인 </a:t>
-              </a:r>
-              <a:r>
-                <a:rPr lang="ko-KR" altLang="en-US" sz="3600" b="1" dirty="0" err="1" smtClean="0"/>
-                <a:t>스레드</a:t>
-              </a:r>
-              <a:r>
-                <a:rPr lang="en-US" altLang="ko-KR" sz="3600" b="1" dirty="0" smtClean="0"/>
-                <a:t>) </a:t>
-              </a:r>
-              <a:r>
-                <a:rPr lang="ko-KR" altLang="en-US" sz="3600" b="1" dirty="0" smtClean="0"/>
-                <a:t>이벤트 처리</a:t>
-              </a:r>
-              <a:endParaRPr lang="ko-KR" altLang="en-US" sz="3600" b="1" dirty="0"/>
-            </a:p>
-          </p:txBody>
-        </p:sp>
-        <p:cxnSp>
-          <p:nvCxnSpPr>
-            <p:cNvPr id="13" name="직선 연결선 12"/>
-            <p:cNvCxnSpPr/>
-            <p:nvPr/>
-          </p:nvCxnSpPr>
-          <p:spPr>
-            <a:xfrm>
-              <a:off x="287295" y="1259760"/>
-              <a:ext cx="7404591" cy="0"/>
-            </a:xfrm>
-            <a:prstGeom prst="line">
-              <a:avLst/>
-            </a:prstGeom>
-            <a:ln/>
-          </p:spPr>
-          <p:style>
-            <a:lnRef idx="2">
-              <a:schemeClr val="accent1"/>
-            </a:lnRef>
-            <a:fillRef idx="0">
-              <a:schemeClr val="accent1"/>
-            </a:fillRef>
-            <a:effectRef idx="1">
-              <a:schemeClr val="accent1"/>
-            </a:effectRef>
-            <a:fontRef idx="minor">
-              <a:schemeClr val="tx1"/>
-            </a:fontRef>
-          </p:style>
-        </p:cxnSp>
-      </p:grpSp>
       <p:sp>
         <p:nvSpPr>
           <p:cNvPr id="8" name="TextBox 7"/>
@@ -10840,8 +8273,8 @@
         </p:nvSpPr>
         <p:spPr>
           <a:xfrm>
-            <a:off x="107504" y="1628800"/>
-            <a:ext cx="8916022" cy="5016758"/>
+            <a:off x="107504" y="246127"/>
+            <a:ext cx="8916022" cy="2246769"/>
           </a:xfrm>
           <a:prstGeom prst="rect">
             <a:avLst/>
@@ -10854,152 +8287,103 @@
           </a:bodyPr>
           <a:lstStyle/>
           <a:p>
-            <a:r>
-              <a:rPr lang="ko-KR" altLang="en-US" sz="2000" b="1" dirty="0" smtClean="0"/>
-              <a:t>메인 </a:t>
-            </a:r>
-            <a:r>
-              <a:rPr lang="ko-KR" altLang="en-US" sz="2000" b="1" dirty="0" err="1" smtClean="0"/>
-              <a:t>스레드</a:t>
-            </a:r>
-            <a:r>
-              <a:rPr lang="en-US" altLang="ko-KR" sz="2000" b="1" dirty="0" smtClean="0"/>
-              <a:t>(Main Thread, UI Thread)</a:t>
-            </a:r>
             <a:endParaRPr lang="en-US" altLang="ko-KR" sz="2000" dirty="0"/>
           </a:p>
           <a:p>
-            <a:endParaRPr lang="en-US" altLang="ko-KR" sz="2000" dirty="0" smtClean="0"/>
-          </a:p>
-          <a:p>
             <a:pPr marL="342900" indent="-342900">
-              <a:buFont typeface="Arial" panose="020B0604020202020204" pitchFamily="34" charset="0"/>
+              <a:buFont typeface="Arial" pitchFamily="34" charset="0"/>
               <a:buChar char="•"/>
             </a:pPr>
             <a:r>
+              <a:rPr lang="ko-KR" altLang="en-US" sz="2000" dirty="0" smtClean="0">
+                <a:effectLst/>
+              </a:rPr>
+              <a:t>이벤트 </a:t>
+            </a:r>
+            <a:r>
+              <a:rPr lang="ko-KR" altLang="en-US" sz="2000" dirty="0" err="1" smtClean="0">
+                <a:effectLst/>
+              </a:rPr>
+              <a:t>핸들러</a:t>
+            </a:r>
+            <a:endParaRPr lang="en-US" altLang="ko-KR" sz="2000" dirty="0" smtClean="0">
+              <a:effectLst/>
+            </a:endParaRPr>
+          </a:p>
+          <a:p>
+            <a:r>
+              <a:rPr lang="ko-KR" altLang="en-US" sz="2000" dirty="0" smtClean="0">
+                <a:effectLst/>
+              </a:rPr>
+              <a:t>사용자 이벤트를 처리하는 것에 있어서 이벤트 </a:t>
+            </a:r>
+            <a:r>
+              <a:rPr lang="ko-KR" altLang="en-US" sz="2000" dirty="0" err="1" smtClean="0">
+                <a:effectLst/>
+              </a:rPr>
+              <a:t>리스너를</a:t>
+            </a:r>
+            <a:r>
+              <a:rPr lang="ko-KR" altLang="en-US" sz="2000" dirty="0" smtClean="0">
+                <a:effectLst/>
+              </a:rPr>
+              <a:t> 사용하는 것이 좀 더 보편적이지만</a:t>
+            </a:r>
+            <a:r>
+              <a:rPr lang="en-US" altLang="ko-KR" sz="2000" dirty="0" smtClean="0">
+                <a:effectLst/>
+              </a:rPr>
+              <a:t>, </a:t>
+            </a:r>
+            <a:r>
+              <a:rPr lang="ko-KR" altLang="en-US" sz="2000" dirty="0" err="1" smtClean="0">
+                <a:effectLst/>
+              </a:rPr>
+              <a:t>커스텀</a:t>
+            </a:r>
+            <a:r>
+              <a:rPr lang="ko-KR" altLang="en-US" sz="2000" dirty="0" smtClean="0"/>
+              <a:t> 컴포넌트를 구축하기 위해  </a:t>
+            </a:r>
+            <a:r>
+              <a:rPr lang="en-US" altLang="ko-KR" sz="2000" dirty="0" smtClean="0"/>
+              <a:t>View </a:t>
+            </a:r>
+            <a:r>
+              <a:rPr lang="ko-KR" altLang="en-US" sz="2000" dirty="0" smtClean="0"/>
+              <a:t>클래스를 확장하는 경우</a:t>
+            </a:r>
+            <a:r>
+              <a:rPr lang="en-US" altLang="ko-KR" sz="2000" dirty="0" smtClean="0"/>
+              <a:t>, </a:t>
+            </a:r>
+            <a:r>
+              <a:rPr lang="ko-KR" altLang="en-US" sz="2000" dirty="0" smtClean="0"/>
+              <a:t>클래스에 대한 기본 이벤트 행동을 클래스 이벤트 </a:t>
+            </a:r>
+            <a:r>
               <a:rPr lang="ko-KR" altLang="en-US" sz="2000" dirty="0" err="1" smtClean="0"/>
-              <a:t>안드로이드</a:t>
-            </a:r>
-            <a:r>
-              <a:rPr lang="ko-KR" altLang="en-US" sz="2000" dirty="0" smtClean="0"/>
-              <a:t> 애플리케이션의 </a:t>
-            </a:r>
-            <a:r>
-              <a:rPr lang="en-US" altLang="ko-KR" sz="2000" dirty="0" smtClean="0"/>
-              <a:t>Main Thread.</a:t>
-            </a:r>
-          </a:p>
-          <a:p>
-            <a:pPr marL="342900" indent="-342900">
-              <a:buFont typeface="Arial" panose="020B0604020202020204" pitchFamily="34" charset="0"/>
-              <a:buChar char="•"/>
-            </a:pPr>
-            <a:r>
-              <a:rPr lang="ko-KR" altLang="en-US" sz="2000" dirty="0" smtClean="0"/>
-              <a:t>애플리케이션이 실행되었을 때</a:t>
-            </a:r>
-            <a:r>
-              <a:rPr lang="en-US" altLang="ko-KR" sz="2000" dirty="0" smtClean="0"/>
-              <a:t>, </a:t>
-            </a:r>
-            <a:r>
-              <a:rPr lang="ko-KR" altLang="en-US" sz="2000" dirty="0" smtClean="0"/>
-              <a:t>시스템에 의해 생성</a:t>
-            </a:r>
-            <a:r>
-              <a:rPr lang="en-US" altLang="ko-KR" sz="2000" dirty="0" smtClean="0"/>
-              <a:t>.</a:t>
-            </a:r>
-          </a:p>
-          <a:p>
-            <a:pPr marL="342900" indent="-342900">
-              <a:buFont typeface="Arial" panose="020B0604020202020204" pitchFamily="34" charset="0"/>
-              <a:buChar char="•"/>
-            </a:pPr>
-            <a:r>
-              <a:rPr lang="ko-KR" altLang="en-US" sz="2000" dirty="0" smtClean="0"/>
-              <a:t>역할</a:t>
-            </a:r>
-            <a:endParaRPr lang="en-US" altLang="ko-KR" sz="2000" dirty="0" smtClean="0"/>
-          </a:p>
-          <a:p>
-            <a:pPr marL="800100" lvl="1" indent="-342900">
-              <a:buFont typeface="Arial" panose="020B0604020202020204" pitchFamily="34" charset="0"/>
-              <a:buChar char="•"/>
-            </a:pPr>
-            <a:r>
-              <a:rPr lang="en-US" altLang="ko-KR" sz="2000" dirty="0" smtClean="0"/>
-              <a:t>UI </a:t>
-            </a:r>
-            <a:r>
-              <a:rPr lang="ko-KR" altLang="en-US" sz="2000" dirty="0" smtClean="0"/>
-              <a:t>이벤트</a:t>
-            </a:r>
-            <a:r>
-              <a:rPr lang="en-US" altLang="ko-KR" sz="2000" dirty="0" smtClean="0"/>
-              <a:t>(</a:t>
-            </a:r>
-            <a:r>
-              <a:rPr lang="ko-KR" altLang="en-US" sz="2000" dirty="0" smtClean="0"/>
-              <a:t>사용자 입력 </a:t>
-            </a:r>
-            <a:r>
-              <a:rPr lang="en-US" altLang="ko-KR" sz="2000" dirty="0" smtClean="0"/>
-              <a:t>/ </a:t>
-            </a:r>
-            <a:r>
-              <a:rPr lang="ko-KR" altLang="en-US" sz="2000" dirty="0" smtClean="0"/>
-              <a:t>화면 </a:t>
-            </a:r>
-            <a:r>
-              <a:rPr lang="en-US" altLang="ko-KR" sz="2000" dirty="0" smtClean="0"/>
-              <a:t>Drawing) </a:t>
-            </a:r>
-            <a:r>
-              <a:rPr lang="ko-KR" altLang="en-US" sz="2000" dirty="0" smtClean="0"/>
-              <a:t>처리</a:t>
-            </a:r>
-            <a:r>
-              <a:rPr lang="en-US" altLang="ko-KR" sz="2000" dirty="0" smtClean="0"/>
-              <a:t>.</a:t>
-            </a:r>
-          </a:p>
-          <a:p>
-            <a:pPr marL="800100" lvl="1" indent="-342900">
-              <a:buFont typeface="Arial" panose="020B0604020202020204" pitchFamily="34" charset="0"/>
-              <a:buChar char="•"/>
-            </a:pPr>
+              <a:t>핸들러를</a:t>
+            </a:r>
+            <a:r>
+              <a:rPr lang="ko-KR" altLang="en-US" sz="2000" dirty="0" smtClean="0"/>
+              <a:t> 사용하여 정의 할 수 있습니다</a:t>
+            </a:r>
+            <a:r>
+              <a:rPr lang="en-US" altLang="ko-KR" sz="2000" dirty="0" smtClean="0"/>
+              <a:t>. </a:t>
+            </a:r>
+            <a:r>
+              <a:rPr lang="ko-KR" altLang="en-US" sz="2000" dirty="0" smtClean="0"/>
+              <a:t>이때 기본 이벤트 </a:t>
+            </a:r>
             <a:r>
               <a:rPr lang="ko-KR" altLang="en-US" sz="2000" dirty="0" err="1" smtClean="0"/>
-              <a:t>안드로이드</a:t>
-            </a:r>
-            <a:r>
-              <a:rPr lang="ko-KR" altLang="en-US" sz="2000" dirty="0" smtClean="0"/>
-              <a:t> 컴포넌트</a:t>
-            </a:r>
-            <a:r>
-              <a:rPr lang="en-US" altLang="ko-KR" sz="2000" dirty="0" smtClean="0"/>
-              <a:t>(Activity, Service </a:t>
-            </a:r>
-            <a:r>
-              <a:rPr lang="ko-KR" altLang="en-US" sz="2000" dirty="0" smtClean="0"/>
-              <a:t>등</a:t>
-            </a:r>
-            <a:r>
-              <a:rPr lang="en-US" altLang="ko-KR" sz="2000" dirty="0" smtClean="0"/>
-              <a:t>)</a:t>
-            </a:r>
-            <a:r>
-              <a:rPr lang="ko-KR" altLang="en-US" sz="2000" dirty="0" smtClean="0"/>
-              <a:t>의 </a:t>
-            </a:r>
-            <a:r>
-              <a:rPr lang="ko-KR" altLang="en-US" sz="2000" dirty="0" err="1" smtClean="0"/>
-              <a:t>인스턴스</a:t>
-            </a:r>
-            <a:r>
-              <a:rPr lang="ko-KR" altLang="en-US" sz="2000" dirty="0" smtClean="0"/>
-              <a:t> 생성 및 생명 주기 </a:t>
+              <a:t>핸들러로</a:t>
+            </a:r>
+            <a:r>
+              <a:rPr lang="ko-KR" altLang="en-US" sz="2000" dirty="0" smtClean="0"/>
+              <a:t> 사용될 </a:t>
             </a:r>
             <a:r>
               <a:rPr lang="ko-KR" altLang="en-US" sz="2000" dirty="0" err="1" smtClean="0"/>
@@ -11007,106 +8391,71 @@
             </a:r>
             <a:r>
               <a:rPr lang="ko-KR" altLang="en-US" sz="2000" dirty="0" smtClean="0"/>
-              <a:t> 호출</a:t>
+              <a:t> </a:t>
+            </a:r>
+            <a:r>
+              <a:rPr lang="ko-KR" altLang="en-US" sz="2000" dirty="0" err="1" smtClean="0"/>
+              <a:t>메서드를</a:t>
+            </a:r>
+            <a:r>
+              <a:rPr lang="ko-KR" altLang="en-US" sz="2000" dirty="0" smtClean="0"/>
+              <a:t> 여러 개 정의할 수 있게 됩니다</a:t>
             </a:r>
             <a:r>
               <a:rPr lang="en-US" altLang="ko-KR" sz="2000" dirty="0" smtClean="0"/>
               <a:t>.</a:t>
             </a:r>
-          </a:p>
-          <a:p>
-            <a:pPr marL="800100" lvl="1" indent="-342900">
-              <a:buFont typeface="Arial" panose="020B0604020202020204" pitchFamily="34" charset="0"/>
-              <a:buChar char="•"/>
-            </a:pPr>
-            <a:endParaRPr lang="en-US" altLang="ko-KR" sz="2000" dirty="0" smtClean="0"/>
-          </a:p>
-          <a:p>
-            <a:r>
-              <a:rPr lang="ko-KR" altLang="en-US" sz="2000" dirty="0" smtClean="0"/>
-              <a:t>이처럼 </a:t>
-            </a:r>
-            <a:r>
-              <a:rPr lang="en-US" altLang="ko-KR" sz="2000" dirty="0" smtClean="0"/>
-              <a:t>UI </a:t>
-            </a:r>
-            <a:r>
-              <a:rPr lang="ko-KR" altLang="en-US" sz="2000" dirty="0" err="1" smtClean="0"/>
-              <a:t>스레드에서</a:t>
-            </a:r>
-            <a:r>
-              <a:rPr lang="ko-KR" altLang="en-US" sz="2000" dirty="0" smtClean="0"/>
-              <a:t> 모든 작업을 처리하는 모델의 단점은 네트워크 접속 또는 데이터베이스 쿼리와 같이 오래 걸리는 작업을 하는 동안 </a:t>
-            </a:r>
-            <a:r>
-              <a:rPr lang="en-US" altLang="ko-KR" sz="2000" dirty="0" smtClean="0"/>
-              <a:t>UI </a:t>
-            </a:r>
-            <a:r>
-              <a:rPr lang="ko-KR" altLang="en-US" sz="2000" dirty="0" smtClean="0"/>
-              <a:t>관련된 작업은 처리되지 못한다</a:t>
-            </a:r>
-            <a:r>
-              <a:rPr lang="en-US" altLang="ko-KR" sz="2000" dirty="0" smtClean="0"/>
-              <a:t>.</a:t>
-            </a:r>
-          </a:p>
-          <a:p>
-            <a:endParaRPr lang="en-US" altLang="ko-KR" sz="2000" dirty="0" smtClean="0"/>
-          </a:p>
-          <a:p>
-            <a:r>
-              <a:rPr lang="ko-KR" altLang="en-US" sz="2000" dirty="0" smtClean="0"/>
-              <a:t>이것이 문제가 되는 이유는</a:t>
-            </a:r>
-            <a:r>
-              <a:rPr lang="en-US" altLang="ko-KR" sz="2000" dirty="0" smtClean="0"/>
-              <a:t>, </a:t>
-            </a:r>
-            <a:r>
-              <a:rPr lang="ko-KR" altLang="en-US" sz="2000" dirty="0" smtClean="0"/>
-              <a:t>오랜 시간 동안에 </a:t>
-            </a:r>
-            <a:r>
-              <a:rPr lang="en-US" altLang="ko-KR" sz="2000" dirty="0" smtClean="0"/>
-              <a:t>UI</a:t>
-            </a:r>
-            <a:r>
-              <a:rPr lang="ko-KR" altLang="en-US" sz="2000" dirty="0"/>
-              <a:t> </a:t>
-            </a:r>
-            <a:r>
-              <a:rPr lang="ko-KR" altLang="en-US" sz="2000" dirty="0" smtClean="0"/>
-              <a:t>관련 작업이 처리되지 못하면 </a:t>
-            </a:r>
-            <a:r>
-              <a:rPr lang="en-US" altLang="ko-KR" sz="2000" dirty="0" smtClean="0"/>
-              <a:t>ANR(application not responding)</a:t>
-            </a:r>
-            <a:r>
-              <a:rPr lang="ko-KR" altLang="en-US" sz="2000" dirty="0" smtClean="0"/>
-              <a:t>이라는 에러가 발생하게 되고 </a:t>
-            </a:r>
-            <a:r>
-              <a:rPr lang="ko-KR" altLang="en-US" sz="2000" dirty="0" err="1" smtClean="0"/>
-              <a:t>앱이</a:t>
-            </a:r>
-            <a:r>
-              <a:rPr lang="ko-KR" altLang="en-US" sz="2000" dirty="0" smtClean="0"/>
-              <a:t> 정지된다</a:t>
-            </a:r>
-            <a:r>
-              <a:rPr lang="en-US" altLang="ko-KR" sz="2000" dirty="0" smtClean="0"/>
-              <a:t>.</a:t>
-            </a:r>
-            <a:endParaRPr lang="en-US" altLang="ko-KR" sz="2000" dirty="0"/>
-          </a:p>
-        </p:txBody>
-      </p:sp>
+            <a:endParaRPr lang="en-US" altLang="ko-KR" sz="2000" dirty="0">
+              <a:effectLst/>
+            </a:endParaRPr>
+          </a:p>
+        </p:txBody>
+      </p:sp>
+      <p:pic>
+        <p:nvPicPr>
+          <p:cNvPr id="2050" name="Picture 2" descr="C:\Users\mutecsoft\Pictures\2016-04-12 10;49;35.jpg"/>
+          <p:cNvPicPr>
+            <a:picLocks noChangeAspect="1" noChangeArrowheads="1"/>
+          </p:cNvPicPr>
+          <p:nvPr/>
+        </p:nvPicPr>
+        <p:blipFill>
+          <a:blip r:embed="rId2">
+            <a:extLst>
+              <a:ext uri="{28A0092B-C50C-407E-A947-70E740481C1C}">
+                <a14:useLocalDpi xmlns:a14="http://schemas.microsoft.com/office/drawing/2010/main" val="0"/>
+              </a:ext>
+            </a:extLst>
+          </a:blip>
+          <a:srcRect/>
+          <a:stretch>
+            <a:fillRect/>
+          </a:stretch>
+        </p:blipFill>
+        <p:spPr bwMode="auto">
+          <a:xfrm>
+            <a:off x="55104" y="3284984"/>
+            <a:ext cx="8998871" cy="2304256"/>
+          </a:xfrm>
+          <a:prstGeom prst="rect">
+            <a:avLst/>
+          </a:prstGeom>
+          <a:noFill/>
+          <a:extLst>
+            <a:ext uri="{909E8E84-426E-40DD-AFC4-6F175D3DCCD1}">
+              <a14:hiddenFill xmlns:a14="http://schemas.microsoft.com/office/drawing/2010/main">
+                <a:solidFill>
+                  <a:srgbClr val="FFFFFF"/>
+                </a:solidFill>
+              </a14:hiddenFill>
+            </a:ext>
+          </a:extLst>
+        </p:spPr>
+      </p:pic>
     </p:spTree>
     <p:extLst>
       <p:ext uri="{BB962C8B-B14F-4D97-AF65-F5344CB8AC3E}">
-        <p14:creationId xmlns:p14="http://schemas.microsoft.com/office/powerpoint/2010/main" val="3224168662"/>
+        <p14:creationId xmlns:p14="http://schemas.microsoft.com/office/powerpoint/2010/main" val="1197683854"/>
       </p:ext>
     </p:extLst>
   </p:cSld>

--- a/안드로이드 UI.pptx
+++ b/안드로이드 UI.pptx
@@ -128,7 +128,7 @@
   </p:defaultTextStyle>
   <p:extLst>
     <p:ext uri="{EFAFB233-063F-42B5-8137-9DF3F51BA10A}">
-      <p15:sldGuideLst xmlns:p15="http://schemas.microsoft.com/office/powerpoint/2012/main" xmlns="">
+      <p15:sldGuideLst xmlns="" xmlns:p15="http://schemas.microsoft.com/office/powerpoint/2012/main">
         <p15:guide id="1" orient="horz" pos="2160">
           <p15:clr>
             <a:srgbClr val="A4A3A4"/>
@@ -227,7 +227,7 @@
           <a:p>
             <a:fld id="{73B52958-36A3-49D5-9CEA-C56256E835C4}" type="datetimeFigureOut">
               <a:rPr lang="ko-KR" altLang="en-US" smtClean="0"/>
-              <a:t>2016-04-12</a:t>
+              <a:t>2016-04-14</a:t>
             </a:fld>
             <a:endParaRPr lang="ko-KR" altLang="en-US"/>
           </a:p>
@@ -676,7 +676,7 @@
           <a:p>
             <a:fld id="{7BBE1449-B994-46CA-8C66-9319FCA2F4E0}" type="datetimeFigureOut">
               <a:rPr lang="ko-KR" altLang="en-US" smtClean="0"/>
-              <a:t>2016-04-12</a:t>
+              <a:t>2016-04-14</a:t>
             </a:fld>
             <a:endParaRPr lang="ko-KR" altLang="en-US"/>
           </a:p>
@@ -846,7 +846,7 @@
           <a:p>
             <a:fld id="{7BBE1449-B994-46CA-8C66-9319FCA2F4E0}" type="datetimeFigureOut">
               <a:rPr lang="ko-KR" altLang="en-US" smtClean="0"/>
-              <a:t>2016-04-12</a:t>
+              <a:t>2016-04-14</a:t>
             </a:fld>
             <a:endParaRPr lang="ko-KR" altLang="en-US"/>
           </a:p>
@@ -1026,7 +1026,7 @@
           <a:p>
             <a:fld id="{7BBE1449-B994-46CA-8C66-9319FCA2F4E0}" type="datetimeFigureOut">
               <a:rPr lang="ko-KR" altLang="en-US" smtClean="0"/>
-              <a:t>2016-04-12</a:t>
+              <a:t>2016-04-14</a:t>
             </a:fld>
             <a:endParaRPr lang="ko-KR" altLang="en-US"/>
           </a:p>
@@ -1196,7 +1196,7 @@
           <a:p>
             <a:fld id="{7BBE1449-B994-46CA-8C66-9319FCA2F4E0}" type="datetimeFigureOut">
               <a:rPr lang="ko-KR" altLang="en-US" smtClean="0"/>
-              <a:t>2016-04-12</a:t>
+              <a:t>2016-04-14</a:t>
             </a:fld>
             <a:endParaRPr lang="ko-KR" altLang="en-US"/>
           </a:p>
@@ -1442,7 +1442,7 @@
           <a:p>
             <a:fld id="{7BBE1449-B994-46CA-8C66-9319FCA2F4E0}" type="datetimeFigureOut">
               <a:rPr lang="ko-KR" altLang="en-US" smtClean="0"/>
-              <a:t>2016-04-12</a:t>
+              <a:t>2016-04-14</a:t>
             </a:fld>
             <a:endParaRPr lang="ko-KR" altLang="en-US"/>
           </a:p>
@@ -1730,7 +1730,7 @@
           <a:p>
             <a:fld id="{7BBE1449-B994-46CA-8C66-9319FCA2F4E0}" type="datetimeFigureOut">
               <a:rPr lang="ko-KR" altLang="en-US" smtClean="0"/>
-              <a:t>2016-04-12</a:t>
+              <a:t>2016-04-14</a:t>
             </a:fld>
             <a:endParaRPr lang="ko-KR" altLang="en-US"/>
           </a:p>
@@ -2152,7 +2152,7 @@
           <a:p>
             <a:fld id="{7BBE1449-B994-46CA-8C66-9319FCA2F4E0}" type="datetimeFigureOut">
               <a:rPr lang="ko-KR" altLang="en-US" smtClean="0"/>
-              <a:t>2016-04-12</a:t>
+              <a:t>2016-04-14</a:t>
             </a:fld>
             <a:endParaRPr lang="ko-KR" altLang="en-US"/>
           </a:p>
@@ -2270,7 +2270,7 @@
           <a:p>
             <a:fld id="{7BBE1449-B994-46CA-8C66-9319FCA2F4E0}" type="datetimeFigureOut">
               <a:rPr lang="ko-KR" altLang="en-US" smtClean="0"/>
-              <a:t>2016-04-12</a:t>
+              <a:t>2016-04-14</a:t>
             </a:fld>
             <a:endParaRPr lang="ko-KR" altLang="en-US"/>
           </a:p>
@@ -2365,7 +2365,7 @@
           <a:p>
             <a:fld id="{7BBE1449-B994-46CA-8C66-9319FCA2F4E0}" type="datetimeFigureOut">
               <a:rPr lang="ko-KR" altLang="en-US" smtClean="0"/>
-              <a:t>2016-04-12</a:t>
+              <a:t>2016-04-14</a:t>
             </a:fld>
             <a:endParaRPr lang="ko-KR" altLang="en-US"/>
           </a:p>
@@ -2642,7 +2642,7 @@
           <a:p>
             <a:fld id="{7BBE1449-B994-46CA-8C66-9319FCA2F4E0}" type="datetimeFigureOut">
               <a:rPr lang="ko-KR" altLang="en-US" smtClean="0"/>
-              <a:t>2016-04-12</a:t>
+              <a:t>2016-04-14</a:t>
             </a:fld>
             <a:endParaRPr lang="ko-KR" altLang="en-US"/>
           </a:p>
@@ -2895,7 +2895,7 @@
           <a:p>
             <a:fld id="{7BBE1449-B994-46CA-8C66-9319FCA2F4E0}" type="datetimeFigureOut">
               <a:rPr lang="ko-KR" altLang="en-US" smtClean="0"/>
-              <a:t>2016-04-12</a:t>
+              <a:t>2016-04-14</a:t>
             </a:fld>
             <a:endParaRPr lang="ko-KR" altLang="en-US"/>
           </a:p>
@@ -3108,7 +3108,7 @@
           <a:p>
             <a:fld id="{7BBE1449-B994-46CA-8C66-9319FCA2F4E0}" type="datetimeFigureOut">
               <a:rPr lang="ko-KR" altLang="en-US" smtClean="0"/>
-              <a:t>2016-04-12</a:t>
+              <a:t>2016-04-14</a:t>
             </a:fld>
             <a:endParaRPr lang="ko-KR" altLang="en-US"/>
           </a:p>
@@ -6527,7 +6527,7 @@
         <p:spPr>
           <a:xfrm>
             <a:off x="107504" y="1556792"/>
-            <a:ext cx="8916022" cy="6555641"/>
+            <a:ext cx="8916022" cy="7478970"/>
           </a:xfrm>
           <a:prstGeom prst="rect">
             <a:avLst/>
@@ -6680,6 +6680,27 @@
               </a:rPr>
               <a:t>horajjan.blog.me/110190167640</a:t>
             </a:r>
+            <a:endParaRPr lang="en-US" altLang="ko-KR" sz="2000" dirty="0" smtClean="0"/>
+          </a:p>
+          <a:p>
+            <a:endParaRPr lang="en-US" altLang="ko-KR" sz="2000" dirty="0"/>
+          </a:p>
+          <a:p>
+            <a:r>
+              <a:rPr lang="en-US" altLang="ko-KR" sz="2000" dirty="0">
+                <a:hlinkClick r:id="rId8"/>
+              </a:rPr>
+              <a:t>http://</a:t>
+            </a:r>
+            <a:r>
+              <a:rPr lang="en-US" altLang="ko-KR" sz="2000" dirty="0" smtClean="0">
+                <a:hlinkClick r:id="rId8"/>
+              </a:rPr>
+              <a:t>blog.naver.com/sandyhallyu/70176286012</a:t>
+            </a:r>
+            <a:endParaRPr lang="en-US" altLang="ko-KR" sz="2000" dirty="0" smtClean="0"/>
+          </a:p>
+          <a:p>
             <a:endParaRPr lang="en-US" altLang="ko-KR" sz="2000" dirty="0" smtClean="0"/>
           </a:p>
           <a:p>
